--- a/Presentacion/Presentación Proyecto.pptx
+++ b/Presentacion/Presentación Proyecto.pptx
@@ -248,7 +248,7 @@
       <p15:sldGuideLst xmlns:p15="http://schemas.microsoft.com/office/powerpoint/2012/main"/>
     </p:ext>
     <p:ext uri="http://customooxmlschemas.google.com/">
-      <go:slidesCustomData xmlns="" xmlns:mc="http://schemas.openxmlformats.org/markup-compatibility/2006" xmlns:mv="urn:schemas-microsoft-com:mac:vml" xmlns:c="http://schemas.openxmlformats.org/drawingml/2006/chart" xmlns:dgm="http://schemas.openxmlformats.org/drawingml/2006/diagram" xmlns:o="urn:schemas-microsoft-com:office:office" xmlns:v="urn:schemas-microsoft-com:vml" xmlns:pvml="urn:schemas-microsoft-com:office:powerpoint" xmlns:com="http://schemas.openxmlformats.org/drawingml/2006/compatibility" xmlns:p14="http://schemas.microsoft.com/office/powerpoint/2010/main" xmlns:p15="http://schemas.microsoft.com/office/powerpoint/2012/main" xmlns:ahyp="http://schemas.microsoft.com/office/drawing/2018/hyperlinkcolor" xmlns:go="http://customooxmlschemas.google.com/" r:id="rId21" roundtripDataSignature="AMtx7mjHzTg+goWcQk8fO5It0l+0ng5KHA=="/>
+      <go:slidesCustomData xmlns:go="http://customooxmlschemas.google.com/" xmlns:ahyp="http://schemas.microsoft.com/office/drawing/2018/hyperlinkcolor" xmlns:p15="http://schemas.microsoft.com/office/powerpoint/2012/main" xmlns:p14="http://schemas.microsoft.com/office/powerpoint/2010/main" xmlns:com="http://schemas.openxmlformats.org/drawingml/2006/compatibility" xmlns:pvml="urn:schemas-microsoft-com:office:powerpoint" xmlns:v="urn:schemas-microsoft-com:vml" xmlns:o="urn:schemas-microsoft-com:office:office" xmlns:dgm="http://schemas.openxmlformats.org/drawingml/2006/diagram" xmlns:c="http://schemas.openxmlformats.org/drawingml/2006/chart" xmlns:mv="urn:schemas-microsoft-com:mac:vml" xmlns:mc="http://schemas.openxmlformats.org/markup-compatibility/2006" xmlns="" r:id="rId21" roundtripDataSignature="AMtx7mjHzTg+goWcQk8fO5It0l+0ng5KHA=="/>
     </p:ext>
   </p:extLst>
 </p:presentation>
@@ -16703,14 +16703,14 @@
       </p:pic>
       <p:sp>
         <p:nvSpPr>
-          <p:cNvPr id="193" name="Google Shape;193;p1"/>
-          <p:cNvSpPr/>
+          <p:cNvPr id="7" name="Google Shape;192;p1"/>
+          <p:cNvSpPr txBox="1"/>
           <p:nvPr/>
         </p:nvSpPr>
         <p:spPr>
           <a:xfrm>
-            <a:off x="7499160" y="1143000"/>
-            <a:ext cx="2114640" cy="515880"/>
+            <a:off x="5556600" y="2250000"/>
+            <a:ext cx="6145920" cy="1633680"/>
           </a:xfrm>
           <a:prstGeom prst="rect">
             <a:avLst/>
@@ -16721,14 +16721,14 @@
           </a:ln>
         </p:spPr>
         <p:txBody>
-          <a:bodyPr spcFirstLastPara="1" wrap="square" lIns="90000" tIns="45000" rIns="90000" bIns="45000" anchor="t" anchorCtr="0">
-            <a:spAutoFit/>
+          <a:bodyPr spcFirstLastPara="1" wrap="square" lIns="91425" tIns="45700" rIns="91425" bIns="45700" anchor="b" anchorCtr="0">
+            <a:noAutofit/>
           </a:bodyPr>
           <a:lstStyle/>
           <a:p>
-            <a:pPr marL="0" marR="0" lvl="0" indent="0" algn="ctr" rtl="0">
-              <a:lnSpc>
-                <a:spcPct val="100000"/>
+            <a:pPr marL="0" marR="0" lvl="0" indent="0" algn="r" rtl="0">
+              <a:lnSpc>
+                <a:spcPct val="90000"/>
               </a:lnSpc>
               <a:spcBef>
                 <a:spcPts val="0"/>
@@ -16739,141 +16739,73 @@
               <a:buClr>
                 <a:srgbClr val="000000"/>
               </a:buClr>
-              <a:buSzPts val="1400"/>
+              <a:buSzPts val="3600"/>
               <a:buFont typeface="Arial"/>
               <a:buNone/>
             </a:pPr>
             <a:r>
-              <a:rPr lang="en-US" sz="1400" b="0" i="1" u="none" strike="noStrike" cap="none" dirty="0" err="1">
+              <a:rPr lang="en-US" sz="3600" b="0" i="0" u="none" strike="noStrike" cap="none" dirty="0" err="1" smtClean="0">
                 <a:solidFill>
-                  <a:schemeClr val="accent2"/>
+                  <a:srgbClr val="000000"/>
                 </a:solidFill>
                 <a:latin typeface="Arial"/>
                 <a:ea typeface="Arial"/>
                 <a:cs typeface="Arial"/>
                 <a:sym typeface="Arial"/>
               </a:rPr>
-              <a:t>Usa</a:t>
+              <a:t>Investigación</a:t>
             </a:r>
             <a:r>
-              <a:rPr lang="en-US" sz="1400" b="0" i="1" u="none" strike="noStrike" cap="none" dirty="0">
+              <a:rPr lang="en-US" sz="3600" b="0" i="0" u="none" strike="noStrike" cap="none" dirty="0" smtClean="0">
                 <a:solidFill>
-                  <a:schemeClr val="accent2"/>
+                  <a:srgbClr val="000000"/>
                 </a:solidFill>
                 <a:latin typeface="Arial"/>
                 <a:ea typeface="Arial"/>
                 <a:cs typeface="Arial"/>
                 <a:sym typeface="Arial"/>
               </a:rPr>
-              <a:t> el </a:t>
+              <a:t> para la </a:t>
             </a:r>
             <a:r>
-              <a:rPr lang="en-US" sz="1400" b="0" i="1" u="none" strike="noStrike" cap="none" dirty="0" err="1">
+              <a:rPr lang="en-US" sz="3600" b="0" i="0" u="none" strike="noStrike" cap="none" dirty="0" err="1" smtClean="0">
                 <a:solidFill>
-                  <a:schemeClr val="accent2"/>
+                  <a:srgbClr val="000000"/>
                 </a:solidFill>
                 <a:latin typeface="Arial"/>
                 <a:ea typeface="Arial"/>
                 <a:cs typeface="Arial"/>
                 <a:sym typeface="Arial"/>
               </a:rPr>
-              <a:t>mismo</a:t>
+              <a:t>comprensión</a:t>
             </a:r>
             <a:r>
-              <a:rPr lang="en-US" sz="1400" b="0" i="1" u="none" strike="noStrike" cap="none" dirty="0">
+              <a:rPr lang="en-US" sz="3600" b="0" i="0" u="none" strike="noStrike" cap="none" dirty="0" smtClean="0">
                 <a:solidFill>
-                  <a:schemeClr val="accent2"/>
+                  <a:srgbClr val="000000"/>
                 </a:solidFill>
                 <a:latin typeface="Arial"/>
                 <a:ea typeface="Arial"/>
                 <a:cs typeface="Arial"/>
                 <a:sym typeface="Arial"/>
               </a:rPr>
-              <a:t> </a:t>
+              <a:t> de </a:t>
             </a:r>
             <a:r>
-              <a:rPr lang="en-US" sz="1400" b="0" i="1" u="none" strike="noStrike" cap="none" dirty="0" err="1">
+              <a:rPr lang="en-US" sz="3600" b="0" i="0" u="none" strike="noStrike" cap="none" dirty="0" err="1" smtClean="0">
                 <a:solidFill>
-                  <a:schemeClr val="accent2"/>
+                  <a:srgbClr val="000000"/>
                 </a:solidFill>
                 <a:latin typeface="Arial"/>
                 <a:ea typeface="Arial"/>
                 <a:cs typeface="Arial"/>
                 <a:sym typeface="Arial"/>
               </a:rPr>
-              <a:t>título</a:t>
+              <a:t>datos</a:t>
             </a:r>
-            <a:r>
-              <a:rPr lang="en-US" sz="1400" b="0" i="1" u="none" strike="noStrike" cap="none" dirty="0">
-                <a:solidFill>
-                  <a:schemeClr val="accent2"/>
-                </a:solidFill>
-                <a:latin typeface="Arial"/>
-                <a:ea typeface="Arial"/>
-                <a:cs typeface="Arial"/>
-                <a:sym typeface="Arial"/>
-              </a:rPr>
-              <a:t> que </a:t>
-            </a:r>
-            <a:r>
-              <a:rPr lang="en-US" i="1" dirty="0" err="1">
-                <a:solidFill>
-                  <a:schemeClr val="accent2"/>
-                </a:solidFill>
-              </a:rPr>
-              <a:t>usaron</a:t>
-            </a:r>
-            <a:r>
-              <a:rPr lang="en-US" sz="1400" b="0" i="1" u="none" strike="noStrike" cap="none" dirty="0">
-                <a:solidFill>
-                  <a:schemeClr val="accent2"/>
-                </a:solidFill>
-                <a:latin typeface="Arial"/>
-                <a:ea typeface="Arial"/>
-                <a:cs typeface="Arial"/>
-                <a:sym typeface="Arial"/>
-              </a:rPr>
-              <a:t> </a:t>
-            </a:r>
-            <a:r>
-              <a:rPr lang="en-US" sz="1400" b="0" i="1" u="none" strike="noStrike" cap="none" dirty="0" err="1">
-                <a:solidFill>
-                  <a:schemeClr val="accent2"/>
-                </a:solidFill>
-                <a:latin typeface="Arial"/>
-                <a:ea typeface="Arial"/>
-                <a:cs typeface="Arial"/>
-                <a:sym typeface="Arial"/>
-              </a:rPr>
-              <a:t>en</a:t>
-            </a:r>
-            <a:r>
-              <a:rPr lang="en-US" sz="1400" b="0" i="1" u="none" strike="noStrike" cap="none" dirty="0">
-                <a:solidFill>
-                  <a:schemeClr val="accent2"/>
-                </a:solidFill>
-                <a:latin typeface="Arial"/>
-                <a:ea typeface="Arial"/>
-                <a:cs typeface="Arial"/>
-                <a:sym typeface="Arial"/>
-              </a:rPr>
-              <a:t> el </a:t>
-            </a:r>
-            <a:r>
-              <a:rPr lang="en-US" sz="1400" b="0" i="1" u="none" strike="noStrike" cap="none" dirty="0" err="1">
-                <a:solidFill>
-                  <a:schemeClr val="accent2"/>
-                </a:solidFill>
-                <a:latin typeface="Arial"/>
-                <a:ea typeface="Arial"/>
-                <a:cs typeface="Arial"/>
-                <a:sym typeface="Arial"/>
-              </a:rPr>
-              <a:t>informe</a:t>
-            </a:r>
-            <a:endParaRPr sz="1400" b="0" i="0" u="none" strike="noStrike" cap="none" dirty="0">
+            <a:endParaRPr sz="3600" b="0" i="0" u="none" strike="noStrike" cap="none" dirty="0">
               <a:solidFill>
-                <a:schemeClr val="accent2"/>
+                <a:srgbClr val="000000"/>
               </a:solidFill>
               <a:latin typeface="Arial"/>
               <a:ea typeface="Arial"/>
@@ -16882,46 +16814,6 @@
             </a:endParaRPr>
           </a:p>
         </p:txBody>
-      </p:sp>
-      <p:sp>
-        <p:nvSpPr>
-          <p:cNvPr id="194" name="Google Shape;194;p1"/>
-          <p:cNvSpPr/>
-          <p:nvPr/>
-        </p:nvSpPr>
-        <p:spPr>
-          <a:xfrm rot="10800000" flipH="1">
-            <a:off x="6732350" y="1475135"/>
-            <a:ext cx="800658" cy="763830"/>
-          </a:xfrm>
-          <a:custGeom>
-            <a:avLst/>
-            <a:gdLst/>
-            <a:ahLst/>
-            <a:cxnLst/>
-            <a:rect l="l" t="t" r="r" b="b"/>
-            <a:pathLst>
-              <a:path w="21600" h="21600" extrusionOk="0">
-                <a:moveTo>
-                  <a:pt x="0" y="0"/>
-                </a:moveTo>
-                <a:lnTo>
-                  <a:pt x="21600" y="21600"/>
-                </a:lnTo>
-              </a:path>
-            </a:pathLst>
-          </a:custGeom>
-          <a:noFill/>
-          <a:ln w="76300" cap="flat" cmpd="sng">
-            <a:solidFill>
-              <a:schemeClr val="accent2"/>
-            </a:solidFill>
-            <a:prstDash val="solid"/>
-            <a:round/>
-            <a:headEnd type="none" w="sm" len="sm"/>
-            <a:tailEnd type="triangle" w="med" len="med"/>
-          </a:ln>
-        </p:spPr>
       </p:sp>
     </p:spTree>
   </p:cSld>

--- a/Presentacion/Presentación Proyecto.pptx
+++ b/Presentacion/Presentación Proyecto.pptx
@@ -248,7 +248,7 @@
       <p15:sldGuideLst xmlns:p15="http://schemas.microsoft.com/office/powerpoint/2012/main"/>
     </p:ext>
     <p:ext uri="http://customooxmlschemas.google.com/">
-      <go:slidesCustomData xmlns:go="http://customooxmlschemas.google.com/" xmlns:ahyp="http://schemas.microsoft.com/office/drawing/2018/hyperlinkcolor" xmlns:p15="http://schemas.microsoft.com/office/powerpoint/2012/main" xmlns:p14="http://schemas.microsoft.com/office/powerpoint/2010/main" xmlns:com="http://schemas.openxmlformats.org/drawingml/2006/compatibility" xmlns:pvml="urn:schemas-microsoft-com:office:powerpoint" xmlns:v="urn:schemas-microsoft-com:vml" xmlns:o="urn:schemas-microsoft-com:office:office" xmlns:dgm="http://schemas.openxmlformats.org/drawingml/2006/diagram" xmlns:c="http://schemas.openxmlformats.org/drawingml/2006/chart" xmlns:mv="urn:schemas-microsoft-com:mac:vml" xmlns:mc="http://schemas.openxmlformats.org/markup-compatibility/2006" xmlns="" r:id="rId21" roundtripDataSignature="AMtx7mjHzTg+goWcQk8fO5It0l+0ng5KHA=="/>
+      <go:slidesCustomData xmlns="" xmlns:mc="http://schemas.openxmlformats.org/markup-compatibility/2006" xmlns:mv="urn:schemas-microsoft-com:mac:vml" xmlns:c="http://schemas.openxmlformats.org/drawingml/2006/chart" xmlns:dgm="http://schemas.openxmlformats.org/drawingml/2006/diagram" xmlns:o="urn:schemas-microsoft-com:office:office" xmlns:v="urn:schemas-microsoft-com:vml" xmlns:pvml="urn:schemas-microsoft-com:office:powerpoint" xmlns:com="http://schemas.openxmlformats.org/drawingml/2006/compatibility" xmlns:p14="http://schemas.microsoft.com/office/powerpoint/2010/main" xmlns:p15="http://schemas.microsoft.com/office/powerpoint/2012/main" xmlns:ahyp="http://schemas.microsoft.com/office/drawing/2018/hyperlinkcolor" xmlns:go="http://customooxmlschemas.google.com/" r:id="rId21" roundtripDataSignature="AMtx7mjHzTg+goWcQk8fO5It0l+0ng5KHA=="/>
     </p:ext>
   </p:extLst>
 </p:presentation>
@@ -16744,7 +16744,7 @@
               <a:buNone/>
             </a:pPr>
             <a:r>
-              <a:rPr lang="en-US" sz="3600" b="0" i="0" u="none" strike="noStrike" cap="none" dirty="0" err="1" smtClean="0">
+              <a:rPr lang="en-US" sz="3600" b="0" i="0" u="none" strike="noStrike" cap="none" dirty="0" err="1">
                 <a:solidFill>
                   <a:srgbClr val="000000"/>
                 </a:solidFill>
@@ -16756,7 +16756,7 @@
               <a:t>Investigación</a:t>
             </a:r>
             <a:r>
-              <a:rPr lang="en-US" sz="3600" b="0" i="0" u="none" strike="noStrike" cap="none" dirty="0" smtClean="0">
+              <a:rPr lang="en-US" sz="3600" b="0" i="0" u="none" strike="noStrike" cap="none" dirty="0">
                 <a:solidFill>
                   <a:srgbClr val="000000"/>
                 </a:solidFill>
@@ -16768,7 +16768,7 @@
               <a:t> para la </a:t>
             </a:r>
             <a:r>
-              <a:rPr lang="en-US" sz="3600" b="0" i="0" u="none" strike="noStrike" cap="none" dirty="0" err="1" smtClean="0">
+              <a:rPr lang="en-US" sz="3600" b="0" i="0" u="none" strike="noStrike" cap="none" dirty="0" err="1">
                 <a:solidFill>
                   <a:srgbClr val="000000"/>
                 </a:solidFill>
@@ -16777,10 +16777,10 @@
                 <a:cs typeface="Arial"/>
                 <a:sym typeface="Arial"/>
               </a:rPr>
-              <a:t>comprensión</a:t>
+              <a:t>compresión</a:t>
             </a:r>
             <a:r>
-              <a:rPr lang="en-US" sz="3600" b="0" i="0" u="none" strike="noStrike" cap="none" dirty="0" smtClean="0">
+              <a:rPr lang="en-US" sz="3600" b="0" i="0" u="none" strike="noStrike" cap="none" dirty="0">
                 <a:solidFill>
                   <a:srgbClr val="000000"/>
                 </a:solidFill>
@@ -16792,7 +16792,7 @@
               <a:t> de </a:t>
             </a:r>
             <a:r>
-              <a:rPr lang="en-US" sz="3600" b="0" i="0" u="none" strike="noStrike" cap="none" dirty="0" err="1" smtClean="0">
+              <a:rPr lang="en-US" sz="3600" b="0" i="0" u="none" strike="noStrike" cap="none" dirty="0" err="1">
                 <a:solidFill>
                   <a:srgbClr val="000000"/>
                 </a:solidFill>
@@ -17066,7 +17066,7 @@
               <a:buNone/>
             </a:pPr>
             <a:r>
-              <a:rPr lang="es-CO" sz="2200" b="0" i="0" u="none" strike="noStrike" cap="none" dirty="0" smtClean="0">
+              <a:rPr lang="es-CO" sz="2200" b="0" i="0" u="none" strike="noStrike" cap="none" dirty="0">
                 <a:solidFill>
                   <a:srgbClr val="001E33"/>
                 </a:solidFill>
@@ -17075,19 +17075,7 @@
                 <a:cs typeface="Arial"/>
                 <a:sym typeface="Arial"/>
               </a:rPr>
-              <a:t>Juan Felipe </a:t>
-            </a:r>
-            <a:r>
-              <a:rPr lang="es-CO" sz="2200" b="0" i="0" u="none" strike="noStrike" cap="none" dirty="0" err="1" smtClean="0">
-                <a:solidFill>
-                  <a:srgbClr val="001E33"/>
-                </a:solidFill>
-                <a:latin typeface="Arial"/>
-                <a:ea typeface="Arial"/>
-                <a:cs typeface="Arial"/>
-                <a:sym typeface="Arial"/>
-              </a:rPr>
-              <a:t>Pinzon</a:t>
+              <a:t>Juan Felipe Pinzón</a:t>
             </a:r>
             <a:endParaRPr sz="2200" b="0" i="0" u="none" strike="noStrike" cap="none" dirty="0">
               <a:solidFill>
@@ -17172,7 +17160,7 @@
               <a:buNone/>
             </a:pPr>
             <a:r>
-              <a:rPr lang="en-US" sz="2200" b="0" i="0" u="none" strike="noStrike" cap="none" dirty="0" err="1" smtClean="0">
+              <a:rPr lang="en-US" sz="2200" b="0" i="0" u="none" strike="noStrike" cap="none" dirty="0">
                 <a:solidFill>
                   <a:srgbClr val="001E33"/>
                 </a:solidFill>
@@ -17181,19 +17169,7 @@
                 <a:cs typeface="Arial"/>
                 <a:sym typeface="Arial"/>
               </a:rPr>
-              <a:t>Gian</a:t>
-            </a:r>
-            <a:r>
-              <a:rPr lang="en-US" sz="2200" b="0" i="0" u="none" strike="noStrike" cap="none" dirty="0" smtClean="0">
-                <a:solidFill>
-                  <a:srgbClr val="001E33"/>
-                </a:solidFill>
-                <a:latin typeface="Arial"/>
-                <a:ea typeface="Arial"/>
-                <a:cs typeface="Arial"/>
-                <a:sym typeface="Arial"/>
-              </a:rPr>
-              <a:t> Paul Sánchez</a:t>
+              <a:t>Gian Paul Sánchez</a:t>
             </a:r>
             <a:endParaRPr sz="2200" b="0" i="0" u="none" strike="noStrike" cap="none" dirty="0">
               <a:solidFill>
@@ -17272,21 +17248,9 @@
                 </a:uFill>
                 <a:hlinkClick r:id="rId6"/>
               </a:rPr>
-              <a:t>https://</a:t>
+              <a:t>https://github.com/GianSz/ProyectoDatos</a:t>
             </a:r>
-            <a:r>
-              <a:rPr lang="en-US" sz="2200" b="1" dirty="0" smtClean="0">
-                <a:solidFill>
-                  <a:srgbClr val="001E33"/>
-                </a:solidFill>
-                <a:uFill>
-                  <a:noFill/>
-                </a:uFill>
-                <a:hlinkClick r:id="rId6"/>
-              </a:rPr>
-              <a:t>github.com/GianSz/ProyectoDatos</a:t>
-            </a:r>
-            <a:endParaRPr lang="en-US" sz="2200" b="1" dirty="0" smtClean="0">
+            <a:endParaRPr lang="en-US" sz="2200" b="1" dirty="0">
               <a:solidFill>
                 <a:srgbClr val="001E33"/>
               </a:solidFill>
@@ -17354,7 +17318,7 @@
               <a:buNone/>
             </a:pPr>
             <a:r>
-              <a:rPr lang="en-US" sz="2200" dirty="0" smtClean="0">
+              <a:rPr lang="en-US" sz="2200" dirty="0">
                 <a:solidFill>
                   <a:srgbClr val="001E33"/>
                 </a:solidFill>

--- a/Presentacion/Presentación Proyecto.pptx
+++ b/Presentacion/Presentación Proyecto.pptx
@@ -6,11 +6,15 @@
     <p:sldMasterId id="2147483661" r:id="rId2"/>
   </p:sldMasterIdLst>
   <p:notesMasterIdLst>
-    <p:notesMasterId r:id="rId5"/>
+    <p:notesMasterId r:id="rId9"/>
   </p:notesMasterIdLst>
   <p:sldIdLst>
     <p:sldId id="256" r:id="rId3"/>
     <p:sldId id="257" r:id="rId4"/>
+    <p:sldId id="258" r:id="rId5"/>
+    <p:sldId id="259" r:id="rId6"/>
+    <p:sldId id="260" r:id="rId7"/>
+    <p:sldId id="261" r:id="rId8"/>
   </p:sldIdLst>
   <p:sldSz cx="12192000" cy="6858000"/>
   <p:notesSz cx="7772400" cy="10058400"/>
@@ -248,7 +252,7 @@
       <p15:sldGuideLst xmlns:p15="http://schemas.microsoft.com/office/powerpoint/2012/main"/>
     </p:ext>
     <p:ext uri="http://customooxmlschemas.google.com/">
-      <go:slidesCustomData xmlns="" xmlns:mc="http://schemas.openxmlformats.org/markup-compatibility/2006" xmlns:mv="urn:schemas-microsoft-com:mac:vml" xmlns:c="http://schemas.openxmlformats.org/drawingml/2006/chart" xmlns:dgm="http://schemas.openxmlformats.org/drawingml/2006/diagram" xmlns:o="urn:schemas-microsoft-com:office:office" xmlns:v="urn:schemas-microsoft-com:vml" xmlns:pvml="urn:schemas-microsoft-com:office:powerpoint" xmlns:com="http://schemas.openxmlformats.org/drawingml/2006/compatibility" xmlns:p14="http://schemas.microsoft.com/office/powerpoint/2010/main" xmlns:p15="http://schemas.microsoft.com/office/powerpoint/2012/main" xmlns:ahyp="http://schemas.microsoft.com/office/drawing/2018/hyperlinkcolor" xmlns:go="http://customooxmlschemas.google.com/" r:id="rId21" roundtripDataSignature="AMtx7mjHzTg+goWcQk8fO5It0l+0ng5KHA=="/>
+      <go:slidesCustomData xmlns:go="http://customooxmlschemas.google.com/" xmlns:ahyp="http://schemas.microsoft.com/office/drawing/2018/hyperlinkcolor" xmlns:p15="http://schemas.microsoft.com/office/powerpoint/2012/main" xmlns:p14="http://schemas.microsoft.com/office/powerpoint/2010/main" xmlns:com="http://schemas.openxmlformats.org/drawingml/2006/compatibility" xmlns:pvml="urn:schemas-microsoft-com:office:powerpoint" xmlns:v="urn:schemas-microsoft-com:vml" xmlns:o="urn:schemas-microsoft-com:office:office" xmlns:dgm="http://schemas.openxmlformats.org/drawingml/2006/diagram" xmlns:c="http://schemas.openxmlformats.org/drawingml/2006/chart" xmlns:mv="urn:schemas-microsoft-com:mac:vml" xmlns:mc="http://schemas.openxmlformats.org/markup-compatibility/2006" xmlns="" r:id="rId21" roundtripDataSignature="AMtx7mjHzTg+goWcQk8fO5It0l+0ng5KHA=="/>
     </p:ext>
   </p:extLst>
 </p:presentation>
@@ -1067,6 +1071,514 @@
         </p:spPr>
       </p:sp>
     </p:spTree>
+  </p:cSld>
+  <p:clrMapOvr>
+    <a:masterClrMapping/>
+  </p:clrMapOvr>
+</p:notes>
+</file>
+
+<file path=ppt/notesSlides/notesSlide3.xml><?xml version="1.0" encoding="utf-8"?>
+<p:notes xmlns:a="http://schemas.openxmlformats.org/drawingml/2006/main" xmlns:r="http://schemas.openxmlformats.org/officeDocument/2006/relationships" xmlns:p="http://schemas.openxmlformats.org/presentationml/2006/main" showMasterSp="0" showMasterPhAnim="0">
+  <p:cSld>
+    <p:spTree>
+      <p:nvGrpSpPr>
+        <p:cNvPr id="1" name="Shape 195"/>
+        <p:cNvGrpSpPr/>
+        <p:nvPr/>
+      </p:nvGrpSpPr>
+      <p:grpSpPr>
+        <a:xfrm>
+          <a:off x="0" y="0"/>
+          <a:ext cx="0" cy="0"/>
+          <a:chOff x="0" y="0"/>
+          <a:chExt cx="0" cy="0"/>
+        </a:xfrm>
+      </p:grpSpPr>
+      <p:sp>
+        <p:nvSpPr>
+          <p:cNvPr id="196" name="Google Shape;196;p2:notes"/>
+          <p:cNvSpPr txBox="1">
+            <a:spLocks noGrp="1"/>
+          </p:cNvSpPr>
+          <p:nvPr>
+            <p:ph type="body" idx="1"/>
+          </p:nvPr>
+        </p:nvSpPr>
+        <p:spPr>
+          <a:xfrm>
+            <a:off x="777225" y="4777725"/>
+            <a:ext cx="6217900" cy="4526275"/>
+          </a:xfrm>
+          <a:prstGeom prst="rect">
+            <a:avLst/>
+          </a:prstGeom>
+          <a:noFill/>
+          <a:ln>
+            <a:noFill/>
+          </a:ln>
+        </p:spPr>
+        <p:txBody>
+          <a:bodyPr spcFirstLastPara="1" wrap="square" lIns="91425" tIns="91425" rIns="91425" bIns="91425" anchor="t" anchorCtr="0">
+            <a:noAutofit/>
+          </a:bodyPr>
+          <a:lstStyle/>
+          <a:p>
+            <a:pPr marL="0" lvl="0" indent="0" algn="l" rtl="0">
+              <a:lnSpc>
+                <a:spcPct val="100000"/>
+              </a:lnSpc>
+              <a:spcBef>
+                <a:spcPts val="0"/>
+              </a:spcBef>
+              <a:spcAft>
+                <a:spcPts val="0"/>
+              </a:spcAft>
+              <a:buSzPts val="1100"/>
+              <a:buNone/>
+            </a:pPr>
+            <a:endParaRPr/>
+          </a:p>
+        </p:txBody>
+      </p:sp>
+      <p:sp>
+        <p:nvSpPr>
+          <p:cNvPr id="197" name="Google Shape;197;p2:notes"/>
+          <p:cNvSpPr>
+            <a:spLocks noGrp="1" noRot="1" noChangeAspect="1"/>
+          </p:cNvSpPr>
+          <p:nvPr>
+            <p:ph type="sldImg" idx="2"/>
+          </p:nvPr>
+        </p:nvSpPr>
+        <p:spPr>
+          <a:xfrm>
+            <a:off x="533400" y="754063"/>
+            <a:ext cx="6705600" cy="3771900"/>
+          </a:xfrm>
+          <a:custGeom>
+            <a:avLst/>
+            <a:gdLst/>
+            <a:ahLst/>
+            <a:cxnLst/>
+            <a:rect l="l" t="t" r="r" b="b"/>
+            <a:pathLst>
+              <a:path w="120000" h="120000" extrusionOk="0">
+                <a:moveTo>
+                  <a:pt x="0" y="0"/>
+                </a:moveTo>
+                <a:lnTo>
+                  <a:pt x="120000" y="0"/>
+                </a:lnTo>
+                <a:lnTo>
+                  <a:pt x="120000" y="120000"/>
+                </a:lnTo>
+                <a:lnTo>
+                  <a:pt x="0" y="120000"/>
+                </a:lnTo>
+                <a:close/>
+              </a:path>
+            </a:pathLst>
+          </a:custGeom>
+          <a:noFill/>
+          <a:ln w="9525" cap="flat" cmpd="sng">
+            <a:solidFill>
+              <a:srgbClr val="000000"/>
+            </a:solidFill>
+            <a:prstDash val="solid"/>
+            <a:round/>
+            <a:headEnd type="none" w="sm" len="sm"/>
+            <a:tailEnd type="none" w="sm" len="sm"/>
+          </a:ln>
+        </p:spPr>
+      </p:sp>
+    </p:spTree>
+    <p:extLst>
+      <p:ext uri="{BB962C8B-B14F-4D97-AF65-F5344CB8AC3E}">
+        <p14:creationId xmlns:p14="http://schemas.microsoft.com/office/powerpoint/2010/main" val="2255911506"/>
+      </p:ext>
+    </p:extLst>
+  </p:cSld>
+  <p:clrMapOvr>
+    <a:masterClrMapping/>
+  </p:clrMapOvr>
+</p:notes>
+</file>
+
+<file path=ppt/notesSlides/notesSlide4.xml><?xml version="1.0" encoding="utf-8"?>
+<p:notes xmlns:a="http://schemas.openxmlformats.org/drawingml/2006/main" xmlns:r="http://schemas.openxmlformats.org/officeDocument/2006/relationships" xmlns:p="http://schemas.openxmlformats.org/presentationml/2006/main" showMasterSp="0" showMasterPhAnim="0">
+  <p:cSld>
+    <p:spTree>
+      <p:nvGrpSpPr>
+        <p:cNvPr id="1" name="Shape 195"/>
+        <p:cNvGrpSpPr/>
+        <p:nvPr/>
+      </p:nvGrpSpPr>
+      <p:grpSpPr>
+        <a:xfrm>
+          <a:off x="0" y="0"/>
+          <a:ext cx="0" cy="0"/>
+          <a:chOff x="0" y="0"/>
+          <a:chExt cx="0" cy="0"/>
+        </a:xfrm>
+      </p:grpSpPr>
+      <p:sp>
+        <p:nvSpPr>
+          <p:cNvPr id="196" name="Google Shape;196;p2:notes"/>
+          <p:cNvSpPr txBox="1">
+            <a:spLocks noGrp="1"/>
+          </p:cNvSpPr>
+          <p:nvPr>
+            <p:ph type="body" idx="1"/>
+          </p:nvPr>
+        </p:nvSpPr>
+        <p:spPr>
+          <a:xfrm>
+            <a:off x="777225" y="4777725"/>
+            <a:ext cx="6217900" cy="4526275"/>
+          </a:xfrm>
+          <a:prstGeom prst="rect">
+            <a:avLst/>
+          </a:prstGeom>
+          <a:noFill/>
+          <a:ln>
+            <a:noFill/>
+          </a:ln>
+        </p:spPr>
+        <p:txBody>
+          <a:bodyPr spcFirstLastPara="1" wrap="square" lIns="91425" tIns="91425" rIns="91425" bIns="91425" anchor="t" anchorCtr="0">
+            <a:noAutofit/>
+          </a:bodyPr>
+          <a:lstStyle/>
+          <a:p>
+            <a:pPr marL="0" lvl="0" indent="0" algn="l" rtl="0">
+              <a:lnSpc>
+                <a:spcPct val="100000"/>
+              </a:lnSpc>
+              <a:spcBef>
+                <a:spcPts val="0"/>
+              </a:spcBef>
+              <a:spcAft>
+                <a:spcPts val="0"/>
+              </a:spcAft>
+              <a:buSzPts val="1100"/>
+              <a:buNone/>
+            </a:pPr>
+            <a:endParaRPr/>
+          </a:p>
+        </p:txBody>
+      </p:sp>
+      <p:sp>
+        <p:nvSpPr>
+          <p:cNvPr id="197" name="Google Shape;197;p2:notes"/>
+          <p:cNvSpPr>
+            <a:spLocks noGrp="1" noRot="1" noChangeAspect="1"/>
+          </p:cNvSpPr>
+          <p:nvPr>
+            <p:ph type="sldImg" idx="2"/>
+          </p:nvPr>
+        </p:nvSpPr>
+        <p:spPr>
+          <a:xfrm>
+            <a:off x="533400" y="754063"/>
+            <a:ext cx="6705600" cy="3771900"/>
+          </a:xfrm>
+          <a:custGeom>
+            <a:avLst/>
+            <a:gdLst/>
+            <a:ahLst/>
+            <a:cxnLst/>
+            <a:rect l="l" t="t" r="r" b="b"/>
+            <a:pathLst>
+              <a:path w="120000" h="120000" extrusionOk="0">
+                <a:moveTo>
+                  <a:pt x="0" y="0"/>
+                </a:moveTo>
+                <a:lnTo>
+                  <a:pt x="120000" y="0"/>
+                </a:lnTo>
+                <a:lnTo>
+                  <a:pt x="120000" y="120000"/>
+                </a:lnTo>
+                <a:lnTo>
+                  <a:pt x="0" y="120000"/>
+                </a:lnTo>
+                <a:close/>
+              </a:path>
+            </a:pathLst>
+          </a:custGeom>
+          <a:noFill/>
+          <a:ln w="9525" cap="flat" cmpd="sng">
+            <a:solidFill>
+              <a:srgbClr val="000000"/>
+            </a:solidFill>
+            <a:prstDash val="solid"/>
+            <a:round/>
+            <a:headEnd type="none" w="sm" len="sm"/>
+            <a:tailEnd type="none" w="sm" len="sm"/>
+          </a:ln>
+        </p:spPr>
+      </p:sp>
+    </p:spTree>
+    <p:extLst>
+      <p:ext uri="{BB962C8B-B14F-4D97-AF65-F5344CB8AC3E}">
+        <p14:creationId xmlns:p14="http://schemas.microsoft.com/office/powerpoint/2010/main" val="769553785"/>
+      </p:ext>
+    </p:extLst>
+  </p:cSld>
+  <p:clrMapOvr>
+    <a:masterClrMapping/>
+  </p:clrMapOvr>
+</p:notes>
+</file>
+
+<file path=ppt/notesSlides/notesSlide5.xml><?xml version="1.0" encoding="utf-8"?>
+<p:notes xmlns:a="http://schemas.openxmlformats.org/drawingml/2006/main" xmlns:r="http://schemas.openxmlformats.org/officeDocument/2006/relationships" xmlns:p="http://schemas.openxmlformats.org/presentationml/2006/main" showMasterSp="0" showMasterPhAnim="0">
+  <p:cSld>
+    <p:spTree>
+      <p:nvGrpSpPr>
+        <p:cNvPr id="1" name="Shape 195"/>
+        <p:cNvGrpSpPr/>
+        <p:nvPr/>
+      </p:nvGrpSpPr>
+      <p:grpSpPr>
+        <a:xfrm>
+          <a:off x="0" y="0"/>
+          <a:ext cx="0" cy="0"/>
+          <a:chOff x="0" y="0"/>
+          <a:chExt cx="0" cy="0"/>
+        </a:xfrm>
+      </p:grpSpPr>
+      <p:sp>
+        <p:nvSpPr>
+          <p:cNvPr id="196" name="Google Shape;196;p2:notes"/>
+          <p:cNvSpPr txBox="1">
+            <a:spLocks noGrp="1"/>
+          </p:cNvSpPr>
+          <p:nvPr>
+            <p:ph type="body" idx="1"/>
+          </p:nvPr>
+        </p:nvSpPr>
+        <p:spPr>
+          <a:xfrm>
+            <a:off x="777225" y="4777725"/>
+            <a:ext cx="6217900" cy="4526275"/>
+          </a:xfrm>
+          <a:prstGeom prst="rect">
+            <a:avLst/>
+          </a:prstGeom>
+          <a:noFill/>
+          <a:ln>
+            <a:noFill/>
+          </a:ln>
+        </p:spPr>
+        <p:txBody>
+          <a:bodyPr spcFirstLastPara="1" wrap="square" lIns="91425" tIns="91425" rIns="91425" bIns="91425" anchor="t" anchorCtr="0">
+            <a:noAutofit/>
+          </a:bodyPr>
+          <a:lstStyle/>
+          <a:p>
+            <a:pPr marL="0" lvl="0" indent="0" algn="l" rtl="0">
+              <a:lnSpc>
+                <a:spcPct val="100000"/>
+              </a:lnSpc>
+              <a:spcBef>
+                <a:spcPts val="0"/>
+              </a:spcBef>
+              <a:spcAft>
+                <a:spcPts val="0"/>
+              </a:spcAft>
+              <a:buSzPts val="1100"/>
+              <a:buNone/>
+            </a:pPr>
+            <a:endParaRPr/>
+          </a:p>
+        </p:txBody>
+      </p:sp>
+      <p:sp>
+        <p:nvSpPr>
+          <p:cNvPr id="197" name="Google Shape;197;p2:notes"/>
+          <p:cNvSpPr>
+            <a:spLocks noGrp="1" noRot="1" noChangeAspect="1"/>
+          </p:cNvSpPr>
+          <p:nvPr>
+            <p:ph type="sldImg" idx="2"/>
+          </p:nvPr>
+        </p:nvSpPr>
+        <p:spPr>
+          <a:xfrm>
+            <a:off x="533400" y="754063"/>
+            <a:ext cx="6705600" cy="3771900"/>
+          </a:xfrm>
+          <a:custGeom>
+            <a:avLst/>
+            <a:gdLst/>
+            <a:ahLst/>
+            <a:cxnLst/>
+            <a:rect l="l" t="t" r="r" b="b"/>
+            <a:pathLst>
+              <a:path w="120000" h="120000" extrusionOk="0">
+                <a:moveTo>
+                  <a:pt x="0" y="0"/>
+                </a:moveTo>
+                <a:lnTo>
+                  <a:pt x="120000" y="0"/>
+                </a:lnTo>
+                <a:lnTo>
+                  <a:pt x="120000" y="120000"/>
+                </a:lnTo>
+                <a:lnTo>
+                  <a:pt x="0" y="120000"/>
+                </a:lnTo>
+                <a:close/>
+              </a:path>
+            </a:pathLst>
+          </a:custGeom>
+          <a:noFill/>
+          <a:ln w="9525" cap="flat" cmpd="sng">
+            <a:solidFill>
+              <a:srgbClr val="000000"/>
+            </a:solidFill>
+            <a:prstDash val="solid"/>
+            <a:round/>
+            <a:headEnd type="none" w="sm" len="sm"/>
+            <a:tailEnd type="none" w="sm" len="sm"/>
+          </a:ln>
+        </p:spPr>
+      </p:sp>
+    </p:spTree>
+    <p:extLst>
+      <p:ext uri="{BB962C8B-B14F-4D97-AF65-F5344CB8AC3E}">
+        <p14:creationId xmlns:p14="http://schemas.microsoft.com/office/powerpoint/2010/main" val="3817902107"/>
+      </p:ext>
+    </p:extLst>
+  </p:cSld>
+  <p:clrMapOvr>
+    <a:masterClrMapping/>
+  </p:clrMapOvr>
+</p:notes>
+</file>
+
+<file path=ppt/notesSlides/notesSlide6.xml><?xml version="1.0" encoding="utf-8"?>
+<p:notes xmlns:a="http://schemas.openxmlformats.org/drawingml/2006/main" xmlns:r="http://schemas.openxmlformats.org/officeDocument/2006/relationships" xmlns:p="http://schemas.openxmlformats.org/presentationml/2006/main" showMasterSp="0" showMasterPhAnim="0">
+  <p:cSld>
+    <p:spTree>
+      <p:nvGrpSpPr>
+        <p:cNvPr id="1" name="Shape 195"/>
+        <p:cNvGrpSpPr/>
+        <p:nvPr/>
+      </p:nvGrpSpPr>
+      <p:grpSpPr>
+        <a:xfrm>
+          <a:off x="0" y="0"/>
+          <a:ext cx="0" cy="0"/>
+          <a:chOff x="0" y="0"/>
+          <a:chExt cx="0" cy="0"/>
+        </a:xfrm>
+      </p:grpSpPr>
+      <p:sp>
+        <p:nvSpPr>
+          <p:cNvPr id="196" name="Google Shape;196;p2:notes"/>
+          <p:cNvSpPr txBox="1">
+            <a:spLocks noGrp="1"/>
+          </p:cNvSpPr>
+          <p:nvPr>
+            <p:ph type="body" idx="1"/>
+          </p:nvPr>
+        </p:nvSpPr>
+        <p:spPr>
+          <a:xfrm>
+            <a:off x="777225" y="4777725"/>
+            <a:ext cx="6217900" cy="4526275"/>
+          </a:xfrm>
+          <a:prstGeom prst="rect">
+            <a:avLst/>
+          </a:prstGeom>
+          <a:noFill/>
+          <a:ln>
+            <a:noFill/>
+          </a:ln>
+        </p:spPr>
+        <p:txBody>
+          <a:bodyPr spcFirstLastPara="1" wrap="square" lIns="91425" tIns="91425" rIns="91425" bIns="91425" anchor="t" anchorCtr="0">
+            <a:noAutofit/>
+          </a:bodyPr>
+          <a:lstStyle/>
+          <a:p>
+            <a:pPr marL="0" lvl="0" indent="0" algn="l" rtl="0">
+              <a:lnSpc>
+                <a:spcPct val="100000"/>
+              </a:lnSpc>
+              <a:spcBef>
+                <a:spcPts val="0"/>
+              </a:spcBef>
+              <a:spcAft>
+                <a:spcPts val="0"/>
+              </a:spcAft>
+              <a:buSzPts val="1100"/>
+              <a:buNone/>
+            </a:pPr>
+            <a:endParaRPr/>
+          </a:p>
+        </p:txBody>
+      </p:sp>
+      <p:sp>
+        <p:nvSpPr>
+          <p:cNvPr id="197" name="Google Shape;197;p2:notes"/>
+          <p:cNvSpPr>
+            <a:spLocks noGrp="1" noRot="1" noChangeAspect="1"/>
+          </p:cNvSpPr>
+          <p:nvPr>
+            <p:ph type="sldImg" idx="2"/>
+          </p:nvPr>
+        </p:nvSpPr>
+        <p:spPr>
+          <a:xfrm>
+            <a:off x="533400" y="754063"/>
+            <a:ext cx="6705600" cy="3771900"/>
+          </a:xfrm>
+          <a:custGeom>
+            <a:avLst/>
+            <a:gdLst/>
+            <a:ahLst/>
+            <a:cxnLst/>
+            <a:rect l="l" t="t" r="r" b="b"/>
+            <a:pathLst>
+              <a:path w="120000" h="120000" extrusionOk="0">
+                <a:moveTo>
+                  <a:pt x="0" y="0"/>
+                </a:moveTo>
+                <a:lnTo>
+                  <a:pt x="120000" y="0"/>
+                </a:lnTo>
+                <a:lnTo>
+                  <a:pt x="120000" y="120000"/>
+                </a:lnTo>
+                <a:lnTo>
+                  <a:pt x="0" y="120000"/>
+                </a:lnTo>
+                <a:close/>
+              </a:path>
+            </a:pathLst>
+          </a:custGeom>
+          <a:noFill/>
+          <a:ln w="9525" cap="flat" cmpd="sng">
+            <a:solidFill>
+              <a:srgbClr val="000000"/>
+            </a:solidFill>
+            <a:prstDash val="solid"/>
+            <a:round/>
+            <a:headEnd type="none" w="sm" len="sm"/>
+            <a:tailEnd type="none" w="sm" len="sm"/>
+          </a:ln>
+        </p:spPr>
+      </p:sp>
+    </p:spTree>
+    <p:extLst>
+      <p:ext uri="{BB962C8B-B14F-4D97-AF65-F5344CB8AC3E}">
+        <p14:creationId xmlns:p14="http://schemas.microsoft.com/office/powerpoint/2010/main" val="3072878649"/>
+      </p:ext>
+    </p:extLst>
   </p:cSld>
   <p:clrMapOvr>
     <a:masterClrMapping/>
@@ -17542,6 +18054,956 @@
         </p:spPr>
       </p:pic>
     </p:spTree>
+  </p:cSld>
+  <p:clrMapOvr>
+    <a:masterClrMapping/>
+  </p:clrMapOvr>
+</p:sld>
+</file>
+
+<file path=ppt/slides/slide3.xml><?xml version="1.0" encoding="utf-8"?>
+<p:sld xmlns:a="http://schemas.openxmlformats.org/drawingml/2006/main" xmlns:r="http://schemas.openxmlformats.org/officeDocument/2006/relationships" xmlns:p="http://schemas.openxmlformats.org/presentationml/2006/main">
+  <p:cSld>
+    <p:spTree>
+      <p:nvGrpSpPr>
+        <p:cNvPr id="1" name="Shape 198"/>
+        <p:cNvGrpSpPr/>
+        <p:nvPr/>
+      </p:nvGrpSpPr>
+      <p:grpSpPr>
+        <a:xfrm>
+          <a:off x="0" y="0"/>
+          <a:ext cx="0" cy="0"/>
+          <a:chOff x="0" y="0"/>
+          <a:chExt cx="0" cy="0"/>
+        </a:xfrm>
+      </p:grpSpPr>
+      <p:pic>
+        <p:nvPicPr>
+          <p:cNvPr id="199" name="Google Shape;199;p2"/>
+          <p:cNvPicPr preferRelativeResize="0"/>
+          <p:nvPr/>
+        </p:nvPicPr>
+        <p:blipFill rotWithShape="1">
+          <a:blip r:embed="rId3">
+            <a:alphaModFix/>
+          </a:blip>
+          <a:srcRect/>
+          <a:stretch/>
+        </p:blipFill>
+        <p:spPr>
+          <a:xfrm>
+            <a:off x="-186960" y="-49289"/>
+            <a:ext cx="12196080" cy="6855840"/>
+          </a:xfrm>
+          <a:prstGeom prst="rect">
+            <a:avLst/>
+          </a:prstGeom>
+          <a:noFill/>
+          <a:ln>
+            <a:noFill/>
+          </a:ln>
+        </p:spPr>
+      </p:pic>
+      <p:pic>
+        <p:nvPicPr>
+          <p:cNvPr id="216" name="Google Shape;216;p2"/>
+          <p:cNvPicPr preferRelativeResize="0"/>
+          <p:nvPr/>
+        </p:nvPicPr>
+        <p:blipFill rotWithShape="1">
+          <a:blip r:embed="rId4">
+            <a:alphaModFix/>
+          </a:blip>
+          <a:srcRect/>
+          <a:stretch/>
+        </p:blipFill>
+        <p:spPr>
+          <a:xfrm>
+            <a:off x="182880" y="6089760"/>
+            <a:ext cx="621000" cy="621000"/>
+          </a:xfrm>
+          <a:prstGeom prst="rect">
+            <a:avLst/>
+          </a:prstGeom>
+          <a:noFill/>
+          <a:ln>
+            <a:noFill/>
+          </a:ln>
+        </p:spPr>
+      </p:pic>
+      <p:sp>
+        <p:nvSpPr>
+          <p:cNvPr id="2" name="CuadroTexto 1">
+            <a:extLst>
+              <a:ext uri="{FF2B5EF4-FFF2-40B4-BE49-F238E27FC236}">
+                <a16:creationId xmlns:a16="http://schemas.microsoft.com/office/drawing/2014/main" id="{2E3C3B93-7D6F-476C-A493-DA42C4087825}"/>
+              </a:ext>
+            </a:extLst>
+          </p:cNvPr>
+          <p:cNvSpPr txBox="1"/>
+          <p:nvPr/>
+        </p:nvSpPr>
+        <p:spPr>
+          <a:xfrm>
+            <a:off x="1434195" y="1288327"/>
+            <a:ext cx="6981836" cy="523220"/>
+          </a:xfrm>
+          <a:prstGeom prst="rect">
+            <a:avLst/>
+          </a:prstGeom>
+          <a:noFill/>
+        </p:spPr>
+        <p:txBody>
+          <a:bodyPr wrap="square" rtlCol="0">
+            <a:spAutoFit/>
+          </a:bodyPr>
+          <a:lstStyle/>
+          <a:p>
+            <a:r>
+              <a:rPr lang="es-ES" sz="2800" b="1" i="0" dirty="0">
+                <a:solidFill>
+                  <a:srgbClr val="202122"/>
+                </a:solidFill>
+                <a:effectLst/>
+                <a:latin typeface="Arial" panose="020B0604020202020204" pitchFamily="34" charset="0"/>
+              </a:rPr>
+              <a:t> Objetivo del trabajo</a:t>
+            </a:r>
+            <a:endParaRPr lang="es-CO" sz="2800" b="1" dirty="0"/>
+          </a:p>
+        </p:txBody>
+      </p:sp>
+      <p:pic>
+        <p:nvPicPr>
+          <p:cNvPr id="8" name="Imagen 7">
+            <a:extLst>
+              <a:ext uri="{FF2B5EF4-FFF2-40B4-BE49-F238E27FC236}">
+                <a16:creationId xmlns:a16="http://schemas.microsoft.com/office/drawing/2014/main" id="{6302AEE5-E44D-479B-9421-9D7C551C75AD}"/>
+              </a:ext>
+            </a:extLst>
+          </p:cNvPr>
+          <p:cNvPicPr>
+            <a:picLocks noChangeAspect="1"/>
+          </p:cNvPicPr>
+          <p:nvPr/>
+        </p:nvPicPr>
+        <p:blipFill>
+          <a:blip r:embed="rId5"/>
+          <a:stretch>
+            <a:fillRect/>
+          </a:stretch>
+        </p:blipFill>
+        <p:spPr>
+          <a:xfrm>
+            <a:off x="1341466" y="1979720"/>
+            <a:ext cx="8494991" cy="3442112"/>
+          </a:xfrm>
+          <a:prstGeom prst="rect">
+            <a:avLst/>
+          </a:prstGeom>
+        </p:spPr>
+      </p:pic>
+      <p:sp>
+        <p:nvSpPr>
+          <p:cNvPr id="9" name="Google Shape;217;p2"/>
+          <p:cNvSpPr/>
+          <p:nvPr/>
+        </p:nvSpPr>
+        <p:spPr>
+          <a:xfrm>
+            <a:off x="815040" y="6160680"/>
+            <a:ext cx="6915240" cy="767987"/>
+          </a:xfrm>
+          <a:prstGeom prst="rect">
+            <a:avLst/>
+          </a:prstGeom>
+          <a:noFill/>
+          <a:ln>
+            <a:noFill/>
+          </a:ln>
+        </p:spPr>
+        <p:txBody>
+          <a:bodyPr spcFirstLastPara="1" wrap="square" lIns="90000" tIns="45000" rIns="90000" bIns="45000" anchor="t" anchorCtr="0">
+            <a:spAutoFit/>
+          </a:bodyPr>
+          <a:lstStyle/>
+          <a:p>
+            <a:pPr lvl="0">
+              <a:buSzPts val="2200"/>
+            </a:pPr>
+            <a:r>
+              <a:rPr lang="en-US" sz="2200" b="1" dirty="0">
+                <a:solidFill>
+                  <a:srgbClr val="001E33"/>
+                </a:solidFill>
+                <a:uFill>
+                  <a:noFill/>
+                </a:uFill>
+                <a:hlinkClick r:id="rId6"/>
+              </a:rPr>
+              <a:t>https://</a:t>
+            </a:r>
+            <a:r>
+              <a:rPr lang="en-US" sz="2200" b="1" dirty="0" smtClean="0">
+                <a:solidFill>
+                  <a:srgbClr val="001E33"/>
+                </a:solidFill>
+                <a:uFill>
+                  <a:noFill/>
+                </a:uFill>
+                <a:hlinkClick r:id="rId6"/>
+              </a:rPr>
+              <a:t>github.com/GianSz/ProyectoDatos</a:t>
+            </a:r>
+            <a:endParaRPr lang="en-US" sz="2200" b="1" dirty="0" smtClean="0">
+              <a:solidFill>
+                <a:srgbClr val="001E33"/>
+              </a:solidFill>
+              <a:uFill>
+                <a:noFill/>
+              </a:uFill>
+            </a:endParaRPr>
+          </a:p>
+          <a:p>
+            <a:pPr lvl="0">
+              <a:buSzPts val="2200"/>
+            </a:pPr>
+            <a:endParaRPr sz="2200" b="1" i="0" u="none" strike="noStrike" cap="none" dirty="0">
+              <a:solidFill>
+                <a:srgbClr val="001E33"/>
+              </a:solidFill>
+              <a:latin typeface="Arial"/>
+              <a:ea typeface="Arial"/>
+              <a:cs typeface="Arial"/>
+              <a:sym typeface="Arial"/>
+            </a:endParaRPr>
+          </a:p>
+        </p:txBody>
+      </p:sp>
+    </p:spTree>
+    <p:extLst>
+      <p:ext uri="{BB962C8B-B14F-4D97-AF65-F5344CB8AC3E}">
+        <p14:creationId xmlns:p14="http://schemas.microsoft.com/office/powerpoint/2010/main" val="2368443533"/>
+      </p:ext>
+    </p:extLst>
+  </p:cSld>
+  <p:clrMapOvr>
+    <a:masterClrMapping/>
+  </p:clrMapOvr>
+</p:sld>
+</file>
+
+<file path=ppt/slides/slide4.xml><?xml version="1.0" encoding="utf-8"?>
+<p:sld xmlns:a="http://schemas.openxmlformats.org/drawingml/2006/main" xmlns:r="http://schemas.openxmlformats.org/officeDocument/2006/relationships" xmlns:p="http://schemas.openxmlformats.org/presentationml/2006/main">
+  <p:cSld>
+    <p:spTree>
+      <p:nvGrpSpPr>
+        <p:cNvPr id="1" name="Shape 198"/>
+        <p:cNvGrpSpPr/>
+        <p:nvPr/>
+      </p:nvGrpSpPr>
+      <p:grpSpPr>
+        <a:xfrm>
+          <a:off x="0" y="0"/>
+          <a:ext cx="0" cy="0"/>
+          <a:chOff x="0" y="0"/>
+          <a:chExt cx="0" cy="0"/>
+        </a:xfrm>
+      </p:grpSpPr>
+      <p:pic>
+        <p:nvPicPr>
+          <p:cNvPr id="199" name="Google Shape;199;p2"/>
+          <p:cNvPicPr preferRelativeResize="0"/>
+          <p:nvPr/>
+        </p:nvPicPr>
+        <p:blipFill rotWithShape="1">
+          <a:blip r:embed="rId3">
+            <a:alphaModFix/>
+          </a:blip>
+          <a:srcRect/>
+          <a:stretch/>
+        </p:blipFill>
+        <p:spPr>
+          <a:xfrm>
+            <a:off x="-186960" y="-49289"/>
+            <a:ext cx="12196080" cy="6855840"/>
+          </a:xfrm>
+          <a:prstGeom prst="rect">
+            <a:avLst/>
+          </a:prstGeom>
+          <a:noFill/>
+          <a:ln>
+            <a:noFill/>
+          </a:ln>
+        </p:spPr>
+      </p:pic>
+      <p:pic>
+        <p:nvPicPr>
+          <p:cNvPr id="216" name="Google Shape;216;p2"/>
+          <p:cNvPicPr preferRelativeResize="0"/>
+          <p:nvPr/>
+        </p:nvPicPr>
+        <p:blipFill rotWithShape="1">
+          <a:blip r:embed="rId4">
+            <a:alphaModFix/>
+          </a:blip>
+          <a:srcRect/>
+          <a:stretch/>
+        </p:blipFill>
+        <p:spPr>
+          <a:xfrm>
+            <a:off x="182880" y="6089760"/>
+            <a:ext cx="621000" cy="621000"/>
+          </a:xfrm>
+          <a:prstGeom prst="rect">
+            <a:avLst/>
+          </a:prstGeom>
+          <a:noFill/>
+          <a:ln>
+            <a:noFill/>
+          </a:ln>
+        </p:spPr>
+      </p:pic>
+      <p:sp>
+        <p:nvSpPr>
+          <p:cNvPr id="2" name="CuadroTexto 1">
+            <a:extLst>
+              <a:ext uri="{FF2B5EF4-FFF2-40B4-BE49-F238E27FC236}">
+                <a16:creationId xmlns:a16="http://schemas.microsoft.com/office/drawing/2014/main" id="{2E3C3B93-7D6F-476C-A493-DA42C4087825}"/>
+              </a:ext>
+            </a:extLst>
+          </p:cNvPr>
+          <p:cNvSpPr txBox="1"/>
+          <p:nvPr/>
+        </p:nvSpPr>
+        <p:spPr>
+          <a:xfrm>
+            <a:off x="803880" y="1083212"/>
+            <a:ext cx="10801966" cy="307777"/>
+          </a:xfrm>
+          <a:prstGeom prst="rect">
+            <a:avLst/>
+          </a:prstGeom>
+          <a:noFill/>
+        </p:spPr>
+        <p:txBody>
+          <a:bodyPr wrap="square" rtlCol="0">
+            <a:spAutoFit/>
+          </a:bodyPr>
+          <a:lstStyle/>
+          <a:p>
+            <a:r>
+              <a:rPr lang="es-ES" b="0" i="0" dirty="0">
+                <a:solidFill>
+                  <a:srgbClr val="202122"/>
+                </a:solidFill>
+                <a:effectLst/>
+                <a:latin typeface="Arial" panose="020B0604020202020204" pitchFamily="34" charset="0"/>
+              </a:rPr>
+              <a:t> Definición de  La compresión de imagen </a:t>
+            </a:r>
+            <a:r>
+              <a:rPr lang="es-ES" b="0" i="0" u="none" strike="noStrike" dirty="0">
+                <a:solidFill>
+                  <a:srgbClr val="0645AD"/>
+                </a:solidFill>
+                <a:effectLst/>
+                <a:latin typeface="Arial" panose="020B0604020202020204" pitchFamily="34" charset="0"/>
+                <a:hlinkClick r:id="rId5" tooltip="Algoritmo de compresión con pérdida"/>
+              </a:rPr>
+              <a:t>con pérdida (</a:t>
+            </a:r>
+            <a:r>
+              <a:rPr lang="es-ES" b="0" i="0" u="none" strike="noStrike" dirty="0" err="1">
+                <a:solidFill>
+                  <a:srgbClr val="0645AD"/>
+                </a:solidFill>
+                <a:effectLst/>
+                <a:latin typeface="Arial" panose="020B0604020202020204" pitchFamily="34" charset="0"/>
+                <a:hlinkClick r:id="rId5" tooltip="Algoritmo de compresión con pérdida"/>
+              </a:rPr>
+              <a:t>Lossy</a:t>
+            </a:r>
+            <a:r>
+              <a:rPr lang="es-ES" b="0" i="0" u="none" strike="noStrike" dirty="0">
+                <a:solidFill>
+                  <a:srgbClr val="0645AD"/>
+                </a:solidFill>
+                <a:effectLst/>
+                <a:latin typeface="Arial" panose="020B0604020202020204" pitchFamily="34" charset="0"/>
+                <a:hlinkClick r:id="rId5" tooltip="Algoritmo de compresión con pérdida"/>
+              </a:rPr>
+              <a:t>)</a:t>
+            </a:r>
+            <a:r>
+              <a:rPr lang="es-ES" b="0" i="0" dirty="0">
+                <a:solidFill>
+                  <a:srgbClr val="202122"/>
+                </a:solidFill>
+                <a:effectLst/>
+                <a:latin typeface="Arial" panose="020B0604020202020204" pitchFamily="34" charset="0"/>
+              </a:rPr>
+              <a:t> o </a:t>
+            </a:r>
+            <a:r>
+              <a:rPr lang="es-ES" b="0" i="0" u="sng" dirty="0">
+                <a:solidFill>
+                  <a:srgbClr val="0645AD"/>
+                </a:solidFill>
+                <a:effectLst/>
+                <a:latin typeface="Arial" panose="020B0604020202020204" pitchFamily="34" charset="0"/>
+                <a:hlinkClick r:id="rId6"/>
+              </a:rPr>
+              <a:t>sin pérdida (</a:t>
+            </a:r>
+            <a:r>
+              <a:rPr lang="es-ES" b="0" i="0" u="sng" dirty="0" err="1">
+                <a:solidFill>
+                  <a:srgbClr val="0645AD"/>
+                </a:solidFill>
+                <a:effectLst/>
+                <a:latin typeface="Arial" panose="020B0604020202020204" pitchFamily="34" charset="0"/>
+                <a:hlinkClick r:id="rId6"/>
+              </a:rPr>
+              <a:t>LossLess</a:t>
+            </a:r>
+            <a:r>
+              <a:rPr lang="es-ES" b="0" i="0" u="sng" dirty="0">
+                <a:solidFill>
+                  <a:srgbClr val="0645AD"/>
+                </a:solidFill>
+                <a:effectLst/>
+                <a:latin typeface="Arial" panose="020B0604020202020204" pitchFamily="34" charset="0"/>
+                <a:hlinkClick r:id="rId6"/>
+              </a:rPr>
+              <a:t>)</a:t>
+            </a:r>
+            <a:r>
+              <a:rPr lang="es-ES" b="0" i="0" dirty="0">
+                <a:solidFill>
+                  <a:srgbClr val="202122"/>
+                </a:solidFill>
+                <a:effectLst/>
+                <a:latin typeface="Arial" panose="020B0604020202020204" pitchFamily="34" charset="0"/>
+              </a:rPr>
+              <a:t>.</a:t>
+            </a:r>
+            <a:endParaRPr lang="es-CO" dirty="0"/>
+          </a:p>
+        </p:txBody>
+      </p:sp>
+      <p:sp>
+        <p:nvSpPr>
+          <p:cNvPr id="8" name="Google Shape;217;p2"/>
+          <p:cNvSpPr/>
+          <p:nvPr/>
+        </p:nvSpPr>
+        <p:spPr>
+          <a:xfrm>
+            <a:off x="815040" y="6160680"/>
+            <a:ext cx="6915240" cy="767987"/>
+          </a:xfrm>
+          <a:prstGeom prst="rect">
+            <a:avLst/>
+          </a:prstGeom>
+          <a:noFill/>
+          <a:ln>
+            <a:noFill/>
+          </a:ln>
+        </p:spPr>
+        <p:txBody>
+          <a:bodyPr spcFirstLastPara="1" wrap="square" lIns="90000" tIns="45000" rIns="90000" bIns="45000" anchor="t" anchorCtr="0">
+            <a:spAutoFit/>
+          </a:bodyPr>
+          <a:lstStyle/>
+          <a:p>
+            <a:pPr lvl="0">
+              <a:buSzPts val="2200"/>
+            </a:pPr>
+            <a:r>
+              <a:rPr lang="en-US" sz="2200" b="1" dirty="0">
+                <a:solidFill>
+                  <a:srgbClr val="001E33"/>
+                </a:solidFill>
+                <a:uFill>
+                  <a:noFill/>
+                </a:uFill>
+                <a:hlinkClick r:id="rId7"/>
+              </a:rPr>
+              <a:t>https://</a:t>
+            </a:r>
+            <a:r>
+              <a:rPr lang="en-US" sz="2200" b="1" dirty="0" smtClean="0">
+                <a:solidFill>
+                  <a:srgbClr val="001E33"/>
+                </a:solidFill>
+                <a:uFill>
+                  <a:noFill/>
+                </a:uFill>
+                <a:hlinkClick r:id="rId7"/>
+              </a:rPr>
+              <a:t>github.com/GianSz/ProyectoDatos</a:t>
+            </a:r>
+            <a:endParaRPr lang="en-US" sz="2200" b="1" dirty="0" smtClean="0">
+              <a:solidFill>
+                <a:srgbClr val="001E33"/>
+              </a:solidFill>
+              <a:uFill>
+                <a:noFill/>
+              </a:uFill>
+            </a:endParaRPr>
+          </a:p>
+          <a:p>
+            <a:pPr lvl="0">
+              <a:buSzPts val="2200"/>
+            </a:pPr>
+            <a:endParaRPr sz="2200" b="1" i="0" u="none" strike="noStrike" cap="none" dirty="0">
+              <a:solidFill>
+                <a:srgbClr val="001E33"/>
+              </a:solidFill>
+              <a:latin typeface="Arial"/>
+              <a:ea typeface="Arial"/>
+              <a:cs typeface="Arial"/>
+              <a:sym typeface="Arial"/>
+            </a:endParaRPr>
+          </a:p>
+        </p:txBody>
+      </p:sp>
+    </p:spTree>
+    <p:extLst>
+      <p:ext uri="{BB962C8B-B14F-4D97-AF65-F5344CB8AC3E}">
+        <p14:creationId xmlns:p14="http://schemas.microsoft.com/office/powerpoint/2010/main" val="657680044"/>
+      </p:ext>
+    </p:extLst>
+  </p:cSld>
+  <p:clrMapOvr>
+    <a:masterClrMapping/>
+  </p:clrMapOvr>
+</p:sld>
+</file>
+
+<file path=ppt/slides/slide5.xml><?xml version="1.0" encoding="utf-8"?>
+<p:sld xmlns:a="http://schemas.openxmlformats.org/drawingml/2006/main" xmlns:r="http://schemas.openxmlformats.org/officeDocument/2006/relationships" xmlns:p="http://schemas.openxmlformats.org/presentationml/2006/main">
+  <p:cSld>
+    <p:spTree>
+      <p:nvGrpSpPr>
+        <p:cNvPr id="1" name="Shape 198"/>
+        <p:cNvGrpSpPr/>
+        <p:nvPr/>
+      </p:nvGrpSpPr>
+      <p:grpSpPr>
+        <a:xfrm>
+          <a:off x="0" y="0"/>
+          <a:ext cx="0" cy="0"/>
+          <a:chOff x="0" y="0"/>
+          <a:chExt cx="0" cy="0"/>
+        </a:xfrm>
+      </p:grpSpPr>
+      <p:pic>
+        <p:nvPicPr>
+          <p:cNvPr id="199" name="Google Shape;199;p2"/>
+          <p:cNvPicPr preferRelativeResize="0"/>
+          <p:nvPr/>
+        </p:nvPicPr>
+        <p:blipFill rotWithShape="1">
+          <a:blip r:embed="rId3">
+            <a:alphaModFix/>
+          </a:blip>
+          <a:srcRect/>
+          <a:stretch/>
+        </p:blipFill>
+        <p:spPr>
+          <a:xfrm>
+            <a:off x="-186960" y="-49289"/>
+            <a:ext cx="12196080" cy="6855840"/>
+          </a:xfrm>
+          <a:prstGeom prst="rect">
+            <a:avLst/>
+          </a:prstGeom>
+          <a:noFill/>
+          <a:ln>
+            <a:noFill/>
+          </a:ln>
+        </p:spPr>
+      </p:pic>
+      <p:pic>
+        <p:nvPicPr>
+          <p:cNvPr id="216" name="Google Shape;216;p2"/>
+          <p:cNvPicPr preferRelativeResize="0"/>
+          <p:nvPr/>
+        </p:nvPicPr>
+        <p:blipFill rotWithShape="1">
+          <a:blip r:embed="rId4">
+            <a:alphaModFix/>
+          </a:blip>
+          <a:srcRect/>
+          <a:stretch/>
+        </p:blipFill>
+        <p:spPr>
+          <a:xfrm>
+            <a:off x="182880" y="6089760"/>
+            <a:ext cx="621000" cy="621000"/>
+          </a:xfrm>
+          <a:prstGeom prst="rect">
+            <a:avLst/>
+          </a:prstGeom>
+          <a:noFill/>
+          <a:ln>
+            <a:noFill/>
+          </a:ln>
+        </p:spPr>
+      </p:pic>
+      <p:sp>
+        <p:nvSpPr>
+          <p:cNvPr id="2" name="CuadroTexto 1">
+            <a:extLst>
+              <a:ext uri="{FF2B5EF4-FFF2-40B4-BE49-F238E27FC236}">
+                <a16:creationId xmlns:a16="http://schemas.microsoft.com/office/drawing/2014/main" id="{2E3C3B93-7D6F-476C-A493-DA42C4087825}"/>
+              </a:ext>
+            </a:extLst>
+          </p:cNvPr>
+          <p:cNvSpPr txBox="1"/>
+          <p:nvPr/>
+        </p:nvSpPr>
+        <p:spPr>
+          <a:xfrm>
+            <a:off x="803880" y="1083212"/>
+            <a:ext cx="10801966" cy="523220"/>
+          </a:xfrm>
+          <a:prstGeom prst="rect">
+            <a:avLst/>
+          </a:prstGeom>
+          <a:noFill/>
+        </p:spPr>
+        <p:txBody>
+          <a:bodyPr wrap="square" rtlCol="0">
+            <a:spAutoFit/>
+          </a:bodyPr>
+          <a:lstStyle/>
+          <a:p>
+            <a:r>
+              <a:rPr lang="es-ES" b="0" i="0" dirty="0">
+                <a:solidFill>
+                  <a:srgbClr val="202122"/>
+                </a:solidFill>
+                <a:effectLst/>
+                <a:latin typeface="Arial" panose="020B0604020202020204" pitchFamily="34" charset="0"/>
+              </a:rPr>
+              <a:t> </a:t>
+            </a:r>
+            <a:r>
+              <a:rPr lang="es-ES" b="1" i="0" dirty="0">
+                <a:solidFill>
+                  <a:srgbClr val="000000"/>
+                </a:solidFill>
+                <a:effectLst/>
+                <a:latin typeface="Arial" panose="020B0604020202020204" pitchFamily="34" charset="0"/>
+              </a:rPr>
+              <a:t>Los métodos para la compresión de imagen sin pérdida </a:t>
+            </a:r>
+          </a:p>
+          <a:p>
+            <a:endParaRPr lang="es-CO" dirty="0"/>
+          </a:p>
+        </p:txBody>
+      </p:sp>
+      <p:sp>
+        <p:nvSpPr>
+          <p:cNvPr id="9" name="Google Shape;217;p2"/>
+          <p:cNvSpPr/>
+          <p:nvPr/>
+        </p:nvSpPr>
+        <p:spPr>
+          <a:xfrm>
+            <a:off x="815040" y="6160680"/>
+            <a:ext cx="6915240" cy="767987"/>
+          </a:xfrm>
+          <a:prstGeom prst="rect">
+            <a:avLst/>
+          </a:prstGeom>
+          <a:noFill/>
+          <a:ln>
+            <a:noFill/>
+          </a:ln>
+        </p:spPr>
+        <p:txBody>
+          <a:bodyPr spcFirstLastPara="1" wrap="square" lIns="90000" tIns="45000" rIns="90000" bIns="45000" anchor="t" anchorCtr="0">
+            <a:spAutoFit/>
+          </a:bodyPr>
+          <a:lstStyle/>
+          <a:p>
+            <a:pPr lvl="0">
+              <a:buSzPts val="2200"/>
+            </a:pPr>
+            <a:r>
+              <a:rPr lang="en-US" sz="2200" b="1" dirty="0">
+                <a:solidFill>
+                  <a:srgbClr val="001E33"/>
+                </a:solidFill>
+                <a:uFill>
+                  <a:noFill/>
+                </a:uFill>
+                <a:hlinkClick r:id="rId5"/>
+              </a:rPr>
+              <a:t>https://</a:t>
+            </a:r>
+            <a:r>
+              <a:rPr lang="en-US" sz="2200" b="1" dirty="0" smtClean="0">
+                <a:solidFill>
+                  <a:srgbClr val="001E33"/>
+                </a:solidFill>
+                <a:uFill>
+                  <a:noFill/>
+                </a:uFill>
+                <a:hlinkClick r:id="rId5"/>
+              </a:rPr>
+              <a:t>github.com/GianSz/ProyectoDatos</a:t>
+            </a:r>
+            <a:endParaRPr lang="en-US" sz="2200" b="1" dirty="0" smtClean="0">
+              <a:solidFill>
+                <a:srgbClr val="001E33"/>
+              </a:solidFill>
+              <a:uFill>
+                <a:noFill/>
+              </a:uFill>
+            </a:endParaRPr>
+          </a:p>
+          <a:p>
+            <a:pPr lvl="0">
+              <a:buSzPts val="2200"/>
+            </a:pPr>
+            <a:endParaRPr sz="2200" b="1" i="0" u="none" strike="noStrike" cap="none" dirty="0">
+              <a:solidFill>
+                <a:srgbClr val="001E33"/>
+              </a:solidFill>
+              <a:latin typeface="Arial"/>
+              <a:ea typeface="Arial"/>
+              <a:cs typeface="Arial"/>
+              <a:sym typeface="Arial"/>
+            </a:endParaRPr>
+          </a:p>
+        </p:txBody>
+      </p:sp>
+    </p:spTree>
+    <p:extLst>
+      <p:ext uri="{BB962C8B-B14F-4D97-AF65-F5344CB8AC3E}">
+        <p14:creationId xmlns:p14="http://schemas.microsoft.com/office/powerpoint/2010/main" val="1750971827"/>
+      </p:ext>
+    </p:extLst>
+  </p:cSld>
+  <p:clrMapOvr>
+    <a:masterClrMapping/>
+  </p:clrMapOvr>
+</p:sld>
+</file>
+
+<file path=ppt/slides/slide6.xml><?xml version="1.0" encoding="utf-8"?>
+<p:sld xmlns:a="http://schemas.openxmlformats.org/drawingml/2006/main" xmlns:r="http://schemas.openxmlformats.org/officeDocument/2006/relationships" xmlns:p="http://schemas.openxmlformats.org/presentationml/2006/main">
+  <p:cSld>
+    <p:spTree>
+      <p:nvGrpSpPr>
+        <p:cNvPr id="1" name="Shape 198"/>
+        <p:cNvGrpSpPr/>
+        <p:nvPr/>
+      </p:nvGrpSpPr>
+      <p:grpSpPr>
+        <a:xfrm>
+          <a:off x="0" y="0"/>
+          <a:ext cx="0" cy="0"/>
+          <a:chOff x="0" y="0"/>
+          <a:chExt cx="0" cy="0"/>
+        </a:xfrm>
+      </p:grpSpPr>
+      <p:pic>
+        <p:nvPicPr>
+          <p:cNvPr id="199" name="Google Shape;199;p2"/>
+          <p:cNvPicPr preferRelativeResize="0"/>
+          <p:nvPr/>
+        </p:nvPicPr>
+        <p:blipFill rotWithShape="1">
+          <a:blip r:embed="rId3">
+            <a:alphaModFix/>
+          </a:blip>
+          <a:srcRect/>
+          <a:stretch/>
+        </p:blipFill>
+        <p:spPr>
+          <a:xfrm>
+            <a:off x="-186960" y="-49289"/>
+            <a:ext cx="12196080" cy="6855840"/>
+          </a:xfrm>
+          <a:prstGeom prst="rect">
+            <a:avLst/>
+          </a:prstGeom>
+          <a:noFill/>
+          <a:ln>
+            <a:noFill/>
+          </a:ln>
+        </p:spPr>
+      </p:pic>
+      <p:pic>
+        <p:nvPicPr>
+          <p:cNvPr id="216" name="Google Shape;216;p2"/>
+          <p:cNvPicPr preferRelativeResize="0"/>
+          <p:nvPr/>
+        </p:nvPicPr>
+        <p:blipFill rotWithShape="1">
+          <a:blip r:embed="rId4">
+            <a:alphaModFix/>
+          </a:blip>
+          <a:srcRect/>
+          <a:stretch/>
+        </p:blipFill>
+        <p:spPr>
+          <a:xfrm>
+            <a:off x="182880" y="6089760"/>
+            <a:ext cx="621000" cy="621000"/>
+          </a:xfrm>
+          <a:prstGeom prst="rect">
+            <a:avLst/>
+          </a:prstGeom>
+          <a:noFill/>
+          <a:ln>
+            <a:noFill/>
+          </a:ln>
+        </p:spPr>
+      </p:pic>
+      <p:sp>
+        <p:nvSpPr>
+          <p:cNvPr id="2" name="CuadroTexto 1">
+            <a:extLst>
+              <a:ext uri="{FF2B5EF4-FFF2-40B4-BE49-F238E27FC236}">
+                <a16:creationId xmlns:a16="http://schemas.microsoft.com/office/drawing/2014/main" id="{2E3C3B93-7D6F-476C-A493-DA42C4087825}"/>
+              </a:ext>
+            </a:extLst>
+          </p:cNvPr>
+          <p:cNvSpPr txBox="1"/>
+          <p:nvPr/>
+        </p:nvSpPr>
+        <p:spPr>
+          <a:xfrm>
+            <a:off x="803880" y="1083212"/>
+            <a:ext cx="10801966" cy="307777"/>
+          </a:xfrm>
+          <a:prstGeom prst="rect">
+            <a:avLst/>
+          </a:prstGeom>
+          <a:noFill/>
+        </p:spPr>
+        <p:txBody>
+          <a:bodyPr wrap="square" rtlCol="0">
+            <a:spAutoFit/>
+          </a:bodyPr>
+          <a:lstStyle/>
+          <a:p>
+            <a:r>
+              <a:rPr lang="es-ES" b="0" i="0" dirty="0">
+                <a:solidFill>
+                  <a:srgbClr val="202122"/>
+                </a:solidFill>
+                <a:effectLst/>
+                <a:latin typeface="Arial" panose="020B0604020202020204" pitchFamily="34" charset="0"/>
+              </a:rPr>
+              <a:t> </a:t>
+            </a:r>
+            <a:r>
+              <a:rPr lang="es-ES" b="1" i="0" dirty="0">
+                <a:solidFill>
+                  <a:srgbClr val="000000"/>
+                </a:solidFill>
+                <a:effectLst/>
+                <a:latin typeface="Arial" panose="020B0604020202020204" pitchFamily="34" charset="0"/>
+              </a:rPr>
+              <a:t>Los métodos para la compresión de imagen con perdida</a:t>
+            </a:r>
+            <a:endParaRPr lang="es-CO" dirty="0"/>
+          </a:p>
+        </p:txBody>
+      </p:sp>
+      <p:sp>
+        <p:nvSpPr>
+          <p:cNvPr id="8" name="Google Shape;217;p2"/>
+          <p:cNvSpPr/>
+          <p:nvPr/>
+        </p:nvSpPr>
+        <p:spPr>
+          <a:xfrm>
+            <a:off x="815040" y="6160680"/>
+            <a:ext cx="6915240" cy="767987"/>
+          </a:xfrm>
+          <a:prstGeom prst="rect">
+            <a:avLst/>
+          </a:prstGeom>
+          <a:noFill/>
+          <a:ln>
+            <a:noFill/>
+          </a:ln>
+        </p:spPr>
+        <p:txBody>
+          <a:bodyPr spcFirstLastPara="1" wrap="square" lIns="90000" tIns="45000" rIns="90000" bIns="45000" anchor="t" anchorCtr="0">
+            <a:spAutoFit/>
+          </a:bodyPr>
+          <a:lstStyle/>
+          <a:p>
+            <a:pPr lvl="0">
+              <a:buSzPts val="2200"/>
+            </a:pPr>
+            <a:r>
+              <a:rPr lang="en-US" sz="2200" b="1" dirty="0">
+                <a:solidFill>
+                  <a:srgbClr val="001E33"/>
+                </a:solidFill>
+                <a:uFill>
+                  <a:noFill/>
+                </a:uFill>
+                <a:hlinkClick r:id="rId5"/>
+              </a:rPr>
+              <a:t>https://</a:t>
+            </a:r>
+            <a:r>
+              <a:rPr lang="en-US" sz="2200" b="1" dirty="0" smtClean="0">
+                <a:solidFill>
+                  <a:srgbClr val="001E33"/>
+                </a:solidFill>
+                <a:uFill>
+                  <a:noFill/>
+                </a:uFill>
+                <a:hlinkClick r:id="rId5"/>
+              </a:rPr>
+              <a:t>github.com/GianSz/ProyectoDatos</a:t>
+            </a:r>
+            <a:endParaRPr lang="en-US" sz="2200" b="1" dirty="0" smtClean="0">
+              <a:solidFill>
+                <a:srgbClr val="001E33"/>
+              </a:solidFill>
+              <a:uFill>
+                <a:noFill/>
+              </a:uFill>
+            </a:endParaRPr>
+          </a:p>
+          <a:p>
+            <a:pPr lvl="0">
+              <a:buSzPts val="2200"/>
+            </a:pPr>
+            <a:endParaRPr sz="2200" b="1" i="0" u="none" strike="noStrike" cap="none" dirty="0">
+              <a:solidFill>
+                <a:srgbClr val="001E33"/>
+              </a:solidFill>
+              <a:latin typeface="Arial"/>
+              <a:ea typeface="Arial"/>
+              <a:cs typeface="Arial"/>
+              <a:sym typeface="Arial"/>
+            </a:endParaRPr>
+          </a:p>
+        </p:txBody>
+      </p:sp>
+    </p:spTree>
+    <p:extLst>
+      <p:ext uri="{BB962C8B-B14F-4D97-AF65-F5344CB8AC3E}">
+        <p14:creationId xmlns:p14="http://schemas.microsoft.com/office/powerpoint/2010/main" val="100444693"/>
+      </p:ext>
+    </p:extLst>
   </p:cSld>
   <p:clrMapOvr>
     <a:masterClrMapping/>

--- a/Presentacion/Presentación Proyecto.pptx
+++ b/Presentacion/Presentación Proyecto.pptx
@@ -252,7 +252,7 @@
       <p15:sldGuideLst xmlns:p15="http://schemas.microsoft.com/office/powerpoint/2012/main"/>
     </p:ext>
     <p:ext uri="http://customooxmlschemas.google.com/">
-      <go:slidesCustomData xmlns:go="http://customooxmlschemas.google.com/" xmlns:ahyp="http://schemas.microsoft.com/office/drawing/2018/hyperlinkcolor" xmlns:p15="http://schemas.microsoft.com/office/powerpoint/2012/main" xmlns:p14="http://schemas.microsoft.com/office/powerpoint/2010/main" xmlns:com="http://schemas.openxmlformats.org/drawingml/2006/compatibility" xmlns:pvml="urn:schemas-microsoft-com:office:powerpoint" xmlns:v="urn:schemas-microsoft-com:vml" xmlns:o="urn:schemas-microsoft-com:office:office" xmlns:dgm="http://schemas.openxmlformats.org/drawingml/2006/diagram" xmlns:c="http://schemas.openxmlformats.org/drawingml/2006/chart" xmlns:mv="urn:schemas-microsoft-com:mac:vml" xmlns:mc="http://schemas.openxmlformats.org/markup-compatibility/2006" xmlns="" r:id="rId21" roundtripDataSignature="AMtx7mjHzTg+goWcQk8fO5It0l+0ng5KHA=="/>
+      <go:slidesCustomData xmlns="" xmlns:mc="http://schemas.openxmlformats.org/markup-compatibility/2006" xmlns:mv="urn:schemas-microsoft-com:mac:vml" xmlns:c="http://schemas.openxmlformats.org/drawingml/2006/chart" xmlns:dgm="http://schemas.openxmlformats.org/drawingml/2006/diagram" xmlns:o="urn:schemas-microsoft-com:office:office" xmlns:v="urn:schemas-microsoft-com:vml" xmlns:pvml="urn:schemas-microsoft-com:office:powerpoint" xmlns:com="http://schemas.openxmlformats.org/drawingml/2006/compatibility" xmlns:p14="http://schemas.microsoft.com/office/powerpoint/2010/main" xmlns:p15="http://schemas.microsoft.com/office/powerpoint/2012/main" xmlns:ahyp="http://schemas.microsoft.com/office/drawing/2018/hyperlinkcolor" xmlns:go="http://customooxmlschemas.google.com/" r:id="rId21" roundtripDataSignature="AMtx7mjHzTg+goWcQk8fO5It0l+0ng5KHA=="/>
     </p:ext>
   </p:extLst>
 </p:presentation>
@@ -18570,6 +18570,432 @@
           </a:p>
         </p:txBody>
       </p:sp>
+      <p:sp>
+        <p:nvSpPr>
+          <p:cNvPr id="3" name="CuadroTexto 2"/>
+          <p:cNvSpPr txBox="1"/>
+          <p:nvPr/>
+        </p:nvSpPr>
+        <p:spPr>
+          <a:xfrm>
+            <a:off x="983673" y="1898073"/>
+            <a:ext cx="10622173" cy="523220"/>
+          </a:xfrm>
+          <a:prstGeom prst="rect">
+            <a:avLst/>
+          </a:prstGeom>
+          <a:noFill/>
+        </p:spPr>
+        <p:txBody>
+          <a:bodyPr wrap="square" rtlCol="0">
+            <a:spAutoFit/>
+          </a:bodyPr>
+          <a:lstStyle/>
+          <a:p>
+            <a:r>
+              <a:rPr lang="es-CO" dirty="0" smtClean="0"/>
+              <a:t>La compresión de imágenes es el proceso de reducir el tamaño de estas usando técnicas para simplificar la información redundante para que sea más óptima para los objetivos que se tengan con esta.</a:t>
+            </a:r>
+            <a:endParaRPr lang="es-CO" dirty="0"/>
+          </a:p>
+        </p:txBody>
+      </p:sp>
+      <p:sp>
+        <p:nvSpPr>
+          <p:cNvPr id="4" name="CuadroTexto 3"/>
+          <p:cNvSpPr txBox="1"/>
+          <p:nvPr/>
+        </p:nvSpPr>
+        <p:spPr>
+          <a:xfrm>
+            <a:off x="983673" y="2667609"/>
+            <a:ext cx="10254529" cy="954107"/>
+          </a:xfrm>
+          <a:prstGeom prst="rect">
+            <a:avLst/>
+          </a:prstGeom>
+          <a:noFill/>
+        </p:spPr>
+        <p:txBody>
+          <a:bodyPr wrap="square" rtlCol="0">
+            <a:spAutoFit/>
+          </a:bodyPr>
+          <a:lstStyle/>
+          <a:p>
+            <a:r>
+              <a:rPr lang="pt-BR" dirty="0" err="1" smtClean="0"/>
+              <a:t>Lossy</a:t>
+            </a:r>
+            <a:r>
+              <a:rPr lang="pt-BR" dirty="0" smtClean="0"/>
+              <a:t>:</a:t>
+            </a:r>
+          </a:p>
+          <a:p>
+            <a:r>
+              <a:rPr lang="pt-BR" dirty="0" smtClean="0"/>
+              <a:t>Es </a:t>
+            </a:r>
+            <a:r>
+              <a:rPr lang="pt-BR" dirty="0" err="1" smtClean="0"/>
+              <a:t>un</a:t>
+            </a:r>
+            <a:r>
+              <a:rPr lang="pt-BR" dirty="0" smtClean="0"/>
+              <a:t> </a:t>
+            </a:r>
+            <a:r>
+              <a:rPr lang="es-CO" dirty="0" smtClean="0"/>
+              <a:t>proceso</a:t>
+            </a:r>
+            <a:r>
+              <a:rPr lang="pt-BR" dirty="0" smtClean="0"/>
+              <a:t> de </a:t>
+            </a:r>
+            <a:r>
+              <a:rPr lang="pt-BR" dirty="0" err="1" smtClean="0"/>
+              <a:t>compresión</a:t>
+            </a:r>
+            <a:r>
+              <a:rPr lang="pt-BR" dirty="0" smtClean="0"/>
+              <a:t> de </a:t>
+            </a:r>
+            <a:r>
+              <a:rPr lang="pt-BR" dirty="0" err="1" smtClean="0"/>
+              <a:t>imagen</a:t>
+            </a:r>
+            <a:r>
+              <a:rPr lang="pt-BR" dirty="0" smtClean="0"/>
+              <a:t> que se </a:t>
+            </a:r>
+            <a:r>
+              <a:rPr lang="pt-BR" dirty="0" err="1" smtClean="0"/>
+              <a:t>basa</a:t>
+            </a:r>
+            <a:r>
+              <a:rPr lang="pt-BR" dirty="0" smtClean="0"/>
+              <a:t> </a:t>
+            </a:r>
+            <a:r>
+              <a:rPr lang="pt-BR" dirty="0" err="1" smtClean="0"/>
+              <a:t>en</a:t>
+            </a:r>
+            <a:r>
+              <a:rPr lang="pt-BR" dirty="0" smtClean="0"/>
+              <a:t> </a:t>
+            </a:r>
+            <a:r>
+              <a:rPr lang="pt-BR" dirty="0" err="1" smtClean="0"/>
+              <a:t>la</a:t>
+            </a:r>
+            <a:r>
+              <a:rPr lang="pt-BR" dirty="0" smtClean="0"/>
+              <a:t> </a:t>
+            </a:r>
+            <a:r>
+              <a:rPr lang="pt-BR" dirty="0" err="1" smtClean="0"/>
+              <a:t>eliminación</a:t>
+            </a:r>
+            <a:r>
+              <a:rPr lang="pt-BR" dirty="0" smtClean="0"/>
+              <a:t> de </a:t>
+            </a:r>
+            <a:r>
+              <a:rPr lang="pt-BR" dirty="0" err="1" smtClean="0"/>
+              <a:t>información</a:t>
+            </a:r>
+            <a:r>
+              <a:rPr lang="pt-BR" dirty="0" smtClean="0"/>
+              <a:t> de </a:t>
+            </a:r>
+            <a:r>
+              <a:rPr lang="pt-BR" dirty="0" err="1" smtClean="0"/>
+              <a:t>la</a:t>
+            </a:r>
+            <a:r>
+              <a:rPr lang="pt-BR" dirty="0" smtClean="0"/>
+              <a:t> </a:t>
+            </a:r>
+            <a:r>
+              <a:rPr lang="pt-BR" dirty="0" err="1" smtClean="0"/>
+              <a:t>cual</a:t>
+            </a:r>
+            <a:r>
+              <a:rPr lang="pt-BR" dirty="0" smtClean="0"/>
+              <a:t> </a:t>
+            </a:r>
+            <a:r>
+              <a:rPr lang="pt-BR" dirty="0" err="1" smtClean="0"/>
+              <a:t>el</a:t>
+            </a:r>
+            <a:r>
+              <a:rPr lang="pt-BR" dirty="0" smtClean="0"/>
+              <a:t> ser humano </a:t>
+            </a:r>
+            <a:r>
+              <a:rPr lang="pt-BR" dirty="0" err="1" smtClean="0"/>
+              <a:t>puede</a:t>
+            </a:r>
+            <a:r>
+              <a:rPr lang="pt-BR" dirty="0" smtClean="0"/>
+              <a:t> </a:t>
+            </a:r>
+            <a:r>
+              <a:rPr lang="es-CO" dirty="0" smtClean="0"/>
+              <a:t>prescindir</a:t>
+            </a:r>
+            <a:r>
+              <a:rPr lang="pt-BR" dirty="0" smtClean="0"/>
+              <a:t> </a:t>
+            </a:r>
+            <a:r>
+              <a:rPr lang="pt-BR" dirty="0" err="1" smtClean="0"/>
+              <a:t>sin</a:t>
+            </a:r>
+            <a:r>
+              <a:rPr lang="pt-BR" dirty="0" smtClean="0"/>
+              <a:t> cambiar </a:t>
+            </a:r>
+            <a:r>
+              <a:rPr lang="pt-BR" dirty="0" err="1" smtClean="0"/>
+              <a:t>el</a:t>
+            </a:r>
+            <a:r>
+              <a:rPr lang="pt-BR" dirty="0" smtClean="0"/>
+              <a:t> resultado o </a:t>
+            </a:r>
+            <a:r>
+              <a:rPr lang="pt-BR" dirty="0" err="1" smtClean="0"/>
+              <a:t>el</a:t>
+            </a:r>
+            <a:r>
+              <a:rPr lang="pt-BR" dirty="0" smtClean="0"/>
+              <a:t> significado de </a:t>
+            </a:r>
+            <a:r>
+              <a:rPr lang="pt-BR" dirty="0" err="1" smtClean="0"/>
+              <a:t>la</a:t>
+            </a:r>
+            <a:r>
+              <a:rPr lang="pt-BR" dirty="0" smtClean="0"/>
+              <a:t> </a:t>
+            </a:r>
+            <a:r>
+              <a:rPr lang="pt-BR" dirty="0" err="1" smtClean="0"/>
+              <a:t>imagen</a:t>
+            </a:r>
+            <a:r>
+              <a:rPr lang="pt-BR" dirty="0" smtClean="0"/>
+              <a:t>. La perdida de </a:t>
+            </a:r>
+            <a:r>
+              <a:rPr lang="pt-BR" dirty="0" err="1" smtClean="0"/>
+              <a:t>información</a:t>
+            </a:r>
+            <a:r>
+              <a:rPr lang="pt-BR" dirty="0" smtClean="0"/>
+              <a:t> </a:t>
+            </a:r>
+            <a:r>
+              <a:rPr lang="pt-BR" dirty="0" err="1" smtClean="0"/>
+              <a:t>en</a:t>
+            </a:r>
+            <a:r>
+              <a:rPr lang="pt-BR" dirty="0" smtClean="0"/>
+              <a:t> este </a:t>
+            </a:r>
+            <a:r>
+              <a:rPr lang="pt-BR" dirty="0" err="1" smtClean="0"/>
+              <a:t>proceso</a:t>
+            </a:r>
+            <a:r>
+              <a:rPr lang="pt-BR" dirty="0" smtClean="0"/>
+              <a:t> es </a:t>
+            </a:r>
+            <a:r>
+              <a:rPr lang="pt-BR" dirty="0" err="1" smtClean="0"/>
+              <a:t>irre</a:t>
+            </a:r>
+            <a:r>
+              <a:rPr lang="es-CO" dirty="0" err="1" smtClean="0"/>
+              <a:t>versible</a:t>
+            </a:r>
+            <a:r>
+              <a:rPr lang="es-CO" dirty="0" smtClean="0"/>
+              <a:t> y compromete la calidad de la imagen.</a:t>
+            </a:r>
+            <a:endParaRPr lang="pt-BR" dirty="0"/>
+          </a:p>
+        </p:txBody>
+      </p:sp>
+      <p:sp>
+        <p:nvSpPr>
+          <p:cNvPr id="9" name="CuadroTexto 8"/>
+          <p:cNvSpPr txBox="1"/>
+          <p:nvPr/>
+        </p:nvSpPr>
+        <p:spPr>
+          <a:xfrm>
+            <a:off x="983672" y="3659814"/>
+            <a:ext cx="10254529" cy="738664"/>
+          </a:xfrm>
+          <a:prstGeom prst="rect">
+            <a:avLst/>
+          </a:prstGeom>
+          <a:noFill/>
+        </p:spPr>
+        <p:txBody>
+          <a:bodyPr wrap="square" rtlCol="0">
+            <a:spAutoFit/>
+          </a:bodyPr>
+          <a:lstStyle/>
+          <a:p>
+            <a:r>
+              <a:rPr lang="pt-BR" dirty="0" err="1" smtClean="0"/>
+              <a:t>LossLess</a:t>
+            </a:r>
+            <a:r>
+              <a:rPr lang="pt-BR" dirty="0" smtClean="0"/>
+              <a:t>:</a:t>
+            </a:r>
+          </a:p>
+          <a:p>
+            <a:r>
+              <a:rPr lang="pt-BR" dirty="0" smtClean="0"/>
+              <a:t>Es </a:t>
+            </a:r>
+            <a:r>
+              <a:rPr lang="pt-BR" dirty="0" err="1" smtClean="0"/>
+              <a:t>un</a:t>
+            </a:r>
+            <a:r>
+              <a:rPr lang="pt-BR" dirty="0" smtClean="0"/>
+              <a:t> </a:t>
+            </a:r>
+            <a:r>
+              <a:rPr lang="pt-BR" dirty="0" err="1" smtClean="0"/>
+              <a:t>proceso</a:t>
+            </a:r>
+            <a:r>
+              <a:rPr lang="pt-BR" dirty="0" smtClean="0"/>
+              <a:t> de </a:t>
+            </a:r>
+            <a:r>
+              <a:rPr lang="pt-BR" dirty="0" err="1" smtClean="0"/>
+              <a:t>compresión</a:t>
+            </a:r>
+            <a:r>
+              <a:rPr lang="pt-BR" dirty="0" smtClean="0"/>
+              <a:t> de </a:t>
+            </a:r>
+            <a:r>
+              <a:rPr lang="pt-BR" dirty="0" err="1" smtClean="0"/>
+              <a:t>imagen</a:t>
+            </a:r>
+            <a:r>
+              <a:rPr lang="pt-BR" dirty="0" smtClean="0"/>
+              <a:t> que se </a:t>
+            </a:r>
+            <a:r>
+              <a:rPr lang="pt-BR" dirty="0" err="1" smtClean="0"/>
+              <a:t>basa</a:t>
+            </a:r>
+            <a:r>
+              <a:rPr lang="pt-BR" dirty="0" smtClean="0"/>
+              <a:t> </a:t>
+            </a:r>
+            <a:r>
+              <a:rPr lang="pt-BR" dirty="0" err="1" smtClean="0"/>
+              <a:t>en</a:t>
+            </a:r>
+            <a:r>
+              <a:rPr lang="pt-BR" dirty="0" smtClean="0"/>
+              <a:t> </a:t>
+            </a:r>
+            <a:r>
+              <a:rPr lang="pt-BR" dirty="0" err="1" smtClean="0"/>
+              <a:t>la</a:t>
+            </a:r>
+            <a:r>
+              <a:rPr lang="pt-BR" dirty="0" smtClean="0"/>
+              <a:t> </a:t>
+            </a:r>
+            <a:r>
+              <a:rPr lang="pt-BR" dirty="0" err="1" smtClean="0"/>
+              <a:t>reestructuración</a:t>
+            </a:r>
+            <a:r>
+              <a:rPr lang="pt-BR" dirty="0" smtClean="0"/>
+              <a:t> de </a:t>
+            </a:r>
+            <a:r>
+              <a:rPr lang="pt-BR" dirty="0" err="1" smtClean="0"/>
+              <a:t>la</a:t>
+            </a:r>
+            <a:r>
+              <a:rPr lang="pt-BR" dirty="0" smtClean="0"/>
+              <a:t> </a:t>
+            </a:r>
+            <a:r>
+              <a:rPr lang="pt-BR" dirty="0" err="1" smtClean="0"/>
+              <a:t>información</a:t>
+            </a:r>
+            <a:r>
+              <a:rPr lang="pt-BR" dirty="0" smtClean="0"/>
+              <a:t> para que esta ocupe menos memoria. No se </a:t>
+            </a:r>
+            <a:r>
+              <a:rPr lang="pt-BR" dirty="0" err="1" smtClean="0"/>
+              <a:t>pierde</a:t>
+            </a:r>
+            <a:r>
+              <a:rPr lang="pt-BR" dirty="0" smtClean="0"/>
+              <a:t> </a:t>
+            </a:r>
+            <a:r>
+              <a:rPr lang="pt-BR" dirty="0" err="1" smtClean="0"/>
+              <a:t>calidad</a:t>
+            </a:r>
+            <a:r>
+              <a:rPr lang="pt-BR" dirty="0" smtClean="0"/>
+              <a:t> </a:t>
+            </a:r>
+            <a:r>
+              <a:rPr lang="pt-BR" dirty="0" err="1" smtClean="0"/>
+              <a:t>ni</a:t>
+            </a:r>
+            <a:r>
+              <a:rPr lang="pt-BR" dirty="0" smtClean="0"/>
+              <a:t> </a:t>
+            </a:r>
+            <a:r>
+              <a:rPr lang="pt-BR" dirty="0" err="1" smtClean="0"/>
+              <a:t>datos</a:t>
+            </a:r>
+            <a:r>
+              <a:rPr lang="pt-BR" dirty="0" smtClean="0"/>
+              <a:t> de </a:t>
+            </a:r>
+            <a:r>
+              <a:rPr lang="pt-BR" dirty="0" err="1" smtClean="0"/>
+              <a:t>la</a:t>
+            </a:r>
+            <a:r>
+              <a:rPr lang="pt-BR" dirty="0" smtClean="0"/>
+              <a:t> </a:t>
+            </a:r>
+            <a:r>
+              <a:rPr lang="pt-BR" dirty="0" err="1" smtClean="0"/>
+              <a:t>imagen</a:t>
+            </a:r>
+            <a:r>
+              <a:rPr lang="pt-BR" dirty="0" smtClean="0"/>
+              <a:t> original.</a:t>
+            </a:r>
+            <a:endParaRPr lang="pt-BR" dirty="0"/>
+          </a:p>
+        </p:txBody>
+      </p:sp>
     </p:spTree>
     <p:extLst>
       <p:ext uri="{BB962C8B-B14F-4D97-AF65-F5344CB8AC3E}">
@@ -18615,7 +19041,7 @@
         </p:blipFill>
         <p:spPr>
           <a:xfrm>
-            <a:off x="-186960" y="-49289"/>
+            <a:off x="-214669" y="0"/>
             <a:ext cx="12196080" cy="6855840"/>
           </a:xfrm>
           <a:prstGeom prst="rect">
@@ -18782,6 +19208,279 @@
               <a:cs typeface="Arial"/>
               <a:sym typeface="Arial"/>
             </a:endParaRPr>
+          </a:p>
+        </p:txBody>
+      </p:sp>
+      <p:sp>
+        <p:nvSpPr>
+          <p:cNvPr id="3" name="CuadroTexto 2"/>
+          <p:cNvSpPr txBox="1"/>
+          <p:nvPr/>
+        </p:nvSpPr>
+        <p:spPr>
+          <a:xfrm>
+            <a:off x="815040" y="1828800"/>
+            <a:ext cx="6098378" cy="1169551"/>
+          </a:xfrm>
+          <a:prstGeom prst="rect">
+            <a:avLst/>
+          </a:prstGeom>
+          <a:noFill/>
+        </p:spPr>
+        <p:txBody>
+          <a:bodyPr wrap="square" rtlCol="0">
+            <a:spAutoFit/>
+          </a:bodyPr>
+          <a:lstStyle/>
+          <a:p>
+            <a:r>
+              <a:rPr lang="pt-BR" dirty="0" err="1" smtClean="0"/>
+              <a:t>Run-length</a:t>
+            </a:r>
+            <a:r>
+              <a:rPr lang="pt-BR" dirty="0" smtClean="0"/>
+              <a:t>: Para </a:t>
+            </a:r>
+            <a:r>
+              <a:rPr lang="pt-BR" dirty="0" err="1" smtClean="0"/>
+              <a:t>reducir</a:t>
+            </a:r>
+            <a:r>
+              <a:rPr lang="pt-BR" dirty="0" smtClean="0"/>
+              <a:t> </a:t>
+            </a:r>
+            <a:r>
+              <a:rPr lang="pt-BR" dirty="0" err="1" smtClean="0"/>
+              <a:t>la</a:t>
+            </a:r>
+            <a:r>
+              <a:rPr lang="pt-BR" dirty="0" smtClean="0"/>
+              <a:t> </a:t>
+            </a:r>
+            <a:r>
+              <a:rPr lang="pt-BR" dirty="0" err="1" smtClean="0"/>
+              <a:t>información</a:t>
+            </a:r>
+            <a:r>
+              <a:rPr lang="pt-BR" dirty="0" smtClean="0"/>
+              <a:t> </a:t>
+            </a:r>
+            <a:r>
+              <a:rPr lang="pt-BR" dirty="0" err="1" smtClean="0"/>
+              <a:t>reduntante</a:t>
+            </a:r>
+            <a:r>
+              <a:rPr lang="pt-BR" dirty="0" smtClean="0"/>
+              <a:t> este método </a:t>
+            </a:r>
+            <a:r>
+              <a:rPr lang="pt-BR" dirty="0" err="1" smtClean="0"/>
+              <a:t>cuenta</a:t>
+            </a:r>
+            <a:r>
+              <a:rPr lang="pt-BR" dirty="0" smtClean="0"/>
+              <a:t> </a:t>
+            </a:r>
+            <a:r>
+              <a:rPr lang="pt-BR" dirty="0" err="1" smtClean="0"/>
+              <a:t>cuántas</a:t>
+            </a:r>
+            <a:r>
+              <a:rPr lang="pt-BR" dirty="0" smtClean="0"/>
+              <a:t> </a:t>
+            </a:r>
+            <a:r>
+              <a:rPr lang="pt-BR" dirty="0" err="1" smtClean="0"/>
+              <a:t>veces</a:t>
+            </a:r>
+            <a:r>
+              <a:rPr lang="pt-BR" dirty="0" smtClean="0"/>
+              <a:t> se </a:t>
+            </a:r>
+            <a:r>
+              <a:rPr lang="pt-BR" dirty="0" err="1" smtClean="0"/>
+              <a:t>repite</a:t>
+            </a:r>
+            <a:r>
+              <a:rPr lang="pt-BR" dirty="0" smtClean="0"/>
+              <a:t> </a:t>
+            </a:r>
+            <a:r>
+              <a:rPr lang="pt-BR" dirty="0" err="1" smtClean="0"/>
+              <a:t>el</a:t>
+            </a:r>
+            <a:r>
+              <a:rPr lang="pt-BR" dirty="0" smtClean="0"/>
+              <a:t> </a:t>
+            </a:r>
+            <a:r>
+              <a:rPr lang="pt-BR" dirty="0" err="1" smtClean="0"/>
+              <a:t>mismo</a:t>
+            </a:r>
+            <a:r>
+              <a:rPr lang="pt-BR" dirty="0" smtClean="0"/>
+              <a:t> </a:t>
+            </a:r>
+            <a:r>
+              <a:rPr lang="pt-BR" dirty="0" err="1" smtClean="0"/>
+              <a:t>caracter</a:t>
+            </a:r>
+            <a:r>
+              <a:rPr lang="pt-BR" dirty="0" smtClean="0"/>
+              <a:t> y coloca este número al frente de </a:t>
+            </a:r>
+            <a:r>
+              <a:rPr lang="pt-BR" dirty="0" err="1" smtClean="0"/>
+              <a:t>la</a:t>
+            </a:r>
+            <a:r>
+              <a:rPr lang="pt-BR" dirty="0" smtClean="0"/>
+              <a:t> </a:t>
+            </a:r>
+            <a:r>
+              <a:rPr lang="pt-BR" dirty="0" err="1" smtClean="0"/>
+              <a:t>identificación</a:t>
+            </a:r>
+            <a:r>
+              <a:rPr lang="pt-BR" dirty="0" smtClean="0"/>
+              <a:t> </a:t>
+            </a:r>
+            <a:r>
+              <a:rPr lang="pt-BR" dirty="0" err="1" smtClean="0"/>
+              <a:t>del</a:t>
+            </a:r>
+            <a:r>
+              <a:rPr lang="pt-BR" dirty="0" smtClean="0"/>
+              <a:t> </a:t>
+            </a:r>
+            <a:r>
+              <a:rPr lang="pt-BR" dirty="0" err="1" smtClean="0"/>
+              <a:t>caracter</a:t>
+            </a:r>
+            <a:r>
+              <a:rPr lang="pt-BR" dirty="0" smtClean="0"/>
+              <a:t>. Es </a:t>
+            </a:r>
+            <a:r>
+              <a:rPr lang="pt-BR" dirty="0" err="1" smtClean="0"/>
+              <a:t>decir</a:t>
+            </a:r>
+            <a:r>
+              <a:rPr lang="pt-BR" dirty="0" smtClean="0"/>
+              <a:t>, si </a:t>
+            </a:r>
+            <a:r>
+              <a:rPr lang="pt-BR" dirty="0" err="1" smtClean="0"/>
+              <a:t>tenemos</a:t>
+            </a:r>
+            <a:r>
+              <a:rPr lang="pt-BR" dirty="0" smtClean="0"/>
+              <a:t> 10 </a:t>
+            </a:r>
+            <a:r>
+              <a:rPr lang="pt-BR" dirty="0" err="1" smtClean="0"/>
+              <a:t>pixeles</a:t>
+            </a:r>
+            <a:r>
+              <a:rPr lang="pt-BR" dirty="0" smtClean="0"/>
+              <a:t> </a:t>
+            </a:r>
+            <a:r>
+              <a:rPr lang="pt-BR" dirty="0" err="1" smtClean="0"/>
+              <a:t>blancos</a:t>
+            </a:r>
+            <a:r>
+              <a:rPr lang="pt-BR" dirty="0" smtClean="0"/>
+              <a:t> seguidos, y </a:t>
+            </a:r>
+            <a:r>
+              <a:rPr lang="pt-BR" dirty="0" err="1" smtClean="0"/>
+              <a:t>suponiendo</a:t>
+            </a:r>
+            <a:r>
+              <a:rPr lang="pt-BR" dirty="0" smtClean="0"/>
+              <a:t> que este color se representa </a:t>
+            </a:r>
+            <a:r>
+              <a:rPr lang="pt-BR" dirty="0" err="1" smtClean="0"/>
+              <a:t>con</a:t>
+            </a:r>
+            <a:r>
+              <a:rPr lang="pt-BR" dirty="0" smtClean="0"/>
+              <a:t> B, </a:t>
+            </a:r>
+            <a:r>
+              <a:rPr lang="pt-BR" dirty="0" err="1" smtClean="0"/>
+              <a:t>en</a:t>
+            </a:r>
+            <a:r>
+              <a:rPr lang="pt-BR" dirty="0" smtClean="0"/>
+              <a:t> vez de </a:t>
+            </a:r>
+            <a:r>
+              <a:rPr lang="pt-BR" dirty="0" err="1" smtClean="0"/>
+              <a:t>tener</a:t>
+            </a:r>
+            <a:r>
+              <a:rPr lang="pt-BR" dirty="0" smtClean="0"/>
+              <a:t> B, B, B, B, B, B, B, B, B, B, vamos a </a:t>
+            </a:r>
+            <a:r>
+              <a:rPr lang="pt-BR" dirty="0" err="1" smtClean="0"/>
+              <a:t>tener</a:t>
+            </a:r>
+            <a:r>
+              <a:rPr lang="pt-BR" dirty="0" smtClean="0"/>
+              <a:t> 10B.</a:t>
+            </a:r>
+            <a:endParaRPr lang="pt-BR" dirty="0"/>
+          </a:p>
+        </p:txBody>
+      </p:sp>
+      <p:sp>
+        <p:nvSpPr>
+          <p:cNvPr id="4" name="CuadroTexto 3"/>
+          <p:cNvSpPr txBox="1"/>
+          <p:nvPr/>
+        </p:nvSpPr>
+        <p:spPr>
+          <a:xfrm>
+            <a:off x="815040" y="3522100"/>
+            <a:ext cx="5541818" cy="2246769"/>
+          </a:xfrm>
+          <a:prstGeom prst="rect">
+            <a:avLst/>
+          </a:prstGeom>
+          <a:noFill/>
+        </p:spPr>
+        <p:txBody>
+          <a:bodyPr wrap="square" rtlCol="0">
+            <a:spAutoFit/>
+          </a:bodyPr>
+          <a:lstStyle/>
+          <a:p>
+            <a:r>
+              <a:rPr lang="es-CO" dirty="0" smtClean="0"/>
+              <a:t>Codificación de </a:t>
+            </a:r>
+            <a:r>
+              <a:rPr lang="es-CO" dirty="0" err="1" smtClean="0"/>
+              <a:t>Huffman</a:t>
+            </a:r>
+            <a:r>
+              <a:rPr lang="es-CO" dirty="0" smtClean="0"/>
+              <a:t>: Según la frecuencia o probabilidad en la que salga un carácter se ira organizando en un árbol binario con las siguientes características: cogemos los 2 caracteres que tengan la menor frecuencia, se suman y cada uno es una nueva rama del árbol, se sigue este proceso hasta que hayamos juntado todos los caracteres y en cada rama la izquierda es 0 y la derecha 1. </a:t>
+            </a:r>
+          </a:p>
+          <a:p>
+            <a:endParaRPr lang="es-CO" dirty="0"/>
+          </a:p>
+          <a:p>
+            <a:r>
+              <a:rPr lang="es-CO" dirty="0" smtClean="0"/>
+              <a:t>Finalmente se crea un diccionario en donde se guarda el carácter con el código de la ruta de 0 y 1 hasta llegar a este, dejando así al de mayor frecuencia con un código de 0 (el menor de todos).</a:t>
+            </a:r>
+            <a:endParaRPr lang="es-CO" dirty="0"/>
           </a:p>
         </p:txBody>
       </p:sp>
@@ -18995,6 +19694,68 @@
               <a:cs typeface="Arial"/>
               <a:sym typeface="Arial"/>
             </a:endParaRPr>
+          </a:p>
+        </p:txBody>
+      </p:sp>
+      <p:sp>
+        <p:nvSpPr>
+          <p:cNvPr id="6" name="CuadroTexto 5"/>
+          <p:cNvSpPr txBox="1"/>
+          <p:nvPr/>
+        </p:nvSpPr>
+        <p:spPr>
+          <a:xfrm>
+            <a:off x="815040" y="1852000"/>
+            <a:ext cx="5541818" cy="2031325"/>
+          </a:xfrm>
+          <a:prstGeom prst="rect">
+            <a:avLst/>
+          </a:prstGeom>
+          <a:noFill/>
+        </p:spPr>
+        <p:txBody>
+          <a:bodyPr wrap="square" rtlCol="0">
+            <a:spAutoFit/>
+          </a:bodyPr>
+          <a:lstStyle/>
+          <a:p>
+            <a:r>
+              <a:rPr lang="es-CO" dirty="0" smtClean="0"/>
+              <a:t>DCT: Es un proceso que utiliza la herramienta matemática de la transformada discreta de coseno, con la finalidad de hacer corresponder la imagen con un conjunto de coeficiente de la transformada. Un número significativo de coeficientes tendrá valores pequeños que son poco significativos, de los cuales prescindiremos para reducir el tamaño de la imagen. Los coeficientes de esta técnica se dan a partir de la siguiente ecuación: </a:t>
+            </a:r>
+          </a:p>
+          <a:p>
+            <a:endParaRPr lang="es-CO" dirty="0"/>
+          </a:p>
+        </p:txBody>
+      </p:sp>
+      <p:sp>
+        <p:nvSpPr>
+          <p:cNvPr id="7" name="CuadroTexto 6"/>
+          <p:cNvSpPr txBox="1"/>
+          <p:nvPr/>
+        </p:nvSpPr>
+        <p:spPr>
+          <a:xfrm>
+            <a:off x="6204863" y="2975385"/>
+            <a:ext cx="5541818" cy="1384995"/>
+          </a:xfrm>
+          <a:prstGeom prst="rect">
+            <a:avLst/>
+          </a:prstGeom>
+          <a:noFill/>
+        </p:spPr>
+        <p:txBody>
+          <a:bodyPr wrap="square" rtlCol="0">
+            <a:spAutoFit/>
+          </a:bodyPr>
+          <a:lstStyle/>
+          <a:p>
+            <a:r>
+              <a:rPr lang="es-CO" dirty="0" smtClean="0"/>
+              <a:t>Compresión fractal: Este método consiste en identificar una figura que al reproducirse reiteradas veces genere una imagen muy similar a la original. Entre las diferentes técnicas de este método encontramos la IFS (Sistema de Funciones Iteradas) que genera un conjunto de transformaciones que lleva la figura completa en cada una de sus partes.</a:t>
+            </a:r>
+            <a:endParaRPr lang="es-CO" dirty="0"/>
           </a:p>
         </p:txBody>
       </p:sp>

--- a/Presentacion/Presentación Proyecto.pptx
+++ b/Presentacion/Presentación Proyecto.pptx
@@ -252,7 +252,7 @@
       <p15:sldGuideLst xmlns:p15="http://schemas.microsoft.com/office/powerpoint/2012/main"/>
     </p:ext>
     <p:ext uri="http://customooxmlschemas.google.com/">
-      <go:slidesCustomData xmlns="" xmlns:mc="http://schemas.openxmlformats.org/markup-compatibility/2006" xmlns:mv="urn:schemas-microsoft-com:mac:vml" xmlns:c="http://schemas.openxmlformats.org/drawingml/2006/chart" xmlns:dgm="http://schemas.openxmlformats.org/drawingml/2006/diagram" xmlns:o="urn:schemas-microsoft-com:office:office" xmlns:v="urn:schemas-microsoft-com:vml" xmlns:pvml="urn:schemas-microsoft-com:office:powerpoint" xmlns:com="http://schemas.openxmlformats.org/drawingml/2006/compatibility" xmlns:p14="http://schemas.microsoft.com/office/powerpoint/2010/main" xmlns:p15="http://schemas.microsoft.com/office/powerpoint/2012/main" xmlns:ahyp="http://schemas.microsoft.com/office/drawing/2018/hyperlinkcolor" xmlns:go="http://customooxmlschemas.google.com/" r:id="rId21" roundtripDataSignature="AMtx7mjHzTg+goWcQk8fO5It0l+0ng5KHA=="/>
+      <go:slidesCustomData xmlns:go="http://customooxmlschemas.google.com/" xmlns:ahyp="http://schemas.microsoft.com/office/drawing/2018/hyperlinkcolor" xmlns:p15="http://schemas.microsoft.com/office/powerpoint/2012/main" xmlns:p14="http://schemas.microsoft.com/office/powerpoint/2010/main" xmlns:com="http://schemas.openxmlformats.org/drawingml/2006/compatibility" xmlns:pvml="urn:schemas-microsoft-com:office:powerpoint" xmlns:v="urn:schemas-microsoft-com:vml" xmlns:o="urn:schemas-microsoft-com:office:office" xmlns:dgm="http://schemas.openxmlformats.org/drawingml/2006/diagram" xmlns:c="http://schemas.openxmlformats.org/drawingml/2006/chart" xmlns:mv="urn:schemas-microsoft-com:mac:vml" xmlns:mc="http://schemas.openxmlformats.org/markup-compatibility/2006" xmlns="" r:id="rId21" roundtripDataSignature="AMtx7mjHzTg+goWcQk8fO5It0l+0ng5KHA=="/>
     </p:ext>
   </p:extLst>
 </p:presentation>
@@ -1264,7 +1264,7 @@
               <a:buSzPts val="1100"/>
               <a:buNone/>
             </a:pPr>
-            <a:endParaRPr/>
+            <a:endParaRPr dirty="0"/>
           </a:p>
         </p:txBody>
       </p:sp>
@@ -17221,7 +17221,7 @@
         </p:nvSpPr>
         <p:spPr>
           <a:xfrm>
-            <a:off x="5556600" y="2250000"/>
+            <a:off x="5764418" y="2153018"/>
             <a:ext cx="6145920" cy="1633680"/>
           </a:xfrm>
           <a:prstGeom prst="rect">
@@ -17256,7 +17256,7 @@
               <a:buNone/>
             </a:pPr>
             <a:r>
-              <a:rPr lang="en-US" sz="3600" b="0" i="0" u="none" strike="noStrike" cap="none" dirty="0" err="1">
+              <a:rPr lang="es-CO" sz="3600" b="1" i="0" u="none" strike="noStrike" cap="none" dirty="0" smtClean="0">
                 <a:solidFill>
                   <a:srgbClr val="000000"/>
                 </a:solidFill>
@@ -17265,57 +17265,9 @@
                 <a:cs typeface="Arial"/>
                 <a:sym typeface="Arial"/>
               </a:rPr>
-              <a:t>Investigación</a:t>
+              <a:t>Investigación para la compresión de datos</a:t>
             </a:r>
-            <a:r>
-              <a:rPr lang="en-US" sz="3600" b="0" i="0" u="none" strike="noStrike" cap="none" dirty="0">
-                <a:solidFill>
-                  <a:srgbClr val="000000"/>
-                </a:solidFill>
-                <a:latin typeface="Arial"/>
-                <a:ea typeface="Arial"/>
-                <a:cs typeface="Arial"/>
-                <a:sym typeface="Arial"/>
-              </a:rPr>
-              <a:t> para la </a:t>
-            </a:r>
-            <a:r>
-              <a:rPr lang="en-US" sz="3600" b="0" i="0" u="none" strike="noStrike" cap="none" dirty="0" err="1">
-                <a:solidFill>
-                  <a:srgbClr val="000000"/>
-                </a:solidFill>
-                <a:latin typeface="Arial"/>
-                <a:ea typeface="Arial"/>
-                <a:cs typeface="Arial"/>
-                <a:sym typeface="Arial"/>
-              </a:rPr>
-              <a:t>compresión</a:t>
-            </a:r>
-            <a:r>
-              <a:rPr lang="en-US" sz="3600" b="0" i="0" u="none" strike="noStrike" cap="none" dirty="0">
-                <a:solidFill>
-                  <a:srgbClr val="000000"/>
-                </a:solidFill>
-                <a:latin typeface="Arial"/>
-                <a:ea typeface="Arial"/>
-                <a:cs typeface="Arial"/>
-                <a:sym typeface="Arial"/>
-              </a:rPr>
-              <a:t> de </a:t>
-            </a:r>
-            <a:r>
-              <a:rPr lang="en-US" sz="3600" b="0" i="0" u="none" strike="noStrike" cap="none" dirty="0" err="1">
-                <a:solidFill>
-                  <a:srgbClr val="000000"/>
-                </a:solidFill>
-                <a:latin typeface="Arial"/>
-                <a:ea typeface="Arial"/>
-                <a:cs typeface="Arial"/>
-                <a:sym typeface="Arial"/>
-              </a:rPr>
-              <a:t>datos</a:t>
-            </a:r>
-            <a:endParaRPr sz="3600" b="0" i="0" u="none" strike="noStrike" cap="none" dirty="0">
+            <a:endParaRPr lang="es-CO" sz="3600" b="1" i="0" u="none" strike="noStrike" cap="none" dirty="0">
               <a:solidFill>
                 <a:srgbClr val="000000"/>
               </a:solidFill>
@@ -17332,6 +17284,13 @@
   <p:clrMapOvr>
     <a:masterClrMapping/>
   </p:clrMapOvr>
+  <p:timing>
+    <p:tnLst>
+      <p:par>
+        <p:cTn id="1" dur="indefinite" restart="never" nodeType="tmRoot"/>
+      </p:par>
+    </p:tnLst>
+  </p:timing>
 </p:sld>
 </file>
 
@@ -17478,7 +17437,7 @@
         <p:spPr>
           <a:xfrm>
             <a:off x="265328" y="376925"/>
-            <a:ext cx="4375800" cy="424800"/>
+            <a:ext cx="4375800" cy="429433"/>
           </a:xfrm>
           <a:prstGeom prst="rect">
             <a:avLst/>
@@ -17512,7 +17471,7 @@
               <a:buNone/>
             </a:pPr>
             <a:r>
-              <a:rPr lang="en-US" sz="2200" b="1" i="0" u="none" strike="noStrike" cap="none">
+              <a:rPr lang="es-CO" sz="2200" b="1" i="0" u="none" strike="noStrike" cap="none" dirty="0" smtClean="0">
                 <a:solidFill>
                   <a:srgbClr val="FFFFFF"/>
                 </a:solidFill>
@@ -17523,7 +17482,7 @@
               </a:rPr>
               <a:t>Presentación del equipo</a:t>
             </a:r>
-            <a:endParaRPr sz="2200" b="0" i="0" u="none" strike="noStrike" cap="none">
+            <a:endParaRPr lang="es-CO" sz="2200" b="0" i="0" u="none" strike="noStrike" cap="none" dirty="0">
               <a:solidFill>
                 <a:srgbClr val="000000"/>
               </a:solidFill>
@@ -18058,6 +18017,13 @@
   <p:clrMapOvr>
     <a:masterClrMapping/>
   </p:clrMapOvr>
+  <p:timing>
+    <p:tnLst>
+      <p:par>
+        <p:cTn id="1" dur="indefinite" restart="never" nodeType="tmRoot"/>
+      </p:par>
+    </p:tnLst>
+  </p:timing>
 </p:sld>
 </file>
 
@@ -18093,7 +18059,7 @@
         </p:blipFill>
         <p:spPr>
           <a:xfrm>
-            <a:off x="-186960" y="-49289"/>
+            <a:off x="0" y="0"/>
             <a:ext cx="12196080" cy="6855840"/>
           </a:xfrm>
           <a:prstGeom prst="rect">
@@ -18291,6 +18257,13 @@
   <p:clrMapOvr>
     <a:masterClrMapping/>
   </p:clrMapOvr>
+  <p:timing>
+    <p:tnLst>
+      <p:par>
+        <p:cTn id="1" dur="indefinite" restart="never" nodeType="tmRoot"/>
+      </p:par>
+    </p:tnLst>
+  </p:timing>
 </p:sld>
 </file>
 
@@ -18313,7 +18286,7 @@
       </p:grpSpPr>
       <p:pic>
         <p:nvPicPr>
-          <p:cNvPr id="199" name="Google Shape;199;p2"/>
+          <p:cNvPr id="17" name="Google Shape;199;p2"/>
           <p:cNvPicPr preferRelativeResize="0"/>
           <p:nvPr/>
         </p:nvPicPr>
@@ -18326,7 +18299,7 @@
         </p:blipFill>
         <p:spPr>
           <a:xfrm>
-            <a:off x="-186960" y="-49289"/>
+            <a:off x="0" y="0"/>
             <a:ext cx="12196080" cy="6855840"/>
           </a:xfrm>
           <a:prstGeom prst="rect">
@@ -18338,6 +18311,58 @@
           </a:ln>
         </p:spPr>
       </p:pic>
+      <p:sp>
+        <p:nvSpPr>
+          <p:cNvPr id="5" name="Rectángulo redondeado 4"/>
+          <p:cNvSpPr/>
+          <p:nvPr/>
+        </p:nvSpPr>
+        <p:spPr>
+          <a:xfrm>
+            <a:off x="1833322" y="1198792"/>
+            <a:ext cx="7850715" cy="1029410"/>
+          </a:xfrm>
+          <a:prstGeom prst="roundRect">
+            <a:avLst/>
+          </a:prstGeom>
+          <a:solidFill>
+            <a:schemeClr val="accent5">
+              <a:lumMod val="75000"/>
+            </a:schemeClr>
+          </a:solidFill>
+          <a:ln>
+            <a:solidFill>
+              <a:schemeClr val="accent5">
+                <a:lumMod val="75000"/>
+              </a:schemeClr>
+            </a:solidFill>
+          </a:ln>
+        </p:spPr>
+        <p:style>
+          <a:lnRef idx="2">
+            <a:schemeClr val="accent1">
+              <a:shade val="50000"/>
+            </a:schemeClr>
+          </a:lnRef>
+          <a:fillRef idx="1">
+            <a:schemeClr val="accent1"/>
+          </a:fillRef>
+          <a:effectRef idx="0">
+            <a:schemeClr val="accent1"/>
+          </a:effectRef>
+          <a:fontRef idx="minor">
+            <a:schemeClr val="lt1"/>
+          </a:fontRef>
+        </p:style>
+        <p:txBody>
+          <a:bodyPr rtlCol="0" anchor="ctr"/>
+          <a:lstStyle/>
+          <a:p>
+            <a:pPr algn="ctr"/>
+            <a:endParaRPr lang="pt-BR"/>
+          </a:p>
+        </p:txBody>
+      </p:sp>
       <p:pic>
         <p:nvPicPr>
           <p:cNvPr id="216" name="Google Shape;216;p2"/>
@@ -18365,134 +18390,6 @@
           </a:ln>
         </p:spPr>
       </p:pic>
-      <p:sp>
-        <p:nvSpPr>
-          <p:cNvPr id="2" name="CuadroTexto 1">
-            <a:extLst>
-              <a:ext uri="{FF2B5EF4-FFF2-40B4-BE49-F238E27FC236}">
-                <a16:creationId xmlns:a16="http://schemas.microsoft.com/office/drawing/2014/main" id="{2E3C3B93-7D6F-476C-A493-DA42C4087825}"/>
-              </a:ext>
-            </a:extLst>
-          </p:cNvPr>
-          <p:cNvSpPr txBox="1"/>
-          <p:nvPr/>
-        </p:nvSpPr>
-        <p:spPr>
-          <a:xfrm>
-            <a:off x="803880" y="1083212"/>
-            <a:ext cx="10801966" cy="307777"/>
-          </a:xfrm>
-          <a:prstGeom prst="rect">
-            <a:avLst/>
-          </a:prstGeom>
-          <a:noFill/>
-        </p:spPr>
-        <p:txBody>
-          <a:bodyPr wrap="square" rtlCol="0">
-            <a:spAutoFit/>
-          </a:bodyPr>
-          <a:lstStyle/>
-          <a:p>
-            <a:r>
-              <a:rPr lang="es-ES" b="0" i="0" dirty="0">
-                <a:solidFill>
-                  <a:srgbClr val="202122"/>
-                </a:solidFill>
-                <a:effectLst/>
-                <a:latin typeface="Arial" panose="020B0604020202020204" pitchFamily="34" charset="0"/>
-              </a:rPr>
-              <a:t> Definición de  La compresión de imagen </a:t>
-            </a:r>
-            <a:r>
-              <a:rPr lang="es-ES" b="0" i="0" u="none" strike="noStrike" dirty="0">
-                <a:solidFill>
-                  <a:srgbClr val="0645AD"/>
-                </a:solidFill>
-                <a:effectLst/>
-                <a:latin typeface="Arial" panose="020B0604020202020204" pitchFamily="34" charset="0"/>
-                <a:hlinkClick r:id="rId5" tooltip="Algoritmo de compresión con pérdida"/>
-              </a:rPr>
-              <a:t>con pérdida (</a:t>
-            </a:r>
-            <a:r>
-              <a:rPr lang="es-ES" b="0" i="0" u="none" strike="noStrike" dirty="0" err="1">
-                <a:solidFill>
-                  <a:srgbClr val="0645AD"/>
-                </a:solidFill>
-                <a:effectLst/>
-                <a:latin typeface="Arial" panose="020B0604020202020204" pitchFamily="34" charset="0"/>
-                <a:hlinkClick r:id="rId5" tooltip="Algoritmo de compresión con pérdida"/>
-              </a:rPr>
-              <a:t>Lossy</a:t>
-            </a:r>
-            <a:r>
-              <a:rPr lang="es-ES" b="0" i="0" u="none" strike="noStrike" dirty="0">
-                <a:solidFill>
-                  <a:srgbClr val="0645AD"/>
-                </a:solidFill>
-                <a:effectLst/>
-                <a:latin typeface="Arial" panose="020B0604020202020204" pitchFamily="34" charset="0"/>
-                <a:hlinkClick r:id="rId5" tooltip="Algoritmo de compresión con pérdida"/>
-              </a:rPr>
-              <a:t>)</a:t>
-            </a:r>
-            <a:r>
-              <a:rPr lang="es-ES" b="0" i="0" dirty="0">
-                <a:solidFill>
-                  <a:srgbClr val="202122"/>
-                </a:solidFill>
-                <a:effectLst/>
-                <a:latin typeface="Arial" panose="020B0604020202020204" pitchFamily="34" charset="0"/>
-              </a:rPr>
-              <a:t> o </a:t>
-            </a:r>
-            <a:r>
-              <a:rPr lang="es-ES" b="0" i="0" u="sng" dirty="0">
-                <a:solidFill>
-                  <a:srgbClr val="0645AD"/>
-                </a:solidFill>
-                <a:effectLst/>
-                <a:latin typeface="Arial" panose="020B0604020202020204" pitchFamily="34" charset="0"/>
-                <a:hlinkClick r:id="rId6"/>
-              </a:rPr>
-              <a:t>sin pérdida (</a:t>
-            </a:r>
-            <a:r>
-              <a:rPr lang="es-ES" b="0" i="0" u="sng" dirty="0" err="1">
-                <a:solidFill>
-                  <a:srgbClr val="0645AD"/>
-                </a:solidFill>
-                <a:effectLst/>
-                <a:latin typeface="Arial" panose="020B0604020202020204" pitchFamily="34" charset="0"/>
-                <a:hlinkClick r:id="rId6"/>
-              </a:rPr>
-              <a:t>LossLess</a:t>
-            </a:r>
-            <a:r>
-              <a:rPr lang="es-ES" b="0" i="0" u="sng" dirty="0">
-                <a:solidFill>
-                  <a:srgbClr val="0645AD"/>
-                </a:solidFill>
-                <a:effectLst/>
-                <a:latin typeface="Arial" panose="020B0604020202020204" pitchFamily="34" charset="0"/>
-                <a:hlinkClick r:id="rId6"/>
-              </a:rPr>
-              <a:t>)</a:t>
-            </a:r>
-            <a:r>
-              <a:rPr lang="es-ES" b="0" i="0" dirty="0">
-                <a:solidFill>
-                  <a:srgbClr val="202122"/>
-                </a:solidFill>
-                <a:effectLst/>
-                <a:latin typeface="Arial" panose="020B0604020202020204" pitchFamily="34" charset="0"/>
-              </a:rPr>
-              <a:t>.</a:t>
-            </a:r>
-            <a:endParaRPr lang="es-CO" dirty="0"/>
-          </a:p>
-        </p:txBody>
-      </p:sp>
       <p:sp>
         <p:nvSpPr>
           <p:cNvPr id="8" name="Google Shape;217;p2"/>
@@ -18529,7 +18426,7 @@
                 <a:uFill>
                   <a:noFill/>
                 </a:uFill>
-                <a:hlinkClick r:id="rId7"/>
+                <a:hlinkClick r:id="rId5"/>
               </a:rPr>
               <a:t>https://</a:t>
             </a:r>
@@ -18541,7 +18438,7 @@
                 <a:uFill>
                   <a:noFill/>
                 </a:uFill>
-                <a:hlinkClick r:id="rId7"/>
+                <a:hlinkClick r:id="rId5"/>
               </a:rPr>
               <a:t>github.com/GianSz/ProyectoDatos</a:t>
             </a:r>
@@ -18578,8 +18475,8 @@
         </p:nvSpPr>
         <p:spPr>
           <a:xfrm>
-            <a:off x="983673" y="1898073"/>
-            <a:ext cx="10622173" cy="523220"/>
+            <a:off x="2140991" y="1344165"/>
+            <a:ext cx="7235376" cy="738664"/>
           </a:xfrm>
           <a:prstGeom prst="rect">
             <a:avLst/>
@@ -18592,11 +18489,52 @@
           </a:bodyPr>
           <a:lstStyle/>
           <a:p>
+            <a:pPr algn="ctr"/>
             <a:r>
-              <a:rPr lang="es-CO" dirty="0" smtClean="0"/>
-              <a:t>La compresión de imágenes es el proceso de reducir el tamaño de estas usando técnicas para simplificar la información redundante para que sea más óptima para los objetivos que se tengan con esta.</a:t>
+              <a:rPr lang="es-CO" dirty="0" smtClean="0">
+                <a:solidFill>
+                  <a:schemeClr val="bg1"/>
+                </a:solidFill>
+              </a:rPr>
+              <a:t>La compresión de imágenes es el proceso de reducir el tamaño de estas usando técnicas para simplificar la información redundante </a:t>
             </a:r>
-            <a:endParaRPr lang="es-CO" dirty="0"/>
+            <a:r>
+              <a:rPr lang="es-CO" dirty="0" smtClean="0">
+                <a:solidFill>
+                  <a:schemeClr val="bg1"/>
+                </a:solidFill>
+              </a:rPr>
+              <a:t>y así </a:t>
+            </a:r>
+            <a:r>
+              <a:rPr lang="es-CO" dirty="0" smtClean="0">
+                <a:solidFill>
+                  <a:schemeClr val="bg1"/>
+                </a:solidFill>
+              </a:rPr>
+              <a:t>volverla </a:t>
+            </a:r>
+            <a:r>
+              <a:rPr lang="es-CO" dirty="0" smtClean="0">
+                <a:solidFill>
+                  <a:schemeClr val="bg1"/>
+                </a:solidFill>
+              </a:rPr>
+              <a:t>más </a:t>
+            </a:r>
+            <a:r>
+              <a:rPr lang="es-CO" dirty="0" smtClean="0">
+                <a:solidFill>
+                  <a:schemeClr val="bg1"/>
+                </a:solidFill>
+              </a:rPr>
+              <a:t>óptima para los objetivos que se tengan con esta.</a:t>
+            </a:r>
+            <a:endParaRPr lang="es-CO" dirty="0">
+              <a:solidFill>
+                <a:schemeClr val="bg1"/>
+              </a:solidFill>
+            </a:endParaRPr>
           </a:p>
         </p:txBody>
       </p:sp>
@@ -18608,8 +18546,8 @@
         </p:nvSpPr>
         <p:spPr>
           <a:xfrm>
-            <a:off x="983673" y="2667609"/>
-            <a:ext cx="10254529" cy="954107"/>
+            <a:off x="1021468" y="3385681"/>
+            <a:ext cx="4160129" cy="1815882"/>
           </a:xfrm>
           <a:prstGeom prst="rect">
             <a:avLst/>
@@ -18622,27 +18560,25 @@
           </a:bodyPr>
           <a:lstStyle/>
           <a:p>
+            <a:pPr algn="ctr"/>
             <a:r>
-              <a:rPr lang="pt-BR" dirty="0" err="1" smtClean="0"/>
-              <a:t>Lossy</a:t>
+              <a:rPr lang="es-CO" b="1" dirty="0" smtClean="0"/>
+              <a:t>Compresión</a:t>
             </a:r>
             <a:r>
-              <a:rPr lang="pt-BR" dirty="0" smtClean="0"/>
-              <a:t>:</a:t>
+              <a:rPr lang="pt-BR" b="1" dirty="0" smtClean="0"/>
+              <a:t> Lossy</a:t>
             </a:r>
           </a:p>
           <a:p>
+            <a:pPr algn="ctr"/>
+            <a:endParaRPr lang="pt-BR" b="1" dirty="0" smtClean="0"/>
+          </a:p>
+          <a:p>
+            <a:pPr algn="just"/>
             <a:r>
               <a:rPr lang="pt-BR" dirty="0" smtClean="0"/>
-              <a:t>Es </a:t>
-            </a:r>
-            <a:r>
-              <a:rPr lang="pt-BR" dirty="0" err="1" smtClean="0"/>
-              <a:t>un</a:t>
-            </a:r>
-            <a:r>
-              <a:rPr lang="pt-BR" dirty="0" smtClean="0"/>
-              <a:t> </a:t>
+              <a:t>Es un </a:t>
             </a:r>
             <a:r>
               <a:rPr lang="es-CO" dirty="0" smtClean="0"/>
@@ -18654,11 +18590,19 @@
             </a:r>
             <a:r>
               <a:rPr lang="pt-BR" dirty="0" err="1" smtClean="0"/>
-              <a:t>compresión</a:t>
+              <a:t>co</a:t>
+            </a:r>
+            <a:r>
+              <a:rPr lang="es-CO" dirty="0" err="1" smtClean="0"/>
+              <a:t>mpresión</a:t>
+            </a:r>
+            <a:r>
+              <a:rPr lang="es-CO" dirty="0" smtClean="0"/>
+              <a:t> </a:t>
             </a:r>
             <a:r>
               <a:rPr lang="pt-BR" dirty="0" smtClean="0"/>
-              <a:t> de </a:t>
+              <a:t>de </a:t>
             </a:r>
             <a:r>
               <a:rPr lang="pt-BR" dirty="0" err="1" smtClean="0"/>
@@ -18781,15 +18725,19 @@
               <a:t> </a:t>
             </a:r>
             <a:r>
-              <a:rPr lang="pt-BR" dirty="0" err="1" smtClean="0"/>
+              <a:rPr lang="es-CO" dirty="0" smtClean="0"/>
               <a:t>imagen</a:t>
             </a:r>
             <a:r>
               <a:rPr lang="pt-BR" dirty="0" smtClean="0"/>
-              <a:t>. La perdida de </a:t>
+              <a:t>. </a:t>
             </a:r>
             <a:r>
-              <a:rPr lang="pt-BR" dirty="0" err="1" smtClean="0"/>
+              <a:rPr lang="pt-BR" dirty="0" smtClean="0"/>
+              <a:t>La perdida de </a:t>
+            </a:r>
+            <a:r>
+              <a:rPr lang="es-CO" dirty="0" smtClean="0"/>
               <a:t>información</a:t>
             </a:r>
             <a:r>
@@ -18836,8 +18784,8 @@
         </p:nvSpPr>
         <p:spPr>
           <a:xfrm>
-            <a:off x="983672" y="3659814"/>
-            <a:ext cx="10254529" cy="738664"/>
+            <a:off x="6912617" y="3601124"/>
+            <a:ext cx="4160129" cy="1384995"/>
           </a:xfrm>
           <a:prstGeom prst="rect">
             <a:avLst/>
@@ -18850,27 +18798,30 @@
           </a:bodyPr>
           <a:lstStyle/>
           <a:p>
+            <a:pPr algn="ctr"/>
             <a:r>
-              <a:rPr lang="pt-BR" dirty="0" err="1" smtClean="0"/>
+              <a:rPr lang="pt-BR" b="1" dirty="0" err="1" smtClean="0"/>
+              <a:t>Compresión</a:t>
+            </a:r>
+            <a:r>
+              <a:rPr lang="pt-BR" b="1" dirty="0" smtClean="0"/>
+              <a:t> </a:t>
+            </a:r>
+            <a:r>
+              <a:rPr lang="pt-BR" b="1" dirty="0" err="1" smtClean="0"/>
               <a:t>LossLess</a:t>
             </a:r>
+            <a:endParaRPr lang="pt-BR" b="1" dirty="0" smtClean="0"/>
+          </a:p>
+          <a:p>
+            <a:pPr algn="ctr"/>
+            <a:endParaRPr lang="pt-BR" b="1" dirty="0" smtClean="0"/>
+          </a:p>
+          <a:p>
+            <a:pPr algn="just"/>
             <a:r>
               <a:rPr lang="pt-BR" dirty="0" smtClean="0"/>
-              <a:t>:</a:t>
-            </a:r>
-          </a:p>
-          <a:p>
-            <a:r>
-              <a:rPr lang="pt-BR" dirty="0" smtClean="0"/>
-              <a:t>Es </a:t>
-            </a:r>
-            <a:r>
-              <a:rPr lang="pt-BR" dirty="0" err="1" smtClean="0"/>
-              <a:t>un</a:t>
-            </a:r>
-            <a:r>
-              <a:rPr lang="pt-BR" dirty="0" smtClean="0"/>
-              <a:t> </a:t>
+              <a:t>Es un </a:t>
             </a:r>
             <a:r>
               <a:rPr lang="pt-BR" dirty="0" err="1" smtClean="0"/>
@@ -18996,6 +18947,246 @@
           </a:p>
         </p:txBody>
       </p:sp>
+      <p:sp>
+        <p:nvSpPr>
+          <p:cNvPr id="10" name="Google Shape;200;p2"/>
+          <p:cNvSpPr/>
+          <p:nvPr/>
+        </p:nvSpPr>
+        <p:spPr>
+          <a:xfrm>
+            <a:off x="468335" y="371520"/>
+            <a:ext cx="5442745" cy="429433"/>
+          </a:xfrm>
+          <a:prstGeom prst="rect">
+            <a:avLst/>
+          </a:prstGeom>
+          <a:noFill/>
+          <a:ln>
+            <a:noFill/>
+          </a:ln>
+        </p:spPr>
+        <p:txBody>
+          <a:bodyPr spcFirstLastPara="1" wrap="square" lIns="90000" tIns="45000" rIns="90000" bIns="45000" anchor="t" anchorCtr="0">
+            <a:spAutoFit/>
+          </a:bodyPr>
+          <a:lstStyle/>
+          <a:p>
+            <a:pPr marL="0" marR="0" lvl="0" indent="0" algn="l" rtl="0">
+              <a:lnSpc>
+                <a:spcPct val="100000"/>
+              </a:lnSpc>
+              <a:spcBef>
+                <a:spcPts val="0"/>
+              </a:spcBef>
+              <a:spcAft>
+                <a:spcPts val="0"/>
+              </a:spcAft>
+              <a:buClr>
+                <a:srgbClr val="000000"/>
+              </a:buClr>
+              <a:buSzPts val="2200"/>
+              <a:buFont typeface="Arial"/>
+              <a:buNone/>
+            </a:pPr>
+            <a:r>
+              <a:rPr lang="es-CO" sz="2200" b="1" dirty="0" smtClean="0">
+                <a:solidFill>
+                  <a:srgbClr val="FFFFFF"/>
+                </a:solidFill>
+              </a:rPr>
+              <a:t>¿Qué es la compresión de imágenes?</a:t>
+            </a:r>
+            <a:endParaRPr lang="es-CO" sz="2200" b="0" i="0" u="none" strike="noStrike" cap="none" dirty="0">
+              <a:solidFill>
+                <a:srgbClr val="000000"/>
+              </a:solidFill>
+              <a:latin typeface="Arial"/>
+              <a:ea typeface="Arial"/>
+              <a:cs typeface="Arial"/>
+              <a:sym typeface="Arial"/>
+            </a:endParaRPr>
+          </a:p>
+        </p:txBody>
+      </p:sp>
+      <p:cxnSp>
+        <p:nvCxnSpPr>
+          <p:cNvPr id="7" name="Conector recto de flecha 6"/>
+          <p:cNvCxnSpPr>
+            <a:stCxn id="5" idx="2"/>
+          </p:cNvCxnSpPr>
+          <p:nvPr/>
+        </p:nvCxnSpPr>
+        <p:spPr>
+          <a:xfrm flipH="1">
+            <a:off x="3037307" y="2228202"/>
+            <a:ext cx="2721373" cy="944488"/>
+          </a:xfrm>
+          <a:prstGeom prst="straightConnector1">
+            <a:avLst/>
+          </a:prstGeom>
+          <a:ln w="38100">
+            <a:solidFill>
+              <a:schemeClr val="accent5">
+                <a:lumMod val="75000"/>
+              </a:schemeClr>
+            </a:solidFill>
+            <a:tailEnd type="triangle"/>
+          </a:ln>
+        </p:spPr>
+        <p:style>
+          <a:lnRef idx="1">
+            <a:schemeClr val="accent1"/>
+          </a:lnRef>
+          <a:fillRef idx="0">
+            <a:schemeClr val="accent1"/>
+          </a:fillRef>
+          <a:effectRef idx="0">
+            <a:schemeClr val="accent1"/>
+          </a:effectRef>
+          <a:fontRef idx="minor">
+            <a:schemeClr val="tx1"/>
+          </a:fontRef>
+        </p:style>
+      </p:cxnSp>
+      <p:cxnSp>
+        <p:nvCxnSpPr>
+          <p:cNvPr id="12" name="Conector recto de flecha 11"/>
+          <p:cNvCxnSpPr>
+            <a:stCxn id="5" idx="2"/>
+          </p:cNvCxnSpPr>
+          <p:nvPr/>
+        </p:nvCxnSpPr>
+        <p:spPr>
+          <a:xfrm>
+            <a:off x="5758680" y="2228202"/>
+            <a:ext cx="3234002" cy="943109"/>
+          </a:xfrm>
+          <a:prstGeom prst="straightConnector1">
+            <a:avLst/>
+          </a:prstGeom>
+          <a:ln w="38100">
+            <a:solidFill>
+              <a:schemeClr val="accent5">
+                <a:lumMod val="75000"/>
+              </a:schemeClr>
+            </a:solidFill>
+            <a:tailEnd type="triangle"/>
+          </a:ln>
+        </p:spPr>
+        <p:style>
+          <a:lnRef idx="1">
+            <a:schemeClr val="accent1"/>
+          </a:lnRef>
+          <a:fillRef idx="0">
+            <a:schemeClr val="accent1"/>
+          </a:fillRef>
+          <a:effectRef idx="0">
+            <a:schemeClr val="accent1"/>
+          </a:effectRef>
+          <a:fontRef idx="minor">
+            <a:schemeClr val="tx1"/>
+          </a:fontRef>
+        </p:style>
+      </p:cxnSp>
+      <p:sp>
+        <p:nvSpPr>
+          <p:cNvPr id="13" name="Rectángulo redondeado 12"/>
+          <p:cNvSpPr/>
+          <p:nvPr/>
+        </p:nvSpPr>
+        <p:spPr>
+          <a:xfrm>
+            <a:off x="691001" y="3256316"/>
+            <a:ext cx="4821065" cy="2074613"/>
+          </a:xfrm>
+          <a:prstGeom prst="roundRect">
+            <a:avLst/>
+          </a:prstGeom>
+          <a:noFill/>
+          <a:ln w="28575">
+            <a:solidFill>
+              <a:schemeClr val="accent5">
+                <a:lumMod val="60000"/>
+                <a:lumOff val="40000"/>
+              </a:schemeClr>
+            </a:solidFill>
+          </a:ln>
+        </p:spPr>
+        <p:style>
+          <a:lnRef idx="2">
+            <a:schemeClr val="accent1">
+              <a:shade val="50000"/>
+            </a:schemeClr>
+          </a:lnRef>
+          <a:fillRef idx="1">
+            <a:schemeClr val="accent1"/>
+          </a:fillRef>
+          <a:effectRef idx="0">
+            <a:schemeClr val="accent1"/>
+          </a:effectRef>
+          <a:fontRef idx="minor">
+            <a:schemeClr val="lt1"/>
+          </a:fontRef>
+        </p:style>
+        <p:txBody>
+          <a:bodyPr rtlCol="0" anchor="ctr"/>
+          <a:lstStyle/>
+          <a:p>
+            <a:pPr algn="ctr"/>
+            <a:endParaRPr lang="es-CO"/>
+          </a:p>
+        </p:txBody>
+      </p:sp>
+      <p:sp>
+        <p:nvSpPr>
+          <p:cNvPr id="16" name="Rectángulo redondeado 15"/>
+          <p:cNvSpPr/>
+          <p:nvPr/>
+        </p:nvSpPr>
+        <p:spPr>
+          <a:xfrm>
+            <a:off x="6582148" y="3256316"/>
+            <a:ext cx="4821065" cy="2074613"/>
+          </a:xfrm>
+          <a:prstGeom prst="roundRect">
+            <a:avLst/>
+          </a:prstGeom>
+          <a:noFill/>
+          <a:ln w="28575">
+            <a:solidFill>
+              <a:schemeClr val="accent5">
+                <a:lumMod val="60000"/>
+                <a:lumOff val="40000"/>
+              </a:schemeClr>
+            </a:solidFill>
+          </a:ln>
+        </p:spPr>
+        <p:style>
+          <a:lnRef idx="2">
+            <a:schemeClr val="accent1">
+              <a:shade val="50000"/>
+            </a:schemeClr>
+          </a:lnRef>
+          <a:fillRef idx="1">
+            <a:schemeClr val="accent1"/>
+          </a:fillRef>
+          <a:effectRef idx="0">
+            <a:schemeClr val="accent1"/>
+          </a:effectRef>
+          <a:fontRef idx="minor">
+            <a:schemeClr val="lt1"/>
+          </a:fontRef>
+        </p:style>
+        <p:txBody>
+          <a:bodyPr rtlCol="0" anchor="ctr"/>
+          <a:lstStyle/>
+          <a:p>
+            <a:pPr algn="ctr"/>
+            <a:endParaRPr lang="es-CO"/>
+          </a:p>
+        </p:txBody>
+      </p:sp>
     </p:spTree>
     <p:extLst>
       <p:ext uri="{BB962C8B-B14F-4D97-AF65-F5344CB8AC3E}">
@@ -19006,6 +19197,13 @@
   <p:clrMapOvr>
     <a:masterClrMapping/>
   </p:clrMapOvr>
+  <p:timing>
+    <p:tnLst>
+      <p:par>
+        <p:cTn id="1" dur="indefinite" restart="never" nodeType="tmRoot"/>
+      </p:par>
+    </p:tnLst>
+  </p:timing>
 </p:sld>
 </file>
 
@@ -19028,7 +19226,7 @@
       </p:grpSpPr>
       <p:pic>
         <p:nvPicPr>
-          <p:cNvPr id="199" name="Google Shape;199;p2"/>
+          <p:cNvPr id="20" name="Google Shape;199;p2"/>
           <p:cNvPicPr preferRelativeResize="0"/>
           <p:nvPr/>
         </p:nvPicPr>
@@ -19041,7 +19239,7 @@
         </p:blipFill>
         <p:spPr>
           <a:xfrm>
-            <a:off x="-214669" y="0"/>
+            <a:off x="0" y="0"/>
             <a:ext cx="12196080" cy="6855840"/>
           </a:xfrm>
           <a:prstGeom prst="rect">
@@ -19080,60 +19278,6 @@
           </a:ln>
         </p:spPr>
       </p:pic>
-      <p:sp>
-        <p:nvSpPr>
-          <p:cNvPr id="2" name="CuadroTexto 1">
-            <a:extLst>
-              <a:ext uri="{FF2B5EF4-FFF2-40B4-BE49-F238E27FC236}">
-                <a16:creationId xmlns:a16="http://schemas.microsoft.com/office/drawing/2014/main" id="{2E3C3B93-7D6F-476C-A493-DA42C4087825}"/>
-              </a:ext>
-            </a:extLst>
-          </p:cNvPr>
-          <p:cNvSpPr txBox="1"/>
-          <p:nvPr/>
-        </p:nvSpPr>
-        <p:spPr>
-          <a:xfrm>
-            <a:off x="803880" y="1083212"/>
-            <a:ext cx="10801966" cy="523220"/>
-          </a:xfrm>
-          <a:prstGeom prst="rect">
-            <a:avLst/>
-          </a:prstGeom>
-          <a:noFill/>
-        </p:spPr>
-        <p:txBody>
-          <a:bodyPr wrap="square" rtlCol="0">
-            <a:spAutoFit/>
-          </a:bodyPr>
-          <a:lstStyle/>
-          <a:p>
-            <a:r>
-              <a:rPr lang="es-ES" b="0" i="0" dirty="0">
-                <a:solidFill>
-                  <a:srgbClr val="202122"/>
-                </a:solidFill>
-                <a:effectLst/>
-                <a:latin typeface="Arial" panose="020B0604020202020204" pitchFamily="34" charset="0"/>
-              </a:rPr>
-              <a:t> </a:t>
-            </a:r>
-            <a:r>
-              <a:rPr lang="es-ES" b="1" i="0" dirty="0">
-                <a:solidFill>
-                  <a:srgbClr val="000000"/>
-                </a:solidFill>
-                <a:effectLst/>
-                <a:latin typeface="Arial" panose="020B0604020202020204" pitchFamily="34" charset="0"/>
-              </a:rPr>
-              <a:t>Los métodos para la compresión de imagen sin pérdida </a:t>
-            </a:r>
-          </a:p>
-          <a:p>
-            <a:endParaRPr lang="es-CO" dirty="0"/>
-          </a:p>
-        </p:txBody>
-      </p:sp>
       <p:sp>
         <p:nvSpPr>
           <p:cNvPr id="9" name="Google Shape;217;p2"/>
@@ -19219,8 +19363,8 @@
         </p:nvSpPr>
         <p:spPr>
           <a:xfrm>
-            <a:off x="815040" y="1828800"/>
-            <a:ext cx="6098378" cy="1169551"/>
+            <a:off x="536760" y="1326014"/>
+            <a:ext cx="5129749" cy="1384995"/>
           </a:xfrm>
           <a:prstGeom prst="rect">
             <a:avLst/>
@@ -19233,13 +19377,18 @@
           </a:bodyPr>
           <a:lstStyle/>
           <a:p>
+            <a:pPr algn="just"/>
             <a:r>
-              <a:rPr lang="pt-BR" dirty="0" err="1" smtClean="0"/>
+              <a:rPr lang="pt-BR" b="1" u="sng" dirty="0" err="1" smtClean="0"/>
               <a:t>Run-length</a:t>
             </a:r>
             <a:r>
+              <a:rPr lang="pt-BR" b="1" u="sng" dirty="0" smtClean="0"/>
+              <a:t>:</a:t>
+            </a:r>
+            <a:r>
               <a:rPr lang="pt-BR" dirty="0" smtClean="0"/>
-              <a:t>: Para </a:t>
+              <a:t> Para </a:t>
             </a:r>
             <a:r>
               <a:rPr lang="pt-BR" dirty="0" err="1" smtClean="0"/>
@@ -19445,8 +19594,8 @@
         </p:nvSpPr>
         <p:spPr>
           <a:xfrm>
-            <a:off x="815040" y="3522100"/>
-            <a:ext cx="5541818" cy="2246769"/>
+            <a:off x="6206834" y="3261663"/>
+            <a:ext cx="5359331" cy="2462213"/>
           </a:xfrm>
           <a:prstGeom prst="rect">
             <a:avLst/>
@@ -19459,28 +19608,525 @@
           </a:bodyPr>
           <a:lstStyle/>
           <a:p>
+            <a:pPr algn="just"/>
             <a:r>
-              <a:rPr lang="es-CO" dirty="0" smtClean="0"/>
+              <a:rPr lang="es-CO" b="1" u="sng" dirty="0" smtClean="0"/>
               <a:t>Codificación de </a:t>
             </a:r>
             <a:r>
-              <a:rPr lang="es-CO" dirty="0" err="1" smtClean="0"/>
+              <a:rPr lang="es-CO" b="1" u="sng" dirty="0" err="1" smtClean="0"/>
               <a:t>Huffman</a:t>
             </a:r>
             <a:r>
+              <a:rPr lang="es-CO" b="1" u="sng" dirty="0" smtClean="0"/>
+              <a:t>:</a:t>
+            </a:r>
+            <a:r>
               <a:rPr lang="es-CO" dirty="0" smtClean="0"/>
-              <a:t>: Según la frecuencia o probabilidad en la que salga un carácter se ira organizando en un árbol binario con las siguientes características: cogemos los 2 caracteres que tengan la menor frecuencia, se suman y cada uno es una nueva rama del árbol, se sigue este proceso hasta que hayamos juntado todos los caracteres y en cada rama la izquierda es 0 y la derecha 1. </a:t>
+              <a:t> Según la frecuencia o probabilidad en la que salga un carácter se ira organizando en un árbol binario con las siguientes características: cogemos los 2 caracteres que tengan la menor frecuencia, se suman y cada uno es una nueva rama del árbol, se sigue este proceso hasta que hayamos juntado todos los caracteres y en cada rama la izquierda es 0 y la derecha 1. </a:t>
             </a:r>
           </a:p>
           <a:p>
+            <a:pPr algn="just"/>
             <a:endParaRPr lang="es-CO" dirty="0"/>
           </a:p>
           <a:p>
+            <a:pPr algn="just"/>
             <a:r>
               <a:rPr lang="es-CO" dirty="0" smtClean="0"/>
               <a:t>Finalmente se crea un diccionario en donde se guarda el carácter con el código de la ruta de 0 y 1 hasta llegar a este, dejando así al de mayor frecuencia con un código de 0 (el menor de todos).</a:t>
             </a:r>
             <a:endParaRPr lang="es-CO" dirty="0"/>
+          </a:p>
+        </p:txBody>
+      </p:sp>
+      <p:sp>
+        <p:nvSpPr>
+          <p:cNvPr id="8" name="Google Shape;200;p2"/>
+          <p:cNvSpPr/>
+          <p:nvPr/>
+        </p:nvSpPr>
+        <p:spPr>
+          <a:xfrm>
+            <a:off x="493380" y="358601"/>
+            <a:ext cx="5442745" cy="429433"/>
+          </a:xfrm>
+          <a:prstGeom prst="rect">
+            <a:avLst/>
+          </a:prstGeom>
+          <a:noFill/>
+          <a:ln>
+            <a:noFill/>
+          </a:ln>
+        </p:spPr>
+        <p:txBody>
+          <a:bodyPr spcFirstLastPara="1" wrap="square" lIns="90000" tIns="45000" rIns="90000" bIns="45000" anchor="t" anchorCtr="0">
+            <a:spAutoFit/>
+          </a:bodyPr>
+          <a:lstStyle/>
+          <a:p>
+            <a:pPr marL="0" marR="0" lvl="0" indent="0" algn="l" rtl="0">
+              <a:lnSpc>
+                <a:spcPct val="100000"/>
+              </a:lnSpc>
+              <a:spcBef>
+                <a:spcPts val="0"/>
+              </a:spcBef>
+              <a:spcAft>
+                <a:spcPts val="0"/>
+              </a:spcAft>
+              <a:buClr>
+                <a:srgbClr val="000000"/>
+              </a:buClr>
+              <a:buSzPts val="2200"/>
+              <a:buFont typeface="Arial"/>
+              <a:buNone/>
+            </a:pPr>
+            <a:r>
+              <a:rPr lang="es-CO" sz="2200" b="1" dirty="0" smtClean="0">
+                <a:solidFill>
+                  <a:srgbClr val="FFFFFF"/>
+                </a:solidFill>
+              </a:rPr>
+              <a:t>Métodos compresión LossLess</a:t>
+            </a:r>
+            <a:endParaRPr lang="es-CO" sz="2200" b="0" i="0" u="none" strike="noStrike" cap="none" dirty="0">
+              <a:solidFill>
+                <a:srgbClr val="000000"/>
+              </a:solidFill>
+              <a:latin typeface="Arial"/>
+              <a:ea typeface="Arial"/>
+              <a:cs typeface="Arial"/>
+              <a:sym typeface="Arial"/>
+            </a:endParaRPr>
+          </a:p>
+        </p:txBody>
+      </p:sp>
+      <p:pic>
+        <p:nvPicPr>
+          <p:cNvPr id="5" name="Imagen 4"/>
+          <p:cNvPicPr>
+            <a:picLocks noChangeAspect="1"/>
+          </p:cNvPicPr>
+          <p:nvPr/>
+        </p:nvPicPr>
+        <p:blipFill rotWithShape="1">
+          <a:blip r:embed="rId6"/>
+          <a:srcRect l="1706" t="43425" r="70535" b="1981"/>
+          <a:stretch/>
+        </p:blipFill>
+        <p:spPr>
+          <a:xfrm>
+            <a:off x="2976637" y="3147232"/>
+            <a:ext cx="2689872" cy="2524057"/>
+          </a:xfrm>
+          <a:prstGeom prst="rect">
+            <a:avLst/>
+          </a:prstGeom>
+        </p:spPr>
+      </p:pic>
+      <p:sp>
+        <p:nvSpPr>
+          <p:cNvPr id="6" name="CuadroTexto 5"/>
+          <p:cNvSpPr txBox="1"/>
+          <p:nvPr/>
+        </p:nvSpPr>
+        <p:spPr>
+          <a:xfrm>
+            <a:off x="436418" y="3293541"/>
+            <a:ext cx="1551709" cy="523220"/>
+          </a:xfrm>
+          <a:prstGeom prst="rect">
+            <a:avLst/>
+          </a:prstGeom>
+          <a:noFill/>
+          <a:ln>
+            <a:solidFill>
+              <a:schemeClr val="accent5">
+                <a:lumMod val="75000"/>
+              </a:schemeClr>
+            </a:solidFill>
+          </a:ln>
+        </p:spPr>
+        <p:txBody>
+          <a:bodyPr wrap="square" rtlCol="0">
+            <a:spAutoFit/>
+          </a:bodyPr>
+          <a:lstStyle/>
+          <a:p>
+            <a:pPr algn="ctr"/>
+            <a:r>
+              <a:rPr lang="es-CO" dirty="0" smtClean="0"/>
+              <a:t>WWWBBWWW</a:t>
+            </a:r>
+          </a:p>
+          <a:p>
+            <a:pPr algn="ctr"/>
+            <a:r>
+              <a:rPr lang="es-CO" dirty="0" smtClean="0"/>
+              <a:t>WWBBBBWW</a:t>
+            </a:r>
+            <a:endParaRPr lang="es-CO" dirty="0"/>
+          </a:p>
+        </p:txBody>
+      </p:sp>
+      <p:sp>
+        <p:nvSpPr>
+          <p:cNvPr id="11" name="CuadroTexto 10"/>
+          <p:cNvSpPr txBox="1"/>
+          <p:nvPr/>
+        </p:nvSpPr>
+        <p:spPr>
+          <a:xfrm>
+            <a:off x="593655" y="4548332"/>
+            <a:ext cx="1228216" cy="1169551"/>
+          </a:xfrm>
+          <a:prstGeom prst="rect">
+            <a:avLst/>
+          </a:prstGeom>
+          <a:noFill/>
+          <a:ln>
+            <a:solidFill>
+              <a:schemeClr val="accent5">
+                <a:lumMod val="60000"/>
+                <a:lumOff val="40000"/>
+              </a:schemeClr>
+            </a:solidFill>
+          </a:ln>
+        </p:spPr>
+        <p:txBody>
+          <a:bodyPr wrap="square" rtlCol="0">
+            <a:spAutoFit/>
+          </a:bodyPr>
+          <a:lstStyle/>
+          <a:p>
+            <a:pPr algn="ctr"/>
+            <a:r>
+              <a:rPr lang="es-CO" dirty="0" smtClean="0"/>
+              <a:t>3W2B3W</a:t>
+            </a:r>
+          </a:p>
+          <a:p>
+            <a:pPr algn="ctr"/>
+            <a:r>
+              <a:rPr lang="es-CO" dirty="0" smtClean="0"/>
+              <a:t>2W4B2W</a:t>
+            </a:r>
+          </a:p>
+          <a:p>
+            <a:pPr algn="ctr"/>
+            <a:endParaRPr lang="es-CO" dirty="0"/>
+          </a:p>
+          <a:p>
+            <a:pPr algn="ctr"/>
+            <a:r>
+              <a:rPr lang="es-CO" dirty="0" smtClean="0"/>
+              <a:t>3,2,3</a:t>
+            </a:r>
+          </a:p>
+          <a:p>
+            <a:pPr algn="ctr"/>
+            <a:r>
+              <a:rPr lang="es-CO" dirty="0" smtClean="0"/>
+              <a:t>2.4.2</a:t>
+            </a:r>
+            <a:endParaRPr lang="es-CO" dirty="0"/>
+          </a:p>
+        </p:txBody>
+      </p:sp>
+      <p:sp>
+        <p:nvSpPr>
+          <p:cNvPr id="7" name="Flecha abajo 6"/>
+          <p:cNvSpPr/>
+          <p:nvPr/>
+        </p:nvSpPr>
+        <p:spPr>
+          <a:xfrm>
+            <a:off x="1184903" y="3973008"/>
+            <a:ext cx="45719" cy="406894"/>
+          </a:xfrm>
+          <a:prstGeom prst="downArrow">
+            <a:avLst/>
+          </a:prstGeom>
+          <a:ln w="76200">
+            <a:solidFill>
+              <a:schemeClr val="accent5">
+                <a:lumMod val="60000"/>
+                <a:lumOff val="40000"/>
+              </a:schemeClr>
+            </a:solidFill>
+          </a:ln>
+        </p:spPr>
+        <p:style>
+          <a:lnRef idx="2">
+            <a:schemeClr val="accent1">
+              <a:shade val="50000"/>
+            </a:schemeClr>
+          </a:lnRef>
+          <a:fillRef idx="1">
+            <a:schemeClr val="accent1"/>
+          </a:fillRef>
+          <a:effectRef idx="0">
+            <a:schemeClr val="accent1"/>
+          </a:effectRef>
+          <a:fontRef idx="minor">
+            <a:schemeClr val="lt1"/>
+          </a:fontRef>
+        </p:style>
+        <p:txBody>
+          <a:bodyPr rtlCol="0" anchor="ctr"/>
+          <a:lstStyle/>
+          <a:p>
+            <a:pPr algn="ctr"/>
+            <a:endParaRPr lang="es-CO"/>
+          </a:p>
+        </p:txBody>
+      </p:sp>
+      <p:sp>
+        <p:nvSpPr>
+          <p:cNvPr id="10" name="Flecha derecha 9"/>
+          <p:cNvSpPr/>
+          <p:nvPr/>
+        </p:nvSpPr>
+        <p:spPr>
+          <a:xfrm rot="10800000">
+            <a:off x="2142946" y="3532291"/>
+            <a:ext cx="697236" cy="45719"/>
+          </a:xfrm>
+          <a:prstGeom prst="rightArrow">
+            <a:avLst/>
+          </a:prstGeom>
+          <a:ln w="76200">
+            <a:solidFill>
+              <a:schemeClr val="accent5">
+                <a:lumMod val="75000"/>
+              </a:schemeClr>
+            </a:solidFill>
+          </a:ln>
+        </p:spPr>
+        <p:style>
+          <a:lnRef idx="2">
+            <a:schemeClr val="accent1">
+              <a:shade val="50000"/>
+            </a:schemeClr>
+          </a:lnRef>
+          <a:fillRef idx="1">
+            <a:schemeClr val="accent1"/>
+          </a:fillRef>
+          <a:effectRef idx="0">
+            <a:schemeClr val="accent1"/>
+          </a:effectRef>
+          <a:fontRef idx="minor">
+            <a:schemeClr val="lt1"/>
+          </a:fontRef>
+        </p:style>
+        <p:txBody>
+          <a:bodyPr rtlCol="0" anchor="ctr"/>
+          <a:lstStyle/>
+          <a:p>
+            <a:pPr algn="ctr"/>
+            <a:endParaRPr lang="es-CO"/>
+          </a:p>
+        </p:txBody>
+      </p:sp>
+      <p:sp>
+        <p:nvSpPr>
+          <p:cNvPr id="12" name="Señal de prohibido 11"/>
+          <p:cNvSpPr/>
+          <p:nvPr/>
+        </p:nvSpPr>
+        <p:spPr>
+          <a:xfrm>
+            <a:off x="887918" y="3225777"/>
+            <a:ext cx="639687" cy="658748"/>
+          </a:xfrm>
+          <a:prstGeom prst="noSmoking">
+            <a:avLst/>
+          </a:prstGeom>
+          <a:noFill/>
+          <a:ln w="19050">
+            <a:solidFill>
+              <a:srgbClr val="FF0000"/>
+            </a:solidFill>
+          </a:ln>
+        </p:spPr>
+        <p:style>
+          <a:lnRef idx="2">
+            <a:schemeClr val="accent1">
+              <a:shade val="50000"/>
+            </a:schemeClr>
+          </a:lnRef>
+          <a:fillRef idx="1">
+            <a:schemeClr val="accent1"/>
+          </a:fillRef>
+          <a:effectRef idx="0">
+            <a:schemeClr val="accent1"/>
+          </a:effectRef>
+          <a:fontRef idx="minor">
+            <a:schemeClr val="lt1"/>
+          </a:fontRef>
+        </p:style>
+        <p:txBody>
+          <a:bodyPr rtlCol="0" anchor="ctr"/>
+          <a:lstStyle/>
+          <a:p>
+            <a:pPr algn="ctr"/>
+            <a:endParaRPr lang="es-CO">
+              <a:solidFill>
+                <a:schemeClr val="tx1"/>
+              </a:solidFill>
+            </a:endParaRPr>
+          </a:p>
+        </p:txBody>
+      </p:sp>
+      <p:pic>
+        <p:nvPicPr>
+          <p:cNvPr id="13" name="Imagen 12"/>
+          <p:cNvPicPr>
+            <a:picLocks noChangeAspect="1"/>
+          </p:cNvPicPr>
+          <p:nvPr/>
+        </p:nvPicPr>
+        <p:blipFill>
+          <a:blip r:embed="rId7"/>
+          <a:stretch>
+            <a:fillRect/>
+          </a:stretch>
+        </p:blipFill>
+        <p:spPr>
+          <a:xfrm>
+            <a:off x="6571404" y="885662"/>
+            <a:ext cx="2252555" cy="2183815"/>
+          </a:xfrm>
+          <a:prstGeom prst="rect">
+            <a:avLst/>
+          </a:prstGeom>
+        </p:spPr>
+      </p:pic>
+      <p:sp>
+        <p:nvSpPr>
+          <p:cNvPr id="16" name="Flecha derecha 15"/>
+          <p:cNvSpPr/>
+          <p:nvPr/>
+        </p:nvSpPr>
+        <p:spPr>
+          <a:xfrm>
+            <a:off x="8803369" y="1787829"/>
+            <a:ext cx="697236" cy="45719"/>
+          </a:xfrm>
+          <a:prstGeom prst="rightArrow">
+            <a:avLst/>
+          </a:prstGeom>
+          <a:ln w="76200">
+            <a:solidFill>
+              <a:schemeClr val="accent5">
+                <a:lumMod val="75000"/>
+              </a:schemeClr>
+            </a:solidFill>
+          </a:ln>
+        </p:spPr>
+        <p:style>
+          <a:lnRef idx="2">
+            <a:schemeClr val="accent1">
+              <a:shade val="50000"/>
+            </a:schemeClr>
+          </a:lnRef>
+          <a:fillRef idx="1">
+            <a:schemeClr val="accent1"/>
+          </a:fillRef>
+          <a:effectRef idx="0">
+            <a:schemeClr val="accent1"/>
+          </a:effectRef>
+          <a:fontRef idx="minor">
+            <a:schemeClr val="lt1"/>
+          </a:fontRef>
+        </p:style>
+        <p:txBody>
+          <a:bodyPr rtlCol="0" anchor="ctr"/>
+          <a:lstStyle/>
+          <a:p>
+            <a:pPr algn="ctr"/>
+            <a:endParaRPr lang="es-CO"/>
+          </a:p>
+        </p:txBody>
+      </p:sp>
+      <p:sp>
+        <p:nvSpPr>
+          <p:cNvPr id="14" name="Nube 13"/>
+          <p:cNvSpPr/>
+          <p:nvPr/>
+        </p:nvSpPr>
+        <p:spPr>
+          <a:xfrm>
+            <a:off x="9728854" y="1264060"/>
+            <a:ext cx="2216727" cy="1427018"/>
+          </a:xfrm>
+          <a:prstGeom prst="cloud">
+            <a:avLst/>
+          </a:prstGeom>
+          <a:noFill/>
+          <a:ln>
+            <a:solidFill>
+              <a:schemeClr val="accent5">
+                <a:lumMod val="60000"/>
+                <a:lumOff val="40000"/>
+              </a:schemeClr>
+            </a:solidFill>
+          </a:ln>
+        </p:spPr>
+        <p:style>
+          <a:lnRef idx="2">
+            <a:schemeClr val="accent1">
+              <a:shade val="50000"/>
+            </a:schemeClr>
+          </a:lnRef>
+          <a:fillRef idx="1">
+            <a:schemeClr val="accent1"/>
+          </a:fillRef>
+          <a:effectRef idx="0">
+            <a:schemeClr val="accent1"/>
+          </a:effectRef>
+          <a:fontRef idx="minor">
+            <a:schemeClr val="lt1"/>
+          </a:fontRef>
+        </p:style>
+        <p:txBody>
+          <a:bodyPr rtlCol="0" anchor="ctr"/>
+          <a:lstStyle/>
+          <a:p>
+            <a:pPr algn="ctr"/>
+            <a:endParaRPr lang="es-CO"/>
+          </a:p>
+        </p:txBody>
+      </p:sp>
+      <p:sp>
+        <p:nvSpPr>
+          <p:cNvPr id="15" name="CuadroTexto 14"/>
+          <p:cNvSpPr txBox="1"/>
+          <p:nvPr/>
+        </p:nvSpPr>
+        <p:spPr>
+          <a:xfrm>
+            <a:off x="9931328" y="1592848"/>
+            <a:ext cx="1634837" cy="769441"/>
+          </a:xfrm>
+          <a:prstGeom prst="rect">
+            <a:avLst/>
+          </a:prstGeom>
+          <a:noFill/>
+        </p:spPr>
+        <p:txBody>
+          <a:bodyPr wrap="square" rtlCol="0">
+            <a:spAutoFit/>
+          </a:bodyPr>
+          <a:lstStyle/>
+          <a:p>
+            <a:pPr algn="just"/>
+            <a:r>
+              <a:rPr lang="es-CO" sz="1100" dirty="0" smtClean="0"/>
+              <a:t>La letra con más frecuencia es la a, por ende tiene el código más pequeño.</a:t>
+            </a:r>
+            <a:endParaRPr lang="es-CO" sz="1100" dirty="0"/>
           </a:p>
         </p:txBody>
       </p:sp>
@@ -19494,6 +20140,13 @@
   <p:clrMapOvr>
     <a:masterClrMapping/>
   </p:clrMapOvr>
+  <p:timing>
+    <p:tnLst>
+      <p:par>
+        <p:cTn id="1" dur="indefinite" restart="never" nodeType="tmRoot"/>
+      </p:par>
+    </p:tnLst>
+  </p:timing>
 </p:sld>
 </file>
 
@@ -19516,7 +20169,7 @@
       </p:grpSpPr>
       <p:pic>
         <p:nvPicPr>
-          <p:cNvPr id="199" name="Google Shape;199;p2"/>
+          <p:cNvPr id="10" name="Google Shape;199;p2"/>
           <p:cNvPicPr preferRelativeResize="0"/>
           <p:nvPr/>
         </p:nvPicPr>
@@ -19529,7 +20182,7 @@
         </p:blipFill>
         <p:spPr>
           <a:xfrm>
-            <a:off x="-186960" y="-49289"/>
+            <a:off x="0" y="0"/>
             <a:ext cx="12196080" cy="6855840"/>
           </a:xfrm>
           <a:prstGeom prst="rect">
@@ -19568,58 +20221,6 @@
           </a:ln>
         </p:spPr>
       </p:pic>
-      <p:sp>
-        <p:nvSpPr>
-          <p:cNvPr id="2" name="CuadroTexto 1">
-            <a:extLst>
-              <a:ext uri="{FF2B5EF4-FFF2-40B4-BE49-F238E27FC236}">
-                <a16:creationId xmlns:a16="http://schemas.microsoft.com/office/drawing/2014/main" id="{2E3C3B93-7D6F-476C-A493-DA42C4087825}"/>
-              </a:ext>
-            </a:extLst>
-          </p:cNvPr>
-          <p:cNvSpPr txBox="1"/>
-          <p:nvPr/>
-        </p:nvSpPr>
-        <p:spPr>
-          <a:xfrm>
-            <a:off x="803880" y="1083212"/>
-            <a:ext cx="10801966" cy="307777"/>
-          </a:xfrm>
-          <a:prstGeom prst="rect">
-            <a:avLst/>
-          </a:prstGeom>
-          <a:noFill/>
-        </p:spPr>
-        <p:txBody>
-          <a:bodyPr wrap="square" rtlCol="0">
-            <a:spAutoFit/>
-          </a:bodyPr>
-          <a:lstStyle/>
-          <a:p>
-            <a:r>
-              <a:rPr lang="es-ES" b="0" i="0" dirty="0">
-                <a:solidFill>
-                  <a:srgbClr val="202122"/>
-                </a:solidFill>
-                <a:effectLst/>
-                <a:latin typeface="Arial" panose="020B0604020202020204" pitchFamily="34" charset="0"/>
-              </a:rPr>
-              <a:t> </a:t>
-            </a:r>
-            <a:r>
-              <a:rPr lang="es-ES" b="1" i="0" dirty="0">
-                <a:solidFill>
-                  <a:srgbClr val="000000"/>
-                </a:solidFill>
-                <a:effectLst/>
-                <a:latin typeface="Arial" panose="020B0604020202020204" pitchFamily="34" charset="0"/>
-              </a:rPr>
-              <a:t>Los métodos para la compresión de imagen con perdida</a:t>
-            </a:r>
-            <a:endParaRPr lang="es-CO" dirty="0"/>
-          </a:p>
-        </p:txBody>
-      </p:sp>
       <p:sp>
         <p:nvSpPr>
           <p:cNvPr id="8" name="Google Shape;217;p2"/>
@@ -19705,8 +20306,8 @@
         </p:nvSpPr>
         <p:spPr>
           <a:xfrm>
-            <a:off x="815040" y="1852000"/>
-            <a:ext cx="5541818" cy="2031325"/>
+            <a:off x="6336083" y="1175085"/>
+            <a:ext cx="5218608" cy="2031325"/>
           </a:xfrm>
           <a:prstGeom prst="rect">
             <a:avLst/>
@@ -19719,12 +20320,26 @@
           </a:bodyPr>
           <a:lstStyle/>
           <a:p>
+            <a:pPr algn="just"/>
+            <a:r>
+              <a:rPr lang="es-CO" b="1" u="sng" dirty="0" smtClean="0"/>
+              <a:t>DCT:</a:t>
+            </a:r>
             <a:r>
               <a:rPr lang="es-CO" dirty="0" smtClean="0"/>
-              <a:t>DCT: Es un proceso que utiliza la herramienta matemática de la transformada discreta de coseno, con la finalidad de hacer corresponder la imagen con un conjunto de coeficiente de la transformada. Un número significativo de coeficientes tendrá valores pequeños que son poco significativos, de los cuales prescindiremos para reducir el tamaño de la imagen. Los coeficientes de esta técnica se dan a partir de la siguiente ecuación: </a:t>
+              <a:t> Es un proceso que utiliza la herramienta matemática de la </a:t>
+            </a:r>
+            <a:r>
+              <a:rPr lang="es-CO" i="1" dirty="0" smtClean="0"/>
+              <a:t>transformada discreta de coseno</a:t>
+            </a:r>
+            <a:r>
+              <a:rPr lang="es-CO" dirty="0" smtClean="0"/>
+              <a:t>, con la finalidad de hacer corresponder la imagen con un conjunto de coeficiente de la transformada. Un número significativo de coeficientes tendrá valores pequeños que son poco significativos, de los cuales prescindiremos para reducir el tamaño de la imagen. Los coeficientes de esta técnica se dan a partir de la siguiente ecuación: </a:t>
             </a:r>
           </a:p>
           <a:p>
+            <a:pPr algn="just"/>
             <a:endParaRPr lang="es-CO" dirty="0"/>
           </a:p>
         </p:txBody>
@@ -19737,8 +20352,8 @@
         </p:nvSpPr>
         <p:spPr>
           <a:xfrm>
-            <a:off x="6204863" y="2975385"/>
-            <a:ext cx="5541818" cy="1384995"/>
+            <a:off x="493380" y="4277712"/>
+            <a:ext cx="5048438" cy="1384995"/>
           </a:xfrm>
           <a:prstGeom prst="rect">
             <a:avLst/>
@@ -19751,14 +20366,184 @@
           </a:bodyPr>
           <a:lstStyle/>
           <a:p>
+            <a:pPr algn="just"/>
+            <a:r>
+              <a:rPr lang="es-CO" b="1" u="sng" dirty="0" smtClean="0"/>
+              <a:t>Compresión fractal: </a:t>
+            </a:r>
             <a:r>
               <a:rPr lang="es-CO" dirty="0" smtClean="0"/>
-              <a:t>Compresión fractal: Este método consiste en identificar una figura que al reproducirse reiteradas veces genere una imagen muy similar a la original. Entre las diferentes técnicas de este método encontramos la IFS (Sistema de Funciones Iteradas) que genera un conjunto de transformaciones que lleva la figura completa en cada una de sus partes.</a:t>
+              <a:t>Este método consiste en identificar una figura que al reproducirse reiteradas veces genere una imagen muy similar a la original. Entre las diferentes técnicas de este método encontramos la IFS (Sistema de Funciones Iteradas) que genera un conjunto de transformaciones que lleva la figura completa en cada una de sus partes.</a:t>
             </a:r>
             <a:endParaRPr lang="es-CO" dirty="0"/>
           </a:p>
         </p:txBody>
       </p:sp>
+      <p:sp>
+        <p:nvSpPr>
+          <p:cNvPr id="9" name="Google Shape;200;p2"/>
+          <p:cNvSpPr/>
+          <p:nvPr/>
+        </p:nvSpPr>
+        <p:spPr>
+          <a:xfrm>
+            <a:off x="493380" y="372456"/>
+            <a:ext cx="5442745" cy="429433"/>
+          </a:xfrm>
+          <a:prstGeom prst="rect">
+            <a:avLst/>
+          </a:prstGeom>
+          <a:noFill/>
+          <a:ln>
+            <a:noFill/>
+          </a:ln>
+        </p:spPr>
+        <p:txBody>
+          <a:bodyPr spcFirstLastPara="1" wrap="square" lIns="90000" tIns="45000" rIns="90000" bIns="45000" anchor="t" anchorCtr="0">
+            <a:spAutoFit/>
+          </a:bodyPr>
+          <a:lstStyle/>
+          <a:p>
+            <a:pPr marL="0" marR="0" lvl="0" indent="0" algn="l" rtl="0">
+              <a:lnSpc>
+                <a:spcPct val="100000"/>
+              </a:lnSpc>
+              <a:spcBef>
+                <a:spcPts val="0"/>
+              </a:spcBef>
+              <a:spcAft>
+                <a:spcPts val="0"/>
+              </a:spcAft>
+              <a:buClr>
+                <a:srgbClr val="000000"/>
+              </a:buClr>
+              <a:buSzPts val="2200"/>
+              <a:buFont typeface="Arial"/>
+              <a:buNone/>
+            </a:pPr>
+            <a:r>
+              <a:rPr lang="es-CO" sz="2200" b="1" dirty="0" smtClean="0">
+                <a:solidFill>
+                  <a:srgbClr val="FFFFFF"/>
+                </a:solidFill>
+              </a:rPr>
+              <a:t>Métodos compresión </a:t>
+            </a:r>
+            <a:r>
+              <a:rPr lang="es-CO" sz="2200" b="1" dirty="0" err="1" smtClean="0">
+                <a:solidFill>
+                  <a:srgbClr val="FFFFFF"/>
+                </a:solidFill>
+              </a:rPr>
+              <a:t>Lossy</a:t>
+            </a:r>
+            <a:endParaRPr lang="es-CO" sz="2200" b="0" i="0" u="none" strike="noStrike" cap="none" dirty="0">
+              <a:solidFill>
+                <a:srgbClr val="000000"/>
+              </a:solidFill>
+              <a:latin typeface="Arial"/>
+              <a:ea typeface="Arial"/>
+              <a:cs typeface="Arial"/>
+              <a:sym typeface="Arial"/>
+            </a:endParaRPr>
+          </a:p>
+        </p:txBody>
+      </p:sp>
+      <p:pic>
+        <p:nvPicPr>
+          <p:cNvPr id="3" name="Imagen 2"/>
+          <p:cNvPicPr>
+            <a:picLocks noChangeAspect="1"/>
+          </p:cNvPicPr>
+          <p:nvPr/>
+        </p:nvPicPr>
+        <p:blipFill>
+          <a:blip r:embed="rId6">
+            <a:extLst>
+              <a:ext uri="{28A0092B-C50C-407E-A947-70E740481C1C}">
+                <a14:useLocalDpi xmlns:a14="http://schemas.microsoft.com/office/drawing/2010/main" val="0"/>
+              </a:ext>
+            </a:extLst>
+          </a:blip>
+          <a:stretch>
+            <a:fillRect/>
+          </a:stretch>
+        </p:blipFill>
+        <p:spPr>
+          <a:xfrm>
+            <a:off x="7349403" y="2761712"/>
+            <a:ext cx="2744532" cy="674215"/>
+          </a:xfrm>
+          <a:prstGeom prst="rect">
+            <a:avLst/>
+          </a:prstGeom>
+        </p:spPr>
+      </p:pic>
+      <p:pic>
+        <p:nvPicPr>
+          <p:cNvPr id="1026" name="Picture 2" descr="Fractal"/>
+          <p:cNvPicPr>
+            <a:picLocks noChangeAspect="1" noChangeArrowheads="1"/>
+          </p:cNvPicPr>
+          <p:nvPr/>
+        </p:nvPicPr>
+        <p:blipFill>
+          <a:blip r:embed="rId7">
+            <a:extLst>
+              <a:ext uri="{28A0092B-C50C-407E-A947-70E740481C1C}">
+                <a14:useLocalDpi xmlns:a14="http://schemas.microsoft.com/office/drawing/2010/main" val="0"/>
+              </a:ext>
+            </a:extLst>
+          </a:blip>
+          <a:srcRect/>
+          <a:stretch>
+            <a:fillRect/>
+          </a:stretch>
+        </p:blipFill>
+        <p:spPr bwMode="auto">
+          <a:xfrm>
+            <a:off x="1994122" y="1145769"/>
+            <a:ext cx="2046953" cy="2855500"/>
+          </a:xfrm>
+          <a:prstGeom prst="rect">
+            <a:avLst/>
+          </a:prstGeom>
+          <a:noFill/>
+          <a:extLst>
+            <a:ext uri="{909E8E84-426E-40DD-AFC4-6F175D3DCCD1}">
+              <a14:hiddenFill xmlns:a14="http://schemas.microsoft.com/office/drawing/2010/main">
+                <a:solidFill>
+                  <a:srgbClr val="FFFFFF"/>
+                </a:solidFill>
+              </a14:hiddenFill>
+            </a:ext>
+          </a:extLst>
+        </p:spPr>
+      </p:pic>
+      <p:pic>
+        <p:nvPicPr>
+          <p:cNvPr id="4" name="Imagen 3"/>
+          <p:cNvPicPr>
+            <a:picLocks noChangeAspect="1"/>
+          </p:cNvPicPr>
+          <p:nvPr/>
+        </p:nvPicPr>
+        <p:blipFill>
+          <a:blip r:embed="rId8"/>
+          <a:stretch>
+            <a:fillRect/>
+          </a:stretch>
+        </p:blipFill>
+        <p:spPr>
+          <a:xfrm>
+            <a:off x="7034325" y="3704383"/>
+            <a:ext cx="3822123" cy="1895224"/>
+          </a:xfrm>
+          <a:prstGeom prst="rect">
+            <a:avLst/>
+          </a:prstGeom>
+        </p:spPr>
+      </p:pic>
     </p:spTree>
     <p:extLst>
       <p:ext uri="{BB962C8B-B14F-4D97-AF65-F5344CB8AC3E}">
@@ -19769,6 +20554,13 @@
   <p:clrMapOvr>
     <a:masterClrMapping/>
   </p:clrMapOvr>
+  <p:timing>
+    <p:tnLst>
+      <p:par>
+        <p:cTn id="1" dur="indefinite" restart="never" nodeType="tmRoot"/>
+      </p:par>
+    </p:tnLst>
+  </p:timing>
 </p:sld>
 </file>
 

--- a/Presentacion/Presentación Proyecto.pptx
+++ b/Presentacion/Presentación Proyecto.pptx
@@ -252,7 +252,7 @@
       <p15:sldGuideLst xmlns:p15="http://schemas.microsoft.com/office/powerpoint/2012/main"/>
     </p:ext>
     <p:ext uri="http://customooxmlschemas.google.com/">
-      <go:slidesCustomData xmlns:go="http://customooxmlschemas.google.com/" xmlns:ahyp="http://schemas.microsoft.com/office/drawing/2018/hyperlinkcolor" xmlns:p15="http://schemas.microsoft.com/office/powerpoint/2012/main" xmlns:p14="http://schemas.microsoft.com/office/powerpoint/2010/main" xmlns:com="http://schemas.openxmlformats.org/drawingml/2006/compatibility" xmlns:pvml="urn:schemas-microsoft-com:office:powerpoint" xmlns:v="urn:schemas-microsoft-com:vml" xmlns:o="urn:schemas-microsoft-com:office:office" xmlns:dgm="http://schemas.openxmlformats.org/drawingml/2006/diagram" xmlns:c="http://schemas.openxmlformats.org/drawingml/2006/chart" xmlns:mv="urn:schemas-microsoft-com:mac:vml" xmlns:mc="http://schemas.openxmlformats.org/markup-compatibility/2006" xmlns="" r:id="rId21" roundtripDataSignature="AMtx7mjHzTg+goWcQk8fO5It0l+0ng5KHA=="/>
+      <go:slidesCustomData xmlns="" xmlns:mc="http://schemas.openxmlformats.org/markup-compatibility/2006" xmlns:mv="urn:schemas-microsoft-com:mac:vml" xmlns:c="http://schemas.openxmlformats.org/drawingml/2006/chart" xmlns:dgm="http://schemas.openxmlformats.org/drawingml/2006/diagram" xmlns:o="urn:schemas-microsoft-com:office:office" xmlns:v="urn:schemas-microsoft-com:vml" xmlns:pvml="urn:schemas-microsoft-com:office:powerpoint" xmlns:com="http://schemas.openxmlformats.org/drawingml/2006/compatibility" xmlns:p14="http://schemas.microsoft.com/office/powerpoint/2010/main" xmlns:p15="http://schemas.microsoft.com/office/powerpoint/2012/main" xmlns:ahyp="http://schemas.microsoft.com/office/drawing/2018/hyperlinkcolor" xmlns:go="http://customooxmlschemas.google.com/" r:id="rId21" roundtripDataSignature="AMtx7mjHzTg+goWcQk8fO5It0l+0ng5KHA=="/>
     </p:ext>
   </p:extLst>
 </p:presentation>
@@ -18319,7 +18319,7 @@
         </p:nvSpPr>
         <p:spPr>
           <a:xfrm>
-            <a:off x="1833322" y="1198792"/>
+            <a:off x="2165831" y="1281919"/>
             <a:ext cx="7850715" cy="1029410"/>
           </a:xfrm>
           <a:prstGeom prst="roundRect">
@@ -18475,7 +18475,7 @@
         </p:nvSpPr>
         <p:spPr>
           <a:xfrm>
-            <a:off x="2140991" y="1344165"/>
+            <a:off x="2473500" y="1427292"/>
             <a:ext cx="7235376" cy="738664"/>
           </a:xfrm>
           <a:prstGeom prst="rect">
@@ -18496,39 +18496,7 @@
                   <a:schemeClr val="bg1"/>
                 </a:solidFill>
               </a:rPr>
-              <a:t>La compresión de imágenes es el proceso de reducir el tamaño de estas usando técnicas para simplificar la información redundante </a:t>
-            </a:r>
-            <a:r>
-              <a:rPr lang="es-CO" dirty="0" smtClean="0">
-                <a:solidFill>
-                  <a:schemeClr val="bg1"/>
-                </a:solidFill>
-              </a:rPr>
-              <a:t>y así </a:t>
-            </a:r>
-            <a:r>
-              <a:rPr lang="es-CO" dirty="0" smtClean="0">
-                <a:solidFill>
-                  <a:schemeClr val="bg1"/>
-                </a:solidFill>
-              </a:rPr>
-              <a:t>volverla </a:t>
-            </a:r>
-            <a:r>
-              <a:rPr lang="es-CO" dirty="0" smtClean="0">
-                <a:solidFill>
-                  <a:schemeClr val="bg1"/>
-                </a:solidFill>
-              </a:rPr>
-              <a:t>más </a:t>
-            </a:r>
-            <a:r>
-              <a:rPr lang="es-CO" dirty="0" smtClean="0">
-                <a:solidFill>
-                  <a:schemeClr val="bg1"/>
-                </a:solidFill>
-              </a:rPr>
-              <a:t>óptima para los objetivos que se tengan con esta.</a:t>
+              <a:t>La compresión de imágenes es el proceso de reducir el tamaño de estas usando técnicas para simplificar la información redundante y así volverla más óptima para los objetivos que se tengan con esta.</a:t>
             </a:r>
             <a:endParaRPr lang="es-CO" dirty="0">
               <a:solidFill>
@@ -18546,7 +18514,7 @@
         </p:nvSpPr>
         <p:spPr>
           <a:xfrm>
-            <a:off x="1021468" y="3385681"/>
+            <a:off x="798802" y="3598173"/>
             <a:ext cx="4160129" cy="1815882"/>
           </a:xfrm>
           <a:prstGeom prst="rect">
@@ -18730,11 +18698,7 @@
             </a:r>
             <a:r>
               <a:rPr lang="pt-BR" dirty="0" smtClean="0"/>
-              <a:t>. </a:t>
-            </a:r>
-            <a:r>
-              <a:rPr lang="pt-BR" dirty="0" smtClean="0"/>
-              <a:t>La perdida de </a:t>
+              <a:t>. La perdida de </a:t>
             </a:r>
             <a:r>
               <a:rPr lang="es-CO" dirty="0" smtClean="0"/>
@@ -18784,7 +18748,7 @@
         </p:nvSpPr>
         <p:spPr>
           <a:xfrm>
-            <a:off x="6912617" y="3601124"/>
+            <a:off x="7245127" y="3813616"/>
             <a:ext cx="4160129" cy="1384995"/>
           </a:xfrm>
           <a:prstGeom prst="rect">
@@ -19019,8 +18983,8 @@
         </p:nvCxnSpPr>
         <p:spPr>
           <a:xfrm flipH="1">
-            <a:off x="3037307" y="2228202"/>
-            <a:ext cx="2721373" cy="944488"/>
+            <a:off x="2854036" y="2311329"/>
+            <a:ext cx="3237153" cy="1084652"/>
           </a:xfrm>
           <a:prstGeom prst="straightConnector1">
             <a:avLst/>
@@ -19052,15 +19016,13 @@
       <p:cxnSp>
         <p:nvCxnSpPr>
           <p:cNvPr id="12" name="Conector recto de flecha 11"/>
-          <p:cNvCxnSpPr>
-            <a:stCxn id="5" idx="2"/>
-          </p:cNvCxnSpPr>
+          <p:cNvCxnSpPr/>
           <p:nvPr/>
         </p:nvCxnSpPr>
         <p:spPr>
           <a:xfrm>
-            <a:off x="5758680" y="2228202"/>
-            <a:ext cx="3234002" cy="943109"/>
+            <a:off x="6091189" y="2310990"/>
+            <a:ext cx="3260629" cy="1084991"/>
           </a:xfrm>
           <a:prstGeom prst="straightConnector1">
             <a:avLst/>
@@ -19097,7 +19059,7 @@
         </p:nvSpPr>
         <p:spPr>
           <a:xfrm>
-            <a:off x="691001" y="3256316"/>
+            <a:off x="468335" y="3468808"/>
             <a:ext cx="4821065" cy="2074613"/>
           </a:xfrm>
           <a:prstGeom prst="roundRect">
@@ -19146,7 +19108,7 @@
         </p:nvSpPr>
         <p:spPr>
           <a:xfrm>
-            <a:off x="6582148" y="3256316"/>
+            <a:off x="6914658" y="3468808"/>
             <a:ext cx="4821065" cy="2074613"/>
           </a:xfrm>
           <a:prstGeom prst="roundRect">
@@ -19363,7 +19325,7 @@
         </p:nvSpPr>
         <p:spPr>
           <a:xfrm>
-            <a:off x="536760" y="1326014"/>
+            <a:off x="490960" y="1278422"/>
             <a:ext cx="5129749" cy="1384995"/>
           </a:xfrm>
           <a:prstGeom prst="rect">
@@ -19594,7 +19556,7 @@
         </p:nvSpPr>
         <p:spPr>
           <a:xfrm>
-            <a:off x="6206834" y="3261663"/>
+            <a:off x="6389194" y="3349747"/>
             <a:ext cx="5359331" cy="2462213"/>
           </a:xfrm>
           <a:prstGeom prst="rect">
@@ -19717,7 +19679,7 @@
         </p:blipFill>
         <p:spPr>
           <a:xfrm>
-            <a:off x="2976637" y="3147232"/>
+            <a:off x="2930837" y="3099640"/>
             <a:ext cx="2689872" cy="2524057"/>
           </a:xfrm>
           <a:prstGeom prst="rect">
@@ -19733,7 +19695,7 @@
         </p:nvSpPr>
         <p:spPr>
           <a:xfrm>
-            <a:off x="436418" y="3293541"/>
+            <a:off x="390618" y="3245949"/>
             <a:ext cx="1551709" cy="523220"/>
           </a:xfrm>
           <a:prstGeom prst="rect">
@@ -19778,7 +19740,7 @@
         </p:nvSpPr>
         <p:spPr>
           <a:xfrm>
-            <a:off x="593655" y="4548332"/>
+            <a:off x="547855" y="4500740"/>
             <a:ext cx="1228216" cy="1169551"/>
           </a:xfrm>
           <a:prstGeom prst="rect">
@@ -19842,7 +19804,7 @@
         </p:nvSpPr>
         <p:spPr>
           <a:xfrm>
-            <a:off x="1184903" y="3973008"/>
+            <a:off x="1139103" y="3925416"/>
             <a:ext cx="45719" cy="406894"/>
           </a:xfrm>
           <a:prstGeom prst="downArrow">
@@ -19890,7 +19852,7 @@
         </p:nvSpPr>
         <p:spPr>
           <a:xfrm rot="10800000">
-            <a:off x="2142946" y="3532291"/>
+            <a:off x="2097146" y="3484699"/>
             <a:ext cx="697236" cy="45719"/>
           </a:xfrm>
           <a:prstGeom prst="rightArrow">
@@ -19937,7 +19899,7 @@
         </p:nvSpPr>
         <p:spPr>
           <a:xfrm>
-            <a:off x="887918" y="3225777"/>
+            <a:off x="842118" y="3178185"/>
             <a:ext cx="639687" cy="658748"/>
           </a:xfrm>
           <a:prstGeom prst="noSmoking">
@@ -19995,7 +19957,7 @@
         </p:blipFill>
         <p:spPr>
           <a:xfrm>
-            <a:off x="6571404" y="885662"/>
+            <a:off x="6604002" y="984328"/>
             <a:ext cx="2252555" cy="2183815"/>
           </a:xfrm>
           <a:prstGeom prst="rect">
@@ -20011,7 +19973,7 @@
         </p:nvSpPr>
         <p:spPr>
           <a:xfrm>
-            <a:off x="8803369" y="1787829"/>
+            <a:off x="8720242" y="1886497"/>
             <a:ext cx="697236" cy="45719"/>
           </a:xfrm>
           <a:prstGeom prst="rightArrow">
@@ -20058,7 +20020,7 @@
         </p:nvSpPr>
         <p:spPr>
           <a:xfrm>
-            <a:off x="9728854" y="1264060"/>
+            <a:off x="9645727" y="1362728"/>
             <a:ext cx="2216727" cy="1427018"/>
           </a:xfrm>
           <a:prstGeom prst="cloud">
@@ -20107,7 +20069,7 @@
         </p:nvSpPr>
         <p:spPr>
           <a:xfrm>
-            <a:off x="9931328" y="1592848"/>
+            <a:off x="9848201" y="1691516"/>
             <a:ext cx="1634837" cy="769441"/>
           </a:xfrm>
           <a:prstGeom prst="rect">
@@ -20130,6 +20092,39 @@
           </a:p>
         </p:txBody>
       </p:sp>
+      <p:cxnSp>
+        <p:nvCxnSpPr>
+          <p:cNvPr id="17" name="Conector recto 16"/>
+          <p:cNvCxnSpPr/>
+          <p:nvPr/>
+        </p:nvCxnSpPr>
+        <p:spPr>
+          <a:xfrm>
+            <a:off x="6098040" y="1151613"/>
+            <a:ext cx="0" cy="4618344"/>
+          </a:xfrm>
+          <a:prstGeom prst="line">
+            <a:avLst/>
+          </a:prstGeom>
+          <a:ln w="28575">
+            <a:prstDash val="dash"/>
+          </a:ln>
+        </p:spPr>
+        <p:style>
+          <a:lnRef idx="1">
+            <a:schemeClr val="accent1"/>
+          </a:lnRef>
+          <a:fillRef idx="0">
+            <a:schemeClr val="accent1"/>
+          </a:fillRef>
+          <a:effectRef idx="0">
+            <a:schemeClr val="accent1"/>
+          </a:effectRef>
+          <a:fontRef idx="minor">
+            <a:schemeClr val="tx1"/>
+          </a:fontRef>
+        </p:style>
+      </p:cxnSp>
     </p:spTree>
     <p:extLst>
       <p:ext uri="{BB962C8B-B14F-4D97-AF65-F5344CB8AC3E}">
@@ -20306,7 +20301,7 @@
         </p:nvSpPr>
         <p:spPr>
           <a:xfrm>
-            <a:off x="6336083" y="1175085"/>
+            <a:off x="6446919" y="1181212"/>
             <a:ext cx="5218608" cy="2031325"/>
           </a:xfrm>
           <a:prstGeom prst="rect">
@@ -20352,7 +20347,7 @@
         </p:nvSpPr>
         <p:spPr>
           <a:xfrm>
-            <a:off x="493380" y="4277712"/>
+            <a:off x="604216" y="4283839"/>
             <a:ext cx="5048438" cy="1384995"/>
           </a:xfrm>
           <a:prstGeom prst="rect">
@@ -20471,7 +20466,7 @@
         </p:blipFill>
         <p:spPr>
           <a:xfrm>
-            <a:off x="7349403" y="2761712"/>
+            <a:off x="7460239" y="2767839"/>
             <a:ext cx="2744532" cy="674215"/>
           </a:xfrm>
           <a:prstGeom prst="rect">
@@ -20502,7 +20497,7 @@
         </p:blipFill>
         <p:spPr bwMode="auto">
           <a:xfrm>
-            <a:off x="1994122" y="1145769"/>
+            <a:off x="2104958" y="1151896"/>
             <a:ext cx="2046953" cy="2855500"/>
           </a:xfrm>
           <a:prstGeom prst="rect">
@@ -20536,7 +20531,7 @@
         </p:blipFill>
         <p:spPr>
           <a:xfrm>
-            <a:off x="7034325" y="3704383"/>
+            <a:off x="7145161" y="3710510"/>
             <a:ext cx="3822123" cy="1895224"/>
           </a:xfrm>
           <a:prstGeom prst="rect">
@@ -20544,6 +20539,39 @@
           </a:prstGeom>
         </p:spPr>
       </p:pic>
+      <p:cxnSp>
+        <p:nvCxnSpPr>
+          <p:cNvPr id="11" name="Conector recto 10"/>
+          <p:cNvCxnSpPr/>
+          <p:nvPr/>
+        </p:nvCxnSpPr>
+        <p:spPr>
+          <a:xfrm>
+            <a:off x="6098040" y="1151613"/>
+            <a:ext cx="0" cy="4618344"/>
+          </a:xfrm>
+          <a:prstGeom prst="line">
+            <a:avLst/>
+          </a:prstGeom>
+          <a:ln w="28575">
+            <a:prstDash val="dash"/>
+          </a:ln>
+        </p:spPr>
+        <p:style>
+          <a:lnRef idx="1">
+            <a:schemeClr val="accent1"/>
+          </a:lnRef>
+          <a:fillRef idx="0">
+            <a:schemeClr val="accent1"/>
+          </a:fillRef>
+          <a:effectRef idx="0">
+            <a:schemeClr val="accent1"/>
+          </a:effectRef>
+          <a:fontRef idx="minor">
+            <a:schemeClr val="tx1"/>
+          </a:fontRef>
+        </p:style>
+      </p:cxnSp>
     </p:spTree>
     <p:extLst>
       <p:ext uri="{BB962C8B-B14F-4D97-AF65-F5344CB8AC3E}">

--- a/Presentacion/Presentación Proyecto.pptx
+++ b/Presentacion/Presentación Proyecto.pptx
@@ -6,7 +6,7 @@
     <p:sldMasterId id="2147483661" r:id="rId2"/>
   </p:sldMasterIdLst>
   <p:notesMasterIdLst>
-    <p:notesMasterId r:id="rId9"/>
+    <p:notesMasterId r:id="rId13"/>
   </p:notesMasterIdLst>
   <p:sldIdLst>
     <p:sldId id="256" r:id="rId3"/>
@@ -15,6 +15,10 @@
     <p:sldId id="259" r:id="rId6"/>
     <p:sldId id="260" r:id="rId7"/>
     <p:sldId id="261" r:id="rId8"/>
+    <p:sldId id="263" r:id="rId9"/>
+    <p:sldId id="264" r:id="rId10"/>
+    <p:sldId id="265" r:id="rId11"/>
+    <p:sldId id="266" r:id="rId12"/>
   </p:sldIdLst>
   <p:sldSz cx="12192000" cy="6858000"/>
   <p:notesSz cx="7772400" cy="10058400"/>
@@ -252,7 +256,7 @@
       <p15:sldGuideLst xmlns:p15="http://schemas.microsoft.com/office/powerpoint/2012/main"/>
     </p:ext>
     <p:ext uri="http://customooxmlschemas.google.com/">
-      <go:slidesCustomData xmlns="" xmlns:mc="http://schemas.openxmlformats.org/markup-compatibility/2006" xmlns:mv="urn:schemas-microsoft-com:mac:vml" xmlns:c="http://schemas.openxmlformats.org/drawingml/2006/chart" xmlns:dgm="http://schemas.openxmlformats.org/drawingml/2006/diagram" xmlns:o="urn:schemas-microsoft-com:office:office" xmlns:v="urn:schemas-microsoft-com:vml" xmlns:pvml="urn:schemas-microsoft-com:office:powerpoint" xmlns:com="http://schemas.openxmlformats.org/drawingml/2006/compatibility" xmlns:p14="http://schemas.microsoft.com/office/powerpoint/2010/main" xmlns:p15="http://schemas.microsoft.com/office/powerpoint/2012/main" xmlns:ahyp="http://schemas.microsoft.com/office/drawing/2018/hyperlinkcolor" xmlns:go="http://customooxmlschemas.google.com/" r:id="rId21" roundtripDataSignature="AMtx7mjHzTg+goWcQk8fO5It0l+0ng5KHA=="/>
+      <go:slidesCustomData xmlns:go="http://customooxmlschemas.google.com/" xmlns:ahyp="http://schemas.microsoft.com/office/drawing/2018/hyperlinkcolor" xmlns:p15="http://schemas.microsoft.com/office/powerpoint/2012/main" xmlns:p14="http://schemas.microsoft.com/office/powerpoint/2010/main" xmlns:com="http://schemas.openxmlformats.org/drawingml/2006/compatibility" xmlns:pvml="urn:schemas-microsoft-com:office:powerpoint" xmlns:v="urn:schemas-microsoft-com:vml" xmlns:o="urn:schemas-microsoft-com:office:office" xmlns:dgm="http://schemas.openxmlformats.org/drawingml/2006/diagram" xmlns:c="http://schemas.openxmlformats.org/drawingml/2006/chart" xmlns:mv="urn:schemas-microsoft-com:mac:vml" xmlns:mc="http://schemas.openxmlformats.org/markup-compatibility/2006" xmlns="" r:id="rId21" roundtripDataSignature="AMtx7mjHzTg+goWcQk8fO5It0l+0ng5KHA=="/>
     </p:ext>
   </p:extLst>
 </p:presentation>
@@ -956,6 +960,133 @@
 </p:notes>
 </file>
 
+<file path=ppt/notesSlides/notesSlide10.xml><?xml version="1.0" encoding="utf-8"?>
+<p:notes xmlns:a="http://schemas.openxmlformats.org/drawingml/2006/main" xmlns:r="http://schemas.openxmlformats.org/officeDocument/2006/relationships" xmlns:p="http://schemas.openxmlformats.org/presentationml/2006/main" showMasterSp="0" showMasterPhAnim="0">
+  <p:cSld>
+    <p:spTree>
+      <p:nvGrpSpPr>
+        <p:cNvPr id="1" name="Shape 195"/>
+        <p:cNvGrpSpPr/>
+        <p:nvPr/>
+      </p:nvGrpSpPr>
+      <p:grpSpPr>
+        <a:xfrm>
+          <a:off x="0" y="0"/>
+          <a:ext cx="0" cy="0"/>
+          <a:chOff x="0" y="0"/>
+          <a:chExt cx="0" cy="0"/>
+        </a:xfrm>
+      </p:grpSpPr>
+      <p:sp>
+        <p:nvSpPr>
+          <p:cNvPr id="196" name="Google Shape;196;p2:notes"/>
+          <p:cNvSpPr txBox="1">
+            <a:spLocks noGrp="1"/>
+          </p:cNvSpPr>
+          <p:nvPr>
+            <p:ph type="body" idx="1"/>
+          </p:nvPr>
+        </p:nvSpPr>
+        <p:spPr>
+          <a:xfrm>
+            <a:off x="777225" y="4777725"/>
+            <a:ext cx="6217900" cy="4526275"/>
+          </a:xfrm>
+          <a:prstGeom prst="rect">
+            <a:avLst/>
+          </a:prstGeom>
+          <a:noFill/>
+          <a:ln>
+            <a:noFill/>
+          </a:ln>
+        </p:spPr>
+        <p:txBody>
+          <a:bodyPr spcFirstLastPara="1" wrap="square" lIns="91425" tIns="91425" rIns="91425" bIns="91425" anchor="t" anchorCtr="0">
+            <a:noAutofit/>
+          </a:bodyPr>
+          <a:lstStyle/>
+          <a:p>
+            <a:pPr marL="0" lvl="0" indent="0" algn="l" rtl="0">
+              <a:lnSpc>
+                <a:spcPct val="100000"/>
+              </a:lnSpc>
+              <a:spcBef>
+                <a:spcPts val="0"/>
+              </a:spcBef>
+              <a:spcAft>
+                <a:spcPts val="0"/>
+              </a:spcAft>
+              <a:buSzPts val="1100"/>
+              <a:buNone/>
+            </a:pPr>
+            <a:endParaRPr/>
+          </a:p>
+        </p:txBody>
+      </p:sp>
+      <p:sp>
+        <p:nvSpPr>
+          <p:cNvPr id="197" name="Google Shape;197;p2:notes"/>
+          <p:cNvSpPr>
+            <a:spLocks noGrp="1" noRot="1" noChangeAspect="1"/>
+          </p:cNvSpPr>
+          <p:nvPr>
+            <p:ph type="sldImg" idx="2"/>
+          </p:nvPr>
+        </p:nvSpPr>
+        <p:spPr>
+          <a:xfrm>
+            <a:off x="533400" y="754063"/>
+            <a:ext cx="6705600" cy="3771900"/>
+          </a:xfrm>
+          <a:custGeom>
+            <a:avLst/>
+            <a:gdLst/>
+            <a:ahLst/>
+            <a:cxnLst/>
+            <a:rect l="l" t="t" r="r" b="b"/>
+            <a:pathLst>
+              <a:path w="120000" h="120000" extrusionOk="0">
+                <a:moveTo>
+                  <a:pt x="0" y="0"/>
+                </a:moveTo>
+                <a:lnTo>
+                  <a:pt x="120000" y="0"/>
+                </a:lnTo>
+                <a:lnTo>
+                  <a:pt x="120000" y="120000"/>
+                </a:lnTo>
+                <a:lnTo>
+                  <a:pt x="0" y="120000"/>
+                </a:lnTo>
+                <a:close/>
+              </a:path>
+            </a:pathLst>
+          </a:custGeom>
+          <a:noFill/>
+          <a:ln w="9525" cap="flat" cmpd="sng">
+            <a:solidFill>
+              <a:srgbClr val="000000"/>
+            </a:solidFill>
+            <a:prstDash val="solid"/>
+            <a:round/>
+            <a:headEnd type="none" w="sm" len="sm"/>
+            <a:tailEnd type="none" w="sm" len="sm"/>
+          </a:ln>
+        </p:spPr>
+      </p:sp>
+    </p:spTree>
+    <p:extLst>
+      <p:ext uri="{BB962C8B-B14F-4D97-AF65-F5344CB8AC3E}">
+        <p14:creationId xmlns:p14="http://schemas.microsoft.com/office/powerpoint/2010/main" val="3602396715"/>
+      </p:ext>
+    </p:extLst>
+  </p:cSld>
+  <p:clrMapOvr>
+    <a:masterClrMapping/>
+  </p:clrMapOvr>
+</p:notes>
+</file>
+
 <file path=ppt/notesSlides/notesSlide2.xml><?xml version="1.0" encoding="utf-8"?>
 <p:notes xmlns:a="http://schemas.openxmlformats.org/drawingml/2006/main" xmlns:r="http://schemas.openxmlformats.org/officeDocument/2006/relationships" xmlns:p="http://schemas.openxmlformats.org/presentationml/2006/main" showMasterSp="0" showMasterPhAnim="0">
   <p:cSld>
@@ -1586,6 +1717,387 @@
 </p:notes>
 </file>
 
+<file path=ppt/notesSlides/notesSlide7.xml><?xml version="1.0" encoding="utf-8"?>
+<p:notes xmlns:a="http://schemas.openxmlformats.org/drawingml/2006/main" xmlns:r="http://schemas.openxmlformats.org/officeDocument/2006/relationships" xmlns:p="http://schemas.openxmlformats.org/presentationml/2006/main" showMasterSp="0" showMasterPhAnim="0">
+  <p:cSld>
+    <p:spTree>
+      <p:nvGrpSpPr>
+        <p:cNvPr id="1" name="Shape 195"/>
+        <p:cNvGrpSpPr/>
+        <p:nvPr/>
+      </p:nvGrpSpPr>
+      <p:grpSpPr>
+        <a:xfrm>
+          <a:off x="0" y="0"/>
+          <a:ext cx="0" cy="0"/>
+          <a:chOff x="0" y="0"/>
+          <a:chExt cx="0" cy="0"/>
+        </a:xfrm>
+      </p:grpSpPr>
+      <p:sp>
+        <p:nvSpPr>
+          <p:cNvPr id="196" name="Google Shape;196;p2:notes"/>
+          <p:cNvSpPr txBox="1">
+            <a:spLocks noGrp="1"/>
+          </p:cNvSpPr>
+          <p:nvPr>
+            <p:ph type="body" idx="1"/>
+          </p:nvPr>
+        </p:nvSpPr>
+        <p:spPr>
+          <a:xfrm>
+            <a:off x="777225" y="4777725"/>
+            <a:ext cx="6217900" cy="4526275"/>
+          </a:xfrm>
+          <a:prstGeom prst="rect">
+            <a:avLst/>
+          </a:prstGeom>
+          <a:noFill/>
+          <a:ln>
+            <a:noFill/>
+          </a:ln>
+        </p:spPr>
+        <p:txBody>
+          <a:bodyPr spcFirstLastPara="1" wrap="square" lIns="91425" tIns="91425" rIns="91425" bIns="91425" anchor="t" anchorCtr="0">
+            <a:noAutofit/>
+          </a:bodyPr>
+          <a:lstStyle/>
+          <a:p>
+            <a:pPr marL="0" lvl="0" indent="0" algn="l" rtl="0">
+              <a:lnSpc>
+                <a:spcPct val="100000"/>
+              </a:lnSpc>
+              <a:spcBef>
+                <a:spcPts val="0"/>
+              </a:spcBef>
+              <a:spcAft>
+                <a:spcPts val="0"/>
+              </a:spcAft>
+              <a:buSzPts val="1100"/>
+              <a:buNone/>
+            </a:pPr>
+            <a:endParaRPr/>
+          </a:p>
+        </p:txBody>
+      </p:sp>
+      <p:sp>
+        <p:nvSpPr>
+          <p:cNvPr id="197" name="Google Shape;197;p2:notes"/>
+          <p:cNvSpPr>
+            <a:spLocks noGrp="1" noRot="1" noChangeAspect="1"/>
+          </p:cNvSpPr>
+          <p:nvPr>
+            <p:ph type="sldImg" idx="2"/>
+          </p:nvPr>
+        </p:nvSpPr>
+        <p:spPr>
+          <a:xfrm>
+            <a:off x="533400" y="754063"/>
+            <a:ext cx="6705600" cy="3771900"/>
+          </a:xfrm>
+          <a:custGeom>
+            <a:avLst/>
+            <a:gdLst/>
+            <a:ahLst/>
+            <a:cxnLst/>
+            <a:rect l="l" t="t" r="r" b="b"/>
+            <a:pathLst>
+              <a:path w="120000" h="120000" extrusionOk="0">
+                <a:moveTo>
+                  <a:pt x="0" y="0"/>
+                </a:moveTo>
+                <a:lnTo>
+                  <a:pt x="120000" y="0"/>
+                </a:lnTo>
+                <a:lnTo>
+                  <a:pt x="120000" y="120000"/>
+                </a:lnTo>
+                <a:lnTo>
+                  <a:pt x="0" y="120000"/>
+                </a:lnTo>
+                <a:close/>
+              </a:path>
+            </a:pathLst>
+          </a:custGeom>
+          <a:noFill/>
+          <a:ln w="9525" cap="flat" cmpd="sng">
+            <a:solidFill>
+              <a:srgbClr val="000000"/>
+            </a:solidFill>
+            <a:prstDash val="solid"/>
+            <a:round/>
+            <a:headEnd type="none" w="sm" len="sm"/>
+            <a:tailEnd type="none" w="sm" len="sm"/>
+          </a:ln>
+        </p:spPr>
+      </p:sp>
+    </p:spTree>
+    <p:extLst>
+      <p:ext uri="{BB962C8B-B14F-4D97-AF65-F5344CB8AC3E}">
+        <p14:creationId xmlns:p14="http://schemas.microsoft.com/office/powerpoint/2010/main" val="1193128346"/>
+      </p:ext>
+    </p:extLst>
+  </p:cSld>
+  <p:clrMapOvr>
+    <a:masterClrMapping/>
+  </p:clrMapOvr>
+</p:notes>
+</file>
+
+<file path=ppt/notesSlides/notesSlide8.xml><?xml version="1.0" encoding="utf-8"?>
+<p:notes xmlns:a="http://schemas.openxmlformats.org/drawingml/2006/main" xmlns:r="http://schemas.openxmlformats.org/officeDocument/2006/relationships" xmlns:p="http://schemas.openxmlformats.org/presentationml/2006/main" showMasterSp="0" showMasterPhAnim="0">
+  <p:cSld>
+    <p:spTree>
+      <p:nvGrpSpPr>
+        <p:cNvPr id="1" name="Shape 195"/>
+        <p:cNvGrpSpPr/>
+        <p:nvPr/>
+      </p:nvGrpSpPr>
+      <p:grpSpPr>
+        <a:xfrm>
+          <a:off x="0" y="0"/>
+          <a:ext cx="0" cy="0"/>
+          <a:chOff x="0" y="0"/>
+          <a:chExt cx="0" cy="0"/>
+        </a:xfrm>
+      </p:grpSpPr>
+      <p:sp>
+        <p:nvSpPr>
+          <p:cNvPr id="196" name="Google Shape;196;p2:notes"/>
+          <p:cNvSpPr txBox="1">
+            <a:spLocks noGrp="1"/>
+          </p:cNvSpPr>
+          <p:nvPr>
+            <p:ph type="body" idx="1"/>
+          </p:nvPr>
+        </p:nvSpPr>
+        <p:spPr>
+          <a:xfrm>
+            <a:off x="777225" y="4777725"/>
+            <a:ext cx="6217900" cy="4526275"/>
+          </a:xfrm>
+          <a:prstGeom prst="rect">
+            <a:avLst/>
+          </a:prstGeom>
+          <a:noFill/>
+          <a:ln>
+            <a:noFill/>
+          </a:ln>
+        </p:spPr>
+        <p:txBody>
+          <a:bodyPr spcFirstLastPara="1" wrap="square" lIns="91425" tIns="91425" rIns="91425" bIns="91425" anchor="t" anchorCtr="0">
+            <a:noAutofit/>
+          </a:bodyPr>
+          <a:lstStyle/>
+          <a:p>
+            <a:pPr marL="0" lvl="0" indent="0" algn="l" rtl="0">
+              <a:lnSpc>
+                <a:spcPct val="100000"/>
+              </a:lnSpc>
+              <a:spcBef>
+                <a:spcPts val="0"/>
+              </a:spcBef>
+              <a:spcAft>
+                <a:spcPts val="0"/>
+              </a:spcAft>
+              <a:buSzPts val="1100"/>
+              <a:buNone/>
+            </a:pPr>
+            <a:endParaRPr/>
+          </a:p>
+        </p:txBody>
+      </p:sp>
+      <p:sp>
+        <p:nvSpPr>
+          <p:cNvPr id="197" name="Google Shape;197;p2:notes"/>
+          <p:cNvSpPr>
+            <a:spLocks noGrp="1" noRot="1" noChangeAspect="1"/>
+          </p:cNvSpPr>
+          <p:nvPr>
+            <p:ph type="sldImg" idx="2"/>
+          </p:nvPr>
+        </p:nvSpPr>
+        <p:spPr>
+          <a:xfrm>
+            <a:off x="533400" y="754063"/>
+            <a:ext cx="6705600" cy="3771900"/>
+          </a:xfrm>
+          <a:custGeom>
+            <a:avLst/>
+            <a:gdLst/>
+            <a:ahLst/>
+            <a:cxnLst/>
+            <a:rect l="l" t="t" r="r" b="b"/>
+            <a:pathLst>
+              <a:path w="120000" h="120000" extrusionOk="0">
+                <a:moveTo>
+                  <a:pt x="0" y="0"/>
+                </a:moveTo>
+                <a:lnTo>
+                  <a:pt x="120000" y="0"/>
+                </a:lnTo>
+                <a:lnTo>
+                  <a:pt x="120000" y="120000"/>
+                </a:lnTo>
+                <a:lnTo>
+                  <a:pt x="0" y="120000"/>
+                </a:lnTo>
+                <a:close/>
+              </a:path>
+            </a:pathLst>
+          </a:custGeom>
+          <a:noFill/>
+          <a:ln w="9525" cap="flat" cmpd="sng">
+            <a:solidFill>
+              <a:srgbClr val="000000"/>
+            </a:solidFill>
+            <a:prstDash val="solid"/>
+            <a:round/>
+            <a:headEnd type="none" w="sm" len="sm"/>
+            <a:tailEnd type="none" w="sm" len="sm"/>
+          </a:ln>
+        </p:spPr>
+      </p:sp>
+    </p:spTree>
+    <p:extLst>
+      <p:ext uri="{BB962C8B-B14F-4D97-AF65-F5344CB8AC3E}">
+        <p14:creationId xmlns:p14="http://schemas.microsoft.com/office/powerpoint/2010/main" val="3514556701"/>
+      </p:ext>
+    </p:extLst>
+  </p:cSld>
+  <p:clrMapOvr>
+    <a:masterClrMapping/>
+  </p:clrMapOvr>
+</p:notes>
+</file>
+
+<file path=ppt/notesSlides/notesSlide9.xml><?xml version="1.0" encoding="utf-8"?>
+<p:notes xmlns:a="http://schemas.openxmlformats.org/drawingml/2006/main" xmlns:r="http://schemas.openxmlformats.org/officeDocument/2006/relationships" xmlns:p="http://schemas.openxmlformats.org/presentationml/2006/main" showMasterSp="0" showMasterPhAnim="0">
+  <p:cSld>
+    <p:spTree>
+      <p:nvGrpSpPr>
+        <p:cNvPr id="1" name="Shape 195"/>
+        <p:cNvGrpSpPr/>
+        <p:nvPr/>
+      </p:nvGrpSpPr>
+      <p:grpSpPr>
+        <a:xfrm>
+          <a:off x="0" y="0"/>
+          <a:ext cx="0" cy="0"/>
+          <a:chOff x="0" y="0"/>
+          <a:chExt cx="0" cy="0"/>
+        </a:xfrm>
+      </p:grpSpPr>
+      <p:sp>
+        <p:nvSpPr>
+          <p:cNvPr id="196" name="Google Shape;196;p2:notes"/>
+          <p:cNvSpPr txBox="1">
+            <a:spLocks noGrp="1"/>
+          </p:cNvSpPr>
+          <p:nvPr>
+            <p:ph type="body" idx="1"/>
+          </p:nvPr>
+        </p:nvSpPr>
+        <p:spPr>
+          <a:xfrm>
+            <a:off x="777225" y="4777725"/>
+            <a:ext cx="6217900" cy="4526275"/>
+          </a:xfrm>
+          <a:prstGeom prst="rect">
+            <a:avLst/>
+          </a:prstGeom>
+          <a:noFill/>
+          <a:ln>
+            <a:noFill/>
+          </a:ln>
+        </p:spPr>
+        <p:txBody>
+          <a:bodyPr spcFirstLastPara="1" wrap="square" lIns="91425" tIns="91425" rIns="91425" bIns="91425" anchor="t" anchorCtr="0">
+            <a:noAutofit/>
+          </a:bodyPr>
+          <a:lstStyle/>
+          <a:p>
+            <a:pPr marL="0" lvl="0" indent="0" algn="l" rtl="0">
+              <a:lnSpc>
+                <a:spcPct val="100000"/>
+              </a:lnSpc>
+              <a:spcBef>
+                <a:spcPts val="0"/>
+              </a:spcBef>
+              <a:spcAft>
+                <a:spcPts val="0"/>
+              </a:spcAft>
+              <a:buSzPts val="1100"/>
+              <a:buNone/>
+            </a:pPr>
+            <a:endParaRPr/>
+          </a:p>
+        </p:txBody>
+      </p:sp>
+      <p:sp>
+        <p:nvSpPr>
+          <p:cNvPr id="197" name="Google Shape;197;p2:notes"/>
+          <p:cNvSpPr>
+            <a:spLocks noGrp="1" noRot="1" noChangeAspect="1"/>
+          </p:cNvSpPr>
+          <p:nvPr>
+            <p:ph type="sldImg" idx="2"/>
+          </p:nvPr>
+        </p:nvSpPr>
+        <p:spPr>
+          <a:xfrm>
+            <a:off x="533400" y="754063"/>
+            <a:ext cx="6705600" cy="3771900"/>
+          </a:xfrm>
+          <a:custGeom>
+            <a:avLst/>
+            <a:gdLst/>
+            <a:ahLst/>
+            <a:cxnLst/>
+            <a:rect l="l" t="t" r="r" b="b"/>
+            <a:pathLst>
+              <a:path w="120000" h="120000" extrusionOk="0">
+                <a:moveTo>
+                  <a:pt x="0" y="0"/>
+                </a:moveTo>
+                <a:lnTo>
+                  <a:pt x="120000" y="0"/>
+                </a:lnTo>
+                <a:lnTo>
+                  <a:pt x="120000" y="120000"/>
+                </a:lnTo>
+                <a:lnTo>
+                  <a:pt x="0" y="120000"/>
+                </a:lnTo>
+                <a:close/>
+              </a:path>
+            </a:pathLst>
+          </a:custGeom>
+          <a:noFill/>
+          <a:ln w="9525" cap="flat" cmpd="sng">
+            <a:solidFill>
+              <a:srgbClr val="000000"/>
+            </a:solidFill>
+            <a:prstDash val="solid"/>
+            <a:round/>
+            <a:headEnd type="none" w="sm" len="sm"/>
+            <a:tailEnd type="none" w="sm" len="sm"/>
+          </a:ln>
+        </p:spPr>
+      </p:sp>
+    </p:spTree>
+    <p:extLst>
+      <p:ext uri="{BB962C8B-B14F-4D97-AF65-F5344CB8AC3E}">
+        <p14:creationId xmlns:p14="http://schemas.microsoft.com/office/powerpoint/2010/main" val="2160690811"/>
+      </p:ext>
+    </p:extLst>
+  </p:cSld>
+  <p:clrMapOvr>
+    <a:masterClrMapping/>
+  </p:clrMapOvr>
+</p:notes>
+</file>
+
 <file path=ppt/slideLayouts/slideLayout1.xml><?xml version="1.0" encoding="utf-8"?>
 <p:sldLayout xmlns:a="http://schemas.openxmlformats.org/drawingml/2006/main" xmlns:r="http://schemas.openxmlformats.org/officeDocument/2006/relationships" xmlns:p="http://schemas.openxmlformats.org/presentationml/2006/main" matchingName="Title Slide" type="tx">
   <p:cSld name="TITLE_AND_BODY">
@@ -4432,351 +4944,6 @@
 </file>
 
 <file path=ppt/slideLayouts/slideLayout14.xml><?xml version="1.0" encoding="utf-8"?>
-<p:sldLayout xmlns:a="http://schemas.openxmlformats.org/drawingml/2006/main" xmlns:r="http://schemas.openxmlformats.org/officeDocument/2006/relationships" xmlns:p="http://schemas.openxmlformats.org/presentationml/2006/main" matchingName="Title Slide" type="tx">
-  <p:cSld name="TITLE_AND_BODY">
-    <p:spTree>
-      <p:nvGrpSpPr>
-        <p:cNvPr id="1" name="Shape 63"/>
-        <p:cNvGrpSpPr/>
-        <p:nvPr/>
-      </p:nvGrpSpPr>
-      <p:grpSpPr>
-        <a:xfrm>
-          <a:off x="0" y="0"/>
-          <a:ext cx="0" cy="0"/>
-          <a:chOff x="0" y="0"/>
-          <a:chExt cx="0" cy="0"/>
-        </a:xfrm>
-      </p:grpSpPr>
-      <p:sp>
-        <p:nvSpPr>
-          <p:cNvPr id="64" name="Google Shape;64;p30"/>
-          <p:cNvSpPr txBox="1">
-            <a:spLocks noGrp="1"/>
-          </p:cNvSpPr>
-          <p:nvPr>
-            <p:ph type="title"/>
-          </p:nvPr>
-        </p:nvSpPr>
-        <p:spPr>
-          <a:xfrm>
-            <a:off x="1523880" y="1122480"/>
-            <a:ext cx="9143640" cy="2387160"/>
-          </a:xfrm>
-          <a:prstGeom prst="rect">
-            <a:avLst/>
-          </a:prstGeom>
-          <a:noFill/>
-          <a:ln>
-            <a:noFill/>
-          </a:ln>
-        </p:spPr>
-        <p:txBody>
-          <a:bodyPr spcFirstLastPara="1" wrap="square" lIns="0" tIns="0" rIns="0" bIns="0" anchor="ctr" anchorCtr="0">
-            <a:noAutofit/>
-          </a:bodyPr>
-          <a:lstStyle>
-            <a:lvl1pPr lvl="0" algn="l">
-              <a:lnSpc>
-                <a:spcPct val="100000"/>
-              </a:lnSpc>
-              <a:spcBef>
-                <a:spcPts val="0"/>
-              </a:spcBef>
-              <a:spcAft>
-                <a:spcPts val="0"/>
-              </a:spcAft>
-              <a:buSzPts val="1400"/>
-              <a:buNone/>
-              <a:defRPr/>
-            </a:lvl1pPr>
-            <a:lvl2pPr lvl="1" algn="l">
-              <a:lnSpc>
-                <a:spcPct val="100000"/>
-              </a:lnSpc>
-              <a:spcBef>
-                <a:spcPts val="0"/>
-              </a:spcBef>
-              <a:spcAft>
-                <a:spcPts val="0"/>
-              </a:spcAft>
-              <a:buSzPts val="1400"/>
-              <a:buNone/>
-              <a:defRPr/>
-            </a:lvl2pPr>
-            <a:lvl3pPr lvl="2" algn="l">
-              <a:lnSpc>
-                <a:spcPct val="100000"/>
-              </a:lnSpc>
-              <a:spcBef>
-                <a:spcPts val="0"/>
-              </a:spcBef>
-              <a:spcAft>
-                <a:spcPts val="0"/>
-              </a:spcAft>
-              <a:buSzPts val="1400"/>
-              <a:buNone/>
-              <a:defRPr/>
-            </a:lvl3pPr>
-            <a:lvl4pPr lvl="3" algn="l">
-              <a:lnSpc>
-                <a:spcPct val="100000"/>
-              </a:lnSpc>
-              <a:spcBef>
-                <a:spcPts val="0"/>
-              </a:spcBef>
-              <a:spcAft>
-                <a:spcPts val="0"/>
-              </a:spcAft>
-              <a:buSzPts val="1400"/>
-              <a:buNone/>
-              <a:defRPr/>
-            </a:lvl4pPr>
-            <a:lvl5pPr lvl="4" algn="l">
-              <a:lnSpc>
-                <a:spcPct val="100000"/>
-              </a:lnSpc>
-              <a:spcBef>
-                <a:spcPts val="0"/>
-              </a:spcBef>
-              <a:spcAft>
-                <a:spcPts val="0"/>
-              </a:spcAft>
-              <a:buSzPts val="1400"/>
-              <a:buNone/>
-              <a:defRPr/>
-            </a:lvl5pPr>
-            <a:lvl6pPr lvl="5" algn="l">
-              <a:lnSpc>
-                <a:spcPct val="100000"/>
-              </a:lnSpc>
-              <a:spcBef>
-                <a:spcPts val="0"/>
-              </a:spcBef>
-              <a:spcAft>
-                <a:spcPts val="0"/>
-              </a:spcAft>
-              <a:buSzPts val="1400"/>
-              <a:buNone/>
-              <a:defRPr/>
-            </a:lvl6pPr>
-            <a:lvl7pPr lvl="6" algn="l">
-              <a:lnSpc>
-                <a:spcPct val="100000"/>
-              </a:lnSpc>
-              <a:spcBef>
-                <a:spcPts val="0"/>
-              </a:spcBef>
-              <a:spcAft>
-                <a:spcPts val="0"/>
-              </a:spcAft>
-              <a:buSzPts val="1400"/>
-              <a:buNone/>
-              <a:defRPr/>
-            </a:lvl7pPr>
-            <a:lvl8pPr lvl="7" algn="l">
-              <a:lnSpc>
-                <a:spcPct val="100000"/>
-              </a:lnSpc>
-              <a:spcBef>
-                <a:spcPts val="0"/>
-              </a:spcBef>
-              <a:spcAft>
-                <a:spcPts val="0"/>
-              </a:spcAft>
-              <a:buSzPts val="1400"/>
-              <a:buNone/>
-              <a:defRPr/>
-            </a:lvl8pPr>
-            <a:lvl9pPr lvl="8" algn="l">
-              <a:lnSpc>
-                <a:spcPct val="100000"/>
-              </a:lnSpc>
-              <a:spcBef>
-                <a:spcPts val="0"/>
-              </a:spcBef>
-              <a:spcAft>
-                <a:spcPts val="0"/>
-              </a:spcAft>
-              <a:buSzPts val="1400"/>
-              <a:buNone/>
-              <a:defRPr/>
-            </a:lvl9pPr>
-          </a:lstStyle>
-          <a:p>
-            <a:endParaRPr/>
-          </a:p>
-        </p:txBody>
-      </p:sp>
-      <p:sp>
-        <p:nvSpPr>
-          <p:cNvPr id="65" name="Google Shape;65;p30"/>
-          <p:cNvSpPr txBox="1">
-            <a:spLocks noGrp="1"/>
-          </p:cNvSpPr>
-          <p:nvPr>
-            <p:ph type="subTitle" idx="1"/>
-          </p:nvPr>
-        </p:nvSpPr>
-        <p:spPr>
-          <a:xfrm>
-            <a:off x="609480" y="1604520"/>
-            <a:ext cx="10972440" cy="3977280"/>
-          </a:xfrm>
-          <a:prstGeom prst="rect">
-            <a:avLst/>
-          </a:prstGeom>
-          <a:noFill/>
-          <a:ln>
-            <a:noFill/>
-          </a:ln>
-        </p:spPr>
-        <p:txBody>
-          <a:bodyPr spcFirstLastPara="1" wrap="square" lIns="0" tIns="0" rIns="0" bIns="0" anchor="ctr" anchorCtr="0">
-            <a:noAutofit/>
-          </a:bodyPr>
-          <a:lstStyle>
-            <a:lvl1pPr lvl="0" algn="l">
-              <a:lnSpc>
-                <a:spcPct val="100000"/>
-              </a:lnSpc>
-              <a:spcBef>
-                <a:spcPts val="0"/>
-              </a:spcBef>
-              <a:spcAft>
-                <a:spcPts val="0"/>
-              </a:spcAft>
-              <a:buSzPts val="1400"/>
-              <a:buNone/>
-              <a:defRPr/>
-            </a:lvl1pPr>
-            <a:lvl2pPr lvl="1" algn="l">
-              <a:lnSpc>
-                <a:spcPct val="100000"/>
-              </a:lnSpc>
-              <a:spcBef>
-                <a:spcPts val="0"/>
-              </a:spcBef>
-              <a:spcAft>
-                <a:spcPts val="0"/>
-              </a:spcAft>
-              <a:buSzPts val="1400"/>
-              <a:buNone/>
-              <a:defRPr/>
-            </a:lvl2pPr>
-            <a:lvl3pPr lvl="2" algn="l">
-              <a:lnSpc>
-                <a:spcPct val="100000"/>
-              </a:lnSpc>
-              <a:spcBef>
-                <a:spcPts val="0"/>
-              </a:spcBef>
-              <a:spcAft>
-                <a:spcPts val="0"/>
-              </a:spcAft>
-              <a:buSzPts val="1400"/>
-              <a:buNone/>
-              <a:defRPr/>
-            </a:lvl3pPr>
-            <a:lvl4pPr lvl="3" algn="l">
-              <a:lnSpc>
-                <a:spcPct val="100000"/>
-              </a:lnSpc>
-              <a:spcBef>
-                <a:spcPts val="0"/>
-              </a:spcBef>
-              <a:spcAft>
-                <a:spcPts val="0"/>
-              </a:spcAft>
-              <a:buSzPts val="1400"/>
-              <a:buNone/>
-              <a:defRPr/>
-            </a:lvl4pPr>
-            <a:lvl5pPr lvl="4" algn="l">
-              <a:lnSpc>
-                <a:spcPct val="100000"/>
-              </a:lnSpc>
-              <a:spcBef>
-                <a:spcPts val="0"/>
-              </a:spcBef>
-              <a:spcAft>
-                <a:spcPts val="0"/>
-              </a:spcAft>
-              <a:buSzPts val="1400"/>
-              <a:buNone/>
-              <a:defRPr/>
-            </a:lvl5pPr>
-            <a:lvl6pPr lvl="5" algn="l">
-              <a:lnSpc>
-                <a:spcPct val="100000"/>
-              </a:lnSpc>
-              <a:spcBef>
-                <a:spcPts val="0"/>
-              </a:spcBef>
-              <a:spcAft>
-                <a:spcPts val="0"/>
-              </a:spcAft>
-              <a:buSzPts val="1400"/>
-              <a:buNone/>
-              <a:defRPr/>
-            </a:lvl6pPr>
-            <a:lvl7pPr lvl="6" algn="l">
-              <a:lnSpc>
-                <a:spcPct val="100000"/>
-              </a:lnSpc>
-              <a:spcBef>
-                <a:spcPts val="0"/>
-              </a:spcBef>
-              <a:spcAft>
-                <a:spcPts val="0"/>
-              </a:spcAft>
-              <a:buSzPts val="1400"/>
-              <a:buNone/>
-              <a:defRPr/>
-            </a:lvl7pPr>
-            <a:lvl8pPr lvl="7" algn="l">
-              <a:lnSpc>
-                <a:spcPct val="100000"/>
-              </a:lnSpc>
-              <a:spcBef>
-                <a:spcPts val="0"/>
-              </a:spcBef>
-              <a:spcAft>
-                <a:spcPts val="0"/>
-              </a:spcAft>
-              <a:buSzPts val="1400"/>
-              <a:buNone/>
-              <a:defRPr/>
-            </a:lvl8pPr>
-            <a:lvl9pPr lvl="8" algn="l">
-              <a:lnSpc>
-                <a:spcPct val="100000"/>
-              </a:lnSpc>
-              <a:spcBef>
-                <a:spcPts val="0"/>
-              </a:spcBef>
-              <a:spcAft>
-                <a:spcPts val="0"/>
-              </a:spcAft>
-              <a:buSzPts val="1400"/>
-              <a:buNone/>
-              <a:defRPr/>
-            </a:lvl9pPr>
-          </a:lstStyle>
-          <a:p>
-            <a:endParaRPr/>
-          </a:p>
-        </p:txBody>
-      </p:sp>
-    </p:spTree>
-  </p:cSld>
-  <p:clrMapOvr>
-    <a:masterClrMapping/>
-  </p:clrMapOvr>
-</p:sldLayout>
-</file>
-
-<file path=ppt/slideLayouts/slideLayout15.xml><?xml version="1.0" encoding="utf-8"?>
 <p:sldLayout xmlns:a="http://schemas.openxmlformats.org/drawingml/2006/main" xmlns:r="http://schemas.openxmlformats.org/officeDocument/2006/relationships" xmlns:p="http://schemas.openxmlformats.org/presentationml/2006/main" matchingName="Title, Content" type="obj">
   <p:cSld name="OBJECT">
     <p:spTree>
@@ -5121,7 +5288,7 @@
 </p:sldLayout>
 </file>
 
-<file path=ppt/slideLayouts/slideLayout16.xml><?xml version="1.0" encoding="utf-8"?>
+<file path=ppt/slideLayouts/slideLayout15.xml><?xml version="1.0" encoding="utf-8"?>
 <p:sldLayout xmlns:a="http://schemas.openxmlformats.org/drawingml/2006/main" xmlns:r="http://schemas.openxmlformats.org/officeDocument/2006/relationships" xmlns:p="http://schemas.openxmlformats.org/presentationml/2006/main" matchingName="Title, 2 Content" type="twoObj">
   <p:cSld name="TWO_OBJECTS">
     <p:spTree>
@@ -5626,7 +5793,7 @@
 </p:sldLayout>
 </file>
 
-<file path=ppt/slideLayouts/slideLayout17.xml><?xml version="1.0" encoding="utf-8"?>
+<file path=ppt/slideLayouts/slideLayout16.xml><?xml version="1.0" encoding="utf-8"?>
 <p:sldLayout xmlns:a="http://schemas.openxmlformats.org/drawingml/2006/main" xmlns:r="http://schemas.openxmlformats.org/officeDocument/2006/relationships" xmlns:p="http://schemas.openxmlformats.org/presentationml/2006/main" matchingName="Title Only" type="titleOnly">
   <p:cSld name="TITLE_ONLY">
     <p:spTree>
@@ -5811,7 +5978,7 @@
 </p:sldLayout>
 </file>
 
-<file path=ppt/slideLayouts/slideLayout18.xml><?xml version="1.0" encoding="utf-8"?>
+<file path=ppt/slideLayouts/slideLayout17.xml><?xml version="1.0" encoding="utf-8"?>
 <p:sldLayout xmlns:a="http://schemas.openxmlformats.org/drawingml/2006/main" xmlns:r="http://schemas.openxmlformats.org/officeDocument/2006/relationships" xmlns:p="http://schemas.openxmlformats.org/presentationml/2006/main" matchingName="Centered Text" type="objOnly">
   <p:cSld name="OBJECT_ONLY">
     <p:spTree>
@@ -5996,7 +6163,7 @@
 </p:sldLayout>
 </file>
 
-<file path=ppt/slideLayouts/slideLayout19.xml><?xml version="1.0" encoding="utf-8"?>
+<file path=ppt/slideLayouts/slideLayout18.xml><?xml version="1.0" encoding="utf-8"?>
 <p:sldLayout xmlns:a="http://schemas.openxmlformats.org/drawingml/2006/main" xmlns:r="http://schemas.openxmlformats.org/officeDocument/2006/relationships" xmlns:p="http://schemas.openxmlformats.org/presentationml/2006/main" matchingName="Title, 2 Content and Content" type="twoObjAndObj">
   <p:cSld name="TWO_OBJECTS_AND_OBJECT">
     <p:spTree>
@@ -6661,32 +6828,7 @@
 </p:sldLayout>
 </file>
 
-<file path=ppt/slideLayouts/slideLayout2.xml><?xml version="1.0" encoding="utf-8"?>
-<p:sldLayout xmlns:a="http://schemas.openxmlformats.org/drawingml/2006/main" xmlns:r="http://schemas.openxmlformats.org/officeDocument/2006/relationships" xmlns:p="http://schemas.openxmlformats.org/presentationml/2006/main" matchingName="Blank Slide" type="blank">
-  <p:cSld name="BLANK">
-    <p:spTree>
-      <p:nvGrpSpPr>
-        <p:cNvPr id="1" name="Shape 14"/>
-        <p:cNvGrpSpPr/>
-        <p:nvPr/>
-      </p:nvGrpSpPr>
-      <p:grpSpPr>
-        <a:xfrm>
-          <a:off x="0" y="0"/>
-          <a:ext cx="0" cy="0"/>
-          <a:chOff x="0" y="0"/>
-          <a:chExt cx="0" cy="0"/>
-        </a:xfrm>
-      </p:grpSpPr>
-    </p:spTree>
-  </p:cSld>
-  <p:clrMapOvr>
-    <a:masterClrMapping/>
-  </p:clrMapOvr>
-</p:sldLayout>
-</file>
-
-<file path=ppt/slideLayouts/slideLayout20.xml><?xml version="1.0" encoding="utf-8"?>
+<file path=ppt/slideLayouts/slideLayout19.xml><?xml version="1.0" encoding="utf-8"?>
 <p:sldLayout xmlns:a="http://schemas.openxmlformats.org/drawingml/2006/main" xmlns:r="http://schemas.openxmlformats.org/officeDocument/2006/relationships" xmlns:p="http://schemas.openxmlformats.org/presentationml/2006/main" matchingName="Title Content and 2 Content" type="objAndTwoObj">
   <p:cSld name="OBJECT_AND_TWO_OBJECTS">
     <p:spTree>
@@ -7351,7 +7493,32 @@
 </p:sldLayout>
 </file>
 
-<file path=ppt/slideLayouts/slideLayout21.xml><?xml version="1.0" encoding="utf-8"?>
+<file path=ppt/slideLayouts/slideLayout2.xml><?xml version="1.0" encoding="utf-8"?>
+<p:sldLayout xmlns:a="http://schemas.openxmlformats.org/drawingml/2006/main" xmlns:r="http://schemas.openxmlformats.org/officeDocument/2006/relationships" xmlns:p="http://schemas.openxmlformats.org/presentationml/2006/main" matchingName="Blank Slide" type="blank">
+  <p:cSld name="BLANK">
+    <p:spTree>
+      <p:nvGrpSpPr>
+        <p:cNvPr id="1" name="Shape 14"/>
+        <p:cNvGrpSpPr/>
+        <p:nvPr/>
+      </p:nvGrpSpPr>
+      <p:grpSpPr>
+        <a:xfrm>
+          <a:off x="0" y="0"/>
+          <a:ext cx="0" cy="0"/>
+          <a:chOff x="0" y="0"/>
+          <a:chExt cx="0" cy="0"/>
+        </a:xfrm>
+      </p:grpSpPr>
+    </p:spTree>
+  </p:cSld>
+  <p:clrMapOvr>
+    <a:masterClrMapping/>
+  </p:clrMapOvr>
+</p:sldLayout>
+</file>
+
+<file path=ppt/slideLayouts/slideLayout20.xml><?xml version="1.0" encoding="utf-8"?>
 <p:sldLayout xmlns:a="http://schemas.openxmlformats.org/drawingml/2006/main" xmlns:r="http://schemas.openxmlformats.org/officeDocument/2006/relationships" xmlns:p="http://schemas.openxmlformats.org/presentationml/2006/main" matchingName="Title, 2 Content over Content" type="twoObjOverTx">
   <p:cSld name="TWO_OBJECTS_OVER_TEXT">
     <p:spTree>
@@ -8016,7 +8183,7 @@
 </p:sldLayout>
 </file>
 
-<file path=ppt/slideLayouts/slideLayout22.xml><?xml version="1.0" encoding="utf-8"?>
+<file path=ppt/slideLayouts/slideLayout21.xml><?xml version="1.0" encoding="utf-8"?>
 <p:sldLayout xmlns:a="http://schemas.openxmlformats.org/drawingml/2006/main" xmlns:r="http://schemas.openxmlformats.org/officeDocument/2006/relationships" xmlns:p="http://schemas.openxmlformats.org/presentationml/2006/main" matchingName="Title, Content over Content" type="objOverTx">
   <p:cSld name="OBJECT_OVER_TEXT">
     <p:spTree>
@@ -8521,7 +8688,7 @@
 </p:sldLayout>
 </file>
 
-<file path=ppt/slideLayouts/slideLayout23.xml><?xml version="1.0" encoding="utf-8"?>
+<file path=ppt/slideLayouts/slideLayout22.xml><?xml version="1.0" encoding="utf-8"?>
 <p:sldLayout xmlns:a="http://schemas.openxmlformats.org/drawingml/2006/main" xmlns:r="http://schemas.openxmlformats.org/officeDocument/2006/relationships" xmlns:p="http://schemas.openxmlformats.org/presentationml/2006/main" matchingName="Title, 4 Content" type="fourObj">
   <p:cSld name="FOUR_OBJECTS">
     <p:spTree>
@@ -9346,7 +9513,7 @@
 </p:sldLayout>
 </file>
 
-<file path=ppt/slideLayouts/slideLayout24.xml><?xml version="1.0" encoding="utf-8"?>
+<file path=ppt/slideLayouts/slideLayout23.xml><?xml version="1.0" encoding="utf-8"?>
 <p:sldLayout xmlns:a="http://schemas.openxmlformats.org/drawingml/2006/main" xmlns:r="http://schemas.openxmlformats.org/officeDocument/2006/relationships" xmlns:p="http://schemas.openxmlformats.org/presentationml/2006/main" matchingName="Title, 6 Content">
   <p:cSld name="Title, 6 Content">
     <p:spTree>
@@ -16368,17 +16535,16 @@
   <p:clrMap bg1="lt1" tx1="dk1" bg2="dk2" tx2="lt2" accent1="accent1" accent2="accent2" accent3="accent3" accent4="accent4" accent5="accent5" accent6="accent6" hlink="hlink" folHlink="folHlink"/>
   <p:sldLayoutIdLst>
     <p:sldLayoutId id="2147483662" r:id="rId1"/>
-    <p:sldLayoutId id="2147483663" r:id="rId2"/>
-    <p:sldLayoutId id="2147483664" r:id="rId3"/>
-    <p:sldLayoutId id="2147483665" r:id="rId4"/>
-    <p:sldLayoutId id="2147483666" r:id="rId5"/>
-    <p:sldLayoutId id="2147483667" r:id="rId6"/>
-    <p:sldLayoutId id="2147483668" r:id="rId7"/>
-    <p:sldLayoutId id="2147483669" r:id="rId8"/>
-    <p:sldLayoutId id="2147483670" r:id="rId9"/>
-    <p:sldLayoutId id="2147483671" r:id="rId10"/>
-    <p:sldLayoutId id="2147483672" r:id="rId11"/>
-    <p:sldLayoutId id="2147483673" r:id="rId12"/>
+    <p:sldLayoutId id="2147483664" r:id="rId2"/>
+    <p:sldLayoutId id="2147483665" r:id="rId3"/>
+    <p:sldLayoutId id="2147483666" r:id="rId4"/>
+    <p:sldLayoutId id="2147483667" r:id="rId5"/>
+    <p:sldLayoutId id="2147483668" r:id="rId6"/>
+    <p:sldLayoutId id="2147483669" r:id="rId7"/>
+    <p:sldLayoutId id="2147483670" r:id="rId8"/>
+    <p:sldLayoutId id="2147483671" r:id="rId9"/>
+    <p:sldLayoutId id="2147483672" r:id="rId10"/>
+    <p:sldLayoutId id="2147483673" r:id="rId11"/>
   </p:sldLayoutIdLst>
   <p:hf sldNum="0" hdr="0" ftr="0" dt="0"/>
   <p:txStyles>
@@ -17291,6 +17457,481 @@
       </p:par>
     </p:tnLst>
   </p:timing>
+</p:sld>
+</file>
+
+<file path=ppt/slides/slide10.xml><?xml version="1.0" encoding="utf-8"?>
+<p:sld xmlns:a="http://schemas.openxmlformats.org/drawingml/2006/main" xmlns:r="http://schemas.openxmlformats.org/officeDocument/2006/relationships" xmlns:p="http://schemas.openxmlformats.org/presentationml/2006/main">
+  <p:cSld>
+    <p:spTree>
+      <p:nvGrpSpPr>
+        <p:cNvPr id="1" name="Shape 198"/>
+        <p:cNvGrpSpPr/>
+        <p:nvPr/>
+      </p:nvGrpSpPr>
+      <p:grpSpPr>
+        <a:xfrm>
+          <a:off x="0" y="0"/>
+          <a:ext cx="0" cy="0"/>
+          <a:chOff x="0" y="0"/>
+          <a:chExt cx="0" cy="0"/>
+        </a:xfrm>
+      </p:grpSpPr>
+      <p:pic>
+        <p:nvPicPr>
+          <p:cNvPr id="199" name="Google Shape;199;p2"/>
+          <p:cNvPicPr preferRelativeResize="0"/>
+          <p:nvPr/>
+        </p:nvPicPr>
+        <p:blipFill rotWithShape="1">
+          <a:blip r:embed="rId3">
+            <a:alphaModFix/>
+          </a:blip>
+          <a:srcRect/>
+          <a:stretch/>
+        </p:blipFill>
+        <p:spPr>
+          <a:xfrm>
+            <a:off x="-186960" y="-40690"/>
+            <a:ext cx="12196080" cy="6855840"/>
+          </a:xfrm>
+          <a:prstGeom prst="rect">
+            <a:avLst/>
+          </a:prstGeom>
+          <a:noFill/>
+          <a:ln>
+            <a:noFill/>
+          </a:ln>
+        </p:spPr>
+      </p:pic>
+      <p:pic>
+        <p:nvPicPr>
+          <p:cNvPr id="216" name="Google Shape;216;p2"/>
+          <p:cNvPicPr preferRelativeResize="0"/>
+          <p:nvPr/>
+        </p:nvPicPr>
+        <p:blipFill rotWithShape="1">
+          <a:blip r:embed="rId4">
+            <a:alphaModFix/>
+          </a:blip>
+          <a:srcRect/>
+          <a:stretch/>
+        </p:blipFill>
+        <p:spPr>
+          <a:xfrm>
+            <a:off x="182880" y="6089760"/>
+            <a:ext cx="621000" cy="621000"/>
+          </a:xfrm>
+          <a:prstGeom prst="rect">
+            <a:avLst/>
+          </a:prstGeom>
+          <a:noFill/>
+          <a:ln>
+            <a:noFill/>
+          </a:ln>
+        </p:spPr>
+      </p:pic>
+      <p:sp>
+        <p:nvSpPr>
+          <p:cNvPr id="217" name="Google Shape;217;p2"/>
+          <p:cNvSpPr/>
+          <p:nvPr/>
+        </p:nvSpPr>
+        <p:spPr>
+          <a:xfrm>
+            <a:off x="815040" y="6160680"/>
+            <a:ext cx="6915240" cy="425160"/>
+          </a:xfrm>
+          <a:prstGeom prst="rect">
+            <a:avLst/>
+          </a:prstGeom>
+          <a:noFill/>
+          <a:ln>
+            <a:noFill/>
+          </a:ln>
+        </p:spPr>
+        <p:txBody>
+          <a:bodyPr spcFirstLastPara="1" wrap="square" lIns="90000" tIns="45000" rIns="90000" bIns="45000" anchor="t" anchorCtr="0">
+            <a:spAutoFit/>
+          </a:bodyPr>
+          <a:lstStyle/>
+          <a:p>
+            <a:pPr marL="0" marR="0" lvl="0" indent="0" algn="l" rtl="0">
+              <a:lnSpc>
+                <a:spcPct val="100000"/>
+              </a:lnSpc>
+              <a:spcBef>
+                <a:spcPts val="0"/>
+              </a:spcBef>
+              <a:spcAft>
+                <a:spcPts val="0"/>
+              </a:spcAft>
+              <a:buClr>
+                <a:srgbClr val="000000"/>
+              </a:buClr>
+              <a:buSzPts val="2200"/>
+              <a:buFont typeface="Arial"/>
+              <a:buNone/>
+            </a:pPr>
+            <a:r>
+              <a:rPr lang="en-US" sz="2200" b="1" i="0" u="none" strike="noStrike" cap="none">
+                <a:solidFill>
+                  <a:srgbClr val="001E33"/>
+                </a:solidFill>
+                <a:uFill>
+                  <a:noFill/>
+                </a:uFill>
+                <a:latin typeface="Arial"/>
+                <a:ea typeface="Arial"/>
+                <a:cs typeface="Arial"/>
+                <a:sym typeface="Arial"/>
+                <a:hlinkClick r:id="rId5">
+                  <a:extLst>
+                    <a:ext uri="{A12FA001-AC4F-418D-AE19-62706E023703}">
+                      <ahyp:hlinkClr xmlns="" xmlns:ahyp="http://schemas.microsoft.com/office/drawing/2018/hyperlinkcolor" val="tx"/>
+                    </a:ext>
+                  </a:extLst>
+                </a:hlinkClick>
+              </a:rPr>
+              <a:t>http://github.com/yourUserName/proyecto/.</a:t>
+            </a:r>
+            <a:r>
+              <a:rPr lang="en-US" sz="2200" b="1" i="0" u="none" strike="noStrike" cap="none">
+                <a:solidFill>
+                  <a:srgbClr val="001E33"/>
+                </a:solidFill>
+                <a:latin typeface="Arial"/>
+                <a:ea typeface="Arial"/>
+                <a:cs typeface="Arial"/>
+                <a:sym typeface="Arial"/>
+              </a:rPr>
+              <a:t>..</a:t>
+            </a:r>
+            <a:endParaRPr sz="2200" b="1" i="0" u="none" strike="noStrike" cap="none">
+              <a:solidFill>
+                <a:srgbClr val="001E33"/>
+              </a:solidFill>
+              <a:latin typeface="Arial"/>
+              <a:ea typeface="Arial"/>
+              <a:cs typeface="Arial"/>
+              <a:sym typeface="Arial"/>
+            </a:endParaRPr>
+          </a:p>
+        </p:txBody>
+      </p:sp>
+      <p:sp>
+        <p:nvSpPr>
+          <p:cNvPr id="222" name="Google Shape;222;p2"/>
+          <p:cNvSpPr/>
+          <p:nvPr/>
+        </p:nvSpPr>
+        <p:spPr>
+          <a:xfrm>
+            <a:off x="7692600" y="6184200"/>
+            <a:ext cx="2932500" cy="516000"/>
+          </a:xfrm>
+          <a:prstGeom prst="rect">
+            <a:avLst/>
+          </a:prstGeom>
+          <a:noFill/>
+          <a:ln>
+            <a:noFill/>
+          </a:ln>
+        </p:spPr>
+        <p:txBody>
+          <a:bodyPr spcFirstLastPara="1" wrap="square" lIns="90000" tIns="45000" rIns="90000" bIns="45000" anchor="t" anchorCtr="0">
+            <a:noAutofit/>
+          </a:bodyPr>
+          <a:lstStyle/>
+          <a:p>
+            <a:pPr marL="0" marR="0" lvl="0" indent="0" algn="ctr" rtl="0">
+              <a:lnSpc>
+                <a:spcPct val="100000"/>
+              </a:lnSpc>
+              <a:spcBef>
+                <a:spcPts val="0"/>
+              </a:spcBef>
+              <a:spcAft>
+                <a:spcPts val="0"/>
+              </a:spcAft>
+              <a:buClr>
+                <a:srgbClr val="000000"/>
+              </a:buClr>
+              <a:buSzPts val="1400"/>
+              <a:buFont typeface="Arial"/>
+              <a:buNone/>
+            </a:pPr>
+            <a:r>
+              <a:rPr lang="en-US" sz="1400" b="0" i="1" u="none" strike="noStrike" cap="none">
+                <a:solidFill>
+                  <a:schemeClr val="accent2"/>
+                </a:solidFill>
+                <a:latin typeface="Arial"/>
+                <a:ea typeface="Arial"/>
+                <a:cs typeface="Arial"/>
+                <a:sym typeface="Arial"/>
+              </a:rPr>
+              <a:t>Incluya el URL donde</a:t>
+            </a:r>
+            <a:br>
+              <a:rPr lang="en-US" sz="1400" b="0" i="1" u="none" strike="noStrike" cap="none">
+                <a:solidFill>
+                  <a:schemeClr val="accent2"/>
+                </a:solidFill>
+                <a:latin typeface="Arial"/>
+                <a:ea typeface="Arial"/>
+                <a:cs typeface="Arial"/>
+                <a:sym typeface="Arial"/>
+              </a:rPr>
+            </a:br>
+            <a:r>
+              <a:rPr lang="en-US" sz="1400" b="0" i="1" u="none" strike="noStrike" cap="none">
+                <a:solidFill>
+                  <a:schemeClr val="accent2"/>
+                </a:solidFill>
+                <a:latin typeface="Arial"/>
+                <a:ea typeface="Arial"/>
+                <a:cs typeface="Arial"/>
+                <a:sym typeface="Arial"/>
+              </a:rPr>
+              <a:t>su proyecto se encuentra</a:t>
+            </a:r>
+            <a:endParaRPr sz="1400" b="0" i="0" u="none" strike="noStrike" cap="none">
+              <a:solidFill>
+                <a:schemeClr val="accent2"/>
+              </a:solidFill>
+              <a:latin typeface="Arial"/>
+              <a:ea typeface="Arial"/>
+              <a:cs typeface="Arial"/>
+              <a:sym typeface="Arial"/>
+            </a:endParaRPr>
+          </a:p>
+        </p:txBody>
+      </p:sp>
+      <p:sp>
+        <p:nvSpPr>
+          <p:cNvPr id="223" name="Google Shape;223;p2"/>
+          <p:cNvSpPr/>
+          <p:nvPr/>
+        </p:nvSpPr>
+        <p:spPr>
+          <a:xfrm>
+            <a:off x="6996626" y="6335156"/>
+            <a:ext cx="1009314" cy="97794"/>
+          </a:xfrm>
+          <a:custGeom>
+            <a:avLst/>
+            <a:gdLst/>
+            <a:ahLst/>
+            <a:cxnLst/>
+            <a:rect l="l" t="t" r="r" b="b"/>
+            <a:pathLst>
+              <a:path w="21600" h="21600" extrusionOk="0">
+                <a:moveTo>
+                  <a:pt x="0" y="0"/>
+                </a:moveTo>
+                <a:lnTo>
+                  <a:pt x="21600" y="21600"/>
+                </a:lnTo>
+              </a:path>
+            </a:pathLst>
+          </a:custGeom>
+          <a:noFill/>
+          <a:ln w="76300" cap="flat" cmpd="sng">
+            <a:solidFill>
+              <a:schemeClr val="accent2"/>
+            </a:solidFill>
+            <a:prstDash val="solid"/>
+            <a:round/>
+            <a:headEnd type="none" w="sm" len="sm"/>
+            <a:tailEnd type="triangle" w="med" len="med"/>
+          </a:ln>
+        </p:spPr>
+      </p:sp>
+      <p:sp>
+        <p:nvSpPr>
+          <p:cNvPr id="2" name="CuadroTexto 1">
+            <a:extLst>
+              <a:ext uri="{FF2B5EF4-FFF2-40B4-BE49-F238E27FC236}">
+                <a16:creationId xmlns:a16="http://schemas.microsoft.com/office/drawing/2014/main" id="{2E3C3B93-7D6F-476C-A493-DA42C4087825}"/>
+              </a:ext>
+            </a:extLst>
+          </p:cNvPr>
+          <p:cNvSpPr txBox="1"/>
+          <p:nvPr/>
+        </p:nvSpPr>
+        <p:spPr>
+          <a:xfrm>
+            <a:off x="803880" y="1083212"/>
+            <a:ext cx="10801966" cy="307777"/>
+          </a:xfrm>
+          <a:prstGeom prst="rect">
+            <a:avLst/>
+          </a:prstGeom>
+          <a:noFill/>
+        </p:spPr>
+        <p:txBody>
+          <a:bodyPr wrap="square" rtlCol="0">
+            <a:spAutoFit/>
+          </a:bodyPr>
+          <a:lstStyle/>
+          <a:p>
+            <a:r>
+              <a:rPr lang="es-ES" b="0" i="0" dirty="0">
+                <a:solidFill>
+                  <a:srgbClr val="202122"/>
+                </a:solidFill>
+                <a:effectLst/>
+                <a:latin typeface="Arial" panose="020B0604020202020204" pitchFamily="34" charset="0"/>
+              </a:rPr>
+              <a:t> </a:t>
+            </a:r>
+            <a:endParaRPr lang="es-CO" dirty="0"/>
+          </a:p>
+        </p:txBody>
+      </p:sp>
+      <p:sp>
+        <p:nvSpPr>
+          <p:cNvPr id="4" name="CuadroTexto 3">
+            <a:extLst>
+              <a:ext uri="{FF2B5EF4-FFF2-40B4-BE49-F238E27FC236}">
+                <a16:creationId xmlns:a16="http://schemas.microsoft.com/office/drawing/2014/main" id="{A2D86EE8-BF55-4F35-A8B5-69743B8E6095}"/>
+              </a:ext>
+            </a:extLst>
+          </p:cNvPr>
+          <p:cNvSpPr txBox="1"/>
+          <p:nvPr/>
+        </p:nvSpPr>
+        <p:spPr>
+          <a:xfrm>
+            <a:off x="803880" y="1571348"/>
+            <a:ext cx="10630559" cy="1815882"/>
+          </a:xfrm>
+          <a:prstGeom prst="rect">
+            <a:avLst/>
+          </a:prstGeom>
+          <a:noFill/>
+        </p:spPr>
+        <p:txBody>
+          <a:bodyPr wrap="square" rtlCol="0">
+            <a:spAutoFit/>
+          </a:bodyPr>
+          <a:lstStyle/>
+          <a:p>
+            <a:endParaRPr lang="es-ES" dirty="0"/>
+          </a:p>
+          <a:p>
+            <a:r>
+              <a:rPr lang="es-ES" dirty="0"/>
+              <a:t>Especifique los pasos</a:t>
+            </a:r>
+          </a:p>
+          <a:p>
+            <a:r>
+              <a:rPr lang="es-ES" dirty="0"/>
+              <a:t>Para abrir un archivo en </a:t>
+            </a:r>
+            <a:r>
+              <a:rPr lang="es-ES" dirty="0" err="1"/>
+              <a:t>cvs</a:t>
+            </a:r>
+            <a:r>
+              <a:rPr lang="es-ES" dirty="0"/>
+              <a:t> con datos de imágenes y convertirlo en matriz</a:t>
+            </a:r>
+          </a:p>
+          <a:p>
+            <a:r>
+              <a:rPr lang="es-ES" dirty="0"/>
+              <a:t>Intente con </a:t>
+            </a:r>
+            <a:r>
+              <a:rPr lang="es-ES" dirty="0" err="1"/>
+              <a:t>almenos</a:t>
+            </a:r>
+            <a:r>
+              <a:rPr lang="es-ES" dirty="0"/>
+              <a:t> un archivo de cada una de las carpetas</a:t>
+            </a:r>
+          </a:p>
+          <a:p>
+            <a:r>
+              <a:rPr lang="es-CO" dirty="0">
+                <a:hlinkClick r:id="rId6"/>
+              </a:rPr>
+              <a:t>ST0245-Eafit/proyecto/</a:t>
+            </a:r>
+            <a:r>
+              <a:rPr lang="es-CO" dirty="0" err="1">
+                <a:hlinkClick r:id="rId6"/>
+              </a:rPr>
+              <a:t>datasets</a:t>
+            </a:r>
+            <a:r>
+              <a:rPr lang="es-CO" dirty="0">
+                <a:hlinkClick r:id="rId6"/>
+              </a:rPr>
+              <a:t>/</a:t>
+            </a:r>
+            <a:r>
+              <a:rPr lang="es-CO" dirty="0" err="1">
+                <a:hlinkClick r:id="rId6"/>
+              </a:rPr>
+              <a:t>csv</a:t>
+            </a:r>
+            <a:r>
+              <a:rPr lang="es-CO" dirty="0">
+                <a:hlinkClick r:id="rId6"/>
+              </a:rPr>
+              <a:t>/</a:t>
+            </a:r>
+            <a:r>
+              <a:rPr lang="es-CO" dirty="0" err="1">
+                <a:hlinkClick r:id="rId6"/>
+              </a:rPr>
+              <a:t>paraEntrenarYProbarLaIA</a:t>
+            </a:r>
+            <a:r>
+              <a:rPr lang="es-CO" dirty="0">
+                <a:hlinkClick r:id="rId6"/>
+              </a:rPr>
+              <a:t> at master · </a:t>
+            </a:r>
+            <a:r>
+              <a:rPr lang="es-CO" dirty="0" err="1">
+                <a:hlinkClick r:id="rId6"/>
+              </a:rPr>
+              <a:t>mauriciotoro</a:t>
+            </a:r>
+            <a:r>
+              <a:rPr lang="es-CO" dirty="0">
+                <a:hlinkClick r:id="rId6"/>
+              </a:rPr>
+              <a:t>/ST0245-Eafit (github.com)</a:t>
+            </a:r>
+            <a:endParaRPr lang="es-ES" dirty="0"/>
+          </a:p>
+          <a:p>
+            <a:endParaRPr lang="es-ES" dirty="0"/>
+          </a:p>
+          <a:p>
+            <a:endParaRPr lang="es-ES" dirty="0"/>
+          </a:p>
+          <a:p>
+            <a:endParaRPr lang="es-CO" dirty="0"/>
+          </a:p>
+        </p:txBody>
+      </p:sp>
+    </p:spTree>
+    <p:extLst>
+      <p:ext uri="{BB962C8B-B14F-4D97-AF65-F5344CB8AC3E}">
+        <p14:creationId xmlns:p14="http://schemas.microsoft.com/office/powerpoint/2010/main" val="2008088344"/>
+      </p:ext>
+    </p:extLst>
+  </p:cSld>
+  <p:clrMapOvr>
+    <a:masterClrMapping/>
+  </p:clrMapOvr>
 </p:sld>
 </file>
 
@@ -20592,6 +21233,1234 @@
 </p:sld>
 </file>
 
+<file path=ppt/slides/slide7.xml><?xml version="1.0" encoding="utf-8"?>
+<p:sld xmlns:a="http://schemas.openxmlformats.org/drawingml/2006/main" xmlns:r="http://schemas.openxmlformats.org/officeDocument/2006/relationships" xmlns:p="http://schemas.openxmlformats.org/presentationml/2006/main">
+  <p:cSld>
+    <p:spTree>
+      <p:nvGrpSpPr>
+        <p:cNvPr id="1" name="Shape 198"/>
+        <p:cNvGrpSpPr/>
+        <p:nvPr/>
+      </p:nvGrpSpPr>
+      <p:grpSpPr>
+        <a:xfrm>
+          <a:off x="0" y="0"/>
+          <a:ext cx="0" cy="0"/>
+          <a:chOff x="0" y="0"/>
+          <a:chExt cx="0" cy="0"/>
+        </a:xfrm>
+      </p:grpSpPr>
+      <p:pic>
+        <p:nvPicPr>
+          <p:cNvPr id="199" name="Google Shape;199;p2"/>
+          <p:cNvPicPr preferRelativeResize="0"/>
+          <p:nvPr/>
+        </p:nvPicPr>
+        <p:blipFill rotWithShape="1">
+          <a:blip r:embed="rId3">
+            <a:alphaModFix/>
+          </a:blip>
+          <a:srcRect/>
+          <a:stretch/>
+        </p:blipFill>
+        <p:spPr>
+          <a:xfrm>
+            <a:off x="-186960" y="-49289"/>
+            <a:ext cx="12378960" cy="6760049"/>
+          </a:xfrm>
+          <a:prstGeom prst="rect">
+            <a:avLst/>
+          </a:prstGeom>
+          <a:noFill/>
+          <a:ln>
+            <a:noFill/>
+          </a:ln>
+        </p:spPr>
+      </p:pic>
+      <p:pic>
+        <p:nvPicPr>
+          <p:cNvPr id="216" name="Google Shape;216;p2"/>
+          <p:cNvPicPr preferRelativeResize="0"/>
+          <p:nvPr/>
+        </p:nvPicPr>
+        <p:blipFill rotWithShape="1">
+          <a:blip r:embed="rId4">
+            <a:alphaModFix/>
+          </a:blip>
+          <a:srcRect/>
+          <a:stretch/>
+        </p:blipFill>
+        <p:spPr>
+          <a:xfrm>
+            <a:off x="182880" y="6089760"/>
+            <a:ext cx="621000" cy="621000"/>
+          </a:xfrm>
+          <a:prstGeom prst="rect">
+            <a:avLst/>
+          </a:prstGeom>
+          <a:noFill/>
+          <a:ln>
+            <a:noFill/>
+          </a:ln>
+        </p:spPr>
+      </p:pic>
+      <p:sp>
+        <p:nvSpPr>
+          <p:cNvPr id="217" name="Google Shape;217;p2"/>
+          <p:cNvSpPr/>
+          <p:nvPr/>
+        </p:nvSpPr>
+        <p:spPr>
+          <a:xfrm>
+            <a:off x="815040" y="6160680"/>
+            <a:ext cx="6915240" cy="425160"/>
+          </a:xfrm>
+          <a:prstGeom prst="rect">
+            <a:avLst/>
+          </a:prstGeom>
+          <a:noFill/>
+          <a:ln>
+            <a:noFill/>
+          </a:ln>
+        </p:spPr>
+        <p:txBody>
+          <a:bodyPr spcFirstLastPara="1" wrap="square" lIns="90000" tIns="45000" rIns="90000" bIns="45000" anchor="t" anchorCtr="0">
+            <a:spAutoFit/>
+          </a:bodyPr>
+          <a:lstStyle/>
+          <a:p>
+            <a:pPr marL="0" marR="0" lvl="0" indent="0" algn="l" rtl="0">
+              <a:lnSpc>
+                <a:spcPct val="100000"/>
+              </a:lnSpc>
+              <a:spcBef>
+                <a:spcPts val="0"/>
+              </a:spcBef>
+              <a:spcAft>
+                <a:spcPts val="0"/>
+              </a:spcAft>
+              <a:buClr>
+                <a:srgbClr val="000000"/>
+              </a:buClr>
+              <a:buSzPts val="2200"/>
+              <a:buFont typeface="Arial"/>
+              <a:buNone/>
+            </a:pPr>
+            <a:r>
+              <a:rPr lang="en-US" sz="2200" b="1" i="0" u="none" strike="noStrike" cap="none">
+                <a:solidFill>
+                  <a:srgbClr val="001E33"/>
+                </a:solidFill>
+                <a:uFill>
+                  <a:noFill/>
+                </a:uFill>
+                <a:latin typeface="Arial"/>
+                <a:ea typeface="Arial"/>
+                <a:cs typeface="Arial"/>
+                <a:sym typeface="Arial"/>
+                <a:hlinkClick r:id="rId5">
+                  <a:extLst>
+                    <a:ext uri="{A12FA001-AC4F-418D-AE19-62706E023703}">
+                      <ahyp:hlinkClr xmlns="" xmlns:ahyp="http://schemas.microsoft.com/office/drawing/2018/hyperlinkcolor" val="tx"/>
+                    </a:ext>
+                  </a:extLst>
+                </a:hlinkClick>
+              </a:rPr>
+              <a:t>http://github.com/yourUserName/proyecto/.</a:t>
+            </a:r>
+            <a:r>
+              <a:rPr lang="en-US" sz="2200" b="1" i="0" u="none" strike="noStrike" cap="none">
+                <a:solidFill>
+                  <a:srgbClr val="001E33"/>
+                </a:solidFill>
+                <a:latin typeface="Arial"/>
+                <a:ea typeface="Arial"/>
+                <a:cs typeface="Arial"/>
+                <a:sym typeface="Arial"/>
+              </a:rPr>
+              <a:t>..</a:t>
+            </a:r>
+            <a:endParaRPr sz="2200" b="1" i="0" u="none" strike="noStrike" cap="none">
+              <a:solidFill>
+                <a:srgbClr val="001E33"/>
+              </a:solidFill>
+              <a:latin typeface="Arial"/>
+              <a:ea typeface="Arial"/>
+              <a:cs typeface="Arial"/>
+              <a:sym typeface="Arial"/>
+            </a:endParaRPr>
+          </a:p>
+        </p:txBody>
+      </p:sp>
+      <p:sp>
+        <p:nvSpPr>
+          <p:cNvPr id="222" name="Google Shape;222;p2"/>
+          <p:cNvSpPr/>
+          <p:nvPr/>
+        </p:nvSpPr>
+        <p:spPr>
+          <a:xfrm>
+            <a:off x="7692600" y="6184200"/>
+            <a:ext cx="2932500" cy="516000"/>
+          </a:xfrm>
+          <a:prstGeom prst="rect">
+            <a:avLst/>
+          </a:prstGeom>
+          <a:noFill/>
+          <a:ln>
+            <a:noFill/>
+          </a:ln>
+        </p:spPr>
+        <p:txBody>
+          <a:bodyPr spcFirstLastPara="1" wrap="square" lIns="90000" tIns="45000" rIns="90000" bIns="45000" anchor="t" anchorCtr="0">
+            <a:noAutofit/>
+          </a:bodyPr>
+          <a:lstStyle/>
+          <a:p>
+            <a:pPr marL="0" marR="0" lvl="0" indent="0" algn="ctr" rtl="0">
+              <a:lnSpc>
+                <a:spcPct val="100000"/>
+              </a:lnSpc>
+              <a:spcBef>
+                <a:spcPts val="0"/>
+              </a:spcBef>
+              <a:spcAft>
+                <a:spcPts val="0"/>
+              </a:spcAft>
+              <a:buClr>
+                <a:srgbClr val="000000"/>
+              </a:buClr>
+              <a:buSzPts val="1400"/>
+              <a:buFont typeface="Arial"/>
+              <a:buNone/>
+            </a:pPr>
+            <a:r>
+              <a:rPr lang="en-US" sz="1400" b="0" i="1" u="none" strike="noStrike" cap="none">
+                <a:solidFill>
+                  <a:schemeClr val="accent2"/>
+                </a:solidFill>
+                <a:latin typeface="Arial"/>
+                <a:ea typeface="Arial"/>
+                <a:cs typeface="Arial"/>
+                <a:sym typeface="Arial"/>
+              </a:rPr>
+              <a:t>Incluya el URL donde</a:t>
+            </a:r>
+            <a:br>
+              <a:rPr lang="en-US" sz="1400" b="0" i="1" u="none" strike="noStrike" cap="none">
+                <a:solidFill>
+                  <a:schemeClr val="accent2"/>
+                </a:solidFill>
+                <a:latin typeface="Arial"/>
+                <a:ea typeface="Arial"/>
+                <a:cs typeface="Arial"/>
+                <a:sym typeface="Arial"/>
+              </a:rPr>
+            </a:br>
+            <a:r>
+              <a:rPr lang="en-US" sz="1400" b="0" i="1" u="none" strike="noStrike" cap="none">
+                <a:solidFill>
+                  <a:schemeClr val="accent2"/>
+                </a:solidFill>
+                <a:latin typeface="Arial"/>
+                <a:ea typeface="Arial"/>
+                <a:cs typeface="Arial"/>
+                <a:sym typeface="Arial"/>
+              </a:rPr>
+              <a:t>su proyecto se encuentra</a:t>
+            </a:r>
+            <a:endParaRPr sz="1400" b="0" i="0" u="none" strike="noStrike" cap="none">
+              <a:solidFill>
+                <a:schemeClr val="accent2"/>
+              </a:solidFill>
+              <a:latin typeface="Arial"/>
+              <a:ea typeface="Arial"/>
+              <a:cs typeface="Arial"/>
+              <a:sym typeface="Arial"/>
+            </a:endParaRPr>
+          </a:p>
+        </p:txBody>
+      </p:sp>
+      <p:sp>
+        <p:nvSpPr>
+          <p:cNvPr id="223" name="Google Shape;223;p2"/>
+          <p:cNvSpPr/>
+          <p:nvPr/>
+        </p:nvSpPr>
+        <p:spPr>
+          <a:xfrm>
+            <a:off x="6996626" y="6335156"/>
+            <a:ext cx="1009314" cy="97794"/>
+          </a:xfrm>
+          <a:custGeom>
+            <a:avLst/>
+            <a:gdLst/>
+            <a:ahLst/>
+            <a:cxnLst/>
+            <a:rect l="l" t="t" r="r" b="b"/>
+            <a:pathLst>
+              <a:path w="21600" h="21600" extrusionOk="0">
+                <a:moveTo>
+                  <a:pt x="0" y="0"/>
+                </a:moveTo>
+                <a:lnTo>
+                  <a:pt x="21600" y="21600"/>
+                </a:lnTo>
+              </a:path>
+            </a:pathLst>
+          </a:custGeom>
+          <a:noFill/>
+          <a:ln w="76300" cap="flat" cmpd="sng">
+            <a:solidFill>
+              <a:schemeClr val="accent2"/>
+            </a:solidFill>
+            <a:prstDash val="solid"/>
+            <a:round/>
+            <a:headEnd type="none" w="sm" len="sm"/>
+            <a:tailEnd type="triangle" w="med" len="med"/>
+          </a:ln>
+        </p:spPr>
+      </p:sp>
+      <p:sp>
+        <p:nvSpPr>
+          <p:cNvPr id="2" name="CuadroTexto 1">
+            <a:extLst>
+              <a:ext uri="{FF2B5EF4-FFF2-40B4-BE49-F238E27FC236}">
+                <a16:creationId xmlns:a16="http://schemas.microsoft.com/office/drawing/2014/main" id="{2E3C3B93-7D6F-476C-A493-DA42C4087825}"/>
+              </a:ext>
+            </a:extLst>
+          </p:cNvPr>
+          <p:cNvSpPr txBox="1"/>
+          <p:nvPr/>
+        </p:nvSpPr>
+        <p:spPr>
+          <a:xfrm>
+            <a:off x="803880" y="1083212"/>
+            <a:ext cx="10801966" cy="307777"/>
+          </a:xfrm>
+          <a:prstGeom prst="rect">
+            <a:avLst/>
+          </a:prstGeom>
+          <a:noFill/>
+        </p:spPr>
+        <p:txBody>
+          <a:bodyPr wrap="square" rtlCol="0">
+            <a:spAutoFit/>
+          </a:bodyPr>
+          <a:lstStyle/>
+          <a:p>
+            <a:r>
+              <a:rPr lang="es-ES" b="1" i="0" dirty="0">
+                <a:solidFill>
+                  <a:srgbClr val="202122"/>
+                </a:solidFill>
+                <a:effectLst/>
+                <a:latin typeface="Arial" panose="020B0604020202020204" pitchFamily="34" charset="0"/>
+              </a:rPr>
+              <a:t> Que es el aprendizaje automático</a:t>
+            </a:r>
+            <a:endParaRPr lang="es-CO" b="1" dirty="0"/>
+          </a:p>
+        </p:txBody>
+      </p:sp>
+      <p:sp>
+        <p:nvSpPr>
+          <p:cNvPr id="3" name="CuadroTexto 2">
+            <a:extLst>
+              <a:ext uri="{FF2B5EF4-FFF2-40B4-BE49-F238E27FC236}">
+                <a16:creationId xmlns:a16="http://schemas.microsoft.com/office/drawing/2014/main" id="{D1B12756-2313-4E80-B84F-9DA1D75C8203}"/>
+              </a:ext>
+            </a:extLst>
+          </p:cNvPr>
+          <p:cNvSpPr txBox="1"/>
+          <p:nvPr/>
+        </p:nvSpPr>
+        <p:spPr>
+          <a:xfrm>
+            <a:off x="815040" y="1927274"/>
+            <a:ext cx="10650129" cy="1600438"/>
+          </a:xfrm>
+          <a:prstGeom prst="rect">
+            <a:avLst/>
+          </a:prstGeom>
+          <a:noFill/>
+        </p:spPr>
+        <p:txBody>
+          <a:bodyPr wrap="square" rtlCol="0">
+            <a:spAutoFit/>
+          </a:bodyPr>
+          <a:lstStyle/>
+          <a:p>
+            <a:endParaRPr lang="es-ES" dirty="0"/>
+          </a:p>
+          <a:p>
+            <a:r>
+              <a:rPr lang="es-ES" dirty="0">
+                <a:hlinkClick r:id="rId6"/>
+              </a:rPr>
+              <a:t>https://www.prhlt.upv.es/~evidal/students/apr/Tema1/t1aa2p.pdf</a:t>
+            </a:r>
+            <a:r>
+              <a:rPr lang="es-ES" dirty="0"/>
+              <a:t>  pp1-12</a:t>
+            </a:r>
+          </a:p>
+          <a:p>
+            <a:endParaRPr lang="es-ES" dirty="0"/>
+          </a:p>
+          <a:p>
+            <a:r>
+              <a:rPr lang="es-ES" dirty="0"/>
+              <a:t>Utilice el video </a:t>
+            </a:r>
+          </a:p>
+          <a:p>
+            <a:r>
+              <a:rPr lang="es-CO" dirty="0">
+                <a:hlinkClick r:id="rId7"/>
+              </a:rPr>
+              <a:t>https://www.youtube.com/watch?v=LliMpfMtjEo&amp;ab_channel=LuisSerrano</a:t>
+            </a:r>
+            <a:r>
+              <a:rPr lang="es-CO" dirty="0"/>
+              <a:t> del minuto 1 al 11</a:t>
+            </a:r>
+          </a:p>
+          <a:p>
+            <a:endParaRPr lang="es-CO" dirty="0"/>
+          </a:p>
+          <a:p>
+            <a:r>
+              <a:rPr lang="es-CO" dirty="0"/>
+              <a:t>https://www.zendesk.com.mx/blog/aprendizaje-automatico-machine-learning-que-es/</a:t>
+            </a:r>
+          </a:p>
+        </p:txBody>
+      </p:sp>
+    </p:spTree>
+    <p:extLst>
+      <p:ext uri="{BB962C8B-B14F-4D97-AF65-F5344CB8AC3E}">
+        <p14:creationId xmlns:p14="http://schemas.microsoft.com/office/powerpoint/2010/main" val="4017867947"/>
+      </p:ext>
+    </p:extLst>
+  </p:cSld>
+  <p:clrMapOvr>
+    <a:masterClrMapping/>
+  </p:clrMapOvr>
+</p:sld>
+</file>
+
+<file path=ppt/slides/slide8.xml><?xml version="1.0" encoding="utf-8"?>
+<p:sld xmlns:a="http://schemas.openxmlformats.org/drawingml/2006/main" xmlns:r="http://schemas.openxmlformats.org/officeDocument/2006/relationships" xmlns:p="http://schemas.openxmlformats.org/presentationml/2006/main">
+  <p:cSld>
+    <p:spTree>
+      <p:nvGrpSpPr>
+        <p:cNvPr id="1" name="Shape 198"/>
+        <p:cNvGrpSpPr/>
+        <p:nvPr/>
+      </p:nvGrpSpPr>
+      <p:grpSpPr>
+        <a:xfrm>
+          <a:off x="0" y="0"/>
+          <a:ext cx="0" cy="0"/>
+          <a:chOff x="0" y="0"/>
+          <a:chExt cx="0" cy="0"/>
+        </a:xfrm>
+      </p:grpSpPr>
+      <p:pic>
+        <p:nvPicPr>
+          <p:cNvPr id="199" name="Google Shape;199;p2"/>
+          <p:cNvPicPr preferRelativeResize="0"/>
+          <p:nvPr/>
+        </p:nvPicPr>
+        <p:blipFill rotWithShape="1">
+          <a:blip r:embed="rId3">
+            <a:alphaModFix/>
+          </a:blip>
+          <a:srcRect/>
+          <a:stretch/>
+        </p:blipFill>
+        <p:spPr>
+          <a:xfrm>
+            <a:off x="-186960" y="-49289"/>
+            <a:ext cx="12378960" cy="6760049"/>
+          </a:xfrm>
+          <a:prstGeom prst="rect">
+            <a:avLst/>
+          </a:prstGeom>
+          <a:noFill/>
+          <a:ln>
+            <a:noFill/>
+          </a:ln>
+        </p:spPr>
+      </p:pic>
+      <p:pic>
+        <p:nvPicPr>
+          <p:cNvPr id="216" name="Google Shape;216;p2"/>
+          <p:cNvPicPr preferRelativeResize="0"/>
+          <p:nvPr/>
+        </p:nvPicPr>
+        <p:blipFill rotWithShape="1">
+          <a:blip r:embed="rId4">
+            <a:alphaModFix/>
+          </a:blip>
+          <a:srcRect/>
+          <a:stretch/>
+        </p:blipFill>
+        <p:spPr>
+          <a:xfrm>
+            <a:off x="182880" y="6089760"/>
+            <a:ext cx="621000" cy="621000"/>
+          </a:xfrm>
+          <a:prstGeom prst="rect">
+            <a:avLst/>
+          </a:prstGeom>
+          <a:noFill/>
+          <a:ln>
+            <a:noFill/>
+          </a:ln>
+        </p:spPr>
+      </p:pic>
+      <p:sp>
+        <p:nvSpPr>
+          <p:cNvPr id="217" name="Google Shape;217;p2"/>
+          <p:cNvSpPr/>
+          <p:nvPr/>
+        </p:nvSpPr>
+        <p:spPr>
+          <a:xfrm>
+            <a:off x="815040" y="6160680"/>
+            <a:ext cx="6915240" cy="425160"/>
+          </a:xfrm>
+          <a:prstGeom prst="rect">
+            <a:avLst/>
+          </a:prstGeom>
+          <a:noFill/>
+          <a:ln>
+            <a:noFill/>
+          </a:ln>
+        </p:spPr>
+        <p:txBody>
+          <a:bodyPr spcFirstLastPara="1" wrap="square" lIns="90000" tIns="45000" rIns="90000" bIns="45000" anchor="t" anchorCtr="0">
+            <a:spAutoFit/>
+          </a:bodyPr>
+          <a:lstStyle/>
+          <a:p>
+            <a:pPr marL="0" marR="0" lvl="0" indent="0" algn="l" rtl="0">
+              <a:lnSpc>
+                <a:spcPct val="100000"/>
+              </a:lnSpc>
+              <a:spcBef>
+                <a:spcPts val="0"/>
+              </a:spcBef>
+              <a:spcAft>
+                <a:spcPts val="0"/>
+              </a:spcAft>
+              <a:buClr>
+                <a:srgbClr val="000000"/>
+              </a:buClr>
+              <a:buSzPts val="2200"/>
+              <a:buFont typeface="Arial"/>
+              <a:buNone/>
+            </a:pPr>
+            <a:r>
+              <a:rPr lang="en-US" sz="2200" b="1" i="0" u="none" strike="noStrike" cap="none">
+                <a:solidFill>
+                  <a:srgbClr val="001E33"/>
+                </a:solidFill>
+                <a:uFill>
+                  <a:noFill/>
+                </a:uFill>
+                <a:latin typeface="Arial"/>
+                <a:ea typeface="Arial"/>
+                <a:cs typeface="Arial"/>
+                <a:sym typeface="Arial"/>
+                <a:hlinkClick r:id="rId5">
+                  <a:extLst>
+                    <a:ext uri="{A12FA001-AC4F-418D-AE19-62706E023703}">
+                      <ahyp:hlinkClr xmlns="" xmlns:ahyp="http://schemas.microsoft.com/office/drawing/2018/hyperlinkcolor" val="tx"/>
+                    </a:ext>
+                  </a:extLst>
+                </a:hlinkClick>
+              </a:rPr>
+              <a:t>http://github.com/yourUserName/proyecto/.</a:t>
+            </a:r>
+            <a:r>
+              <a:rPr lang="en-US" sz="2200" b="1" i="0" u="none" strike="noStrike" cap="none">
+                <a:solidFill>
+                  <a:srgbClr val="001E33"/>
+                </a:solidFill>
+                <a:latin typeface="Arial"/>
+                <a:ea typeface="Arial"/>
+                <a:cs typeface="Arial"/>
+                <a:sym typeface="Arial"/>
+              </a:rPr>
+              <a:t>..</a:t>
+            </a:r>
+            <a:endParaRPr sz="2200" b="1" i="0" u="none" strike="noStrike" cap="none">
+              <a:solidFill>
+                <a:srgbClr val="001E33"/>
+              </a:solidFill>
+              <a:latin typeface="Arial"/>
+              <a:ea typeface="Arial"/>
+              <a:cs typeface="Arial"/>
+              <a:sym typeface="Arial"/>
+            </a:endParaRPr>
+          </a:p>
+        </p:txBody>
+      </p:sp>
+      <p:sp>
+        <p:nvSpPr>
+          <p:cNvPr id="222" name="Google Shape;222;p2"/>
+          <p:cNvSpPr/>
+          <p:nvPr/>
+        </p:nvSpPr>
+        <p:spPr>
+          <a:xfrm>
+            <a:off x="7692600" y="6184200"/>
+            <a:ext cx="2932500" cy="516000"/>
+          </a:xfrm>
+          <a:prstGeom prst="rect">
+            <a:avLst/>
+          </a:prstGeom>
+          <a:noFill/>
+          <a:ln>
+            <a:noFill/>
+          </a:ln>
+        </p:spPr>
+        <p:txBody>
+          <a:bodyPr spcFirstLastPara="1" wrap="square" lIns="90000" tIns="45000" rIns="90000" bIns="45000" anchor="t" anchorCtr="0">
+            <a:noAutofit/>
+          </a:bodyPr>
+          <a:lstStyle/>
+          <a:p>
+            <a:pPr marL="0" marR="0" lvl="0" indent="0" algn="ctr" rtl="0">
+              <a:lnSpc>
+                <a:spcPct val="100000"/>
+              </a:lnSpc>
+              <a:spcBef>
+                <a:spcPts val="0"/>
+              </a:spcBef>
+              <a:spcAft>
+                <a:spcPts val="0"/>
+              </a:spcAft>
+              <a:buClr>
+                <a:srgbClr val="000000"/>
+              </a:buClr>
+              <a:buSzPts val="1400"/>
+              <a:buFont typeface="Arial"/>
+              <a:buNone/>
+            </a:pPr>
+            <a:r>
+              <a:rPr lang="en-US" sz="1400" b="0" i="1" u="none" strike="noStrike" cap="none">
+                <a:solidFill>
+                  <a:schemeClr val="accent2"/>
+                </a:solidFill>
+                <a:latin typeface="Arial"/>
+                <a:ea typeface="Arial"/>
+                <a:cs typeface="Arial"/>
+                <a:sym typeface="Arial"/>
+              </a:rPr>
+              <a:t>Incluya el URL donde</a:t>
+            </a:r>
+            <a:br>
+              <a:rPr lang="en-US" sz="1400" b="0" i="1" u="none" strike="noStrike" cap="none">
+                <a:solidFill>
+                  <a:schemeClr val="accent2"/>
+                </a:solidFill>
+                <a:latin typeface="Arial"/>
+                <a:ea typeface="Arial"/>
+                <a:cs typeface="Arial"/>
+                <a:sym typeface="Arial"/>
+              </a:rPr>
+            </a:br>
+            <a:r>
+              <a:rPr lang="en-US" sz="1400" b="0" i="1" u="none" strike="noStrike" cap="none">
+                <a:solidFill>
+                  <a:schemeClr val="accent2"/>
+                </a:solidFill>
+                <a:latin typeface="Arial"/>
+                <a:ea typeface="Arial"/>
+                <a:cs typeface="Arial"/>
+                <a:sym typeface="Arial"/>
+              </a:rPr>
+              <a:t>su proyecto se encuentra</a:t>
+            </a:r>
+            <a:endParaRPr sz="1400" b="0" i="0" u="none" strike="noStrike" cap="none">
+              <a:solidFill>
+                <a:schemeClr val="accent2"/>
+              </a:solidFill>
+              <a:latin typeface="Arial"/>
+              <a:ea typeface="Arial"/>
+              <a:cs typeface="Arial"/>
+              <a:sym typeface="Arial"/>
+            </a:endParaRPr>
+          </a:p>
+        </p:txBody>
+      </p:sp>
+      <p:sp>
+        <p:nvSpPr>
+          <p:cNvPr id="223" name="Google Shape;223;p2"/>
+          <p:cNvSpPr/>
+          <p:nvPr/>
+        </p:nvSpPr>
+        <p:spPr>
+          <a:xfrm>
+            <a:off x="6996626" y="6335156"/>
+            <a:ext cx="1009314" cy="97794"/>
+          </a:xfrm>
+          <a:custGeom>
+            <a:avLst/>
+            <a:gdLst/>
+            <a:ahLst/>
+            <a:cxnLst/>
+            <a:rect l="l" t="t" r="r" b="b"/>
+            <a:pathLst>
+              <a:path w="21600" h="21600" extrusionOk="0">
+                <a:moveTo>
+                  <a:pt x="0" y="0"/>
+                </a:moveTo>
+                <a:lnTo>
+                  <a:pt x="21600" y="21600"/>
+                </a:lnTo>
+              </a:path>
+            </a:pathLst>
+          </a:custGeom>
+          <a:noFill/>
+          <a:ln w="76300" cap="flat" cmpd="sng">
+            <a:solidFill>
+              <a:schemeClr val="accent2"/>
+            </a:solidFill>
+            <a:prstDash val="solid"/>
+            <a:round/>
+            <a:headEnd type="none" w="sm" len="sm"/>
+            <a:tailEnd type="triangle" w="med" len="med"/>
+          </a:ln>
+        </p:spPr>
+      </p:sp>
+      <p:sp>
+        <p:nvSpPr>
+          <p:cNvPr id="2" name="CuadroTexto 1">
+            <a:extLst>
+              <a:ext uri="{FF2B5EF4-FFF2-40B4-BE49-F238E27FC236}">
+                <a16:creationId xmlns:a16="http://schemas.microsoft.com/office/drawing/2014/main" id="{2E3C3B93-7D6F-476C-A493-DA42C4087825}"/>
+              </a:ext>
+            </a:extLst>
+          </p:cNvPr>
+          <p:cNvSpPr txBox="1"/>
+          <p:nvPr/>
+        </p:nvSpPr>
+        <p:spPr>
+          <a:xfrm>
+            <a:off x="803880" y="1083212"/>
+            <a:ext cx="10801966" cy="338554"/>
+          </a:xfrm>
+          <a:prstGeom prst="rect">
+            <a:avLst/>
+          </a:prstGeom>
+          <a:noFill/>
+        </p:spPr>
+        <p:txBody>
+          <a:bodyPr wrap="square" rtlCol="0">
+            <a:spAutoFit/>
+          </a:bodyPr>
+          <a:lstStyle/>
+          <a:p>
+            <a:r>
+              <a:rPr lang="es-ES" sz="1600" b="0" i="0" dirty="0">
+                <a:solidFill>
+                  <a:srgbClr val="202122"/>
+                </a:solidFill>
+                <a:effectLst/>
+                <a:latin typeface="Arial" panose="020B0604020202020204" pitchFamily="34" charset="0"/>
+              </a:rPr>
+              <a:t> </a:t>
+            </a:r>
+            <a:r>
+              <a:rPr lang="es-ES" sz="1600" b="1" i="0" dirty="0">
+                <a:solidFill>
+                  <a:srgbClr val="202122"/>
+                </a:solidFill>
+                <a:effectLst/>
+                <a:latin typeface="Arial" panose="020B0604020202020204" pitchFamily="34" charset="0"/>
+              </a:rPr>
+              <a:t>Como se aplica las redes neuronales para el reconocimiento de imágenes</a:t>
+            </a:r>
+            <a:endParaRPr lang="es-CO" sz="1600" b="1" dirty="0"/>
+          </a:p>
+        </p:txBody>
+      </p:sp>
+      <p:sp>
+        <p:nvSpPr>
+          <p:cNvPr id="3" name="CuadroTexto 2">
+            <a:extLst>
+              <a:ext uri="{FF2B5EF4-FFF2-40B4-BE49-F238E27FC236}">
+                <a16:creationId xmlns:a16="http://schemas.microsoft.com/office/drawing/2014/main" id="{D1B12756-2313-4E80-B84F-9DA1D75C8203}"/>
+              </a:ext>
+            </a:extLst>
+          </p:cNvPr>
+          <p:cNvSpPr txBox="1"/>
+          <p:nvPr/>
+        </p:nvSpPr>
+        <p:spPr>
+          <a:xfrm>
+            <a:off x="1389914" y="2077213"/>
+            <a:ext cx="10650129" cy="954107"/>
+          </a:xfrm>
+          <a:prstGeom prst="rect">
+            <a:avLst/>
+          </a:prstGeom>
+          <a:noFill/>
+        </p:spPr>
+        <p:txBody>
+          <a:bodyPr wrap="square" rtlCol="0">
+            <a:spAutoFit/>
+          </a:bodyPr>
+          <a:lstStyle/>
+          <a:p>
+            <a:r>
+              <a:rPr lang="es-CO" dirty="0">
+                <a:hlinkClick r:id="rId6"/>
+              </a:rPr>
+              <a:t>https://www.youtube.com/watch?v=jKCQsndqEGQ&amp;ab_channel=3Blue1BrownEspa%C3%B1ol</a:t>
+            </a:r>
+            <a:r>
+              <a:rPr lang="es-CO" dirty="0"/>
+              <a:t>  minuto 1 al  12</a:t>
+            </a:r>
+          </a:p>
+          <a:p>
+            <a:endParaRPr lang="es-CO" dirty="0"/>
+          </a:p>
+          <a:p>
+            <a:r>
+              <a:rPr lang="es-CO" dirty="0"/>
+              <a:t>https://www.youtube.com/watch?v=AwTH_0yW9_I&amp;ab_channel=RingaTech</a:t>
+            </a:r>
+          </a:p>
+          <a:p>
+            <a:endParaRPr lang="es-CO" dirty="0"/>
+          </a:p>
+        </p:txBody>
+      </p:sp>
+    </p:spTree>
+    <p:extLst>
+      <p:ext uri="{BB962C8B-B14F-4D97-AF65-F5344CB8AC3E}">
+        <p14:creationId xmlns:p14="http://schemas.microsoft.com/office/powerpoint/2010/main" val="1645517738"/>
+      </p:ext>
+    </p:extLst>
+  </p:cSld>
+  <p:clrMapOvr>
+    <a:masterClrMapping/>
+  </p:clrMapOvr>
+</p:sld>
+</file>
+
+<file path=ppt/slides/slide9.xml><?xml version="1.0" encoding="utf-8"?>
+<p:sld xmlns:a="http://schemas.openxmlformats.org/drawingml/2006/main" xmlns:r="http://schemas.openxmlformats.org/officeDocument/2006/relationships" xmlns:p="http://schemas.openxmlformats.org/presentationml/2006/main">
+  <p:cSld>
+    <p:spTree>
+      <p:nvGrpSpPr>
+        <p:cNvPr id="1" name="Shape 198"/>
+        <p:cNvGrpSpPr/>
+        <p:nvPr/>
+      </p:nvGrpSpPr>
+      <p:grpSpPr>
+        <a:xfrm>
+          <a:off x="0" y="0"/>
+          <a:ext cx="0" cy="0"/>
+          <a:chOff x="0" y="0"/>
+          <a:chExt cx="0" cy="0"/>
+        </a:xfrm>
+      </p:grpSpPr>
+      <p:pic>
+        <p:nvPicPr>
+          <p:cNvPr id="199" name="Google Shape;199;p2"/>
+          <p:cNvPicPr preferRelativeResize="0"/>
+          <p:nvPr/>
+        </p:nvPicPr>
+        <p:blipFill rotWithShape="1">
+          <a:blip r:embed="rId3">
+            <a:alphaModFix/>
+          </a:blip>
+          <a:srcRect/>
+          <a:stretch/>
+        </p:blipFill>
+        <p:spPr>
+          <a:xfrm>
+            <a:off x="-186960" y="-49289"/>
+            <a:ext cx="12196080" cy="6855840"/>
+          </a:xfrm>
+          <a:prstGeom prst="rect">
+            <a:avLst/>
+          </a:prstGeom>
+          <a:noFill/>
+          <a:ln>
+            <a:noFill/>
+          </a:ln>
+        </p:spPr>
+      </p:pic>
+      <p:pic>
+        <p:nvPicPr>
+          <p:cNvPr id="216" name="Google Shape;216;p2"/>
+          <p:cNvPicPr preferRelativeResize="0"/>
+          <p:nvPr/>
+        </p:nvPicPr>
+        <p:blipFill rotWithShape="1">
+          <a:blip r:embed="rId4">
+            <a:alphaModFix/>
+          </a:blip>
+          <a:srcRect/>
+          <a:stretch/>
+        </p:blipFill>
+        <p:spPr>
+          <a:xfrm>
+            <a:off x="182880" y="6089760"/>
+            <a:ext cx="621000" cy="621000"/>
+          </a:xfrm>
+          <a:prstGeom prst="rect">
+            <a:avLst/>
+          </a:prstGeom>
+          <a:noFill/>
+          <a:ln>
+            <a:noFill/>
+          </a:ln>
+        </p:spPr>
+      </p:pic>
+      <p:sp>
+        <p:nvSpPr>
+          <p:cNvPr id="217" name="Google Shape;217;p2"/>
+          <p:cNvSpPr/>
+          <p:nvPr/>
+        </p:nvSpPr>
+        <p:spPr>
+          <a:xfrm>
+            <a:off x="815040" y="6160680"/>
+            <a:ext cx="6915240" cy="425160"/>
+          </a:xfrm>
+          <a:prstGeom prst="rect">
+            <a:avLst/>
+          </a:prstGeom>
+          <a:noFill/>
+          <a:ln>
+            <a:noFill/>
+          </a:ln>
+        </p:spPr>
+        <p:txBody>
+          <a:bodyPr spcFirstLastPara="1" wrap="square" lIns="90000" tIns="45000" rIns="90000" bIns="45000" anchor="t" anchorCtr="0">
+            <a:spAutoFit/>
+          </a:bodyPr>
+          <a:lstStyle/>
+          <a:p>
+            <a:pPr marL="0" marR="0" lvl="0" indent="0" algn="l" rtl="0">
+              <a:lnSpc>
+                <a:spcPct val="100000"/>
+              </a:lnSpc>
+              <a:spcBef>
+                <a:spcPts val="0"/>
+              </a:spcBef>
+              <a:spcAft>
+                <a:spcPts val="0"/>
+              </a:spcAft>
+              <a:buClr>
+                <a:srgbClr val="000000"/>
+              </a:buClr>
+              <a:buSzPts val="2200"/>
+              <a:buFont typeface="Arial"/>
+              <a:buNone/>
+            </a:pPr>
+            <a:r>
+              <a:rPr lang="en-US" sz="2200" b="1" i="0" u="none" strike="noStrike" cap="none">
+                <a:solidFill>
+                  <a:srgbClr val="001E33"/>
+                </a:solidFill>
+                <a:uFill>
+                  <a:noFill/>
+                </a:uFill>
+                <a:latin typeface="Arial"/>
+                <a:ea typeface="Arial"/>
+                <a:cs typeface="Arial"/>
+                <a:sym typeface="Arial"/>
+                <a:hlinkClick r:id="rId5">
+                  <a:extLst>
+                    <a:ext uri="{A12FA001-AC4F-418D-AE19-62706E023703}">
+                      <ahyp:hlinkClr xmlns="" xmlns:ahyp="http://schemas.microsoft.com/office/drawing/2018/hyperlinkcolor" val="tx"/>
+                    </a:ext>
+                  </a:extLst>
+                </a:hlinkClick>
+              </a:rPr>
+              <a:t>http://github.com/yourUserName/proyecto/.</a:t>
+            </a:r>
+            <a:r>
+              <a:rPr lang="en-US" sz="2200" b="1" i="0" u="none" strike="noStrike" cap="none">
+                <a:solidFill>
+                  <a:srgbClr val="001E33"/>
+                </a:solidFill>
+                <a:latin typeface="Arial"/>
+                <a:ea typeface="Arial"/>
+                <a:cs typeface="Arial"/>
+                <a:sym typeface="Arial"/>
+              </a:rPr>
+              <a:t>..</a:t>
+            </a:r>
+            <a:endParaRPr sz="2200" b="1" i="0" u="none" strike="noStrike" cap="none">
+              <a:solidFill>
+                <a:srgbClr val="001E33"/>
+              </a:solidFill>
+              <a:latin typeface="Arial"/>
+              <a:ea typeface="Arial"/>
+              <a:cs typeface="Arial"/>
+              <a:sym typeface="Arial"/>
+            </a:endParaRPr>
+          </a:p>
+        </p:txBody>
+      </p:sp>
+      <p:sp>
+        <p:nvSpPr>
+          <p:cNvPr id="222" name="Google Shape;222;p2"/>
+          <p:cNvSpPr/>
+          <p:nvPr/>
+        </p:nvSpPr>
+        <p:spPr>
+          <a:xfrm>
+            <a:off x="7692600" y="6184200"/>
+            <a:ext cx="2932500" cy="516000"/>
+          </a:xfrm>
+          <a:prstGeom prst="rect">
+            <a:avLst/>
+          </a:prstGeom>
+          <a:noFill/>
+          <a:ln>
+            <a:noFill/>
+          </a:ln>
+        </p:spPr>
+        <p:txBody>
+          <a:bodyPr spcFirstLastPara="1" wrap="square" lIns="90000" tIns="45000" rIns="90000" bIns="45000" anchor="t" anchorCtr="0">
+            <a:noAutofit/>
+          </a:bodyPr>
+          <a:lstStyle/>
+          <a:p>
+            <a:pPr marL="0" marR="0" lvl="0" indent="0" algn="ctr" rtl="0">
+              <a:lnSpc>
+                <a:spcPct val="100000"/>
+              </a:lnSpc>
+              <a:spcBef>
+                <a:spcPts val="0"/>
+              </a:spcBef>
+              <a:spcAft>
+                <a:spcPts val="0"/>
+              </a:spcAft>
+              <a:buClr>
+                <a:srgbClr val="000000"/>
+              </a:buClr>
+              <a:buSzPts val="1400"/>
+              <a:buFont typeface="Arial"/>
+              <a:buNone/>
+            </a:pPr>
+            <a:r>
+              <a:rPr lang="en-US" sz="1400" b="0" i="1" u="none" strike="noStrike" cap="none">
+                <a:solidFill>
+                  <a:schemeClr val="accent2"/>
+                </a:solidFill>
+                <a:latin typeface="Arial"/>
+                <a:ea typeface="Arial"/>
+                <a:cs typeface="Arial"/>
+                <a:sym typeface="Arial"/>
+              </a:rPr>
+              <a:t>Incluya el URL donde</a:t>
+            </a:r>
+            <a:br>
+              <a:rPr lang="en-US" sz="1400" b="0" i="1" u="none" strike="noStrike" cap="none">
+                <a:solidFill>
+                  <a:schemeClr val="accent2"/>
+                </a:solidFill>
+                <a:latin typeface="Arial"/>
+                <a:ea typeface="Arial"/>
+                <a:cs typeface="Arial"/>
+                <a:sym typeface="Arial"/>
+              </a:rPr>
+            </a:br>
+            <a:r>
+              <a:rPr lang="en-US" sz="1400" b="0" i="1" u="none" strike="noStrike" cap="none">
+                <a:solidFill>
+                  <a:schemeClr val="accent2"/>
+                </a:solidFill>
+                <a:latin typeface="Arial"/>
+                <a:ea typeface="Arial"/>
+                <a:cs typeface="Arial"/>
+                <a:sym typeface="Arial"/>
+              </a:rPr>
+              <a:t>su proyecto se encuentra</a:t>
+            </a:r>
+            <a:endParaRPr sz="1400" b="0" i="0" u="none" strike="noStrike" cap="none">
+              <a:solidFill>
+                <a:schemeClr val="accent2"/>
+              </a:solidFill>
+              <a:latin typeface="Arial"/>
+              <a:ea typeface="Arial"/>
+              <a:cs typeface="Arial"/>
+              <a:sym typeface="Arial"/>
+            </a:endParaRPr>
+          </a:p>
+        </p:txBody>
+      </p:sp>
+      <p:sp>
+        <p:nvSpPr>
+          <p:cNvPr id="223" name="Google Shape;223;p2"/>
+          <p:cNvSpPr/>
+          <p:nvPr/>
+        </p:nvSpPr>
+        <p:spPr>
+          <a:xfrm>
+            <a:off x="6996626" y="6335156"/>
+            <a:ext cx="1009314" cy="97794"/>
+          </a:xfrm>
+          <a:custGeom>
+            <a:avLst/>
+            <a:gdLst/>
+            <a:ahLst/>
+            <a:cxnLst/>
+            <a:rect l="l" t="t" r="r" b="b"/>
+            <a:pathLst>
+              <a:path w="21600" h="21600" extrusionOk="0">
+                <a:moveTo>
+                  <a:pt x="0" y="0"/>
+                </a:moveTo>
+                <a:lnTo>
+                  <a:pt x="21600" y="21600"/>
+                </a:lnTo>
+              </a:path>
+            </a:pathLst>
+          </a:custGeom>
+          <a:noFill/>
+          <a:ln w="76300" cap="flat" cmpd="sng">
+            <a:solidFill>
+              <a:schemeClr val="accent2"/>
+            </a:solidFill>
+            <a:prstDash val="solid"/>
+            <a:round/>
+            <a:headEnd type="none" w="sm" len="sm"/>
+            <a:tailEnd type="triangle" w="med" len="med"/>
+          </a:ln>
+        </p:spPr>
+      </p:sp>
+      <p:sp>
+        <p:nvSpPr>
+          <p:cNvPr id="2" name="CuadroTexto 1">
+            <a:extLst>
+              <a:ext uri="{FF2B5EF4-FFF2-40B4-BE49-F238E27FC236}">
+                <a16:creationId xmlns:a16="http://schemas.microsoft.com/office/drawing/2014/main" id="{2E3C3B93-7D6F-476C-A493-DA42C4087825}"/>
+              </a:ext>
+            </a:extLst>
+          </p:cNvPr>
+          <p:cNvSpPr txBox="1"/>
+          <p:nvPr/>
+        </p:nvSpPr>
+        <p:spPr>
+          <a:xfrm>
+            <a:off x="803880" y="1083212"/>
+            <a:ext cx="10801966" cy="307777"/>
+          </a:xfrm>
+          <a:prstGeom prst="rect">
+            <a:avLst/>
+          </a:prstGeom>
+          <a:noFill/>
+        </p:spPr>
+        <p:txBody>
+          <a:bodyPr wrap="square" rtlCol="0">
+            <a:spAutoFit/>
+          </a:bodyPr>
+          <a:lstStyle/>
+          <a:p>
+            <a:r>
+              <a:rPr lang="es-ES" b="0" i="0" dirty="0">
+                <a:solidFill>
+                  <a:srgbClr val="202122"/>
+                </a:solidFill>
+                <a:effectLst/>
+                <a:latin typeface="Arial" panose="020B0604020202020204" pitchFamily="34" charset="0"/>
+              </a:rPr>
+              <a:t> </a:t>
+            </a:r>
+            <a:endParaRPr lang="es-CO" dirty="0"/>
+          </a:p>
+        </p:txBody>
+      </p:sp>
+      <p:sp>
+        <p:nvSpPr>
+          <p:cNvPr id="3" name="CuadroTexto 2">
+            <a:extLst>
+              <a:ext uri="{FF2B5EF4-FFF2-40B4-BE49-F238E27FC236}">
+                <a16:creationId xmlns:a16="http://schemas.microsoft.com/office/drawing/2014/main" id="{6DF9A96A-40B7-4490-BDEF-44F0716AFCA8}"/>
+              </a:ext>
+            </a:extLst>
+          </p:cNvPr>
+          <p:cNvSpPr txBox="1"/>
+          <p:nvPr/>
+        </p:nvSpPr>
+        <p:spPr>
+          <a:xfrm>
+            <a:off x="618978" y="1390989"/>
+            <a:ext cx="11127545" cy="1600438"/>
+          </a:xfrm>
+          <a:prstGeom prst="rect">
+            <a:avLst/>
+          </a:prstGeom>
+          <a:noFill/>
+        </p:spPr>
+        <p:txBody>
+          <a:bodyPr wrap="square" rtlCol="0">
+            <a:spAutoFit/>
+          </a:bodyPr>
+          <a:lstStyle/>
+          <a:p>
+            <a:r>
+              <a:rPr lang="es-ES" dirty="0"/>
+              <a:t>Que son conjuntos(set)  de entrenamiento, validación y prueba </a:t>
+            </a:r>
+          </a:p>
+          <a:p>
+            <a:endParaRPr lang="es-ES" dirty="0"/>
+          </a:p>
+          <a:p>
+            <a:endParaRPr lang="es-ES" dirty="0"/>
+          </a:p>
+          <a:p>
+            <a:endParaRPr lang="es-ES" dirty="0"/>
+          </a:p>
+          <a:p>
+            <a:r>
+              <a:rPr lang="es-CO" dirty="0">
+                <a:hlinkClick r:id="rId6"/>
+              </a:rPr>
+              <a:t>https://www.youtube.com/watch?v=Bzhuxk8ErdI&amp;ab_channel=PsyFun</a:t>
+            </a:r>
+            <a:endParaRPr lang="es-CO" dirty="0"/>
+          </a:p>
+          <a:p>
+            <a:endParaRPr lang="es-CO" dirty="0"/>
+          </a:p>
+          <a:p>
+            <a:r>
+              <a:rPr lang="es-CO" dirty="0"/>
+              <a:t>https://www.youtube.com/watch?v=778Pa63FS78&amp;ab_channel=Feregrino%E2%80%93ThatC%23guy</a:t>
+            </a:r>
+          </a:p>
+        </p:txBody>
+      </p:sp>
+    </p:spTree>
+    <p:extLst>
+      <p:ext uri="{BB962C8B-B14F-4D97-AF65-F5344CB8AC3E}">
+        <p14:creationId xmlns:p14="http://schemas.microsoft.com/office/powerpoint/2010/main" val="550114419"/>
+      </p:ext>
+    </p:extLst>
+  </p:cSld>
+  <p:clrMapOvr>
+    <a:masterClrMapping/>
+  </p:clrMapOvr>
+</p:sld>
+</file>
+
 <file path=ppt/theme/theme1.xml><?xml version="1.0" encoding="utf-8"?>
 <a:theme xmlns:a="http://schemas.openxmlformats.org/drawingml/2006/main" name="Office Theme">
   <a:themeElements>

--- a/Presentacion/Presentación Proyecto.pptx
+++ b/Presentacion/Presentación Proyecto.pptx
@@ -6,7 +6,7 @@
     <p:sldMasterId id="2147483661" r:id="rId2"/>
   </p:sldMasterIdLst>
   <p:notesMasterIdLst>
-    <p:notesMasterId r:id="rId13"/>
+    <p:notesMasterId r:id="rId14"/>
   </p:notesMasterIdLst>
   <p:sldIdLst>
     <p:sldId id="256" r:id="rId3"/>
@@ -15,10 +15,11 @@
     <p:sldId id="259" r:id="rId6"/>
     <p:sldId id="260" r:id="rId7"/>
     <p:sldId id="261" r:id="rId8"/>
-    <p:sldId id="263" r:id="rId9"/>
-    <p:sldId id="264" r:id="rId10"/>
-    <p:sldId id="265" r:id="rId11"/>
-    <p:sldId id="266" r:id="rId12"/>
+    <p:sldId id="271" r:id="rId9"/>
+    <p:sldId id="273" r:id="rId10"/>
+    <p:sldId id="264" r:id="rId11"/>
+    <p:sldId id="265" r:id="rId12"/>
+    <p:sldId id="266" r:id="rId13"/>
   </p:sldIdLst>
   <p:sldSz cx="12192000" cy="6858000"/>
   <p:notesSz cx="7772400" cy="10058400"/>
@@ -256,7 +257,7 @@
       <p15:sldGuideLst xmlns:p15="http://schemas.microsoft.com/office/powerpoint/2012/main"/>
     </p:ext>
     <p:ext uri="http://customooxmlschemas.google.com/">
-      <go:slidesCustomData xmlns:go="http://customooxmlschemas.google.com/" xmlns:ahyp="http://schemas.microsoft.com/office/drawing/2018/hyperlinkcolor" xmlns:p15="http://schemas.microsoft.com/office/powerpoint/2012/main" xmlns:p14="http://schemas.microsoft.com/office/powerpoint/2010/main" xmlns:com="http://schemas.openxmlformats.org/drawingml/2006/compatibility" xmlns:pvml="urn:schemas-microsoft-com:office:powerpoint" xmlns:v="urn:schemas-microsoft-com:vml" xmlns:o="urn:schemas-microsoft-com:office:office" xmlns:dgm="http://schemas.openxmlformats.org/drawingml/2006/diagram" xmlns:c="http://schemas.openxmlformats.org/drawingml/2006/chart" xmlns:mv="urn:schemas-microsoft-com:mac:vml" xmlns:mc="http://schemas.openxmlformats.org/markup-compatibility/2006" xmlns="" r:id="rId21" roundtripDataSignature="AMtx7mjHzTg+goWcQk8fO5It0l+0ng5KHA=="/>
+      <go:slidesCustomData xmlns="" xmlns:mc="http://schemas.openxmlformats.org/markup-compatibility/2006" xmlns:mv="urn:schemas-microsoft-com:mac:vml" xmlns:c="http://schemas.openxmlformats.org/drawingml/2006/chart" xmlns:dgm="http://schemas.openxmlformats.org/drawingml/2006/diagram" xmlns:o="urn:schemas-microsoft-com:office:office" xmlns:v="urn:schemas-microsoft-com:vml" xmlns:pvml="urn:schemas-microsoft-com:office:powerpoint" xmlns:com="http://schemas.openxmlformats.org/drawingml/2006/compatibility" xmlns:p14="http://schemas.microsoft.com/office/powerpoint/2010/main" xmlns:p15="http://schemas.microsoft.com/office/powerpoint/2012/main" xmlns:ahyp="http://schemas.microsoft.com/office/drawing/2018/hyperlinkcolor" xmlns:go="http://customooxmlschemas.google.com/" r:id="rId21" roundtripDataSignature="AMtx7mjHzTg+goWcQk8fO5It0l+0ng5KHA=="/>
     </p:ext>
   </p:extLst>
 </p:presentation>
@@ -1077,6 +1078,133 @@
     </p:spTree>
     <p:extLst>
       <p:ext uri="{BB962C8B-B14F-4D97-AF65-F5344CB8AC3E}">
+        <p14:creationId xmlns:p14="http://schemas.microsoft.com/office/powerpoint/2010/main" val="2160690811"/>
+      </p:ext>
+    </p:extLst>
+  </p:cSld>
+  <p:clrMapOvr>
+    <a:masterClrMapping/>
+  </p:clrMapOvr>
+</p:notes>
+</file>
+
+<file path=ppt/notesSlides/notesSlide11.xml><?xml version="1.0" encoding="utf-8"?>
+<p:notes xmlns:a="http://schemas.openxmlformats.org/drawingml/2006/main" xmlns:r="http://schemas.openxmlformats.org/officeDocument/2006/relationships" xmlns:p="http://schemas.openxmlformats.org/presentationml/2006/main" showMasterSp="0" showMasterPhAnim="0">
+  <p:cSld>
+    <p:spTree>
+      <p:nvGrpSpPr>
+        <p:cNvPr id="1" name="Shape 195"/>
+        <p:cNvGrpSpPr/>
+        <p:nvPr/>
+      </p:nvGrpSpPr>
+      <p:grpSpPr>
+        <a:xfrm>
+          <a:off x="0" y="0"/>
+          <a:ext cx="0" cy="0"/>
+          <a:chOff x="0" y="0"/>
+          <a:chExt cx="0" cy="0"/>
+        </a:xfrm>
+      </p:grpSpPr>
+      <p:sp>
+        <p:nvSpPr>
+          <p:cNvPr id="196" name="Google Shape;196;p2:notes"/>
+          <p:cNvSpPr txBox="1">
+            <a:spLocks noGrp="1"/>
+          </p:cNvSpPr>
+          <p:nvPr>
+            <p:ph type="body" idx="1"/>
+          </p:nvPr>
+        </p:nvSpPr>
+        <p:spPr>
+          <a:xfrm>
+            <a:off x="777225" y="4777725"/>
+            <a:ext cx="6217900" cy="4526275"/>
+          </a:xfrm>
+          <a:prstGeom prst="rect">
+            <a:avLst/>
+          </a:prstGeom>
+          <a:noFill/>
+          <a:ln>
+            <a:noFill/>
+          </a:ln>
+        </p:spPr>
+        <p:txBody>
+          <a:bodyPr spcFirstLastPara="1" wrap="square" lIns="91425" tIns="91425" rIns="91425" bIns="91425" anchor="t" anchorCtr="0">
+            <a:noAutofit/>
+          </a:bodyPr>
+          <a:lstStyle/>
+          <a:p>
+            <a:pPr marL="0" lvl="0" indent="0" algn="l" rtl="0">
+              <a:lnSpc>
+                <a:spcPct val="100000"/>
+              </a:lnSpc>
+              <a:spcBef>
+                <a:spcPts val="0"/>
+              </a:spcBef>
+              <a:spcAft>
+                <a:spcPts val="0"/>
+              </a:spcAft>
+              <a:buSzPts val="1100"/>
+              <a:buNone/>
+            </a:pPr>
+            <a:endParaRPr/>
+          </a:p>
+        </p:txBody>
+      </p:sp>
+      <p:sp>
+        <p:nvSpPr>
+          <p:cNvPr id="197" name="Google Shape;197;p2:notes"/>
+          <p:cNvSpPr>
+            <a:spLocks noGrp="1" noRot="1" noChangeAspect="1"/>
+          </p:cNvSpPr>
+          <p:nvPr>
+            <p:ph type="sldImg" idx="2"/>
+          </p:nvPr>
+        </p:nvSpPr>
+        <p:spPr>
+          <a:xfrm>
+            <a:off x="533400" y="754063"/>
+            <a:ext cx="6705600" cy="3771900"/>
+          </a:xfrm>
+          <a:custGeom>
+            <a:avLst/>
+            <a:gdLst/>
+            <a:ahLst/>
+            <a:cxnLst/>
+            <a:rect l="l" t="t" r="r" b="b"/>
+            <a:pathLst>
+              <a:path w="120000" h="120000" extrusionOk="0">
+                <a:moveTo>
+                  <a:pt x="0" y="0"/>
+                </a:moveTo>
+                <a:lnTo>
+                  <a:pt x="120000" y="0"/>
+                </a:lnTo>
+                <a:lnTo>
+                  <a:pt x="120000" y="120000"/>
+                </a:lnTo>
+                <a:lnTo>
+                  <a:pt x="0" y="120000"/>
+                </a:lnTo>
+                <a:close/>
+              </a:path>
+            </a:pathLst>
+          </a:custGeom>
+          <a:noFill/>
+          <a:ln w="9525" cap="flat" cmpd="sng">
+            <a:solidFill>
+              <a:srgbClr val="000000"/>
+            </a:solidFill>
+            <a:prstDash val="solid"/>
+            <a:round/>
+            <a:headEnd type="none" w="sm" len="sm"/>
+            <a:tailEnd type="none" w="sm" len="sm"/>
+          </a:ln>
+        </p:spPr>
+      </p:sp>
+    </p:spTree>
+    <p:extLst>
+      <p:ext uri="{BB962C8B-B14F-4D97-AF65-F5344CB8AC3E}">
         <p14:creationId xmlns:p14="http://schemas.microsoft.com/office/powerpoint/2010/main" val="3602396715"/>
       </p:ext>
     </p:extLst>
@@ -1834,7 +1962,7 @@
     </p:spTree>
     <p:extLst>
       <p:ext uri="{BB962C8B-B14F-4D97-AF65-F5344CB8AC3E}">
-        <p14:creationId xmlns:p14="http://schemas.microsoft.com/office/powerpoint/2010/main" val="1193128346"/>
+        <p14:creationId xmlns:p14="http://schemas.microsoft.com/office/powerpoint/2010/main" val="3128251969"/>
       </p:ext>
     </p:extLst>
   </p:cSld>
@@ -1845,6 +1973,133 @@
 </file>
 
 <file path=ppt/notesSlides/notesSlide8.xml><?xml version="1.0" encoding="utf-8"?>
+<p:notes xmlns:a="http://schemas.openxmlformats.org/drawingml/2006/main" xmlns:r="http://schemas.openxmlformats.org/officeDocument/2006/relationships" xmlns:p="http://schemas.openxmlformats.org/presentationml/2006/main" showMasterSp="0" showMasterPhAnim="0">
+  <p:cSld>
+    <p:spTree>
+      <p:nvGrpSpPr>
+        <p:cNvPr id="1" name="Shape 195"/>
+        <p:cNvGrpSpPr/>
+        <p:nvPr/>
+      </p:nvGrpSpPr>
+      <p:grpSpPr>
+        <a:xfrm>
+          <a:off x="0" y="0"/>
+          <a:ext cx="0" cy="0"/>
+          <a:chOff x="0" y="0"/>
+          <a:chExt cx="0" cy="0"/>
+        </a:xfrm>
+      </p:grpSpPr>
+      <p:sp>
+        <p:nvSpPr>
+          <p:cNvPr id="196" name="Google Shape;196;p2:notes"/>
+          <p:cNvSpPr txBox="1">
+            <a:spLocks noGrp="1"/>
+          </p:cNvSpPr>
+          <p:nvPr>
+            <p:ph type="body" idx="1"/>
+          </p:nvPr>
+        </p:nvSpPr>
+        <p:spPr>
+          <a:xfrm>
+            <a:off x="777225" y="4777725"/>
+            <a:ext cx="6217900" cy="4526275"/>
+          </a:xfrm>
+          <a:prstGeom prst="rect">
+            <a:avLst/>
+          </a:prstGeom>
+          <a:noFill/>
+          <a:ln>
+            <a:noFill/>
+          </a:ln>
+        </p:spPr>
+        <p:txBody>
+          <a:bodyPr spcFirstLastPara="1" wrap="square" lIns="91425" tIns="91425" rIns="91425" bIns="91425" anchor="t" anchorCtr="0">
+            <a:noAutofit/>
+          </a:bodyPr>
+          <a:lstStyle/>
+          <a:p>
+            <a:pPr marL="0" lvl="0" indent="0" algn="l" rtl="0">
+              <a:lnSpc>
+                <a:spcPct val="100000"/>
+              </a:lnSpc>
+              <a:spcBef>
+                <a:spcPts val="0"/>
+              </a:spcBef>
+              <a:spcAft>
+                <a:spcPts val="0"/>
+              </a:spcAft>
+              <a:buSzPts val="1100"/>
+              <a:buNone/>
+            </a:pPr>
+            <a:endParaRPr/>
+          </a:p>
+        </p:txBody>
+      </p:sp>
+      <p:sp>
+        <p:nvSpPr>
+          <p:cNvPr id="197" name="Google Shape;197;p2:notes"/>
+          <p:cNvSpPr>
+            <a:spLocks noGrp="1" noRot="1" noChangeAspect="1"/>
+          </p:cNvSpPr>
+          <p:nvPr>
+            <p:ph type="sldImg" idx="2"/>
+          </p:nvPr>
+        </p:nvSpPr>
+        <p:spPr>
+          <a:xfrm>
+            <a:off x="533400" y="754063"/>
+            <a:ext cx="6705600" cy="3771900"/>
+          </a:xfrm>
+          <a:custGeom>
+            <a:avLst/>
+            <a:gdLst/>
+            <a:ahLst/>
+            <a:cxnLst/>
+            <a:rect l="l" t="t" r="r" b="b"/>
+            <a:pathLst>
+              <a:path w="120000" h="120000" extrusionOk="0">
+                <a:moveTo>
+                  <a:pt x="0" y="0"/>
+                </a:moveTo>
+                <a:lnTo>
+                  <a:pt x="120000" y="0"/>
+                </a:lnTo>
+                <a:lnTo>
+                  <a:pt x="120000" y="120000"/>
+                </a:lnTo>
+                <a:lnTo>
+                  <a:pt x="0" y="120000"/>
+                </a:lnTo>
+                <a:close/>
+              </a:path>
+            </a:pathLst>
+          </a:custGeom>
+          <a:noFill/>
+          <a:ln w="9525" cap="flat" cmpd="sng">
+            <a:solidFill>
+              <a:srgbClr val="000000"/>
+            </a:solidFill>
+            <a:prstDash val="solid"/>
+            <a:round/>
+            <a:headEnd type="none" w="sm" len="sm"/>
+            <a:tailEnd type="none" w="sm" len="sm"/>
+          </a:ln>
+        </p:spPr>
+      </p:sp>
+    </p:spTree>
+    <p:extLst>
+      <p:ext uri="{BB962C8B-B14F-4D97-AF65-F5344CB8AC3E}">
+        <p14:creationId xmlns:p14="http://schemas.microsoft.com/office/powerpoint/2010/main" val="1716665458"/>
+      </p:ext>
+    </p:extLst>
+  </p:cSld>
+  <p:clrMapOvr>
+    <a:masterClrMapping/>
+  </p:clrMapOvr>
+</p:notes>
+</file>
+
+<file path=ppt/notesSlides/notesSlide9.xml><?xml version="1.0" encoding="utf-8"?>
 <p:notes xmlns:a="http://schemas.openxmlformats.org/drawingml/2006/main" xmlns:r="http://schemas.openxmlformats.org/officeDocument/2006/relationships" xmlns:p="http://schemas.openxmlformats.org/presentationml/2006/main" showMasterSp="0" showMasterPhAnim="0">
   <p:cSld>
     <p:spTree>
@@ -1971,133 +2226,6 @@
 </p:notes>
 </file>
 
-<file path=ppt/notesSlides/notesSlide9.xml><?xml version="1.0" encoding="utf-8"?>
-<p:notes xmlns:a="http://schemas.openxmlformats.org/drawingml/2006/main" xmlns:r="http://schemas.openxmlformats.org/officeDocument/2006/relationships" xmlns:p="http://schemas.openxmlformats.org/presentationml/2006/main" showMasterSp="0" showMasterPhAnim="0">
-  <p:cSld>
-    <p:spTree>
-      <p:nvGrpSpPr>
-        <p:cNvPr id="1" name="Shape 195"/>
-        <p:cNvGrpSpPr/>
-        <p:nvPr/>
-      </p:nvGrpSpPr>
-      <p:grpSpPr>
-        <a:xfrm>
-          <a:off x="0" y="0"/>
-          <a:ext cx="0" cy="0"/>
-          <a:chOff x="0" y="0"/>
-          <a:chExt cx="0" cy="0"/>
-        </a:xfrm>
-      </p:grpSpPr>
-      <p:sp>
-        <p:nvSpPr>
-          <p:cNvPr id="196" name="Google Shape;196;p2:notes"/>
-          <p:cNvSpPr txBox="1">
-            <a:spLocks noGrp="1"/>
-          </p:cNvSpPr>
-          <p:nvPr>
-            <p:ph type="body" idx="1"/>
-          </p:nvPr>
-        </p:nvSpPr>
-        <p:spPr>
-          <a:xfrm>
-            <a:off x="777225" y="4777725"/>
-            <a:ext cx="6217900" cy="4526275"/>
-          </a:xfrm>
-          <a:prstGeom prst="rect">
-            <a:avLst/>
-          </a:prstGeom>
-          <a:noFill/>
-          <a:ln>
-            <a:noFill/>
-          </a:ln>
-        </p:spPr>
-        <p:txBody>
-          <a:bodyPr spcFirstLastPara="1" wrap="square" lIns="91425" tIns="91425" rIns="91425" bIns="91425" anchor="t" anchorCtr="0">
-            <a:noAutofit/>
-          </a:bodyPr>
-          <a:lstStyle/>
-          <a:p>
-            <a:pPr marL="0" lvl="0" indent="0" algn="l" rtl="0">
-              <a:lnSpc>
-                <a:spcPct val="100000"/>
-              </a:lnSpc>
-              <a:spcBef>
-                <a:spcPts val="0"/>
-              </a:spcBef>
-              <a:spcAft>
-                <a:spcPts val="0"/>
-              </a:spcAft>
-              <a:buSzPts val="1100"/>
-              <a:buNone/>
-            </a:pPr>
-            <a:endParaRPr/>
-          </a:p>
-        </p:txBody>
-      </p:sp>
-      <p:sp>
-        <p:nvSpPr>
-          <p:cNvPr id="197" name="Google Shape;197;p2:notes"/>
-          <p:cNvSpPr>
-            <a:spLocks noGrp="1" noRot="1" noChangeAspect="1"/>
-          </p:cNvSpPr>
-          <p:nvPr>
-            <p:ph type="sldImg" idx="2"/>
-          </p:nvPr>
-        </p:nvSpPr>
-        <p:spPr>
-          <a:xfrm>
-            <a:off x="533400" y="754063"/>
-            <a:ext cx="6705600" cy="3771900"/>
-          </a:xfrm>
-          <a:custGeom>
-            <a:avLst/>
-            <a:gdLst/>
-            <a:ahLst/>
-            <a:cxnLst/>
-            <a:rect l="l" t="t" r="r" b="b"/>
-            <a:pathLst>
-              <a:path w="120000" h="120000" extrusionOk="0">
-                <a:moveTo>
-                  <a:pt x="0" y="0"/>
-                </a:moveTo>
-                <a:lnTo>
-                  <a:pt x="120000" y="0"/>
-                </a:lnTo>
-                <a:lnTo>
-                  <a:pt x="120000" y="120000"/>
-                </a:lnTo>
-                <a:lnTo>
-                  <a:pt x="0" y="120000"/>
-                </a:lnTo>
-                <a:close/>
-              </a:path>
-            </a:pathLst>
-          </a:custGeom>
-          <a:noFill/>
-          <a:ln w="9525" cap="flat" cmpd="sng">
-            <a:solidFill>
-              <a:srgbClr val="000000"/>
-            </a:solidFill>
-            <a:prstDash val="solid"/>
-            <a:round/>
-            <a:headEnd type="none" w="sm" len="sm"/>
-            <a:tailEnd type="none" w="sm" len="sm"/>
-          </a:ln>
-        </p:spPr>
-      </p:sp>
-    </p:spTree>
-    <p:extLst>
-      <p:ext uri="{BB962C8B-B14F-4D97-AF65-F5344CB8AC3E}">
-        <p14:creationId xmlns:p14="http://schemas.microsoft.com/office/powerpoint/2010/main" val="2160690811"/>
-      </p:ext>
-    </p:extLst>
-  </p:cSld>
-  <p:clrMapOvr>
-    <a:masterClrMapping/>
-  </p:clrMapOvr>
-</p:notes>
-</file>
-
 <file path=ppt/slideLayouts/slideLayout1.xml><?xml version="1.0" encoding="utf-8"?>
 <p:sldLayout xmlns:a="http://schemas.openxmlformats.org/drawingml/2006/main" xmlns:r="http://schemas.openxmlformats.org/officeDocument/2006/relationships" xmlns:p="http://schemas.openxmlformats.org/presentationml/2006/main" matchingName="Title Slide" type="tx">
   <p:cSld name="TITLE_AND_BODY">
@@ -4944,856 +5072,6 @@
 </file>
 
 <file path=ppt/slideLayouts/slideLayout14.xml><?xml version="1.0" encoding="utf-8"?>
-<p:sldLayout xmlns:a="http://schemas.openxmlformats.org/drawingml/2006/main" xmlns:r="http://schemas.openxmlformats.org/officeDocument/2006/relationships" xmlns:p="http://schemas.openxmlformats.org/presentationml/2006/main" matchingName="Title, Content" type="obj">
-  <p:cSld name="OBJECT">
-    <p:spTree>
-      <p:nvGrpSpPr>
-        <p:cNvPr id="1" name="Shape 66"/>
-        <p:cNvGrpSpPr/>
-        <p:nvPr/>
-      </p:nvGrpSpPr>
-      <p:grpSpPr>
-        <a:xfrm>
-          <a:off x="0" y="0"/>
-          <a:ext cx="0" cy="0"/>
-          <a:chOff x="0" y="0"/>
-          <a:chExt cx="0" cy="0"/>
-        </a:xfrm>
-      </p:grpSpPr>
-      <p:sp>
-        <p:nvSpPr>
-          <p:cNvPr id="67" name="Google Shape;67;p31"/>
-          <p:cNvSpPr txBox="1">
-            <a:spLocks noGrp="1"/>
-          </p:cNvSpPr>
-          <p:nvPr>
-            <p:ph type="title"/>
-          </p:nvPr>
-        </p:nvSpPr>
-        <p:spPr>
-          <a:xfrm>
-            <a:off x="1523880" y="1122480"/>
-            <a:ext cx="9143640" cy="2387160"/>
-          </a:xfrm>
-          <a:prstGeom prst="rect">
-            <a:avLst/>
-          </a:prstGeom>
-          <a:noFill/>
-          <a:ln>
-            <a:noFill/>
-          </a:ln>
-        </p:spPr>
-        <p:txBody>
-          <a:bodyPr spcFirstLastPara="1" wrap="square" lIns="0" tIns="0" rIns="0" bIns="0" anchor="ctr" anchorCtr="0">
-            <a:noAutofit/>
-          </a:bodyPr>
-          <a:lstStyle>
-            <a:lvl1pPr lvl="0" algn="l">
-              <a:lnSpc>
-                <a:spcPct val="100000"/>
-              </a:lnSpc>
-              <a:spcBef>
-                <a:spcPts val="0"/>
-              </a:spcBef>
-              <a:spcAft>
-                <a:spcPts val="0"/>
-              </a:spcAft>
-              <a:buSzPts val="1400"/>
-              <a:buNone/>
-              <a:defRPr/>
-            </a:lvl1pPr>
-            <a:lvl2pPr lvl="1" algn="l">
-              <a:lnSpc>
-                <a:spcPct val="100000"/>
-              </a:lnSpc>
-              <a:spcBef>
-                <a:spcPts val="0"/>
-              </a:spcBef>
-              <a:spcAft>
-                <a:spcPts val="0"/>
-              </a:spcAft>
-              <a:buSzPts val="1400"/>
-              <a:buNone/>
-              <a:defRPr/>
-            </a:lvl2pPr>
-            <a:lvl3pPr lvl="2" algn="l">
-              <a:lnSpc>
-                <a:spcPct val="100000"/>
-              </a:lnSpc>
-              <a:spcBef>
-                <a:spcPts val="0"/>
-              </a:spcBef>
-              <a:spcAft>
-                <a:spcPts val="0"/>
-              </a:spcAft>
-              <a:buSzPts val="1400"/>
-              <a:buNone/>
-              <a:defRPr/>
-            </a:lvl3pPr>
-            <a:lvl4pPr lvl="3" algn="l">
-              <a:lnSpc>
-                <a:spcPct val="100000"/>
-              </a:lnSpc>
-              <a:spcBef>
-                <a:spcPts val="0"/>
-              </a:spcBef>
-              <a:spcAft>
-                <a:spcPts val="0"/>
-              </a:spcAft>
-              <a:buSzPts val="1400"/>
-              <a:buNone/>
-              <a:defRPr/>
-            </a:lvl4pPr>
-            <a:lvl5pPr lvl="4" algn="l">
-              <a:lnSpc>
-                <a:spcPct val="100000"/>
-              </a:lnSpc>
-              <a:spcBef>
-                <a:spcPts val="0"/>
-              </a:spcBef>
-              <a:spcAft>
-                <a:spcPts val="0"/>
-              </a:spcAft>
-              <a:buSzPts val="1400"/>
-              <a:buNone/>
-              <a:defRPr/>
-            </a:lvl5pPr>
-            <a:lvl6pPr lvl="5" algn="l">
-              <a:lnSpc>
-                <a:spcPct val="100000"/>
-              </a:lnSpc>
-              <a:spcBef>
-                <a:spcPts val="0"/>
-              </a:spcBef>
-              <a:spcAft>
-                <a:spcPts val="0"/>
-              </a:spcAft>
-              <a:buSzPts val="1400"/>
-              <a:buNone/>
-              <a:defRPr/>
-            </a:lvl6pPr>
-            <a:lvl7pPr lvl="6" algn="l">
-              <a:lnSpc>
-                <a:spcPct val="100000"/>
-              </a:lnSpc>
-              <a:spcBef>
-                <a:spcPts val="0"/>
-              </a:spcBef>
-              <a:spcAft>
-                <a:spcPts val="0"/>
-              </a:spcAft>
-              <a:buSzPts val="1400"/>
-              <a:buNone/>
-              <a:defRPr/>
-            </a:lvl7pPr>
-            <a:lvl8pPr lvl="7" algn="l">
-              <a:lnSpc>
-                <a:spcPct val="100000"/>
-              </a:lnSpc>
-              <a:spcBef>
-                <a:spcPts val="0"/>
-              </a:spcBef>
-              <a:spcAft>
-                <a:spcPts val="0"/>
-              </a:spcAft>
-              <a:buSzPts val="1400"/>
-              <a:buNone/>
-              <a:defRPr/>
-            </a:lvl8pPr>
-            <a:lvl9pPr lvl="8" algn="l">
-              <a:lnSpc>
-                <a:spcPct val="100000"/>
-              </a:lnSpc>
-              <a:spcBef>
-                <a:spcPts val="0"/>
-              </a:spcBef>
-              <a:spcAft>
-                <a:spcPts val="0"/>
-              </a:spcAft>
-              <a:buSzPts val="1400"/>
-              <a:buNone/>
-              <a:defRPr/>
-            </a:lvl9pPr>
-          </a:lstStyle>
-          <a:p>
-            <a:endParaRPr/>
-          </a:p>
-        </p:txBody>
-      </p:sp>
-      <p:sp>
-        <p:nvSpPr>
-          <p:cNvPr id="68" name="Google Shape;68;p31"/>
-          <p:cNvSpPr txBox="1">
-            <a:spLocks noGrp="1"/>
-          </p:cNvSpPr>
-          <p:nvPr>
-            <p:ph type="body" idx="1"/>
-          </p:nvPr>
-        </p:nvSpPr>
-        <p:spPr>
-          <a:xfrm>
-            <a:off x="609480" y="1604520"/>
-            <a:ext cx="10972440" cy="3977280"/>
-          </a:xfrm>
-          <a:prstGeom prst="rect">
-            <a:avLst/>
-          </a:prstGeom>
-          <a:noFill/>
-          <a:ln>
-            <a:noFill/>
-          </a:ln>
-        </p:spPr>
-        <p:txBody>
-          <a:bodyPr spcFirstLastPara="1" wrap="square" lIns="0" tIns="0" rIns="0" bIns="0" anchor="t" anchorCtr="0">
-            <a:normAutofit/>
-          </a:bodyPr>
-          <a:lstStyle>
-            <a:lvl1pPr marL="457200" lvl="0" indent="-228600" algn="l">
-              <a:lnSpc>
-                <a:spcPct val="100000"/>
-              </a:lnSpc>
-              <a:spcBef>
-                <a:spcPts val="0"/>
-              </a:spcBef>
-              <a:spcAft>
-                <a:spcPts val="0"/>
-              </a:spcAft>
-              <a:buSzPts val="1400"/>
-              <a:buNone/>
-              <a:defRPr/>
-            </a:lvl1pPr>
-            <a:lvl2pPr marL="914400" lvl="1" indent="-228600" algn="l">
-              <a:lnSpc>
-                <a:spcPct val="100000"/>
-              </a:lnSpc>
-              <a:spcBef>
-                <a:spcPts val="0"/>
-              </a:spcBef>
-              <a:spcAft>
-                <a:spcPts val="0"/>
-              </a:spcAft>
-              <a:buSzPts val="1400"/>
-              <a:buNone/>
-              <a:defRPr/>
-            </a:lvl2pPr>
-            <a:lvl3pPr marL="1371600" lvl="2" indent="-228600" algn="l">
-              <a:lnSpc>
-                <a:spcPct val="100000"/>
-              </a:lnSpc>
-              <a:spcBef>
-                <a:spcPts val="0"/>
-              </a:spcBef>
-              <a:spcAft>
-                <a:spcPts val="0"/>
-              </a:spcAft>
-              <a:buSzPts val="1400"/>
-              <a:buNone/>
-              <a:defRPr/>
-            </a:lvl3pPr>
-            <a:lvl4pPr marL="1828800" lvl="3" indent="-228600" algn="l">
-              <a:lnSpc>
-                <a:spcPct val="100000"/>
-              </a:lnSpc>
-              <a:spcBef>
-                <a:spcPts val="0"/>
-              </a:spcBef>
-              <a:spcAft>
-                <a:spcPts val="0"/>
-              </a:spcAft>
-              <a:buSzPts val="1400"/>
-              <a:buNone/>
-              <a:defRPr/>
-            </a:lvl4pPr>
-            <a:lvl5pPr marL="2286000" lvl="4" indent="-228600" algn="l">
-              <a:lnSpc>
-                <a:spcPct val="100000"/>
-              </a:lnSpc>
-              <a:spcBef>
-                <a:spcPts val="0"/>
-              </a:spcBef>
-              <a:spcAft>
-                <a:spcPts val="0"/>
-              </a:spcAft>
-              <a:buSzPts val="1400"/>
-              <a:buNone/>
-              <a:defRPr/>
-            </a:lvl5pPr>
-            <a:lvl6pPr marL="2743200" lvl="5" indent="-228600" algn="l">
-              <a:lnSpc>
-                <a:spcPct val="100000"/>
-              </a:lnSpc>
-              <a:spcBef>
-                <a:spcPts val="0"/>
-              </a:spcBef>
-              <a:spcAft>
-                <a:spcPts val="0"/>
-              </a:spcAft>
-              <a:buSzPts val="1400"/>
-              <a:buNone/>
-              <a:defRPr/>
-            </a:lvl6pPr>
-            <a:lvl7pPr marL="3200400" lvl="6" indent="-228600" algn="l">
-              <a:lnSpc>
-                <a:spcPct val="100000"/>
-              </a:lnSpc>
-              <a:spcBef>
-                <a:spcPts val="0"/>
-              </a:spcBef>
-              <a:spcAft>
-                <a:spcPts val="0"/>
-              </a:spcAft>
-              <a:buSzPts val="1400"/>
-              <a:buNone/>
-              <a:defRPr/>
-            </a:lvl7pPr>
-            <a:lvl8pPr marL="3657600" lvl="7" indent="-228600" algn="l">
-              <a:lnSpc>
-                <a:spcPct val="100000"/>
-              </a:lnSpc>
-              <a:spcBef>
-                <a:spcPts val="0"/>
-              </a:spcBef>
-              <a:spcAft>
-                <a:spcPts val="0"/>
-              </a:spcAft>
-              <a:buSzPts val="1400"/>
-              <a:buNone/>
-              <a:defRPr/>
-            </a:lvl8pPr>
-            <a:lvl9pPr marL="4114800" lvl="8" indent="-228600" algn="l">
-              <a:lnSpc>
-                <a:spcPct val="100000"/>
-              </a:lnSpc>
-              <a:spcBef>
-                <a:spcPts val="0"/>
-              </a:spcBef>
-              <a:spcAft>
-                <a:spcPts val="0"/>
-              </a:spcAft>
-              <a:buSzPts val="1400"/>
-              <a:buNone/>
-              <a:defRPr/>
-            </a:lvl9pPr>
-          </a:lstStyle>
-          <a:p>
-            <a:endParaRPr/>
-          </a:p>
-        </p:txBody>
-      </p:sp>
-    </p:spTree>
-  </p:cSld>
-  <p:clrMapOvr>
-    <a:masterClrMapping/>
-  </p:clrMapOvr>
-</p:sldLayout>
-</file>
-
-<file path=ppt/slideLayouts/slideLayout15.xml><?xml version="1.0" encoding="utf-8"?>
-<p:sldLayout xmlns:a="http://schemas.openxmlformats.org/drawingml/2006/main" xmlns:r="http://schemas.openxmlformats.org/officeDocument/2006/relationships" xmlns:p="http://schemas.openxmlformats.org/presentationml/2006/main" matchingName="Title, 2 Content" type="twoObj">
-  <p:cSld name="TWO_OBJECTS">
-    <p:spTree>
-      <p:nvGrpSpPr>
-        <p:cNvPr id="1" name="Shape 69"/>
-        <p:cNvGrpSpPr/>
-        <p:nvPr/>
-      </p:nvGrpSpPr>
-      <p:grpSpPr>
-        <a:xfrm>
-          <a:off x="0" y="0"/>
-          <a:ext cx="0" cy="0"/>
-          <a:chOff x="0" y="0"/>
-          <a:chExt cx="0" cy="0"/>
-        </a:xfrm>
-      </p:grpSpPr>
-      <p:sp>
-        <p:nvSpPr>
-          <p:cNvPr id="70" name="Google Shape;70;p32"/>
-          <p:cNvSpPr txBox="1">
-            <a:spLocks noGrp="1"/>
-          </p:cNvSpPr>
-          <p:nvPr>
-            <p:ph type="title"/>
-          </p:nvPr>
-        </p:nvSpPr>
-        <p:spPr>
-          <a:xfrm>
-            <a:off x="1523880" y="1122480"/>
-            <a:ext cx="9143640" cy="2387160"/>
-          </a:xfrm>
-          <a:prstGeom prst="rect">
-            <a:avLst/>
-          </a:prstGeom>
-          <a:noFill/>
-          <a:ln>
-            <a:noFill/>
-          </a:ln>
-        </p:spPr>
-        <p:txBody>
-          <a:bodyPr spcFirstLastPara="1" wrap="square" lIns="0" tIns="0" rIns="0" bIns="0" anchor="ctr" anchorCtr="0">
-            <a:noAutofit/>
-          </a:bodyPr>
-          <a:lstStyle>
-            <a:lvl1pPr lvl="0" algn="l">
-              <a:lnSpc>
-                <a:spcPct val="100000"/>
-              </a:lnSpc>
-              <a:spcBef>
-                <a:spcPts val="0"/>
-              </a:spcBef>
-              <a:spcAft>
-                <a:spcPts val="0"/>
-              </a:spcAft>
-              <a:buSzPts val="1400"/>
-              <a:buNone/>
-              <a:defRPr/>
-            </a:lvl1pPr>
-            <a:lvl2pPr lvl="1" algn="l">
-              <a:lnSpc>
-                <a:spcPct val="100000"/>
-              </a:lnSpc>
-              <a:spcBef>
-                <a:spcPts val="0"/>
-              </a:spcBef>
-              <a:spcAft>
-                <a:spcPts val="0"/>
-              </a:spcAft>
-              <a:buSzPts val="1400"/>
-              <a:buNone/>
-              <a:defRPr/>
-            </a:lvl2pPr>
-            <a:lvl3pPr lvl="2" algn="l">
-              <a:lnSpc>
-                <a:spcPct val="100000"/>
-              </a:lnSpc>
-              <a:spcBef>
-                <a:spcPts val="0"/>
-              </a:spcBef>
-              <a:spcAft>
-                <a:spcPts val="0"/>
-              </a:spcAft>
-              <a:buSzPts val="1400"/>
-              <a:buNone/>
-              <a:defRPr/>
-            </a:lvl3pPr>
-            <a:lvl4pPr lvl="3" algn="l">
-              <a:lnSpc>
-                <a:spcPct val="100000"/>
-              </a:lnSpc>
-              <a:spcBef>
-                <a:spcPts val="0"/>
-              </a:spcBef>
-              <a:spcAft>
-                <a:spcPts val="0"/>
-              </a:spcAft>
-              <a:buSzPts val="1400"/>
-              <a:buNone/>
-              <a:defRPr/>
-            </a:lvl4pPr>
-            <a:lvl5pPr lvl="4" algn="l">
-              <a:lnSpc>
-                <a:spcPct val="100000"/>
-              </a:lnSpc>
-              <a:spcBef>
-                <a:spcPts val="0"/>
-              </a:spcBef>
-              <a:spcAft>
-                <a:spcPts val="0"/>
-              </a:spcAft>
-              <a:buSzPts val="1400"/>
-              <a:buNone/>
-              <a:defRPr/>
-            </a:lvl5pPr>
-            <a:lvl6pPr lvl="5" algn="l">
-              <a:lnSpc>
-                <a:spcPct val="100000"/>
-              </a:lnSpc>
-              <a:spcBef>
-                <a:spcPts val="0"/>
-              </a:spcBef>
-              <a:spcAft>
-                <a:spcPts val="0"/>
-              </a:spcAft>
-              <a:buSzPts val="1400"/>
-              <a:buNone/>
-              <a:defRPr/>
-            </a:lvl6pPr>
-            <a:lvl7pPr lvl="6" algn="l">
-              <a:lnSpc>
-                <a:spcPct val="100000"/>
-              </a:lnSpc>
-              <a:spcBef>
-                <a:spcPts val="0"/>
-              </a:spcBef>
-              <a:spcAft>
-                <a:spcPts val="0"/>
-              </a:spcAft>
-              <a:buSzPts val="1400"/>
-              <a:buNone/>
-              <a:defRPr/>
-            </a:lvl7pPr>
-            <a:lvl8pPr lvl="7" algn="l">
-              <a:lnSpc>
-                <a:spcPct val="100000"/>
-              </a:lnSpc>
-              <a:spcBef>
-                <a:spcPts val="0"/>
-              </a:spcBef>
-              <a:spcAft>
-                <a:spcPts val="0"/>
-              </a:spcAft>
-              <a:buSzPts val="1400"/>
-              <a:buNone/>
-              <a:defRPr/>
-            </a:lvl8pPr>
-            <a:lvl9pPr lvl="8" algn="l">
-              <a:lnSpc>
-                <a:spcPct val="100000"/>
-              </a:lnSpc>
-              <a:spcBef>
-                <a:spcPts val="0"/>
-              </a:spcBef>
-              <a:spcAft>
-                <a:spcPts val="0"/>
-              </a:spcAft>
-              <a:buSzPts val="1400"/>
-              <a:buNone/>
-              <a:defRPr/>
-            </a:lvl9pPr>
-          </a:lstStyle>
-          <a:p>
-            <a:endParaRPr/>
-          </a:p>
-        </p:txBody>
-      </p:sp>
-      <p:sp>
-        <p:nvSpPr>
-          <p:cNvPr id="71" name="Google Shape;71;p32"/>
-          <p:cNvSpPr txBox="1">
-            <a:spLocks noGrp="1"/>
-          </p:cNvSpPr>
-          <p:nvPr>
-            <p:ph type="body" idx="1"/>
-          </p:nvPr>
-        </p:nvSpPr>
-        <p:spPr>
-          <a:xfrm>
-            <a:off x="609480" y="1604520"/>
-            <a:ext cx="5354280" cy="3977280"/>
-          </a:xfrm>
-          <a:prstGeom prst="rect">
-            <a:avLst/>
-          </a:prstGeom>
-          <a:noFill/>
-          <a:ln>
-            <a:noFill/>
-          </a:ln>
-        </p:spPr>
-        <p:txBody>
-          <a:bodyPr spcFirstLastPara="1" wrap="square" lIns="0" tIns="0" rIns="0" bIns="0" anchor="t" anchorCtr="0">
-            <a:normAutofit/>
-          </a:bodyPr>
-          <a:lstStyle>
-            <a:lvl1pPr marL="457200" lvl="0" indent="-228600" algn="l">
-              <a:lnSpc>
-                <a:spcPct val="100000"/>
-              </a:lnSpc>
-              <a:spcBef>
-                <a:spcPts val="0"/>
-              </a:spcBef>
-              <a:spcAft>
-                <a:spcPts val="0"/>
-              </a:spcAft>
-              <a:buSzPts val="1400"/>
-              <a:buNone/>
-              <a:defRPr/>
-            </a:lvl1pPr>
-            <a:lvl2pPr marL="914400" lvl="1" indent="-228600" algn="l">
-              <a:lnSpc>
-                <a:spcPct val="100000"/>
-              </a:lnSpc>
-              <a:spcBef>
-                <a:spcPts val="0"/>
-              </a:spcBef>
-              <a:spcAft>
-                <a:spcPts val="0"/>
-              </a:spcAft>
-              <a:buSzPts val="1400"/>
-              <a:buNone/>
-              <a:defRPr/>
-            </a:lvl2pPr>
-            <a:lvl3pPr marL="1371600" lvl="2" indent="-228600" algn="l">
-              <a:lnSpc>
-                <a:spcPct val="100000"/>
-              </a:lnSpc>
-              <a:spcBef>
-                <a:spcPts val="0"/>
-              </a:spcBef>
-              <a:spcAft>
-                <a:spcPts val="0"/>
-              </a:spcAft>
-              <a:buSzPts val="1400"/>
-              <a:buNone/>
-              <a:defRPr/>
-            </a:lvl3pPr>
-            <a:lvl4pPr marL="1828800" lvl="3" indent="-228600" algn="l">
-              <a:lnSpc>
-                <a:spcPct val="100000"/>
-              </a:lnSpc>
-              <a:spcBef>
-                <a:spcPts val="0"/>
-              </a:spcBef>
-              <a:spcAft>
-                <a:spcPts val="0"/>
-              </a:spcAft>
-              <a:buSzPts val="1400"/>
-              <a:buNone/>
-              <a:defRPr/>
-            </a:lvl4pPr>
-            <a:lvl5pPr marL="2286000" lvl="4" indent="-228600" algn="l">
-              <a:lnSpc>
-                <a:spcPct val="100000"/>
-              </a:lnSpc>
-              <a:spcBef>
-                <a:spcPts val="0"/>
-              </a:spcBef>
-              <a:spcAft>
-                <a:spcPts val="0"/>
-              </a:spcAft>
-              <a:buSzPts val="1400"/>
-              <a:buNone/>
-              <a:defRPr/>
-            </a:lvl5pPr>
-            <a:lvl6pPr marL="2743200" lvl="5" indent="-228600" algn="l">
-              <a:lnSpc>
-                <a:spcPct val="100000"/>
-              </a:lnSpc>
-              <a:spcBef>
-                <a:spcPts val="0"/>
-              </a:spcBef>
-              <a:spcAft>
-                <a:spcPts val="0"/>
-              </a:spcAft>
-              <a:buSzPts val="1400"/>
-              <a:buNone/>
-              <a:defRPr/>
-            </a:lvl6pPr>
-            <a:lvl7pPr marL="3200400" lvl="6" indent="-228600" algn="l">
-              <a:lnSpc>
-                <a:spcPct val="100000"/>
-              </a:lnSpc>
-              <a:spcBef>
-                <a:spcPts val="0"/>
-              </a:spcBef>
-              <a:spcAft>
-                <a:spcPts val="0"/>
-              </a:spcAft>
-              <a:buSzPts val="1400"/>
-              <a:buNone/>
-              <a:defRPr/>
-            </a:lvl7pPr>
-            <a:lvl8pPr marL="3657600" lvl="7" indent="-228600" algn="l">
-              <a:lnSpc>
-                <a:spcPct val="100000"/>
-              </a:lnSpc>
-              <a:spcBef>
-                <a:spcPts val="0"/>
-              </a:spcBef>
-              <a:spcAft>
-                <a:spcPts val="0"/>
-              </a:spcAft>
-              <a:buSzPts val="1400"/>
-              <a:buNone/>
-              <a:defRPr/>
-            </a:lvl8pPr>
-            <a:lvl9pPr marL="4114800" lvl="8" indent="-228600" algn="l">
-              <a:lnSpc>
-                <a:spcPct val="100000"/>
-              </a:lnSpc>
-              <a:spcBef>
-                <a:spcPts val="0"/>
-              </a:spcBef>
-              <a:spcAft>
-                <a:spcPts val="0"/>
-              </a:spcAft>
-              <a:buSzPts val="1400"/>
-              <a:buNone/>
-              <a:defRPr/>
-            </a:lvl9pPr>
-          </a:lstStyle>
-          <a:p>
-            <a:endParaRPr/>
-          </a:p>
-        </p:txBody>
-      </p:sp>
-      <p:sp>
-        <p:nvSpPr>
-          <p:cNvPr id="72" name="Google Shape;72;p32"/>
-          <p:cNvSpPr txBox="1">
-            <a:spLocks noGrp="1"/>
-          </p:cNvSpPr>
-          <p:nvPr>
-            <p:ph type="body" idx="2"/>
-          </p:nvPr>
-        </p:nvSpPr>
-        <p:spPr>
-          <a:xfrm>
-            <a:off x="6231960" y="1604520"/>
-            <a:ext cx="5354280" cy="3977280"/>
-          </a:xfrm>
-          <a:prstGeom prst="rect">
-            <a:avLst/>
-          </a:prstGeom>
-          <a:noFill/>
-          <a:ln>
-            <a:noFill/>
-          </a:ln>
-        </p:spPr>
-        <p:txBody>
-          <a:bodyPr spcFirstLastPara="1" wrap="square" lIns="0" tIns="0" rIns="0" bIns="0" anchor="t" anchorCtr="0">
-            <a:normAutofit/>
-          </a:bodyPr>
-          <a:lstStyle>
-            <a:lvl1pPr marL="457200" lvl="0" indent="-228600" algn="l">
-              <a:lnSpc>
-                <a:spcPct val="100000"/>
-              </a:lnSpc>
-              <a:spcBef>
-                <a:spcPts val="0"/>
-              </a:spcBef>
-              <a:spcAft>
-                <a:spcPts val="0"/>
-              </a:spcAft>
-              <a:buSzPts val="1400"/>
-              <a:buNone/>
-              <a:defRPr/>
-            </a:lvl1pPr>
-            <a:lvl2pPr marL="914400" lvl="1" indent="-228600" algn="l">
-              <a:lnSpc>
-                <a:spcPct val="100000"/>
-              </a:lnSpc>
-              <a:spcBef>
-                <a:spcPts val="0"/>
-              </a:spcBef>
-              <a:spcAft>
-                <a:spcPts val="0"/>
-              </a:spcAft>
-              <a:buSzPts val="1400"/>
-              <a:buNone/>
-              <a:defRPr/>
-            </a:lvl2pPr>
-            <a:lvl3pPr marL="1371600" lvl="2" indent="-228600" algn="l">
-              <a:lnSpc>
-                <a:spcPct val="100000"/>
-              </a:lnSpc>
-              <a:spcBef>
-                <a:spcPts val="0"/>
-              </a:spcBef>
-              <a:spcAft>
-                <a:spcPts val="0"/>
-              </a:spcAft>
-              <a:buSzPts val="1400"/>
-              <a:buNone/>
-              <a:defRPr/>
-            </a:lvl3pPr>
-            <a:lvl4pPr marL="1828800" lvl="3" indent="-228600" algn="l">
-              <a:lnSpc>
-                <a:spcPct val="100000"/>
-              </a:lnSpc>
-              <a:spcBef>
-                <a:spcPts val="0"/>
-              </a:spcBef>
-              <a:spcAft>
-                <a:spcPts val="0"/>
-              </a:spcAft>
-              <a:buSzPts val="1400"/>
-              <a:buNone/>
-              <a:defRPr/>
-            </a:lvl4pPr>
-            <a:lvl5pPr marL="2286000" lvl="4" indent="-228600" algn="l">
-              <a:lnSpc>
-                <a:spcPct val="100000"/>
-              </a:lnSpc>
-              <a:spcBef>
-                <a:spcPts val="0"/>
-              </a:spcBef>
-              <a:spcAft>
-                <a:spcPts val="0"/>
-              </a:spcAft>
-              <a:buSzPts val="1400"/>
-              <a:buNone/>
-              <a:defRPr/>
-            </a:lvl5pPr>
-            <a:lvl6pPr marL="2743200" lvl="5" indent="-228600" algn="l">
-              <a:lnSpc>
-                <a:spcPct val="100000"/>
-              </a:lnSpc>
-              <a:spcBef>
-                <a:spcPts val="0"/>
-              </a:spcBef>
-              <a:spcAft>
-                <a:spcPts val="0"/>
-              </a:spcAft>
-              <a:buSzPts val="1400"/>
-              <a:buNone/>
-              <a:defRPr/>
-            </a:lvl6pPr>
-            <a:lvl7pPr marL="3200400" lvl="6" indent="-228600" algn="l">
-              <a:lnSpc>
-                <a:spcPct val="100000"/>
-              </a:lnSpc>
-              <a:spcBef>
-                <a:spcPts val="0"/>
-              </a:spcBef>
-              <a:spcAft>
-                <a:spcPts val="0"/>
-              </a:spcAft>
-              <a:buSzPts val="1400"/>
-              <a:buNone/>
-              <a:defRPr/>
-            </a:lvl7pPr>
-            <a:lvl8pPr marL="3657600" lvl="7" indent="-228600" algn="l">
-              <a:lnSpc>
-                <a:spcPct val="100000"/>
-              </a:lnSpc>
-              <a:spcBef>
-                <a:spcPts val="0"/>
-              </a:spcBef>
-              <a:spcAft>
-                <a:spcPts val="0"/>
-              </a:spcAft>
-              <a:buSzPts val="1400"/>
-              <a:buNone/>
-              <a:defRPr/>
-            </a:lvl8pPr>
-            <a:lvl9pPr marL="4114800" lvl="8" indent="-228600" algn="l">
-              <a:lnSpc>
-                <a:spcPct val="100000"/>
-              </a:lnSpc>
-              <a:spcBef>
-                <a:spcPts val="0"/>
-              </a:spcBef>
-              <a:spcAft>
-                <a:spcPts val="0"/>
-              </a:spcAft>
-              <a:buSzPts val="1400"/>
-              <a:buNone/>
-              <a:defRPr/>
-            </a:lvl9pPr>
-          </a:lstStyle>
-          <a:p>
-            <a:endParaRPr/>
-          </a:p>
-        </p:txBody>
-      </p:sp>
-    </p:spTree>
-  </p:cSld>
-  <p:clrMapOvr>
-    <a:masterClrMapping/>
-  </p:clrMapOvr>
-</p:sldLayout>
-</file>
-
-<file path=ppt/slideLayouts/slideLayout16.xml><?xml version="1.0" encoding="utf-8"?>
 <p:sldLayout xmlns:a="http://schemas.openxmlformats.org/drawingml/2006/main" xmlns:r="http://schemas.openxmlformats.org/officeDocument/2006/relationships" xmlns:p="http://schemas.openxmlformats.org/presentationml/2006/main" matchingName="Title Only" type="titleOnly">
   <p:cSld name="TITLE_ONLY">
     <p:spTree>
@@ -5978,7 +5256,7 @@
 </p:sldLayout>
 </file>
 
-<file path=ppt/slideLayouts/slideLayout17.xml><?xml version="1.0" encoding="utf-8"?>
+<file path=ppt/slideLayouts/slideLayout15.xml><?xml version="1.0" encoding="utf-8"?>
 <p:sldLayout xmlns:a="http://schemas.openxmlformats.org/drawingml/2006/main" xmlns:r="http://schemas.openxmlformats.org/officeDocument/2006/relationships" xmlns:p="http://schemas.openxmlformats.org/presentationml/2006/main" matchingName="Centered Text" type="objOnly">
   <p:cSld name="OBJECT_ONLY">
     <p:spTree>
@@ -6163,7 +5441,7 @@
 </p:sldLayout>
 </file>
 
-<file path=ppt/slideLayouts/slideLayout18.xml><?xml version="1.0" encoding="utf-8"?>
+<file path=ppt/slideLayouts/slideLayout16.xml><?xml version="1.0" encoding="utf-8"?>
 <p:sldLayout xmlns:a="http://schemas.openxmlformats.org/drawingml/2006/main" xmlns:r="http://schemas.openxmlformats.org/officeDocument/2006/relationships" xmlns:p="http://schemas.openxmlformats.org/presentationml/2006/main" matchingName="Title, 2 Content and Content" type="twoObjAndObj">
   <p:cSld name="TWO_OBJECTS_AND_OBJECT">
     <p:spTree>
@@ -6828,7 +6106,7 @@
 </p:sldLayout>
 </file>
 
-<file path=ppt/slideLayouts/slideLayout19.xml><?xml version="1.0" encoding="utf-8"?>
+<file path=ppt/slideLayouts/slideLayout17.xml><?xml version="1.0" encoding="utf-8"?>
 <p:sldLayout xmlns:a="http://schemas.openxmlformats.org/drawingml/2006/main" xmlns:r="http://schemas.openxmlformats.org/officeDocument/2006/relationships" xmlns:p="http://schemas.openxmlformats.org/presentationml/2006/main" matchingName="Title Content and 2 Content" type="objAndTwoObj">
   <p:cSld name="OBJECT_AND_TWO_OBJECTS">
     <p:spTree>
@@ -7493,32 +6771,7 @@
 </p:sldLayout>
 </file>
 
-<file path=ppt/slideLayouts/slideLayout2.xml><?xml version="1.0" encoding="utf-8"?>
-<p:sldLayout xmlns:a="http://schemas.openxmlformats.org/drawingml/2006/main" xmlns:r="http://schemas.openxmlformats.org/officeDocument/2006/relationships" xmlns:p="http://schemas.openxmlformats.org/presentationml/2006/main" matchingName="Blank Slide" type="blank">
-  <p:cSld name="BLANK">
-    <p:spTree>
-      <p:nvGrpSpPr>
-        <p:cNvPr id="1" name="Shape 14"/>
-        <p:cNvGrpSpPr/>
-        <p:nvPr/>
-      </p:nvGrpSpPr>
-      <p:grpSpPr>
-        <a:xfrm>
-          <a:off x="0" y="0"/>
-          <a:ext cx="0" cy="0"/>
-          <a:chOff x="0" y="0"/>
-          <a:chExt cx="0" cy="0"/>
-        </a:xfrm>
-      </p:grpSpPr>
-    </p:spTree>
-  </p:cSld>
-  <p:clrMapOvr>
-    <a:masterClrMapping/>
-  </p:clrMapOvr>
-</p:sldLayout>
-</file>
-
-<file path=ppt/slideLayouts/slideLayout20.xml><?xml version="1.0" encoding="utf-8"?>
+<file path=ppt/slideLayouts/slideLayout18.xml><?xml version="1.0" encoding="utf-8"?>
 <p:sldLayout xmlns:a="http://schemas.openxmlformats.org/drawingml/2006/main" xmlns:r="http://schemas.openxmlformats.org/officeDocument/2006/relationships" xmlns:p="http://schemas.openxmlformats.org/presentationml/2006/main" matchingName="Title, 2 Content over Content" type="twoObjOverTx">
   <p:cSld name="TWO_OBJECTS_OVER_TEXT">
     <p:spTree>
@@ -8183,7 +7436,7 @@
 </p:sldLayout>
 </file>
 
-<file path=ppt/slideLayouts/slideLayout21.xml><?xml version="1.0" encoding="utf-8"?>
+<file path=ppt/slideLayouts/slideLayout19.xml><?xml version="1.0" encoding="utf-8"?>
 <p:sldLayout xmlns:a="http://schemas.openxmlformats.org/drawingml/2006/main" xmlns:r="http://schemas.openxmlformats.org/officeDocument/2006/relationships" xmlns:p="http://schemas.openxmlformats.org/presentationml/2006/main" matchingName="Title, Content over Content" type="objOverTx">
   <p:cSld name="OBJECT_OVER_TEXT">
     <p:spTree>
@@ -8688,7 +7941,32 @@
 </p:sldLayout>
 </file>
 
-<file path=ppt/slideLayouts/slideLayout22.xml><?xml version="1.0" encoding="utf-8"?>
+<file path=ppt/slideLayouts/slideLayout2.xml><?xml version="1.0" encoding="utf-8"?>
+<p:sldLayout xmlns:a="http://schemas.openxmlformats.org/drawingml/2006/main" xmlns:r="http://schemas.openxmlformats.org/officeDocument/2006/relationships" xmlns:p="http://schemas.openxmlformats.org/presentationml/2006/main" matchingName="Blank Slide" type="blank">
+  <p:cSld name="BLANK">
+    <p:spTree>
+      <p:nvGrpSpPr>
+        <p:cNvPr id="1" name="Shape 14"/>
+        <p:cNvGrpSpPr/>
+        <p:nvPr/>
+      </p:nvGrpSpPr>
+      <p:grpSpPr>
+        <a:xfrm>
+          <a:off x="0" y="0"/>
+          <a:ext cx="0" cy="0"/>
+          <a:chOff x="0" y="0"/>
+          <a:chExt cx="0" cy="0"/>
+        </a:xfrm>
+      </p:grpSpPr>
+    </p:spTree>
+  </p:cSld>
+  <p:clrMapOvr>
+    <a:masterClrMapping/>
+  </p:clrMapOvr>
+</p:sldLayout>
+</file>
+
+<file path=ppt/slideLayouts/slideLayout20.xml><?xml version="1.0" encoding="utf-8"?>
 <p:sldLayout xmlns:a="http://schemas.openxmlformats.org/drawingml/2006/main" xmlns:r="http://schemas.openxmlformats.org/officeDocument/2006/relationships" xmlns:p="http://schemas.openxmlformats.org/presentationml/2006/main" matchingName="Title, 4 Content" type="fourObj">
   <p:cSld name="FOUR_OBJECTS">
     <p:spTree>
@@ -9513,7 +8791,7 @@
 </p:sldLayout>
 </file>
 
-<file path=ppt/slideLayouts/slideLayout23.xml><?xml version="1.0" encoding="utf-8"?>
+<file path=ppt/slideLayouts/slideLayout21.xml><?xml version="1.0" encoding="utf-8"?>
 <p:sldLayout xmlns:a="http://schemas.openxmlformats.org/drawingml/2006/main" xmlns:r="http://schemas.openxmlformats.org/officeDocument/2006/relationships" xmlns:p="http://schemas.openxmlformats.org/presentationml/2006/main" matchingName="Title, 6 Content">
   <p:cSld name="Title, 6 Content">
     <p:spTree>
@@ -16535,16 +15813,14 @@
   <p:clrMap bg1="lt1" tx1="dk1" bg2="dk2" tx2="lt2" accent1="accent1" accent2="accent2" accent3="accent3" accent4="accent4" accent5="accent5" accent6="accent6" hlink="hlink" folHlink="folHlink"/>
   <p:sldLayoutIdLst>
     <p:sldLayoutId id="2147483662" r:id="rId1"/>
-    <p:sldLayoutId id="2147483664" r:id="rId2"/>
-    <p:sldLayoutId id="2147483665" r:id="rId3"/>
-    <p:sldLayoutId id="2147483666" r:id="rId4"/>
-    <p:sldLayoutId id="2147483667" r:id="rId5"/>
-    <p:sldLayoutId id="2147483668" r:id="rId6"/>
-    <p:sldLayoutId id="2147483669" r:id="rId7"/>
-    <p:sldLayoutId id="2147483670" r:id="rId8"/>
-    <p:sldLayoutId id="2147483671" r:id="rId9"/>
-    <p:sldLayoutId id="2147483672" r:id="rId10"/>
-    <p:sldLayoutId id="2147483673" r:id="rId11"/>
+    <p:sldLayoutId id="2147483666" r:id="rId2"/>
+    <p:sldLayoutId id="2147483667" r:id="rId3"/>
+    <p:sldLayoutId id="2147483668" r:id="rId4"/>
+    <p:sldLayoutId id="2147483669" r:id="rId5"/>
+    <p:sldLayoutId id="2147483670" r:id="rId6"/>
+    <p:sldLayoutId id="2147483671" r:id="rId7"/>
+    <p:sldLayoutId id="2147483672" r:id="rId8"/>
+    <p:sldLayoutId id="2147483673" r:id="rId9"/>
   </p:sldLayoutIdLst>
   <p:hf sldNum="0" hdr="0" ftr="0" dt="0"/>
   <p:txStyles>
@@ -17492,6 +16768,411 @@
         </p:blipFill>
         <p:spPr>
           <a:xfrm>
+            <a:off x="-186960" y="-49289"/>
+            <a:ext cx="12196080" cy="6855840"/>
+          </a:xfrm>
+          <a:prstGeom prst="rect">
+            <a:avLst/>
+          </a:prstGeom>
+          <a:noFill/>
+          <a:ln>
+            <a:noFill/>
+          </a:ln>
+        </p:spPr>
+      </p:pic>
+      <p:pic>
+        <p:nvPicPr>
+          <p:cNvPr id="216" name="Google Shape;216;p2"/>
+          <p:cNvPicPr preferRelativeResize="0"/>
+          <p:nvPr/>
+        </p:nvPicPr>
+        <p:blipFill rotWithShape="1">
+          <a:blip r:embed="rId4">
+            <a:alphaModFix/>
+          </a:blip>
+          <a:srcRect/>
+          <a:stretch/>
+        </p:blipFill>
+        <p:spPr>
+          <a:xfrm>
+            <a:off x="182880" y="6089760"/>
+            <a:ext cx="621000" cy="621000"/>
+          </a:xfrm>
+          <a:prstGeom prst="rect">
+            <a:avLst/>
+          </a:prstGeom>
+          <a:noFill/>
+          <a:ln>
+            <a:noFill/>
+          </a:ln>
+        </p:spPr>
+      </p:pic>
+      <p:sp>
+        <p:nvSpPr>
+          <p:cNvPr id="217" name="Google Shape;217;p2"/>
+          <p:cNvSpPr/>
+          <p:nvPr/>
+        </p:nvSpPr>
+        <p:spPr>
+          <a:xfrm>
+            <a:off x="815040" y="6160680"/>
+            <a:ext cx="6915240" cy="425160"/>
+          </a:xfrm>
+          <a:prstGeom prst="rect">
+            <a:avLst/>
+          </a:prstGeom>
+          <a:noFill/>
+          <a:ln>
+            <a:noFill/>
+          </a:ln>
+        </p:spPr>
+        <p:txBody>
+          <a:bodyPr spcFirstLastPara="1" wrap="square" lIns="90000" tIns="45000" rIns="90000" bIns="45000" anchor="t" anchorCtr="0">
+            <a:spAutoFit/>
+          </a:bodyPr>
+          <a:lstStyle/>
+          <a:p>
+            <a:pPr marL="0" marR="0" lvl="0" indent="0" algn="l" rtl="0">
+              <a:lnSpc>
+                <a:spcPct val="100000"/>
+              </a:lnSpc>
+              <a:spcBef>
+                <a:spcPts val="0"/>
+              </a:spcBef>
+              <a:spcAft>
+                <a:spcPts val="0"/>
+              </a:spcAft>
+              <a:buClr>
+                <a:srgbClr val="000000"/>
+              </a:buClr>
+              <a:buSzPts val="2200"/>
+              <a:buFont typeface="Arial"/>
+              <a:buNone/>
+            </a:pPr>
+            <a:r>
+              <a:rPr lang="en-US" sz="2200" b="1" i="0" u="none" strike="noStrike" cap="none">
+                <a:solidFill>
+                  <a:srgbClr val="001E33"/>
+                </a:solidFill>
+                <a:uFill>
+                  <a:noFill/>
+                </a:uFill>
+                <a:latin typeface="Arial"/>
+                <a:ea typeface="Arial"/>
+                <a:cs typeface="Arial"/>
+                <a:sym typeface="Arial"/>
+                <a:hlinkClick r:id="rId5">
+                  <a:extLst>
+                    <a:ext uri="{A12FA001-AC4F-418D-AE19-62706E023703}">
+                      <ahyp:hlinkClr xmlns:ahyp="http://schemas.microsoft.com/office/drawing/2018/hyperlinkcolor" xmlns="" val="tx"/>
+                    </a:ext>
+                  </a:extLst>
+                </a:hlinkClick>
+              </a:rPr>
+              <a:t>http://github.com/yourUserName/proyecto/.</a:t>
+            </a:r>
+            <a:r>
+              <a:rPr lang="en-US" sz="2200" b="1" i="0" u="none" strike="noStrike" cap="none">
+                <a:solidFill>
+                  <a:srgbClr val="001E33"/>
+                </a:solidFill>
+                <a:latin typeface="Arial"/>
+                <a:ea typeface="Arial"/>
+                <a:cs typeface="Arial"/>
+                <a:sym typeface="Arial"/>
+              </a:rPr>
+              <a:t>..</a:t>
+            </a:r>
+            <a:endParaRPr sz="2200" b="1" i="0" u="none" strike="noStrike" cap="none">
+              <a:solidFill>
+                <a:srgbClr val="001E33"/>
+              </a:solidFill>
+              <a:latin typeface="Arial"/>
+              <a:ea typeface="Arial"/>
+              <a:cs typeface="Arial"/>
+              <a:sym typeface="Arial"/>
+            </a:endParaRPr>
+          </a:p>
+        </p:txBody>
+      </p:sp>
+      <p:sp>
+        <p:nvSpPr>
+          <p:cNvPr id="222" name="Google Shape;222;p2"/>
+          <p:cNvSpPr/>
+          <p:nvPr/>
+        </p:nvSpPr>
+        <p:spPr>
+          <a:xfrm>
+            <a:off x="7692600" y="6184200"/>
+            <a:ext cx="2932500" cy="516000"/>
+          </a:xfrm>
+          <a:prstGeom prst="rect">
+            <a:avLst/>
+          </a:prstGeom>
+          <a:noFill/>
+          <a:ln>
+            <a:noFill/>
+          </a:ln>
+        </p:spPr>
+        <p:txBody>
+          <a:bodyPr spcFirstLastPara="1" wrap="square" lIns="90000" tIns="45000" rIns="90000" bIns="45000" anchor="t" anchorCtr="0">
+            <a:noAutofit/>
+          </a:bodyPr>
+          <a:lstStyle/>
+          <a:p>
+            <a:pPr marL="0" marR="0" lvl="0" indent="0" algn="ctr" rtl="0">
+              <a:lnSpc>
+                <a:spcPct val="100000"/>
+              </a:lnSpc>
+              <a:spcBef>
+                <a:spcPts val="0"/>
+              </a:spcBef>
+              <a:spcAft>
+                <a:spcPts val="0"/>
+              </a:spcAft>
+              <a:buClr>
+                <a:srgbClr val="000000"/>
+              </a:buClr>
+              <a:buSzPts val="1400"/>
+              <a:buFont typeface="Arial"/>
+              <a:buNone/>
+            </a:pPr>
+            <a:r>
+              <a:rPr lang="en-US" sz="1400" b="0" i="1" u="none" strike="noStrike" cap="none">
+                <a:solidFill>
+                  <a:schemeClr val="accent2"/>
+                </a:solidFill>
+                <a:latin typeface="Arial"/>
+                <a:ea typeface="Arial"/>
+                <a:cs typeface="Arial"/>
+                <a:sym typeface="Arial"/>
+              </a:rPr>
+              <a:t>Incluya el URL donde</a:t>
+            </a:r>
+            <a:br>
+              <a:rPr lang="en-US" sz="1400" b="0" i="1" u="none" strike="noStrike" cap="none">
+                <a:solidFill>
+                  <a:schemeClr val="accent2"/>
+                </a:solidFill>
+                <a:latin typeface="Arial"/>
+                <a:ea typeface="Arial"/>
+                <a:cs typeface="Arial"/>
+                <a:sym typeface="Arial"/>
+              </a:rPr>
+            </a:br>
+            <a:r>
+              <a:rPr lang="en-US" sz="1400" b="0" i="1" u="none" strike="noStrike" cap="none">
+                <a:solidFill>
+                  <a:schemeClr val="accent2"/>
+                </a:solidFill>
+                <a:latin typeface="Arial"/>
+                <a:ea typeface="Arial"/>
+                <a:cs typeface="Arial"/>
+                <a:sym typeface="Arial"/>
+              </a:rPr>
+              <a:t>su proyecto se encuentra</a:t>
+            </a:r>
+            <a:endParaRPr sz="1400" b="0" i="0" u="none" strike="noStrike" cap="none">
+              <a:solidFill>
+                <a:schemeClr val="accent2"/>
+              </a:solidFill>
+              <a:latin typeface="Arial"/>
+              <a:ea typeface="Arial"/>
+              <a:cs typeface="Arial"/>
+              <a:sym typeface="Arial"/>
+            </a:endParaRPr>
+          </a:p>
+        </p:txBody>
+      </p:sp>
+      <p:sp>
+        <p:nvSpPr>
+          <p:cNvPr id="223" name="Google Shape;223;p2"/>
+          <p:cNvSpPr/>
+          <p:nvPr/>
+        </p:nvSpPr>
+        <p:spPr>
+          <a:xfrm>
+            <a:off x="6996626" y="6335156"/>
+            <a:ext cx="1009314" cy="97794"/>
+          </a:xfrm>
+          <a:custGeom>
+            <a:avLst/>
+            <a:gdLst/>
+            <a:ahLst/>
+            <a:cxnLst/>
+            <a:rect l="l" t="t" r="r" b="b"/>
+            <a:pathLst>
+              <a:path w="21600" h="21600" extrusionOk="0">
+                <a:moveTo>
+                  <a:pt x="0" y="0"/>
+                </a:moveTo>
+                <a:lnTo>
+                  <a:pt x="21600" y="21600"/>
+                </a:lnTo>
+              </a:path>
+            </a:pathLst>
+          </a:custGeom>
+          <a:noFill/>
+          <a:ln w="76300" cap="flat" cmpd="sng">
+            <a:solidFill>
+              <a:schemeClr val="accent2"/>
+            </a:solidFill>
+            <a:prstDash val="solid"/>
+            <a:round/>
+            <a:headEnd type="none" w="sm" len="sm"/>
+            <a:tailEnd type="triangle" w="med" len="med"/>
+          </a:ln>
+        </p:spPr>
+      </p:sp>
+      <p:sp>
+        <p:nvSpPr>
+          <p:cNvPr id="2" name="CuadroTexto 1">
+            <a:extLst>
+              <a:ext uri="{FF2B5EF4-FFF2-40B4-BE49-F238E27FC236}">
+                <a16:creationId xmlns:a16="http://schemas.microsoft.com/office/drawing/2014/main" id="{2E3C3B93-7D6F-476C-A493-DA42C4087825}"/>
+              </a:ext>
+            </a:extLst>
+          </p:cNvPr>
+          <p:cNvSpPr txBox="1"/>
+          <p:nvPr/>
+        </p:nvSpPr>
+        <p:spPr>
+          <a:xfrm>
+            <a:off x="803880" y="1083212"/>
+            <a:ext cx="10801966" cy="307777"/>
+          </a:xfrm>
+          <a:prstGeom prst="rect">
+            <a:avLst/>
+          </a:prstGeom>
+          <a:noFill/>
+        </p:spPr>
+        <p:txBody>
+          <a:bodyPr wrap="square" rtlCol="0">
+            <a:spAutoFit/>
+          </a:bodyPr>
+          <a:lstStyle/>
+          <a:p>
+            <a:r>
+              <a:rPr lang="es-ES" b="0" i="0" dirty="0">
+                <a:solidFill>
+                  <a:srgbClr val="202122"/>
+                </a:solidFill>
+                <a:effectLst/>
+                <a:latin typeface="Arial" panose="020B0604020202020204" pitchFamily="34" charset="0"/>
+              </a:rPr>
+              <a:t> </a:t>
+            </a:r>
+            <a:endParaRPr lang="es-CO" dirty="0"/>
+          </a:p>
+        </p:txBody>
+      </p:sp>
+      <p:sp>
+        <p:nvSpPr>
+          <p:cNvPr id="3" name="CuadroTexto 2">
+            <a:extLst>
+              <a:ext uri="{FF2B5EF4-FFF2-40B4-BE49-F238E27FC236}">
+                <a16:creationId xmlns:a16="http://schemas.microsoft.com/office/drawing/2014/main" id="{6DF9A96A-40B7-4490-BDEF-44F0716AFCA8}"/>
+              </a:ext>
+            </a:extLst>
+          </p:cNvPr>
+          <p:cNvSpPr txBox="1"/>
+          <p:nvPr/>
+        </p:nvSpPr>
+        <p:spPr>
+          <a:xfrm>
+            <a:off x="618978" y="1390989"/>
+            <a:ext cx="11127545" cy="1600438"/>
+          </a:xfrm>
+          <a:prstGeom prst="rect">
+            <a:avLst/>
+          </a:prstGeom>
+          <a:noFill/>
+        </p:spPr>
+        <p:txBody>
+          <a:bodyPr wrap="square" rtlCol="0">
+            <a:spAutoFit/>
+          </a:bodyPr>
+          <a:lstStyle/>
+          <a:p>
+            <a:r>
+              <a:rPr lang="es-ES" dirty="0"/>
+              <a:t>Que son conjuntos(set)  de entrenamiento, validación y prueba </a:t>
+            </a:r>
+          </a:p>
+          <a:p>
+            <a:endParaRPr lang="es-ES" dirty="0"/>
+          </a:p>
+          <a:p>
+            <a:endParaRPr lang="es-ES" dirty="0"/>
+          </a:p>
+          <a:p>
+            <a:endParaRPr lang="es-ES" dirty="0"/>
+          </a:p>
+          <a:p>
+            <a:r>
+              <a:rPr lang="es-CO" dirty="0">
+                <a:hlinkClick r:id="rId6"/>
+              </a:rPr>
+              <a:t>https://www.youtube.com/watch?v=Bzhuxk8ErdI&amp;ab_channel=PsyFun</a:t>
+            </a:r>
+            <a:endParaRPr lang="es-CO" dirty="0"/>
+          </a:p>
+          <a:p>
+            <a:endParaRPr lang="es-CO" dirty="0"/>
+          </a:p>
+          <a:p>
+            <a:r>
+              <a:rPr lang="es-CO" dirty="0"/>
+              <a:t>https://www.youtube.com/watch?v=778Pa63FS78&amp;ab_channel=Feregrino%E2%80%93ThatC%23guy</a:t>
+            </a:r>
+          </a:p>
+        </p:txBody>
+      </p:sp>
+    </p:spTree>
+    <p:extLst>
+      <p:ext uri="{BB962C8B-B14F-4D97-AF65-F5344CB8AC3E}">
+        <p14:creationId xmlns:p14="http://schemas.microsoft.com/office/powerpoint/2010/main" val="550114419"/>
+      </p:ext>
+    </p:extLst>
+  </p:cSld>
+  <p:clrMapOvr>
+    <a:masterClrMapping/>
+  </p:clrMapOvr>
+</p:sld>
+</file>
+
+<file path=ppt/slides/slide11.xml><?xml version="1.0" encoding="utf-8"?>
+<p:sld xmlns:a="http://schemas.openxmlformats.org/drawingml/2006/main" xmlns:r="http://schemas.openxmlformats.org/officeDocument/2006/relationships" xmlns:p="http://schemas.openxmlformats.org/presentationml/2006/main">
+  <p:cSld>
+    <p:spTree>
+      <p:nvGrpSpPr>
+        <p:cNvPr id="1" name="Shape 198"/>
+        <p:cNvGrpSpPr/>
+        <p:nvPr/>
+      </p:nvGrpSpPr>
+      <p:grpSpPr>
+        <a:xfrm>
+          <a:off x="0" y="0"/>
+          <a:ext cx="0" cy="0"/>
+          <a:chOff x="0" y="0"/>
+          <a:chExt cx="0" cy="0"/>
+        </a:xfrm>
+      </p:grpSpPr>
+      <p:pic>
+        <p:nvPicPr>
+          <p:cNvPr id="199" name="Google Shape;199;p2"/>
+          <p:cNvPicPr preferRelativeResize="0"/>
+          <p:nvPr/>
+        </p:nvPicPr>
+        <p:blipFill rotWithShape="1">
+          <a:blip r:embed="rId3">
+            <a:alphaModFix/>
+          </a:blip>
+          <a:srcRect/>
+          <a:stretch/>
+        </p:blipFill>
+        <p:spPr>
+          <a:xfrm>
             <a:off x="-186960" y="-40690"/>
             <a:ext cx="12196080" cy="6855840"/>
           </a:xfrm>
@@ -17588,7 +17269,7 @@
                 <a:hlinkClick r:id="rId5">
                   <a:extLst>
                     <a:ext uri="{A12FA001-AC4F-418D-AE19-62706E023703}">
-                      <ahyp:hlinkClr xmlns="" xmlns:ahyp="http://schemas.microsoft.com/office/drawing/2018/hyperlinkcolor" val="tx"/>
+                      <ahyp:hlinkClr xmlns:ahyp="http://schemas.microsoft.com/office/drawing/2018/hyperlinkcolor" xmlns="" val="tx"/>
                     </a:ext>
                   </a:extLst>
                 </a:hlinkClick>
@@ -19116,7 +18797,7 @@
         </p:nvSpPr>
         <p:spPr>
           <a:xfrm>
-            <a:off x="2473500" y="1427292"/>
+            <a:off x="2480352" y="1427292"/>
             <a:ext cx="7235376" cy="738664"/>
           </a:xfrm>
           <a:prstGeom prst="rect">
@@ -21252,7 +20933,7 @@
       </p:grpSpPr>
       <p:pic>
         <p:nvPicPr>
-          <p:cNvPr id="199" name="Google Shape;199;p2"/>
+          <p:cNvPr id="10" name="Google Shape;199;p2"/>
           <p:cNvPicPr preferRelativeResize="0"/>
           <p:nvPr/>
         </p:nvPicPr>
@@ -21265,8 +20946,8 @@
         </p:blipFill>
         <p:spPr>
           <a:xfrm>
-            <a:off x="-186960" y="-49289"/>
-            <a:ext cx="12378960" cy="6760049"/>
+            <a:off x="0" y="0"/>
+            <a:ext cx="12196080" cy="6855840"/>
           </a:xfrm>
           <a:prstGeom prst="rect">
             <a:avLst/>
@@ -21285,6 +20966,1622 @@
         </p:nvPicPr>
         <p:blipFill rotWithShape="1">
           <a:blip r:embed="rId4">
+            <a:alphaModFix/>
+          </a:blip>
+          <a:srcRect/>
+          <a:stretch/>
+        </p:blipFill>
+        <p:spPr>
+          <a:xfrm>
+            <a:off x="182880" y="6089760"/>
+            <a:ext cx="621000" cy="621000"/>
+          </a:xfrm>
+          <a:prstGeom prst="rect">
+            <a:avLst/>
+          </a:prstGeom>
+          <a:noFill/>
+          <a:ln>
+            <a:noFill/>
+          </a:ln>
+        </p:spPr>
+      </p:pic>
+      <p:sp>
+        <p:nvSpPr>
+          <p:cNvPr id="8" name="Google Shape;217;p2"/>
+          <p:cNvSpPr/>
+          <p:nvPr/>
+        </p:nvSpPr>
+        <p:spPr>
+          <a:xfrm>
+            <a:off x="815040" y="6160680"/>
+            <a:ext cx="6915240" cy="767987"/>
+          </a:xfrm>
+          <a:prstGeom prst="rect">
+            <a:avLst/>
+          </a:prstGeom>
+          <a:noFill/>
+          <a:ln>
+            <a:noFill/>
+          </a:ln>
+        </p:spPr>
+        <p:txBody>
+          <a:bodyPr spcFirstLastPara="1" wrap="square" lIns="90000" tIns="45000" rIns="90000" bIns="45000" anchor="t" anchorCtr="0">
+            <a:spAutoFit/>
+          </a:bodyPr>
+          <a:lstStyle/>
+          <a:p>
+            <a:pPr lvl="0">
+              <a:buSzPts val="2200"/>
+            </a:pPr>
+            <a:r>
+              <a:rPr lang="en-US" sz="2200" b="1" dirty="0">
+                <a:solidFill>
+                  <a:srgbClr val="001E33"/>
+                </a:solidFill>
+                <a:uFill>
+                  <a:noFill/>
+                </a:uFill>
+                <a:hlinkClick r:id="rId5"/>
+              </a:rPr>
+              <a:t>https://</a:t>
+            </a:r>
+            <a:r>
+              <a:rPr lang="en-US" sz="2200" b="1" dirty="0" smtClean="0">
+                <a:solidFill>
+                  <a:srgbClr val="001E33"/>
+                </a:solidFill>
+                <a:uFill>
+                  <a:noFill/>
+                </a:uFill>
+                <a:hlinkClick r:id="rId5"/>
+              </a:rPr>
+              <a:t>github.com/GianSz/ProyectoDatos</a:t>
+            </a:r>
+            <a:endParaRPr lang="en-US" sz="2200" b="1" dirty="0" smtClean="0">
+              <a:solidFill>
+                <a:srgbClr val="001E33"/>
+              </a:solidFill>
+              <a:uFill>
+                <a:noFill/>
+              </a:uFill>
+            </a:endParaRPr>
+          </a:p>
+          <a:p>
+            <a:pPr lvl="0">
+              <a:buSzPts val="2200"/>
+            </a:pPr>
+            <a:endParaRPr sz="2200" b="1" i="0" u="none" strike="noStrike" cap="none" dirty="0">
+              <a:solidFill>
+                <a:srgbClr val="001E33"/>
+              </a:solidFill>
+              <a:latin typeface="Arial"/>
+              <a:ea typeface="Arial"/>
+              <a:cs typeface="Arial"/>
+              <a:sym typeface="Arial"/>
+            </a:endParaRPr>
+          </a:p>
+        </p:txBody>
+      </p:sp>
+      <p:sp>
+        <p:nvSpPr>
+          <p:cNvPr id="9" name="Google Shape;200;p2"/>
+          <p:cNvSpPr/>
+          <p:nvPr/>
+        </p:nvSpPr>
+        <p:spPr>
+          <a:xfrm>
+            <a:off x="493380" y="372456"/>
+            <a:ext cx="5442745" cy="429433"/>
+          </a:xfrm>
+          <a:prstGeom prst="rect">
+            <a:avLst/>
+          </a:prstGeom>
+          <a:noFill/>
+          <a:ln>
+            <a:noFill/>
+          </a:ln>
+        </p:spPr>
+        <p:txBody>
+          <a:bodyPr spcFirstLastPara="1" wrap="square" lIns="90000" tIns="45000" rIns="90000" bIns="45000" anchor="t" anchorCtr="0">
+            <a:spAutoFit/>
+          </a:bodyPr>
+          <a:lstStyle/>
+          <a:p>
+            <a:pPr marL="0" marR="0" lvl="0" indent="0" algn="l" rtl="0">
+              <a:lnSpc>
+                <a:spcPct val="100000"/>
+              </a:lnSpc>
+              <a:spcBef>
+                <a:spcPts val="0"/>
+              </a:spcBef>
+              <a:spcAft>
+                <a:spcPts val="0"/>
+              </a:spcAft>
+              <a:buClr>
+                <a:srgbClr val="000000"/>
+              </a:buClr>
+              <a:buSzPts val="2200"/>
+              <a:buFont typeface="Arial"/>
+              <a:buNone/>
+            </a:pPr>
+            <a:r>
+              <a:rPr lang="es-CO" sz="2200" b="1" dirty="0" smtClean="0">
+                <a:solidFill>
+                  <a:srgbClr val="FFFFFF"/>
+                </a:solidFill>
+              </a:rPr>
+              <a:t>¿Qué es el aprendizaje automático?</a:t>
+            </a:r>
+            <a:endParaRPr lang="es-CO" sz="2200" b="0" i="0" u="none" strike="noStrike" cap="none" dirty="0">
+              <a:solidFill>
+                <a:srgbClr val="000000"/>
+              </a:solidFill>
+              <a:latin typeface="Arial"/>
+              <a:ea typeface="Arial"/>
+              <a:cs typeface="Arial"/>
+              <a:sym typeface="Arial"/>
+            </a:endParaRPr>
+          </a:p>
+        </p:txBody>
+      </p:sp>
+      <p:pic>
+        <p:nvPicPr>
+          <p:cNvPr id="14" name="Picture 4" descr="Inteligencia artificial (IA) y Machine Learning as a Service - OVHcloud">
+            <a:extLst>
+              <a:ext uri="{FF2B5EF4-FFF2-40B4-BE49-F238E27FC236}">
+                <a16:creationId xmlns:a16="http://schemas.microsoft.com/office/drawing/2014/main" id="{8FD59224-300E-429B-B4E1-A2ADACECF3C4}"/>
+              </a:ext>
+            </a:extLst>
+          </p:cNvPr>
+          <p:cNvPicPr>
+            <a:picLocks noChangeAspect="1" noChangeArrowheads="1"/>
+          </p:cNvPicPr>
+          <p:nvPr/>
+        </p:nvPicPr>
+        <p:blipFill rotWithShape="1">
+          <a:blip r:embed="rId6">
+            <a:extLst>
+              <a:ext uri="{28A0092B-C50C-407E-A947-70E740481C1C}">
+                <a14:useLocalDpi xmlns:a14="http://schemas.microsoft.com/office/drawing/2010/main" val="0"/>
+              </a:ext>
+            </a:extLst>
+          </a:blip>
+          <a:srcRect r="8021"/>
+          <a:stretch/>
+        </p:blipFill>
+        <p:spPr bwMode="auto">
+          <a:xfrm>
+            <a:off x="8807654" y="4130946"/>
+            <a:ext cx="2986240" cy="1830641"/>
+          </a:xfrm>
+          <a:prstGeom prst="rect">
+            <a:avLst/>
+          </a:prstGeom>
+          <a:noFill/>
+          <a:extLst>
+            <a:ext uri="{909E8E84-426E-40DD-AFC4-6F175D3DCCD1}">
+              <a14:hiddenFill xmlns:a14="http://schemas.microsoft.com/office/drawing/2010/main">
+                <a:solidFill>
+                  <a:srgbClr val="FFFFFF"/>
+                </a:solidFill>
+              </a14:hiddenFill>
+            </a:ext>
+          </a:extLst>
+        </p:spPr>
+      </p:pic>
+      <p:pic>
+        <p:nvPicPr>
+          <p:cNvPr id="15" name="Picture 2" descr="El Machine learning en la industria | ATRIA Innovation">
+            <a:extLst>
+              <a:ext uri="{FF2B5EF4-FFF2-40B4-BE49-F238E27FC236}">
+                <a16:creationId xmlns:a16="http://schemas.microsoft.com/office/drawing/2014/main" id="{1768DE04-E274-4E74-9095-DA51F0C7915C}"/>
+              </a:ext>
+            </a:extLst>
+          </p:cNvPr>
+          <p:cNvPicPr>
+            <a:picLocks noChangeAspect="1" noChangeArrowheads="1"/>
+          </p:cNvPicPr>
+          <p:nvPr/>
+        </p:nvPicPr>
+        <p:blipFill>
+          <a:blip r:embed="rId7">
+            <a:extLst>
+              <a:ext uri="{28A0092B-C50C-407E-A947-70E740481C1C}">
+                <a14:useLocalDpi xmlns:a14="http://schemas.microsoft.com/office/drawing/2010/main" val="0"/>
+              </a:ext>
+            </a:extLst>
+          </a:blip>
+          <a:srcRect/>
+          <a:stretch>
+            <a:fillRect/>
+          </a:stretch>
+        </p:blipFill>
+        <p:spPr bwMode="auto">
+          <a:xfrm>
+            <a:off x="619549" y="4101494"/>
+            <a:ext cx="2595203" cy="1787797"/>
+          </a:xfrm>
+          <a:prstGeom prst="rect">
+            <a:avLst/>
+          </a:prstGeom>
+          <a:ln>
+            <a:noFill/>
+          </a:ln>
+          <a:effectLst>
+            <a:softEdge rad="112500"/>
+          </a:effectLst>
+          <a:extLst>
+            <a:ext uri="{909E8E84-426E-40DD-AFC4-6F175D3DCCD1}">
+              <a14:hiddenFill xmlns:a14="http://schemas.microsoft.com/office/drawing/2010/main">
+                <a:solidFill>
+                  <a:srgbClr val="FFFFFF"/>
+                </a:solidFill>
+              </a14:hiddenFill>
+            </a:ext>
+          </a:extLst>
+        </p:spPr>
+      </p:pic>
+      <p:sp>
+        <p:nvSpPr>
+          <p:cNvPr id="16" name="Rectángulo redondeado 15"/>
+          <p:cNvSpPr/>
+          <p:nvPr/>
+        </p:nvSpPr>
+        <p:spPr>
+          <a:xfrm>
+            <a:off x="2165831" y="1281919"/>
+            <a:ext cx="7850715" cy="1029410"/>
+          </a:xfrm>
+          <a:prstGeom prst="roundRect">
+            <a:avLst/>
+          </a:prstGeom>
+          <a:solidFill>
+            <a:schemeClr val="accent5">
+              <a:lumMod val="75000"/>
+            </a:schemeClr>
+          </a:solidFill>
+          <a:ln>
+            <a:solidFill>
+              <a:schemeClr val="accent5">
+                <a:lumMod val="75000"/>
+              </a:schemeClr>
+            </a:solidFill>
+          </a:ln>
+        </p:spPr>
+        <p:style>
+          <a:lnRef idx="2">
+            <a:schemeClr val="accent1">
+              <a:shade val="50000"/>
+            </a:schemeClr>
+          </a:lnRef>
+          <a:fillRef idx="1">
+            <a:schemeClr val="accent1"/>
+          </a:fillRef>
+          <a:effectRef idx="0">
+            <a:schemeClr val="accent1"/>
+          </a:effectRef>
+          <a:fontRef idx="minor">
+            <a:schemeClr val="lt1"/>
+          </a:fontRef>
+        </p:style>
+        <p:txBody>
+          <a:bodyPr rtlCol="0" anchor="ctr"/>
+          <a:lstStyle/>
+          <a:p>
+            <a:pPr algn="ctr"/>
+            <a:endParaRPr lang="pt-BR"/>
+          </a:p>
+        </p:txBody>
+      </p:sp>
+      <p:sp>
+        <p:nvSpPr>
+          <p:cNvPr id="17" name="CuadroTexto 16"/>
+          <p:cNvSpPr txBox="1"/>
+          <p:nvPr/>
+        </p:nvSpPr>
+        <p:spPr>
+          <a:xfrm>
+            <a:off x="2473500" y="1320484"/>
+            <a:ext cx="7235376" cy="1169551"/>
+          </a:xfrm>
+          <a:prstGeom prst="rect">
+            <a:avLst/>
+          </a:prstGeom>
+          <a:noFill/>
+        </p:spPr>
+        <p:txBody>
+          <a:bodyPr wrap="square" rtlCol="0">
+            <a:spAutoFit/>
+          </a:bodyPr>
+          <a:lstStyle/>
+          <a:p>
+            <a:pPr algn="ctr"/>
+            <a:r>
+              <a:rPr lang="es-CO" dirty="0">
+                <a:solidFill>
+                  <a:schemeClr val="bg1"/>
+                </a:solidFill>
+              </a:rPr>
+              <a:t>Es el área de la informática que permite acceder a datos e interpretarlos, automatizando las respuestas de </a:t>
+            </a:r>
+            <a:r>
+              <a:rPr lang="es-CO" dirty="0" err="1">
+                <a:solidFill>
+                  <a:schemeClr val="bg1"/>
+                </a:solidFill>
+              </a:rPr>
+              <a:t>big</a:t>
+            </a:r>
+            <a:r>
+              <a:rPr lang="es-CO" dirty="0">
+                <a:solidFill>
+                  <a:schemeClr val="bg1"/>
+                </a:solidFill>
+              </a:rPr>
+              <a:t> data e inteligencia artificial. A través de la inteligencia artificial del machine </a:t>
+            </a:r>
+            <a:r>
+              <a:rPr lang="es-CO" dirty="0" err="1">
+                <a:solidFill>
+                  <a:schemeClr val="bg1"/>
+                </a:solidFill>
+              </a:rPr>
+              <a:t>learning</a:t>
+            </a:r>
+            <a:r>
+              <a:rPr lang="es-CO" dirty="0">
+                <a:solidFill>
+                  <a:schemeClr val="bg1"/>
+                </a:solidFill>
+              </a:rPr>
+              <a:t> (AA), las máquinas son capaces de identificar patrones de datos, entender conexiones y generar respuestas a partir de estas.</a:t>
+            </a:r>
+          </a:p>
+          <a:p>
+            <a:pPr algn="ctr"/>
+            <a:endParaRPr lang="es-CO" dirty="0">
+              <a:solidFill>
+                <a:schemeClr val="bg1"/>
+              </a:solidFill>
+            </a:endParaRPr>
+          </a:p>
+        </p:txBody>
+      </p:sp>
+      <p:sp>
+        <p:nvSpPr>
+          <p:cNvPr id="18" name="CuadroTexto 17"/>
+          <p:cNvSpPr txBox="1"/>
+          <p:nvPr/>
+        </p:nvSpPr>
+        <p:spPr>
+          <a:xfrm>
+            <a:off x="242586" y="3593248"/>
+            <a:ext cx="3846490" cy="307777"/>
+          </a:xfrm>
+          <a:prstGeom prst="rect">
+            <a:avLst/>
+          </a:prstGeom>
+          <a:noFill/>
+        </p:spPr>
+        <p:txBody>
+          <a:bodyPr wrap="square" rtlCol="0">
+            <a:spAutoFit/>
+          </a:bodyPr>
+          <a:lstStyle/>
+          <a:p>
+            <a:pPr algn="ctr"/>
+            <a:r>
+              <a:rPr lang="es-CO" b="1" dirty="0" smtClean="0"/>
+              <a:t>APRENDIZAJE SUPERVISADO</a:t>
+            </a:r>
+            <a:endParaRPr lang="pt-BR" dirty="0"/>
+          </a:p>
+        </p:txBody>
+      </p:sp>
+      <p:cxnSp>
+        <p:nvCxnSpPr>
+          <p:cNvPr id="20" name="Conector recto de flecha 19"/>
+          <p:cNvCxnSpPr>
+            <a:stCxn id="16" idx="2"/>
+          </p:cNvCxnSpPr>
+          <p:nvPr/>
+        </p:nvCxnSpPr>
+        <p:spPr>
+          <a:xfrm flipH="1">
+            <a:off x="2092964" y="2311329"/>
+            <a:ext cx="3998225" cy="1106534"/>
+          </a:xfrm>
+          <a:prstGeom prst="straightConnector1">
+            <a:avLst/>
+          </a:prstGeom>
+          <a:ln w="38100">
+            <a:solidFill>
+              <a:schemeClr val="accent5">
+                <a:lumMod val="75000"/>
+              </a:schemeClr>
+            </a:solidFill>
+            <a:tailEnd type="triangle"/>
+          </a:ln>
+        </p:spPr>
+        <p:style>
+          <a:lnRef idx="1">
+            <a:schemeClr val="accent1"/>
+          </a:lnRef>
+          <a:fillRef idx="0">
+            <a:schemeClr val="accent1"/>
+          </a:fillRef>
+          <a:effectRef idx="0">
+            <a:schemeClr val="accent1"/>
+          </a:effectRef>
+          <a:fontRef idx="minor">
+            <a:schemeClr val="tx1"/>
+          </a:fontRef>
+        </p:style>
+      </p:cxnSp>
+      <p:cxnSp>
+        <p:nvCxnSpPr>
+          <p:cNvPr id="21" name="Conector recto de flecha 20"/>
+          <p:cNvCxnSpPr/>
+          <p:nvPr/>
+        </p:nvCxnSpPr>
+        <p:spPr>
+          <a:xfrm>
+            <a:off x="6091189" y="2310990"/>
+            <a:ext cx="3998223" cy="1087735"/>
+          </a:xfrm>
+          <a:prstGeom prst="straightConnector1">
+            <a:avLst/>
+          </a:prstGeom>
+          <a:ln w="38100">
+            <a:solidFill>
+              <a:schemeClr val="accent5">
+                <a:lumMod val="75000"/>
+              </a:schemeClr>
+            </a:solidFill>
+            <a:tailEnd type="triangle"/>
+          </a:ln>
+        </p:spPr>
+        <p:style>
+          <a:lnRef idx="1">
+            <a:schemeClr val="accent1"/>
+          </a:lnRef>
+          <a:fillRef idx="0">
+            <a:schemeClr val="accent1"/>
+          </a:fillRef>
+          <a:effectRef idx="0">
+            <a:schemeClr val="accent1"/>
+          </a:effectRef>
+          <a:fontRef idx="minor">
+            <a:schemeClr val="tx1"/>
+          </a:fontRef>
+        </p:style>
+      </p:cxnSp>
+      <p:sp>
+        <p:nvSpPr>
+          <p:cNvPr id="22" name="Rectángulo redondeado 21"/>
+          <p:cNvSpPr/>
+          <p:nvPr/>
+        </p:nvSpPr>
+        <p:spPr>
+          <a:xfrm>
+            <a:off x="242586" y="3474920"/>
+            <a:ext cx="3846490" cy="544432"/>
+          </a:xfrm>
+          <a:prstGeom prst="roundRect">
+            <a:avLst/>
+          </a:prstGeom>
+          <a:noFill/>
+          <a:ln w="28575">
+            <a:solidFill>
+              <a:schemeClr val="accent5">
+                <a:lumMod val="60000"/>
+                <a:lumOff val="40000"/>
+              </a:schemeClr>
+            </a:solidFill>
+          </a:ln>
+        </p:spPr>
+        <p:style>
+          <a:lnRef idx="2">
+            <a:schemeClr val="accent1">
+              <a:shade val="50000"/>
+            </a:schemeClr>
+          </a:lnRef>
+          <a:fillRef idx="1">
+            <a:schemeClr val="accent1"/>
+          </a:fillRef>
+          <a:effectRef idx="0">
+            <a:schemeClr val="accent1"/>
+          </a:effectRef>
+          <a:fontRef idx="minor">
+            <a:schemeClr val="lt1"/>
+          </a:fontRef>
+        </p:style>
+        <p:txBody>
+          <a:bodyPr rtlCol="0" anchor="ctr"/>
+          <a:lstStyle/>
+          <a:p>
+            <a:pPr algn="ctr"/>
+            <a:endParaRPr lang="es-CO"/>
+          </a:p>
+        </p:txBody>
+      </p:sp>
+      <p:sp>
+        <p:nvSpPr>
+          <p:cNvPr id="24" name="CuadroTexto 23"/>
+          <p:cNvSpPr txBox="1"/>
+          <p:nvPr/>
+        </p:nvSpPr>
+        <p:spPr>
+          <a:xfrm>
+            <a:off x="4167944" y="4699806"/>
+            <a:ext cx="3846490" cy="307777"/>
+          </a:xfrm>
+          <a:prstGeom prst="rect">
+            <a:avLst/>
+          </a:prstGeom>
+          <a:noFill/>
+        </p:spPr>
+        <p:txBody>
+          <a:bodyPr wrap="square" rtlCol="0">
+            <a:spAutoFit/>
+          </a:bodyPr>
+          <a:lstStyle/>
+          <a:p>
+            <a:pPr algn="ctr"/>
+            <a:r>
+              <a:rPr lang="es-CO" b="1" dirty="0" smtClean="0"/>
+              <a:t>APRENDIZAJE NO SUPERVISADO</a:t>
+            </a:r>
+            <a:endParaRPr lang="pt-BR" dirty="0"/>
+          </a:p>
+        </p:txBody>
+      </p:sp>
+      <p:sp>
+        <p:nvSpPr>
+          <p:cNvPr id="25" name="Rectángulo redondeado 24"/>
+          <p:cNvSpPr/>
+          <p:nvPr/>
+        </p:nvSpPr>
+        <p:spPr>
+          <a:xfrm>
+            <a:off x="4167944" y="4581478"/>
+            <a:ext cx="3846490" cy="544432"/>
+          </a:xfrm>
+          <a:prstGeom prst="roundRect">
+            <a:avLst/>
+          </a:prstGeom>
+          <a:noFill/>
+          <a:ln w="28575">
+            <a:solidFill>
+              <a:schemeClr val="accent5">
+                <a:lumMod val="60000"/>
+                <a:lumOff val="40000"/>
+              </a:schemeClr>
+            </a:solidFill>
+          </a:ln>
+        </p:spPr>
+        <p:style>
+          <a:lnRef idx="2">
+            <a:schemeClr val="accent1">
+              <a:shade val="50000"/>
+            </a:schemeClr>
+          </a:lnRef>
+          <a:fillRef idx="1">
+            <a:schemeClr val="accent1"/>
+          </a:fillRef>
+          <a:effectRef idx="0">
+            <a:schemeClr val="accent1"/>
+          </a:effectRef>
+          <a:fontRef idx="minor">
+            <a:schemeClr val="lt1"/>
+          </a:fontRef>
+        </p:style>
+        <p:txBody>
+          <a:bodyPr rtlCol="0" anchor="ctr"/>
+          <a:lstStyle/>
+          <a:p>
+            <a:pPr algn="ctr"/>
+            <a:endParaRPr lang="es-CO"/>
+          </a:p>
+        </p:txBody>
+      </p:sp>
+      <p:sp>
+        <p:nvSpPr>
+          <p:cNvPr id="26" name="CuadroTexto 25"/>
+          <p:cNvSpPr txBox="1"/>
+          <p:nvPr/>
+        </p:nvSpPr>
+        <p:spPr>
+          <a:xfrm>
+            <a:off x="8093301" y="3589880"/>
+            <a:ext cx="3846490" cy="307777"/>
+          </a:xfrm>
+          <a:prstGeom prst="rect">
+            <a:avLst/>
+          </a:prstGeom>
+          <a:noFill/>
+        </p:spPr>
+        <p:txBody>
+          <a:bodyPr wrap="square" rtlCol="0">
+            <a:spAutoFit/>
+          </a:bodyPr>
+          <a:lstStyle/>
+          <a:p>
+            <a:pPr algn="ctr"/>
+            <a:r>
+              <a:rPr lang="es-CO" b="1" dirty="0" smtClean="0"/>
+              <a:t>APRENDIZAJE REFORZADO</a:t>
+            </a:r>
+            <a:endParaRPr lang="pt-BR" dirty="0"/>
+          </a:p>
+        </p:txBody>
+      </p:sp>
+      <p:sp>
+        <p:nvSpPr>
+          <p:cNvPr id="27" name="Rectángulo redondeado 26"/>
+          <p:cNvSpPr/>
+          <p:nvPr/>
+        </p:nvSpPr>
+        <p:spPr>
+          <a:xfrm>
+            <a:off x="8093301" y="3471552"/>
+            <a:ext cx="3846490" cy="544432"/>
+          </a:xfrm>
+          <a:prstGeom prst="roundRect">
+            <a:avLst/>
+          </a:prstGeom>
+          <a:noFill/>
+          <a:ln w="28575">
+            <a:solidFill>
+              <a:schemeClr val="accent5">
+                <a:lumMod val="60000"/>
+                <a:lumOff val="40000"/>
+              </a:schemeClr>
+            </a:solidFill>
+          </a:ln>
+        </p:spPr>
+        <p:style>
+          <a:lnRef idx="2">
+            <a:schemeClr val="accent1">
+              <a:shade val="50000"/>
+            </a:schemeClr>
+          </a:lnRef>
+          <a:fillRef idx="1">
+            <a:schemeClr val="accent1"/>
+          </a:fillRef>
+          <a:effectRef idx="0">
+            <a:schemeClr val="accent1"/>
+          </a:effectRef>
+          <a:fontRef idx="minor">
+            <a:schemeClr val="lt1"/>
+          </a:fontRef>
+        </p:style>
+        <p:txBody>
+          <a:bodyPr rtlCol="0" anchor="ctr"/>
+          <a:lstStyle/>
+          <a:p>
+            <a:pPr algn="ctr"/>
+            <a:endParaRPr lang="es-CO"/>
+          </a:p>
+        </p:txBody>
+      </p:sp>
+      <p:cxnSp>
+        <p:nvCxnSpPr>
+          <p:cNvPr id="30" name="Conector recto de flecha 29"/>
+          <p:cNvCxnSpPr/>
+          <p:nvPr/>
+        </p:nvCxnSpPr>
+        <p:spPr>
+          <a:xfrm flipH="1">
+            <a:off x="6091188" y="2291287"/>
+            <a:ext cx="6852" cy="2231027"/>
+          </a:xfrm>
+          <a:prstGeom prst="straightConnector1">
+            <a:avLst/>
+          </a:prstGeom>
+          <a:ln w="38100">
+            <a:solidFill>
+              <a:schemeClr val="accent5">
+                <a:lumMod val="75000"/>
+              </a:schemeClr>
+            </a:solidFill>
+            <a:tailEnd type="triangle"/>
+          </a:ln>
+        </p:spPr>
+        <p:style>
+          <a:lnRef idx="1">
+            <a:schemeClr val="accent1"/>
+          </a:lnRef>
+          <a:fillRef idx="0">
+            <a:schemeClr val="accent1"/>
+          </a:fillRef>
+          <a:effectRef idx="0">
+            <a:schemeClr val="accent1"/>
+          </a:effectRef>
+          <a:fontRef idx="minor">
+            <a:schemeClr val="tx1"/>
+          </a:fontRef>
+        </p:style>
+      </p:cxnSp>
+    </p:spTree>
+    <p:extLst>
+      <p:ext uri="{BB962C8B-B14F-4D97-AF65-F5344CB8AC3E}">
+        <p14:creationId xmlns:p14="http://schemas.microsoft.com/office/powerpoint/2010/main" val="3920012191"/>
+      </p:ext>
+    </p:extLst>
+  </p:cSld>
+  <p:clrMapOvr>
+    <a:masterClrMapping/>
+  </p:clrMapOvr>
+  <p:timing>
+    <p:tnLst>
+      <p:par>
+        <p:cTn id="1" dur="indefinite" restart="never" nodeType="tmRoot"/>
+      </p:par>
+    </p:tnLst>
+  </p:timing>
+</p:sld>
+</file>
+
+<file path=ppt/slides/slide8.xml><?xml version="1.0" encoding="utf-8"?>
+<p:sld xmlns:a="http://schemas.openxmlformats.org/drawingml/2006/main" xmlns:r="http://schemas.openxmlformats.org/officeDocument/2006/relationships" xmlns:p="http://schemas.openxmlformats.org/presentationml/2006/main">
+  <p:cSld>
+    <p:spTree>
+      <p:nvGrpSpPr>
+        <p:cNvPr id="1" name="Shape 198"/>
+        <p:cNvGrpSpPr/>
+        <p:nvPr/>
+      </p:nvGrpSpPr>
+      <p:grpSpPr>
+        <a:xfrm>
+          <a:off x="0" y="0"/>
+          <a:ext cx="0" cy="0"/>
+          <a:chOff x="0" y="0"/>
+          <a:chExt cx="0" cy="0"/>
+        </a:xfrm>
+      </p:grpSpPr>
+      <p:pic>
+        <p:nvPicPr>
+          <p:cNvPr id="10" name="Google Shape;199;p2"/>
+          <p:cNvPicPr preferRelativeResize="0"/>
+          <p:nvPr/>
+        </p:nvPicPr>
+        <p:blipFill rotWithShape="1">
+          <a:blip r:embed="rId3">
+            <a:alphaModFix/>
+          </a:blip>
+          <a:srcRect/>
+          <a:stretch/>
+        </p:blipFill>
+        <p:spPr>
+          <a:xfrm>
+            <a:off x="0" y="1938"/>
+            <a:ext cx="12196080" cy="6855840"/>
+          </a:xfrm>
+          <a:prstGeom prst="rect">
+            <a:avLst/>
+          </a:prstGeom>
+          <a:noFill/>
+          <a:ln>
+            <a:noFill/>
+          </a:ln>
+        </p:spPr>
+      </p:pic>
+      <p:pic>
+        <p:nvPicPr>
+          <p:cNvPr id="216" name="Google Shape;216;p2"/>
+          <p:cNvPicPr preferRelativeResize="0"/>
+          <p:nvPr/>
+        </p:nvPicPr>
+        <p:blipFill rotWithShape="1">
+          <a:blip r:embed="rId4">
+            <a:alphaModFix/>
+          </a:blip>
+          <a:srcRect/>
+          <a:stretch/>
+        </p:blipFill>
+        <p:spPr>
+          <a:xfrm>
+            <a:off x="182880" y="6089760"/>
+            <a:ext cx="621000" cy="621000"/>
+          </a:xfrm>
+          <a:prstGeom prst="rect">
+            <a:avLst/>
+          </a:prstGeom>
+          <a:noFill/>
+          <a:ln>
+            <a:noFill/>
+          </a:ln>
+        </p:spPr>
+      </p:pic>
+      <p:sp>
+        <p:nvSpPr>
+          <p:cNvPr id="8" name="Google Shape;217;p2"/>
+          <p:cNvSpPr/>
+          <p:nvPr/>
+        </p:nvSpPr>
+        <p:spPr>
+          <a:xfrm>
+            <a:off x="815040" y="6160680"/>
+            <a:ext cx="6915240" cy="767987"/>
+          </a:xfrm>
+          <a:prstGeom prst="rect">
+            <a:avLst/>
+          </a:prstGeom>
+          <a:noFill/>
+          <a:ln>
+            <a:noFill/>
+          </a:ln>
+        </p:spPr>
+        <p:txBody>
+          <a:bodyPr spcFirstLastPara="1" wrap="square" lIns="90000" tIns="45000" rIns="90000" bIns="45000" anchor="t" anchorCtr="0">
+            <a:spAutoFit/>
+          </a:bodyPr>
+          <a:lstStyle/>
+          <a:p>
+            <a:pPr lvl="0">
+              <a:buSzPts val="2200"/>
+            </a:pPr>
+            <a:r>
+              <a:rPr lang="en-US" sz="2200" b="1" dirty="0">
+                <a:solidFill>
+                  <a:srgbClr val="001E33"/>
+                </a:solidFill>
+                <a:uFill>
+                  <a:noFill/>
+                </a:uFill>
+                <a:hlinkClick r:id="rId5"/>
+              </a:rPr>
+              <a:t>https://</a:t>
+            </a:r>
+            <a:r>
+              <a:rPr lang="en-US" sz="2200" b="1" dirty="0" smtClean="0">
+                <a:solidFill>
+                  <a:srgbClr val="001E33"/>
+                </a:solidFill>
+                <a:uFill>
+                  <a:noFill/>
+                </a:uFill>
+                <a:hlinkClick r:id="rId5"/>
+              </a:rPr>
+              <a:t>github.com/GianSz/ProyectoDatos</a:t>
+            </a:r>
+            <a:endParaRPr lang="en-US" sz="2200" b="1" dirty="0" smtClean="0">
+              <a:solidFill>
+                <a:srgbClr val="001E33"/>
+              </a:solidFill>
+              <a:uFill>
+                <a:noFill/>
+              </a:uFill>
+            </a:endParaRPr>
+          </a:p>
+          <a:p>
+            <a:pPr lvl="0">
+              <a:buSzPts val="2200"/>
+            </a:pPr>
+            <a:endParaRPr sz="2200" b="1" i="0" u="none" strike="noStrike" cap="none" dirty="0">
+              <a:solidFill>
+                <a:srgbClr val="001E33"/>
+              </a:solidFill>
+              <a:latin typeface="Arial"/>
+              <a:ea typeface="Arial"/>
+              <a:cs typeface="Arial"/>
+              <a:sym typeface="Arial"/>
+            </a:endParaRPr>
+          </a:p>
+        </p:txBody>
+      </p:sp>
+      <p:sp>
+        <p:nvSpPr>
+          <p:cNvPr id="6" name="CuadroTexto 5"/>
+          <p:cNvSpPr txBox="1"/>
+          <p:nvPr/>
+        </p:nvSpPr>
+        <p:spPr>
+          <a:xfrm>
+            <a:off x="6446919" y="1053478"/>
+            <a:ext cx="5218608" cy="1815882"/>
+          </a:xfrm>
+          <a:prstGeom prst="rect">
+            <a:avLst/>
+          </a:prstGeom>
+          <a:noFill/>
+        </p:spPr>
+        <p:txBody>
+          <a:bodyPr wrap="square" rtlCol="0">
+            <a:spAutoFit/>
+          </a:bodyPr>
+          <a:lstStyle/>
+          <a:p>
+            <a:r>
+              <a:rPr lang="es-CO" b="1" u="sng" dirty="0" smtClean="0"/>
+              <a:t>Aprendizaje no supervisado</a:t>
+            </a:r>
+            <a:r>
+              <a:rPr lang="es-CO" b="1" u="sng" dirty="0" smtClean="0"/>
+              <a:t>:</a:t>
+            </a:r>
+            <a:r>
+              <a:rPr lang="es-CO" dirty="0" smtClean="0"/>
+              <a:t> </a:t>
+            </a:r>
+          </a:p>
+          <a:p>
+            <a:endParaRPr lang="es-CO" dirty="0" smtClean="0"/>
+          </a:p>
+          <a:p>
+            <a:r>
+              <a:rPr lang="es-CO" dirty="0" smtClean="0"/>
+              <a:t>-&gt;  </a:t>
+            </a:r>
+            <a:r>
+              <a:rPr lang="es-ES" dirty="0" smtClean="0"/>
+              <a:t>Es </a:t>
+            </a:r>
+            <a:r>
+              <a:rPr lang="es-ES" dirty="0"/>
+              <a:t>un aprendizaje </a:t>
+            </a:r>
+            <a:r>
+              <a:rPr lang="es-ES" dirty="0" smtClean="0"/>
+              <a:t>inductivo.</a:t>
+            </a:r>
+            <a:endParaRPr lang="es-ES" dirty="0"/>
+          </a:p>
+          <a:p>
+            <a:r>
+              <a:rPr lang="es-ES" dirty="0" smtClean="0"/>
+              <a:t>-&gt;  Parte </a:t>
+            </a:r>
+            <a:r>
+              <a:rPr lang="es-ES" dirty="0"/>
+              <a:t>sin conocimiento </a:t>
+            </a:r>
+            <a:r>
+              <a:rPr lang="es-ES" dirty="0" smtClean="0"/>
+              <a:t>previo.</a:t>
+            </a:r>
+            <a:endParaRPr lang="es-ES" dirty="0"/>
+          </a:p>
+          <a:p>
+            <a:r>
+              <a:rPr lang="es-ES" dirty="0" smtClean="0"/>
+              <a:t>-&gt;  Es </a:t>
+            </a:r>
+            <a:r>
+              <a:rPr lang="es-ES" dirty="0"/>
+              <a:t>capaz de manejar datos más </a:t>
+            </a:r>
+            <a:r>
+              <a:rPr lang="es-ES" dirty="0" smtClean="0"/>
+              <a:t>complejos.</a:t>
+            </a:r>
+            <a:endParaRPr lang="es-ES" dirty="0"/>
+          </a:p>
+          <a:p>
+            <a:r>
+              <a:rPr lang="es-ES" dirty="0" smtClean="0"/>
+              <a:t>-&gt;  Su </a:t>
+            </a:r>
+            <a:r>
+              <a:rPr lang="es-ES" dirty="0"/>
+              <a:t>objetivo es hallar una función que a partir de un dominio de entrada defina un dominio de </a:t>
+            </a:r>
+            <a:r>
+              <a:rPr lang="es-ES" dirty="0" smtClean="0"/>
+              <a:t>salida.</a:t>
+            </a:r>
+            <a:endParaRPr lang="es-CO" dirty="0"/>
+          </a:p>
+          <a:p>
+            <a:pPr algn="just"/>
+            <a:endParaRPr lang="es-CO" dirty="0"/>
+          </a:p>
+        </p:txBody>
+      </p:sp>
+      <p:sp>
+        <p:nvSpPr>
+          <p:cNvPr id="7" name="CuadroTexto 6"/>
+          <p:cNvSpPr txBox="1"/>
+          <p:nvPr/>
+        </p:nvSpPr>
+        <p:spPr>
+          <a:xfrm>
+            <a:off x="365843" y="1053478"/>
+            <a:ext cx="5093394" cy="4401205"/>
+          </a:xfrm>
+          <a:prstGeom prst="rect">
+            <a:avLst/>
+          </a:prstGeom>
+          <a:noFill/>
+        </p:spPr>
+        <p:txBody>
+          <a:bodyPr wrap="square" rtlCol="0">
+            <a:spAutoFit/>
+          </a:bodyPr>
+          <a:lstStyle/>
+          <a:p>
+            <a:r>
+              <a:rPr lang="es-CO" b="1" u="sng" dirty="0" smtClean="0"/>
+              <a:t>Aprendizaje supervisado:</a:t>
+            </a:r>
+            <a:r>
+              <a:rPr lang="es-CO" b="1" dirty="0" smtClean="0"/>
+              <a:t> </a:t>
+            </a:r>
+          </a:p>
+          <a:p>
+            <a:endParaRPr lang="es-CO" b="1" dirty="0"/>
+          </a:p>
+          <a:p>
+            <a:r>
+              <a:rPr lang="es-CO" dirty="0" smtClean="0"/>
+              <a:t>-&gt;</a:t>
+            </a:r>
+            <a:r>
+              <a:rPr lang="es-CO" b="1" dirty="0" smtClean="0"/>
+              <a:t>  </a:t>
+            </a:r>
+            <a:r>
+              <a:rPr lang="es-ES" dirty="0" smtClean="0"/>
+              <a:t>Es </a:t>
+            </a:r>
+            <a:r>
+              <a:rPr lang="es-ES" dirty="0"/>
+              <a:t>un aprendizaje </a:t>
+            </a:r>
+            <a:r>
+              <a:rPr lang="es-ES" dirty="0" smtClean="0"/>
+              <a:t>deductivo.</a:t>
+            </a:r>
+            <a:endParaRPr lang="es-ES" dirty="0"/>
+          </a:p>
+          <a:p>
+            <a:r>
+              <a:rPr lang="es-ES" dirty="0" smtClean="0"/>
+              <a:t>-&gt; Parte </a:t>
+            </a:r>
+            <a:r>
+              <a:rPr lang="es-ES" dirty="0"/>
+              <a:t>de conocimiento previo, es decir de situaciones y  </a:t>
+            </a:r>
+            <a:r>
+              <a:rPr lang="es-ES" dirty="0" smtClean="0"/>
+              <a:t>              respuestas </a:t>
+            </a:r>
+            <a:r>
+              <a:rPr lang="es-ES" dirty="0"/>
+              <a:t>ya </a:t>
+            </a:r>
+            <a:r>
+              <a:rPr lang="es-ES" dirty="0" smtClean="0"/>
+              <a:t>conocidas.</a:t>
+            </a:r>
+          </a:p>
+          <a:p>
+            <a:endParaRPr lang="es-ES" dirty="0"/>
+          </a:p>
+          <a:p>
+            <a:r>
+              <a:rPr lang="es-ES" dirty="0" smtClean="0"/>
+              <a:t>-&gt; </a:t>
+            </a:r>
+            <a:r>
+              <a:rPr lang="es-ES" b="1" dirty="0" smtClean="0"/>
+              <a:t>Tipos: </a:t>
+            </a:r>
+          </a:p>
+          <a:p>
+            <a:r>
+              <a:rPr lang="es-ES" b="1" dirty="0" smtClean="0"/>
+              <a:t>	</a:t>
+            </a:r>
+            <a:r>
+              <a:rPr lang="es-ES" i="1" dirty="0" smtClean="0"/>
+              <a:t>REGRESIÓN</a:t>
+            </a:r>
+            <a:r>
+              <a:rPr lang="es-ES" i="1" dirty="0"/>
+              <a:t>:</a:t>
+            </a:r>
+          </a:p>
+          <a:p>
+            <a:r>
+              <a:rPr lang="es-CO" dirty="0" smtClean="0"/>
+              <a:t>	Responde </a:t>
+            </a:r>
+            <a:r>
+              <a:rPr lang="es-CO" dirty="0"/>
+              <a:t>a preguntas de “</a:t>
+            </a:r>
+            <a:r>
+              <a:rPr lang="es-CO" b="1" dirty="0"/>
+              <a:t>cuánto</a:t>
+            </a:r>
+            <a:r>
+              <a:rPr lang="es-CO" dirty="0"/>
+              <a:t>” o que </a:t>
+            </a:r>
+            <a:r>
+              <a:rPr lang="es-CO" dirty="0" smtClean="0"/>
+              <a:t>	devuelve </a:t>
+            </a:r>
+            <a:r>
+              <a:rPr lang="es-CO" dirty="0"/>
+              <a:t>datos más puntuales ante diferentes </a:t>
+            </a:r>
+            <a:r>
+              <a:rPr lang="es-CO" dirty="0" smtClean="0"/>
+              <a:t>	situaciones.</a:t>
+            </a:r>
+          </a:p>
+          <a:p>
+            <a:endParaRPr lang="es-CO" dirty="0" smtClean="0"/>
+          </a:p>
+          <a:p>
+            <a:endParaRPr lang="es-CO" dirty="0"/>
+          </a:p>
+          <a:p>
+            <a:endParaRPr lang="es-CO" dirty="0" smtClean="0"/>
+          </a:p>
+          <a:p>
+            <a:endParaRPr lang="es-CO" dirty="0"/>
+          </a:p>
+          <a:p>
+            <a:r>
+              <a:rPr lang="es-CO" dirty="0" smtClean="0"/>
+              <a:t>	</a:t>
+            </a:r>
+            <a:r>
+              <a:rPr lang="es-ES" i="1" dirty="0"/>
+              <a:t>CLASIFICACIÓN:</a:t>
+            </a:r>
+          </a:p>
+          <a:p>
+            <a:r>
+              <a:rPr lang="es-CO" dirty="0" smtClean="0"/>
+              <a:t>	Responde </a:t>
+            </a:r>
+            <a:r>
+              <a:rPr lang="es-CO" dirty="0"/>
+              <a:t>a preguntas de “</a:t>
+            </a:r>
+            <a:r>
+              <a:rPr lang="es-CO" b="1" dirty="0"/>
+              <a:t>sí o no</a:t>
+            </a:r>
+            <a:r>
+              <a:rPr lang="es-CO" dirty="0"/>
+              <a:t>” o que agrupa </a:t>
+            </a:r>
+            <a:r>
+              <a:rPr lang="es-CO" dirty="0" smtClean="0"/>
+              <a:t>	en </a:t>
+            </a:r>
+            <a:r>
+              <a:rPr lang="es-CO" dirty="0"/>
+              <a:t>clases particulares</a:t>
+            </a:r>
+          </a:p>
+          <a:p>
+            <a:endParaRPr lang="es-CO" dirty="0"/>
+          </a:p>
+          <a:p>
+            <a:endParaRPr lang="es-CO" b="1" dirty="0"/>
+          </a:p>
+        </p:txBody>
+      </p:sp>
+      <p:sp>
+        <p:nvSpPr>
+          <p:cNvPr id="9" name="Google Shape;200;p2"/>
+          <p:cNvSpPr/>
+          <p:nvPr/>
+        </p:nvSpPr>
+        <p:spPr>
+          <a:xfrm>
+            <a:off x="493380" y="372456"/>
+            <a:ext cx="5442745" cy="429433"/>
+          </a:xfrm>
+          <a:prstGeom prst="rect">
+            <a:avLst/>
+          </a:prstGeom>
+          <a:noFill/>
+          <a:ln>
+            <a:noFill/>
+          </a:ln>
+        </p:spPr>
+        <p:txBody>
+          <a:bodyPr spcFirstLastPara="1" wrap="square" lIns="90000" tIns="45000" rIns="90000" bIns="45000" anchor="t" anchorCtr="0">
+            <a:spAutoFit/>
+          </a:bodyPr>
+          <a:lstStyle/>
+          <a:p>
+            <a:pPr marL="0" marR="0" lvl="0" indent="0" algn="l" rtl="0">
+              <a:lnSpc>
+                <a:spcPct val="100000"/>
+              </a:lnSpc>
+              <a:spcBef>
+                <a:spcPts val="0"/>
+              </a:spcBef>
+              <a:spcAft>
+                <a:spcPts val="0"/>
+              </a:spcAft>
+              <a:buClr>
+                <a:srgbClr val="000000"/>
+              </a:buClr>
+              <a:buSzPts val="2200"/>
+              <a:buFont typeface="Arial"/>
+              <a:buNone/>
+            </a:pPr>
+            <a:r>
+              <a:rPr lang="es-CO" sz="2200" b="1" dirty="0" smtClean="0">
+                <a:solidFill>
+                  <a:srgbClr val="FFFFFF"/>
+                </a:solidFill>
+              </a:rPr>
+              <a:t>Tipos de machine  </a:t>
+            </a:r>
+            <a:r>
+              <a:rPr lang="es-CO" sz="2200" b="1" dirty="0" err="1">
+                <a:solidFill>
+                  <a:srgbClr val="FFFFFF"/>
+                </a:solidFill>
+              </a:rPr>
+              <a:t>l</a:t>
+            </a:r>
+            <a:r>
+              <a:rPr lang="es-CO" sz="2200" b="1" dirty="0" err="1" smtClean="0">
+                <a:solidFill>
+                  <a:srgbClr val="FFFFFF"/>
+                </a:solidFill>
+              </a:rPr>
+              <a:t>earning</a:t>
+            </a:r>
+            <a:endParaRPr lang="es-CO" sz="2200" b="0" i="0" u="none" strike="noStrike" cap="none" dirty="0">
+              <a:solidFill>
+                <a:srgbClr val="000000"/>
+              </a:solidFill>
+              <a:latin typeface="Arial"/>
+              <a:ea typeface="Arial"/>
+              <a:cs typeface="Arial"/>
+              <a:sym typeface="Arial"/>
+            </a:endParaRPr>
+          </a:p>
+        </p:txBody>
+      </p:sp>
+      <p:cxnSp>
+        <p:nvCxnSpPr>
+          <p:cNvPr id="11" name="Conector recto 10"/>
+          <p:cNvCxnSpPr/>
+          <p:nvPr/>
+        </p:nvCxnSpPr>
+        <p:spPr>
+          <a:xfrm>
+            <a:off x="6098040" y="1181212"/>
+            <a:ext cx="0" cy="4618344"/>
+          </a:xfrm>
+          <a:prstGeom prst="line">
+            <a:avLst/>
+          </a:prstGeom>
+          <a:ln w="28575">
+            <a:prstDash val="dash"/>
+          </a:ln>
+        </p:spPr>
+        <p:style>
+          <a:lnRef idx="1">
+            <a:schemeClr val="accent1"/>
+          </a:lnRef>
+          <a:fillRef idx="0">
+            <a:schemeClr val="accent1"/>
+          </a:fillRef>
+          <a:effectRef idx="0">
+            <a:schemeClr val="accent1"/>
+          </a:effectRef>
+          <a:fontRef idx="minor">
+            <a:schemeClr val="tx1"/>
+          </a:fontRef>
+        </p:style>
+      </p:cxnSp>
+      <p:sp>
+        <p:nvSpPr>
+          <p:cNvPr id="12" name="CuadroTexto 11"/>
+          <p:cNvSpPr txBox="1"/>
+          <p:nvPr/>
+        </p:nvSpPr>
+        <p:spPr>
+          <a:xfrm>
+            <a:off x="6446919" y="3409302"/>
+            <a:ext cx="5218608" cy="1384995"/>
+          </a:xfrm>
+          <a:prstGeom prst="rect">
+            <a:avLst/>
+          </a:prstGeom>
+          <a:noFill/>
+        </p:spPr>
+        <p:txBody>
+          <a:bodyPr wrap="square" rtlCol="0">
+            <a:spAutoFit/>
+          </a:bodyPr>
+          <a:lstStyle/>
+          <a:p>
+            <a:r>
+              <a:rPr lang="es-CO" b="1" u="sng" dirty="0" smtClean="0"/>
+              <a:t>Aprendizaje reforzado</a:t>
+            </a:r>
+            <a:r>
+              <a:rPr lang="es-CO" b="1" u="sng" dirty="0" smtClean="0"/>
+              <a:t>:</a:t>
+            </a:r>
+            <a:r>
+              <a:rPr lang="es-CO" dirty="0" smtClean="0"/>
+              <a:t> </a:t>
+            </a:r>
+          </a:p>
+          <a:p>
+            <a:endParaRPr lang="es-CO" dirty="0" smtClean="0"/>
+          </a:p>
+          <a:p>
+            <a:r>
+              <a:rPr lang="es-CO" dirty="0" smtClean="0"/>
+              <a:t>-&gt; </a:t>
+            </a:r>
+            <a:r>
+              <a:rPr lang="es-ES" dirty="0" smtClean="0"/>
+              <a:t>Se </a:t>
+            </a:r>
+            <a:r>
+              <a:rPr lang="es-ES" dirty="0"/>
+              <a:t>entiende como un proceso de “enseñanza” mediante </a:t>
+            </a:r>
+            <a:r>
+              <a:rPr lang="es-ES" dirty="0" smtClean="0"/>
+              <a:t>estímulos(recompensas </a:t>
+            </a:r>
+            <a:r>
+              <a:rPr lang="es-ES" dirty="0"/>
+              <a:t>y castigos otorgados por el entorno</a:t>
+            </a:r>
+            <a:r>
+              <a:rPr lang="es-ES" dirty="0" smtClean="0"/>
+              <a:t>).</a:t>
+            </a:r>
+            <a:endParaRPr lang="es-ES" dirty="0"/>
+          </a:p>
+          <a:p>
+            <a:r>
+              <a:rPr lang="es-ES" dirty="0" smtClean="0"/>
+              <a:t>-&gt; Se </a:t>
+            </a:r>
+            <a:r>
+              <a:rPr lang="es-ES" dirty="0"/>
+              <a:t>genera mediante pruebas de ensayo y </a:t>
+            </a:r>
+            <a:r>
+              <a:rPr lang="es-ES" dirty="0" smtClean="0"/>
+              <a:t>error.</a:t>
+            </a:r>
+            <a:endParaRPr lang="es-CO" dirty="0"/>
+          </a:p>
+          <a:p>
+            <a:endParaRPr lang="es-CO" dirty="0"/>
+          </a:p>
+        </p:txBody>
+      </p:sp>
+      <p:pic>
+        <p:nvPicPr>
+          <p:cNvPr id="15" name="Picture 2" descr="Regression vs Classification in Machine Learning - Javatpoint">
+            <a:extLst>
+              <a:ext uri="{FF2B5EF4-FFF2-40B4-BE49-F238E27FC236}">
+                <a16:creationId xmlns:a16="http://schemas.microsoft.com/office/drawing/2014/main" id="{516B3BE5-8DA6-4595-8B25-9AF9EDAE7E71}"/>
+              </a:ext>
+            </a:extLst>
+          </p:cNvPr>
+          <p:cNvPicPr>
+            <a:picLocks noChangeAspect="1" noChangeArrowheads="1"/>
+          </p:cNvPicPr>
+          <p:nvPr/>
+        </p:nvPicPr>
+        <p:blipFill rotWithShape="1">
+          <a:blip r:embed="rId6">
+            <a:extLst>
+              <a:ext uri="{28A0092B-C50C-407E-A947-70E740481C1C}">
+                <a14:useLocalDpi xmlns:a14="http://schemas.microsoft.com/office/drawing/2010/main" val="0"/>
+              </a:ext>
+            </a:extLst>
+          </a:blip>
+          <a:srcRect l="48751" b="15545"/>
+          <a:stretch/>
+        </p:blipFill>
+        <p:spPr bwMode="auto">
+          <a:xfrm>
+            <a:off x="3201382" y="3293970"/>
+            <a:ext cx="1250404" cy="1147350"/>
+          </a:xfrm>
+          <a:prstGeom prst="rect">
+            <a:avLst/>
+          </a:prstGeom>
+          <a:noFill/>
+          <a:extLst>
+            <a:ext uri="{909E8E84-426E-40DD-AFC4-6F175D3DCCD1}">
+              <a14:hiddenFill xmlns:a14="http://schemas.microsoft.com/office/drawing/2010/main">
+                <a:solidFill>
+                  <a:srgbClr val="FFFFFF"/>
+                </a:solidFill>
+              </a14:hiddenFill>
+            </a:ext>
+          </a:extLst>
+        </p:spPr>
+      </p:pic>
+      <p:pic>
+        <p:nvPicPr>
+          <p:cNvPr id="16" name="Picture 4" descr="Regression vs Classification in Machine Learning - Javatpoint">
+            <a:extLst>
+              <a:ext uri="{FF2B5EF4-FFF2-40B4-BE49-F238E27FC236}">
+                <a16:creationId xmlns:a16="http://schemas.microsoft.com/office/drawing/2014/main" id="{0B63D918-3439-4032-9200-5AF397B458B9}"/>
+              </a:ext>
+            </a:extLst>
+          </p:cNvPr>
+          <p:cNvPicPr>
+            <a:picLocks noChangeAspect="1" noChangeArrowheads="1"/>
+          </p:cNvPicPr>
+          <p:nvPr/>
+        </p:nvPicPr>
+        <p:blipFill rotWithShape="1">
+          <a:blip r:embed="rId6">
+            <a:extLst>
+              <a:ext uri="{28A0092B-C50C-407E-A947-70E740481C1C}">
+                <a14:useLocalDpi xmlns:a14="http://schemas.microsoft.com/office/drawing/2010/main" val="0"/>
+              </a:ext>
+            </a:extLst>
+          </a:blip>
+          <a:srcRect r="50000" b="13918"/>
+          <a:stretch/>
+        </p:blipFill>
+        <p:spPr bwMode="auto">
+          <a:xfrm>
+            <a:off x="3587963" y="4794297"/>
+            <a:ext cx="1202268" cy="1152505"/>
+          </a:xfrm>
+          <a:prstGeom prst="rect">
+            <a:avLst/>
+          </a:prstGeom>
+          <a:noFill/>
+          <a:extLst>
+            <a:ext uri="{909E8E84-426E-40DD-AFC4-6F175D3DCCD1}">
+              <a14:hiddenFill xmlns:a14="http://schemas.microsoft.com/office/drawing/2010/main">
+                <a:solidFill>
+                  <a:srgbClr val="FFFFFF"/>
+                </a:solidFill>
+              </a14:hiddenFill>
+            </a:ext>
+          </a:extLst>
+        </p:spPr>
+      </p:pic>
+      <p:pic>
+        <p:nvPicPr>
+          <p:cNvPr id="2" name="Picture 2" descr="Eight ways machine learning is assisting medicine | Nature Medicine"/>
+          <p:cNvPicPr>
+            <a:picLocks noChangeAspect="1" noChangeArrowheads="1"/>
+          </p:cNvPicPr>
+          <p:nvPr/>
+        </p:nvPicPr>
+        <p:blipFill>
+          <a:blip r:embed="rId7">
+            <a:extLst>
+              <a:ext uri="{28A0092B-C50C-407E-A947-70E740481C1C}">
+                <a14:useLocalDpi xmlns:a14="http://schemas.microsoft.com/office/drawing/2010/main" val="0"/>
+              </a:ext>
+            </a:extLst>
+          </a:blip>
+          <a:srcRect/>
+          <a:stretch>
+            <a:fillRect/>
+          </a:stretch>
+        </p:blipFill>
+        <p:spPr bwMode="auto">
+          <a:xfrm>
+            <a:off x="9740003" y="2452306"/>
+            <a:ext cx="1925524" cy="1276380"/>
+          </a:xfrm>
+          <a:prstGeom prst="rect">
+            <a:avLst/>
+          </a:prstGeom>
+          <a:noFill/>
+          <a:extLst>
+            <a:ext uri="{909E8E84-426E-40DD-AFC4-6F175D3DCCD1}">
+              <a14:hiddenFill xmlns:a14="http://schemas.microsoft.com/office/drawing/2010/main">
+                <a:solidFill>
+                  <a:srgbClr val="FFFFFF"/>
+                </a:solidFill>
+              </a14:hiddenFill>
+            </a:ext>
+          </a:extLst>
+        </p:spPr>
+      </p:pic>
+      <p:pic>
+        <p:nvPicPr>
+          <p:cNvPr id="1028" name="Picture 4" descr="Aprendizaje por Refuerzo | Aprende Machine Learning"/>
+          <p:cNvPicPr>
+            <a:picLocks noChangeAspect="1" noChangeArrowheads="1"/>
+          </p:cNvPicPr>
+          <p:nvPr/>
+        </p:nvPicPr>
+        <p:blipFill rotWithShape="1">
+          <a:blip r:embed="rId8">
+            <a:extLst>
+              <a:ext uri="{28A0092B-C50C-407E-A947-70E740481C1C}">
+                <a14:useLocalDpi xmlns:a14="http://schemas.microsoft.com/office/drawing/2010/main" val="0"/>
+              </a:ext>
+            </a:extLst>
+          </a:blip>
+          <a:srcRect t="8219" b="16100"/>
+          <a:stretch/>
+        </p:blipFill>
+        <p:spPr bwMode="auto">
+          <a:xfrm>
+            <a:off x="8080644" y="4573133"/>
+            <a:ext cx="2130156" cy="1351434"/>
+          </a:xfrm>
+          <a:prstGeom prst="rect">
+            <a:avLst/>
+          </a:prstGeom>
+          <a:noFill/>
+          <a:extLst>
+            <a:ext uri="{909E8E84-426E-40DD-AFC4-6F175D3DCCD1}">
+              <a14:hiddenFill xmlns:a14="http://schemas.microsoft.com/office/drawing/2010/main">
+                <a:solidFill>
+                  <a:srgbClr val="FFFFFF"/>
+                </a:solidFill>
+              </a14:hiddenFill>
+            </a:ext>
+          </a:extLst>
+        </p:spPr>
+      </p:pic>
+    </p:spTree>
+    <p:extLst>
+      <p:ext uri="{BB962C8B-B14F-4D97-AF65-F5344CB8AC3E}">
+        <p14:creationId xmlns:p14="http://schemas.microsoft.com/office/powerpoint/2010/main" val="442458736"/>
+      </p:ext>
+    </p:extLst>
+  </p:cSld>
+  <p:clrMapOvr>
+    <a:masterClrMapping/>
+  </p:clrMapOvr>
+  <p:timing>
+    <p:tnLst>
+      <p:par>
+        <p:cTn id="1" dur="indefinite" restart="never" nodeType="tmRoot"/>
+      </p:par>
+    </p:tnLst>
+  </p:timing>
+</p:sld>
+</file>
+
+<file path=ppt/slides/slide9.xml><?xml version="1.0" encoding="utf-8"?>
+<p:sld xmlns:a="http://schemas.openxmlformats.org/drawingml/2006/main" xmlns:r="http://schemas.openxmlformats.org/officeDocument/2006/relationships" xmlns:p="http://schemas.openxmlformats.org/presentationml/2006/main">
+  <p:cSld>
+    <p:spTree>
+      <p:nvGrpSpPr>
+        <p:cNvPr id="1" name="Shape 198"/>
+        <p:cNvGrpSpPr/>
+        <p:nvPr/>
+      </p:nvGrpSpPr>
+      <p:grpSpPr>
+        <a:xfrm>
+          <a:off x="0" y="0"/>
+          <a:ext cx="0" cy="0"/>
+          <a:chOff x="0" y="0"/>
+          <a:chExt cx="0" cy="0"/>
+        </a:xfrm>
+      </p:grpSpPr>
+      <p:pic>
+        <p:nvPicPr>
+          <p:cNvPr id="216" name="Google Shape;216;p2"/>
+          <p:cNvPicPr preferRelativeResize="0"/>
+          <p:nvPr/>
+        </p:nvPicPr>
+        <p:blipFill rotWithShape="1">
+          <a:blip r:embed="rId3">
             <a:alphaModFix/>
           </a:blip>
           <a:srcRect/>
@@ -21358,427 +22655,10 @@
                 <a:ea typeface="Arial"/>
                 <a:cs typeface="Arial"/>
                 <a:sym typeface="Arial"/>
-                <a:hlinkClick r:id="rId5">
+                <a:hlinkClick r:id="rId4">
                   <a:extLst>
                     <a:ext uri="{A12FA001-AC4F-418D-AE19-62706E023703}">
-                      <ahyp:hlinkClr xmlns="" xmlns:ahyp="http://schemas.microsoft.com/office/drawing/2018/hyperlinkcolor" val="tx"/>
-                    </a:ext>
-                  </a:extLst>
-                </a:hlinkClick>
-              </a:rPr>
-              <a:t>http://github.com/yourUserName/proyecto/.</a:t>
-            </a:r>
-            <a:r>
-              <a:rPr lang="en-US" sz="2200" b="1" i="0" u="none" strike="noStrike" cap="none">
-                <a:solidFill>
-                  <a:srgbClr val="001E33"/>
-                </a:solidFill>
-                <a:latin typeface="Arial"/>
-                <a:ea typeface="Arial"/>
-                <a:cs typeface="Arial"/>
-                <a:sym typeface="Arial"/>
-              </a:rPr>
-              <a:t>..</a:t>
-            </a:r>
-            <a:endParaRPr sz="2200" b="1" i="0" u="none" strike="noStrike" cap="none">
-              <a:solidFill>
-                <a:srgbClr val="001E33"/>
-              </a:solidFill>
-              <a:latin typeface="Arial"/>
-              <a:ea typeface="Arial"/>
-              <a:cs typeface="Arial"/>
-              <a:sym typeface="Arial"/>
-            </a:endParaRPr>
-          </a:p>
-        </p:txBody>
-      </p:sp>
-      <p:sp>
-        <p:nvSpPr>
-          <p:cNvPr id="222" name="Google Shape;222;p2"/>
-          <p:cNvSpPr/>
-          <p:nvPr/>
-        </p:nvSpPr>
-        <p:spPr>
-          <a:xfrm>
-            <a:off x="7692600" y="6184200"/>
-            <a:ext cx="2932500" cy="516000"/>
-          </a:xfrm>
-          <a:prstGeom prst="rect">
-            <a:avLst/>
-          </a:prstGeom>
-          <a:noFill/>
-          <a:ln>
-            <a:noFill/>
-          </a:ln>
-        </p:spPr>
-        <p:txBody>
-          <a:bodyPr spcFirstLastPara="1" wrap="square" lIns="90000" tIns="45000" rIns="90000" bIns="45000" anchor="t" anchorCtr="0">
-            <a:noAutofit/>
-          </a:bodyPr>
-          <a:lstStyle/>
-          <a:p>
-            <a:pPr marL="0" marR="0" lvl="0" indent="0" algn="ctr" rtl="0">
-              <a:lnSpc>
-                <a:spcPct val="100000"/>
-              </a:lnSpc>
-              <a:spcBef>
-                <a:spcPts val="0"/>
-              </a:spcBef>
-              <a:spcAft>
-                <a:spcPts val="0"/>
-              </a:spcAft>
-              <a:buClr>
-                <a:srgbClr val="000000"/>
-              </a:buClr>
-              <a:buSzPts val="1400"/>
-              <a:buFont typeface="Arial"/>
-              <a:buNone/>
-            </a:pPr>
-            <a:r>
-              <a:rPr lang="en-US" sz="1400" b="0" i="1" u="none" strike="noStrike" cap="none">
-                <a:solidFill>
-                  <a:schemeClr val="accent2"/>
-                </a:solidFill>
-                <a:latin typeface="Arial"/>
-                <a:ea typeface="Arial"/>
-                <a:cs typeface="Arial"/>
-                <a:sym typeface="Arial"/>
-              </a:rPr>
-              <a:t>Incluya el URL donde</a:t>
-            </a:r>
-            <a:br>
-              <a:rPr lang="en-US" sz="1400" b="0" i="1" u="none" strike="noStrike" cap="none">
-                <a:solidFill>
-                  <a:schemeClr val="accent2"/>
-                </a:solidFill>
-                <a:latin typeface="Arial"/>
-                <a:ea typeface="Arial"/>
-                <a:cs typeface="Arial"/>
-                <a:sym typeface="Arial"/>
-              </a:rPr>
-            </a:br>
-            <a:r>
-              <a:rPr lang="en-US" sz="1400" b="0" i="1" u="none" strike="noStrike" cap="none">
-                <a:solidFill>
-                  <a:schemeClr val="accent2"/>
-                </a:solidFill>
-                <a:latin typeface="Arial"/>
-                <a:ea typeface="Arial"/>
-                <a:cs typeface="Arial"/>
-                <a:sym typeface="Arial"/>
-              </a:rPr>
-              <a:t>su proyecto se encuentra</a:t>
-            </a:r>
-            <a:endParaRPr sz="1400" b="0" i="0" u="none" strike="noStrike" cap="none">
-              <a:solidFill>
-                <a:schemeClr val="accent2"/>
-              </a:solidFill>
-              <a:latin typeface="Arial"/>
-              <a:ea typeface="Arial"/>
-              <a:cs typeface="Arial"/>
-              <a:sym typeface="Arial"/>
-            </a:endParaRPr>
-          </a:p>
-        </p:txBody>
-      </p:sp>
-      <p:sp>
-        <p:nvSpPr>
-          <p:cNvPr id="223" name="Google Shape;223;p2"/>
-          <p:cNvSpPr/>
-          <p:nvPr/>
-        </p:nvSpPr>
-        <p:spPr>
-          <a:xfrm>
-            <a:off x="6996626" y="6335156"/>
-            <a:ext cx="1009314" cy="97794"/>
-          </a:xfrm>
-          <a:custGeom>
-            <a:avLst/>
-            <a:gdLst/>
-            <a:ahLst/>
-            <a:cxnLst/>
-            <a:rect l="l" t="t" r="r" b="b"/>
-            <a:pathLst>
-              <a:path w="21600" h="21600" extrusionOk="0">
-                <a:moveTo>
-                  <a:pt x="0" y="0"/>
-                </a:moveTo>
-                <a:lnTo>
-                  <a:pt x="21600" y="21600"/>
-                </a:lnTo>
-              </a:path>
-            </a:pathLst>
-          </a:custGeom>
-          <a:noFill/>
-          <a:ln w="76300" cap="flat" cmpd="sng">
-            <a:solidFill>
-              <a:schemeClr val="accent2"/>
-            </a:solidFill>
-            <a:prstDash val="solid"/>
-            <a:round/>
-            <a:headEnd type="none" w="sm" len="sm"/>
-            <a:tailEnd type="triangle" w="med" len="med"/>
-          </a:ln>
-        </p:spPr>
-      </p:sp>
-      <p:sp>
-        <p:nvSpPr>
-          <p:cNvPr id="2" name="CuadroTexto 1">
-            <a:extLst>
-              <a:ext uri="{FF2B5EF4-FFF2-40B4-BE49-F238E27FC236}">
-                <a16:creationId xmlns:a16="http://schemas.microsoft.com/office/drawing/2014/main" id="{2E3C3B93-7D6F-476C-A493-DA42C4087825}"/>
-              </a:ext>
-            </a:extLst>
-          </p:cNvPr>
-          <p:cNvSpPr txBox="1"/>
-          <p:nvPr/>
-        </p:nvSpPr>
-        <p:spPr>
-          <a:xfrm>
-            <a:off x="803880" y="1083212"/>
-            <a:ext cx="10801966" cy="307777"/>
-          </a:xfrm>
-          <a:prstGeom prst="rect">
-            <a:avLst/>
-          </a:prstGeom>
-          <a:noFill/>
-        </p:spPr>
-        <p:txBody>
-          <a:bodyPr wrap="square" rtlCol="0">
-            <a:spAutoFit/>
-          </a:bodyPr>
-          <a:lstStyle/>
-          <a:p>
-            <a:r>
-              <a:rPr lang="es-ES" b="1" i="0" dirty="0">
-                <a:solidFill>
-                  <a:srgbClr val="202122"/>
-                </a:solidFill>
-                <a:effectLst/>
-                <a:latin typeface="Arial" panose="020B0604020202020204" pitchFamily="34" charset="0"/>
-              </a:rPr>
-              <a:t> Que es el aprendizaje automático</a:t>
-            </a:r>
-            <a:endParaRPr lang="es-CO" b="1" dirty="0"/>
-          </a:p>
-        </p:txBody>
-      </p:sp>
-      <p:sp>
-        <p:nvSpPr>
-          <p:cNvPr id="3" name="CuadroTexto 2">
-            <a:extLst>
-              <a:ext uri="{FF2B5EF4-FFF2-40B4-BE49-F238E27FC236}">
-                <a16:creationId xmlns:a16="http://schemas.microsoft.com/office/drawing/2014/main" id="{D1B12756-2313-4E80-B84F-9DA1D75C8203}"/>
-              </a:ext>
-            </a:extLst>
-          </p:cNvPr>
-          <p:cNvSpPr txBox="1"/>
-          <p:nvPr/>
-        </p:nvSpPr>
-        <p:spPr>
-          <a:xfrm>
-            <a:off x="815040" y="1927274"/>
-            <a:ext cx="10650129" cy="1600438"/>
-          </a:xfrm>
-          <a:prstGeom prst="rect">
-            <a:avLst/>
-          </a:prstGeom>
-          <a:noFill/>
-        </p:spPr>
-        <p:txBody>
-          <a:bodyPr wrap="square" rtlCol="0">
-            <a:spAutoFit/>
-          </a:bodyPr>
-          <a:lstStyle/>
-          <a:p>
-            <a:endParaRPr lang="es-ES" dirty="0"/>
-          </a:p>
-          <a:p>
-            <a:r>
-              <a:rPr lang="es-ES" dirty="0">
-                <a:hlinkClick r:id="rId6"/>
-              </a:rPr>
-              <a:t>https://www.prhlt.upv.es/~evidal/students/apr/Tema1/t1aa2p.pdf</a:t>
-            </a:r>
-            <a:r>
-              <a:rPr lang="es-ES" dirty="0"/>
-              <a:t>  pp1-12</a:t>
-            </a:r>
-          </a:p>
-          <a:p>
-            <a:endParaRPr lang="es-ES" dirty="0"/>
-          </a:p>
-          <a:p>
-            <a:r>
-              <a:rPr lang="es-ES" dirty="0"/>
-              <a:t>Utilice el video </a:t>
-            </a:r>
-          </a:p>
-          <a:p>
-            <a:r>
-              <a:rPr lang="es-CO" dirty="0">
-                <a:hlinkClick r:id="rId7"/>
-              </a:rPr>
-              <a:t>https://www.youtube.com/watch?v=LliMpfMtjEo&amp;ab_channel=LuisSerrano</a:t>
-            </a:r>
-            <a:r>
-              <a:rPr lang="es-CO" dirty="0"/>
-              <a:t> del minuto 1 al 11</a:t>
-            </a:r>
-          </a:p>
-          <a:p>
-            <a:endParaRPr lang="es-CO" dirty="0"/>
-          </a:p>
-          <a:p>
-            <a:r>
-              <a:rPr lang="es-CO" dirty="0"/>
-              <a:t>https://www.zendesk.com.mx/blog/aprendizaje-automatico-machine-learning-que-es/</a:t>
-            </a:r>
-          </a:p>
-        </p:txBody>
-      </p:sp>
-    </p:spTree>
-    <p:extLst>
-      <p:ext uri="{BB962C8B-B14F-4D97-AF65-F5344CB8AC3E}">
-        <p14:creationId xmlns:p14="http://schemas.microsoft.com/office/powerpoint/2010/main" val="4017867947"/>
-      </p:ext>
-    </p:extLst>
-  </p:cSld>
-  <p:clrMapOvr>
-    <a:masterClrMapping/>
-  </p:clrMapOvr>
-</p:sld>
-</file>
-
-<file path=ppt/slides/slide8.xml><?xml version="1.0" encoding="utf-8"?>
-<p:sld xmlns:a="http://schemas.openxmlformats.org/drawingml/2006/main" xmlns:r="http://schemas.openxmlformats.org/officeDocument/2006/relationships" xmlns:p="http://schemas.openxmlformats.org/presentationml/2006/main">
-  <p:cSld>
-    <p:spTree>
-      <p:nvGrpSpPr>
-        <p:cNvPr id="1" name="Shape 198"/>
-        <p:cNvGrpSpPr/>
-        <p:nvPr/>
-      </p:nvGrpSpPr>
-      <p:grpSpPr>
-        <a:xfrm>
-          <a:off x="0" y="0"/>
-          <a:ext cx="0" cy="0"/>
-          <a:chOff x="0" y="0"/>
-          <a:chExt cx="0" cy="0"/>
-        </a:xfrm>
-      </p:grpSpPr>
-      <p:pic>
-        <p:nvPicPr>
-          <p:cNvPr id="199" name="Google Shape;199;p2"/>
-          <p:cNvPicPr preferRelativeResize="0"/>
-          <p:nvPr/>
-        </p:nvPicPr>
-        <p:blipFill rotWithShape="1">
-          <a:blip r:embed="rId3">
-            <a:alphaModFix/>
-          </a:blip>
-          <a:srcRect/>
-          <a:stretch/>
-        </p:blipFill>
-        <p:spPr>
-          <a:xfrm>
-            <a:off x="-186960" y="-49289"/>
-            <a:ext cx="12378960" cy="6760049"/>
-          </a:xfrm>
-          <a:prstGeom prst="rect">
-            <a:avLst/>
-          </a:prstGeom>
-          <a:noFill/>
-          <a:ln>
-            <a:noFill/>
-          </a:ln>
-        </p:spPr>
-      </p:pic>
-      <p:pic>
-        <p:nvPicPr>
-          <p:cNvPr id="216" name="Google Shape;216;p2"/>
-          <p:cNvPicPr preferRelativeResize="0"/>
-          <p:nvPr/>
-        </p:nvPicPr>
-        <p:blipFill rotWithShape="1">
-          <a:blip r:embed="rId4">
-            <a:alphaModFix/>
-          </a:blip>
-          <a:srcRect/>
-          <a:stretch/>
-        </p:blipFill>
-        <p:spPr>
-          <a:xfrm>
-            <a:off x="182880" y="6089760"/>
-            <a:ext cx="621000" cy="621000"/>
-          </a:xfrm>
-          <a:prstGeom prst="rect">
-            <a:avLst/>
-          </a:prstGeom>
-          <a:noFill/>
-          <a:ln>
-            <a:noFill/>
-          </a:ln>
-        </p:spPr>
-      </p:pic>
-      <p:sp>
-        <p:nvSpPr>
-          <p:cNvPr id="217" name="Google Shape;217;p2"/>
-          <p:cNvSpPr/>
-          <p:nvPr/>
-        </p:nvSpPr>
-        <p:spPr>
-          <a:xfrm>
-            <a:off x="815040" y="6160680"/>
-            <a:ext cx="6915240" cy="425160"/>
-          </a:xfrm>
-          <a:prstGeom prst="rect">
-            <a:avLst/>
-          </a:prstGeom>
-          <a:noFill/>
-          <a:ln>
-            <a:noFill/>
-          </a:ln>
-        </p:spPr>
-        <p:txBody>
-          <a:bodyPr spcFirstLastPara="1" wrap="square" lIns="90000" tIns="45000" rIns="90000" bIns="45000" anchor="t" anchorCtr="0">
-            <a:spAutoFit/>
-          </a:bodyPr>
-          <a:lstStyle/>
-          <a:p>
-            <a:pPr marL="0" marR="0" lvl="0" indent="0" algn="l" rtl="0">
-              <a:lnSpc>
-                <a:spcPct val="100000"/>
-              </a:lnSpc>
-              <a:spcBef>
-                <a:spcPts val="0"/>
-              </a:spcBef>
-              <a:spcAft>
-                <a:spcPts val="0"/>
-              </a:spcAft>
-              <a:buClr>
-                <a:srgbClr val="000000"/>
-              </a:buClr>
-              <a:buSzPts val="2200"/>
-              <a:buFont typeface="Arial"/>
-              <a:buNone/>
-            </a:pPr>
-            <a:r>
-              <a:rPr lang="en-US" sz="2200" b="1" i="0" u="none" strike="noStrike" cap="none">
-                <a:solidFill>
-                  <a:srgbClr val="001E33"/>
-                </a:solidFill>
-                <a:uFill>
-                  <a:noFill/>
-                </a:uFill>
-                <a:latin typeface="Arial"/>
-                <a:ea typeface="Arial"/>
-                <a:cs typeface="Arial"/>
-                <a:sym typeface="Arial"/>
-                <a:hlinkClick r:id="rId5">
-                  <a:extLst>
-                    <a:ext uri="{A12FA001-AC4F-418D-AE19-62706E023703}">
-                      <ahyp:hlinkClr xmlns="" xmlns:ahyp="http://schemas.microsoft.com/office/drawing/2018/hyperlinkcolor" val="tx"/>
+                      <ahyp:hlinkClr xmlns:ahyp="http://schemas.microsoft.com/office/drawing/2018/hyperlinkcolor" xmlns="" val="tx"/>
                     </a:ext>
                   </a:extLst>
                 </a:hlinkClick>
@@ -22020,7 +22900,7 @@
           <a:p>
             <a:r>
               <a:rPr lang="es-CO" dirty="0">
-                <a:hlinkClick r:id="rId6"/>
+                <a:hlinkClick r:id="rId5"/>
               </a:rPr>
               <a:t>https://www.youtube.com/watch?v=jKCQsndqEGQ&amp;ab_channel=3Blue1BrownEspa%C3%B1ol</a:t>
             </a:r>
@@ -22043,44 +22923,14 @@
           </a:p>
         </p:txBody>
       </p:sp>
-    </p:spTree>
-    <p:extLst>
-      <p:ext uri="{BB962C8B-B14F-4D97-AF65-F5344CB8AC3E}">
-        <p14:creationId xmlns:p14="http://schemas.microsoft.com/office/powerpoint/2010/main" val="1645517738"/>
-      </p:ext>
-    </p:extLst>
-  </p:cSld>
-  <p:clrMapOvr>
-    <a:masterClrMapping/>
-  </p:clrMapOvr>
-</p:sld>
-</file>
-
-<file path=ppt/slides/slide9.xml><?xml version="1.0" encoding="utf-8"?>
-<p:sld xmlns:a="http://schemas.openxmlformats.org/drawingml/2006/main" xmlns:r="http://schemas.openxmlformats.org/officeDocument/2006/relationships" xmlns:p="http://schemas.openxmlformats.org/presentationml/2006/main">
-  <p:cSld>
-    <p:spTree>
-      <p:nvGrpSpPr>
-        <p:cNvPr id="1" name="Shape 198"/>
-        <p:cNvGrpSpPr/>
-        <p:nvPr/>
-      </p:nvGrpSpPr>
-      <p:grpSpPr>
-        <a:xfrm>
-          <a:off x="0" y="0"/>
-          <a:ext cx="0" cy="0"/>
-          <a:chOff x="0" y="0"/>
-          <a:chExt cx="0" cy="0"/>
-        </a:xfrm>
-      </p:grpSpPr>
       <p:pic>
         <p:nvPicPr>
-          <p:cNvPr id="199" name="Google Shape;199;p2"/>
+          <p:cNvPr id="9" name="Google Shape;199;p2"/>
           <p:cNvPicPr preferRelativeResize="0"/>
           <p:nvPr/>
         </p:nvPicPr>
         <p:blipFill rotWithShape="1">
-          <a:blip r:embed="rId3">
+          <a:blip r:embed="rId6">
             <a:alphaModFix/>
           </a:blip>
           <a:srcRect/>
@@ -22088,7 +22938,7 @@
         </p:blipFill>
         <p:spPr>
           <a:xfrm>
-            <a:off x="-186960" y="-49289"/>
+            <a:off x="0" y="1938"/>
             <a:ext cx="12196080" cy="6855840"/>
           </a:xfrm>
           <a:prstGeom prst="rect">
@@ -22100,364 +22950,23 @@
           </a:ln>
         </p:spPr>
       </p:pic>
-      <p:pic>
-        <p:nvPicPr>
-          <p:cNvPr id="216" name="Google Shape;216;p2"/>
-          <p:cNvPicPr preferRelativeResize="0"/>
-          <p:nvPr/>
-        </p:nvPicPr>
-        <p:blipFill rotWithShape="1">
-          <a:blip r:embed="rId4">
-            <a:alphaModFix/>
-          </a:blip>
-          <a:srcRect/>
-          <a:stretch/>
-        </p:blipFill>
-        <p:spPr>
-          <a:xfrm>
-            <a:off x="182880" y="6089760"/>
-            <a:ext cx="621000" cy="621000"/>
-          </a:xfrm>
-          <a:prstGeom prst="rect">
-            <a:avLst/>
-          </a:prstGeom>
-          <a:noFill/>
-          <a:ln>
-            <a:noFill/>
-          </a:ln>
-        </p:spPr>
-      </p:pic>
-      <p:sp>
-        <p:nvSpPr>
-          <p:cNvPr id="217" name="Google Shape;217;p2"/>
-          <p:cNvSpPr/>
-          <p:nvPr/>
-        </p:nvSpPr>
-        <p:spPr>
-          <a:xfrm>
-            <a:off x="815040" y="6160680"/>
-            <a:ext cx="6915240" cy="425160"/>
-          </a:xfrm>
-          <a:prstGeom prst="rect">
-            <a:avLst/>
-          </a:prstGeom>
-          <a:noFill/>
-          <a:ln>
-            <a:noFill/>
-          </a:ln>
-        </p:spPr>
-        <p:txBody>
-          <a:bodyPr spcFirstLastPara="1" wrap="square" lIns="90000" tIns="45000" rIns="90000" bIns="45000" anchor="t" anchorCtr="0">
-            <a:spAutoFit/>
-          </a:bodyPr>
-          <a:lstStyle/>
-          <a:p>
-            <a:pPr marL="0" marR="0" lvl="0" indent="0" algn="l" rtl="0">
-              <a:lnSpc>
-                <a:spcPct val="100000"/>
-              </a:lnSpc>
-              <a:spcBef>
-                <a:spcPts val="0"/>
-              </a:spcBef>
-              <a:spcAft>
-                <a:spcPts val="0"/>
-              </a:spcAft>
-              <a:buClr>
-                <a:srgbClr val="000000"/>
-              </a:buClr>
-              <a:buSzPts val="2200"/>
-              <a:buFont typeface="Arial"/>
-              <a:buNone/>
-            </a:pPr>
-            <a:r>
-              <a:rPr lang="en-US" sz="2200" b="1" i="0" u="none" strike="noStrike" cap="none">
-                <a:solidFill>
-                  <a:srgbClr val="001E33"/>
-                </a:solidFill>
-                <a:uFill>
-                  <a:noFill/>
-                </a:uFill>
-                <a:latin typeface="Arial"/>
-                <a:ea typeface="Arial"/>
-                <a:cs typeface="Arial"/>
-                <a:sym typeface="Arial"/>
-                <a:hlinkClick r:id="rId5">
-                  <a:extLst>
-                    <a:ext uri="{A12FA001-AC4F-418D-AE19-62706E023703}">
-                      <ahyp:hlinkClr xmlns="" xmlns:ahyp="http://schemas.microsoft.com/office/drawing/2018/hyperlinkcolor" val="tx"/>
-                    </a:ext>
-                  </a:extLst>
-                </a:hlinkClick>
-              </a:rPr>
-              <a:t>http://github.com/yourUserName/proyecto/.</a:t>
-            </a:r>
-            <a:r>
-              <a:rPr lang="en-US" sz="2200" b="1" i="0" u="none" strike="noStrike" cap="none">
-                <a:solidFill>
-                  <a:srgbClr val="001E33"/>
-                </a:solidFill>
-                <a:latin typeface="Arial"/>
-                <a:ea typeface="Arial"/>
-                <a:cs typeface="Arial"/>
-                <a:sym typeface="Arial"/>
-              </a:rPr>
-              <a:t>..</a:t>
-            </a:r>
-            <a:endParaRPr sz="2200" b="1" i="0" u="none" strike="noStrike" cap="none">
-              <a:solidFill>
-                <a:srgbClr val="001E33"/>
-              </a:solidFill>
-              <a:latin typeface="Arial"/>
-              <a:ea typeface="Arial"/>
-              <a:cs typeface="Arial"/>
-              <a:sym typeface="Arial"/>
-            </a:endParaRPr>
-          </a:p>
-        </p:txBody>
-      </p:sp>
-      <p:sp>
-        <p:nvSpPr>
-          <p:cNvPr id="222" name="Google Shape;222;p2"/>
-          <p:cNvSpPr/>
-          <p:nvPr/>
-        </p:nvSpPr>
-        <p:spPr>
-          <a:xfrm>
-            <a:off x="7692600" y="6184200"/>
-            <a:ext cx="2932500" cy="516000"/>
-          </a:xfrm>
-          <a:prstGeom prst="rect">
-            <a:avLst/>
-          </a:prstGeom>
-          <a:noFill/>
-          <a:ln>
-            <a:noFill/>
-          </a:ln>
-        </p:spPr>
-        <p:txBody>
-          <a:bodyPr spcFirstLastPara="1" wrap="square" lIns="90000" tIns="45000" rIns="90000" bIns="45000" anchor="t" anchorCtr="0">
-            <a:noAutofit/>
-          </a:bodyPr>
-          <a:lstStyle/>
-          <a:p>
-            <a:pPr marL="0" marR="0" lvl="0" indent="0" algn="ctr" rtl="0">
-              <a:lnSpc>
-                <a:spcPct val="100000"/>
-              </a:lnSpc>
-              <a:spcBef>
-                <a:spcPts val="0"/>
-              </a:spcBef>
-              <a:spcAft>
-                <a:spcPts val="0"/>
-              </a:spcAft>
-              <a:buClr>
-                <a:srgbClr val="000000"/>
-              </a:buClr>
-              <a:buSzPts val="1400"/>
-              <a:buFont typeface="Arial"/>
-              <a:buNone/>
-            </a:pPr>
-            <a:r>
-              <a:rPr lang="en-US" sz="1400" b="0" i="1" u="none" strike="noStrike" cap="none">
-                <a:solidFill>
-                  <a:schemeClr val="accent2"/>
-                </a:solidFill>
-                <a:latin typeface="Arial"/>
-                <a:ea typeface="Arial"/>
-                <a:cs typeface="Arial"/>
-                <a:sym typeface="Arial"/>
-              </a:rPr>
-              <a:t>Incluya el URL donde</a:t>
-            </a:r>
-            <a:br>
-              <a:rPr lang="en-US" sz="1400" b="0" i="1" u="none" strike="noStrike" cap="none">
-                <a:solidFill>
-                  <a:schemeClr val="accent2"/>
-                </a:solidFill>
-                <a:latin typeface="Arial"/>
-                <a:ea typeface="Arial"/>
-                <a:cs typeface="Arial"/>
-                <a:sym typeface="Arial"/>
-              </a:rPr>
-            </a:br>
-            <a:r>
-              <a:rPr lang="en-US" sz="1400" b="0" i="1" u="none" strike="noStrike" cap="none">
-                <a:solidFill>
-                  <a:schemeClr val="accent2"/>
-                </a:solidFill>
-                <a:latin typeface="Arial"/>
-                <a:ea typeface="Arial"/>
-                <a:cs typeface="Arial"/>
-                <a:sym typeface="Arial"/>
-              </a:rPr>
-              <a:t>su proyecto se encuentra</a:t>
-            </a:r>
-            <a:endParaRPr sz="1400" b="0" i="0" u="none" strike="noStrike" cap="none">
-              <a:solidFill>
-                <a:schemeClr val="accent2"/>
-              </a:solidFill>
-              <a:latin typeface="Arial"/>
-              <a:ea typeface="Arial"/>
-              <a:cs typeface="Arial"/>
-              <a:sym typeface="Arial"/>
-            </a:endParaRPr>
-          </a:p>
-        </p:txBody>
-      </p:sp>
-      <p:sp>
-        <p:nvSpPr>
-          <p:cNvPr id="223" name="Google Shape;223;p2"/>
-          <p:cNvSpPr/>
-          <p:nvPr/>
-        </p:nvSpPr>
-        <p:spPr>
-          <a:xfrm>
-            <a:off x="6996626" y="6335156"/>
-            <a:ext cx="1009314" cy="97794"/>
-          </a:xfrm>
-          <a:custGeom>
-            <a:avLst/>
-            <a:gdLst/>
-            <a:ahLst/>
-            <a:cxnLst/>
-            <a:rect l="l" t="t" r="r" b="b"/>
-            <a:pathLst>
-              <a:path w="21600" h="21600" extrusionOk="0">
-                <a:moveTo>
-                  <a:pt x="0" y="0"/>
-                </a:moveTo>
-                <a:lnTo>
-                  <a:pt x="21600" y="21600"/>
-                </a:lnTo>
-              </a:path>
-            </a:pathLst>
-          </a:custGeom>
-          <a:noFill/>
-          <a:ln w="76300" cap="flat" cmpd="sng">
-            <a:solidFill>
-              <a:schemeClr val="accent2"/>
-            </a:solidFill>
-            <a:prstDash val="solid"/>
-            <a:round/>
-            <a:headEnd type="none" w="sm" len="sm"/>
-            <a:tailEnd type="triangle" w="med" len="med"/>
-          </a:ln>
-        </p:spPr>
-      </p:sp>
-      <p:sp>
-        <p:nvSpPr>
-          <p:cNvPr id="2" name="CuadroTexto 1">
-            <a:extLst>
-              <a:ext uri="{FF2B5EF4-FFF2-40B4-BE49-F238E27FC236}">
-                <a16:creationId xmlns:a16="http://schemas.microsoft.com/office/drawing/2014/main" id="{2E3C3B93-7D6F-476C-A493-DA42C4087825}"/>
-              </a:ext>
-            </a:extLst>
-          </p:cNvPr>
-          <p:cNvSpPr txBox="1"/>
-          <p:nvPr/>
-        </p:nvSpPr>
-        <p:spPr>
-          <a:xfrm>
-            <a:off x="803880" y="1083212"/>
-            <a:ext cx="10801966" cy="307777"/>
-          </a:xfrm>
-          <a:prstGeom prst="rect">
-            <a:avLst/>
-          </a:prstGeom>
-          <a:noFill/>
-        </p:spPr>
-        <p:txBody>
-          <a:bodyPr wrap="square" rtlCol="0">
-            <a:spAutoFit/>
-          </a:bodyPr>
-          <a:lstStyle/>
-          <a:p>
-            <a:r>
-              <a:rPr lang="es-ES" b="0" i="0" dirty="0">
-                <a:solidFill>
-                  <a:srgbClr val="202122"/>
-                </a:solidFill>
-                <a:effectLst/>
-                <a:latin typeface="Arial" panose="020B0604020202020204" pitchFamily="34" charset="0"/>
-              </a:rPr>
-              <a:t> </a:t>
-            </a:r>
-            <a:endParaRPr lang="es-CO" dirty="0"/>
-          </a:p>
-        </p:txBody>
-      </p:sp>
-      <p:sp>
-        <p:nvSpPr>
-          <p:cNvPr id="3" name="CuadroTexto 2">
-            <a:extLst>
-              <a:ext uri="{FF2B5EF4-FFF2-40B4-BE49-F238E27FC236}">
-                <a16:creationId xmlns:a16="http://schemas.microsoft.com/office/drawing/2014/main" id="{6DF9A96A-40B7-4490-BDEF-44F0716AFCA8}"/>
-              </a:ext>
-            </a:extLst>
-          </p:cNvPr>
-          <p:cNvSpPr txBox="1"/>
-          <p:nvPr/>
-        </p:nvSpPr>
-        <p:spPr>
-          <a:xfrm>
-            <a:off x="618978" y="1390989"/>
-            <a:ext cx="11127545" cy="1600438"/>
-          </a:xfrm>
-          <a:prstGeom prst="rect">
-            <a:avLst/>
-          </a:prstGeom>
-          <a:noFill/>
-        </p:spPr>
-        <p:txBody>
-          <a:bodyPr wrap="square" rtlCol="0">
-            <a:spAutoFit/>
-          </a:bodyPr>
-          <a:lstStyle/>
-          <a:p>
-            <a:r>
-              <a:rPr lang="es-ES" dirty="0"/>
-              <a:t>Que son conjuntos(set)  de entrenamiento, validación y prueba </a:t>
-            </a:r>
-          </a:p>
-          <a:p>
-            <a:endParaRPr lang="es-ES" dirty="0"/>
-          </a:p>
-          <a:p>
-            <a:endParaRPr lang="es-ES" dirty="0"/>
-          </a:p>
-          <a:p>
-            <a:endParaRPr lang="es-ES" dirty="0"/>
-          </a:p>
-          <a:p>
-            <a:r>
-              <a:rPr lang="es-CO" dirty="0">
-                <a:hlinkClick r:id="rId6"/>
-              </a:rPr>
-              <a:t>https://www.youtube.com/watch?v=Bzhuxk8ErdI&amp;ab_channel=PsyFun</a:t>
-            </a:r>
-            <a:endParaRPr lang="es-CO" dirty="0"/>
-          </a:p>
-          <a:p>
-            <a:endParaRPr lang="es-CO" dirty="0"/>
-          </a:p>
-          <a:p>
-            <a:r>
-              <a:rPr lang="es-CO" dirty="0"/>
-              <a:t>https://www.youtube.com/watch?v=778Pa63FS78&amp;ab_channel=Feregrino%E2%80%93ThatC%23guy</a:t>
-            </a:r>
-          </a:p>
-        </p:txBody>
-      </p:sp>
     </p:spTree>
     <p:extLst>
       <p:ext uri="{BB962C8B-B14F-4D97-AF65-F5344CB8AC3E}">
-        <p14:creationId xmlns:p14="http://schemas.microsoft.com/office/powerpoint/2010/main" val="550114419"/>
+        <p14:creationId xmlns:p14="http://schemas.microsoft.com/office/powerpoint/2010/main" val="1645517738"/>
       </p:ext>
     </p:extLst>
   </p:cSld>
   <p:clrMapOvr>
     <a:masterClrMapping/>
   </p:clrMapOvr>
+  <p:timing>
+    <p:tnLst>
+      <p:par>
+        <p:cTn id="1" dur="indefinite" restart="never" nodeType="tmRoot"/>
+      </p:par>
+    </p:tnLst>
+  </p:timing>
 </p:sld>
 </file>
 

--- a/Presentacion/Presentación Proyecto.pptx
+++ b/Presentacion/Presentación Proyecto.pptx
@@ -6,7 +6,7 @@
     <p:sldMasterId id="2147483661" r:id="rId2"/>
   </p:sldMasterIdLst>
   <p:notesMasterIdLst>
-    <p:notesMasterId r:id="rId14"/>
+    <p:notesMasterId r:id="rId15"/>
   </p:notesMasterIdLst>
   <p:sldIdLst>
     <p:sldId id="256" r:id="rId3"/>
@@ -19,7 +19,8 @@
     <p:sldId id="273" r:id="rId10"/>
     <p:sldId id="264" r:id="rId11"/>
     <p:sldId id="265" r:id="rId12"/>
-    <p:sldId id="266" r:id="rId13"/>
+    <p:sldId id="274" r:id="rId13"/>
+    <p:sldId id="266" r:id="rId14"/>
   </p:sldIdLst>
   <p:sldSz cx="12192000" cy="6858000"/>
   <p:notesSz cx="7772400" cy="10058400"/>
@@ -257,7 +258,7 @@
       <p15:sldGuideLst xmlns:p15="http://schemas.microsoft.com/office/powerpoint/2012/main"/>
     </p:ext>
     <p:ext uri="http://customooxmlschemas.google.com/">
-      <go:slidesCustomData xmlns="" xmlns:mc="http://schemas.openxmlformats.org/markup-compatibility/2006" xmlns:mv="urn:schemas-microsoft-com:mac:vml" xmlns:c="http://schemas.openxmlformats.org/drawingml/2006/chart" xmlns:dgm="http://schemas.openxmlformats.org/drawingml/2006/diagram" xmlns:o="urn:schemas-microsoft-com:office:office" xmlns:v="urn:schemas-microsoft-com:vml" xmlns:pvml="urn:schemas-microsoft-com:office:powerpoint" xmlns:com="http://schemas.openxmlformats.org/drawingml/2006/compatibility" xmlns:p14="http://schemas.microsoft.com/office/powerpoint/2010/main" xmlns:p15="http://schemas.microsoft.com/office/powerpoint/2012/main" xmlns:ahyp="http://schemas.microsoft.com/office/drawing/2018/hyperlinkcolor" xmlns:go="http://customooxmlschemas.google.com/" r:id="rId21" roundtripDataSignature="AMtx7mjHzTg+goWcQk8fO5It0l+0ng5KHA=="/>
+      <go:slidesCustomData xmlns:go="http://customooxmlschemas.google.com/" xmlns:ahyp="http://schemas.microsoft.com/office/drawing/2018/hyperlinkcolor" xmlns:p15="http://schemas.microsoft.com/office/powerpoint/2012/main" xmlns:p14="http://schemas.microsoft.com/office/powerpoint/2010/main" xmlns:com="http://schemas.openxmlformats.org/drawingml/2006/compatibility" xmlns:pvml="urn:schemas-microsoft-com:office:powerpoint" xmlns:v="urn:schemas-microsoft-com:vml" xmlns:o="urn:schemas-microsoft-com:office:office" xmlns:dgm="http://schemas.openxmlformats.org/drawingml/2006/diagram" xmlns:c="http://schemas.openxmlformats.org/drawingml/2006/chart" xmlns:mv="urn:schemas-microsoft-com:mac:vml" xmlns:mc="http://schemas.openxmlformats.org/markup-compatibility/2006" xmlns="" r:id="rId21" roundtripDataSignature="AMtx7mjHzTg+goWcQk8fO5It0l+0ng5KHA=="/>
     </p:ext>
   </p:extLst>
 </p:presentation>
@@ -1089,6 +1090,133 @@
 </file>
 
 <file path=ppt/notesSlides/notesSlide11.xml><?xml version="1.0" encoding="utf-8"?>
+<p:notes xmlns:a="http://schemas.openxmlformats.org/drawingml/2006/main" xmlns:r="http://schemas.openxmlformats.org/officeDocument/2006/relationships" xmlns:p="http://schemas.openxmlformats.org/presentationml/2006/main" showMasterSp="0" showMasterPhAnim="0">
+  <p:cSld>
+    <p:spTree>
+      <p:nvGrpSpPr>
+        <p:cNvPr id="1" name="Shape 195"/>
+        <p:cNvGrpSpPr/>
+        <p:nvPr/>
+      </p:nvGrpSpPr>
+      <p:grpSpPr>
+        <a:xfrm>
+          <a:off x="0" y="0"/>
+          <a:ext cx="0" cy="0"/>
+          <a:chOff x="0" y="0"/>
+          <a:chExt cx="0" cy="0"/>
+        </a:xfrm>
+      </p:grpSpPr>
+      <p:sp>
+        <p:nvSpPr>
+          <p:cNvPr id="196" name="Google Shape;196;p2:notes"/>
+          <p:cNvSpPr txBox="1">
+            <a:spLocks noGrp="1"/>
+          </p:cNvSpPr>
+          <p:nvPr>
+            <p:ph type="body" idx="1"/>
+          </p:nvPr>
+        </p:nvSpPr>
+        <p:spPr>
+          <a:xfrm>
+            <a:off x="777225" y="4777725"/>
+            <a:ext cx="6217900" cy="4526275"/>
+          </a:xfrm>
+          <a:prstGeom prst="rect">
+            <a:avLst/>
+          </a:prstGeom>
+          <a:noFill/>
+          <a:ln>
+            <a:noFill/>
+          </a:ln>
+        </p:spPr>
+        <p:txBody>
+          <a:bodyPr spcFirstLastPara="1" wrap="square" lIns="91425" tIns="91425" rIns="91425" bIns="91425" anchor="t" anchorCtr="0">
+            <a:noAutofit/>
+          </a:bodyPr>
+          <a:lstStyle/>
+          <a:p>
+            <a:pPr marL="0" lvl="0" indent="0" algn="l" rtl="0">
+              <a:lnSpc>
+                <a:spcPct val="100000"/>
+              </a:lnSpc>
+              <a:spcBef>
+                <a:spcPts val="0"/>
+              </a:spcBef>
+              <a:spcAft>
+                <a:spcPts val="0"/>
+              </a:spcAft>
+              <a:buSzPts val="1100"/>
+              <a:buNone/>
+            </a:pPr>
+            <a:endParaRPr/>
+          </a:p>
+        </p:txBody>
+      </p:sp>
+      <p:sp>
+        <p:nvSpPr>
+          <p:cNvPr id="197" name="Google Shape;197;p2:notes"/>
+          <p:cNvSpPr>
+            <a:spLocks noGrp="1" noRot="1" noChangeAspect="1"/>
+          </p:cNvSpPr>
+          <p:nvPr>
+            <p:ph type="sldImg" idx="2"/>
+          </p:nvPr>
+        </p:nvSpPr>
+        <p:spPr>
+          <a:xfrm>
+            <a:off x="533400" y="754063"/>
+            <a:ext cx="6705600" cy="3771900"/>
+          </a:xfrm>
+          <a:custGeom>
+            <a:avLst/>
+            <a:gdLst/>
+            <a:ahLst/>
+            <a:cxnLst/>
+            <a:rect l="l" t="t" r="r" b="b"/>
+            <a:pathLst>
+              <a:path w="120000" h="120000" extrusionOk="0">
+                <a:moveTo>
+                  <a:pt x="0" y="0"/>
+                </a:moveTo>
+                <a:lnTo>
+                  <a:pt x="120000" y="0"/>
+                </a:lnTo>
+                <a:lnTo>
+                  <a:pt x="120000" y="120000"/>
+                </a:lnTo>
+                <a:lnTo>
+                  <a:pt x="0" y="120000"/>
+                </a:lnTo>
+                <a:close/>
+              </a:path>
+            </a:pathLst>
+          </a:custGeom>
+          <a:noFill/>
+          <a:ln w="9525" cap="flat" cmpd="sng">
+            <a:solidFill>
+              <a:srgbClr val="000000"/>
+            </a:solidFill>
+            <a:prstDash val="solid"/>
+            <a:round/>
+            <a:headEnd type="none" w="sm" len="sm"/>
+            <a:tailEnd type="none" w="sm" len="sm"/>
+          </a:ln>
+        </p:spPr>
+      </p:sp>
+    </p:spTree>
+    <p:extLst>
+      <p:ext uri="{BB962C8B-B14F-4D97-AF65-F5344CB8AC3E}">
+        <p14:creationId xmlns:p14="http://schemas.microsoft.com/office/powerpoint/2010/main" val="2669774555"/>
+      </p:ext>
+    </p:extLst>
+  </p:cSld>
+  <p:clrMapOvr>
+    <a:masterClrMapping/>
+  </p:clrMapOvr>
+</p:notes>
+</file>
+
+<file path=ppt/notesSlides/notesSlide12.xml><?xml version="1.0" encoding="utf-8"?>
 <p:notes xmlns:a="http://schemas.openxmlformats.org/drawingml/2006/main" xmlns:r="http://schemas.openxmlformats.org/officeDocument/2006/relationships" xmlns:p="http://schemas.openxmlformats.org/presentationml/2006/main" showMasterSp="0" showMasterPhAnim="0">
   <p:cSld>
     <p:spTree>
@@ -16698,7 +16826,7 @@
               <a:buNone/>
             </a:pPr>
             <a:r>
-              <a:rPr lang="es-CO" sz="3600" b="1" i="0" u="none" strike="noStrike" cap="none" dirty="0" smtClean="0">
+              <a:rPr lang="es-CO" sz="3600" b="1" i="0" u="none" strike="noStrike" cap="none" dirty="0">
                 <a:solidFill>
                   <a:srgbClr val="000000"/>
                 </a:solidFill>
@@ -16709,15 +16837,6 @@
               </a:rPr>
               <a:t>Investigación para la compresión de datos</a:t>
             </a:r>
-            <a:endParaRPr lang="es-CO" sz="3600" b="1" i="0" u="none" strike="noStrike" cap="none" dirty="0">
-              <a:solidFill>
-                <a:srgbClr val="000000"/>
-              </a:solidFill>
-              <a:latin typeface="Arial"/>
-              <a:ea typeface="Arial"/>
-              <a:cs typeface="Arial"/>
-              <a:sym typeface="Arial"/>
-            </a:endParaRPr>
           </a:p>
         </p:txBody>
       </p:sp>
@@ -16726,13 +16845,6 @@
   <p:clrMapOvr>
     <a:masterClrMapping/>
   </p:clrMapOvr>
-  <p:timing>
-    <p:tnLst>
-      <p:par>
-        <p:cTn id="1" dur="indefinite" restart="never" nodeType="tmRoot"/>
-      </p:par>
-    </p:tnLst>
-  </p:timing>
 </p:sld>
 </file>
 
@@ -16768,7 +16880,7 @@
         </p:blipFill>
         <p:spPr>
           <a:xfrm>
-            <a:off x="-186960" y="-49289"/>
+            <a:off x="-4080" y="2160"/>
             <a:ext cx="12196080" cy="6855840"/>
           </a:xfrm>
           <a:prstGeom prst="rect">
@@ -16816,7 +16928,7 @@
         <p:spPr>
           <a:xfrm>
             <a:off x="815040" y="6160680"/>
-            <a:ext cx="6915240" cy="425160"/>
+            <a:ext cx="6915240" cy="767987"/>
           </a:xfrm>
           <a:prstGeom prst="rect">
             <a:avLst/>
@@ -16832,58 +16944,49 @@
           </a:bodyPr>
           <a:lstStyle/>
           <a:p>
-            <a:pPr marL="0" marR="0" lvl="0" indent="0" algn="l" rtl="0">
-              <a:lnSpc>
-                <a:spcPct val="100000"/>
-              </a:lnSpc>
-              <a:spcBef>
-                <a:spcPts val="0"/>
-              </a:spcBef>
-              <a:spcAft>
-                <a:spcPts val="0"/>
-              </a:spcAft>
-              <a:buClr>
-                <a:srgbClr val="000000"/>
-              </a:buClr>
+            <a:pPr>
               <a:buSzPts val="2200"/>
-              <a:buFont typeface="Arial"/>
-              <a:buNone/>
             </a:pPr>
             <a:r>
-              <a:rPr lang="en-US" sz="2200" b="1" i="0" u="none" strike="noStrike" cap="none">
+              <a:rPr lang="en-US" sz="2200" b="1" dirty="0">
                 <a:solidFill>
                   <a:srgbClr val="001E33"/>
                 </a:solidFill>
                 <a:uFill>
                   <a:noFill/>
                 </a:uFill>
-                <a:latin typeface="Arial"/>
-                <a:ea typeface="Arial"/>
-                <a:cs typeface="Arial"/>
-                <a:sym typeface="Arial"/>
-                <a:hlinkClick r:id="rId5">
-                  <a:extLst>
-                    <a:ext uri="{A12FA001-AC4F-418D-AE19-62706E023703}">
-                      <ahyp:hlinkClr xmlns:ahyp="http://schemas.microsoft.com/office/drawing/2018/hyperlinkcolor" xmlns="" val="tx"/>
-                    </a:ext>
-                  </a:extLst>
-                </a:hlinkClick>
+                <a:hlinkClick r:id="rId5"/>
               </a:rPr>
-              <a:t>http://github.com/yourUserName/proyecto/.</a:t>
-            </a:r>
-            <a:r>
-              <a:rPr lang="en-US" sz="2200" b="1" i="0" u="none" strike="noStrike" cap="none">
-                <a:solidFill>
-                  <a:srgbClr val="001E33"/>
-                </a:solidFill>
-                <a:latin typeface="Arial"/>
-                <a:ea typeface="Arial"/>
-                <a:cs typeface="Arial"/>
-                <a:sym typeface="Arial"/>
-              </a:rPr>
-              <a:t>..</a:t>
-            </a:r>
-            <a:endParaRPr sz="2200" b="1" i="0" u="none" strike="noStrike" cap="none">
+              <a:t>https://github.com/GianSz/ProyectoDatos</a:t>
+            </a:r>
+            <a:endParaRPr lang="en-US" sz="2200" b="1" dirty="0">
+              <a:solidFill>
+                <a:srgbClr val="001E33"/>
+              </a:solidFill>
+              <a:uFill>
+                <a:noFill/>
+              </a:uFill>
+            </a:endParaRPr>
+          </a:p>
+          <a:p>
+            <a:pPr marL="0" marR="0" lvl="0" indent="0" algn="l" rtl="0">
+              <a:lnSpc>
+                <a:spcPct val="100000"/>
+              </a:lnSpc>
+              <a:spcBef>
+                <a:spcPts val="0"/>
+              </a:spcBef>
+              <a:spcAft>
+                <a:spcPts val="0"/>
+              </a:spcAft>
+              <a:buClr>
+                <a:srgbClr val="000000"/>
+              </a:buClr>
+              <a:buSzPts val="2200"/>
+              <a:buFont typeface="Arial"/>
+              <a:buNone/>
+            </a:pPr>
+            <a:endParaRPr sz="2200" b="1" i="0" u="none" strike="noStrike" cap="none" dirty="0">
               <a:solidFill>
                 <a:srgbClr val="001E33"/>
               </a:solidFill>
@@ -16894,135 +16997,6 @@
             </a:endParaRPr>
           </a:p>
         </p:txBody>
-      </p:sp>
-      <p:sp>
-        <p:nvSpPr>
-          <p:cNvPr id="222" name="Google Shape;222;p2"/>
-          <p:cNvSpPr/>
-          <p:nvPr/>
-        </p:nvSpPr>
-        <p:spPr>
-          <a:xfrm>
-            <a:off x="7692600" y="6184200"/>
-            <a:ext cx="2932500" cy="516000"/>
-          </a:xfrm>
-          <a:prstGeom prst="rect">
-            <a:avLst/>
-          </a:prstGeom>
-          <a:noFill/>
-          <a:ln>
-            <a:noFill/>
-          </a:ln>
-        </p:spPr>
-        <p:txBody>
-          <a:bodyPr spcFirstLastPara="1" wrap="square" lIns="90000" tIns="45000" rIns="90000" bIns="45000" anchor="t" anchorCtr="0">
-            <a:noAutofit/>
-          </a:bodyPr>
-          <a:lstStyle/>
-          <a:p>
-            <a:pPr marL="0" marR="0" lvl="0" indent="0" algn="ctr" rtl="0">
-              <a:lnSpc>
-                <a:spcPct val="100000"/>
-              </a:lnSpc>
-              <a:spcBef>
-                <a:spcPts val="0"/>
-              </a:spcBef>
-              <a:spcAft>
-                <a:spcPts val="0"/>
-              </a:spcAft>
-              <a:buClr>
-                <a:srgbClr val="000000"/>
-              </a:buClr>
-              <a:buSzPts val="1400"/>
-              <a:buFont typeface="Arial"/>
-              <a:buNone/>
-            </a:pPr>
-            <a:r>
-              <a:rPr lang="en-US" sz="1400" b="0" i="1" u="none" strike="noStrike" cap="none">
-                <a:solidFill>
-                  <a:schemeClr val="accent2"/>
-                </a:solidFill>
-                <a:latin typeface="Arial"/>
-                <a:ea typeface="Arial"/>
-                <a:cs typeface="Arial"/>
-                <a:sym typeface="Arial"/>
-              </a:rPr>
-              <a:t>Incluya el URL donde</a:t>
-            </a:r>
-            <a:br>
-              <a:rPr lang="en-US" sz="1400" b="0" i="1" u="none" strike="noStrike" cap="none">
-                <a:solidFill>
-                  <a:schemeClr val="accent2"/>
-                </a:solidFill>
-                <a:latin typeface="Arial"/>
-                <a:ea typeface="Arial"/>
-                <a:cs typeface="Arial"/>
-                <a:sym typeface="Arial"/>
-              </a:rPr>
-            </a:br>
-            <a:r>
-              <a:rPr lang="en-US" sz="1400" b="0" i="1" u="none" strike="noStrike" cap="none">
-                <a:solidFill>
-                  <a:schemeClr val="accent2"/>
-                </a:solidFill>
-                <a:latin typeface="Arial"/>
-                <a:ea typeface="Arial"/>
-                <a:cs typeface="Arial"/>
-                <a:sym typeface="Arial"/>
-              </a:rPr>
-              <a:t>su proyecto se encuentra</a:t>
-            </a:r>
-            <a:endParaRPr sz="1400" b="0" i="0" u="none" strike="noStrike" cap="none">
-              <a:solidFill>
-                <a:schemeClr val="accent2"/>
-              </a:solidFill>
-              <a:latin typeface="Arial"/>
-              <a:ea typeface="Arial"/>
-              <a:cs typeface="Arial"/>
-              <a:sym typeface="Arial"/>
-            </a:endParaRPr>
-          </a:p>
-        </p:txBody>
-      </p:sp>
-      <p:sp>
-        <p:nvSpPr>
-          <p:cNvPr id="223" name="Google Shape;223;p2"/>
-          <p:cNvSpPr/>
-          <p:nvPr/>
-        </p:nvSpPr>
-        <p:spPr>
-          <a:xfrm>
-            <a:off x="6996626" y="6335156"/>
-            <a:ext cx="1009314" cy="97794"/>
-          </a:xfrm>
-          <a:custGeom>
-            <a:avLst/>
-            <a:gdLst/>
-            <a:ahLst/>
-            <a:cxnLst/>
-            <a:rect l="l" t="t" r="r" b="b"/>
-            <a:pathLst>
-              <a:path w="21600" h="21600" extrusionOk="0">
-                <a:moveTo>
-                  <a:pt x="0" y="0"/>
-                </a:moveTo>
-                <a:lnTo>
-                  <a:pt x="21600" y="21600"/>
-                </a:lnTo>
-              </a:path>
-            </a:pathLst>
-          </a:custGeom>
-          <a:noFill/>
-          <a:ln w="76300" cap="flat" cmpd="sng">
-            <a:solidFill>
-              <a:schemeClr val="accent2"/>
-            </a:solidFill>
-            <a:prstDash val="solid"/>
-            <a:round/>
-            <a:headEnd type="none" w="sm" len="sm"/>
-            <a:tailEnd type="triangle" w="med" len="med"/>
-          </a:ln>
-        </p:spPr>
       </p:sp>
       <p:sp>
         <p:nvSpPr>
@@ -17068,10 +17042,10 @@
       </p:sp>
       <p:sp>
         <p:nvSpPr>
-          <p:cNvPr id="3" name="CuadroTexto 2">
+          <p:cNvPr id="4" name="CuadroTexto 3">
             <a:extLst>
               <a:ext uri="{FF2B5EF4-FFF2-40B4-BE49-F238E27FC236}">
-                <a16:creationId xmlns:a16="http://schemas.microsoft.com/office/drawing/2014/main" id="{6DF9A96A-40B7-4490-BDEF-44F0716AFCA8}"/>
+                <a16:creationId xmlns:a16="http://schemas.microsoft.com/office/drawing/2014/main" id="{BB619CF4-8257-459C-9281-5AA5F336422E}"/>
               </a:ext>
             </a:extLst>
           </p:cNvPr>
@@ -17080,8 +17054,8 @@
         </p:nvSpPr>
         <p:spPr>
           <a:xfrm>
-            <a:off x="618978" y="1390989"/>
-            <a:ext cx="11127545" cy="1600438"/>
+            <a:off x="701862" y="1228397"/>
+            <a:ext cx="4901184" cy="4401205"/>
           </a:xfrm>
           <a:prstGeom prst="rect">
             <a:avLst/>
@@ -17095,39 +17069,69 @@
           <a:lstStyle/>
           <a:p>
             <a:r>
-              <a:rPr lang="es-ES" dirty="0"/>
-              <a:t>Que son conjuntos(set)  de entrenamiento, validación y prueba </a:t>
+              <a:rPr lang="es-MX" b="1" i="1" dirty="0"/>
+              <a:t>Set de entrenamiento:</a:t>
             </a:r>
           </a:p>
           <a:p>
-            <a:endParaRPr lang="es-ES" dirty="0"/>
+            <a:endParaRPr lang="es-MX" dirty="0"/>
           </a:p>
           <a:p>
-            <a:endParaRPr lang="es-ES" dirty="0"/>
-          </a:p>
-          <a:p>
-            <a:endParaRPr lang="es-ES" dirty="0"/>
-          </a:p>
-          <a:p>
-            <a:r>
-              <a:rPr lang="es-CO" dirty="0">
-                <a:hlinkClick r:id="rId6"/>
-              </a:rPr>
-              <a:t>https://www.youtube.com/watch?v=Bzhuxk8ErdI&amp;ab_channel=PsyFun</a:t>
+            <a:r>
+              <a:rPr lang="es-MX" dirty="0"/>
+              <a:t>Funciona como el conjunto de datos que utilizamos para entrenar nuestro modelo de aprendizaje. El objetivo de este entrenamiento es que la maquina encuentre los patrones o características importantes de cada problema para lograr dar una solución representativa. Es importante mencionar que en esta etapa de entrenamiento el algoritmo dispondrá tanto de las entradas como de las salidas correctas, estas últimas le servirán como punto de apoyo para saber que responder ante diferentes pruebas (generalización). Algo interesante es que puede darse el caso de que el algoritmo solo aprenda a ver los patrones en los datos del conjunto de entrenamiento, mas no en lo datos del conjunto de prueba, a esto se le llama overfitting o sobreajuste en español. Caso contrario es que no sepa identificar los patrones en los datos del conjunto de entrenamiento, y, por ende, no tenga la capacidad de dar soluciones representativas, a esto se le llama underfitting o subajuste en español.</a:t>
             </a:r>
             <a:endParaRPr lang="es-CO" dirty="0"/>
-          </a:p>
-          <a:p>
-            <a:endParaRPr lang="es-CO" dirty="0"/>
-          </a:p>
-          <a:p>
-            <a:r>
-              <a:rPr lang="es-CO" dirty="0"/>
-              <a:t>https://www.youtube.com/watch?v=778Pa63FS78&amp;ab_channel=Feregrino%E2%80%93ThatC%23guy</a:t>
-            </a:r>
           </a:p>
         </p:txBody>
       </p:sp>
+      <p:pic>
+        <p:nvPicPr>
+          <p:cNvPr id="1030" name="Picture 6" descr="Introducción a la Teoría de Aprendizaje de Máquina y sus Aplicaciones: Un  Tutorial Visual con Ejemplos | Toptal">
+            <a:extLst>
+              <a:ext uri="{FF2B5EF4-FFF2-40B4-BE49-F238E27FC236}">
+                <a16:creationId xmlns:a16="http://schemas.microsoft.com/office/drawing/2014/main" id="{F1F24D8B-621B-4D95-88A1-2F159649657F}"/>
+              </a:ext>
+            </a:extLst>
+          </p:cNvPr>
+          <p:cNvPicPr>
+            <a:picLocks noChangeAspect="1" noChangeArrowheads="1"/>
+          </p:cNvPicPr>
+          <p:nvPr/>
+        </p:nvPicPr>
+        <p:blipFill>
+          <a:blip r:embed="rId6">
+            <a:extLst>
+              <a:ext uri="{28A0092B-C50C-407E-A947-70E740481C1C}">
+                <a14:useLocalDpi xmlns:a14="http://schemas.microsoft.com/office/drawing/2010/main" val="0"/>
+              </a:ext>
+            </a:extLst>
+          </a:blip>
+          <a:srcRect/>
+          <a:stretch>
+            <a:fillRect/>
+          </a:stretch>
+        </p:blipFill>
+        <p:spPr bwMode="auto">
+          <a:xfrm>
+            <a:off x="6900674" y="1507297"/>
+            <a:ext cx="3843406" cy="3843406"/>
+          </a:xfrm>
+          <a:prstGeom prst="rect">
+            <a:avLst/>
+          </a:prstGeom>
+          <a:noFill/>
+          <a:extLst>
+            <a:ext uri="{909E8E84-426E-40DD-AFC4-6F175D3DCCD1}">
+              <a14:hiddenFill xmlns:a14="http://schemas.microsoft.com/office/drawing/2010/main">
+                <a:solidFill>
+                  <a:srgbClr val="FFFFFF"/>
+                </a:solidFill>
+              </a14:hiddenFill>
+            </a:ext>
+          </a:extLst>
+        </p:spPr>
+      </p:pic>
     </p:spTree>
     <p:extLst>
       <p:ext uri="{BB962C8B-B14F-4D97-AF65-F5344CB8AC3E}">
@@ -17142,6 +17146,393 @@
 </file>
 
 <file path=ppt/slides/slide11.xml><?xml version="1.0" encoding="utf-8"?>
+<p:sld xmlns:a="http://schemas.openxmlformats.org/drawingml/2006/main" xmlns:r="http://schemas.openxmlformats.org/officeDocument/2006/relationships" xmlns:p="http://schemas.openxmlformats.org/presentationml/2006/main">
+  <p:cSld>
+    <p:spTree>
+      <p:nvGrpSpPr>
+        <p:cNvPr id="1" name="Shape 198"/>
+        <p:cNvGrpSpPr/>
+        <p:nvPr/>
+      </p:nvGrpSpPr>
+      <p:grpSpPr>
+        <a:xfrm>
+          <a:off x="0" y="0"/>
+          <a:ext cx="0" cy="0"/>
+          <a:chOff x="0" y="0"/>
+          <a:chExt cx="0" cy="0"/>
+        </a:xfrm>
+      </p:grpSpPr>
+      <p:pic>
+        <p:nvPicPr>
+          <p:cNvPr id="199" name="Google Shape;199;p2"/>
+          <p:cNvPicPr preferRelativeResize="0"/>
+          <p:nvPr/>
+        </p:nvPicPr>
+        <p:blipFill rotWithShape="1">
+          <a:blip r:embed="rId3">
+            <a:alphaModFix/>
+          </a:blip>
+          <a:srcRect/>
+          <a:stretch/>
+        </p:blipFill>
+        <p:spPr>
+          <a:xfrm>
+            <a:off x="-12299" y="0"/>
+            <a:ext cx="12196080" cy="6855840"/>
+          </a:xfrm>
+          <a:prstGeom prst="rect">
+            <a:avLst/>
+          </a:prstGeom>
+          <a:noFill/>
+          <a:ln>
+            <a:noFill/>
+          </a:ln>
+        </p:spPr>
+      </p:pic>
+      <p:pic>
+        <p:nvPicPr>
+          <p:cNvPr id="216" name="Google Shape;216;p2"/>
+          <p:cNvPicPr preferRelativeResize="0"/>
+          <p:nvPr/>
+        </p:nvPicPr>
+        <p:blipFill rotWithShape="1">
+          <a:blip r:embed="rId4">
+            <a:alphaModFix/>
+          </a:blip>
+          <a:srcRect/>
+          <a:stretch/>
+        </p:blipFill>
+        <p:spPr>
+          <a:xfrm>
+            <a:off x="182880" y="6089760"/>
+            <a:ext cx="621000" cy="621000"/>
+          </a:xfrm>
+          <a:prstGeom prst="rect">
+            <a:avLst/>
+          </a:prstGeom>
+          <a:noFill/>
+          <a:ln>
+            <a:noFill/>
+          </a:ln>
+        </p:spPr>
+      </p:pic>
+      <p:sp>
+        <p:nvSpPr>
+          <p:cNvPr id="217" name="Google Shape;217;p2"/>
+          <p:cNvSpPr/>
+          <p:nvPr/>
+        </p:nvSpPr>
+        <p:spPr>
+          <a:xfrm>
+            <a:off x="815040" y="6160680"/>
+            <a:ext cx="6915240" cy="767987"/>
+          </a:xfrm>
+          <a:prstGeom prst="rect">
+            <a:avLst/>
+          </a:prstGeom>
+          <a:noFill/>
+          <a:ln>
+            <a:noFill/>
+          </a:ln>
+        </p:spPr>
+        <p:txBody>
+          <a:bodyPr spcFirstLastPara="1" wrap="square" lIns="90000" tIns="45000" rIns="90000" bIns="45000" anchor="t" anchorCtr="0">
+            <a:spAutoFit/>
+          </a:bodyPr>
+          <a:lstStyle/>
+          <a:p>
+            <a:pPr>
+              <a:buSzPts val="2200"/>
+            </a:pPr>
+            <a:r>
+              <a:rPr lang="en-US" sz="2200" b="1" dirty="0">
+                <a:solidFill>
+                  <a:srgbClr val="001E33"/>
+                </a:solidFill>
+                <a:uFill>
+                  <a:noFill/>
+                </a:uFill>
+                <a:hlinkClick r:id="rId5"/>
+              </a:rPr>
+              <a:t>https://github.com/GianSz/ProyectoDatos</a:t>
+            </a:r>
+            <a:endParaRPr lang="en-US" sz="2200" b="1" dirty="0">
+              <a:solidFill>
+                <a:srgbClr val="001E33"/>
+              </a:solidFill>
+              <a:uFill>
+                <a:noFill/>
+              </a:uFill>
+            </a:endParaRPr>
+          </a:p>
+          <a:p>
+            <a:pPr marL="0" marR="0" lvl="0" indent="0" algn="l" rtl="0">
+              <a:lnSpc>
+                <a:spcPct val="100000"/>
+              </a:lnSpc>
+              <a:spcBef>
+                <a:spcPts val="0"/>
+              </a:spcBef>
+              <a:spcAft>
+                <a:spcPts val="0"/>
+              </a:spcAft>
+              <a:buClr>
+                <a:srgbClr val="000000"/>
+              </a:buClr>
+              <a:buSzPts val="2200"/>
+              <a:buFont typeface="Arial"/>
+              <a:buNone/>
+            </a:pPr>
+            <a:endParaRPr sz="2200" b="1" i="0" u="none" strike="noStrike" cap="none" dirty="0">
+              <a:solidFill>
+                <a:srgbClr val="001E33"/>
+              </a:solidFill>
+              <a:latin typeface="Arial"/>
+              <a:ea typeface="Arial"/>
+              <a:cs typeface="Arial"/>
+              <a:sym typeface="Arial"/>
+            </a:endParaRPr>
+          </a:p>
+        </p:txBody>
+      </p:sp>
+      <p:sp>
+        <p:nvSpPr>
+          <p:cNvPr id="2" name="CuadroTexto 1">
+            <a:extLst>
+              <a:ext uri="{FF2B5EF4-FFF2-40B4-BE49-F238E27FC236}">
+                <a16:creationId xmlns:a16="http://schemas.microsoft.com/office/drawing/2014/main" id="{2E3C3B93-7D6F-476C-A493-DA42C4087825}"/>
+              </a:ext>
+            </a:extLst>
+          </p:cNvPr>
+          <p:cNvSpPr txBox="1"/>
+          <p:nvPr/>
+        </p:nvSpPr>
+        <p:spPr>
+          <a:xfrm>
+            <a:off x="803880" y="1083212"/>
+            <a:ext cx="10801966" cy="307777"/>
+          </a:xfrm>
+          <a:prstGeom prst="rect">
+            <a:avLst/>
+          </a:prstGeom>
+          <a:noFill/>
+        </p:spPr>
+        <p:txBody>
+          <a:bodyPr wrap="square" rtlCol="0">
+            <a:spAutoFit/>
+          </a:bodyPr>
+          <a:lstStyle/>
+          <a:p>
+            <a:r>
+              <a:rPr lang="es-ES" b="0" i="0" dirty="0">
+                <a:solidFill>
+                  <a:srgbClr val="202122"/>
+                </a:solidFill>
+                <a:effectLst/>
+                <a:latin typeface="Arial" panose="020B0604020202020204" pitchFamily="34" charset="0"/>
+              </a:rPr>
+              <a:t> </a:t>
+            </a:r>
+            <a:endParaRPr lang="es-CO" dirty="0"/>
+          </a:p>
+        </p:txBody>
+      </p:sp>
+      <p:sp>
+        <p:nvSpPr>
+          <p:cNvPr id="5" name="CuadroTexto 4">
+            <a:extLst>
+              <a:ext uri="{FF2B5EF4-FFF2-40B4-BE49-F238E27FC236}">
+                <a16:creationId xmlns:a16="http://schemas.microsoft.com/office/drawing/2014/main" id="{44490BD1-AA69-413F-9C09-ECE2B512CC83}"/>
+              </a:ext>
+            </a:extLst>
+          </p:cNvPr>
+          <p:cNvSpPr txBox="1"/>
+          <p:nvPr/>
+        </p:nvSpPr>
+        <p:spPr>
+          <a:xfrm>
+            <a:off x="493380" y="1363901"/>
+            <a:ext cx="4681728" cy="1815882"/>
+          </a:xfrm>
+          <a:prstGeom prst="rect">
+            <a:avLst/>
+          </a:prstGeom>
+          <a:noFill/>
+        </p:spPr>
+        <p:txBody>
+          <a:bodyPr wrap="square" rtlCol="0">
+            <a:spAutoFit/>
+          </a:bodyPr>
+          <a:lstStyle/>
+          <a:p>
+            <a:r>
+              <a:rPr lang="es-MX" b="1" i="1" dirty="0"/>
+              <a:t>Set de prueba:</a:t>
+            </a:r>
+          </a:p>
+          <a:p>
+            <a:endParaRPr lang="es-MX" dirty="0"/>
+          </a:p>
+          <a:p>
+            <a:r>
+              <a:rPr lang="es-MX" dirty="0"/>
+              <a:t>Es un conjunto de datos más pequeño que el de entrenamiento el cual nos ayudará a evaluar el aprendizaje que haya tenido nuestro algoritmo de aprendizaje. De este sacaremos las conclusiones y nos servirá también para cuestionar que cambios hacer en caso de ser necesario.</a:t>
+            </a:r>
+          </a:p>
+        </p:txBody>
+      </p:sp>
+      <p:sp>
+        <p:nvSpPr>
+          <p:cNvPr id="6" name="CuadroTexto 5">
+            <a:extLst>
+              <a:ext uri="{FF2B5EF4-FFF2-40B4-BE49-F238E27FC236}">
+                <a16:creationId xmlns:a16="http://schemas.microsoft.com/office/drawing/2014/main" id="{B51EE3DF-BEFF-447E-AAA0-39A9B9730E89}"/>
+              </a:ext>
+            </a:extLst>
+          </p:cNvPr>
+          <p:cNvSpPr txBox="1"/>
+          <p:nvPr/>
+        </p:nvSpPr>
+        <p:spPr>
+          <a:xfrm>
+            <a:off x="493380" y="3475927"/>
+            <a:ext cx="4913078" cy="2246769"/>
+          </a:xfrm>
+          <a:prstGeom prst="rect">
+            <a:avLst/>
+          </a:prstGeom>
+          <a:noFill/>
+        </p:spPr>
+        <p:txBody>
+          <a:bodyPr wrap="square" rtlCol="0">
+            <a:spAutoFit/>
+          </a:bodyPr>
+          <a:lstStyle/>
+          <a:p>
+            <a:r>
+              <a:rPr lang="es-MX" b="1" i="1" dirty="0"/>
+              <a:t>Set de validación:</a:t>
+            </a:r>
+          </a:p>
+          <a:p>
+            <a:endParaRPr lang="es-CO" dirty="0"/>
+          </a:p>
+          <a:p>
+            <a:r>
+              <a:rPr lang="es-CO" dirty="0"/>
+              <a:t>El set de validación es una porción del set de entrenamiento que nos sirve para identificar los cambios necesarios en los hiperparametros, con el objetivo de evitar todo tipo de problemas como el underfitting o el overfitting. Muchas veces no es considerado un set en si mismo, sino uno que surge mediante la realización del entrenamiento. El tamaño de los datos es este conjunto tiene generalmente la misma proporción que el set de prueba.</a:t>
+            </a:r>
+          </a:p>
+        </p:txBody>
+      </p:sp>
+      <p:pic>
+        <p:nvPicPr>
+          <p:cNvPr id="2050" name="Picture 2" descr="Deepmind AlphaGo - AI&amp;#39;s On It&amp;#39;s Way To Superiority">
+            <a:extLst>
+              <a:ext uri="{FF2B5EF4-FFF2-40B4-BE49-F238E27FC236}">
+                <a16:creationId xmlns:a16="http://schemas.microsoft.com/office/drawing/2014/main" id="{C3100B0C-D490-47A6-839D-206301FABC47}"/>
+              </a:ext>
+            </a:extLst>
+          </p:cNvPr>
+          <p:cNvPicPr>
+            <a:picLocks noChangeAspect="1" noChangeArrowheads="1"/>
+          </p:cNvPicPr>
+          <p:nvPr/>
+        </p:nvPicPr>
+        <p:blipFill>
+          <a:blip r:embed="rId6">
+            <a:extLst>
+              <a:ext uri="{28A0092B-C50C-407E-A947-70E740481C1C}">
+                <a14:useLocalDpi xmlns:a14="http://schemas.microsoft.com/office/drawing/2010/main" val="0"/>
+              </a:ext>
+            </a:extLst>
+          </a:blip>
+          <a:srcRect/>
+          <a:stretch>
+            <a:fillRect/>
+          </a:stretch>
+        </p:blipFill>
+        <p:spPr bwMode="auto">
+          <a:xfrm>
+            <a:off x="7030437" y="1096721"/>
+            <a:ext cx="3298014" cy="2345788"/>
+          </a:xfrm>
+          <a:prstGeom prst="rect">
+            <a:avLst/>
+          </a:prstGeom>
+          <a:noFill/>
+          <a:extLst>
+            <a:ext uri="{909E8E84-426E-40DD-AFC4-6F175D3DCCD1}">
+              <a14:hiddenFill xmlns:a14="http://schemas.microsoft.com/office/drawing/2010/main">
+                <a:solidFill>
+                  <a:srgbClr val="FFFFFF"/>
+                </a:solidFill>
+              </a14:hiddenFill>
+            </a:ext>
+          </a:extLst>
+        </p:spPr>
+      </p:pic>
+      <p:pic>
+        <p:nvPicPr>
+          <p:cNvPr id="2052" name="Picture 4" descr="Cómo funcionan los captcha de &amp;#39;No soy un robot&amp;#39; que no nos piden resolver  nada? | recaptcha | pc | internet | Google | Fotos | Video | Tecnología |  La República">
+            <a:extLst>
+              <a:ext uri="{FF2B5EF4-FFF2-40B4-BE49-F238E27FC236}">
+                <a16:creationId xmlns:a16="http://schemas.microsoft.com/office/drawing/2014/main" id="{713DB346-0E64-4713-92DE-7557DDFE73A3}"/>
+              </a:ext>
+            </a:extLst>
+          </p:cNvPr>
+          <p:cNvPicPr>
+            <a:picLocks noChangeAspect="1" noChangeArrowheads="1"/>
+          </p:cNvPicPr>
+          <p:nvPr/>
+        </p:nvPicPr>
+        <p:blipFill>
+          <a:blip r:embed="rId7">
+            <a:extLst>
+              <a:ext uri="{28A0092B-C50C-407E-A947-70E740481C1C}">
+                <a14:useLocalDpi xmlns:a14="http://schemas.microsoft.com/office/drawing/2010/main" val="0"/>
+              </a:ext>
+            </a:extLst>
+          </a:blip>
+          <a:srcRect/>
+          <a:stretch>
+            <a:fillRect/>
+          </a:stretch>
+        </p:blipFill>
+        <p:spPr bwMode="auto">
+          <a:xfrm>
+            <a:off x="6999594" y="3755136"/>
+            <a:ext cx="3347729" cy="1826034"/>
+          </a:xfrm>
+          <a:prstGeom prst="rect">
+            <a:avLst/>
+          </a:prstGeom>
+          <a:noFill/>
+          <a:extLst>
+            <a:ext uri="{909E8E84-426E-40DD-AFC4-6F175D3DCCD1}">
+              <a14:hiddenFill xmlns:a14="http://schemas.microsoft.com/office/drawing/2010/main">
+                <a:solidFill>
+                  <a:srgbClr val="FFFFFF"/>
+                </a:solidFill>
+              </a14:hiddenFill>
+            </a:ext>
+          </a:extLst>
+        </p:spPr>
+      </p:pic>
+    </p:spTree>
+    <p:extLst>
+      <p:ext uri="{BB962C8B-B14F-4D97-AF65-F5344CB8AC3E}">
+        <p14:creationId xmlns:p14="http://schemas.microsoft.com/office/powerpoint/2010/main" val="3688456938"/>
+      </p:ext>
+    </p:extLst>
+  </p:cSld>
+  <p:clrMapOvr>
+    <a:masterClrMapping/>
+  </p:clrMapOvr>
+</p:sld>
+</file>
+
+<file path=ppt/slides/slide12.xml><?xml version="1.0" encoding="utf-8"?>
 <p:sld xmlns:a="http://schemas.openxmlformats.org/drawingml/2006/main" xmlns:r="http://schemas.openxmlformats.org/officeDocument/2006/relationships" xmlns:p="http://schemas.openxmlformats.org/presentationml/2006/main">
   <p:cSld>
     <p:spTree>
@@ -17269,7 +17660,7 @@
                 <a:hlinkClick r:id="rId5">
                   <a:extLst>
                     <a:ext uri="{A12FA001-AC4F-418D-AE19-62706E023703}">
-                      <ahyp:hlinkClr xmlns:ahyp="http://schemas.microsoft.com/office/drawing/2018/hyperlinkcolor" xmlns="" val="tx"/>
+                      <ahyp:hlinkClr xmlns:ahyp="http://schemas.microsoft.com/office/drawing/2018/hyperlinkcolor" val="tx"/>
                     </a:ext>
                   </a:extLst>
                 </a:hlinkClick>
@@ -17793,7 +18184,7 @@
               <a:buNone/>
             </a:pPr>
             <a:r>
-              <a:rPr lang="es-CO" sz="2200" b="1" i="0" u="none" strike="noStrike" cap="none" dirty="0" smtClean="0">
+              <a:rPr lang="es-CO" sz="2200" b="1" i="0" u="none" strike="noStrike" cap="none" dirty="0">
                 <a:solidFill>
                   <a:srgbClr val="FFFFFF"/>
                 </a:solidFill>
@@ -18339,13 +18730,6 @@
   <p:clrMapOvr>
     <a:masterClrMapping/>
   </p:clrMapOvr>
-  <p:timing>
-    <p:tnLst>
-      <p:par>
-        <p:cTn id="1" dur="indefinite" restart="never" nodeType="tmRoot"/>
-      </p:par>
-    </p:tnLst>
-  </p:timing>
 </p:sld>
 </file>
 
@@ -18530,21 +18914,9 @@
                 </a:uFill>
                 <a:hlinkClick r:id="rId6"/>
               </a:rPr>
-              <a:t>https://</a:t>
-            </a:r>
-            <a:r>
-              <a:rPr lang="en-US" sz="2200" b="1" dirty="0" smtClean="0">
-                <a:solidFill>
-                  <a:srgbClr val="001E33"/>
-                </a:solidFill>
-                <a:uFill>
-                  <a:noFill/>
-                </a:uFill>
-                <a:hlinkClick r:id="rId6"/>
-              </a:rPr>
-              <a:t>github.com/GianSz/ProyectoDatos</a:t>
-            </a:r>
-            <a:endParaRPr lang="en-US" sz="2200" b="1" dirty="0" smtClean="0">
+              <a:t>https://github.com/GianSz/ProyectoDatos</a:t>
+            </a:r>
+            <a:endParaRPr lang="en-US" sz="2200" b="1" dirty="0">
               <a:solidFill>
                 <a:srgbClr val="001E33"/>
               </a:solidFill>
@@ -18579,13 +18951,6 @@
   <p:clrMapOvr>
     <a:masterClrMapping/>
   </p:clrMapOvr>
-  <p:timing>
-    <p:tnLst>
-      <p:par>
-        <p:cTn id="1" dur="indefinite" restart="never" nodeType="tmRoot"/>
-      </p:par>
-    </p:tnLst>
-  </p:timing>
 </p:sld>
 </file>
 
@@ -18750,21 +19115,9 @@
                 </a:uFill>
                 <a:hlinkClick r:id="rId5"/>
               </a:rPr>
-              <a:t>https://</a:t>
-            </a:r>
-            <a:r>
-              <a:rPr lang="en-US" sz="2200" b="1" dirty="0" smtClean="0">
-                <a:solidFill>
-                  <a:srgbClr val="001E33"/>
-                </a:solidFill>
-                <a:uFill>
-                  <a:noFill/>
-                </a:uFill>
-                <a:hlinkClick r:id="rId5"/>
-              </a:rPr>
-              <a:t>github.com/GianSz/ProyectoDatos</a:t>
-            </a:r>
-            <a:endParaRPr lang="en-US" sz="2200" b="1" dirty="0" smtClean="0">
+              <a:t>https://github.com/GianSz/ProyectoDatos</a:t>
+            </a:r>
+            <a:endParaRPr lang="en-US" sz="2200" b="1" dirty="0">
               <a:solidFill>
                 <a:srgbClr val="001E33"/>
               </a:solidFill>
@@ -18813,18 +19166,13 @@
           <a:p>
             <a:pPr algn="ctr"/>
             <a:r>
-              <a:rPr lang="es-CO" dirty="0" smtClean="0">
+              <a:rPr lang="es-CO" dirty="0">
                 <a:solidFill>
                   <a:schemeClr val="bg1"/>
                 </a:solidFill>
               </a:rPr>
               <a:t>La compresión de imágenes es el proceso de reducir el tamaño de estas usando técnicas para simplificar la información redundante y así volverla más óptima para los objetivos que se tengan con esta.</a:t>
             </a:r>
-            <a:endParaRPr lang="es-CO" dirty="0">
-              <a:solidFill>
-                <a:schemeClr val="bg1"/>
-              </a:solidFill>
-            </a:endParaRPr>
           </a:p>
         </p:txBody>
       </p:sp>
@@ -18852,210 +19200,210 @@
           <a:p>
             <a:pPr algn="ctr"/>
             <a:r>
-              <a:rPr lang="es-CO" b="1" dirty="0" smtClean="0"/>
+              <a:rPr lang="es-CO" b="1" dirty="0"/>
               <a:t>Compresión</a:t>
             </a:r>
             <a:r>
-              <a:rPr lang="pt-BR" b="1" dirty="0" smtClean="0"/>
+              <a:rPr lang="pt-BR" b="1" dirty="0"/>
               <a:t> Lossy</a:t>
             </a:r>
           </a:p>
           <a:p>
             <a:pPr algn="ctr"/>
-            <a:endParaRPr lang="pt-BR" b="1" dirty="0" smtClean="0"/>
+            <a:endParaRPr lang="pt-BR" b="1" dirty="0"/>
           </a:p>
           <a:p>
             <a:pPr algn="just"/>
             <a:r>
-              <a:rPr lang="pt-BR" dirty="0" smtClean="0"/>
+              <a:rPr lang="pt-BR" dirty="0"/>
               <a:t>Es un </a:t>
             </a:r>
             <a:r>
-              <a:rPr lang="es-CO" dirty="0" smtClean="0"/>
+              <a:rPr lang="es-CO" dirty="0"/>
               <a:t>proceso</a:t>
             </a:r>
             <a:r>
-              <a:rPr lang="pt-BR" dirty="0" smtClean="0"/>
+              <a:rPr lang="pt-BR" dirty="0"/>
               <a:t> de </a:t>
             </a:r>
             <a:r>
-              <a:rPr lang="pt-BR" dirty="0" err="1" smtClean="0"/>
+              <a:rPr lang="pt-BR" dirty="0" err="1"/>
               <a:t>co</a:t>
             </a:r>
             <a:r>
-              <a:rPr lang="es-CO" dirty="0" err="1" smtClean="0"/>
+              <a:rPr lang="es-CO" dirty="0" err="1"/>
               <a:t>mpresión</a:t>
             </a:r>
             <a:r>
-              <a:rPr lang="es-CO" dirty="0" smtClean="0"/>
+              <a:rPr lang="es-CO" dirty="0"/>
               <a:t> </a:t>
             </a:r>
             <a:r>
-              <a:rPr lang="pt-BR" dirty="0" smtClean="0"/>
+              <a:rPr lang="pt-BR" dirty="0"/>
               <a:t>de </a:t>
             </a:r>
             <a:r>
-              <a:rPr lang="pt-BR" dirty="0" err="1" smtClean="0"/>
+              <a:rPr lang="pt-BR" dirty="0" err="1"/>
               <a:t>imagen</a:t>
             </a:r>
             <a:r>
-              <a:rPr lang="pt-BR" dirty="0" smtClean="0"/>
+              <a:rPr lang="pt-BR" dirty="0"/>
               <a:t> que se </a:t>
             </a:r>
             <a:r>
-              <a:rPr lang="pt-BR" dirty="0" err="1" smtClean="0"/>
+              <a:rPr lang="pt-BR" dirty="0" err="1"/>
               <a:t>basa</a:t>
             </a:r>
             <a:r>
-              <a:rPr lang="pt-BR" dirty="0" smtClean="0"/>
+              <a:rPr lang="pt-BR" dirty="0"/>
               <a:t> </a:t>
             </a:r>
             <a:r>
-              <a:rPr lang="pt-BR" dirty="0" err="1" smtClean="0"/>
+              <a:rPr lang="pt-BR" dirty="0" err="1"/>
               <a:t>en</a:t>
             </a:r>
             <a:r>
-              <a:rPr lang="pt-BR" dirty="0" smtClean="0"/>
+              <a:rPr lang="pt-BR" dirty="0"/>
               <a:t> </a:t>
             </a:r>
             <a:r>
-              <a:rPr lang="pt-BR" dirty="0" err="1" smtClean="0"/>
+              <a:rPr lang="pt-BR" dirty="0" err="1"/>
               <a:t>la</a:t>
             </a:r>
             <a:r>
-              <a:rPr lang="pt-BR" dirty="0" smtClean="0"/>
+              <a:rPr lang="pt-BR" dirty="0"/>
               <a:t> </a:t>
             </a:r>
             <a:r>
-              <a:rPr lang="pt-BR" dirty="0" err="1" smtClean="0"/>
+              <a:rPr lang="pt-BR" dirty="0" err="1"/>
               <a:t>eliminación</a:t>
             </a:r>
             <a:r>
-              <a:rPr lang="pt-BR" dirty="0" smtClean="0"/>
+              <a:rPr lang="pt-BR" dirty="0"/>
               <a:t> de </a:t>
             </a:r>
             <a:r>
-              <a:rPr lang="pt-BR" dirty="0" err="1" smtClean="0"/>
+              <a:rPr lang="pt-BR" dirty="0" err="1"/>
               <a:t>información</a:t>
             </a:r>
             <a:r>
-              <a:rPr lang="pt-BR" dirty="0" smtClean="0"/>
+              <a:rPr lang="pt-BR" dirty="0"/>
               <a:t> de </a:t>
             </a:r>
             <a:r>
-              <a:rPr lang="pt-BR" dirty="0" err="1" smtClean="0"/>
+              <a:rPr lang="pt-BR" dirty="0" err="1"/>
               <a:t>la</a:t>
             </a:r>
             <a:r>
-              <a:rPr lang="pt-BR" dirty="0" smtClean="0"/>
+              <a:rPr lang="pt-BR" dirty="0"/>
               <a:t> </a:t>
             </a:r>
             <a:r>
-              <a:rPr lang="pt-BR" dirty="0" err="1" smtClean="0"/>
+              <a:rPr lang="pt-BR" dirty="0" err="1"/>
               <a:t>cual</a:t>
             </a:r>
             <a:r>
-              <a:rPr lang="pt-BR" dirty="0" smtClean="0"/>
+              <a:rPr lang="pt-BR" dirty="0"/>
               <a:t> </a:t>
             </a:r>
             <a:r>
-              <a:rPr lang="pt-BR" dirty="0" err="1" smtClean="0"/>
+              <a:rPr lang="pt-BR" dirty="0" err="1"/>
               <a:t>el</a:t>
             </a:r>
             <a:r>
-              <a:rPr lang="pt-BR" dirty="0" smtClean="0"/>
+              <a:rPr lang="pt-BR" dirty="0"/>
               <a:t> ser humano </a:t>
             </a:r>
             <a:r>
-              <a:rPr lang="pt-BR" dirty="0" err="1" smtClean="0"/>
+              <a:rPr lang="pt-BR" dirty="0" err="1"/>
               <a:t>puede</a:t>
             </a:r>
             <a:r>
-              <a:rPr lang="pt-BR" dirty="0" smtClean="0"/>
+              <a:rPr lang="pt-BR" dirty="0"/>
               <a:t> </a:t>
             </a:r>
             <a:r>
-              <a:rPr lang="es-CO" dirty="0" smtClean="0"/>
+              <a:rPr lang="es-CO" dirty="0"/>
               <a:t>prescindir</a:t>
             </a:r>
             <a:r>
-              <a:rPr lang="pt-BR" dirty="0" smtClean="0"/>
+              <a:rPr lang="pt-BR" dirty="0"/>
               <a:t> </a:t>
             </a:r>
             <a:r>
-              <a:rPr lang="pt-BR" dirty="0" err="1" smtClean="0"/>
+              <a:rPr lang="pt-BR" dirty="0" err="1"/>
               <a:t>sin</a:t>
             </a:r>
             <a:r>
-              <a:rPr lang="pt-BR" dirty="0" smtClean="0"/>
+              <a:rPr lang="pt-BR" dirty="0"/>
               <a:t> cambiar </a:t>
             </a:r>
             <a:r>
-              <a:rPr lang="pt-BR" dirty="0" err="1" smtClean="0"/>
+              <a:rPr lang="pt-BR" dirty="0" err="1"/>
               <a:t>el</a:t>
             </a:r>
             <a:r>
-              <a:rPr lang="pt-BR" dirty="0" smtClean="0"/>
+              <a:rPr lang="pt-BR" dirty="0"/>
               <a:t> resultado o </a:t>
             </a:r>
             <a:r>
-              <a:rPr lang="pt-BR" dirty="0" err="1" smtClean="0"/>
+              <a:rPr lang="pt-BR" dirty="0" err="1"/>
               <a:t>el</a:t>
             </a:r>
             <a:r>
-              <a:rPr lang="pt-BR" dirty="0" smtClean="0"/>
+              <a:rPr lang="pt-BR" dirty="0"/>
               <a:t> significado de </a:t>
             </a:r>
             <a:r>
-              <a:rPr lang="pt-BR" dirty="0" err="1" smtClean="0"/>
+              <a:rPr lang="pt-BR" dirty="0" err="1"/>
               <a:t>la</a:t>
             </a:r>
             <a:r>
-              <a:rPr lang="pt-BR" dirty="0" smtClean="0"/>
+              <a:rPr lang="pt-BR" dirty="0"/>
               <a:t> </a:t>
             </a:r>
             <a:r>
-              <a:rPr lang="es-CO" dirty="0" smtClean="0"/>
+              <a:rPr lang="es-CO" dirty="0"/>
               <a:t>imagen</a:t>
             </a:r>
             <a:r>
-              <a:rPr lang="pt-BR" dirty="0" smtClean="0"/>
+              <a:rPr lang="pt-BR" dirty="0"/>
               <a:t>. La perdida de </a:t>
             </a:r>
             <a:r>
-              <a:rPr lang="es-CO" dirty="0" smtClean="0"/>
+              <a:rPr lang="es-CO" dirty="0"/>
               <a:t>información</a:t>
             </a:r>
             <a:r>
-              <a:rPr lang="pt-BR" dirty="0" smtClean="0"/>
+              <a:rPr lang="pt-BR" dirty="0"/>
               <a:t> </a:t>
             </a:r>
             <a:r>
-              <a:rPr lang="pt-BR" dirty="0" err="1" smtClean="0"/>
+              <a:rPr lang="pt-BR" dirty="0" err="1"/>
               <a:t>en</a:t>
             </a:r>
             <a:r>
-              <a:rPr lang="pt-BR" dirty="0" smtClean="0"/>
+              <a:rPr lang="pt-BR" dirty="0"/>
               <a:t> este </a:t>
             </a:r>
             <a:r>
-              <a:rPr lang="pt-BR" dirty="0" err="1" smtClean="0"/>
+              <a:rPr lang="pt-BR" dirty="0" err="1"/>
               <a:t>proceso</a:t>
             </a:r>
             <a:r>
-              <a:rPr lang="pt-BR" dirty="0" smtClean="0"/>
+              <a:rPr lang="pt-BR" dirty="0"/>
               <a:t> es </a:t>
             </a:r>
             <a:r>
-              <a:rPr lang="pt-BR" dirty="0" err="1" smtClean="0"/>
+              <a:rPr lang="pt-BR" dirty="0" err="1"/>
               <a:t>irre</a:t>
             </a:r>
             <a:r>
-              <a:rPr lang="es-CO" dirty="0" err="1" smtClean="0"/>
+              <a:rPr lang="es-CO" dirty="0" err="1"/>
               <a:t>versible</a:t>
             </a:r>
             <a:r>
-              <a:rPr lang="es-CO" dirty="0" smtClean="0"/>
+              <a:rPr lang="es-CO" dirty="0"/>
               <a:t> y compromete la calidad de la imagen.</a:t>
             </a:r>
             <a:endParaRPr lang="pt-BR" dirty="0"/>
@@ -19086,150 +19434,149 @@
           <a:p>
             <a:pPr algn="ctr"/>
             <a:r>
-              <a:rPr lang="pt-BR" b="1" dirty="0" err="1" smtClean="0"/>
+              <a:rPr lang="pt-BR" b="1" dirty="0" err="1"/>
               <a:t>Compresión</a:t>
             </a:r>
             <a:r>
-              <a:rPr lang="pt-BR" b="1" dirty="0" smtClean="0"/>
+              <a:rPr lang="pt-BR" b="1" dirty="0"/>
               <a:t> </a:t>
             </a:r>
             <a:r>
-              <a:rPr lang="pt-BR" b="1" dirty="0" err="1" smtClean="0"/>
+              <a:rPr lang="pt-BR" b="1" dirty="0" err="1"/>
               <a:t>LossLess</a:t>
             </a:r>
-            <a:endParaRPr lang="pt-BR" b="1" dirty="0" smtClean="0"/>
+            <a:endParaRPr lang="pt-BR" b="1" dirty="0"/>
           </a:p>
           <a:p>
             <a:pPr algn="ctr"/>
-            <a:endParaRPr lang="pt-BR" b="1" dirty="0" smtClean="0"/>
+            <a:endParaRPr lang="pt-BR" b="1" dirty="0"/>
           </a:p>
           <a:p>
             <a:pPr algn="just"/>
             <a:r>
-              <a:rPr lang="pt-BR" dirty="0" smtClean="0"/>
+              <a:rPr lang="pt-BR" dirty="0"/>
               <a:t>Es un </a:t>
             </a:r>
             <a:r>
-              <a:rPr lang="pt-BR" dirty="0" err="1" smtClean="0"/>
+              <a:rPr lang="pt-BR" dirty="0" err="1"/>
               <a:t>proceso</a:t>
             </a:r>
             <a:r>
-              <a:rPr lang="pt-BR" dirty="0" smtClean="0"/>
+              <a:rPr lang="pt-BR" dirty="0"/>
               <a:t> de </a:t>
             </a:r>
             <a:r>
-              <a:rPr lang="pt-BR" dirty="0" err="1" smtClean="0"/>
+              <a:rPr lang="pt-BR" dirty="0" err="1"/>
               <a:t>compresión</a:t>
             </a:r>
             <a:r>
-              <a:rPr lang="pt-BR" dirty="0" smtClean="0"/>
+              <a:rPr lang="pt-BR" dirty="0"/>
               <a:t> de </a:t>
             </a:r>
             <a:r>
-              <a:rPr lang="pt-BR" dirty="0" err="1" smtClean="0"/>
+              <a:rPr lang="pt-BR" dirty="0" err="1"/>
               <a:t>imagen</a:t>
             </a:r>
             <a:r>
-              <a:rPr lang="pt-BR" dirty="0" smtClean="0"/>
+              <a:rPr lang="pt-BR" dirty="0"/>
               <a:t> que se </a:t>
             </a:r>
             <a:r>
-              <a:rPr lang="pt-BR" dirty="0" err="1" smtClean="0"/>
+              <a:rPr lang="pt-BR" dirty="0" err="1"/>
               <a:t>basa</a:t>
             </a:r>
             <a:r>
-              <a:rPr lang="pt-BR" dirty="0" smtClean="0"/>
+              <a:rPr lang="pt-BR" dirty="0"/>
               <a:t> </a:t>
             </a:r>
             <a:r>
-              <a:rPr lang="pt-BR" dirty="0" err="1" smtClean="0"/>
+              <a:rPr lang="pt-BR" dirty="0" err="1"/>
               <a:t>en</a:t>
             </a:r>
             <a:r>
-              <a:rPr lang="pt-BR" dirty="0" smtClean="0"/>
+              <a:rPr lang="pt-BR" dirty="0"/>
               <a:t> </a:t>
             </a:r>
             <a:r>
-              <a:rPr lang="pt-BR" dirty="0" err="1" smtClean="0"/>
+              <a:rPr lang="pt-BR" dirty="0" err="1"/>
               <a:t>la</a:t>
             </a:r>
             <a:r>
-              <a:rPr lang="pt-BR" dirty="0" smtClean="0"/>
+              <a:rPr lang="pt-BR" dirty="0"/>
               <a:t> </a:t>
             </a:r>
             <a:r>
-              <a:rPr lang="pt-BR" dirty="0" err="1" smtClean="0"/>
+              <a:rPr lang="pt-BR" dirty="0" err="1"/>
               <a:t>reestructuración</a:t>
             </a:r>
             <a:r>
-              <a:rPr lang="pt-BR" dirty="0" smtClean="0"/>
+              <a:rPr lang="pt-BR" dirty="0"/>
               <a:t> de </a:t>
             </a:r>
             <a:r>
-              <a:rPr lang="pt-BR" dirty="0" err="1" smtClean="0"/>
+              <a:rPr lang="pt-BR" dirty="0" err="1"/>
               <a:t>la</a:t>
             </a:r>
             <a:r>
-              <a:rPr lang="pt-BR" dirty="0" smtClean="0"/>
+              <a:rPr lang="pt-BR" dirty="0"/>
               <a:t> </a:t>
             </a:r>
             <a:r>
-              <a:rPr lang="pt-BR" dirty="0" err="1" smtClean="0"/>
+              <a:rPr lang="pt-BR" dirty="0" err="1"/>
               <a:t>información</a:t>
             </a:r>
             <a:r>
-              <a:rPr lang="pt-BR" dirty="0" smtClean="0"/>
+              <a:rPr lang="pt-BR" dirty="0"/>
               <a:t> para que esta ocupe menos memoria. No se </a:t>
             </a:r>
             <a:r>
-              <a:rPr lang="pt-BR" dirty="0" err="1" smtClean="0"/>
+              <a:rPr lang="pt-BR" dirty="0" err="1"/>
               <a:t>pierde</a:t>
             </a:r>
             <a:r>
-              <a:rPr lang="pt-BR" dirty="0" smtClean="0"/>
+              <a:rPr lang="pt-BR" dirty="0"/>
               <a:t> </a:t>
             </a:r>
             <a:r>
-              <a:rPr lang="pt-BR" dirty="0" err="1" smtClean="0"/>
+              <a:rPr lang="pt-BR" dirty="0" err="1"/>
               <a:t>calidad</a:t>
             </a:r>
             <a:r>
-              <a:rPr lang="pt-BR" dirty="0" smtClean="0"/>
+              <a:rPr lang="pt-BR" dirty="0"/>
               <a:t> </a:t>
             </a:r>
             <a:r>
-              <a:rPr lang="pt-BR" dirty="0" err="1" smtClean="0"/>
+              <a:rPr lang="pt-BR" dirty="0" err="1"/>
               <a:t>ni</a:t>
             </a:r>
             <a:r>
-              <a:rPr lang="pt-BR" dirty="0" smtClean="0"/>
+              <a:rPr lang="pt-BR" dirty="0"/>
               <a:t> </a:t>
             </a:r>
             <a:r>
-              <a:rPr lang="pt-BR" dirty="0" err="1" smtClean="0"/>
+              <a:rPr lang="pt-BR" dirty="0" err="1"/>
               <a:t>datos</a:t>
             </a:r>
             <a:r>
-              <a:rPr lang="pt-BR" dirty="0" smtClean="0"/>
+              <a:rPr lang="pt-BR" dirty="0"/>
               <a:t> de </a:t>
             </a:r>
             <a:r>
-              <a:rPr lang="pt-BR" dirty="0" err="1" smtClean="0"/>
+              <a:rPr lang="pt-BR" dirty="0" err="1"/>
               <a:t>la</a:t>
             </a:r>
             <a:r>
-              <a:rPr lang="pt-BR" dirty="0" smtClean="0"/>
+              <a:rPr lang="pt-BR" dirty="0"/>
               <a:t> </a:t>
             </a:r>
             <a:r>
-              <a:rPr lang="pt-BR" dirty="0" err="1" smtClean="0"/>
+              <a:rPr lang="pt-BR" dirty="0" err="1"/>
               <a:t>imagen</a:t>
             </a:r>
             <a:r>
-              <a:rPr lang="pt-BR" dirty="0" smtClean="0"/>
+              <a:rPr lang="pt-BR" dirty="0"/>
               <a:t> original.</a:t>
             </a:r>
-            <a:endParaRPr lang="pt-BR" dirty="0"/>
           </a:p>
         </p:txBody>
       </p:sp>
@@ -19276,7 +19623,7 @@
               <a:buNone/>
             </a:pPr>
             <a:r>
-              <a:rPr lang="es-CO" sz="2200" b="1" dirty="0" smtClean="0">
+              <a:rPr lang="es-CO" sz="2200" b="1" dirty="0">
                 <a:solidFill>
                   <a:srgbClr val="FFFFFF"/>
                 </a:solidFill>
@@ -19481,13 +19828,6 @@
   <p:clrMapOvr>
     <a:masterClrMapping/>
   </p:clrMapOvr>
-  <p:timing>
-    <p:tnLst>
-      <p:par>
-        <p:cTn id="1" dur="indefinite" restart="never" nodeType="tmRoot"/>
-      </p:par>
-    </p:tnLst>
-  </p:timing>
 </p:sld>
 </file>
 
@@ -19600,21 +19940,9 @@
                 </a:uFill>
                 <a:hlinkClick r:id="rId5"/>
               </a:rPr>
-              <a:t>https://</a:t>
-            </a:r>
-            <a:r>
-              <a:rPr lang="en-US" sz="2200" b="1" dirty="0" smtClean="0">
-                <a:solidFill>
-                  <a:srgbClr val="001E33"/>
-                </a:solidFill>
-                <a:uFill>
-                  <a:noFill/>
-                </a:uFill>
-                <a:hlinkClick r:id="rId5"/>
-              </a:rPr>
-              <a:t>github.com/GianSz/ProyectoDatos</a:t>
-            </a:r>
-            <a:endParaRPr lang="en-US" sz="2200" b="1" dirty="0" smtClean="0">
+              <a:t>https://github.com/GianSz/ProyectoDatos</a:t>
+            </a:r>
+            <a:endParaRPr lang="en-US" sz="2200" b="1" dirty="0">
               <a:solidFill>
                 <a:srgbClr val="001E33"/>
               </a:solidFill>
@@ -19663,210 +19991,209 @@
           <a:p>
             <a:pPr algn="just"/>
             <a:r>
-              <a:rPr lang="pt-BR" b="1" u="sng" dirty="0" err="1" smtClean="0"/>
+              <a:rPr lang="pt-BR" b="1" u="sng" dirty="0" err="1"/>
               <a:t>Run-length</a:t>
             </a:r>
             <a:r>
-              <a:rPr lang="pt-BR" b="1" u="sng" dirty="0" smtClean="0"/>
+              <a:rPr lang="pt-BR" b="1" u="sng" dirty="0"/>
               <a:t>:</a:t>
             </a:r>
             <a:r>
-              <a:rPr lang="pt-BR" dirty="0" smtClean="0"/>
+              <a:rPr lang="pt-BR" dirty="0"/>
               <a:t> Para </a:t>
             </a:r>
             <a:r>
-              <a:rPr lang="pt-BR" dirty="0" err="1" smtClean="0"/>
+              <a:rPr lang="pt-BR" dirty="0" err="1"/>
               <a:t>reducir</a:t>
             </a:r>
             <a:r>
-              <a:rPr lang="pt-BR" dirty="0" smtClean="0"/>
+              <a:rPr lang="pt-BR" dirty="0"/>
               <a:t> </a:t>
             </a:r>
             <a:r>
-              <a:rPr lang="pt-BR" dirty="0" err="1" smtClean="0"/>
+              <a:rPr lang="pt-BR" dirty="0" err="1"/>
               <a:t>la</a:t>
             </a:r>
             <a:r>
-              <a:rPr lang="pt-BR" dirty="0" smtClean="0"/>
+              <a:rPr lang="pt-BR" dirty="0"/>
               <a:t> </a:t>
             </a:r>
             <a:r>
-              <a:rPr lang="pt-BR" dirty="0" err="1" smtClean="0"/>
+              <a:rPr lang="pt-BR" dirty="0" err="1"/>
               <a:t>información</a:t>
             </a:r>
             <a:r>
-              <a:rPr lang="pt-BR" dirty="0" smtClean="0"/>
+              <a:rPr lang="pt-BR" dirty="0"/>
               <a:t> </a:t>
             </a:r>
             <a:r>
-              <a:rPr lang="pt-BR" dirty="0" err="1" smtClean="0"/>
+              <a:rPr lang="pt-BR" dirty="0" err="1"/>
               <a:t>reduntante</a:t>
             </a:r>
             <a:r>
-              <a:rPr lang="pt-BR" dirty="0" smtClean="0"/>
+              <a:rPr lang="pt-BR" dirty="0"/>
               <a:t> este método </a:t>
             </a:r>
             <a:r>
-              <a:rPr lang="pt-BR" dirty="0" err="1" smtClean="0"/>
+              <a:rPr lang="pt-BR" dirty="0" err="1"/>
               <a:t>cuenta</a:t>
             </a:r>
             <a:r>
-              <a:rPr lang="pt-BR" dirty="0" smtClean="0"/>
+              <a:rPr lang="pt-BR" dirty="0"/>
               <a:t> </a:t>
             </a:r>
             <a:r>
-              <a:rPr lang="pt-BR" dirty="0" err="1" smtClean="0"/>
+              <a:rPr lang="pt-BR" dirty="0" err="1"/>
               <a:t>cuántas</a:t>
             </a:r>
             <a:r>
-              <a:rPr lang="pt-BR" dirty="0" smtClean="0"/>
+              <a:rPr lang="pt-BR" dirty="0"/>
               <a:t> </a:t>
             </a:r>
             <a:r>
-              <a:rPr lang="pt-BR" dirty="0" err="1" smtClean="0"/>
+              <a:rPr lang="pt-BR" dirty="0" err="1"/>
               <a:t>veces</a:t>
             </a:r>
             <a:r>
-              <a:rPr lang="pt-BR" dirty="0" smtClean="0"/>
+              <a:rPr lang="pt-BR" dirty="0"/>
               <a:t> se </a:t>
             </a:r>
             <a:r>
-              <a:rPr lang="pt-BR" dirty="0" err="1" smtClean="0"/>
+              <a:rPr lang="pt-BR" dirty="0" err="1"/>
               <a:t>repite</a:t>
             </a:r>
             <a:r>
-              <a:rPr lang="pt-BR" dirty="0" smtClean="0"/>
+              <a:rPr lang="pt-BR" dirty="0"/>
               <a:t> </a:t>
             </a:r>
             <a:r>
-              <a:rPr lang="pt-BR" dirty="0" err="1" smtClean="0"/>
+              <a:rPr lang="pt-BR" dirty="0" err="1"/>
               <a:t>el</a:t>
             </a:r>
             <a:r>
-              <a:rPr lang="pt-BR" dirty="0" smtClean="0"/>
+              <a:rPr lang="pt-BR" dirty="0"/>
               <a:t> </a:t>
             </a:r>
             <a:r>
-              <a:rPr lang="pt-BR" dirty="0" err="1" smtClean="0"/>
+              <a:rPr lang="pt-BR" dirty="0" err="1"/>
               <a:t>mismo</a:t>
             </a:r>
             <a:r>
-              <a:rPr lang="pt-BR" dirty="0" smtClean="0"/>
+              <a:rPr lang="pt-BR" dirty="0"/>
               <a:t> </a:t>
             </a:r>
             <a:r>
-              <a:rPr lang="pt-BR" dirty="0" err="1" smtClean="0"/>
+              <a:rPr lang="pt-BR" dirty="0" err="1"/>
               <a:t>caracter</a:t>
             </a:r>
             <a:r>
-              <a:rPr lang="pt-BR" dirty="0" smtClean="0"/>
+              <a:rPr lang="pt-BR" dirty="0"/>
               <a:t> y coloca este número al frente de </a:t>
             </a:r>
             <a:r>
-              <a:rPr lang="pt-BR" dirty="0" err="1" smtClean="0"/>
+              <a:rPr lang="pt-BR" dirty="0" err="1"/>
               <a:t>la</a:t>
             </a:r>
             <a:r>
-              <a:rPr lang="pt-BR" dirty="0" smtClean="0"/>
+              <a:rPr lang="pt-BR" dirty="0"/>
               <a:t> </a:t>
             </a:r>
             <a:r>
-              <a:rPr lang="pt-BR" dirty="0" err="1" smtClean="0"/>
+              <a:rPr lang="pt-BR" dirty="0" err="1"/>
               <a:t>identificación</a:t>
             </a:r>
             <a:r>
-              <a:rPr lang="pt-BR" dirty="0" smtClean="0"/>
+              <a:rPr lang="pt-BR" dirty="0"/>
               <a:t> </a:t>
             </a:r>
             <a:r>
-              <a:rPr lang="pt-BR" dirty="0" err="1" smtClean="0"/>
+              <a:rPr lang="pt-BR" dirty="0" err="1"/>
               <a:t>del</a:t>
             </a:r>
             <a:r>
-              <a:rPr lang="pt-BR" dirty="0" smtClean="0"/>
+              <a:rPr lang="pt-BR" dirty="0"/>
               <a:t> </a:t>
             </a:r>
             <a:r>
-              <a:rPr lang="pt-BR" dirty="0" err="1" smtClean="0"/>
+              <a:rPr lang="pt-BR" dirty="0" err="1"/>
               <a:t>caracter</a:t>
             </a:r>
             <a:r>
-              <a:rPr lang="pt-BR" dirty="0" smtClean="0"/>
+              <a:rPr lang="pt-BR" dirty="0"/>
               <a:t>. Es </a:t>
             </a:r>
             <a:r>
-              <a:rPr lang="pt-BR" dirty="0" err="1" smtClean="0"/>
+              <a:rPr lang="pt-BR" dirty="0" err="1"/>
               <a:t>decir</a:t>
             </a:r>
             <a:r>
-              <a:rPr lang="pt-BR" dirty="0" smtClean="0"/>
+              <a:rPr lang="pt-BR" dirty="0"/>
               <a:t>, si </a:t>
             </a:r>
             <a:r>
-              <a:rPr lang="pt-BR" dirty="0" err="1" smtClean="0"/>
+              <a:rPr lang="pt-BR" dirty="0" err="1"/>
               <a:t>tenemos</a:t>
             </a:r>
             <a:r>
-              <a:rPr lang="pt-BR" dirty="0" smtClean="0"/>
+              <a:rPr lang="pt-BR" dirty="0"/>
               <a:t> 10 </a:t>
             </a:r>
             <a:r>
-              <a:rPr lang="pt-BR" dirty="0" err="1" smtClean="0"/>
+              <a:rPr lang="pt-BR" dirty="0" err="1"/>
               <a:t>pixeles</a:t>
             </a:r>
             <a:r>
-              <a:rPr lang="pt-BR" dirty="0" smtClean="0"/>
+              <a:rPr lang="pt-BR" dirty="0"/>
               <a:t> </a:t>
             </a:r>
             <a:r>
-              <a:rPr lang="pt-BR" dirty="0" err="1" smtClean="0"/>
+              <a:rPr lang="pt-BR" dirty="0" err="1"/>
               <a:t>blancos</a:t>
             </a:r>
             <a:r>
-              <a:rPr lang="pt-BR" dirty="0" smtClean="0"/>
+              <a:rPr lang="pt-BR" dirty="0"/>
               <a:t> seguidos, y </a:t>
             </a:r>
             <a:r>
-              <a:rPr lang="pt-BR" dirty="0" err="1" smtClean="0"/>
+              <a:rPr lang="pt-BR" dirty="0" err="1"/>
               <a:t>suponiendo</a:t>
             </a:r>
             <a:r>
-              <a:rPr lang="pt-BR" dirty="0" smtClean="0"/>
+              <a:rPr lang="pt-BR" dirty="0"/>
               <a:t> que este color se representa </a:t>
             </a:r>
             <a:r>
-              <a:rPr lang="pt-BR" dirty="0" err="1" smtClean="0"/>
+              <a:rPr lang="pt-BR" dirty="0" err="1"/>
               <a:t>con</a:t>
             </a:r>
             <a:r>
-              <a:rPr lang="pt-BR" dirty="0" smtClean="0"/>
+              <a:rPr lang="pt-BR" dirty="0"/>
               <a:t> B, </a:t>
             </a:r>
             <a:r>
-              <a:rPr lang="pt-BR" dirty="0" err="1" smtClean="0"/>
+              <a:rPr lang="pt-BR" dirty="0" err="1"/>
               <a:t>en</a:t>
             </a:r>
             <a:r>
-              <a:rPr lang="pt-BR" dirty="0" smtClean="0"/>
+              <a:rPr lang="pt-BR" dirty="0"/>
               <a:t> vez de </a:t>
             </a:r>
             <a:r>
-              <a:rPr lang="pt-BR" dirty="0" err="1" smtClean="0"/>
+              <a:rPr lang="pt-BR" dirty="0" err="1"/>
               <a:t>tener</a:t>
             </a:r>
             <a:r>
-              <a:rPr lang="pt-BR" dirty="0" smtClean="0"/>
+              <a:rPr lang="pt-BR" dirty="0"/>
               <a:t> B, B, B, B, B, B, B, B, B, B, vamos a </a:t>
             </a:r>
             <a:r>
-              <a:rPr lang="pt-BR" dirty="0" err="1" smtClean="0"/>
+              <a:rPr lang="pt-BR" dirty="0" err="1"/>
               <a:t>tener</a:t>
             </a:r>
             <a:r>
-              <a:rPr lang="pt-BR" dirty="0" smtClean="0"/>
+              <a:rPr lang="pt-BR" dirty="0"/>
               <a:t> 10B.</a:t>
             </a:r>
-            <a:endParaRPr lang="pt-BR" dirty="0"/>
           </a:p>
         </p:txBody>
       </p:sp>
@@ -19894,19 +20221,19 @@
           <a:p>
             <a:pPr algn="just"/>
             <a:r>
-              <a:rPr lang="es-CO" b="1" u="sng" dirty="0" smtClean="0"/>
+              <a:rPr lang="es-CO" b="1" u="sng" dirty="0"/>
               <a:t>Codificación de </a:t>
             </a:r>
             <a:r>
-              <a:rPr lang="es-CO" b="1" u="sng" dirty="0" err="1" smtClean="0"/>
+              <a:rPr lang="es-CO" b="1" u="sng" dirty="0" err="1"/>
               <a:t>Huffman</a:t>
             </a:r>
             <a:r>
-              <a:rPr lang="es-CO" b="1" u="sng" dirty="0" smtClean="0"/>
+              <a:rPr lang="es-CO" b="1" u="sng" dirty="0"/>
               <a:t>:</a:t>
             </a:r>
             <a:r>
-              <a:rPr lang="es-CO" dirty="0" smtClean="0"/>
+              <a:rPr lang="es-CO" dirty="0"/>
               <a:t> Según la frecuencia o probabilidad en la que salga un carácter se ira organizando en un árbol binario con las siguientes características: cogemos los 2 caracteres que tengan la menor frecuencia, se suman y cada uno es una nueva rama del árbol, se sigue este proceso hasta que hayamos juntado todos los caracteres y en cada rama la izquierda es 0 y la derecha 1. </a:t>
             </a:r>
           </a:p>
@@ -19917,10 +20244,9 @@
           <a:p>
             <a:pPr algn="just"/>
             <a:r>
-              <a:rPr lang="es-CO" dirty="0" smtClean="0"/>
+              <a:rPr lang="es-CO" dirty="0"/>
               <a:t>Finalmente se crea un diccionario en donde se guarda el carácter con el código de la ruta de 0 y 1 hasta llegar a este, dejando así al de mayor frecuencia con un código de 0 (el menor de todos).</a:t>
             </a:r>
-            <a:endParaRPr lang="es-CO" dirty="0"/>
           </a:p>
         </p:txBody>
       </p:sp>
@@ -19967,7 +20293,7 @@
               <a:buNone/>
             </a:pPr>
             <a:r>
-              <a:rPr lang="es-CO" sz="2200" b="1" dirty="0" smtClean="0">
+              <a:rPr lang="es-CO" sz="2200" b="1" dirty="0">
                 <a:solidFill>
                   <a:srgbClr val="FFFFFF"/>
                 </a:solidFill>
@@ -20040,17 +20366,16 @@
           <a:p>
             <a:pPr algn="ctr"/>
             <a:r>
-              <a:rPr lang="es-CO" dirty="0" smtClean="0"/>
+              <a:rPr lang="es-CO" dirty="0"/>
               <a:t>WWWBBWWW</a:t>
             </a:r>
           </a:p>
           <a:p>
             <a:pPr algn="ctr"/>
             <a:r>
-              <a:rPr lang="es-CO" dirty="0" smtClean="0"/>
+              <a:rPr lang="es-CO" dirty="0"/>
               <a:t>WWBBBBWW</a:t>
             </a:r>
-            <a:endParaRPr lang="es-CO" dirty="0"/>
           </a:p>
         </p:txBody>
       </p:sp>
@@ -20086,14 +20411,14 @@
           <a:p>
             <a:pPr algn="ctr"/>
             <a:r>
-              <a:rPr lang="es-CO" dirty="0" smtClean="0"/>
+              <a:rPr lang="es-CO" dirty="0"/>
               <a:t>3W2B3W</a:t>
             </a:r>
           </a:p>
           <a:p>
             <a:pPr algn="ctr"/>
             <a:r>
-              <a:rPr lang="es-CO" dirty="0" smtClean="0"/>
+              <a:rPr lang="es-CO" dirty="0"/>
               <a:t>2W4B2W</a:t>
             </a:r>
           </a:p>
@@ -20104,17 +20429,16 @@
           <a:p>
             <a:pPr algn="ctr"/>
             <a:r>
-              <a:rPr lang="es-CO" dirty="0" smtClean="0"/>
+              <a:rPr lang="es-CO" dirty="0"/>
               <a:t>3,2,3</a:t>
             </a:r>
           </a:p>
           <a:p>
             <a:pPr algn="ctr"/>
             <a:r>
-              <a:rPr lang="es-CO" dirty="0" smtClean="0"/>
+              <a:rPr lang="es-CO" dirty="0"/>
               <a:t>2.4.2</a:t>
             </a:r>
-            <a:endParaRPr lang="es-CO" dirty="0"/>
           </a:p>
         </p:txBody>
       </p:sp>
@@ -20407,10 +20731,9 @@
           <a:p>
             <a:pPr algn="just"/>
             <a:r>
-              <a:rPr lang="es-CO" sz="1100" dirty="0" smtClean="0"/>
+              <a:rPr lang="es-CO" sz="1100" dirty="0"/>
               <a:t>La letra con más frecuencia es la a, por ende tiene el código más pequeño.</a:t>
             </a:r>
-            <a:endParaRPr lang="es-CO" sz="1100" dirty="0"/>
           </a:p>
         </p:txBody>
       </p:sp>
@@ -20457,13 +20780,6 @@
   <p:clrMapOvr>
     <a:masterClrMapping/>
   </p:clrMapOvr>
-  <p:timing>
-    <p:tnLst>
-      <p:par>
-        <p:cTn id="1" dur="indefinite" restart="never" nodeType="tmRoot"/>
-      </p:par>
-    </p:tnLst>
-  </p:timing>
 </p:sld>
 </file>
 
@@ -20576,21 +20892,9 @@
                 </a:uFill>
                 <a:hlinkClick r:id="rId5"/>
               </a:rPr>
-              <a:t>https://</a:t>
-            </a:r>
-            <a:r>
-              <a:rPr lang="en-US" sz="2200" b="1" dirty="0" smtClean="0">
-                <a:solidFill>
-                  <a:srgbClr val="001E33"/>
-                </a:solidFill>
-                <a:uFill>
-                  <a:noFill/>
-                </a:uFill>
-                <a:hlinkClick r:id="rId5"/>
-              </a:rPr>
-              <a:t>github.com/GianSz/ProyectoDatos</a:t>
-            </a:r>
-            <a:endParaRPr lang="en-US" sz="2200" b="1" dirty="0" smtClean="0">
+              <a:t>https://github.com/GianSz/ProyectoDatos</a:t>
+            </a:r>
+            <a:endParaRPr lang="en-US" sz="2200" b="1" dirty="0">
               <a:solidFill>
                 <a:srgbClr val="001E33"/>
               </a:solidFill>
@@ -20639,19 +20943,19 @@
           <a:p>
             <a:pPr algn="just"/>
             <a:r>
-              <a:rPr lang="es-CO" b="1" u="sng" dirty="0" smtClean="0"/>
+              <a:rPr lang="es-CO" b="1" u="sng" dirty="0"/>
               <a:t>DCT:</a:t>
             </a:r>
             <a:r>
-              <a:rPr lang="es-CO" dirty="0" smtClean="0"/>
+              <a:rPr lang="es-CO" dirty="0"/>
               <a:t> Es un proceso que utiliza la herramienta matemática de la </a:t>
             </a:r>
             <a:r>
-              <a:rPr lang="es-CO" i="1" dirty="0" smtClean="0"/>
+              <a:rPr lang="es-CO" i="1" dirty="0"/>
               <a:t>transformada discreta de coseno</a:t>
             </a:r>
             <a:r>
-              <a:rPr lang="es-CO" dirty="0" smtClean="0"/>
+              <a:rPr lang="es-CO" dirty="0"/>
               <a:t>, con la finalidad de hacer corresponder la imagen con un conjunto de coeficiente de la transformada. Un número significativo de coeficientes tendrá valores pequeños que son poco significativos, de los cuales prescindiremos para reducir el tamaño de la imagen. Los coeficientes de esta técnica se dan a partir de la siguiente ecuación: </a:t>
             </a:r>
           </a:p>
@@ -20685,14 +20989,13 @@
           <a:p>
             <a:pPr algn="just"/>
             <a:r>
-              <a:rPr lang="es-CO" b="1" u="sng" dirty="0" smtClean="0"/>
+              <a:rPr lang="es-CO" b="1" u="sng" dirty="0"/>
               <a:t>Compresión fractal: </a:t>
             </a:r>
             <a:r>
-              <a:rPr lang="es-CO" dirty="0" smtClean="0"/>
+              <a:rPr lang="es-CO" dirty="0"/>
               <a:t>Este método consiste en identificar una figura que al reproducirse reiteradas veces genere una imagen muy similar a la original. Entre las diferentes técnicas de este método encontramos la IFS (Sistema de Funciones Iteradas) que genera un conjunto de transformaciones que lleva la figura completa en cada una de sus partes.</a:t>
             </a:r>
-            <a:endParaRPr lang="es-CO" dirty="0"/>
           </a:p>
         </p:txBody>
       </p:sp>
@@ -20739,7 +21042,7 @@
               <a:buNone/>
             </a:pPr>
             <a:r>
-              <a:rPr lang="es-CO" sz="2200" b="1" dirty="0" smtClean="0">
+              <a:rPr lang="es-CO" sz="2200" b="1" dirty="0">
                 <a:solidFill>
                   <a:srgbClr val="FFFFFF"/>
                 </a:solidFill>
@@ -20747,7 +21050,7 @@
               <a:t>Métodos compresión </a:t>
             </a:r>
             <a:r>
-              <a:rPr lang="es-CO" sz="2200" b="1" dirty="0" err="1" smtClean="0">
+              <a:rPr lang="es-CO" sz="2200" b="1" dirty="0" err="1">
                 <a:solidFill>
                   <a:srgbClr val="FFFFFF"/>
                 </a:solidFill>
@@ -20904,13 +21207,6 @@
   <p:clrMapOvr>
     <a:masterClrMapping/>
   </p:clrMapOvr>
-  <p:timing>
-    <p:tnLst>
-      <p:par>
-        <p:cTn id="1" dur="indefinite" restart="never" nodeType="tmRoot"/>
-      </p:par>
-    </p:tnLst>
-  </p:timing>
 </p:sld>
 </file>
 
@@ -21023,21 +21319,9 @@
                 </a:uFill>
                 <a:hlinkClick r:id="rId5"/>
               </a:rPr>
-              <a:t>https://</a:t>
-            </a:r>
-            <a:r>
-              <a:rPr lang="en-US" sz="2200" b="1" dirty="0" smtClean="0">
-                <a:solidFill>
-                  <a:srgbClr val="001E33"/>
-                </a:solidFill>
-                <a:uFill>
-                  <a:noFill/>
-                </a:uFill>
-                <a:hlinkClick r:id="rId5"/>
-              </a:rPr>
-              <a:t>github.com/GianSz/ProyectoDatos</a:t>
-            </a:r>
-            <a:endParaRPr lang="en-US" sz="2200" b="1" dirty="0" smtClean="0">
+              <a:t>https://github.com/GianSz/ProyectoDatos</a:t>
+            </a:r>
+            <a:endParaRPr lang="en-US" sz="2200" b="1" dirty="0">
               <a:solidFill>
                 <a:srgbClr val="001E33"/>
               </a:solidFill>
@@ -21105,7 +21389,7 @@
               <a:buNone/>
             </a:pPr>
             <a:r>
-              <a:rPr lang="es-CO" sz="2200" b="1" dirty="0" smtClean="0">
+              <a:rPr lang="es-CO" sz="2200" b="1" dirty="0">
                 <a:solidFill>
                   <a:srgbClr val="FFFFFF"/>
                 </a:solidFill>
@@ -21371,7 +21655,7 @@
           <a:p>
             <a:pPr algn="ctr"/>
             <a:r>
-              <a:rPr lang="es-CO" b="1" dirty="0" smtClean="0"/>
+              <a:rPr lang="es-CO" b="1" dirty="0"/>
               <a:t>APRENDIZAJE SUPERVISADO</a:t>
             </a:r>
             <a:endParaRPr lang="pt-BR" dirty="0"/>
@@ -21529,7 +21813,7 @@
           <a:p>
             <a:pPr algn="ctr"/>
             <a:r>
-              <a:rPr lang="es-CO" b="1" dirty="0" smtClean="0"/>
+              <a:rPr lang="es-CO" b="1" dirty="0"/>
               <a:t>APRENDIZAJE NO SUPERVISADO</a:t>
             </a:r>
             <a:endParaRPr lang="pt-BR" dirty="0"/>
@@ -21609,7 +21893,7 @@
           <a:p>
             <a:pPr algn="ctr"/>
             <a:r>
-              <a:rPr lang="es-CO" b="1" dirty="0" smtClean="0"/>
+              <a:rPr lang="es-CO" b="1" dirty="0"/>
               <a:t>APRENDIZAJE REFORZADO</a:t>
             </a:r>
             <a:endParaRPr lang="pt-BR" dirty="0"/>
@@ -21713,13 +21997,6 @@
   <p:clrMapOvr>
     <a:masterClrMapping/>
   </p:clrMapOvr>
-  <p:timing>
-    <p:tnLst>
-      <p:par>
-        <p:cTn id="1" dur="indefinite" restart="never" nodeType="tmRoot"/>
-      </p:par>
-    </p:tnLst>
-  </p:timing>
 </p:sld>
 </file>
 
@@ -21832,21 +22109,9 @@
                 </a:uFill>
                 <a:hlinkClick r:id="rId5"/>
               </a:rPr>
-              <a:t>https://</a:t>
-            </a:r>
-            <a:r>
-              <a:rPr lang="en-US" sz="2200" b="1" dirty="0" smtClean="0">
-                <a:solidFill>
-                  <a:srgbClr val="001E33"/>
-                </a:solidFill>
-                <a:uFill>
-                  <a:noFill/>
-                </a:uFill>
-                <a:hlinkClick r:id="rId5"/>
-              </a:rPr>
-              <a:t>github.com/GianSz/ProyectoDatos</a:t>
-            </a:r>
-            <a:endParaRPr lang="en-US" sz="2200" b="1" dirty="0" smtClean="0">
+              <a:t>https://github.com/GianSz/ProyectoDatos</a:t>
+            </a:r>
+            <a:endParaRPr lang="en-US" sz="2200" b="1" dirty="0">
               <a:solidFill>
                 <a:srgbClr val="001E33"/>
               </a:solidFill>
@@ -21894,82 +22159,43 @@
           <a:lstStyle/>
           <a:p>
             <a:r>
-              <a:rPr lang="es-CO" b="1" u="sng" dirty="0" smtClean="0"/>
-              <a:t>Aprendizaje no supervisado</a:t>
-            </a:r>
-            <a:r>
-              <a:rPr lang="es-CO" b="1" u="sng" dirty="0" smtClean="0"/>
-              <a:t>:</a:t>
-            </a:r>
-            <a:r>
-              <a:rPr lang="es-CO" dirty="0" smtClean="0"/>
+              <a:rPr lang="es-CO" b="1" u="sng" dirty="0"/>
+              <a:t>Aprendizaje no supervisado:</a:t>
+            </a:r>
+            <a:r>
+              <a:rPr lang="es-CO" dirty="0"/>
               <a:t> </a:t>
             </a:r>
           </a:p>
           <a:p>
-            <a:endParaRPr lang="es-CO" dirty="0" smtClean="0"/>
+            <a:endParaRPr lang="es-CO" dirty="0"/>
           </a:p>
           <a:p>
             <a:r>
-              <a:rPr lang="es-CO" dirty="0" smtClean="0"/>
+              <a:rPr lang="es-CO" dirty="0"/>
               <a:t>-&gt;  </a:t>
             </a:r>
             <a:r>
-              <a:rPr lang="es-ES" dirty="0" smtClean="0"/>
-              <a:t>Es </a:t>
-            </a:r>
-            <a:r>
               <a:rPr lang="es-ES" dirty="0"/>
-              <a:t>un aprendizaje </a:t>
-            </a:r>
-            <a:r>
-              <a:rPr lang="es-ES" dirty="0" smtClean="0"/>
-              <a:t>inductivo.</a:t>
-            </a:r>
-            <a:endParaRPr lang="es-ES" dirty="0"/>
+              <a:t>Es un aprendizaje inductivo.</a:t>
+            </a:r>
           </a:p>
           <a:p>
             <a:r>
-              <a:rPr lang="es-ES" dirty="0" smtClean="0"/>
-              <a:t>-&gt;  Parte </a:t>
-            </a:r>
-            <a:r>
               <a:rPr lang="es-ES" dirty="0"/>
-              <a:t>sin conocimiento </a:t>
-            </a:r>
-            <a:r>
-              <a:rPr lang="es-ES" dirty="0" smtClean="0"/>
-              <a:t>previo.</a:t>
-            </a:r>
-            <a:endParaRPr lang="es-ES" dirty="0"/>
+              <a:t>-&gt;  Parte sin conocimiento previo.</a:t>
+            </a:r>
           </a:p>
           <a:p>
             <a:r>
-              <a:rPr lang="es-ES" dirty="0" smtClean="0"/>
-              <a:t>-&gt;  Es </a:t>
-            </a:r>
-            <a:r>
               <a:rPr lang="es-ES" dirty="0"/>
-              <a:t>capaz de manejar datos más </a:t>
-            </a:r>
-            <a:r>
-              <a:rPr lang="es-ES" dirty="0" smtClean="0"/>
-              <a:t>complejos.</a:t>
-            </a:r>
-            <a:endParaRPr lang="es-ES" dirty="0"/>
+              <a:t>-&gt;  Es capaz de manejar datos más complejos.</a:t>
+            </a:r>
           </a:p>
           <a:p>
             <a:r>
-              <a:rPr lang="es-ES" dirty="0" smtClean="0"/>
-              <a:t>-&gt;  Su </a:t>
-            </a:r>
-            <a:r>
               <a:rPr lang="es-ES" dirty="0"/>
-              <a:t>objetivo es hallar una función que a partir de un dominio de entrada defina un dominio de </a:t>
-            </a:r>
-            <a:r>
-              <a:rPr lang="es-ES" dirty="0" smtClean="0"/>
-              <a:t>salida.</a:t>
+              <a:t>-&gt;  Su objetivo es hallar una función que a partir de un dominio de entrada defina un dominio de salida.</a:t>
             </a:r>
             <a:endParaRPr lang="es-CO" dirty="0"/>
           </a:p>
@@ -22002,11 +22228,11 @@
           <a:lstStyle/>
           <a:p>
             <a:r>
-              <a:rPr lang="es-CO" b="1" u="sng" dirty="0" smtClean="0"/>
+              <a:rPr lang="es-CO" b="1" u="sng" dirty="0"/>
               <a:t>Aprendizaje supervisado:</a:t>
             </a:r>
             <a:r>
-              <a:rPr lang="es-CO" b="1" dirty="0" smtClean="0"/>
+              <a:rPr lang="es-CO" b="1" dirty="0"/>
               <a:t> </a:t>
             </a:r>
           </a:p>
@@ -22015,47 +22241,22 @@
           </a:p>
           <a:p>
             <a:r>
-              <a:rPr lang="es-CO" dirty="0" smtClean="0"/>
+              <a:rPr lang="es-CO" dirty="0"/>
               <a:t>-&gt;</a:t>
             </a:r>
             <a:r>
-              <a:rPr lang="es-CO" b="1" dirty="0" smtClean="0"/>
+              <a:rPr lang="es-CO" b="1" dirty="0"/>
               <a:t>  </a:t>
             </a:r>
             <a:r>
-              <a:rPr lang="es-ES" dirty="0" smtClean="0"/>
-              <a:t>Es </a:t>
-            </a:r>
-            <a:r>
               <a:rPr lang="es-ES" dirty="0"/>
-              <a:t>un aprendizaje </a:t>
-            </a:r>
-            <a:r>
-              <a:rPr lang="es-ES" dirty="0" smtClean="0"/>
-              <a:t>deductivo.</a:t>
-            </a:r>
-            <a:endParaRPr lang="es-ES" dirty="0"/>
+              <a:t>Es un aprendizaje deductivo.</a:t>
+            </a:r>
           </a:p>
           <a:p>
             <a:r>
-              <a:rPr lang="es-ES" dirty="0" smtClean="0"/>
-              <a:t>-&gt; Parte </a:t>
-            </a:r>
-            <a:r>
               <a:rPr lang="es-ES" dirty="0"/>
-              <a:t>de conocimiento previo, es decir de situaciones y  </a:t>
-            </a:r>
-            <a:r>
-              <a:rPr lang="es-ES" dirty="0" smtClean="0"/>
-              <a:t>              respuestas </a:t>
-            </a:r>
-            <a:r>
-              <a:rPr lang="es-ES" dirty="0"/>
-              <a:t>ya </a:t>
-            </a:r>
-            <a:r>
-              <a:rPr lang="es-ES" dirty="0" smtClean="0"/>
-              <a:t>conocidas.</a:t>
+              <a:t>-&gt; Parte de conocimiento previo, es decir de situaciones y                respuestas ya conocidas.</a:t>
             </a:r>
           </a:p>
           <a:p>
@@ -22063,36 +22264,28 @@
           </a:p>
           <a:p>
             <a:r>
-              <a:rPr lang="es-ES" dirty="0" smtClean="0"/>
+              <a:rPr lang="es-ES" dirty="0"/>
               <a:t>-&gt; </a:t>
             </a:r>
             <a:r>
-              <a:rPr lang="es-ES" b="1" dirty="0" smtClean="0"/>
+              <a:rPr lang="es-ES" b="1" dirty="0"/>
               <a:t>Tipos: </a:t>
             </a:r>
           </a:p>
           <a:p>
             <a:r>
-              <a:rPr lang="es-ES" b="1" dirty="0" smtClean="0"/>
+              <a:rPr lang="es-ES" b="1" dirty="0"/>
               <a:t>	</a:t>
             </a:r>
             <a:r>
-              <a:rPr lang="es-ES" i="1" dirty="0" smtClean="0"/>
-              <a:t>REGRESIÓN</a:t>
-            </a:r>
-            <a:r>
               <a:rPr lang="es-ES" i="1" dirty="0"/>
-              <a:t>:</a:t>
+              <a:t>REGRESIÓN:</a:t>
             </a:r>
           </a:p>
           <a:p>
             <a:r>
-              <a:rPr lang="es-CO" dirty="0" smtClean="0"/>
-              <a:t>	Responde </a:t>
-            </a:r>
-            <a:r>
               <a:rPr lang="es-CO" dirty="0"/>
-              <a:t>a preguntas de “</a:t>
+              <a:t>	Responde a preguntas de “</a:t>
             </a:r>
             <a:r>
               <a:rPr lang="es-CO" b="1" dirty="0"/>
@@ -22100,36 +22293,24 @@
             </a:r>
             <a:r>
               <a:rPr lang="es-CO" dirty="0"/>
-              <a:t>” o que </a:t>
-            </a:r>
-            <a:r>
-              <a:rPr lang="es-CO" dirty="0" smtClean="0"/>
-              <a:t>	devuelve </a:t>
-            </a:r>
-            <a:r>
-              <a:rPr lang="es-CO" dirty="0"/>
-              <a:t>datos más puntuales ante diferentes </a:t>
-            </a:r>
-            <a:r>
-              <a:rPr lang="es-CO" dirty="0" smtClean="0"/>
-              <a:t>	situaciones.</a:t>
-            </a:r>
-          </a:p>
-          <a:p>
-            <a:endParaRPr lang="es-CO" dirty="0" smtClean="0"/>
+              <a:t>” o que 	devuelve datos más puntuales ante diferentes 	situaciones.</a:t>
+            </a:r>
           </a:p>
           <a:p>
             <a:endParaRPr lang="es-CO" dirty="0"/>
           </a:p>
           <a:p>
-            <a:endParaRPr lang="es-CO" dirty="0" smtClean="0"/>
+            <a:endParaRPr lang="es-CO" dirty="0"/>
           </a:p>
           <a:p>
             <a:endParaRPr lang="es-CO" dirty="0"/>
           </a:p>
           <a:p>
-            <a:r>
-              <a:rPr lang="es-CO" dirty="0" smtClean="0"/>
+            <a:endParaRPr lang="es-CO" dirty="0"/>
+          </a:p>
+          <a:p>
+            <a:r>
+              <a:rPr lang="es-CO" dirty="0"/>
               <a:t>	</a:t>
             </a:r>
             <a:r>
@@ -22139,12 +22320,8 @@
           </a:p>
           <a:p>
             <a:r>
-              <a:rPr lang="es-CO" dirty="0" smtClean="0"/>
-              <a:t>	Responde </a:t>
-            </a:r>
-            <a:r>
               <a:rPr lang="es-CO" dirty="0"/>
-              <a:t>a preguntas de “</a:t>
+              <a:t>	Responde a preguntas de “</a:t>
             </a:r>
             <a:r>
               <a:rPr lang="es-CO" b="1" dirty="0"/>
@@ -22152,15 +22329,7 @@
             </a:r>
             <a:r>
               <a:rPr lang="es-CO" dirty="0"/>
-              <a:t>” o que agrupa </a:t>
-            </a:r>
-            <a:r>
-              <a:rPr lang="es-CO" dirty="0" smtClean="0"/>
-              <a:t>	en </a:t>
-            </a:r>
-            <a:r>
-              <a:rPr lang="es-CO" dirty="0"/>
-              <a:t>clases particulares</a:t>
+              <a:t>” o que agrupa 	en clases particulares</a:t>
             </a:r>
           </a:p>
           <a:p>
@@ -22214,7 +22383,7 @@
               <a:buNone/>
             </a:pPr>
             <a:r>
-              <a:rPr lang="es-CO" sz="2200" b="1" dirty="0" smtClean="0">
+              <a:rPr lang="es-CO" sz="2200" b="1" dirty="0">
                 <a:solidFill>
                   <a:srgbClr val="FFFFFF"/>
                 </a:solidFill>
@@ -22227,15 +22396,7 @@
                   <a:srgbClr val="FFFFFF"/>
                 </a:solidFill>
               </a:rPr>
-              <a:t>l</a:t>
-            </a:r>
-            <a:r>
-              <a:rPr lang="es-CO" sz="2200" b="1" dirty="0" err="1" smtClean="0">
-                <a:solidFill>
-                  <a:srgbClr val="FFFFFF"/>
-                </a:solidFill>
-              </a:rPr>
-              <a:t>earning</a:t>
+              <a:t>learning</a:t>
             </a:r>
             <a:endParaRPr lang="es-CO" sz="2200" b="0" i="0" u="none" strike="noStrike" cap="none" dirty="0">
               <a:solidFill>
@@ -22305,60 +22466,31 @@
           <a:lstStyle/>
           <a:p>
             <a:r>
-              <a:rPr lang="es-CO" b="1" u="sng" dirty="0" smtClean="0"/>
-              <a:t>Aprendizaje reforzado</a:t>
-            </a:r>
-            <a:r>
-              <a:rPr lang="es-CO" b="1" u="sng" dirty="0" smtClean="0"/>
-              <a:t>:</a:t>
-            </a:r>
-            <a:r>
-              <a:rPr lang="es-CO" dirty="0" smtClean="0"/>
+              <a:rPr lang="es-CO" b="1" u="sng" dirty="0"/>
+              <a:t>Aprendizaje reforzado:</a:t>
+            </a:r>
+            <a:r>
+              <a:rPr lang="es-CO" dirty="0"/>
               <a:t> </a:t>
             </a:r>
           </a:p>
           <a:p>
-            <a:endParaRPr lang="es-CO" dirty="0" smtClean="0"/>
+            <a:endParaRPr lang="es-CO" dirty="0"/>
           </a:p>
           <a:p>
             <a:r>
-              <a:rPr lang="es-CO" dirty="0" smtClean="0"/>
+              <a:rPr lang="es-CO" dirty="0"/>
               <a:t>-&gt; </a:t>
             </a:r>
             <a:r>
-              <a:rPr lang="es-ES" dirty="0" smtClean="0"/>
-              <a:t>Se </a:t>
-            </a:r>
-            <a:r>
               <a:rPr lang="es-ES" dirty="0"/>
-              <a:t>entiende como un proceso de “enseñanza” mediante </a:t>
-            </a:r>
-            <a:r>
-              <a:rPr lang="es-ES" dirty="0" smtClean="0"/>
-              <a:t>estímulos(recompensas </a:t>
-            </a:r>
-            <a:r>
-              <a:rPr lang="es-ES" dirty="0"/>
-              <a:t>y castigos otorgados por el entorno</a:t>
-            </a:r>
-            <a:r>
-              <a:rPr lang="es-ES" dirty="0" smtClean="0"/>
-              <a:t>).</a:t>
-            </a:r>
-            <a:endParaRPr lang="es-ES" dirty="0"/>
+              <a:t>Se entiende como un proceso de “enseñanza” mediante estímulos(recompensas y castigos otorgados por el entorno).</a:t>
+            </a:r>
           </a:p>
           <a:p>
             <a:r>
-              <a:rPr lang="es-ES" dirty="0" smtClean="0"/>
-              <a:t>-&gt; Se </a:t>
-            </a:r>
-            <a:r>
               <a:rPr lang="es-ES" dirty="0"/>
-              <a:t>genera mediante pruebas de ensayo y </a:t>
-            </a:r>
-            <a:r>
-              <a:rPr lang="es-ES" dirty="0" smtClean="0"/>
-              <a:t>error.</a:t>
+              <a:t>-&gt; Se genera mediante pruebas de ensayo y error.</a:t>
             </a:r>
             <a:endParaRPr lang="es-CO" dirty="0"/>
           </a:p>
@@ -22547,13 +22679,6 @@
   <p:clrMapOvr>
     <a:masterClrMapping/>
   </p:clrMapOvr>
-  <p:timing>
-    <p:tnLst>
-      <p:par>
-        <p:cTn id="1" dur="indefinite" restart="never" nodeType="tmRoot"/>
-      </p:par>
-    </p:tnLst>
-  </p:timing>
 </p:sld>
 </file>
 
@@ -22658,7 +22783,7 @@
                 <a:hlinkClick r:id="rId4">
                   <a:extLst>
                     <a:ext uri="{A12FA001-AC4F-418D-AE19-62706E023703}">
-                      <ahyp:hlinkClr xmlns:ahyp="http://schemas.microsoft.com/office/drawing/2018/hyperlinkcolor" xmlns="" val="tx"/>
+                      <ahyp:hlinkClr xmlns:ahyp="http://schemas.microsoft.com/office/drawing/2018/hyperlinkcolor" val="tx"/>
                     </a:ext>
                   </a:extLst>
                 </a:hlinkClick>
@@ -22960,13 +23085,6 @@
   <p:clrMapOvr>
     <a:masterClrMapping/>
   </p:clrMapOvr>
-  <p:timing>
-    <p:tnLst>
-      <p:par>
-        <p:cTn id="1" dur="indefinite" restart="never" nodeType="tmRoot"/>
-      </p:par>
-    </p:tnLst>
-  </p:timing>
 </p:sld>
 </file>
 

--- a/Presentacion/Presentación Proyecto.pptx
+++ b/Presentacion/Presentación Proyecto.pptx
@@ -6,7 +6,7 @@
     <p:sldMasterId id="2147483661" r:id="rId2"/>
   </p:sldMasterIdLst>
   <p:notesMasterIdLst>
-    <p:notesMasterId r:id="rId15"/>
+    <p:notesMasterId r:id="rId17"/>
   </p:notesMasterIdLst>
   <p:sldIdLst>
     <p:sldId id="256" r:id="rId3"/>
@@ -17,10 +17,12 @@
     <p:sldId id="261" r:id="rId8"/>
     <p:sldId id="271" r:id="rId9"/>
     <p:sldId id="273" r:id="rId10"/>
-    <p:sldId id="264" r:id="rId11"/>
-    <p:sldId id="265" r:id="rId12"/>
-    <p:sldId id="274" r:id="rId13"/>
-    <p:sldId id="266" r:id="rId14"/>
+    <p:sldId id="275" r:id="rId11"/>
+    <p:sldId id="278" r:id="rId12"/>
+    <p:sldId id="277" r:id="rId13"/>
+    <p:sldId id="265" r:id="rId14"/>
+    <p:sldId id="274" r:id="rId15"/>
+    <p:sldId id="266" r:id="rId16"/>
   </p:sldIdLst>
   <p:sldSz cx="12192000" cy="6858000"/>
   <p:notesSz cx="7772400" cy="10058400"/>
@@ -1079,7 +1081,7 @@
     </p:spTree>
     <p:extLst>
       <p:ext uri="{BB962C8B-B14F-4D97-AF65-F5344CB8AC3E}">
-        <p14:creationId xmlns:p14="http://schemas.microsoft.com/office/powerpoint/2010/main" val="2160690811"/>
+        <p14:creationId xmlns:p14="http://schemas.microsoft.com/office/powerpoint/2010/main" val="537352314"/>
       </p:ext>
     </p:extLst>
   </p:cSld>
@@ -1206,6 +1208,260 @@
     </p:spTree>
     <p:extLst>
       <p:ext uri="{BB962C8B-B14F-4D97-AF65-F5344CB8AC3E}">
+        <p14:creationId xmlns:p14="http://schemas.microsoft.com/office/powerpoint/2010/main" val="2258869335"/>
+      </p:ext>
+    </p:extLst>
+  </p:cSld>
+  <p:clrMapOvr>
+    <a:masterClrMapping/>
+  </p:clrMapOvr>
+</p:notes>
+</file>
+
+<file path=ppt/notesSlides/notesSlide12.xml><?xml version="1.0" encoding="utf-8"?>
+<p:notes xmlns:a="http://schemas.openxmlformats.org/drawingml/2006/main" xmlns:r="http://schemas.openxmlformats.org/officeDocument/2006/relationships" xmlns:p="http://schemas.openxmlformats.org/presentationml/2006/main" showMasterSp="0" showMasterPhAnim="0">
+  <p:cSld>
+    <p:spTree>
+      <p:nvGrpSpPr>
+        <p:cNvPr id="1" name="Shape 195"/>
+        <p:cNvGrpSpPr/>
+        <p:nvPr/>
+      </p:nvGrpSpPr>
+      <p:grpSpPr>
+        <a:xfrm>
+          <a:off x="0" y="0"/>
+          <a:ext cx="0" cy="0"/>
+          <a:chOff x="0" y="0"/>
+          <a:chExt cx="0" cy="0"/>
+        </a:xfrm>
+      </p:grpSpPr>
+      <p:sp>
+        <p:nvSpPr>
+          <p:cNvPr id="196" name="Google Shape;196;p2:notes"/>
+          <p:cNvSpPr txBox="1">
+            <a:spLocks noGrp="1"/>
+          </p:cNvSpPr>
+          <p:nvPr>
+            <p:ph type="body" idx="1"/>
+          </p:nvPr>
+        </p:nvSpPr>
+        <p:spPr>
+          <a:xfrm>
+            <a:off x="777225" y="4777725"/>
+            <a:ext cx="6217900" cy="4526275"/>
+          </a:xfrm>
+          <a:prstGeom prst="rect">
+            <a:avLst/>
+          </a:prstGeom>
+          <a:noFill/>
+          <a:ln>
+            <a:noFill/>
+          </a:ln>
+        </p:spPr>
+        <p:txBody>
+          <a:bodyPr spcFirstLastPara="1" wrap="square" lIns="91425" tIns="91425" rIns="91425" bIns="91425" anchor="t" anchorCtr="0">
+            <a:noAutofit/>
+          </a:bodyPr>
+          <a:lstStyle/>
+          <a:p>
+            <a:pPr marL="0" lvl="0" indent="0" algn="l" rtl="0">
+              <a:lnSpc>
+                <a:spcPct val="100000"/>
+              </a:lnSpc>
+              <a:spcBef>
+                <a:spcPts val="0"/>
+              </a:spcBef>
+              <a:spcAft>
+                <a:spcPts val="0"/>
+              </a:spcAft>
+              <a:buSzPts val="1100"/>
+              <a:buNone/>
+            </a:pPr>
+            <a:endParaRPr/>
+          </a:p>
+        </p:txBody>
+      </p:sp>
+      <p:sp>
+        <p:nvSpPr>
+          <p:cNvPr id="197" name="Google Shape;197;p2:notes"/>
+          <p:cNvSpPr>
+            <a:spLocks noGrp="1" noRot="1" noChangeAspect="1"/>
+          </p:cNvSpPr>
+          <p:nvPr>
+            <p:ph type="sldImg" idx="2"/>
+          </p:nvPr>
+        </p:nvSpPr>
+        <p:spPr>
+          <a:xfrm>
+            <a:off x="533400" y="754063"/>
+            <a:ext cx="6705600" cy="3771900"/>
+          </a:xfrm>
+          <a:custGeom>
+            <a:avLst/>
+            <a:gdLst/>
+            <a:ahLst/>
+            <a:cxnLst/>
+            <a:rect l="l" t="t" r="r" b="b"/>
+            <a:pathLst>
+              <a:path w="120000" h="120000" extrusionOk="0">
+                <a:moveTo>
+                  <a:pt x="0" y="0"/>
+                </a:moveTo>
+                <a:lnTo>
+                  <a:pt x="120000" y="0"/>
+                </a:lnTo>
+                <a:lnTo>
+                  <a:pt x="120000" y="120000"/>
+                </a:lnTo>
+                <a:lnTo>
+                  <a:pt x="0" y="120000"/>
+                </a:lnTo>
+                <a:close/>
+              </a:path>
+            </a:pathLst>
+          </a:custGeom>
+          <a:noFill/>
+          <a:ln w="9525" cap="flat" cmpd="sng">
+            <a:solidFill>
+              <a:srgbClr val="000000"/>
+            </a:solidFill>
+            <a:prstDash val="solid"/>
+            <a:round/>
+            <a:headEnd type="none" w="sm" len="sm"/>
+            <a:tailEnd type="none" w="sm" len="sm"/>
+          </a:ln>
+        </p:spPr>
+      </p:sp>
+    </p:spTree>
+    <p:extLst>
+      <p:ext uri="{BB962C8B-B14F-4D97-AF65-F5344CB8AC3E}">
+        <p14:creationId xmlns:p14="http://schemas.microsoft.com/office/powerpoint/2010/main" val="2160690811"/>
+      </p:ext>
+    </p:extLst>
+  </p:cSld>
+  <p:clrMapOvr>
+    <a:masterClrMapping/>
+  </p:clrMapOvr>
+</p:notes>
+</file>
+
+<file path=ppt/notesSlides/notesSlide13.xml><?xml version="1.0" encoding="utf-8"?>
+<p:notes xmlns:a="http://schemas.openxmlformats.org/drawingml/2006/main" xmlns:r="http://schemas.openxmlformats.org/officeDocument/2006/relationships" xmlns:p="http://schemas.openxmlformats.org/presentationml/2006/main" showMasterSp="0" showMasterPhAnim="0">
+  <p:cSld>
+    <p:spTree>
+      <p:nvGrpSpPr>
+        <p:cNvPr id="1" name="Shape 195"/>
+        <p:cNvGrpSpPr/>
+        <p:nvPr/>
+      </p:nvGrpSpPr>
+      <p:grpSpPr>
+        <a:xfrm>
+          <a:off x="0" y="0"/>
+          <a:ext cx="0" cy="0"/>
+          <a:chOff x="0" y="0"/>
+          <a:chExt cx="0" cy="0"/>
+        </a:xfrm>
+      </p:grpSpPr>
+      <p:sp>
+        <p:nvSpPr>
+          <p:cNvPr id="196" name="Google Shape;196;p2:notes"/>
+          <p:cNvSpPr txBox="1">
+            <a:spLocks noGrp="1"/>
+          </p:cNvSpPr>
+          <p:nvPr>
+            <p:ph type="body" idx="1"/>
+          </p:nvPr>
+        </p:nvSpPr>
+        <p:spPr>
+          <a:xfrm>
+            <a:off x="777225" y="4777725"/>
+            <a:ext cx="6217900" cy="4526275"/>
+          </a:xfrm>
+          <a:prstGeom prst="rect">
+            <a:avLst/>
+          </a:prstGeom>
+          <a:noFill/>
+          <a:ln>
+            <a:noFill/>
+          </a:ln>
+        </p:spPr>
+        <p:txBody>
+          <a:bodyPr spcFirstLastPara="1" wrap="square" lIns="91425" tIns="91425" rIns="91425" bIns="91425" anchor="t" anchorCtr="0">
+            <a:noAutofit/>
+          </a:bodyPr>
+          <a:lstStyle/>
+          <a:p>
+            <a:pPr marL="0" lvl="0" indent="0" algn="l" rtl="0">
+              <a:lnSpc>
+                <a:spcPct val="100000"/>
+              </a:lnSpc>
+              <a:spcBef>
+                <a:spcPts val="0"/>
+              </a:spcBef>
+              <a:spcAft>
+                <a:spcPts val="0"/>
+              </a:spcAft>
+              <a:buSzPts val="1100"/>
+              <a:buNone/>
+            </a:pPr>
+            <a:endParaRPr/>
+          </a:p>
+        </p:txBody>
+      </p:sp>
+      <p:sp>
+        <p:nvSpPr>
+          <p:cNvPr id="197" name="Google Shape;197;p2:notes"/>
+          <p:cNvSpPr>
+            <a:spLocks noGrp="1" noRot="1" noChangeAspect="1"/>
+          </p:cNvSpPr>
+          <p:nvPr>
+            <p:ph type="sldImg" idx="2"/>
+          </p:nvPr>
+        </p:nvSpPr>
+        <p:spPr>
+          <a:xfrm>
+            <a:off x="533400" y="754063"/>
+            <a:ext cx="6705600" cy="3771900"/>
+          </a:xfrm>
+          <a:custGeom>
+            <a:avLst/>
+            <a:gdLst/>
+            <a:ahLst/>
+            <a:cxnLst/>
+            <a:rect l="l" t="t" r="r" b="b"/>
+            <a:pathLst>
+              <a:path w="120000" h="120000" extrusionOk="0">
+                <a:moveTo>
+                  <a:pt x="0" y="0"/>
+                </a:moveTo>
+                <a:lnTo>
+                  <a:pt x="120000" y="0"/>
+                </a:lnTo>
+                <a:lnTo>
+                  <a:pt x="120000" y="120000"/>
+                </a:lnTo>
+                <a:lnTo>
+                  <a:pt x="0" y="120000"/>
+                </a:lnTo>
+                <a:close/>
+              </a:path>
+            </a:pathLst>
+          </a:custGeom>
+          <a:noFill/>
+          <a:ln w="9525" cap="flat" cmpd="sng">
+            <a:solidFill>
+              <a:srgbClr val="000000"/>
+            </a:solidFill>
+            <a:prstDash val="solid"/>
+            <a:round/>
+            <a:headEnd type="none" w="sm" len="sm"/>
+            <a:tailEnd type="none" w="sm" len="sm"/>
+          </a:ln>
+        </p:spPr>
+      </p:sp>
+    </p:spTree>
+    <p:extLst>
+      <p:ext uri="{BB962C8B-B14F-4D97-AF65-F5344CB8AC3E}">
         <p14:creationId xmlns:p14="http://schemas.microsoft.com/office/powerpoint/2010/main" val="2669774555"/>
       </p:ext>
     </p:extLst>
@@ -1216,7 +1472,7 @@
 </p:notes>
 </file>
 
-<file path=ppt/notesSlides/notesSlide12.xml><?xml version="1.0" encoding="utf-8"?>
+<file path=ppt/notesSlides/notesSlide14.xml><?xml version="1.0" encoding="utf-8"?>
 <p:notes xmlns:a="http://schemas.openxmlformats.org/drawingml/2006/main" xmlns:r="http://schemas.openxmlformats.org/officeDocument/2006/relationships" xmlns:p="http://schemas.openxmlformats.org/presentationml/2006/main" showMasterSp="0" showMasterPhAnim="0">
   <p:cSld>
     <p:spTree>
@@ -2344,7 +2600,7 @@
     </p:spTree>
     <p:extLst>
       <p:ext uri="{BB962C8B-B14F-4D97-AF65-F5344CB8AC3E}">
-        <p14:creationId xmlns:p14="http://schemas.microsoft.com/office/powerpoint/2010/main" val="3514556701"/>
+        <p14:creationId xmlns:p14="http://schemas.microsoft.com/office/powerpoint/2010/main" val="1461465406"/>
       </p:ext>
     </p:extLst>
   </p:cSld>
@@ -5200,191 +5456,6 @@
 </file>
 
 <file path=ppt/slideLayouts/slideLayout14.xml><?xml version="1.0" encoding="utf-8"?>
-<p:sldLayout xmlns:a="http://schemas.openxmlformats.org/drawingml/2006/main" xmlns:r="http://schemas.openxmlformats.org/officeDocument/2006/relationships" xmlns:p="http://schemas.openxmlformats.org/presentationml/2006/main" matchingName="Title Only" type="titleOnly">
-  <p:cSld name="TITLE_ONLY">
-    <p:spTree>
-      <p:nvGrpSpPr>
-        <p:cNvPr id="1" name="Shape 73"/>
-        <p:cNvGrpSpPr/>
-        <p:nvPr/>
-      </p:nvGrpSpPr>
-      <p:grpSpPr>
-        <a:xfrm>
-          <a:off x="0" y="0"/>
-          <a:ext cx="0" cy="0"/>
-          <a:chOff x="0" y="0"/>
-          <a:chExt cx="0" cy="0"/>
-        </a:xfrm>
-      </p:grpSpPr>
-      <p:sp>
-        <p:nvSpPr>
-          <p:cNvPr id="74" name="Google Shape;74;p33"/>
-          <p:cNvSpPr txBox="1">
-            <a:spLocks noGrp="1"/>
-          </p:cNvSpPr>
-          <p:nvPr>
-            <p:ph type="title"/>
-          </p:nvPr>
-        </p:nvSpPr>
-        <p:spPr>
-          <a:xfrm>
-            <a:off x="1523880" y="1122480"/>
-            <a:ext cx="9143640" cy="2387160"/>
-          </a:xfrm>
-          <a:prstGeom prst="rect">
-            <a:avLst/>
-          </a:prstGeom>
-          <a:noFill/>
-          <a:ln>
-            <a:noFill/>
-          </a:ln>
-        </p:spPr>
-        <p:txBody>
-          <a:bodyPr spcFirstLastPara="1" wrap="square" lIns="0" tIns="0" rIns="0" bIns="0" anchor="ctr" anchorCtr="0">
-            <a:noAutofit/>
-          </a:bodyPr>
-          <a:lstStyle>
-            <a:lvl1pPr lvl="0" algn="l">
-              <a:lnSpc>
-                <a:spcPct val="100000"/>
-              </a:lnSpc>
-              <a:spcBef>
-                <a:spcPts val="0"/>
-              </a:spcBef>
-              <a:spcAft>
-                <a:spcPts val="0"/>
-              </a:spcAft>
-              <a:buSzPts val="1400"/>
-              <a:buNone/>
-              <a:defRPr/>
-            </a:lvl1pPr>
-            <a:lvl2pPr lvl="1" algn="l">
-              <a:lnSpc>
-                <a:spcPct val="100000"/>
-              </a:lnSpc>
-              <a:spcBef>
-                <a:spcPts val="0"/>
-              </a:spcBef>
-              <a:spcAft>
-                <a:spcPts val="0"/>
-              </a:spcAft>
-              <a:buSzPts val="1400"/>
-              <a:buNone/>
-              <a:defRPr/>
-            </a:lvl2pPr>
-            <a:lvl3pPr lvl="2" algn="l">
-              <a:lnSpc>
-                <a:spcPct val="100000"/>
-              </a:lnSpc>
-              <a:spcBef>
-                <a:spcPts val="0"/>
-              </a:spcBef>
-              <a:spcAft>
-                <a:spcPts val="0"/>
-              </a:spcAft>
-              <a:buSzPts val="1400"/>
-              <a:buNone/>
-              <a:defRPr/>
-            </a:lvl3pPr>
-            <a:lvl4pPr lvl="3" algn="l">
-              <a:lnSpc>
-                <a:spcPct val="100000"/>
-              </a:lnSpc>
-              <a:spcBef>
-                <a:spcPts val="0"/>
-              </a:spcBef>
-              <a:spcAft>
-                <a:spcPts val="0"/>
-              </a:spcAft>
-              <a:buSzPts val="1400"/>
-              <a:buNone/>
-              <a:defRPr/>
-            </a:lvl4pPr>
-            <a:lvl5pPr lvl="4" algn="l">
-              <a:lnSpc>
-                <a:spcPct val="100000"/>
-              </a:lnSpc>
-              <a:spcBef>
-                <a:spcPts val="0"/>
-              </a:spcBef>
-              <a:spcAft>
-                <a:spcPts val="0"/>
-              </a:spcAft>
-              <a:buSzPts val="1400"/>
-              <a:buNone/>
-              <a:defRPr/>
-            </a:lvl5pPr>
-            <a:lvl6pPr lvl="5" algn="l">
-              <a:lnSpc>
-                <a:spcPct val="100000"/>
-              </a:lnSpc>
-              <a:spcBef>
-                <a:spcPts val="0"/>
-              </a:spcBef>
-              <a:spcAft>
-                <a:spcPts val="0"/>
-              </a:spcAft>
-              <a:buSzPts val="1400"/>
-              <a:buNone/>
-              <a:defRPr/>
-            </a:lvl6pPr>
-            <a:lvl7pPr lvl="6" algn="l">
-              <a:lnSpc>
-                <a:spcPct val="100000"/>
-              </a:lnSpc>
-              <a:spcBef>
-                <a:spcPts val="0"/>
-              </a:spcBef>
-              <a:spcAft>
-                <a:spcPts val="0"/>
-              </a:spcAft>
-              <a:buSzPts val="1400"/>
-              <a:buNone/>
-              <a:defRPr/>
-            </a:lvl7pPr>
-            <a:lvl8pPr lvl="7" algn="l">
-              <a:lnSpc>
-                <a:spcPct val="100000"/>
-              </a:lnSpc>
-              <a:spcBef>
-                <a:spcPts val="0"/>
-              </a:spcBef>
-              <a:spcAft>
-                <a:spcPts val="0"/>
-              </a:spcAft>
-              <a:buSzPts val="1400"/>
-              <a:buNone/>
-              <a:defRPr/>
-            </a:lvl8pPr>
-            <a:lvl9pPr lvl="8" algn="l">
-              <a:lnSpc>
-                <a:spcPct val="100000"/>
-              </a:lnSpc>
-              <a:spcBef>
-                <a:spcPts val="0"/>
-              </a:spcBef>
-              <a:spcAft>
-                <a:spcPts val="0"/>
-              </a:spcAft>
-              <a:buSzPts val="1400"/>
-              <a:buNone/>
-              <a:defRPr/>
-            </a:lvl9pPr>
-          </a:lstStyle>
-          <a:p>
-            <a:endParaRPr/>
-          </a:p>
-        </p:txBody>
-      </p:sp>
-    </p:spTree>
-  </p:cSld>
-  <p:clrMapOvr>
-    <a:masterClrMapping/>
-  </p:clrMapOvr>
-</p:sldLayout>
-</file>
-
-<file path=ppt/slideLayouts/slideLayout15.xml><?xml version="1.0" encoding="utf-8"?>
 <p:sldLayout xmlns:a="http://schemas.openxmlformats.org/drawingml/2006/main" xmlns:r="http://schemas.openxmlformats.org/officeDocument/2006/relationships" xmlns:p="http://schemas.openxmlformats.org/presentationml/2006/main" matchingName="Centered Text" type="objOnly">
   <p:cSld name="OBJECT_ONLY">
     <p:spTree>
@@ -5569,7 +5640,7 @@
 </p:sldLayout>
 </file>
 
-<file path=ppt/slideLayouts/slideLayout16.xml><?xml version="1.0" encoding="utf-8"?>
+<file path=ppt/slideLayouts/slideLayout15.xml><?xml version="1.0" encoding="utf-8"?>
 <p:sldLayout xmlns:a="http://schemas.openxmlformats.org/drawingml/2006/main" xmlns:r="http://schemas.openxmlformats.org/officeDocument/2006/relationships" xmlns:p="http://schemas.openxmlformats.org/presentationml/2006/main" matchingName="Title, 2 Content and Content" type="twoObjAndObj">
   <p:cSld name="TWO_OBJECTS_AND_OBJECT">
     <p:spTree>
@@ -6234,7 +6305,7 @@
 </p:sldLayout>
 </file>
 
-<file path=ppt/slideLayouts/slideLayout17.xml><?xml version="1.0" encoding="utf-8"?>
+<file path=ppt/slideLayouts/slideLayout16.xml><?xml version="1.0" encoding="utf-8"?>
 <p:sldLayout xmlns:a="http://schemas.openxmlformats.org/drawingml/2006/main" xmlns:r="http://schemas.openxmlformats.org/officeDocument/2006/relationships" xmlns:p="http://schemas.openxmlformats.org/presentationml/2006/main" matchingName="Title Content and 2 Content" type="objAndTwoObj">
   <p:cSld name="OBJECT_AND_TWO_OBJECTS">
     <p:spTree>
@@ -6899,7 +6970,7 @@
 </p:sldLayout>
 </file>
 
-<file path=ppt/slideLayouts/slideLayout18.xml><?xml version="1.0" encoding="utf-8"?>
+<file path=ppt/slideLayouts/slideLayout17.xml><?xml version="1.0" encoding="utf-8"?>
 <p:sldLayout xmlns:a="http://schemas.openxmlformats.org/drawingml/2006/main" xmlns:r="http://schemas.openxmlformats.org/officeDocument/2006/relationships" xmlns:p="http://schemas.openxmlformats.org/presentationml/2006/main" matchingName="Title, 2 Content over Content" type="twoObjOverTx">
   <p:cSld name="TWO_OBJECTS_OVER_TEXT">
     <p:spTree>
@@ -7564,7 +7635,7 @@
 </p:sldLayout>
 </file>
 
-<file path=ppt/slideLayouts/slideLayout19.xml><?xml version="1.0" encoding="utf-8"?>
+<file path=ppt/slideLayouts/slideLayout18.xml><?xml version="1.0" encoding="utf-8"?>
 <p:sldLayout xmlns:a="http://schemas.openxmlformats.org/drawingml/2006/main" xmlns:r="http://schemas.openxmlformats.org/officeDocument/2006/relationships" xmlns:p="http://schemas.openxmlformats.org/presentationml/2006/main" matchingName="Title, Content over Content" type="objOverTx">
   <p:cSld name="OBJECT_OVER_TEXT">
     <p:spTree>
@@ -7915,6 +7986,831 @@
           <a:xfrm>
             <a:off x="609480" y="3682080"/>
             <a:ext cx="10972440" cy="1896840"/>
+          </a:xfrm>
+          <a:prstGeom prst="rect">
+            <a:avLst/>
+          </a:prstGeom>
+          <a:noFill/>
+          <a:ln>
+            <a:noFill/>
+          </a:ln>
+        </p:spPr>
+        <p:txBody>
+          <a:bodyPr spcFirstLastPara="1" wrap="square" lIns="0" tIns="0" rIns="0" bIns="0" anchor="t" anchorCtr="0">
+            <a:normAutofit/>
+          </a:bodyPr>
+          <a:lstStyle>
+            <a:lvl1pPr marL="457200" lvl="0" indent="-228600" algn="l">
+              <a:lnSpc>
+                <a:spcPct val="100000"/>
+              </a:lnSpc>
+              <a:spcBef>
+                <a:spcPts val="0"/>
+              </a:spcBef>
+              <a:spcAft>
+                <a:spcPts val="0"/>
+              </a:spcAft>
+              <a:buSzPts val="1400"/>
+              <a:buNone/>
+              <a:defRPr/>
+            </a:lvl1pPr>
+            <a:lvl2pPr marL="914400" lvl="1" indent="-228600" algn="l">
+              <a:lnSpc>
+                <a:spcPct val="100000"/>
+              </a:lnSpc>
+              <a:spcBef>
+                <a:spcPts val="0"/>
+              </a:spcBef>
+              <a:spcAft>
+                <a:spcPts val="0"/>
+              </a:spcAft>
+              <a:buSzPts val="1400"/>
+              <a:buNone/>
+              <a:defRPr/>
+            </a:lvl2pPr>
+            <a:lvl3pPr marL="1371600" lvl="2" indent="-228600" algn="l">
+              <a:lnSpc>
+                <a:spcPct val="100000"/>
+              </a:lnSpc>
+              <a:spcBef>
+                <a:spcPts val="0"/>
+              </a:spcBef>
+              <a:spcAft>
+                <a:spcPts val="0"/>
+              </a:spcAft>
+              <a:buSzPts val="1400"/>
+              <a:buNone/>
+              <a:defRPr/>
+            </a:lvl3pPr>
+            <a:lvl4pPr marL="1828800" lvl="3" indent="-228600" algn="l">
+              <a:lnSpc>
+                <a:spcPct val="100000"/>
+              </a:lnSpc>
+              <a:spcBef>
+                <a:spcPts val="0"/>
+              </a:spcBef>
+              <a:spcAft>
+                <a:spcPts val="0"/>
+              </a:spcAft>
+              <a:buSzPts val="1400"/>
+              <a:buNone/>
+              <a:defRPr/>
+            </a:lvl4pPr>
+            <a:lvl5pPr marL="2286000" lvl="4" indent="-228600" algn="l">
+              <a:lnSpc>
+                <a:spcPct val="100000"/>
+              </a:lnSpc>
+              <a:spcBef>
+                <a:spcPts val="0"/>
+              </a:spcBef>
+              <a:spcAft>
+                <a:spcPts val="0"/>
+              </a:spcAft>
+              <a:buSzPts val="1400"/>
+              <a:buNone/>
+              <a:defRPr/>
+            </a:lvl5pPr>
+            <a:lvl6pPr marL="2743200" lvl="5" indent="-228600" algn="l">
+              <a:lnSpc>
+                <a:spcPct val="100000"/>
+              </a:lnSpc>
+              <a:spcBef>
+                <a:spcPts val="0"/>
+              </a:spcBef>
+              <a:spcAft>
+                <a:spcPts val="0"/>
+              </a:spcAft>
+              <a:buSzPts val="1400"/>
+              <a:buNone/>
+              <a:defRPr/>
+            </a:lvl6pPr>
+            <a:lvl7pPr marL="3200400" lvl="6" indent="-228600" algn="l">
+              <a:lnSpc>
+                <a:spcPct val="100000"/>
+              </a:lnSpc>
+              <a:spcBef>
+                <a:spcPts val="0"/>
+              </a:spcBef>
+              <a:spcAft>
+                <a:spcPts val="0"/>
+              </a:spcAft>
+              <a:buSzPts val="1400"/>
+              <a:buNone/>
+              <a:defRPr/>
+            </a:lvl7pPr>
+            <a:lvl8pPr marL="3657600" lvl="7" indent="-228600" algn="l">
+              <a:lnSpc>
+                <a:spcPct val="100000"/>
+              </a:lnSpc>
+              <a:spcBef>
+                <a:spcPts val="0"/>
+              </a:spcBef>
+              <a:spcAft>
+                <a:spcPts val="0"/>
+              </a:spcAft>
+              <a:buSzPts val="1400"/>
+              <a:buNone/>
+              <a:defRPr/>
+            </a:lvl8pPr>
+            <a:lvl9pPr marL="4114800" lvl="8" indent="-228600" algn="l">
+              <a:lnSpc>
+                <a:spcPct val="100000"/>
+              </a:lnSpc>
+              <a:spcBef>
+                <a:spcPts val="0"/>
+              </a:spcBef>
+              <a:spcAft>
+                <a:spcPts val="0"/>
+              </a:spcAft>
+              <a:buSzPts val="1400"/>
+              <a:buNone/>
+              <a:defRPr/>
+            </a:lvl9pPr>
+          </a:lstStyle>
+          <a:p>
+            <a:endParaRPr/>
+          </a:p>
+        </p:txBody>
+      </p:sp>
+    </p:spTree>
+  </p:cSld>
+  <p:clrMapOvr>
+    <a:masterClrMapping/>
+  </p:clrMapOvr>
+</p:sldLayout>
+</file>
+
+<file path=ppt/slideLayouts/slideLayout19.xml><?xml version="1.0" encoding="utf-8"?>
+<p:sldLayout xmlns:a="http://schemas.openxmlformats.org/drawingml/2006/main" xmlns:r="http://schemas.openxmlformats.org/officeDocument/2006/relationships" xmlns:p="http://schemas.openxmlformats.org/presentationml/2006/main" matchingName="Title, 4 Content" type="fourObj">
+  <p:cSld name="FOUR_OBJECTS">
+    <p:spTree>
+      <p:nvGrpSpPr>
+        <p:cNvPr id="1" name="Shape 96"/>
+        <p:cNvGrpSpPr/>
+        <p:nvPr/>
+      </p:nvGrpSpPr>
+      <p:grpSpPr>
+        <a:xfrm>
+          <a:off x="0" y="0"/>
+          <a:ext cx="0" cy="0"/>
+          <a:chOff x="0" y="0"/>
+          <a:chExt cx="0" cy="0"/>
+        </a:xfrm>
+      </p:grpSpPr>
+      <p:sp>
+        <p:nvSpPr>
+          <p:cNvPr id="97" name="Google Shape;97;p39"/>
+          <p:cNvSpPr txBox="1">
+            <a:spLocks noGrp="1"/>
+          </p:cNvSpPr>
+          <p:nvPr>
+            <p:ph type="title"/>
+          </p:nvPr>
+        </p:nvSpPr>
+        <p:spPr>
+          <a:xfrm>
+            <a:off x="1523880" y="1122480"/>
+            <a:ext cx="9143640" cy="2387160"/>
+          </a:xfrm>
+          <a:prstGeom prst="rect">
+            <a:avLst/>
+          </a:prstGeom>
+          <a:noFill/>
+          <a:ln>
+            <a:noFill/>
+          </a:ln>
+        </p:spPr>
+        <p:txBody>
+          <a:bodyPr spcFirstLastPara="1" wrap="square" lIns="0" tIns="0" rIns="0" bIns="0" anchor="ctr" anchorCtr="0">
+            <a:noAutofit/>
+          </a:bodyPr>
+          <a:lstStyle>
+            <a:lvl1pPr lvl="0" algn="l">
+              <a:lnSpc>
+                <a:spcPct val="100000"/>
+              </a:lnSpc>
+              <a:spcBef>
+                <a:spcPts val="0"/>
+              </a:spcBef>
+              <a:spcAft>
+                <a:spcPts val="0"/>
+              </a:spcAft>
+              <a:buSzPts val="1400"/>
+              <a:buNone/>
+              <a:defRPr/>
+            </a:lvl1pPr>
+            <a:lvl2pPr lvl="1" algn="l">
+              <a:lnSpc>
+                <a:spcPct val="100000"/>
+              </a:lnSpc>
+              <a:spcBef>
+                <a:spcPts val="0"/>
+              </a:spcBef>
+              <a:spcAft>
+                <a:spcPts val="0"/>
+              </a:spcAft>
+              <a:buSzPts val="1400"/>
+              <a:buNone/>
+              <a:defRPr/>
+            </a:lvl2pPr>
+            <a:lvl3pPr lvl="2" algn="l">
+              <a:lnSpc>
+                <a:spcPct val="100000"/>
+              </a:lnSpc>
+              <a:spcBef>
+                <a:spcPts val="0"/>
+              </a:spcBef>
+              <a:spcAft>
+                <a:spcPts val="0"/>
+              </a:spcAft>
+              <a:buSzPts val="1400"/>
+              <a:buNone/>
+              <a:defRPr/>
+            </a:lvl3pPr>
+            <a:lvl4pPr lvl="3" algn="l">
+              <a:lnSpc>
+                <a:spcPct val="100000"/>
+              </a:lnSpc>
+              <a:spcBef>
+                <a:spcPts val="0"/>
+              </a:spcBef>
+              <a:spcAft>
+                <a:spcPts val="0"/>
+              </a:spcAft>
+              <a:buSzPts val="1400"/>
+              <a:buNone/>
+              <a:defRPr/>
+            </a:lvl4pPr>
+            <a:lvl5pPr lvl="4" algn="l">
+              <a:lnSpc>
+                <a:spcPct val="100000"/>
+              </a:lnSpc>
+              <a:spcBef>
+                <a:spcPts val="0"/>
+              </a:spcBef>
+              <a:spcAft>
+                <a:spcPts val="0"/>
+              </a:spcAft>
+              <a:buSzPts val="1400"/>
+              <a:buNone/>
+              <a:defRPr/>
+            </a:lvl5pPr>
+            <a:lvl6pPr lvl="5" algn="l">
+              <a:lnSpc>
+                <a:spcPct val="100000"/>
+              </a:lnSpc>
+              <a:spcBef>
+                <a:spcPts val="0"/>
+              </a:spcBef>
+              <a:spcAft>
+                <a:spcPts val="0"/>
+              </a:spcAft>
+              <a:buSzPts val="1400"/>
+              <a:buNone/>
+              <a:defRPr/>
+            </a:lvl6pPr>
+            <a:lvl7pPr lvl="6" algn="l">
+              <a:lnSpc>
+                <a:spcPct val="100000"/>
+              </a:lnSpc>
+              <a:spcBef>
+                <a:spcPts val="0"/>
+              </a:spcBef>
+              <a:spcAft>
+                <a:spcPts val="0"/>
+              </a:spcAft>
+              <a:buSzPts val="1400"/>
+              <a:buNone/>
+              <a:defRPr/>
+            </a:lvl7pPr>
+            <a:lvl8pPr lvl="7" algn="l">
+              <a:lnSpc>
+                <a:spcPct val="100000"/>
+              </a:lnSpc>
+              <a:spcBef>
+                <a:spcPts val="0"/>
+              </a:spcBef>
+              <a:spcAft>
+                <a:spcPts val="0"/>
+              </a:spcAft>
+              <a:buSzPts val="1400"/>
+              <a:buNone/>
+              <a:defRPr/>
+            </a:lvl8pPr>
+            <a:lvl9pPr lvl="8" algn="l">
+              <a:lnSpc>
+                <a:spcPct val="100000"/>
+              </a:lnSpc>
+              <a:spcBef>
+                <a:spcPts val="0"/>
+              </a:spcBef>
+              <a:spcAft>
+                <a:spcPts val="0"/>
+              </a:spcAft>
+              <a:buSzPts val="1400"/>
+              <a:buNone/>
+              <a:defRPr/>
+            </a:lvl9pPr>
+          </a:lstStyle>
+          <a:p>
+            <a:endParaRPr/>
+          </a:p>
+        </p:txBody>
+      </p:sp>
+      <p:sp>
+        <p:nvSpPr>
+          <p:cNvPr id="98" name="Google Shape;98;p39"/>
+          <p:cNvSpPr txBox="1">
+            <a:spLocks noGrp="1"/>
+          </p:cNvSpPr>
+          <p:nvPr>
+            <p:ph type="body" idx="1"/>
+          </p:nvPr>
+        </p:nvSpPr>
+        <p:spPr>
+          <a:xfrm>
+            <a:off x="609480" y="1604520"/>
+            <a:ext cx="5354280" cy="1896840"/>
+          </a:xfrm>
+          <a:prstGeom prst="rect">
+            <a:avLst/>
+          </a:prstGeom>
+          <a:noFill/>
+          <a:ln>
+            <a:noFill/>
+          </a:ln>
+        </p:spPr>
+        <p:txBody>
+          <a:bodyPr spcFirstLastPara="1" wrap="square" lIns="0" tIns="0" rIns="0" bIns="0" anchor="t" anchorCtr="0">
+            <a:normAutofit/>
+          </a:bodyPr>
+          <a:lstStyle>
+            <a:lvl1pPr marL="457200" lvl="0" indent="-228600" algn="l">
+              <a:lnSpc>
+                <a:spcPct val="100000"/>
+              </a:lnSpc>
+              <a:spcBef>
+                <a:spcPts val="0"/>
+              </a:spcBef>
+              <a:spcAft>
+                <a:spcPts val="0"/>
+              </a:spcAft>
+              <a:buSzPts val="1400"/>
+              <a:buNone/>
+              <a:defRPr/>
+            </a:lvl1pPr>
+            <a:lvl2pPr marL="914400" lvl="1" indent="-228600" algn="l">
+              <a:lnSpc>
+                <a:spcPct val="100000"/>
+              </a:lnSpc>
+              <a:spcBef>
+                <a:spcPts val="0"/>
+              </a:spcBef>
+              <a:spcAft>
+                <a:spcPts val="0"/>
+              </a:spcAft>
+              <a:buSzPts val="1400"/>
+              <a:buNone/>
+              <a:defRPr/>
+            </a:lvl2pPr>
+            <a:lvl3pPr marL="1371600" lvl="2" indent="-228600" algn="l">
+              <a:lnSpc>
+                <a:spcPct val="100000"/>
+              </a:lnSpc>
+              <a:spcBef>
+                <a:spcPts val="0"/>
+              </a:spcBef>
+              <a:spcAft>
+                <a:spcPts val="0"/>
+              </a:spcAft>
+              <a:buSzPts val="1400"/>
+              <a:buNone/>
+              <a:defRPr/>
+            </a:lvl3pPr>
+            <a:lvl4pPr marL="1828800" lvl="3" indent="-228600" algn="l">
+              <a:lnSpc>
+                <a:spcPct val="100000"/>
+              </a:lnSpc>
+              <a:spcBef>
+                <a:spcPts val="0"/>
+              </a:spcBef>
+              <a:spcAft>
+                <a:spcPts val="0"/>
+              </a:spcAft>
+              <a:buSzPts val="1400"/>
+              <a:buNone/>
+              <a:defRPr/>
+            </a:lvl4pPr>
+            <a:lvl5pPr marL="2286000" lvl="4" indent="-228600" algn="l">
+              <a:lnSpc>
+                <a:spcPct val="100000"/>
+              </a:lnSpc>
+              <a:spcBef>
+                <a:spcPts val="0"/>
+              </a:spcBef>
+              <a:spcAft>
+                <a:spcPts val="0"/>
+              </a:spcAft>
+              <a:buSzPts val="1400"/>
+              <a:buNone/>
+              <a:defRPr/>
+            </a:lvl5pPr>
+            <a:lvl6pPr marL="2743200" lvl="5" indent="-228600" algn="l">
+              <a:lnSpc>
+                <a:spcPct val="100000"/>
+              </a:lnSpc>
+              <a:spcBef>
+                <a:spcPts val="0"/>
+              </a:spcBef>
+              <a:spcAft>
+                <a:spcPts val="0"/>
+              </a:spcAft>
+              <a:buSzPts val="1400"/>
+              <a:buNone/>
+              <a:defRPr/>
+            </a:lvl6pPr>
+            <a:lvl7pPr marL="3200400" lvl="6" indent="-228600" algn="l">
+              <a:lnSpc>
+                <a:spcPct val="100000"/>
+              </a:lnSpc>
+              <a:spcBef>
+                <a:spcPts val="0"/>
+              </a:spcBef>
+              <a:spcAft>
+                <a:spcPts val="0"/>
+              </a:spcAft>
+              <a:buSzPts val="1400"/>
+              <a:buNone/>
+              <a:defRPr/>
+            </a:lvl7pPr>
+            <a:lvl8pPr marL="3657600" lvl="7" indent="-228600" algn="l">
+              <a:lnSpc>
+                <a:spcPct val="100000"/>
+              </a:lnSpc>
+              <a:spcBef>
+                <a:spcPts val="0"/>
+              </a:spcBef>
+              <a:spcAft>
+                <a:spcPts val="0"/>
+              </a:spcAft>
+              <a:buSzPts val="1400"/>
+              <a:buNone/>
+              <a:defRPr/>
+            </a:lvl8pPr>
+            <a:lvl9pPr marL="4114800" lvl="8" indent="-228600" algn="l">
+              <a:lnSpc>
+                <a:spcPct val="100000"/>
+              </a:lnSpc>
+              <a:spcBef>
+                <a:spcPts val="0"/>
+              </a:spcBef>
+              <a:spcAft>
+                <a:spcPts val="0"/>
+              </a:spcAft>
+              <a:buSzPts val="1400"/>
+              <a:buNone/>
+              <a:defRPr/>
+            </a:lvl9pPr>
+          </a:lstStyle>
+          <a:p>
+            <a:endParaRPr/>
+          </a:p>
+        </p:txBody>
+      </p:sp>
+      <p:sp>
+        <p:nvSpPr>
+          <p:cNvPr id="99" name="Google Shape;99;p39"/>
+          <p:cNvSpPr txBox="1">
+            <a:spLocks noGrp="1"/>
+          </p:cNvSpPr>
+          <p:nvPr>
+            <p:ph type="body" idx="2"/>
+          </p:nvPr>
+        </p:nvSpPr>
+        <p:spPr>
+          <a:xfrm>
+            <a:off x="6231960" y="1604520"/>
+            <a:ext cx="5354280" cy="1896840"/>
+          </a:xfrm>
+          <a:prstGeom prst="rect">
+            <a:avLst/>
+          </a:prstGeom>
+          <a:noFill/>
+          <a:ln>
+            <a:noFill/>
+          </a:ln>
+        </p:spPr>
+        <p:txBody>
+          <a:bodyPr spcFirstLastPara="1" wrap="square" lIns="0" tIns="0" rIns="0" bIns="0" anchor="t" anchorCtr="0">
+            <a:normAutofit/>
+          </a:bodyPr>
+          <a:lstStyle>
+            <a:lvl1pPr marL="457200" lvl="0" indent="-228600" algn="l">
+              <a:lnSpc>
+                <a:spcPct val="100000"/>
+              </a:lnSpc>
+              <a:spcBef>
+                <a:spcPts val="0"/>
+              </a:spcBef>
+              <a:spcAft>
+                <a:spcPts val="0"/>
+              </a:spcAft>
+              <a:buSzPts val="1400"/>
+              <a:buNone/>
+              <a:defRPr/>
+            </a:lvl1pPr>
+            <a:lvl2pPr marL="914400" lvl="1" indent="-228600" algn="l">
+              <a:lnSpc>
+                <a:spcPct val="100000"/>
+              </a:lnSpc>
+              <a:spcBef>
+                <a:spcPts val="0"/>
+              </a:spcBef>
+              <a:spcAft>
+                <a:spcPts val="0"/>
+              </a:spcAft>
+              <a:buSzPts val="1400"/>
+              <a:buNone/>
+              <a:defRPr/>
+            </a:lvl2pPr>
+            <a:lvl3pPr marL="1371600" lvl="2" indent="-228600" algn="l">
+              <a:lnSpc>
+                <a:spcPct val="100000"/>
+              </a:lnSpc>
+              <a:spcBef>
+                <a:spcPts val="0"/>
+              </a:spcBef>
+              <a:spcAft>
+                <a:spcPts val="0"/>
+              </a:spcAft>
+              <a:buSzPts val="1400"/>
+              <a:buNone/>
+              <a:defRPr/>
+            </a:lvl3pPr>
+            <a:lvl4pPr marL="1828800" lvl="3" indent="-228600" algn="l">
+              <a:lnSpc>
+                <a:spcPct val="100000"/>
+              </a:lnSpc>
+              <a:spcBef>
+                <a:spcPts val="0"/>
+              </a:spcBef>
+              <a:spcAft>
+                <a:spcPts val="0"/>
+              </a:spcAft>
+              <a:buSzPts val="1400"/>
+              <a:buNone/>
+              <a:defRPr/>
+            </a:lvl4pPr>
+            <a:lvl5pPr marL="2286000" lvl="4" indent="-228600" algn="l">
+              <a:lnSpc>
+                <a:spcPct val="100000"/>
+              </a:lnSpc>
+              <a:spcBef>
+                <a:spcPts val="0"/>
+              </a:spcBef>
+              <a:spcAft>
+                <a:spcPts val="0"/>
+              </a:spcAft>
+              <a:buSzPts val="1400"/>
+              <a:buNone/>
+              <a:defRPr/>
+            </a:lvl5pPr>
+            <a:lvl6pPr marL="2743200" lvl="5" indent="-228600" algn="l">
+              <a:lnSpc>
+                <a:spcPct val="100000"/>
+              </a:lnSpc>
+              <a:spcBef>
+                <a:spcPts val="0"/>
+              </a:spcBef>
+              <a:spcAft>
+                <a:spcPts val="0"/>
+              </a:spcAft>
+              <a:buSzPts val="1400"/>
+              <a:buNone/>
+              <a:defRPr/>
+            </a:lvl6pPr>
+            <a:lvl7pPr marL="3200400" lvl="6" indent="-228600" algn="l">
+              <a:lnSpc>
+                <a:spcPct val="100000"/>
+              </a:lnSpc>
+              <a:spcBef>
+                <a:spcPts val="0"/>
+              </a:spcBef>
+              <a:spcAft>
+                <a:spcPts val="0"/>
+              </a:spcAft>
+              <a:buSzPts val="1400"/>
+              <a:buNone/>
+              <a:defRPr/>
+            </a:lvl7pPr>
+            <a:lvl8pPr marL="3657600" lvl="7" indent="-228600" algn="l">
+              <a:lnSpc>
+                <a:spcPct val="100000"/>
+              </a:lnSpc>
+              <a:spcBef>
+                <a:spcPts val="0"/>
+              </a:spcBef>
+              <a:spcAft>
+                <a:spcPts val="0"/>
+              </a:spcAft>
+              <a:buSzPts val="1400"/>
+              <a:buNone/>
+              <a:defRPr/>
+            </a:lvl8pPr>
+            <a:lvl9pPr marL="4114800" lvl="8" indent="-228600" algn="l">
+              <a:lnSpc>
+                <a:spcPct val="100000"/>
+              </a:lnSpc>
+              <a:spcBef>
+                <a:spcPts val="0"/>
+              </a:spcBef>
+              <a:spcAft>
+                <a:spcPts val="0"/>
+              </a:spcAft>
+              <a:buSzPts val="1400"/>
+              <a:buNone/>
+              <a:defRPr/>
+            </a:lvl9pPr>
+          </a:lstStyle>
+          <a:p>
+            <a:endParaRPr/>
+          </a:p>
+        </p:txBody>
+      </p:sp>
+      <p:sp>
+        <p:nvSpPr>
+          <p:cNvPr id="100" name="Google Shape;100;p39"/>
+          <p:cNvSpPr txBox="1">
+            <a:spLocks noGrp="1"/>
+          </p:cNvSpPr>
+          <p:nvPr>
+            <p:ph type="body" idx="3"/>
+          </p:nvPr>
+        </p:nvSpPr>
+        <p:spPr>
+          <a:xfrm>
+            <a:off x="609480" y="3682080"/>
+            <a:ext cx="5354280" cy="1896840"/>
+          </a:xfrm>
+          <a:prstGeom prst="rect">
+            <a:avLst/>
+          </a:prstGeom>
+          <a:noFill/>
+          <a:ln>
+            <a:noFill/>
+          </a:ln>
+        </p:spPr>
+        <p:txBody>
+          <a:bodyPr spcFirstLastPara="1" wrap="square" lIns="0" tIns="0" rIns="0" bIns="0" anchor="t" anchorCtr="0">
+            <a:normAutofit/>
+          </a:bodyPr>
+          <a:lstStyle>
+            <a:lvl1pPr marL="457200" lvl="0" indent="-228600" algn="l">
+              <a:lnSpc>
+                <a:spcPct val="100000"/>
+              </a:lnSpc>
+              <a:spcBef>
+                <a:spcPts val="0"/>
+              </a:spcBef>
+              <a:spcAft>
+                <a:spcPts val="0"/>
+              </a:spcAft>
+              <a:buSzPts val="1400"/>
+              <a:buNone/>
+              <a:defRPr/>
+            </a:lvl1pPr>
+            <a:lvl2pPr marL="914400" lvl="1" indent="-228600" algn="l">
+              <a:lnSpc>
+                <a:spcPct val="100000"/>
+              </a:lnSpc>
+              <a:spcBef>
+                <a:spcPts val="0"/>
+              </a:spcBef>
+              <a:spcAft>
+                <a:spcPts val="0"/>
+              </a:spcAft>
+              <a:buSzPts val="1400"/>
+              <a:buNone/>
+              <a:defRPr/>
+            </a:lvl2pPr>
+            <a:lvl3pPr marL="1371600" lvl="2" indent="-228600" algn="l">
+              <a:lnSpc>
+                <a:spcPct val="100000"/>
+              </a:lnSpc>
+              <a:spcBef>
+                <a:spcPts val="0"/>
+              </a:spcBef>
+              <a:spcAft>
+                <a:spcPts val="0"/>
+              </a:spcAft>
+              <a:buSzPts val="1400"/>
+              <a:buNone/>
+              <a:defRPr/>
+            </a:lvl3pPr>
+            <a:lvl4pPr marL="1828800" lvl="3" indent="-228600" algn="l">
+              <a:lnSpc>
+                <a:spcPct val="100000"/>
+              </a:lnSpc>
+              <a:spcBef>
+                <a:spcPts val="0"/>
+              </a:spcBef>
+              <a:spcAft>
+                <a:spcPts val="0"/>
+              </a:spcAft>
+              <a:buSzPts val="1400"/>
+              <a:buNone/>
+              <a:defRPr/>
+            </a:lvl4pPr>
+            <a:lvl5pPr marL="2286000" lvl="4" indent="-228600" algn="l">
+              <a:lnSpc>
+                <a:spcPct val="100000"/>
+              </a:lnSpc>
+              <a:spcBef>
+                <a:spcPts val="0"/>
+              </a:spcBef>
+              <a:spcAft>
+                <a:spcPts val="0"/>
+              </a:spcAft>
+              <a:buSzPts val="1400"/>
+              <a:buNone/>
+              <a:defRPr/>
+            </a:lvl5pPr>
+            <a:lvl6pPr marL="2743200" lvl="5" indent="-228600" algn="l">
+              <a:lnSpc>
+                <a:spcPct val="100000"/>
+              </a:lnSpc>
+              <a:spcBef>
+                <a:spcPts val="0"/>
+              </a:spcBef>
+              <a:spcAft>
+                <a:spcPts val="0"/>
+              </a:spcAft>
+              <a:buSzPts val="1400"/>
+              <a:buNone/>
+              <a:defRPr/>
+            </a:lvl6pPr>
+            <a:lvl7pPr marL="3200400" lvl="6" indent="-228600" algn="l">
+              <a:lnSpc>
+                <a:spcPct val="100000"/>
+              </a:lnSpc>
+              <a:spcBef>
+                <a:spcPts val="0"/>
+              </a:spcBef>
+              <a:spcAft>
+                <a:spcPts val="0"/>
+              </a:spcAft>
+              <a:buSzPts val="1400"/>
+              <a:buNone/>
+              <a:defRPr/>
+            </a:lvl7pPr>
+            <a:lvl8pPr marL="3657600" lvl="7" indent="-228600" algn="l">
+              <a:lnSpc>
+                <a:spcPct val="100000"/>
+              </a:lnSpc>
+              <a:spcBef>
+                <a:spcPts val="0"/>
+              </a:spcBef>
+              <a:spcAft>
+                <a:spcPts val="0"/>
+              </a:spcAft>
+              <a:buSzPts val="1400"/>
+              <a:buNone/>
+              <a:defRPr/>
+            </a:lvl8pPr>
+            <a:lvl9pPr marL="4114800" lvl="8" indent="-228600" algn="l">
+              <a:lnSpc>
+                <a:spcPct val="100000"/>
+              </a:lnSpc>
+              <a:spcBef>
+                <a:spcPts val="0"/>
+              </a:spcBef>
+              <a:spcAft>
+                <a:spcPts val="0"/>
+              </a:spcAft>
+              <a:buSzPts val="1400"/>
+              <a:buNone/>
+              <a:defRPr/>
+            </a:lvl9pPr>
+          </a:lstStyle>
+          <a:p>
+            <a:endParaRPr/>
+          </a:p>
+        </p:txBody>
+      </p:sp>
+      <p:sp>
+        <p:nvSpPr>
+          <p:cNvPr id="101" name="Google Shape;101;p39"/>
+          <p:cNvSpPr txBox="1">
+            <a:spLocks noGrp="1"/>
+          </p:cNvSpPr>
+          <p:nvPr>
+            <p:ph type="body" idx="4"/>
+          </p:nvPr>
+        </p:nvSpPr>
+        <p:spPr>
+          <a:xfrm>
+            <a:off x="6231960" y="3682080"/>
+            <a:ext cx="5354280" cy="1896840"/>
           </a:xfrm>
           <a:prstGeom prst="rect">
             <a:avLst/>
@@ -8095,831 +8991,6 @@
 </file>
 
 <file path=ppt/slideLayouts/slideLayout20.xml><?xml version="1.0" encoding="utf-8"?>
-<p:sldLayout xmlns:a="http://schemas.openxmlformats.org/drawingml/2006/main" xmlns:r="http://schemas.openxmlformats.org/officeDocument/2006/relationships" xmlns:p="http://schemas.openxmlformats.org/presentationml/2006/main" matchingName="Title, 4 Content" type="fourObj">
-  <p:cSld name="FOUR_OBJECTS">
-    <p:spTree>
-      <p:nvGrpSpPr>
-        <p:cNvPr id="1" name="Shape 96"/>
-        <p:cNvGrpSpPr/>
-        <p:nvPr/>
-      </p:nvGrpSpPr>
-      <p:grpSpPr>
-        <a:xfrm>
-          <a:off x="0" y="0"/>
-          <a:ext cx="0" cy="0"/>
-          <a:chOff x="0" y="0"/>
-          <a:chExt cx="0" cy="0"/>
-        </a:xfrm>
-      </p:grpSpPr>
-      <p:sp>
-        <p:nvSpPr>
-          <p:cNvPr id="97" name="Google Shape;97;p39"/>
-          <p:cNvSpPr txBox="1">
-            <a:spLocks noGrp="1"/>
-          </p:cNvSpPr>
-          <p:nvPr>
-            <p:ph type="title"/>
-          </p:nvPr>
-        </p:nvSpPr>
-        <p:spPr>
-          <a:xfrm>
-            <a:off x="1523880" y="1122480"/>
-            <a:ext cx="9143640" cy="2387160"/>
-          </a:xfrm>
-          <a:prstGeom prst="rect">
-            <a:avLst/>
-          </a:prstGeom>
-          <a:noFill/>
-          <a:ln>
-            <a:noFill/>
-          </a:ln>
-        </p:spPr>
-        <p:txBody>
-          <a:bodyPr spcFirstLastPara="1" wrap="square" lIns="0" tIns="0" rIns="0" bIns="0" anchor="ctr" anchorCtr="0">
-            <a:noAutofit/>
-          </a:bodyPr>
-          <a:lstStyle>
-            <a:lvl1pPr lvl="0" algn="l">
-              <a:lnSpc>
-                <a:spcPct val="100000"/>
-              </a:lnSpc>
-              <a:spcBef>
-                <a:spcPts val="0"/>
-              </a:spcBef>
-              <a:spcAft>
-                <a:spcPts val="0"/>
-              </a:spcAft>
-              <a:buSzPts val="1400"/>
-              <a:buNone/>
-              <a:defRPr/>
-            </a:lvl1pPr>
-            <a:lvl2pPr lvl="1" algn="l">
-              <a:lnSpc>
-                <a:spcPct val="100000"/>
-              </a:lnSpc>
-              <a:spcBef>
-                <a:spcPts val="0"/>
-              </a:spcBef>
-              <a:spcAft>
-                <a:spcPts val="0"/>
-              </a:spcAft>
-              <a:buSzPts val="1400"/>
-              <a:buNone/>
-              <a:defRPr/>
-            </a:lvl2pPr>
-            <a:lvl3pPr lvl="2" algn="l">
-              <a:lnSpc>
-                <a:spcPct val="100000"/>
-              </a:lnSpc>
-              <a:spcBef>
-                <a:spcPts val="0"/>
-              </a:spcBef>
-              <a:spcAft>
-                <a:spcPts val="0"/>
-              </a:spcAft>
-              <a:buSzPts val="1400"/>
-              <a:buNone/>
-              <a:defRPr/>
-            </a:lvl3pPr>
-            <a:lvl4pPr lvl="3" algn="l">
-              <a:lnSpc>
-                <a:spcPct val="100000"/>
-              </a:lnSpc>
-              <a:spcBef>
-                <a:spcPts val="0"/>
-              </a:spcBef>
-              <a:spcAft>
-                <a:spcPts val="0"/>
-              </a:spcAft>
-              <a:buSzPts val="1400"/>
-              <a:buNone/>
-              <a:defRPr/>
-            </a:lvl4pPr>
-            <a:lvl5pPr lvl="4" algn="l">
-              <a:lnSpc>
-                <a:spcPct val="100000"/>
-              </a:lnSpc>
-              <a:spcBef>
-                <a:spcPts val="0"/>
-              </a:spcBef>
-              <a:spcAft>
-                <a:spcPts val="0"/>
-              </a:spcAft>
-              <a:buSzPts val="1400"/>
-              <a:buNone/>
-              <a:defRPr/>
-            </a:lvl5pPr>
-            <a:lvl6pPr lvl="5" algn="l">
-              <a:lnSpc>
-                <a:spcPct val="100000"/>
-              </a:lnSpc>
-              <a:spcBef>
-                <a:spcPts val="0"/>
-              </a:spcBef>
-              <a:spcAft>
-                <a:spcPts val="0"/>
-              </a:spcAft>
-              <a:buSzPts val="1400"/>
-              <a:buNone/>
-              <a:defRPr/>
-            </a:lvl6pPr>
-            <a:lvl7pPr lvl="6" algn="l">
-              <a:lnSpc>
-                <a:spcPct val="100000"/>
-              </a:lnSpc>
-              <a:spcBef>
-                <a:spcPts val="0"/>
-              </a:spcBef>
-              <a:spcAft>
-                <a:spcPts val="0"/>
-              </a:spcAft>
-              <a:buSzPts val="1400"/>
-              <a:buNone/>
-              <a:defRPr/>
-            </a:lvl7pPr>
-            <a:lvl8pPr lvl="7" algn="l">
-              <a:lnSpc>
-                <a:spcPct val="100000"/>
-              </a:lnSpc>
-              <a:spcBef>
-                <a:spcPts val="0"/>
-              </a:spcBef>
-              <a:spcAft>
-                <a:spcPts val="0"/>
-              </a:spcAft>
-              <a:buSzPts val="1400"/>
-              <a:buNone/>
-              <a:defRPr/>
-            </a:lvl8pPr>
-            <a:lvl9pPr lvl="8" algn="l">
-              <a:lnSpc>
-                <a:spcPct val="100000"/>
-              </a:lnSpc>
-              <a:spcBef>
-                <a:spcPts val="0"/>
-              </a:spcBef>
-              <a:spcAft>
-                <a:spcPts val="0"/>
-              </a:spcAft>
-              <a:buSzPts val="1400"/>
-              <a:buNone/>
-              <a:defRPr/>
-            </a:lvl9pPr>
-          </a:lstStyle>
-          <a:p>
-            <a:endParaRPr/>
-          </a:p>
-        </p:txBody>
-      </p:sp>
-      <p:sp>
-        <p:nvSpPr>
-          <p:cNvPr id="98" name="Google Shape;98;p39"/>
-          <p:cNvSpPr txBox="1">
-            <a:spLocks noGrp="1"/>
-          </p:cNvSpPr>
-          <p:nvPr>
-            <p:ph type="body" idx="1"/>
-          </p:nvPr>
-        </p:nvSpPr>
-        <p:spPr>
-          <a:xfrm>
-            <a:off x="609480" y="1604520"/>
-            <a:ext cx="5354280" cy="1896840"/>
-          </a:xfrm>
-          <a:prstGeom prst="rect">
-            <a:avLst/>
-          </a:prstGeom>
-          <a:noFill/>
-          <a:ln>
-            <a:noFill/>
-          </a:ln>
-        </p:spPr>
-        <p:txBody>
-          <a:bodyPr spcFirstLastPara="1" wrap="square" lIns="0" tIns="0" rIns="0" bIns="0" anchor="t" anchorCtr="0">
-            <a:normAutofit/>
-          </a:bodyPr>
-          <a:lstStyle>
-            <a:lvl1pPr marL="457200" lvl="0" indent="-228600" algn="l">
-              <a:lnSpc>
-                <a:spcPct val="100000"/>
-              </a:lnSpc>
-              <a:spcBef>
-                <a:spcPts val="0"/>
-              </a:spcBef>
-              <a:spcAft>
-                <a:spcPts val="0"/>
-              </a:spcAft>
-              <a:buSzPts val="1400"/>
-              <a:buNone/>
-              <a:defRPr/>
-            </a:lvl1pPr>
-            <a:lvl2pPr marL="914400" lvl="1" indent="-228600" algn="l">
-              <a:lnSpc>
-                <a:spcPct val="100000"/>
-              </a:lnSpc>
-              <a:spcBef>
-                <a:spcPts val="0"/>
-              </a:spcBef>
-              <a:spcAft>
-                <a:spcPts val="0"/>
-              </a:spcAft>
-              <a:buSzPts val="1400"/>
-              <a:buNone/>
-              <a:defRPr/>
-            </a:lvl2pPr>
-            <a:lvl3pPr marL="1371600" lvl="2" indent="-228600" algn="l">
-              <a:lnSpc>
-                <a:spcPct val="100000"/>
-              </a:lnSpc>
-              <a:spcBef>
-                <a:spcPts val="0"/>
-              </a:spcBef>
-              <a:spcAft>
-                <a:spcPts val="0"/>
-              </a:spcAft>
-              <a:buSzPts val="1400"/>
-              <a:buNone/>
-              <a:defRPr/>
-            </a:lvl3pPr>
-            <a:lvl4pPr marL="1828800" lvl="3" indent="-228600" algn="l">
-              <a:lnSpc>
-                <a:spcPct val="100000"/>
-              </a:lnSpc>
-              <a:spcBef>
-                <a:spcPts val="0"/>
-              </a:spcBef>
-              <a:spcAft>
-                <a:spcPts val="0"/>
-              </a:spcAft>
-              <a:buSzPts val="1400"/>
-              <a:buNone/>
-              <a:defRPr/>
-            </a:lvl4pPr>
-            <a:lvl5pPr marL="2286000" lvl="4" indent="-228600" algn="l">
-              <a:lnSpc>
-                <a:spcPct val="100000"/>
-              </a:lnSpc>
-              <a:spcBef>
-                <a:spcPts val="0"/>
-              </a:spcBef>
-              <a:spcAft>
-                <a:spcPts val="0"/>
-              </a:spcAft>
-              <a:buSzPts val="1400"/>
-              <a:buNone/>
-              <a:defRPr/>
-            </a:lvl5pPr>
-            <a:lvl6pPr marL="2743200" lvl="5" indent="-228600" algn="l">
-              <a:lnSpc>
-                <a:spcPct val="100000"/>
-              </a:lnSpc>
-              <a:spcBef>
-                <a:spcPts val="0"/>
-              </a:spcBef>
-              <a:spcAft>
-                <a:spcPts val="0"/>
-              </a:spcAft>
-              <a:buSzPts val="1400"/>
-              <a:buNone/>
-              <a:defRPr/>
-            </a:lvl6pPr>
-            <a:lvl7pPr marL="3200400" lvl="6" indent="-228600" algn="l">
-              <a:lnSpc>
-                <a:spcPct val="100000"/>
-              </a:lnSpc>
-              <a:spcBef>
-                <a:spcPts val="0"/>
-              </a:spcBef>
-              <a:spcAft>
-                <a:spcPts val="0"/>
-              </a:spcAft>
-              <a:buSzPts val="1400"/>
-              <a:buNone/>
-              <a:defRPr/>
-            </a:lvl7pPr>
-            <a:lvl8pPr marL="3657600" lvl="7" indent="-228600" algn="l">
-              <a:lnSpc>
-                <a:spcPct val="100000"/>
-              </a:lnSpc>
-              <a:spcBef>
-                <a:spcPts val="0"/>
-              </a:spcBef>
-              <a:spcAft>
-                <a:spcPts val="0"/>
-              </a:spcAft>
-              <a:buSzPts val="1400"/>
-              <a:buNone/>
-              <a:defRPr/>
-            </a:lvl8pPr>
-            <a:lvl9pPr marL="4114800" lvl="8" indent="-228600" algn="l">
-              <a:lnSpc>
-                <a:spcPct val="100000"/>
-              </a:lnSpc>
-              <a:spcBef>
-                <a:spcPts val="0"/>
-              </a:spcBef>
-              <a:spcAft>
-                <a:spcPts val="0"/>
-              </a:spcAft>
-              <a:buSzPts val="1400"/>
-              <a:buNone/>
-              <a:defRPr/>
-            </a:lvl9pPr>
-          </a:lstStyle>
-          <a:p>
-            <a:endParaRPr/>
-          </a:p>
-        </p:txBody>
-      </p:sp>
-      <p:sp>
-        <p:nvSpPr>
-          <p:cNvPr id="99" name="Google Shape;99;p39"/>
-          <p:cNvSpPr txBox="1">
-            <a:spLocks noGrp="1"/>
-          </p:cNvSpPr>
-          <p:nvPr>
-            <p:ph type="body" idx="2"/>
-          </p:nvPr>
-        </p:nvSpPr>
-        <p:spPr>
-          <a:xfrm>
-            <a:off x="6231960" y="1604520"/>
-            <a:ext cx="5354280" cy="1896840"/>
-          </a:xfrm>
-          <a:prstGeom prst="rect">
-            <a:avLst/>
-          </a:prstGeom>
-          <a:noFill/>
-          <a:ln>
-            <a:noFill/>
-          </a:ln>
-        </p:spPr>
-        <p:txBody>
-          <a:bodyPr spcFirstLastPara="1" wrap="square" lIns="0" tIns="0" rIns="0" bIns="0" anchor="t" anchorCtr="0">
-            <a:normAutofit/>
-          </a:bodyPr>
-          <a:lstStyle>
-            <a:lvl1pPr marL="457200" lvl="0" indent="-228600" algn="l">
-              <a:lnSpc>
-                <a:spcPct val="100000"/>
-              </a:lnSpc>
-              <a:spcBef>
-                <a:spcPts val="0"/>
-              </a:spcBef>
-              <a:spcAft>
-                <a:spcPts val="0"/>
-              </a:spcAft>
-              <a:buSzPts val="1400"/>
-              <a:buNone/>
-              <a:defRPr/>
-            </a:lvl1pPr>
-            <a:lvl2pPr marL="914400" lvl="1" indent="-228600" algn="l">
-              <a:lnSpc>
-                <a:spcPct val="100000"/>
-              </a:lnSpc>
-              <a:spcBef>
-                <a:spcPts val="0"/>
-              </a:spcBef>
-              <a:spcAft>
-                <a:spcPts val="0"/>
-              </a:spcAft>
-              <a:buSzPts val="1400"/>
-              <a:buNone/>
-              <a:defRPr/>
-            </a:lvl2pPr>
-            <a:lvl3pPr marL="1371600" lvl="2" indent="-228600" algn="l">
-              <a:lnSpc>
-                <a:spcPct val="100000"/>
-              </a:lnSpc>
-              <a:spcBef>
-                <a:spcPts val="0"/>
-              </a:spcBef>
-              <a:spcAft>
-                <a:spcPts val="0"/>
-              </a:spcAft>
-              <a:buSzPts val="1400"/>
-              <a:buNone/>
-              <a:defRPr/>
-            </a:lvl3pPr>
-            <a:lvl4pPr marL="1828800" lvl="3" indent="-228600" algn="l">
-              <a:lnSpc>
-                <a:spcPct val="100000"/>
-              </a:lnSpc>
-              <a:spcBef>
-                <a:spcPts val="0"/>
-              </a:spcBef>
-              <a:spcAft>
-                <a:spcPts val="0"/>
-              </a:spcAft>
-              <a:buSzPts val="1400"/>
-              <a:buNone/>
-              <a:defRPr/>
-            </a:lvl4pPr>
-            <a:lvl5pPr marL="2286000" lvl="4" indent="-228600" algn="l">
-              <a:lnSpc>
-                <a:spcPct val="100000"/>
-              </a:lnSpc>
-              <a:spcBef>
-                <a:spcPts val="0"/>
-              </a:spcBef>
-              <a:spcAft>
-                <a:spcPts val="0"/>
-              </a:spcAft>
-              <a:buSzPts val="1400"/>
-              <a:buNone/>
-              <a:defRPr/>
-            </a:lvl5pPr>
-            <a:lvl6pPr marL="2743200" lvl="5" indent="-228600" algn="l">
-              <a:lnSpc>
-                <a:spcPct val="100000"/>
-              </a:lnSpc>
-              <a:spcBef>
-                <a:spcPts val="0"/>
-              </a:spcBef>
-              <a:spcAft>
-                <a:spcPts val="0"/>
-              </a:spcAft>
-              <a:buSzPts val="1400"/>
-              <a:buNone/>
-              <a:defRPr/>
-            </a:lvl6pPr>
-            <a:lvl7pPr marL="3200400" lvl="6" indent="-228600" algn="l">
-              <a:lnSpc>
-                <a:spcPct val="100000"/>
-              </a:lnSpc>
-              <a:spcBef>
-                <a:spcPts val="0"/>
-              </a:spcBef>
-              <a:spcAft>
-                <a:spcPts val="0"/>
-              </a:spcAft>
-              <a:buSzPts val="1400"/>
-              <a:buNone/>
-              <a:defRPr/>
-            </a:lvl7pPr>
-            <a:lvl8pPr marL="3657600" lvl="7" indent="-228600" algn="l">
-              <a:lnSpc>
-                <a:spcPct val="100000"/>
-              </a:lnSpc>
-              <a:spcBef>
-                <a:spcPts val="0"/>
-              </a:spcBef>
-              <a:spcAft>
-                <a:spcPts val="0"/>
-              </a:spcAft>
-              <a:buSzPts val="1400"/>
-              <a:buNone/>
-              <a:defRPr/>
-            </a:lvl8pPr>
-            <a:lvl9pPr marL="4114800" lvl="8" indent="-228600" algn="l">
-              <a:lnSpc>
-                <a:spcPct val="100000"/>
-              </a:lnSpc>
-              <a:spcBef>
-                <a:spcPts val="0"/>
-              </a:spcBef>
-              <a:spcAft>
-                <a:spcPts val="0"/>
-              </a:spcAft>
-              <a:buSzPts val="1400"/>
-              <a:buNone/>
-              <a:defRPr/>
-            </a:lvl9pPr>
-          </a:lstStyle>
-          <a:p>
-            <a:endParaRPr/>
-          </a:p>
-        </p:txBody>
-      </p:sp>
-      <p:sp>
-        <p:nvSpPr>
-          <p:cNvPr id="100" name="Google Shape;100;p39"/>
-          <p:cNvSpPr txBox="1">
-            <a:spLocks noGrp="1"/>
-          </p:cNvSpPr>
-          <p:nvPr>
-            <p:ph type="body" idx="3"/>
-          </p:nvPr>
-        </p:nvSpPr>
-        <p:spPr>
-          <a:xfrm>
-            <a:off x="609480" y="3682080"/>
-            <a:ext cx="5354280" cy="1896840"/>
-          </a:xfrm>
-          <a:prstGeom prst="rect">
-            <a:avLst/>
-          </a:prstGeom>
-          <a:noFill/>
-          <a:ln>
-            <a:noFill/>
-          </a:ln>
-        </p:spPr>
-        <p:txBody>
-          <a:bodyPr spcFirstLastPara="1" wrap="square" lIns="0" tIns="0" rIns="0" bIns="0" anchor="t" anchorCtr="0">
-            <a:normAutofit/>
-          </a:bodyPr>
-          <a:lstStyle>
-            <a:lvl1pPr marL="457200" lvl="0" indent="-228600" algn="l">
-              <a:lnSpc>
-                <a:spcPct val="100000"/>
-              </a:lnSpc>
-              <a:spcBef>
-                <a:spcPts val="0"/>
-              </a:spcBef>
-              <a:spcAft>
-                <a:spcPts val="0"/>
-              </a:spcAft>
-              <a:buSzPts val="1400"/>
-              <a:buNone/>
-              <a:defRPr/>
-            </a:lvl1pPr>
-            <a:lvl2pPr marL="914400" lvl="1" indent="-228600" algn="l">
-              <a:lnSpc>
-                <a:spcPct val="100000"/>
-              </a:lnSpc>
-              <a:spcBef>
-                <a:spcPts val="0"/>
-              </a:spcBef>
-              <a:spcAft>
-                <a:spcPts val="0"/>
-              </a:spcAft>
-              <a:buSzPts val="1400"/>
-              <a:buNone/>
-              <a:defRPr/>
-            </a:lvl2pPr>
-            <a:lvl3pPr marL="1371600" lvl="2" indent="-228600" algn="l">
-              <a:lnSpc>
-                <a:spcPct val="100000"/>
-              </a:lnSpc>
-              <a:spcBef>
-                <a:spcPts val="0"/>
-              </a:spcBef>
-              <a:spcAft>
-                <a:spcPts val="0"/>
-              </a:spcAft>
-              <a:buSzPts val="1400"/>
-              <a:buNone/>
-              <a:defRPr/>
-            </a:lvl3pPr>
-            <a:lvl4pPr marL="1828800" lvl="3" indent="-228600" algn="l">
-              <a:lnSpc>
-                <a:spcPct val="100000"/>
-              </a:lnSpc>
-              <a:spcBef>
-                <a:spcPts val="0"/>
-              </a:spcBef>
-              <a:spcAft>
-                <a:spcPts val="0"/>
-              </a:spcAft>
-              <a:buSzPts val="1400"/>
-              <a:buNone/>
-              <a:defRPr/>
-            </a:lvl4pPr>
-            <a:lvl5pPr marL="2286000" lvl="4" indent="-228600" algn="l">
-              <a:lnSpc>
-                <a:spcPct val="100000"/>
-              </a:lnSpc>
-              <a:spcBef>
-                <a:spcPts val="0"/>
-              </a:spcBef>
-              <a:spcAft>
-                <a:spcPts val="0"/>
-              </a:spcAft>
-              <a:buSzPts val="1400"/>
-              <a:buNone/>
-              <a:defRPr/>
-            </a:lvl5pPr>
-            <a:lvl6pPr marL="2743200" lvl="5" indent="-228600" algn="l">
-              <a:lnSpc>
-                <a:spcPct val="100000"/>
-              </a:lnSpc>
-              <a:spcBef>
-                <a:spcPts val="0"/>
-              </a:spcBef>
-              <a:spcAft>
-                <a:spcPts val="0"/>
-              </a:spcAft>
-              <a:buSzPts val="1400"/>
-              <a:buNone/>
-              <a:defRPr/>
-            </a:lvl6pPr>
-            <a:lvl7pPr marL="3200400" lvl="6" indent="-228600" algn="l">
-              <a:lnSpc>
-                <a:spcPct val="100000"/>
-              </a:lnSpc>
-              <a:spcBef>
-                <a:spcPts val="0"/>
-              </a:spcBef>
-              <a:spcAft>
-                <a:spcPts val="0"/>
-              </a:spcAft>
-              <a:buSzPts val="1400"/>
-              <a:buNone/>
-              <a:defRPr/>
-            </a:lvl7pPr>
-            <a:lvl8pPr marL="3657600" lvl="7" indent="-228600" algn="l">
-              <a:lnSpc>
-                <a:spcPct val="100000"/>
-              </a:lnSpc>
-              <a:spcBef>
-                <a:spcPts val="0"/>
-              </a:spcBef>
-              <a:spcAft>
-                <a:spcPts val="0"/>
-              </a:spcAft>
-              <a:buSzPts val="1400"/>
-              <a:buNone/>
-              <a:defRPr/>
-            </a:lvl8pPr>
-            <a:lvl9pPr marL="4114800" lvl="8" indent="-228600" algn="l">
-              <a:lnSpc>
-                <a:spcPct val="100000"/>
-              </a:lnSpc>
-              <a:spcBef>
-                <a:spcPts val="0"/>
-              </a:spcBef>
-              <a:spcAft>
-                <a:spcPts val="0"/>
-              </a:spcAft>
-              <a:buSzPts val="1400"/>
-              <a:buNone/>
-              <a:defRPr/>
-            </a:lvl9pPr>
-          </a:lstStyle>
-          <a:p>
-            <a:endParaRPr/>
-          </a:p>
-        </p:txBody>
-      </p:sp>
-      <p:sp>
-        <p:nvSpPr>
-          <p:cNvPr id="101" name="Google Shape;101;p39"/>
-          <p:cNvSpPr txBox="1">
-            <a:spLocks noGrp="1"/>
-          </p:cNvSpPr>
-          <p:nvPr>
-            <p:ph type="body" idx="4"/>
-          </p:nvPr>
-        </p:nvSpPr>
-        <p:spPr>
-          <a:xfrm>
-            <a:off x="6231960" y="3682080"/>
-            <a:ext cx="5354280" cy="1896840"/>
-          </a:xfrm>
-          <a:prstGeom prst="rect">
-            <a:avLst/>
-          </a:prstGeom>
-          <a:noFill/>
-          <a:ln>
-            <a:noFill/>
-          </a:ln>
-        </p:spPr>
-        <p:txBody>
-          <a:bodyPr spcFirstLastPara="1" wrap="square" lIns="0" tIns="0" rIns="0" bIns="0" anchor="t" anchorCtr="0">
-            <a:normAutofit/>
-          </a:bodyPr>
-          <a:lstStyle>
-            <a:lvl1pPr marL="457200" lvl="0" indent="-228600" algn="l">
-              <a:lnSpc>
-                <a:spcPct val="100000"/>
-              </a:lnSpc>
-              <a:spcBef>
-                <a:spcPts val="0"/>
-              </a:spcBef>
-              <a:spcAft>
-                <a:spcPts val="0"/>
-              </a:spcAft>
-              <a:buSzPts val="1400"/>
-              <a:buNone/>
-              <a:defRPr/>
-            </a:lvl1pPr>
-            <a:lvl2pPr marL="914400" lvl="1" indent="-228600" algn="l">
-              <a:lnSpc>
-                <a:spcPct val="100000"/>
-              </a:lnSpc>
-              <a:spcBef>
-                <a:spcPts val="0"/>
-              </a:spcBef>
-              <a:spcAft>
-                <a:spcPts val="0"/>
-              </a:spcAft>
-              <a:buSzPts val="1400"/>
-              <a:buNone/>
-              <a:defRPr/>
-            </a:lvl2pPr>
-            <a:lvl3pPr marL="1371600" lvl="2" indent="-228600" algn="l">
-              <a:lnSpc>
-                <a:spcPct val="100000"/>
-              </a:lnSpc>
-              <a:spcBef>
-                <a:spcPts val="0"/>
-              </a:spcBef>
-              <a:spcAft>
-                <a:spcPts val="0"/>
-              </a:spcAft>
-              <a:buSzPts val="1400"/>
-              <a:buNone/>
-              <a:defRPr/>
-            </a:lvl3pPr>
-            <a:lvl4pPr marL="1828800" lvl="3" indent="-228600" algn="l">
-              <a:lnSpc>
-                <a:spcPct val="100000"/>
-              </a:lnSpc>
-              <a:spcBef>
-                <a:spcPts val="0"/>
-              </a:spcBef>
-              <a:spcAft>
-                <a:spcPts val="0"/>
-              </a:spcAft>
-              <a:buSzPts val="1400"/>
-              <a:buNone/>
-              <a:defRPr/>
-            </a:lvl4pPr>
-            <a:lvl5pPr marL="2286000" lvl="4" indent="-228600" algn="l">
-              <a:lnSpc>
-                <a:spcPct val="100000"/>
-              </a:lnSpc>
-              <a:spcBef>
-                <a:spcPts val="0"/>
-              </a:spcBef>
-              <a:spcAft>
-                <a:spcPts val="0"/>
-              </a:spcAft>
-              <a:buSzPts val="1400"/>
-              <a:buNone/>
-              <a:defRPr/>
-            </a:lvl5pPr>
-            <a:lvl6pPr marL="2743200" lvl="5" indent="-228600" algn="l">
-              <a:lnSpc>
-                <a:spcPct val="100000"/>
-              </a:lnSpc>
-              <a:spcBef>
-                <a:spcPts val="0"/>
-              </a:spcBef>
-              <a:spcAft>
-                <a:spcPts val="0"/>
-              </a:spcAft>
-              <a:buSzPts val="1400"/>
-              <a:buNone/>
-              <a:defRPr/>
-            </a:lvl6pPr>
-            <a:lvl7pPr marL="3200400" lvl="6" indent="-228600" algn="l">
-              <a:lnSpc>
-                <a:spcPct val="100000"/>
-              </a:lnSpc>
-              <a:spcBef>
-                <a:spcPts val="0"/>
-              </a:spcBef>
-              <a:spcAft>
-                <a:spcPts val="0"/>
-              </a:spcAft>
-              <a:buSzPts val="1400"/>
-              <a:buNone/>
-              <a:defRPr/>
-            </a:lvl7pPr>
-            <a:lvl8pPr marL="3657600" lvl="7" indent="-228600" algn="l">
-              <a:lnSpc>
-                <a:spcPct val="100000"/>
-              </a:lnSpc>
-              <a:spcBef>
-                <a:spcPts val="0"/>
-              </a:spcBef>
-              <a:spcAft>
-                <a:spcPts val="0"/>
-              </a:spcAft>
-              <a:buSzPts val="1400"/>
-              <a:buNone/>
-              <a:defRPr/>
-            </a:lvl8pPr>
-            <a:lvl9pPr marL="4114800" lvl="8" indent="-228600" algn="l">
-              <a:lnSpc>
-                <a:spcPct val="100000"/>
-              </a:lnSpc>
-              <a:spcBef>
-                <a:spcPts val="0"/>
-              </a:spcBef>
-              <a:spcAft>
-                <a:spcPts val="0"/>
-              </a:spcAft>
-              <a:buSzPts val="1400"/>
-              <a:buNone/>
-              <a:defRPr/>
-            </a:lvl9pPr>
-          </a:lstStyle>
-          <a:p>
-            <a:endParaRPr/>
-          </a:p>
-        </p:txBody>
-      </p:sp>
-    </p:spTree>
-  </p:cSld>
-  <p:clrMapOvr>
-    <a:masterClrMapping/>
-  </p:clrMapOvr>
-</p:sldLayout>
-</file>
-
-<file path=ppt/slideLayouts/slideLayout21.xml><?xml version="1.0" encoding="utf-8"?>
 <p:sldLayout xmlns:a="http://schemas.openxmlformats.org/drawingml/2006/main" xmlns:r="http://schemas.openxmlformats.org/officeDocument/2006/relationships" xmlns:p="http://schemas.openxmlformats.org/presentationml/2006/main" matchingName="Title, 6 Content">
   <p:cSld name="Title, 6 Content">
     <p:spTree>
@@ -15941,14 +16012,13 @@
   <p:clrMap bg1="lt1" tx1="dk1" bg2="dk2" tx2="lt2" accent1="accent1" accent2="accent2" accent3="accent3" accent4="accent4" accent5="accent5" accent6="accent6" hlink="hlink" folHlink="folHlink"/>
   <p:sldLayoutIdLst>
     <p:sldLayoutId id="2147483662" r:id="rId1"/>
-    <p:sldLayoutId id="2147483666" r:id="rId2"/>
-    <p:sldLayoutId id="2147483667" r:id="rId3"/>
-    <p:sldLayoutId id="2147483668" r:id="rId4"/>
-    <p:sldLayoutId id="2147483669" r:id="rId5"/>
-    <p:sldLayoutId id="2147483670" r:id="rId6"/>
-    <p:sldLayoutId id="2147483671" r:id="rId7"/>
-    <p:sldLayoutId id="2147483672" r:id="rId8"/>
-    <p:sldLayoutId id="2147483673" r:id="rId9"/>
+    <p:sldLayoutId id="2147483667" r:id="rId2"/>
+    <p:sldLayoutId id="2147483668" r:id="rId3"/>
+    <p:sldLayoutId id="2147483669" r:id="rId4"/>
+    <p:sldLayoutId id="2147483670" r:id="rId5"/>
+    <p:sldLayoutId id="2147483671" r:id="rId6"/>
+    <p:sldLayoutId id="2147483672" r:id="rId7"/>
+    <p:sldLayoutId id="2147483673" r:id="rId8"/>
   </p:sldLayoutIdLst>
   <p:hf sldNum="0" hdr="0" ftr="0" dt="0"/>
   <p:txStyles>
@@ -16867,6 +16937,2376 @@
       </p:grpSpPr>
       <p:pic>
         <p:nvPicPr>
+          <p:cNvPr id="10" name="Google Shape;199;p2"/>
+          <p:cNvPicPr preferRelativeResize="0"/>
+          <p:nvPr/>
+        </p:nvPicPr>
+        <p:blipFill rotWithShape="1">
+          <a:blip r:embed="rId3">
+            <a:alphaModFix/>
+          </a:blip>
+          <a:srcRect/>
+          <a:stretch/>
+        </p:blipFill>
+        <p:spPr>
+          <a:xfrm>
+            <a:off x="0" y="1938"/>
+            <a:ext cx="12196080" cy="6855840"/>
+          </a:xfrm>
+          <a:prstGeom prst="rect">
+            <a:avLst/>
+          </a:prstGeom>
+          <a:noFill/>
+          <a:ln>
+            <a:noFill/>
+          </a:ln>
+        </p:spPr>
+      </p:pic>
+      <p:pic>
+        <p:nvPicPr>
+          <p:cNvPr id="216" name="Google Shape;216;p2"/>
+          <p:cNvPicPr preferRelativeResize="0"/>
+          <p:nvPr/>
+        </p:nvPicPr>
+        <p:blipFill rotWithShape="1">
+          <a:blip r:embed="rId4">
+            <a:alphaModFix/>
+          </a:blip>
+          <a:srcRect/>
+          <a:stretch/>
+        </p:blipFill>
+        <p:spPr>
+          <a:xfrm>
+            <a:off x="182880" y="6089760"/>
+            <a:ext cx="621000" cy="621000"/>
+          </a:xfrm>
+          <a:prstGeom prst="rect">
+            <a:avLst/>
+          </a:prstGeom>
+          <a:noFill/>
+          <a:ln>
+            <a:noFill/>
+          </a:ln>
+        </p:spPr>
+      </p:pic>
+      <p:sp>
+        <p:nvSpPr>
+          <p:cNvPr id="8" name="Google Shape;217;p2"/>
+          <p:cNvSpPr/>
+          <p:nvPr/>
+        </p:nvSpPr>
+        <p:spPr>
+          <a:xfrm>
+            <a:off x="815040" y="6160680"/>
+            <a:ext cx="6915240" cy="767987"/>
+          </a:xfrm>
+          <a:prstGeom prst="rect">
+            <a:avLst/>
+          </a:prstGeom>
+          <a:noFill/>
+          <a:ln>
+            <a:noFill/>
+          </a:ln>
+        </p:spPr>
+        <p:txBody>
+          <a:bodyPr spcFirstLastPara="1" wrap="square" lIns="90000" tIns="45000" rIns="90000" bIns="45000" anchor="t" anchorCtr="0">
+            <a:spAutoFit/>
+          </a:bodyPr>
+          <a:lstStyle/>
+          <a:p>
+            <a:pPr lvl="0">
+              <a:buSzPts val="2200"/>
+            </a:pPr>
+            <a:r>
+              <a:rPr lang="en-US" sz="2200" b="1" dirty="0">
+                <a:solidFill>
+                  <a:srgbClr val="001E33"/>
+                </a:solidFill>
+                <a:uFill>
+                  <a:noFill/>
+                </a:uFill>
+                <a:hlinkClick r:id="rId5"/>
+              </a:rPr>
+              <a:t>https://github.com/GianSz/ProyectoDatos</a:t>
+            </a:r>
+            <a:endParaRPr lang="en-US" sz="2200" b="1" dirty="0">
+              <a:solidFill>
+                <a:srgbClr val="001E33"/>
+              </a:solidFill>
+              <a:uFill>
+                <a:noFill/>
+              </a:uFill>
+            </a:endParaRPr>
+          </a:p>
+          <a:p>
+            <a:pPr lvl="0">
+              <a:buSzPts val="2200"/>
+            </a:pPr>
+            <a:endParaRPr sz="2200" b="1" i="0" u="none" strike="noStrike" cap="none" dirty="0">
+              <a:solidFill>
+                <a:srgbClr val="001E33"/>
+              </a:solidFill>
+              <a:latin typeface="Arial"/>
+              <a:ea typeface="Arial"/>
+              <a:cs typeface="Arial"/>
+              <a:sym typeface="Arial"/>
+            </a:endParaRPr>
+          </a:p>
+        </p:txBody>
+      </p:sp>
+      <p:sp>
+        <p:nvSpPr>
+          <p:cNvPr id="9" name="Google Shape;200;p2"/>
+          <p:cNvSpPr/>
+          <p:nvPr/>
+        </p:nvSpPr>
+        <p:spPr>
+          <a:xfrm>
+            <a:off x="493380" y="372456"/>
+            <a:ext cx="5442745" cy="429433"/>
+          </a:xfrm>
+          <a:prstGeom prst="rect">
+            <a:avLst/>
+          </a:prstGeom>
+          <a:noFill/>
+          <a:ln>
+            <a:noFill/>
+          </a:ln>
+        </p:spPr>
+        <p:txBody>
+          <a:bodyPr spcFirstLastPara="1" wrap="square" lIns="90000" tIns="45000" rIns="90000" bIns="45000" anchor="t" anchorCtr="0">
+            <a:spAutoFit/>
+          </a:bodyPr>
+          <a:lstStyle/>
+          <a:p>
+            <a:pPr marL="0" marR="0" lvl="0" indent="0" algn="l" rtl="0">
+              <a:lnSpc>
+                <a:spcPct val="100000"/>
+              </a:lnSpc>
+              <a:spcBef>
+                <a:spcPts val="0"/>
+              </a:spcBef>
+              <a:spcAft>
+                <a:spcPts val="0"/>
+              </a:spcAft>
+              <a:buClr>
+                <a:srgbClr val="000000"/>
+              </a:buClr>
+              <a:buSzPts val="2200"/>
+              <a:buFont typeface="Arial"/>
+              <a:buNone/>
+            </a:pPr>
+            <a:r>
+              <a:rPr lang="es-CO" sz="2200" b="1" dirty="0" smtClean="0">
+                <a:solidFill>
+                  <a:srgbClr val="FFFFFF"/>
+                </a:solidFill>
+              </a:rPr>
+              <a:t>Proceso de convolución</a:t>
+            </a:r>
+            <a:endParaRPr lang="es-CO" sz="2200" b="0" i="0" u="none" strike="noStrike" cap="none" dirty="0">
+              <a:solidFill>
+                <a:srgbClr val="000000"/>
+              </a:solidFill>
+              <a:latin typeface="Arial"/>
+              <a:ea typeface="Arial"/>
+              <a:cs typeface="Arial"/>
+              <a:sym typeface="Arial"/>
+            </a:endParaRPr>
+          </a:p>
+        </p:txBody>
+      </p:sp>
+      <p:sp>
+        <p:nvSpPr>
+          <p:cNvPr id="14" name="CuadroTexto 13"/>
+          <p:cNvSpPr txBox="1"/>
+          <p:nvPr/>
+        </p:nvSpPr>
+        <p:spPr>
+          <a:xfrm>
+            <a:off x="493379" y="1172407"/>
+            <a:ext cx="11379965" cy="954107"/>
+          </a:xfrm>
+          <a:prstGeom prst="rect">
+            <a:avLst/>
+          </a:prstGeom>
+          <a:noFill/>
+        </p:spPr>
+        <p:txBody>
+          <a:bodyPr wrap="square" rtlCol="0">
+            <a:spAutoFit/>
+          </a:bodyPr>
+          <a:lstStyle/>
+          <a:p>
+            <a:r>
+              <a:rPr lang="es-CO" dirty="0" smtClean="0"/>
+              <a:t>Se crea un núcleo, o kernel, el cual es una cuadricula del tamaño que se prefiera, 3x3 pixeles, por ejemplo. Este núcleo se sitúa encima del pixel que vamos a analizar, este se pone en la mitad de la cuadrícula. Cada casilla de este núcleo tiene un valor específico, el cual se va a multiplicar con el valor del pixel de la imagen. Estos resultados se suman y ese nuevo valor se guarda en la misma posición del pixel central en una nueva imagen. Dependiendo de los valores que tenga el núcleo se le van a dar efectos diferentes a las imágenes. </a:t>
+            </a:r>
+          </a:p>
+        </p:txBody>
+      </p:sp>
+      <p:grpSp>
+        <p:nvGrpSpPr>
+          <p:cNvPr id="6" name="Grupo 5"/>
+          <p:cNvGrpSpPr/>
+          <p:nvPr/>
+        </p:nvGrpSpPr>
+        <p:grpSpPr>
+          <a:xfrm>
+            <a:off x="8496073" y="2567280"/>
+            <a:ext cx="1633843" cy="1587774"/>
+            <a:chOff x="655051" y="2497032"/>
+            <a:chExt cx="1633843" cy="1587774"/>
+          </a:xfrm>
+        </p:grpSpPr>
+        <p:sp>
+          <p:nvSpPr>
+            <p:cNvPr id="3" name="Rectángulo 2"/>
+            <p:cNvSpPr/>
+            <p:nvPr/>
+          </p:nvSpPr>
+          <p:spPr>
+            <a:xfrm>
+              <a:off x="655053" y="2497032"/>
+              <a:ext cx="1633841" cy="1587774"/>
+            </a:xfrm>
+            <a:prstGeom prst="rect">
+              <a:avLst/>
+            </a:prstGeom>
+            <a:noFill/>
+            <a:ln>
+              <a:solidFill>
+                <a:schemeClr val="accent5">
+                  <a:lumMod val="75000"/>
+                </a:schemeClr>
+              </a:solidFill>
+            </a:ln>
+          </p:spPr>
+          <p:style>
+            <a:lnRef idx="2">
+              <a:schemeClr val="accent1">
+                <a:shade val="50000"/>
+              </a:schemeClr>
+            </a:lnRef>
+            <a:fillRef idx="1">
+              <a:schemeClr val="accent1"/>
+            </a:fillRef>
+            <a:effectRef idx="0">
+              <a:schemeClr val="accent1"/>
+            </a:effectRef>
+            <a:fontRef idx="minor">
+              <a:schemeClr val="lt1"/>
+            </a:fontRef>
+          </p:style>
+          <p:txBody>
+            <a:bodyPr rtlCol="0" anchor="ctr"/>
+            <a:lstStyle/>
+            <a:p>
+              <a:pPr algn="ctr"/>
+              <a:endParaRPr lang="es-CO"/>
+            </a:p>
+          </p:txBody>
+        </p:sp>
+        <p:cxnSp>
+          <p:nvCxnSpPr>
+            <p:cNvPr id="4" name="Conector recto 3"/>
+            <p:cNvCxnSpPr/>
+            <p:nvPr/>
+          </p:nvCxnSpPr>
+          <p:spPr>
+            <a:xfrm>
+              <a:off x="1163782" y="2497032"/>
+              <a:ext cx="0" cy="1587774"/>
+            </a:xfrm>
+            <a:prstGeom prst="line">
+              <a:avLst/>
+            </a:prstGeom>
+            <a:ln w="28575">
+              <a:solidFill>
+                <a:schemeClr val="accent5">
+                  <a:lumMod val="75000"/>
+                </a:schemeClr>
+              </a:solidFill>
+            </a:ln>
+          </p:spPr>
+          <p:style>
+            <a:lnRef idx="1">
+              <a:schemeClr val="accent1"/>
+            </a:lnRef>
+            <a:fillRef idx="0">
+              <a:schemeClr val="accent1"/>
+            </a:fillRef>
+            <a:effectRef idx="0">
+              <a:schemeClr val="accent1"/>
+            </a:effectRef>
+            <a:fontRef idx="minor">
+              <a:schemeClr val="tx1"/>
+            </a:fontRef>
+          </p:style>
+        </p:cxnSp>
+        <p:cxnSp>
+          <p:nvCxnSpPr>
+            <p:cNvPr id="12" name="Conector recto 11"/>
+            <p:cNvCxnSpPr/>
+            <p:nvPr/>
+          </p:nvCxnSpPr>
+          <p:spPr>
+            <a:xfrm>
+              <a:off x="1759527" y="2497032"/>
+              <a:ext cx="0" cy="1587774"/>
+            </a:xfrm>
+            <a:prstGeom prst="line">
+              <a:avLst/>
+            </a:prstGeom>
+            <a:ln w="28575">
+              <a:solidFill>
+                <a:schemeClr val="accent5">
+                  <a:lumMod val="75000"/>
+                </a:schemeClr>
+              </a:solidFill>
+            </a:ln>
+          </p:spPr>
+          <p:style>
+            <a:lnRef idx="1">
+              <a:schemeClr val="accent1"/>
+            </a:lnRef>
+            <a:fillRef idx="0">
+              <a:schemeClr val="accent1"/>
+            </a:fillRef>
+            <a:effectRef idx="0">
+              <a:schemeClr val="accent1"/>
+            </a:effectRef>
+            <a:fontRef idx="minor">
+              <a:schemeClr val="tx1"/>
+            </a:fontRef>
+          </p:style>
+        </p:cxnSp>
+        <p:cxnSp>
+          <p:nvCxnSpPr>
+            <p:cNvPr id="13" name="Conector recto 12"/>
+            <p:cNvCxnSpPr/>
+            <p:nvPr/>
+          </p:nvCxnSpPr>
+          <p:spPr>
+            <a:xfrm flipV="1">
+              <a:off x="655052" y="3037046"/>
+              <a:ext cx="1633841" cy="3214"/>
+            </a:xfrm>
+            <a:prstGeom prst="line">
+              <a:avLst/>
+            </a:prstGeom>
+            <a:ln w="28575">
+              <a:solidFill>
+                <a:schemeClr val="accent5">
+                  <a:lumMod val="75000"/>
+                </a:schemeClr>
+              </a:solidFill>
+            </a:ln>
+          </p:spPr>
+          <p:style>
+            <a:lnRef idx="1">
+              <a:schemeClr val="accent1"/>
+            </a:lnRef>
+            <a:fillRef idx="0">
+              <a:schemeClr val="accent1"/>
+            </a:fillRef>
+            <a:effectRef idx="0">
+              <a:schemeClr val="accent1"/>
+            </a:effectRef>
+            <a:fontRef idx="minor">
+              <a:schemeClr val="tx1"/>
+            </a:fontRef>
+          </p:style>
+        </p:cxnSp>
+        <p:cxnSp>
+          <p:nvCxnSpPr>
+            <p:cNvPr id="15" name="Conector recto 14"/>
+            <p:cNvCxnSpPr/>
+            <p:nvPr/>
+          </p:nvCxnSpPr>
+          <p:spPr>
+            <a:xfrm flipV="1">
+              <a:off x="655051" y="3577060"/>
+              <a:ext cx="1633841" cy="3214"/>
+            </a:xfrm>
+            <a:prstGeom prst="line">
+              <a:avLst/>
+            </a:prstGeom>
+            <a:ln w="28575">
+              <a:solidFill>
+                <a:schemeClr val="accent5">
+                  <a:lumMod val="75000"/>
+                </a:schemeClr>
+              </a:solidFill>
+            </a:ln>
+          </p:spPr>
+          <p:style>
+            <a:lnRef idx="1">
+              <a:schemeClr val="accent1"/>
+            </a:lnRef>
+            <a:fillRef idx="0">
+              <a:schemeClr val="accent1"/>
+            </a:fillRef>
+            <a:effectRef idx="0">
+              <a:schemeClr val="accent1"/>
+            </a:effectRef>
+            <a:fontRef idx="minor">
+              <a:schemeClr val="tx1"/>
+            </a:fontRef>
+          </p:style>
+        </p:cxnSp>
+      </p:grpSp>
+      <p:grpSp>
+        <p:nvGrpSpPr>
+          <p:cNvPr id="24" name="Grupo 23"/>
+          <p:cNvGrpSpPr/>
+          <p:nvPr/>
+        </p:nvGrpSpPr>
+        <p:grpSpPr>
+          <a:xfrm>
+            <a:off x="3902530" y="2567280"/>
+            <a:ext cx="1633843" cy="1587774"/>
+            <a:chOff x="655051" y="2497032"/>
+            <a:chExt cx="1633843" cy="1587774"/>
+          </a:xfrm>
+        </p:grpSpPr>
+        <p:sp>
+          <p:nvSpPr>
+            <p:cNvPr id="25" name="Rectángulo 24"/>
+            <p:cNvSpPr/>
+            <p:nvPr/>
+          </p:nvSpPr>
+          <p:spPr>
+            <a:xfrm>
+              <a:off x="655053" y="2497032"/>
+              <a:ext cx="1633841" cy="1587774"/>
+            </a:xfrm>
+            <a:prstGeom prst="rect">
+              <a:avLst/>
+            </a:prstGeom>
+            <a:noFill/>
+            <a:ln>
+              <a:solidFill>
+                <a:schemeClr val="accent5">
+                  <a:lumMod val="75000"/>
+                </a:schemeClr>
+              </a:solidFill>
+            </a:ln>
+          </p:spPr>
+          <p:style>
+            <a:lnRef idx="2">
+              <a:schemeClr val="accent1">
+                <a:shade val="50000"/>
+              </a:schemeClr>
+            </a:lnRef>
+            <a:fillRef idx="1">
+              <a:schemeClr val="accent1"/>
+            </a:fillRef>
+            <a:effectRef idx="0">
+              <a:schemeClr val="accent1"/>
+            </a:effectRef>
+            <a:fontRef idx="minor">
+              <a:schemeClr val="lt1"/>
+            </a:fontRef>
+          </p:style>
+          <p:txBody>
+            <a:bodyPr rtlCol="0" anchor="ctr"/>
+            <a:lstStyle/>
+            <a:p>
+              <a:pPr algn="ctr"/>
+              <a:endParaRPr lang="es-CO"/>
+            </a:p>
+          </p:txBody>
+        </p:sp>
+        <p:cxnSp>
+          <p:nvCxnSpPr>
+            <p:cNvPr id="26" name="Conector recto 25"/>
+            <p:cNvCxnSpPr/>
+            <p:nvPr/>
+          </p:nvCxnSpPr>
+          <p:spPr>
+            <a:xfrm>
+              <a:off x="1163782" y="2497032"/>
+              <a:ext cx="0" cy="1587774"/>
+            </a:xfrm>
+            <a:prstGeom prst="line">
+              <a:avLst/>
+            </a:prstGeom>
+            <a:ln w="28575">
+              <a:solidFill>
+                <a:schemeClr val="accent5">
+                  <a:lumMod val="75000"/>
+                </a:schemeClr>
+              </a:solidFill>
+            </a:ln>
+          </p:spPr>
+          <p:style>
+            <a:lnRef idx="1">
+              <a:schemeClr val="accent1"/>
+            </a:lnRef>
+            <a:fillRef idx="0">
+              <a:schemeClr val="accent1"/>
+            </a:fillRef>
+            <a:effectRef idx="0">
+              <a:schemeClr val="accent1"/>
+            </a:effectRef>
+            <a:fontRef idx="minor">
+              <a:schemeClr val="tx1"/>
+            </a:fontRef>
+          </p:style>
+        </p:cxnSp>
+        <p:cxnSp>
+          <p:nvCxnSpPr>
+            <p:cNvPr id="27" name="Conector recto 26"/>
+            <p:cNvCxnSpPr/>
+            <p:nvPr/>
+          </p:nvCxnSpPr>
+          <p:spPr>
+            <a:xfrm>
+              <a:off x="1759527" y="2497032"/>
+              <a:ext cx="0" cy="1587774"/>
+            </a:xfrm>
+            <a:prstGeom prst="line">
+              <a:avLst/>
+            </a:prstGeom>
+            <a:ln w="28575">
+              <a:solidFill>
+                <a:schemeClr val="accent5">
+                  <a:lumMod val="75000"/>
+                </a:schemeClr>
+              </a:solidFill>
+            </a:ln>
+          </p:spPr>
+          <p:style>
+            <a:lnRef idx="1">
+              <a:schemeClr val="accent1"/>
+            </a:lnRef>
+            <a:fillRef idx="0">
+              <a:schemeClr val="accent1"/>
+            </a:fillRef>
+            <a:effectRef idx="0">
+              <a:schemeClr val="accent1"/>
+            </a:effectRef>
+            <a:fontRef idx="minor">
+              <a:schemeClr val="tx1"/>
+            </a:fontRef>
+          </p:style>
+        </p:cxnSp>
+        <p:cxnSp>
+          <p:nvCxnSpPr>
+            <p:cNvPr id="28" name="Conector recto 27"/>
+            <p:cNvCxnSpPr/>
+            <p:nvPr/>
+          </p:nvCxnSpPr>
+          <p:spPr>
+            <a:xfrm flipV="1">
+              <a:off x="655052" y="3037046"/>
+              <a:ext cx="1633841" cy="3214"/>
+            </a:xfrm>
+            <a:prstGeom prst="line">
+              <a:avLst/>
+            </a:prstGeom>
+            <a:ln w="28575">
+              <a:solidFill>
+                <a:schemeClr val="accent5">
+                  <a:lumMod val="75000"/>
+                </a:schemeClr>
+              </a:solidFill>
+            </a:ln>
+          </p:spPr>
+          <p:style>
+            <a:lnRef idx="1">
+              <a:schemeClr val="accent1"/>
+            </a:lnRef>
+            <a:fillRef idx="0">
+              <a:schemeClr val="accent1"/>
+            </a:fillRef>
+            <a:effectRef idx="0">
+              <a:schemeClr val="accent1"/>
+            </a:effectRef>
+            <a:fontRef idx="minor">
+              <a:schemeClr val="tx1"/>
+            </a:fontRef>
+          </p:style>
+        </p:cxnSp>
+        <p:cxnSp>
+          <p:nvCxnSpPr>
+            <p:cNvPr id="29" name="Conector recto 28"/>
+            <p:cNvCxnSpPr/>
+            <p:nvPr/>
+          </p:nvCxnSpPr>
+          <p:spPr>
+            <a:xfrm flipV="1">
+              <a:off x="655051" y="3577060"/>
+              <a:ext cx="1633841" cy="3214"/>
+            </a:xfrm>
+            <a:prstGeom prst="line">
+              <a:avLst/>
+            </a:prstGeom>
+            <a:ln w="28575">
+              <a:solidFill>
+                <a:schemeClr val="accent5">
+                  <a:lumMod val="75000"/>
+                </a:schemeClr>
+              </a:solidFill>
+            </a:ln>
+          </p:spPr>
+          <p:style>
+            <a:lnRef idx="1">
+              <a:schemeClr val="accent1"/>
+            </a:lnRef>
+            <a:fillRef idx="0">
+              <a:schemeClr val="accent1"/>
+            </a:fillRef>
+            <a:effectRef idx="0">
+              <a:schemeClr val="accent1"/>
+            </a:effectRef>
+            <a:fontRef idx="minor">
+              <a:schemeClr val="tx1"/>
+            </a:fontRef>
+          </p:style>
+        </p:cxnSp>
+      </p:grpSp>
+      <p:grpSp>
+        <p:nvGrpSpPr>
+          <p:cNvPr id="30" name="Grupo 29"/>
+          <p:cNvGrpSpPr/>
+          <p:nvPr/>
+        </p:nvGrpSpPr>
+        <p:grpSpPr>
+          <a:xfrm>
+            <a:off x="395174" y="2546719"/>
+            <a:ext cx="1633843" cy="1587774"/>
+            <a:chOff x="655051" y="2497032"/>
+            <a:chExt cx="1633843" cy="1587774"/>
+          </a:xfrm>
+        </p:grpSpPr>
+        <p:sp>
+          <p:nvSpPr>
+            <p:cNvPr id="31" name="Rectángulo 30"/>
+            <p:cNvSpPr/>
+            <p:nvPr/>
+          </p:nvSpPr>
+          <p:spPr>
+            <a:xfrm>
+              <a:off x="655053" y="2497032"/>
+              <a:ext cx="1633841" cy="1587774"/>
+            </a:xfrm>
+            <a:prstGeom prst="rect">
+              <a:avLst/>
+            </a:prstGeom>
+            <a:noFill/>
+            <a:ln>
+              <a:solidFill>
+                <a:schemeClr val="accent5">
+                  <a:lumMod val="75000"/>
+                </a:schemeClr>
+              </a:solidFill>
+            </a:ln>
+          </p:spPr>
+          <p:style>
+            <a:lnRef idx="2">
+              <a:schemeClr val="accent1">
+                <a:shade val="50000"/>
+              </a:schemeClr>
+            </a:lnRef>
+            <a:fillRef idx="1">
+              <a:schemeClr val="accent1"/>
+            </a:fillRef>
+            <a:effectRef idx="0">
+              <a:schemeClr val="accent1"/>
+            </a:effectRef>
+            <a:fontRef idx="minor">
+              <a:schemeClr val="lt1"/>
+            </a:fontRef>
+          </p:style>
+          <p:txBody>
+            <a:bodyPr rtlCol="0" anchor="ctr"/>
+            <a:lstStyle/>
+            <a:p>
+              <a:pPr algn="ctr"/>
+              <a:endParaRPr lang="es-CO"/>
+            </a:p>
+          </p:txBody>
+        </p:sp>
+        <p:cxnSp>
+          <p:nvCxnSpPr>
+            <p:cNvPr id="32" name="Conector recto 31"/>
+            <p:cNvCxnSpPr/>
+            <p:nvPr/>
+          </p:nvCxnSpPr>
+          <p:spPr>
+            <a:xfrm>
+              <a:off x="1163782" y="2497032"/>
+              <a:ext cx="0" cy="1587774"/>
+            </a:xfrm>
+            <a:prstGeom prst="line">
+              <a:avLst/>
+            </a:prstGeom>
+            <a:ln w="28575">
+              <a:solidFill>
+                <a:schemeClr val="accent5">
+                  <a:lumMod val="75000"/>
+                </a:schemeClr>
+              </a:solidFill>
+            </a:ln>
+          </p:spPr>
+          <p:style>
+            <a:lnRef idx="1">
+              <a:schemeClr val="accent1"/>
+            </a:lnRef>
+            <a:fillRef idx="0">
+              <a:schemeClr val="accent1"/>
+            </a:fillRef>
+            <a:effectRef idx="0">
+              <a:schemeClr val="accent1"/>
+            </a:effectRef>
+            <a:fontRef idx="minor">
+              <a:schemeClr val="tx1"/>
+            </a:fontRef>
+          </p:style>
+        </p:cxnSp>
+        <p:cxnSp>
+          <p:nvCxnSpPr>
+            <p:cNvPr id="33" name="Conector recto 32"/>
+            <p:cNvCxnSpPr/>
+            <p:nvPr/>
+          </p:nvCxnSpPr>
+          <p:spPr>
+            <a:xfrm>
+              <a:off x="1759527" y="2497032"/>
+              <a:ext cx="0" cy="1587774"/>
+            </a:xfrm>
+            <a:prstGeom prst="line">
+              <a:avLst/>
+            </a:prstGeom>
+            <a:ln w="28575">
+              <a:solidFill>
+                <a:schemeClr val="accent5">
+                  <a:lumMod val="75000"/>
+                </a:schemeClr>
+              </a:solidFill>
+            </a:ln>
+          </p:spPr>
+          <p:style>
+            <a:lnRef idx="1">
+              <a:schemeClr val="accent1"/>
+            </a:lnRef>
+            <a:fillRef idx="0">
+              <a:schemeClr val="accent1"/>
+            </a:fillRef>
+            <a:effectRef idx="0">
+              <a:schemeClr val="accent1"/>
+            </a:effectRef>
+            <a:fontRef idx="minor">
+              <a:schemeClr val="tx1"/>
+            </a:fontRef>
+          </p:style>
+        </p:cxnSp>
+        <p:cxnSp>
+          <p:nvCxnSpPr>
+            <p:cNvPr id="34" name="Conector recto 33"/>
+            <p:cNvCxnSpPr/>
+            <p:nvPr/>
+          </p:nvCxnSpPr>
+          <p:spPr>
+            <a:xfrm flipV="1">
+              <a:off x="655052" y="3037046"/>
+              <a:ext cx="1633841" cy="3214"/>
+            </a:xfrm>
+            <a:prstGeom prst="line">
+              <a:avLst/>
+            </a:prstGeom>
+            <a:ln w="28575">
+              <a:solidFill>
+                <a:schemeClr val="accent5">
+                  <a:lumMod val="75000"/>
+                </a:schemeClr>
+              </a:solidFill>
+            </a:ln>
+          </p:spPr>
+          <p:style>
+            <a:lnRef idx="1">
+              <a:schemeClr val="accent1"/>
+            </a:lnRef>
+            <a:fillRef idx="0">
+              <a:schemeClr val="accent1"/>
+            </a:fillRef>
+            <a:effectRef idx="0">
+              <a:schemeClr val="accent1"/>
+            </a:effectRef>
+            <a:fontRef idx="minor">
+              <a:schemeClr val="tx1"/>
+            </a:fontRef>
+          </p:style>
+        </p:cxnSp>
+        <p:cxnSp>
+          <p:nvCxnSpPr>
+            <p:cNvPr id="35" name="Conector recto 34"/>
+            <p:cNvCxnSpPr/>
+            <p:nvPr/>
+          </p:nvCxnSpPr>
+          <p:spPr>
+            <a:xfrm flipV="1">
+              <a:off x="655051" y="3577060"/>
+              <a:ext cx="1633841" cy="3214"/>
+            </a:xfrm>
+            <a:prstGeom prst="line">
+              <a:avLst/>
+            </a:prstGeom>
+            <a:ln w="28575">
+              <a:solidFill>
+                <a:schemeClr val="accent5">
+                  <a:lumMod val="75000"/>
+                </a:schemeClr>
+              </a:solidFill>
+            </a:ln>
+          </p:spPr>
+          <p:style>
+            <a:lnRef idx="1">
+              <a:schemeClr val="accent1"/>
+            </a:lnRef>
+            <a:fillRef idx="0">
+              <a:schemeClr val="accent1"/>
+            </a:fillRef>
+            <a:effectRef idx="0">
+              <a:schemeClr val="accent1"/>
+            </a:effectRef>
+            <a:fontRef idx="minor">
+              <a:schemeClr val="tx1"/>
+            </a:fontRef>
+          </p:style>
+        </p:cxnSp>
+      </p:grpSp>
+      <p:sp>
+        <p:nvSpPr>
+          <p:cNvPr id="11" name="CuadroTexto 10"/>
+          <p:cNvSpPr txBox="1"/>
+          <p:nvPr/>
+        </p:nvSpPr>
+        <p:spPr>
+          <a:xfrm>
+            <a:off x="395174" y="2568033"/>
+            <a:ext cx="508731" cy="523220"/>
+          </a:xfrm>
+          <a:prstGeom prst="rect">
+            <a:avLst/>
+          </a:prstGeom>
+          <a:noFill/>
+        </p:spPr>
+        <p:txBody>
+          <a:bodyPr wrap="square" rtlCol="0">
+            <a:spAutoFit/>
+          </a:bodyPr>
+          <a:lstStyle/>
+          <a:p>
+            <a:pPr algn="ctr"/>
+            <a:r>
+              <a:rPr lang="es-CO" sz="2800" dirty="0" smtClean="0"/>
+              <a:t>0</a:t>
+            </a:r>
+            <a:endParaRPr lang="es-CO" sz="2800" dirty="0"/>
+          </a:p>
+        </p:txBody>
+      </p:sp>
+      <p:sp>
+        <p:nvSpPr>
+          <p:cNvPr id="36" name="CuadroTexto 35"/>
+          <p:cNvSpPr txBox="1"/>
+          <p:nvPr/>
+        </p:nvSpPr>
+        <p:spPr>
+          <a:xfrm>
+            <a:off x="405490" y="3094803"/>
+            <a:ext cx="508731" cy="523220"/>
+          </a:xfrm>
+          <a:prstGeom prst="rect">
+            <a:avLst/>
+          </a:prstGeom>
+          <a:noFill/>
+        </p:spPr>
+        <p:txBody>
+          <a:bodyPr wrap="square" rtlCol="0">
+            <a:spAutoFit/>
+          </a:bodyPr>
+          <a:lstStyle/>
+          <a:p>
+            <a:pPr algn="ctr"/>
+            <a:r>
+              <a:rPr lang="es-CO" sz="2800" dirty="0" smtClean="0"/>
+              <a:t>0</a:t>
+            </a:r>
+            <a:endParaRPr lang="es-CO" sz="2800" dirty="0"/>
+          </a:p>
+        </p:txBody>
+      </p:sp>
+      <p:sp>
+        <p:nvSpPr>
+          <p:cNvPr id="37" name="CuadroTexto 36"/>
+          <p:cNvSpPr txBox="1"/>
+          <p:nvPr/>
+        </p:nvSpPr>
+        <p:spPr>
+          <a:xfrm>
+            <a:off x="395174" y="3618063"/>
+            <a:ext cx="508731" cy="523220"/>
+          </a:xfrm>
+          <a:prstGeom prst="rect">
+            <a:avLst/>
+          </a:prstGeom>
+          <a:noFill/>
+        </p:spPr>
+        <p:txBody>
+          <a:bodyPr wrap="square" rtlCol="0">
+            <a:spAutoFit/>
+          </a:bodyPr>
+          <a:lstStyle/>
+          <a:p>
+            <a:pPr algn="ctr"/>
+            <a:r>
+              <a:rPr lang="es-CO" sz="2800" dirty="0" smtClean="0"/>
+              <a:t>0</a:t>
+            </a:r>
+            <a:endParaRPr lang="es-CO" sz="2800" dirty="0"/>
+          </a:p>
+        </p:txBody>
+      </p:sp>
+      <p:sp>
+        <p:nvSpPr>
+          <p:cNvPr id="38" name="CuadroTexto 37"/>
+          <p:cNvSpPr txBox="1"/>
+          <p:nvPr/>
+        </p:nvSpPr>
+        <p:spPr>
+          <a:xfrm>
+            <a:off x="948528" y="2539929"/>
+            <a:ext cx="508731" cy="523220"/>
+          </a:xfrm>
+          <a:prstGeom prst="rect">
+            <a:avLst/>
+          </a:prstGeom>
+          <a:noFill/>
+        </p:spPr>
+        <p:txBody>
+          <a:bodyPr wrap="square" rtlCol="0">
+            <a:spAutoFit/>
+          </a:bodyPr>
+          <a:lstStyle/>
+          <a:p>
+            <a:pPr algn="ctr"/>
+            <a:r>
+              <a:rPr lang="es-CO" sz="2800" dirty="0" smtClean="0"/>
+              <a:t>0</a:t>
+            </a:r>
+            <a:endParaRPr lang="es-CO" sz="2800" dirty="0"/>
+          </a:p>
+        </p:txBody>
+      </p:sp>
+      <p:sp>
+        <p:nvSpPr>
+          <p:cNvPr id="39" name="CuadroTexto 38"/>
+          <p:cNvSpPr txBox="1"/>
+          <p:nvPr/>
+        </p:nvSpPr>
+        <p:spPr>
+          <a:xfrm>
+            <a:off x="1500766" y="2555116"/>
+            <a:ext cx="508731" cy="523220"/>
+          </a:xfrm>
+          <a:prstGeom prst="rect">
+            <a:avLst/>
+          </a:prstGeom>
+          <a:noFill/>
+        </p:spPr>
+        <p:txBody>
+          <a:bodyPr wrap="square" rtlCol="0">
+            <a:spAutoFit/>
+          </a:bodyPr>
+          <a:lstStyle/>
+          <a:p>
+            <a:pPr algn="ctr"/>
+            <a:r>
+              <a:rPr lang="es-CO" sz="2800" dirty="0" smtClean="0"/>
+              <a:t>0</a:t>
+            </a:r>
+            <a:endParaRPr lang="es-CO" sz="2800" dirty="0"/>
+          </a:p>
+        </p:txBody>
+      </p:sp>
+      <p:sp>
+        <p:nvSpPr>
+          <p:cNvPr id="40" name="CuadroTexto 39"/>
+          <p:cNvSpPr txBox="1"/>
+          <p:nvPr/>
+        </p:nvSpPr>
+        <p:spPr>
+          <a:xfrm>
+            <a:off x="1500766" y="3094803"/>
+            <a:ext cx="508731" cy="523220"/>
+          </a:xfrm>
+          <a:prstGeom prst="rect">
+            <a:avLst/>
+          </a:prstGeom>
+          <a:noFill/>
+        </p:spPr>
+        <p:txBody>
+          <a:bodyPr wrap="square" rtlCol="0">
+            <a:spAutoFit/>
+          </a:bodyPr>
+          <a:lstStyle/>
+          <a:p>
+            <a:pPr algn="ctr"/>
+            <a:r>
+              <a:rPr lang="es-CO" sz="2800" dirty="0" smtClean="0"/>
+              <a:t>0</a:t>
+            </a:r>
+            <a:endParaRPr lang="es-CO" sz="2800" dirty="0"/>
+          </a:p>
+        </p:txBody>
+      </p:sp>
+      <p:sp>
+        <p:nvSpPr>
+          <p:cNvPr id="41" name="CuadroTexto 40"/>
+          <p:cNvSpPr txBox="1"/>
+          <p:nvPr/>
+        </p:nvSpPr>
+        <p:spPr>
+          <a:xfrm>
+            <a:off x="1500765" y="3608647"/>
+            <a:ext cx="508731" cy="523220"/>
+          </a:xfrm>
+          <a:prstGeom prst="rect">
+            <a:avLst/>
+          </a:prstGeom>
+          <a:noFill/>
+        </p:spPr>
+        <p:txBody>
+          <a:bodyPr wrap="square" rtlCol="0">
+            <a:spAutoFit/>
+          </a:bodyPr>
+          <a:lstStyle/>
+          <a:p>
+            <a:pPr algn="ctr"/>
+            <a:r>
+              <a:rPr lang="es-CO" sz="2800" dirty="0" smtClean="0"/>
+              <a:t>0</a:t>
+            </a:r>
+            <a:endParaRPr lang="es-CO" sz="2800" dirty="0"/>
+          </a:p>
+        </p:txBody>
+      </p:sp>
+      <p:sp>
+        <p:nvSpPr>
+          <p:cNvPr id="42" name="CuadroTexto 41"/>
+          <p:cNvSpPr txBox="1"/>
+          <p:nvPr/>
+        </p:nvSpPr>
+        <p:spPr>
+          <a:xfrm>
+            <a:off x="952570" y="3620377"/>
+            <a:ext cx="508731" cy="523220"/>
+          </a:xfrm>
+          <a:prstGeom prst="rect">
+            <a:avLst/>
+          </a:prstGeom>
+          <a:noFill/>
+        </p:spPr>
+        <p:txBody>
+          <a:bodyPr wrap="square" rtlCol="0">
+            <a:spAutoFit/>
+          </a:bodyPr>
+          <a:lstStyle/>
+          <a:p>
+            <a:pPr algn="ctr"/>
+            <a:r>
+              <a:rPr lang="es-CO" sz="2800" dirty="0" smtClean="0"/>
+              <a:t>0</a:t>
+            </a:r>
+            <a:endParaRPr lang="es-CO" sz="2800" dirty="0"/>
+          </a:p>
+        </p:txBody>
+      </p:sp>
+      <p:sp>
+        <p:nvSpPr>
+          <p:cNvPr id="43" name="CuadroTexto 42"/>
+          <p:cNvSpPr txBox="1"/>
+          <p:nvPr/>
+        </p:nvSpPr>
+        <p:spPr>
+          <a:xfrm>
+            <a:off x="948528" y="3094423"/>
+            <a:ext cx="508731" cy="523220"/>
+          </a:xfrm>
+          <a:prstGeom prst="rect">
+            <a:avLst/>
+          </a:prstGeom>
+          <a:noFill/>
+        </p:spPr>
+        <p:txBody>
+          <a:bodyPr wrap="square" rtlCol="0">
+            <a:spAutoFit/>
+          </a:bodyPr>
+          <a:lstStyle/>
+          <a:p>
+            <a:pPr algn="ctr"/>
+            <a:r>
+              <a:rPr lang="es-CO" sz="2800" dirty="0" smtClean="0"/>
+              <a:t>1</a:t>
+            </a:r>
+            <a:endParaRPr lang="es-CO" sz="2800" dirty="0"/>
+          </a:p>
+        </p:txBody>
+      </p:sp>
+      <p:sp>
+        <p:nvSpPr>
+          <p:cNvPr id="53" name="CuadroTexto 52"/>
+          <p:cNvSpPr txBox="1"/>
+          <p:nvPr/>
+        </p:nvSpPr>
+        <p:spPr>
+          <a:xfrm>
+            <a:off x="3905999" y="2565954"/>
+            <a:ext cx="508731" cy="523220"/>
+          </a:xfrm>
+          <a:prstGeom prst="rect">
+            <a:avLst/>
+          </a:prstGeom>
+          <a:noFill/>
+        </p:spPr>
+        <p:txBody>
+          <a:bodyPr wrap="square" rtlCol="0">
+            <a:spAutoFit/>
+          </a:bodyPr>
+          <a:lstStyle/>
+          <a:p>
+            <a:pPr algn="ctr"/>
+            <a:r>
+              <a:rPr lang="es-CO" sz="2800" dirty="0"/>
+              <a:t>1</a:t>
+            </a:r>
+            <a:endParaRPr lang="es-CO" sz="2800" dirty="0"/>
+          </a:p>
+        </p:txBody>
+      </p:sp>
+      <p:sp>
+        <p:nvSpPr>
+          <p:cNvPr id="54" name="CuadroTexto 53"/>
+          <p:cNvSpPr txBox="1"/>
+          <p:nvPr/>
+        </p:nvSpPr>
+        <p:spPr>
+          <a:xfrm>
+            <a:off x="3916315" y="3092724"/>
+            <a:ext cx="508731" cy="523220"/>
+          </a:xfrm>
+          <a:prstGeom prst="rect">
+            <a:avLst/>
+          </a:prstGeom>
+          <a:noFill/>
+        </p:spPr>
+        <p:txBody>
+          <a:bodyPr wrap="square" rtlCol="0">
+            <a:spAutoFit/>
+          </a:bodyPr>
+          <a:lstStyle/>
+          <a:p>
+            <a:pPr algn="ctr"/>
+            <a:r>
+              <a:rPr lang="es-CO" sz="2800" dirty="0"/>
+              <a:t>1</a:t>
+            </a:r>
+            <a:endParaRPr lang="es-CO" sz="2800" dirty="0"/>
+          </a:p>
+        </p:txBody>
+      </p:sp>
+      <p:sp>
+        <p:nvSpPr>
+          <p:cNvPr id="55" name="CuadroTexto 54"/>
+          <p:cNvSpPr txBox="1"/>
+          <p:nvPr/>
+        </p:nvSpPr>
+        <p:spPr>
+          <a:xfrm>
+            <a:off x="3905999" y="3615984"/>
+            <a:ext cx="508731" cy="523220"/>
+          </a:xfrm>
+          <a:prstGeom prst="rect">
+            <a:avLst/>
+          </a:prstGeom>
+          <a:noFill/>
+        </p:spPr>
+        <p:txBody>
+          <a:bodyPr wrap="square" rtlCol="0">
+            <a:spAutoFit/>
+          </a:bodyPr>
+          <a:lstStyle/>
+          <a:p>
+            <a:pPr algn="ctr"/>
+            <a:r>
+              <a:rPr lang="es-CO" sz="2800" dirty="0"/>
+              <a:t>1</a:t>
+            </a:r>
+            <a:endParaRPr lang="es-CO" sz="2800" dirty="0"/>
+          </a:p>
+        </p:txBody>
+      </p:sp>
+      <p:sp>
+        <p:nvSpPr>
+          <p:cNvPr id="56" name="CuadroTexto 55"/>
+          <p:cNvSpPr txBox="1"/>
+          <p:nvPr/>
+        </p:nvSpPr>
+        <p:spPr>
+          <a:xfrm>
+            <a:off x="4459353" y="2553037"/>
+            <a:ext cx="508731" cy="523220"/>
+          </a:xfrm>
+          <a:prstGeom prst="rect">
+            <a:avLst/>
+          </a:prstGeom>
+          <a:noFill/>
+        </p:spPr>
+        <p:txBody>
+          <a:bodyPr wrap="square" rtlCol="0">
+            <a:spAutoFit/>
+          </a:bodyPr>
+          <a:lstStyle/>
+          <a:p>
+            <a:pPr algn="ctr"/>
+            <a:r>
+              <a:rPr lang="es-CO" sz="2800" dirty="0"/>
+              <a:t>1</a:t>
+            </a:r>
+            <a:endParaRPr lang="es-CO" sz="2800" dirty="0"/>
+          </a:p>
+        </p:txBody>
+      </p:sp>
+      <p:sp>
+        <p:nvSpPr>
+          <p:cNvPr id="57" name="CuadroTexto 56"/>
+          <p:cNvSpPr txBox="1"/>
+          <p:nvPr/>
+        </p:nvSpPr>
+        <p:spPr>
+          <a:xfrm>
+            <a:off x="5011591" y="2553037"/>
+            <a:ext cx="508731" cy="523220"/>
+          </a:xfrm>
+          <a:prstGeom prst="rect">
+            <a:avLst/>
+          </a:prstGeom>
+          <a:noFill/>
+        </p:spPr>
+        <p:txBody>
+          <a:bodyPr wrap="square" rtlCol="0">
+            <a:spAutoFit/>
+          </a:bodyPr>
+          <a:lstStyle/>
+          <a:p>
+            <a:pPr algn="ctr"/>
+            <a:r>
+              <a:rPr lang="es-CO" sz="2800" dirty="0"/>
+              <a:t>1</a:t>
+            </a:r>
+            <a:endParaRPr lang="es-CO" sz="2800" dirty="0"/>
+          </a:p>
+        </p:txBody>
+      </p:sp>
+      <p:sp>
+        <p:nvSpPr>
+          <p:cNvPr id="58" name="CuadroTexto 57"/>
+          <p:cNvSpPr txBox="1"/>
+          <p:nvPr/>
+        </p:nvSpPr>
+        <p:spPr>
+          <a:xfrm>
+            <a:off x="5011591" y="3092724"/>
+            <a:ext cx="508731" cy="523220"/>
+          </a:xfrm>
+          <a:prstGeom prst="rect">
+            <a:avLst/>
+          </a:prstGeom>
+          <a:noFill/>
+        </p:spPr>
+        <p:txBody>
+          <a:bodyPr wrap="square" rtlCol="0">
+            <a:spAutoFit/>
+          </a:bodyPr>
+          <a:lstStyle/>
+          <a:p>
+            <a:pPr algn="ctr"/>
+            <a:r>
+              <a:rPr lang="es-CO" sz="2800" dirty="0"/>
+              <a:t>1</a:t>
+            </a:r>
+            <a:endParaRPr lang="es-CO" sz="2800" dirty="0"/>
+          </a:p>
+        </p:txBody>
+      </p:sp>
+      <p:sp>
+        <p:nvSpPr>
+          <p:cNvPr id="59" name="CuadroTexto 58"/>
+          <p:cNvSpPr txBox="1"/>
+          <p:nvPr/>
+        </p:nvSpPr>
+        <p:spPr>
+          <a:xfrm>
+            <a:off x="5011590" y="3606568"/>
+            <a:ext cx="508731" cy="523220"/>
+          </a:xfrm>
+          <a:prstGeom prst="rect">
+            <a:avLst/>
+          </a:prstGeom>
+          <a:noFill/>
+        </p:spPr>
+        <p:txBody>
+          <a:bodyPr wrap="square" rtlCol="0">
+            <a:spAutoFit/>
+          </a:bodyPr>
+          <a:lstStyle/>
+          <a:p>
+            <a:pPr algn="ctr"/>
+            <a:r>
+              <a:rPr lang="es-CO" sz="2800" dirty="0"/>
+              <a:t>1</a:t>
+            </a:r>
+            <a:endParaRPr lang="es-CO" sz="2800" dirty="0"/>
+          </a:p>
+        </p:txBody>
+      </p:sp>
+      <p:sp>
+        <p:nvSpPr>
+          <p:cNvPr id="60" name="CuadroTexto 59"/>
+          <p:cNvSpPr txBox="1"/>
+          <p:nvPr/>
+        </p:nvSpPr>
+        <p:spPr>
+          <a:xfrm>
+            <a:off x="4463395" y="3618298"/>
+            <a:ext cx="508731" cy="523220"/>
+          </a:xfrm>
+          <a:prstGeom prst="rect">
+            <a:avLst/>
+          </a:prstGeom>
+          <a:noFill/>
+        </p:spPr>
+        <p:txBody>
+          <a:bodyPr wrap="square" rtlCol="0">
+            <a:spAutoFit/>
+          </a:bodyPr>
+          <a:lstStyle/>
+          <a:p>
+            <a:pPr algn="ctr"/>
+            <a:r>
+              <a:rPr lang="es-CO" sz="2800" dirty="0"/>
+              <a:t>1</a:t>
+            </a:r>
+            <a:endParaRPr lang="es-CO" sz="2800" dirty="0"/>
+          </a:p>
+        </p:txBody>
+      </p:sp>
+      <p:sp>
+        <p:nvSpPr>
+          <p:cNvPr id="61" name="CuadroTexto 60"/>
+          <p:cNvSpPr txBox="1"/>
+          <p:nvPr/>
+        </p:nvSpPr>
+        <p:spPr>
+          <a:xfrm>
+            <a:off x="4459353" y="3092344"/>
+            <a:ext cx="508731" cy="523220"/>
+          </a:xfrm>
+          <a:prstGeom prst="rect">
+            <a:avLst/>
+          </a:prstGeom>
+          <a:noFill/>
+        </p:spPr>
+        <p:txBody>
+          <a:bodyPr wrap="square" rtlCol="0">
+            <a:spAutoFit/>
+          </a:bodyPr>
+          <a:lstStyle/>
+          <a:p>
+            <a:pPr algn="ctr"/>
+            <a:r>
+              <a:rPr lang="es-CO" sz="2800" dirty="0" smtClean="0"/>
+              <a:t>1</a:t>
+            </a:r>
+            <a:endParaRPr lang="es-CO" sz="2800" dirty="0"/>
+          </a:p>
+        </p:txBody>
+      </p:sp>
+      <p:sp>
+        <p:nvSpPr>
+          <p:cNvPr id="62" name="CuadroTexto 61"/>
+          <p:cNvSpPr txBox="1"/>
+          <p:nvPr/>
+        </p:nvSpPr>
+        <p:spPr>
+          <a:xfrm>
+            <a:off x="8476655" y="2565954"/>
+            <a:ext cx="508731" cy="523220"/>
+          </a:xfrm>
+          <a:prstGeom prst="rect">
+            <a:avLst/>
+          </a:prstGeom>
+          <a:noFill/>
+        </p:spPr>
+        <p:txBody>
+          <a:bodyPr wrap="square" rtlCol="0">
+            <a:spAutoFit/>
+          </a:bodyPr>
+          <a:lstStyle/>
+          <a:p>
+            <a:pPr algn="ctr"/>
+            <a:r>
+              <a:rPr lang="es-CO" sz="2800" dirty="0" smtClean="0"/>
+              <a:t>-1</a:t>
+            </a:r>
+            <a:endParaRPr lang="es-CO" sz="2800" dirty="0"/>
+          </a:p>
+        </p:txBody>
+      </p:sp>
+      <p:sp>
+        <p:nvSpPr>
+          <p:cNvPr id="63" name="CuadroTexto 62"/>
+          <p:cNvSpPr txBox="1"/>
+          <p:nvPr/>
+        </p:nvSpPr>
+        <p:spPr>
+          <a:xfrm>
+            <a:off x="8486971" y="3092724"/>
+            <a:ext cx="508731" cy="523220"/>
+          </a:xfrm>
+          <a:prstGeom prst="rect">
+            <a:avLst/>
+          </a:prstGeom>
+          <a:noFill/>
+        </p:spPr>
+        <p:txBody>
+          <a:bodyPr wrap="square" rtlCol="0">
+            <a:spAutoFit/>
+          </a:bodyPr>
+          <a:lstStyle/>
+          <a:p>
+            <a:pPr algn="ctr"/>
+            <a:r>
+              <a:rPr lang="es-CO" sz="2800" dirty="0" smtClean="0"/>
+              <a:t>-1</a:t>
+            </a:r>
+            <a:endParaRPr lang="es-CO" sz="2800" dirty="0"/>
+          </a:p>
+        </p:txBody>
+      </p:sp>
+      <p:sp>
+        <p:nvSpPr>
+          <p:cNvPr id="64" name="CuadroTexto 63"/>
+          <p:cNvSpPr txBox="1"/>
+          <p:nvPr/>
+        </p:nvSpPr>
+        <p:spPr>
+          <a:xfrm>
+            <a:off x="8476655" y="3615984"/>
+            <a:ext cx="508731" cy="523220"/>
+          </a:xfrm>
+          <a:prstGeom prst="rect">
+            <a:avLst/>
+          </a:prstGeom>
+          <a:noFill/>
+        </p:spPr>
+        <p:txBody>
+          <a:bodyPr wrap="square" rtlCol="0">
+            <a:spAutoFit/>
+          </a:bodyPr>
+          <a:lstStyle/>
+          <a:p>
+            <a:pPr algn="ctr"/>
+            <a:r>
+              <a:rPr lang="es-CO" sz="2800" dirty="0" smtClean="0"/>
+              <a:t>-1</a:t>
+            </a:r>
+            <a:endParaRPr lang="es-CO" sz="2800" dirty="0"/>
+          </a:p>
+        </p:txBody>
+      </p:sp>
+      <p:sp>
+        <p:nvSpPr>
+          <p:cNvPr id="65" name="CuadroTexto 64"/>
+          <p:cNvSpPr txBox="1"/>
+          <p:nvPr/>
+        </p:nvSpPr>
+        <p:spPr>
+          <a:xfrm>
+            <a:off x="9043120" y="2579544"/>
+            <a:ext cx="508731" cy="523220"/>
+          </a:xfrm>
+          <a:prstGeom prst="rect">
+            <a:avLst/>
+          </a:prstGeom>
+          <a:noFill/>
+        </p:spPr>
+        <p:txBody>
+          <a:bodyPr wrap="square" rtlCol="0">
+            <a:spAutoFit/>
+          </a:bodyPr>
+          <a:lstStyle/>
+          <a:p>
+            <a:pPr algn="ctr"/>
+            <a:r>
+              <a:rPr lang="es-CO" sz="2800" dirty="0" smtClean="0"/>
+              <a:t>-1</a:t>
+            </a:r>
+            <a:endParaRPr lang="es-CO" sz="2800" dirty="0"/>
+          </a:p>
+        </p:txBody>
+      </p:sp>
+      <p:sp>
+        <p:nvSpPr>
+          <p:cNvPr id="66" name="CuadroTexto 65"/>
+          <p:cNvSpPr txBox="1"/>
+          <p:nvPr/>
+        </p:nvSpPr>
+        <p:spPr>
+          <a:xfrm>
+            <a:off x="9582247" y="2553037"/>
+            <a:ext cx="508731" cy="523220"/>
+          </a:xfrm>
+          <a:prstGeom prst="rect">
+            <a:avLst/>
+          </a:prstGeom>
+          <a:noFill/>
+        </p:spPr>
+        <p:txBody>
+          <a:bodyPr wrap="square" rtlCol="0">
+            <a:spAutoFit/>
+          </a:bodyPr>
+          <a:lstStyle/>
+          <a:p>
+            <a:pPr algn="ctr"/>
+            <a:r>
+              <a:rPr lang="es-CO" sz="2800" dirty="0" smtClean="0"/>
+              <a:t>-1</a:t>
+            </a:r>
+            <a:endParaRPr lang="es-CO" sz="2800" dirty="0"/>
+          </a:p>
+        </p:txBody>
+      </p:sp>
+      <p:sp>
+        <p:nvSpPr>
+          <p:cNvPr id="67" name="CuadroTexto 66"/>
+          <p:cNvSpPr txBox="1"/>
+          <p:nvPr/>
+        </p:nvSpPr>
+        <p:spPr>
+          <a:xfrm>
+            <a:off x="9582247" y="3092724"/>
+            <a:ext cx="508731" cy="523220"/>
+          </a:xfrm>
+          <a:prstGeom prst="rect">
+            <a:avLst/>
+          </a:prstGeom>
+          <a:noFill/>
+        </p:spPr>
+        <p:txBody>
+          <a:bodyPr wrap="square" rtlCol="0">
+            <a:spAutoFit/>
+          </a:bodyPr>
+          <a:lstStyle/>
+          <a:p>
+            <a:pPr algn="ctr"/>
+            <a:r>
+              <a:rPr lang="es-CO" sz="2800" dirty="0" smtClean="0"/>
+              <a:t>-1</a:t>
+            </a:r>
+            <a:endParaRPr lang="es-CO" sz="2800" dirty="0"/>
+          </a:p>
+        </p:txBody>
+      </p:sp>
+      <p:sp>
+        <p:nvSpPr>
+          <p:cNvPr id="68" name="CuadroTexto 67"/>
+          <p:cNvSpPr txBox="1"/>
+          <p:nvPr/>
+        </p:nvSpPr>
+        <p:spPr>
+          <a:xfrm>
+            <a:off x="9582246" y="3606568"/>
+            <a:ext cx="508731" cy="523220"/>
+          </a:xfrm>
+          <a:prstGeom prst="rect">
+            <a:avLst/>
+          </a:prstGeom>
+          <a:noFill/>
+        </p:spPr>
+        <p:txBody>
+          <a:bodyPr wrap="square" rtlCol="0">
+            <a:spAutoFit/>
+          </a:bodyPr>
+          <a:lstStyle/>
+          <a:p>
+            <a:pPr algn="ctr"/>
+            <a:r>
+              <a:rPr lang="es-CO" sz="2800" dirty="0" smtClean="0"/>
+              <a:t>-1</a:t>
+            </a:r>
+            <a:endParaRPr lang="es-CO" sz="2800" dirty="0"/>
+          </a:p>
+        </p:txBody>
+      </p:sp>
+      <p:sp>
+        <p:nvSpPr>
+          <p:cNvPr id="69" name="CuadroTexto 68"/>
+          <p:cNvSpPr txBox="1"/>
+          <p:nvPr/>
+        </p:nvSpPr>
+        <p:spPr>
+          <a:xfrm>
+            <a:off x="9034051" y="3618298"/>
+            <a:ext cx="508731" cy="523220"/>
+          </a:xfrm>
+          <a:prstGeom prst="rect">
+            <a:avLst/>
+          </a:prstGeom>
+          <a:noFill/>
+        </p:spPr>
+        <p:txBody>
+          <a:bodyPr wrap="square" rtlCol="0">
+            <a:spAutoFit/>
+          </a:bodyPr>
+          <a:lstStyle/>
+          <a:p>
+            <a:pPr algn="ctr"/>
+            <a:r>
+              <a:rPr lang="es-CO" sz="2800" dirty="0" smtClean="0"/>
+              <a:t>-1</a:t>
+            </a:r>
+            <a:endParaRPr lang="es-CO" sz="2800" dirty="0"/>
+          </a:p>
+        </p:txBody>
+      </p:sp>
+      <p:sp>
+        <p:nvSpPr>
+          <p:cNvPr id="70" name="CuadroTexto 69"/>
+          <p:cNvSpPr txBox="1"/>
+          <p:nvPr/>
+        </p:nvSpPr>
+        <p:spPr>
+          <a:xfrm>
+            <a:off x="9030009" y="3092344"/>
+            <a:ext cx="508731" cy="523220"/>
+          </a:xfrm>
+          <a:prstGeom prst="rect">
+            <a:avLst/>
+          </a:prstGeom>
+          <a:noFill/>
+        </p:spPr>
+        <p:txBody>
+          <a:bodyPr wrap="square" rtlCol="0">
+            <a:spAutoFit/>
+          </a:bodyPr>
+          <a:lstStyle/>
+          <a:p>
+            <a:pPr algn="ctr"/>
+            <a:r>
+              <a:rPr lang="es-CO" sz="2800" dirty="0"/>
+              <a:t>8</a:t>
+            </a:r>
+            <a:endParaRPr lang="es-CO" sz="2800" dirty="0"/>
+          </a:p>
+        </p:txBody>
+      </p:sp>
+      <p:cxnSp>
+        <p:nvCxnSpPr>
+          <p:cNvPr id="71" name="Conector recto de flecha 70"/>
+          <p:cNvCxnSpPr/>
+          <p:nvPr/>
+        </p:nvCxnSpPr>
+        <p:spPr>
+          <a:xfrm>
+            <a:off x="1202893" y="4247617"/>
+            <a:ext cx="0" cy="588438"/>
+          </a:xfrm>
+          <a:prstGeom prst="straightConnector1">
+            <a:avLst/>
+          </a:prstGeom>
+          <a:ln w="57150">
+            <a:solidFill>
+              <a:schemeClr val="accent5">
+                <a:lumMod val="75000"/>
+              </a:schemeClr>
+            </a:solidFill>
+            <a:tailEnd type="triangle"/>
+          </a:ln>
+        </p:spPr>
+        <p:style>
+          <a:lnRef idx="1">
+            <a:schemeClr val="accent1"/>
+          </a:lnRef>
+          <a:fillRef idx="0">
+            <a:schemeClr val="accent1"/>
+          </a:fillRef>
+          <a:effectRef idx="0">
+            <a:schemeClr val="accent1"/>
+          </a:effectRef>
+          <a:fontRef idx="minor">
+            <a:schemeClr val="tx1"/>
+          </a:fontRef>
+        </p:style>
+      </p:cxnSp>
+      <p:cxnSp>
+        <p:nvCxnSpPr>
+          <p:cNvPr id="74" name="Conector recto de flecha 73"/>
+          <p:cNvCxnSpPr/>
+          <p:nvPr/>
+        </p:nvCxnSpPr>
+        <p:spPr>
+          <a:xfrm>
+            <a:off x="4734499" y="4262109"/>
+            <a:ext cx="0" cy="588438"/>
+          </a:xfrm>
+          <a:prstGeom prst="straightConnector1">
+            <a:avLst/>
+          </a:prstGeom>
+          <a:ln w="57150">
+            <a:solidFill>
+              <a:schemeClr val="accent5">
+                <a:lumMod val="75000"/>
+              </a:schemeClr>
+            </a:solidFill>
+            <a:tailEnd type="triangle"/>
+          </a:ln>
+        </p:spPr>
+        <p:style>
+          <a:lnRef idx="1">
+            <a:schemeClr val="accent1"/>
+          </a:lnRef>
+          <a:fillRef idx="0">
+            <a:schemeClr val="accent1"/>
+          </a:fillRef>
+          <a:effectRef idx="0">
+            <a:schemeClr val="accent1"/>
+          </a:effectRef>
+          <a:fontRef idx="minor">
+            <a:schemeClr val="tx1"/>
+          </a:fontRef>
+        </p:style>
+      </p:cxnSp>
+      <p:cxnSp>
+        <p:nvCxnSpPr>
+          <p:cNvPr id="75" name="Conector recto de flecha 74"/>
+          <p:cNvCxnSpPr/>
+          <p:nvPr/>
+        </p:nvCxnSpPr>
+        <p:spPr>
+          <a:xfrm>
+            <a:off x="9383112" y="4247617"/>
+            <a:ext cx="0" cy="588438"/>
+          </a:xfrm>
+          <a:prstGeom prst="straightConnector1">
+            <a:avLst/>
+          </a:prstGeom>
+          <a:ln w="57150">
+            <a:solidFill>
+              <a:schemeClr val="accent5">
+                <a:lumMod val="75000"/>
+              </a:schemeClr>
+            </a:solidFill>
+            <a:tailEnd type="triangle"/>
+          </a:ln>
+        </p:spPr>
+        <p:style>
+          <a:lnRef idx="1">
+            <a:schemeClr val="accent1"/>
+          </a:lnRef>
+          <a:fillRef idx="0">
+            <a:schemeClr val="accent1"/>
+          </a:fillRef>
+          <a:effectRef idx="0">
+            <a:schemeClr val="accent1"/>
+          </a:effectRef>
+          <a:fontRef idx="minor">
+            <a:schemeClr val="tx1"/>
+          </a:fontRef>
+        </p:style>
+      </p:cxnSp>
+      <p:sp>
+        <p:nvSpPr>
+          <p:cNvPr id="76" name="CuadroTexto 75"/>
+          <p:cNvSpPr txBox="1"/>
+          <p:nvPr/>
+        </p:nvSpPr>
+        <p:spPr>
+          <a:xfrm>
+            <a:off x="395174" y="4975147"/>
+            <a:ext cx="1633841" cy="523220"/>
+          </a:xfrm>
+          <a:prstGeom prst="rect">
+            <a:avLst/>
+          </a:prstGeom>
+          <a:noFill/>
+        </p:spPr>
+        <p:txBody>
+          <a:bodyPr wrap="square" rtlCol="0">
+            <a:spAutoFit/>
+          </a:bodyPr>
+          <a:lstStyle/>
+          <a:p>
+            <a:pPr algn="ctr"/>
+            <a:r>
+              <a:rPr lang="es-CO" dirty="0" smtClean="0"/>
+              <a:t>La nueva imagen queda igual.</a:t>
+            </a:r>
+          </a:p>
+        </p:txBody>
+      </p:sp>
+      <p:sp>
+        <p:nvSpPr>
+          <p:cNvPr id="78" name="CuadroTexto 77"/>
+          <p:cNvSpPr txBox="1"/>
+          <p:nvPr/>
+        </p:nvSpPr>
+        <p:spPr>
+          <a:xfrm>
+            <a:off x="3917578" y="4975147"/>
+            <a:ext cx="1633841" cy="523220"/>
+          </a:xfrm>
+          <a:prstGeom prst="rect">
+            <a:avLst/>
+          </a:prstGeom>
+          <a:noFill/>
+        </p:spPr>
+        <p:txBody>
+          <a:bodyPr wrap="square" rtlCol="0">
+            <a:spAutoFit/>
+          </a:bodyPr>
+          <a:lstStyle/>
+          <a:p>
+            <a:pPr algn="ctr"/>
+            <a:r>
+              <a:rPr lang="es-CO" dirty="0" smtClean="0"/>
+              <a:t>La nueva imagen queda borrosa.</a:t>
+            </a:r>
+          </a:p>
+        </p:txBody>
+      </p:sp>
+      <p:sp>
+        <p:nvSpPr>
+          <p:cNvPr id="79" name="CuadroTexto 78"/>
+          <p:cNvSpPr txBox="1"/>
+          <p:nvPr/>
+        </p:nvSpPr>
+        <p:spPr>
+          <a:xfrm>
+            <a:off x="6574225" y="4943110"/>
+            <a:ext cx="5617775" cy="954107"/>
+          </a:xfrm>
+          <a:prstGeom prst="rect">
+            <a:avLst/>
+          </a:prstGeom>
+          <a:noFill/>
+        </p:spPr>
+        <p:txBody>
+          <a:bodyPr wrap="square" rtlCol="0">
+            <a:spAutoFit/>
+          </a:bodyPr>
+          <a:lstStyle/>
+          <a:p>
+            <a:pPr algn="ctr"/>
+            <a:r>
+              <a:rPr lang="es-CO" dirty="0" smtClean="0"/>
+              <a:t>Cuando haya mucha diferencia entre los valores dará un resultado muy alto, es decir tonos blancos, y cuando sean muy similares serán valores muy bajos, negros. Entonces en donde hayan bordes se pondrán blancos y el resto de la imagen será negro.</a:t>
+            </a:r>
+          </a:p>
+        </p:txBody>
+      </p:sp>
+      <p:sp>
+        <p:nvSpPr>
+          <p:cNvPr id="80" name="Rectángulo redondeado 79"/>
+          <p:cNvSpPr/>
+          <p:nvPr/>
+        </p:nvSpPr>
+        <p:spPr>
+          <a:xfrm>
+            <a:off x="345059" y="1036054"/>
+            <a:ext cx="11505962" cy="1224505"/>
+          </a:xfrm>
+          <a:prstGeom prst="roundRect">
+            <a:avLst/>
+          </a:prstGeom>
+          <a:noFill/>
+          <a:ln w="28575">
+            <a:solidFill>
+              <a:schemeClr val="accent5">
+                <a:lumMod val="60000"/>
+                <a:lumOff val="40000"/>
+              </a:schemeClr>
+            </a:solidFill>
+          </a:ln>
+        </p:spPr>
+        <p:style>
+          <a:lnRef idx="2">
+            <a:schemeClr val="accent1">
+              <a:shade val="50000"/>
+            </a:schemeClr>
+          </a:lnRef>
+          <a:fillRef idx="1">
+            <a:schemeClr val="accent1"/>
+          </a:fillRef>
+          <a:effectRef idx="0">
+            <a:schemeClr val="accent1"/>
+          </a:effectRef>
+          <a:fontRef idx="minor">
+            <a:schemeClr val="lt1"/>
+          </a:fontRef>
+        </p:style>
+        <p:txBody>
+          <a:bodyPr rtlCol="0" anchor="ctr"/>
+          <a:lstStyle/>
+          <a:p>
+            <a:pPr algn="ctr"/>
+            <a:endParaRPr lang="es-CO"/>
+          </a:p>
+        </p:txBody>
+      </p:sp>
+      <p:sp>
+        <p:nvSpPr>
+          <p:cNvPr id="81" name="CuadroTexto 80"/>
+          <p:cNvSpPr txBox="1"/>
+          <p:nvPr/>
+        </p:nvSpPr>
+        <p:spPr>
+          <a:xfrm>
+            <a:off x="5657662" y="3170038"/>
+            <a:ext cx="752829" cy="523220"/>
+          </a:xfrm>
+          <a:prstGeom prst="rect">
+            <a:avLst/>
+          </a:prstGeom>
+          <a:noFill/>
+        </p:spPr>
+        <p:txBody>
+          <a:bodyPr wrap="square" rtlCol="0">
+            <a:spAutoFit/>
+          </a:bodyPr>
+          <a:lstStyle/>
+          <a:p>
+            <a:pPr algn="ctr"/>
+            <a:r>
+              <a:rPr lang="es-CO" sz="2800" dirty="0" smtClean="0"/>
+              <a:t>/ 9</a:t>
+            </a:r>
+            <a:endParaRPr lang="es-CO" sz="2800" dirty="0"/>
+          </a:p>
+        </p:txBody>
+      </p:sp>
+    </p:spTree>
+    <p:extLst>
+      <p:ext uri="{BB962C8B-B14F-4D97-AF65-F5344CB8AC3E}">
+        <p14:creationId xmlns:p14="http://schemas.microsoft.com/office/powerpoint/2010/main" val="3276765298"/>
+      </p:ext>
+    </p:extLst>
+  </p:cSld>
+  <p:clrMapOvr>
+    <a:masterClrMapping/>
+  </p:clrMapOvr>
+  <p:timing>
+    <p:tnLst>
+      <p:par>
+        <p:cTn id="1" dur="indefinite" restart="never" nodeType="tmRoot"/>
+      </p:par>
+    </p:tnLst>
+  </p:timing>
+</p:sld>
+</file>
+
+<file path=ppt/slides/slide11.xml><?xml version="1.0" encoding="utf-8"?>
+<p:sld xmlns:a="http://schemas.openxmlformats.org/drawingml/2006/main" xmlns:r="http://schemas.openxmlformats.org/officeDocument/2006/relationships" xmlns:p="http://schemas.openxmlformats.org/presentationml/2006/main">
+  <p:cSld>
+    <p:spTree>
+      <p:nvGrpSpPr>
+        <p:cNvPr id="1" name="Shape 198"/>
+        <p:cNvGrpSpPr/>
+        <p:nvPr/>
+      </p:nvGrpSpPr>
+      <p:grpSpPr>
+        <a:xfrm>
+          <a:off x="0" y="0"/>
+          <a:ext cx="0" cy="0"/>
+          <a:chOff x="0" y="0"/>
+          <a:chExt cx="0" cy="0"/>
+        </a:xfrm>
+      </p:grpSpPr>
+      <p:pic>
+        <p:nvPicPr>
+          <p:cNvPr id="10" name="Google Shape;199;p2"/>
+          <p:cNvPicPr preferRelativeResize="0"/>
+          <p:nvPr/>
+        </p:nvPicPr>
+        <p:blipFill rotWithShape="1">
+          <a:blip r:embed="rId3">
+            <a:alphaModFix/>
+          </a:blip>
+          <a:srcRect/>
+          <a:stretch/>
+        </p:blipFill>
+        <p:spPr>
+          <a:xfrm>
+            <a:off x="0" y="1938"/>
+            <a:ext cx="12196080" cy="6855840"/>
+          </a:xfrm>
+          <a:prstGeom prst="rect">
+            <a:avLst/>
+          </a:prstGeom>
+          <a:noFill/>
+          <a:ln>
+            <a:noFill/>
+          </a:ln>
+        </p:spPr>
+      </p:pic>
+      <p:sp>
+        <p:nvSpPr>
+          <p:cNvPr id="18" name="Rectángulo redondeado 17"/>
+          <p:cNvSpPr/>
+          <p:nvPr/>
+        </p:nvSpPr>
+        <p:spPr>
+          <a:xfrm>
+            <a:off x="3397115" y="1141380"/>
+            <a:ext cx="5389418" cy="2097266"/>
+          </a:xfrm>
+          <a:prstGeom prst="roundRect">
+            <a:avLst/>
+          </a:prstGeom>
+          <a:solidFill>
+            <a:schemeClr val="accent5">
+              <a:lumMod val="75000"/>
+            </a:schemeClr>
+          </a:solidFill>
+          <a:ln>
+            <a:solidFill>
+              <a:schemeClr val="accent5">
+                <a:lumMod val="75000"/>
+              </a:schemeClr>
+            </a:solidFill>
+          </a:ln>
+        </p:spPr>
+        <p:style>
+          <a:lnRef idx="2">
+            <a:schemeClr val="accent1">
+              <a:shade val="50000"/>
+            </a:schemeClr>
+          </a:lnRef>
+          <a:fillRef idx="1">
+            <a:schemeClr val="accent1"/>
+          </a:fillRef>
+          <a:effectRef idx="0">
+            <a:schemeClr val="accent1"/>
+          </a:effectRef>
+          <a:fontRef idx="minor">
+            <a:schemeClr val="lt1"/>
+          </a:fontRef>
+        </p:style>
+        <p:txBody>
+          <a:bodyPr rtlCol="0" anchor="ctr"/>
+          <a:lstStyle/>
+          <a:p>
+            <a:pPr algn="ctr"/>
+            <a:endParaRPr lang="es-CO"/>
+          </a:p>
+        </p:txBody>
+      </p:sp>
+      <p:pic>
+        <p:nvPicPr>
+          <p:cNvPr id="216" name="Google Shape;216;p2"/>
+          <p:cNvPicPr preferRelativeResize="0"/>
+          <p:nvPr/>
+        </p:nvPicPr>
+        <p:blipFill rotWithShape="1">
+          <a:blip r:embed="rId4">
+            <a:alphaModFix/>
+          </a:blip>
+          <a:srcRect/>
+          <a:stretch/>
+        </p:blipFill>
+        <p:spPr>
+          <a:xfrm>
+            <a:off x="182880" y="6089760"/>
+            <a:ext cx="621000" cy="621000"/>
+          </a:xfrm>
+          <a:prstGeom prst="rect">
+            <a:avLst/>
+          </a:prstGeom>
+          <a:noFill/>
+          <a:ln>
+            <a:noFill/>
+          </a:ln>
+        </p:spPr>
+      </p:pic>
+      <p:sp>
+        <p:nvSpPr>
+          <p:cNvPr id="8" name="Google Shape;217;p2"/>
+          <p:cNvSpPr/>
+          <p:nvPr/>
+        </p:nvSpPr>
+        <p:spPr>
+          <a:xfrm>
+            <a:off x="815040" y="6160680"/>
+            <a:ext cx="6915240" cy="767987"/>
+          </a:xfrm>
+          <a:prstGeom prst="rect">
+            <a:avLst/>
+          </a:prstGeom>
+          <a:noFill/>
+          <a:ln>
+            <a:noFill/>
+          </a:ln>
+        </p:spPr>
+        <p:txBody>
+          <a:bodyPr spcFirstLastPara="1" wrap="square" lIns="90000" tIns="45000" rIns="90000" bIns="45000" anchor="t" anchorCtr="0">
+            <a:spAutoFit/>
+          </a:bodyPr>
+          <a:lstStyle/>
+          <a:p>
+            <a:pPr lvl="0">
+              <a:buSzPts val="2200"/>
+            </a:pPr>
+            <a:r>
+              <a:rPr lang="en-US" sz="2200" b="1" dirty="0">
+                <a:solidFill>
+                  <a:srgbClr val="001E33"/>
+                </a:solidFill>
+                <a:uFill>
+                  <a:noFill/>
+                </a:uFill>
+                <a:hlinkClick r:id="rId5"/>
+              </a:rPr>
+              <a:t>https://github.com/GianSz/ProyectoDatos</a:t>
+            </a:r>
+            <a:endParaRPr lang="en-US" sz="2200" b="1" dirty="0">
+              <a:solidFill>
+                <a:srgbClr val="001E33"/>
+              </a:solidFill>
+              <a:uFill>
+                <a:noFill/>
+              </a:uFill>
+            </a:endParaRPr>
+          </a:p>
+          <a:p>
+            <a:pPr lvl="0">
+              <a:buSzPts val="2200"/>
+            </a:pPr>
+            <a:endParaRPr sz="2200" b="1" i="0" u="none" strike="noStrike" cap="none" dirty="0">
+              <a:solidFill>
+                <a:srgbClr val="001E33"/>
+              </a:solidFill>
+              <a:latin typeface="Arial"/>
+              <a:ea typeface="Arial"/>
+              <a:cs typeface="Arial"/>
+              <a:sym typeface="Arial"/>
+            </a:endParaRPr>
+          </a:p>
+        </p:txBody>
+      </p:sp>
+      <p:sp>
+        <p:nvSpPr>
+          <p:cNvPr id="7" name="CuadroTexto 6"/>
+          <p:cNvSpPr txBox="1"/>
+          <p:nvPr/>
+        </p:nvSpPr>
+        <p:spPr>
+          <a:xfrm>
+            <a:off x="3423216" y="1389794"/>
+            <a:ext cx="5337217" cy="1600438"/>
+          </a:xfrm>
+          <a:prstGeom prst="rect">
+            <a:avLst/>
+          </a:prstGeom>
+          <a:noFill/>
+        </p:spPr>
+        <p:txBody>
+          <a:bodyPr wrap="square" rtlCol="0">
+            <a:spAutoFit/>
+          </a:bodyPr>
+          <a:lstStyle/>
+          <a:p>
+            <a:pPr algn="ctr"/>
+            <a:r>
+              <a:rPr lang="es-CO" dirty="0" smtClean="0">
+                <a:solidFill>
+                  <a:schemeClr val="bg1"/>
+                </a:solidFill>
+              </a:rPr>
+              <a:t>Este método no evalúa cada pixel como una variable independiente sino que lo compara con los pixeles de alrededor. Para pasar de capa en capa se utiliza el proceso de convolución y la red es la que pone los diferentes valores en cada núcleo. </a:t>
+            </a:r>
+          </a:p>
+          <a:p>
+            <a:pPr algn="ctr"/>
+            <a:endParaRPr lang="es-CO" dirty="0">
+              <a:solidFill>
+                <a:schemeClr val="bg1"/>
+              </a:solidFill>
+            </a:endParaRPr>
+          </a:p>
+          <a:p>
+            <a:pPr algn="ctr"/>
+            <a:r>
+              <a:rPr lang="es-CO" dirty="0" smtClean="0">
+                <a:solidFill>
+                  <a:schemeClr val="bg1"/>
+                </a:solidFill>
+              </a:rPr>
+              <a:t>La imagen se va comprimiendo y se van analizando los diferentes patrones para lograr identificar qué es.</a:t>
+            </a:r>
+            <a:endParaRPr lang="es-CO" dirty="0">
+              <a:solidFill>
+                <a:schemeClr val="bg1"/>
+              </a:solidFill>
+            </a:endParaRPr>
+          </a:p>
+        </p:txBody>
+      </p:sp>
+      <p:sp>
+        <p:nvSpPr>
+          <p:cNvPr id="9" name="Google Shape;200;p2"/>
+          <p:cNvSpPr/>
+          <p:nvPr/>
+        </p:nvSpPr>
+        <p:spPr>
+          <a:xfrm>
+            <a:off x="493380" y="372456"/>
+            <a:ext cx="5442745" cy="429433"/>
+          </a:xfrm>
+          <a:prstGeom prst="rect">
+            <a:avLst/>
+          </a:prstGeom>
+          <a:noFill/>
+          <a:ln>
+            <a:noFill/>
+          </a:ln>
+        </p:spPr>
+        <p:txBody>
+          <a:bodyPr spcFirstLastPara="1" wrap="square" lIns="90000" tIns="45000" rIns="90000" bIns="45000" anchor="t" anchorCtr="0">
+            <a:spAutoFit/>
+          </a:bodyPr>
+          <a:lstStyle/>
+          <a:p>
+            <a:pPr marL="0" marR="0" lvl="0" indent="0" algn="l" rtl="0">
+              <a:lnSpc>
+                <a:spcPct val="100000"/>
+              </a:lnSpc>
+              <a:spcBef>
+                <a:spcPts val="0"/>
+              </a:spcBef>
+              <a:spcAft>
+                <a:spcPts val="0"/>
+              </a:spcAft>
+              <a:buClr>
+                <a:srgbClr val="000000"/>
+              </a:buClr>
+              <a:buSzPts val="2200"/>
+              <a:buFont typeface="Arial"/>
+              <a:buNone/>
+            </a:pPr>
+            <a:r>
+              <a:rPr lang="es-CO" sz="2200" b="1" dirty="0" smtClean="0">
+                <a:solidFill>
+                  <a:srgbClr val="FFFFFF"/>
+                </a:solidFill>
+              </a:rPr>
+              <a:t>Red neuronal convolucional</a:t>
+            </a:r>
+            <a:endParaRPr lang="es-CO" sz="2200" b="0" i="0" u="none" strike="noStrike" cap="none" dirty="0">
+              <a:solidFill>
+                <a:srgbClr val="000000"/>
+              </a:solidFill>
+              <a:latin typeface="Arial"/>
+              <a:ea typeface="Arial"/>
+              <a:cs typeface="Arial"/>
+              <a:sym typeface="Arial"/>
+            </a:endParaRPr>
+          </a:p>
+        </p:txBody>
+      </p:sp>
+      <p:pic>
+        <p:nvPicPr>
+          <p:cNvPr id="2050" name="Picture 2" descr="Redes neuronales convolucionales - MATLAB &amp;amp; Simulink"/>
+          <p:cNvPicPr>
+            <a:picLocks noChangeAspect="1" noChangeArrowheads="1"/>
+          </p:cNvPicPr>
+          <p:nvPr/>
+        </p:nvPicPr>
+        <p:blipFill>
+          <a:blip r:embed="rId6">
+            <a:extLst>
+              <a:ext uri="{28A0092B-C50C-407E-A947-70E740481C1C}">
+                <a14:useLocalDpi xmlns:a14="http://schemas.microsoft.com/office/drawing/2010/main" val="0"/>
+              </a:ext>
+            </a:extLst>
+          </a:blip>
+          <a:srcRect/>
+          <a:stretch>
+            <a:fillRect/>
+          </a:stretch>
+        </p:blipFill>
+        <p:spPr bwMode="auto">
+          <a:xfrm>
+            <a:off x="2845685" y="3578137"/>
+            <a:ext cx="6492279" cy="2207376"/>
+          </a:xfrm>
+          <a:prstGeom prst="rect">
+            <a:avLst/>
+          </a:prstGeom>
+          <a:noFill/>
+          <a:extLst>
+            <a:ext uri="{909E8E84-426E-40DD-AFC4-6F175D3DCCD1}">
+              <a14:hiddenFill xmlns:a14="http://schemas.microsoft.com/office/drawing/2010/main">
+                <a:solidFill>
+                  <a:srgbClr val="FFFFFF"/>
+                </a:solidFill>
+              </a14:hiddenFill>
+            </a:ext>
+          </a:extLst>
+        </p:spPr>
+      </p:pic>
+    </p:spTree>
+    <p:extLst>
+      <p:ext uri="{BB962C8B-B14F-4D97-AF65-F5344CB8AC3E}">
+        <p14:creationId xmlns:p14="http://schemas.microsoft.com/office/powerpoint/2010/main" val="412755170"/>
+      </p:ext>
+    </p:extLst>
+  </p:cSld>
+  <p:clrMapOvr>
+    <a:masterClrMapping/>
+  </p:clrMapOvr>
+  <p:timing>
+    <p:tnLst>
+      <p:par>
+        <p:cTn id="1" dur="indefinite" restart="never" nodeType="tmRoot"/>
+      </p:par>
+    </p:tnLst>
+  </p:timing>
+</p:sld>
+</file>
+
+<file path=ppt/slides/slide12.xml><?xml version="1.0" encoding="utf-8"?>
+<p:sld xmlns:a="http://schemas.openxmlformats.org/drawingml/2006/main" xmlns:r="http://schemas.openxmlformats.org/officeDocument/2006/relationships" xmlns:p="http://schemas.openxmlformats.org/presentationml/2006/main">
+  <p:cSld>
+    <p:spTree>
+      <p:nvGrpSpPr>
+        <p:cNvPr id="1" name="Shape 198"/>
+        <p:cNvGrpSpPr/>
+        <p:nvPr/>
+      </p:nvGrpSpPr>
+      <p:grpSpPr>
+        <a:xfrm>
+          <a:off x="0" y="0"/>
+          <a:ext cx="0" cy="0"/>
+          <a:chOff x="0" y="0"/>
+          <a:chExt cx="0" cy="0"/>
+        </a:xfrm>
+      </p:grpSpPr>
+      <p:pic>
+        <p:nvPicPr>
           <p:cNvPr id="199" name="Google Shape;199;p2"/>
           <p:cNvPicPr preferRelativeResize="0"/>
           <p:nvPr/>
@@ -17054,8 +19494,8 @@
         </p:nvSpPr>
         <p:spPr>
           <a:xfrm>
-            <a:off x="701862" y="1228397"/>
-            <a:ext cx="4901184" cy="4401205"/>
+            <a:off x="701861" y="1228398"/>
+            <a:ext cx="4950793" cy="4185761"/>
           </a:xfrm>
           <a:prstGeom prst="rect">
             <a:avLst/>
@@ -17069,7 +19509,7 @@
           <a:lstStyle/>
           <a:p>
             <a:r>
-              <a:rPr lang="es-MX" b="1" i="1" dirty="0"/>
+              <a:rPr lang="es-MX" b="1" u="sng" dirty="0"/>
               <a:t>Set de entrenamiento:</a:t>
             </a:r>
           </a:p>
@@ -17079,7 +19519,15 @@
           <a:p>
             <a:r>
               <a:rPr lang="es-MX" dirty="0"/>
-              <a:t>Funciona como el conjunto de datos que utilizamos para entrenar nuestro modelo de aprendizaje. El objetivo de este entrenamiento es que la maquina encuentre los patrones o características importantes de cada problema para lograr dar una solución representativa. Es importante mencionar que en esta etapa de entrenamiento el algoritmo dispondrá tanto de las entradas como de las salidas correctas, estas últimas le servirán como punto de apoyo para saber que responder ante diferentes pruebas (generalización). Algo interesante es que puede darse el caso de que el algoritmo solo aprenda a ver los patrones en los datos del conjunto de entrenamiento, mas no en lo datos del conjunto de prueba, a esto se le llama overfitting o sobreajuste en español. Caso contrario es que no sepa identificar los patrones en los datos del conjunto de entrenamiento, y, por ende, no tenga la capacidad de dar soluciones representativas, a esto se le llama underfitting o subajuste en español.</a:t>
+              <a:t>Funciona como el conjunto de datos que utilizamos para entrenar nuestro modelo de aprendizaje. El objetivo de este entrenamiento es que la </a:t>
+            </a:r>
+            <a:r>
+              <a:rPr lang="es-MX" dirty="0" smtClean="0"/>
+              <a:t>máquina </a:t>
+            </a:r>
+            <a:r>
+              <a:rPr lang="es-MX" dirty="0"/>
+              <a:t>encuentre los patrones o características importantes de cada problema para lograr dar una solución representativa. Es importante mencionar que en esta etapa de entrenamiento el algoritmo dispondrá tanto de las entradas como de las salidas correctas, estas últimas le servirán como punto de apoyo para saber que responder ante diferentes pruebas (generalización). Algo interesante es que puede darse el caso de que el algoritmo solo aprenda a ver los patrones en los datos del conjunto de entrenamiento, mas no en lo datos del conjunto de prueba, a esto se le llama overfitting o sobreajuste en español. Caso contrario es que no sepa identificar los patrones en los datos del conjunto de entrenamiento, y, por ende, no tenga la capacidad de dar soluciones representativas, a esto se le llama underfitting o subajuste en español.</a:t>
             </a:r>
             <a:endParaRPr lang="es-CO" dirty="0"/>
           </a:p>
@@ -17132,6 +19580,68 @@
           </a:extLst>
         </p:spPr>
       </p:pic>
+      <p:sp>
+        <p:nvSpPr>
+          <p:cNvPr id="8" name="Google Shape;200;p2"/>
+          <p:cNvSpPr/>
+          <p:nvPr/>
+        </p:nvSpPr>
+        <p:spPr>
+          <a:xfrm>
+            <a:off x="493380" y="372456"/>
+            <a:ext cx="5442745" cy="429433"/>
+          </a:xfrm>
+          <a:prstGeom prst="rect">
+            <a:avLst/>
+          </a:prstGeom>
+          <a:noFill/>
+          <a:ln>
+            <a:noFill/>
+          </a:ln>
+        </p:spPr>
+        <p:txBody>
+          <a:bodyPr spcFirstLastPara="1" wrap="square" lIns="90000" tIns="45000" rIns="90000" bIns="45000" anchor="t" anchorCtr="0">
+            <a:spAutoFit/>
+          </a:bodyPr>
+          <a:lstStyle/>
+          <a:p>
+            <a:pPr marL="0" marR="0" lvl="0" indent="0" algn="l" rtl="0">
+              <a:lnSpc>
+                <a:spcPct val="100000"/>
+              </a:lnSpc>
+              <a:spcBef>
+                <a:spcPts val="0"/>
+              </a:spcBef>
+              <a:spcAft>
+                <a:spcPts val="0"/>
+              </a:spcAft>
+              <a:buClr>
+                <a:srgbClr val="000000"/>
+              </a:buClr>
+              <a:buSzPts val="2200"/>
+              <a:buFont typeface="Arial"/>
+              <a:buNone/>
+            </a:pPr>
+            <a:r>
+              <a:rPr lang="es-CO" sz="2200" b="1" dirty="0" smtClean="0">
+                <a:solidFill>
+                  <a:srgbClr val="FFFFFF"/>
+                </a:solidFill>
+              </a:rPr>
+              <a:t>Conjuntos (Set)</a:t>
+            </a:r>
+            <a:endParaRPr lang="es-CO" sz="2200" b="0" i="0" u="none" strike="noStrike" cap="none" dirty="0">
+              <a:solidFill>
+                <a:srgbClr val="000000"/>
+              </a:solidFill>
+              <a:latin typeface="Arial"/>
+              <a:ea typeface="Arial"/>
+              <a:cs typeface="Arial"/>
+              <a:sym typeface="Arial"/>
+            </a:endParaRPr>
+          </a:p>
+        </p:txBody>
+      </p:sp>
     </p:spTree>
     <p:extLst>
       <p:ext uri="{BB962C8B-B14F-4D97-AF65-F5344CB8AC3E}">
@@ -17142,10 +19652,17 @@
   <p:clrMapOvr>
     <a:masterClrMapping/>
   </p:clrMapOvr>
+  <p:timing>
+    <p:tnLst>
+      <p:par>
+        <p:cTn id="1" dur="indefinite" restart="never" nodeType="tmRoot"/>
+      </p:par>
+    </p:tnLst>
+  </p:timing>
 </p:sld>
 </file>
 
-<file path=ppt/slides/slide11.xml><?xml version="1.0" encoding="utf-8"?>
+<file path=ppt/slides/slide13.xml><?xml version="1.0" encoding="utf-8"?>
 <p:sld xmlns:a="http://schemas.openxmlformats.org/drawingml/2006/main" xmlns:r="http://schemas.openxmlformats.org/officeDocument/2006/relationships" xmlns:p="http://schemas.openxmlformats.org/presentationml/2006/main">
   <p:cSld>
     <p:spTree>
@@ -17297,48 +19814,6 @@
       </p:sp>
       <p:sp>
         <p:nvSpPr>
-          <p:cNvPr id="2" name="CuadroTexto 1">
-            <a:extLst>
-              <a:ext uri="{FF2B5EF4-FFF2-40B4-BE49-F238E27FC236}">
-                <a16:creationId xmlns:a16="http://schemas.microsoft.com/office/drawing/2014/main" id="{2E3C3B93-7D6F-476C-A493-DA42C4087825}"/>
-              </a:ext>
-            </a:extLst>
-          </p:cNvPr>
-          <p:cNvSpPr txBox="1"/>
-          <p:nvPr/>
-        </p:nvSpPr>
-        <p:spPr>
-          <a:xfrm>
-            <a:off x="803880" y="1083212"/>
-            <a:ext cx="10801966" cy="307777"/>
-          </a:xfrm>
-          <a:prstGeom prst="rect">
-            <a:avLst/>
-          </a:prstGeom>
-          <a:noFill/>
-        </p:spPr>
-        <p:txBody>
-          <a:bodyPr wrap="square" rtlCol="0">
-            <a:spAutoFit/>
-          </a:bodyPr>
-          <a:lstStyle/>
-          <a:p>
-            <a:r>
-              <a:rPr lang="es-ES" b="0" i="0" dirty="0">
-                <a:solidFill>
-                  <a:srgbClr val="202122"/>
-                </a:solidFill>
-                <a:effectLst/>
-                <a:latin typeface="Arial" panose="020B0604020202020204" pitchFamily="34" charset="0"/>
-              </a:rPr>
-              <a:t> </a:t>
-            </a:r>
-            <a:endParaRPr lang="es-CO" dirty="0"/>
-          </a:p>
-        </p:txBody>
-      </p:sp>
-      <p:sp>
-        <p:nvSpPr>
           <p:cNvPr id="5" name="CuadroTexto 4">
             <a:extLst>
               <a:ext uri="{FF2B5EF4-FFF2-40B4-BE49-F238E27FC236}">
@@ -17351,7 +19826,7 @@
         </p:nvSpPr>
         <p:spPr>
           <a:xfrm>
-            <a:off x="493380" y="1363901"/>
+            <a:off x="493380" y="1242424"/>
             <a:ext cx="4681728" cy="1815882"/>
           </a:xfrm>
           <a:prstGeom prst="rect">
@@ -17366,7 +19841,7 @@
           <a:lstStyle/>
           <a:p>
             <a:r>
-              <a:rPr lang="es-MX" b="1" i="1" dirty="0"/>
+              <a:rPr lang="es-MX" b="1" u="sng" dirty="0"/>
               <a:t>Set de prueba:</a:t>
             </a:r>
           </a:p>
@@ -17395,7 +19870,7 @@
         </p:nvSpPr>
         <p:spPr>
           <a:xfrm>
-            <a:off x="493380" y="3475927"/>
+            <a:off x="6692768" y="3552787"/>
             <a:ext cx="4913078" cy="2246769"/>
           </a:xfrm>
           <a:prstGeom prst="rect">
@@ -17410,7 +19885,7 @@
           <a:lstStyle/>
           <a:p>
             <a:r>
-              <a:rPr lang="es-MX" b="1" i="1" dirty="0"/>
+              <a:rPr lang="es-MX" b="1" u="sng" dirty="0"/>
               <a:t>Set de validación:</a:t>
             </a:r>
           </a:p>
@@ -17454,8 +19929,8 @@
         </p:blipFill>
         <p:spPr bwMode="auto">
           <a:xfrm>
-            <a:off x="7030437" y="1096721"/>
-            <a:ext cx="3298014" cy="2345788"/>
+            <a:off x="1092517" y="3248552"/>
+            <a:ext cx="3483453" cy="2477686"/>
           </a:xfrm>
           <a:prstGeom prst="rect">
             <a:avLst/>
@@ -17501,8 +19976,8 @@
         </p:blipFill>
         <p:spPr bwMode="auto">
           <a:xfrm>
-            <a:off x="6999594" y="3755136"/>
-            <a:ext cx="3347729" cy="1826034"/>
+            <a:off x="7323042" y="1242424"/>
+            <a:ext cx="3635903" cy="1983220"/>
           </a:xfrm>
           <a:prstGeom prst="rect">
             <a:avLst/>
@@ -17519,6 +19994,101 @@
           </a:extLst>
         </p:spPr>
       </p:pic>
+      <p:cxnSp>
+        <p:nvCxnSpPr>
+          <p:cNvPr id="10" name="Conector recto 9"/>
+          <p:cNvCxnSpPr/>
+          <p:nvPr/>
+        </p:nvCxnSpPr>
+        <p:spPr>
+          <a:xfrm>
+            <a:off x="6098040" y="1181212"/>
+            <a:ext cx="0" cy="4618344"/>
+          </a:xfrm>
+          <a:prstGeom prst="line">
+            <a:avLst/>
+          </a:prstGeom>
+          <a:ln w="28575">
+            <a:prstDash val="dash"/>
+          </a:ln>
+        </p:spPr>
+        <p:style>
+          <a:lnRef idx="1">
+            <a:schemeClr val="accent1"/>
+          </a:lnRef>
+          <a:fillRef idx="0">
+            <a:schemeClr val="accent1"/>
+          </a:fillRef>
+          <a:effectRef idx="0">
+            <a:schemeClr val="accent1"/>
+          </a:effectRef>
+          <a:fontRef idx="minor">
+            <a:schemeClr val="tx1"/>
+          </a:fontRef>
+        </p:style>
+      </p:cxnSp>
+      <p:sp>
+        <p:nvSpPr>
+          <p:cNvPr id="11" name="Google Shape;200;p2"/>
+          <p:cNvSpPr/>
+          <p:nvPr/>
+        </p:nvSpPr>
+        <p:spPr>
+          <a:xfrm>
+            <a:off x="493380" y="372456"/>
+            <a:ext cx="5442745" cy="429433"/>
+          </a:xfrm>
+          <a:prstGeom prst="rect">
+            <a:avLst/>
+          </a:prstGeom>
+          <a:noFill/>
+          <a:ln>
+            <a:noFill/>
+          </a:ln>
+        </p:spPr>
+        <p:txBody>
+          <a:bodyPr spcFirstLastPara="1" wrap="square" lIns="90000" tIns="45000" rIns="90000" bIns="45000" anchor="t" anchorCtr="0">
+            <a:spAutoFit/>
+          </a:bodyPr>
+          <a:lstStyle/>
+          <a:p>
+            <a:pPr marL="0" marR="0" lvl="0" indent="0" algn="l" rtl="0">
+              <a:lnSpc>
+                <a:spcPct val="100000"/>
+              </a:lnSpc>
+              <a:spcBef>
+                <a:spcPts val="0"/>
+              </a:spcBef>
+              <a:spcAft>
+                <a:spcPts val="0"/>
+              </a:spcAft>
+              <a:buClr>
+                <a:srgbClr val="000000"/>
+              </a:buClr>
+              <a:buSzPts val="2200"/>
+              <a:buFont typeface="Arial"/>
+              <a:buNone/>
+            </a:pPr>
+            <a:r>
+              <a:rPr lang="es-CO" sz="2200" b="1" dirty="0" smtClean="0">
+                <a:solidFill>
+                  <a:srgbClr val="FFFFFF"/>
+                </a:solidFill>
+              </a:rPr>
+              <a:t>Conjuntos (Set)</a:t>
+            </a:r>
+            <a:endParaRPr lang="es-CO" sz="2200" b="0" i="0" u="none" strike="noStrike" cap="none" dirty="0">
+              <a:solidFill>
+                <a:srgbClr val="000000"/>
+              </a:solidFill>
+              <a:latin typeface="Arial"/>
+              <a:ea typeface="Arial"/>
+              <a:cs typeface="Arial"/>
+              <a:sym typeface="Arial"/>
+            </a:endParaRPr>
+          </a:p>
+        </p:txBody>
+      </p:sp>
     </p:spTree>
     <p:extLst>
       <p:ext uri="{BB962C8B-B14F-4D97-AF65-F5344CB8AC3E}">
@@ -17529,10 +20099,17 @@
   <p:clrMapOvr>
     <a:masterClrMapping/>
   </p:clrMapOvr>
+  <p:timing>
+    <p:tnLst>
+      <p:par>
+        <p:cTn id="1" dur="indefinite" restart="never" nodeType="tmRoot"/>
+      </p:par>
+    </p:tnLst>
+  </p:timing>
 </p:sld>
 </file>
 
-<file path=ppt/slides/slide12.xml><?xml version="1.0" encoding="utf-8"?>
+<file path=ppt/slides/slide14.xml><?xml version="1.0" encoding="utf-8"?>
 <p:sld xmlns:a="http://schemas.openxmlformats.org/drawingml/2006/main" xmlns:r="http://schemas.openxmlformats.org/officeDocument/2006/relationships" xmlns:p="http://schemas.openxmlformats.org/presentationml/2006/main">
   <p:cSld>
     <p:spTree>
@@ -17660,7 +20237,7 @@
                 <a:hlinkClick r:id="rId5">
                   <a:extLst>
                     <a:ext uri="{A12FA001-AC4F-418D-AE19-62706E023703}">
-                      <ahyp:hlinkClr xmlns:ahyp="http://schemas.microsoft.com/office/drawing/2018/hyperlinkcolor" val="tx"/>
+                      <ahyp:hlinkClr xmlns="" xmlns:ahyp="http://schemas.microsoft.com/office/drawing/2018/hyperlinkcolor" val="tx"/>
                     </a:ext>
                   </a:extLst>
                 </a:hlinkClick>
@@ -21997,6 +24574,13 @@
   <p:clrMapOvr>
     <a:masterClrMapping/>
   </p:clrMapOvr>
+  <p:timing>
+    <p:tnLst>
+      <p:par>
+        <p:cTn id="1" dur="indefinite" restart="never" nodeType="tmRoot"/>
+      </p:par>
+    </p:tnLst>
+  </p:timing>
 </p:sld>
 </file>
 
@@ -22679,6 +25263,13 @@
   <p:clrMapOvr>
     <a:masterClrMapping/>
   </p:clrMapOvr>
+  <p:timing>
+    <p:tnLst>
+      <p:par>
+        <p:cTn id="1" dur="indefinite" restart="never" nodeType="tmRoot"/>
+      </p:par>
+    </p:tnLst>
+  </p:timing>
 </p:sld>
 </file>
 
@@ -22701,7 +25292,7 @@
       </p:grpSpPr>
       <p:pic>
         <p:nvPicPr>
-          <p:cNvPr id="216" name="Google Shape;216;p2"/>
+          <p:cNvPr id="10" name="Google Shape;199;p2"/>
           <p:cNvPicPr preferRelativeResize="0"/>
           <p:nvPr/>
         </p:nvPicPr>
@@ -22714,8 +25305,8 @@
         </p:blipFill>
         <p:spPr>
           <a:xfrm>
-            <a:off x="182880" y="6089760"/>
-            <a:ext cx="621000" cy="621000"/>
+            <a:off x="0" y="1938"/>
+            <a:ext cx="12196080" cy="6855840"/>
           </a:xfrm>
           <a:prstGeom prst="rect">
             <a:avLst/>
@@ -22728,14 +25319,93 @@
       </p:pic>
       <p:sp>
         <p:nvSpPr>
-          <p:cNvPr id="217" name="Google Shape;217;p2"/>
+          <p:cNvPr id="3" name="Rectángulo redondeado 2"/>
+          <p:cNvSpPr/>
+          <p:nvPr/>
+        </p:nvSpPr>
+        <p:spPr>
+          <a:xfrm>
+            <a:off x="345368" y="1078986"/>
+            <a:ext cx="5389418" cy="2097266"/>
+          </a:xfrm>
+          <a:prstGeom prst="roundRect">
+            <a:avLst/>
+          </a:prstGeom>
+          <a:solidFill>
+            <a:schemeClr val="accent5">
+              <a:lumMod val="75000"/>
+            </a:schemeClr>
+          </a:solidFill>
+          <a:ln>
+            <a:solidFill>
+              <a:schemeClr val="accent5">
+                <a:lumMod val="75000"/>
+              </a:schemeClr>
+            </a:solidFill>
+          </a:ln>
+        </p:spPr>
+        <p:style>
+          <a:lnRef idx="2">
+            <a:schemeClr val="accent1">
+              <a:shade val="50000"/>
+            </a:schemeClr>
+          </a:lnRef>
+          <a:fillRef idx="1">
+            <a:schemeClr val="accent1"/>
+          </a:fillRef>
+          <a:effectRef idx="0">
+            <a:schemeClr val="accent1"/>
+          </a:effectRef>
+          <a:fontRef idx="minor">
+            <a:schemeClr val="lt1"/>
+          </a:fontRef>
+        </p:style>
+        <p:txBody>
+          <a:bodyPr rtlCol="0" anchor="ctr"/>
+          <a:lstStyle/>
+          <a:p>
+            <a:pPr algn="ctr"/>
+            <a:endParaRPr lang="es-CO"/>
+          </a:p>
+        </p:txBody>
+      </p:sp>
+      <p:pic>
+        <p:nvPicPr>
+          <p:cNvPr id="216" name="Google Shape;216;p2"/>
+          <p:cNvPicPr preferRelativeResize="0"/>
+          <p:nvPr/>
+        </p:nvPicPr>
+        <p:blipFill rotWithShape="1">
+          <a:blip r:embed="rId4">
+            <a:alphaModFix/>
+          </a:blip>
+          <a:srcRect/>
+          <a:stretch/>
+        </p:blipFill>
+        <p:spPr>
+          <a:xfrm>
+            <a:off x="182880" y="6089760"/>
+            <a:ext cx="621000" cy="621000"/>
+          </a:xfrm>
+          <a:prstGeom prst="rect">
+            <a:avLst/>
+          </a:prstGeom>
+          <a:noFill/>
+          <a:ln>
+            <a:noFill/>
+          </a:ln>
+        </p:spPr>
+      </p:pic>
+      <p:sp>
+        <p:nvSpPr>
+          <p:cNvPr id="8" name="Google Shape;217;p2"/>
           <p:cNvSpPr/>
           <p:nvPr/>
         </p:nvSpPr>
         <p:spPr>
           <a:xfrm>
             <a:off x="815040" y="6160680"/>
-            <a:ext cx="6915240" cy="425160"/>
+            <a:ext cx="6915240" cy="767987"/>
           </a:xfrm>
           <a:prstGeom prst="rect">
             <a:avLst/>
@@ -22751,58 +25421,35 @@
           </a:bodyPr>
           <a:lstStyle/>
           <a:p>
-            <a:pPr marL="0" marR="0" lvl="0" indent="0" algn="l" rtl="0">
-              <a:lnSpc>
-                <a:spcPct val="100000"/>
-              </a:lnSpc>
-              <a:spcBef>
-                <a:spcPts val="0"/>
-              </a:spcBef>
-              <a:spcAft>
-                <a:spcPts val="0"/>
-              </a:spcAft>
-              <a:buClr>
-                <a:srgbClr val="000000"/>
-              </a:buClr>
+            <a:pPr lvl="0">
               <a:buSzPts val="2200"/>
-              <a:buFont typeface="Arial"/>
-              <a:buNone/>
             </a:pPr>
             <a:r>
-              <a:rPr lang="en-US" sz="2200" b="1" i="0" u="none" strike="noStrike" cap="none">
+              <a:rPr lang="en-US" sz="2200" b="1" dirty="0">
                 <a:solidFill>
                   <a:srgbClr val="001E33"/>
                 </a:solidFill>
                 <a:uFill>
                   <a:noFill/>
                 </a:uFill>
-                <a:latin typeface="Arial"/>
-                <a:ea typeface="Arial"/>
-                <a:cs typeface="Arial"/>
-                <a:sym typeface="Arial"/>
-                <a:hlinkClick r:id="rId4">
-                  <a:extLst>
-                    <a:ext uri="{A12FA001-AC4F-418D-AE19-62706E023703}">
-                      <ahyp:hlinkClr xmlns:ahyp="http://schemas.microsoft.com/office/drawing/2018/hyperlinkcolor" val="tx"/>
-                    </a:ext>
-                  </a:extLst>
-                </a:hlinkClick>
+                <a:hlinkClick r:id="rId5"/>
               </a:rPr>
-              <a:t>http://github.com/yourUserName/proyecto/.</a:t>
-            </a:r>
-            <a:r>
-              <a:rPr lang="en-US" sz="2200" b="1" i="0" u="none" strike="noStrike" cap="none">
-                <a:solidFill>
-                  <a:srgbClr val="001E33"/>
-                </a:solidFill>
-                <a:latin typeface="Arial"/>
-                <a:ea typeface="Arial"/>
-                <a:cs typeface="Arial"/>
-                <a:sym typeface="Arial"/>
-              </a:rPr>
-              <a:t>..</a:t>
-            </a:r>
-            <a:endParaRPr sz="2200" b="1" i="0" u="none" strike="noStrike" cap="none">
+              <a:t>https://github.com/GianSz/ProyectoDatos</a:t>
+            </a:r>
+            <a:endParaRPr lang="en-US" sz="2200" b="1" dirty="0">
+              <a:solidFill>
+                <a:srgbClr val="001E33"/>
+              </a:solidFill>
+              <a:uFill>
+                <a:noFill/>
+              </a:uFill>
+            </a:endParaRPr>
+          </a:p>
+          <a:p>
+            <a:pPr lvl="0">
+              <a:buSzPts val="2200"/>
+            </a:pPr>
+            <a:endParaRPr sz="2200" b="1" i="0" u="none" strike="noStrike" cap="none" dirty="0">
               <a:solidFill>
                 <a:srgbClr val="001E33"/>
               </a:solidFill>
@@ -22816,14 +25463,103 @@
       </p:sp>
       <p:sp>
         <p:nvSpPr>
-          <p:cNvPr id="222" name="Google Shape;222;p2"/>
+          <p:cNvPr id="7" name="CuadroTexto 6"/>
+          <p:cNvSpPr txBox="1"/>
+          <p:nvPr/>
+        </p:nvSpPr>
+        <p:spPr>
+          <a:xfrm>
+            <a:off x="493380" y="1199190"/>
+            <a:ext cx="5093394" cy="1846659"/>
+          </a:xfrm>
+          <a:prstGeom prst="rect">
+            <a:avLst/>
+          </a:prstGeom>
+          <a:noFill/>
+        </p:spPr>
+        <p:txBody>
+          <a:bodyPr wrap="square" rtlCol="0">
+            <a:spAutoFit/>
+          </a:bodyPr>
+          <a:lstStyle/>
+          <a:p>
+            <a:pPr algn="ctr"/>
+            <a:r>
+              <a:rPr lang="es-CO" sz="1600" b="1" u="sng" dirty="0" smtClean="0">
+                <a:solidFill>
+                  <a:schemeClr val="bg1"/>
+                </a:solidFill>
+              </a:rPr>
+              <a:t>¿Qué es?</a:t>
+            </a:r>
+          </a:p>
+          <a:p>
+            <a:endParaRPr lang="es-CO" b="1" u="sng" dirty="0">
+              <a:solidFill>
+                <a:schemeClr val="bg1"/>
+              </a:solidFill>
+            </a:endParaRPr>
+          </a:p>
+          <a:p>
+            <a:r>
+              <a:rPr lang="es-CO" dirty="0" smtClean="0">
+                <a:solidFill>
+                  <a:schemeClr val="bg1"/>
+                </a:solidFill>
+              </a:rPr>
+              <a:t>Es un método de machine </a:t>
+            </a:r>
+            <a:r>
+              <a:rPr lang="es-CO" dirty="0" err="1" smtClean="0">
+                <a:solidFill>
+                  <a:schemeClr val="bg1"/>
+                </a:solidFill>
+              </a:rPr>
+              <a:t>learning</a:t>
+            </a:r>
+            <a:r>
+              <a:rPr lang="es-CO" dirty="0" smtClean="0">
+                <a:solidFill>
+                  <a:schemeClr val="bg1"/>
+                </a:solidFill>
+              </a:rPr>
+              <a:t> que resolvió el problema de reconocimiento de imágenes para las máquinas.</a:t>
+            </a:r>
+          </a:p>
+          <a:p>
+            <a:endParaRPr lang="es-CO" dirty="0">
+              <a:solidFill>
+                <a:schemeClr val="bg1"/>
+              </a:solidFill>
+            </a:endParaRPr>
+          </a:p>
+          <a:p>
+            <a:r>
+              <a:rPr lang="es-CO" dirty="0" smtClean="0">
+                <a:solidFill>
+                  <a:schemeClr val="bg1"/>
+                </a:solidFill>
+              </a:rPr>
+              <a:t>Es un procesamiento en cascada que reconoce patrones, no solo para imágenes sino para textos, sonidos, números, entre otros. </a:t>
+            </a:r>
+            <a:endParaRPr lang="es-CO" dirty="0">
+              <a:solidFill>
+                <a:schemeClr val="bg1"/>
+              </a:solidFill>
+            </a:endParaRPr>
+          </a:p>
+        </p:txBody>
+      </p:sp>
+      <p:sp>
+        <p:nvSpPr>
+          <p:cNvPr id="9" name="Google Shape;200;p2"/>
           <p:cNvSpPr/>
           <p:nvPr/>
         </p:nvSpPr>
         <p:spPr>
           <a:xfrm>
-            <a:off x="7692600" y="6184200"/>
-            <a:ext cx="2932500" cy="516000"/>
+            <a:off x="493380" y="372456"/>
+            <a:ext cx="5442745" cy="429433"/>
           </a:xfrm>
           <a:prstGeom prst="rect">
             <a:avLst/>
@@ -22835,11 +25571,11 @@
         </p:spPr>
         <p:txBody>
           <a:bodyPr spcFirstLastPara="1" wrap="square" lIns="90000" tIns="45000" rIns="90000" bIns="45000" anchor="t" anchorCtr="0">
-            <a:noAutofit/>
+            <a:spAutoFit/>
           </a:bodyPr>
           <a:lstStyle/>
           <a:p>
-            <a:pPr marL="0" marR="0" lvl="0" indent="0" algn="ctr" rtl="0">
+            <a:pPr marL="0" marR="0" lvl="0" indent="0" algn="l" rtl="0">
               <a:lnSpc>
                 <a:spcPct val="100000"/>
               </a:lnSpc>
@@ -22852,48 +25588,21 @@
               <a:buClr>
                 <a:srgbClr val="000000"/>
               </a:buClr>
-              <a:buSzPts val="1400"/>
+              <a:buSzPts val="2200"/>
               <a:buFont typeface="Arial"/>
               <a:buNone/>
             </a:pPr>
             <a:r>
-              <a:rPr lang="en-US" sz="1400" b="0" i="1" u="none" strike="noStrike" cap="none">
+              <a:rPr lang="es-CO" sz="2200" b="1" dirty="0" smtClean="0">
                 <a:solidFill>
-                  <a:schemeClr val="accent2"/>
+                  <a:srgbClr val="FFFFFF"/>
                 </a:solidFill>
-                <a:latin typeface="Arial"/>
-                <a:ea typeface="Arial"/>
-                <a:cs typeface="Arial"/>
-                <a:sym typeface="Arial"/>
               </a:rPr>
-              <a:t>Incluya el URL donde</a:t>
-            </a:r>
-            <a:br>
-              <a:rPr lang="en-US" sz="1400" b="0" i="1" u="none" strike="noStrike" cap="none">
-                <a:solidFill>
-                  <a:schemeClr val="accent2"/>
-                </a:solidFill>
-                <a:latin typeface="Arial"/>
-                <a:ea typeface="Arial"/>
-                <a:cs typeface="Arial"/>
-                <a:sym typeface="Arial"/>
-              </a:rPr>
-            </a:br>
-            <a:r>
-              <a:rPr lang="en-US" sz="1400" b="0" i="1" u="none" strike="noStrike" cap="none">
-                <a:solidFill>
-                  <a:schemeClr val="accent2"/>
-                </a:solidFill>
-                <a:latin typeface="Arial"/>
-                <a:ea typeface="Arial"/>
-                <a:cs typeface="Arial"/>
-                <a:sym typeface="Arial"/>
-              </a:rPr>
-              <a:t>su proyecto se encuentra</a:t>
-            </a:r>
-            <a:endParaRPr sz="1400" b="0" i="0" u="none" strike="noStrike" cap="none">
+              <a:t>Red neuronal</a:t>
+            </a:r>
+            <a:endParaRPr lang="es-CO" sz="2200" b="0" i="0" u="none" strike="noStrike" cap="none" dirty="0">
               <a:solidFill>
-                <a:schemeClr val="accent2"/>
+                <a:srgbClr val="000000"/>
               </a:solidFill>
               <a:latin typeface="Arial"/>
               <a:ea typeface="Arial"/>
@@ -22903,62 +25612,98 @@
           </a:p>
         </p:txBody>
       </p:sp>
+      <p:pic>
+        <p:nvPicPr>
+          <p:cNvPr id="1026" name="Picture 2" descr="Red Neuronal Artificial Ana - Imagen gratis en Pixabay"/>
+          <p:cNvPicPr>
+            <a:picLocks noChangeAspect="1" noChangeArrowheads="1"/>
+          </p:cNvPicPr>
+          <p:nvPr/>
+        </p:nvPicPr>
+        <p:blipFill>
+          <a:blip r:embed="rId6">
+            <a:extLst>
+              <a:ext uri="{28A0092B-C50C-407E-A947-70E740481C1C}">
+                <a14:useLocalDpi xmlns:a14="http://schemas.microsoft.com/office/drawing/2010/main" val="0"/>
+              </a:ext>
+            </a:extLst>
+          </a:blip>
+          <a:srcRect/>
+          <a:stretch>
+            <a:fillRect/>
+          </a:stretch>
+        </p:blipFill>
+        <p:spPr bwMode="auto">
+          <a:xfrm>
+            <a:off x="1136072" y="3463748"/>
+            <a:ext cx="4157359" cy="2338515"/>
+          </a:xfrm>
+          <a:prstGeom prst="rect">
+            <a:avLst/>
+          </a:prstGeom>
+          <a:noFill/>
+          <a:extLst>
+            <a:ext uri="{909E8E84-426E-40DD-AFC4-6F175D3DCCD1}">
+              <a14:hiddenFill xmlns:a14="http://schemas.microsoft.com/office/drawing/2010/main">
+                <a:solidFill>
+                  <a:srgbClr val="FFFFFF"/>
+                </a:solidFill>
+              </a14:hiddenFill>
+            </a:ext>
+          </a:extLst>
+        </p:spPr>
+      </p:pic>
+      <p:pic>
+        <p:nvPicPr>
+          <p:cNvPr id="4" name="Picture 4" descr="Definición de red neuronal artificial - Diego Calvo"/>
+          <p:cNvPicPr>
+            <a:picLocks noChangeAspect="1" noChangeArrowheads="1"/>
+          </p:cNvPicPr>
+          <p:nvPr/>
+        </p:nvPicPr>
+        <p:blipFill>
+          <a:blip r:embed="rId7">
+            <a:extLst>
+              <a:ext uri="{28A0092B-C50C-407E-A947-70E740481C1C}">
+                <a14:useLocalDpi xmlns:a14="http://schemas.microsoft.com/office/drawing/2010/main" val="0"/>
+              </a:ext>
+            </a:extLst>
+          </a:blip>
+          <a:srcRect/>
+          <a:stretch>
+            <a:fillRect/>
+          </a:stretch>
+        </p:blipFill>
+        <p:spPr bwMode="auto">
+          <a:xfrm>
+            <a:off x="7479303" y="871101"/>
+            <a:ext cx="2892425" cy="2521758"/>
+          </a:xfrm>
+          <a:prstGeom prst="rect">
+            <a:avLst/>
+          </a:prstGeom>
+          <a:noFill/>
+          <a:extLst>
+            <a:ext uri="{909E8E84-426E-40DD-AFC4-6F175D3DCCD1}">
+              <a14:hiddenFill xmlns:a14="http://schemas.microsoft.com/office/drawing/2010/main">
+                <a:solidFill>
+                  <a:srgbClr val="FFFFFF"/>
+                </a:solidFill>
+              </a14:hiddenFill>
+            </a:ext>
+          </a:extLst>
+        </p:spPr>
+      </p:pic>
       <p:sp>
         <p:nvSpPr>
-          <p:cNvPr id="223" name="Google Shape;223;p2"/>
-          <p:cNvSpPr/>
-          <p:nvPr/>
-        </p:nvSpPr>
-        <p:spPr>
-          <a:xfrm>
-            <a:off x="6996626" y="6335156"/>
-            <a:ext cx="1009314" cy="97794"/>
-          </a:xfrm>
-          <a:custGeom>
-            <a:avLst/>
-            <a:gdLst/>
-            <a:ahLst/>
-            <a:cxnLst/>
-            <a:rect l="l" t="t" r="r" b="b"/>
-            <a:pathLst>
-              <a:path w="21600" h="21600" extrusionOk="0">
-                <a:moveTo>
-                  <a:pt x="0" y="0"/>
-                </a:moveTo>
-                <a:lnTo>
-                  <a:pt x="21600" y="21600"/>
-                </a:lnTo>
-              </a:path>
-            </a:pathLst>
-          </a:custGeom>
-          <a:noFill/>
-          <a:ln w="76300" cap="flat" cmpd="sng">
-            <a:solidFill>
-              <a:schemeClr val="accent2"/>
-            </a:solidFill>
-            <a:prstDash val="solid"/>
-            <a:round/>
-            <a:headEnd type="none" w="sm" len="sm"/>
-            <a:tailEnd type="triangle" w="med" len="med"/>
-          </a:ln>
-        </p:spPr>
-      </p:sp>
-      <p:sp>
-        <p:nvSpPr>
-          <p:cNvPr id="2" name="CuadroTexto 1">
-            <a:extLst>
-              <a:ext uri="{FF2B5EF4-FFF2-40B4-BE49-F238E27FC236}">
-                <a16:creationId xmlns:a16="http://schemas.microsoft.com/office/drawing/2014/main" id="{2E3C3B93-7D6F-476C-A493-DA42C4087825}"/>
-              </a:ext>
-            </a:extLst>
-          </p:cNvPr>
+          <p:cNvPr id="17" name="CuadroTexto 16"/>
           <p:cNvSpPr txBox="1"/>
           <p:nvPr/>
         </p:nvSpPr>
         <p:spPr>
           <a:xfrm>
-            <a:off x="803880" y="1083212"/>
-            <a:ext cx="10801966" cy="338554"/>
+            <a:off x="6064553" y="3494231"/>
+            <a:ext cx="5721927" cy="2277547"/>
           </a:xfrm>
           <a:prstGeom prst="rect">
             <a:avLst/>
@@ -22971,120 +25716,95 @@
           </a:bodyPr>
           <a:lstStyle/>
           <a:p>
-            <a:r>
-              <a:rPr lang="es-ES" sz="1600" b="0" i="0" dirty="0">
-                <a:solidFill>
-                  <a:srgbClr val="202122"/>
-                </a:solidFill>
-                <a:effectLst/>
-                <a:latin typeface="Arial" panose="020B0604020202020204" pitchFamily="34" charset="0"/>
-              </a:rPr>
-              <a:t> </a:t>
-            </a:r>
-            <a:r>
-              <a:rPr lang="es-ES" sz="1600" b="1" i="0" dirty="0">
-                <a:solidFill>
-                  <a:srgbClr val="202122"/>
-                </a:solidFill>
-                <a:effectLst/>
-                <a:latin typeface="Arial" panose="020B0604020202020204" pitchFamily="34" charset="0"/>
-              </a:rPr>
-              <a:t>Como se aplica las redes neuronales para el reconocimiento de imágenes</a:t>
-            </a:r>
-            <a:endParaRPr lang="es-CO" sz="1600" b="1" dirty="0"/>
+            <a:pPr algn="ctr"/>
+            <a:r>
+              <a:rPr lang="es-CO" sz="1600" b="1" u="sng" dirty="0" smtClean="0"/>
+              <a:t>¿Cómo funciona?</a:t>
+            </a:r>
+          </a:p>
+          <a:p>
+            <a:pPr algn="ctr"/>
+            <a:endParaRPr lang="es-CO" b="1" dirty="0"/>
+          </a:p>
+          <a:p>
+            <a:r>
+              <a:rPr lang="es-CO" dirty="0" smtClean="0"/>
+              <a:t>La capa de entrada recibe información de los pixeles y la guarda en cada neurona como un número entre 0 y 1. Luego se pasa a las capas ocultas, cada una tiene un peso, el cual se multiplica por los valores de las neuronas anteriore</a:t>
+            </a:r>
+            <a:r>
+              <a:rPr lang="es-CO" dirty="0" smtClean="0"/>
+              <a:t>s que evalúa y la suma de estas es el valor que se guarda en la neurona de dicha capa. Cada capa oculta se enfoca en partes específicas del archivo. Finalmente en la capa de salida también se multiplica por los pesos y el valor que de en cada neurona representa la probabilidad que sea ese objeto.</a:t>
+            </a:r>
+            <a:endParaRPr lang="pt-BR" dirty="0"/>
           </a:p>
         </p:txBody>
       </p:sp>
       <p:sp>
         <p:nvSpPr>
-          <p:cNvPr id="3" name="CuadroTexto 2">
-            <a:extLst>
-              <a:ext uri="{FF2B5EF4-FFF2-40B4-BE49-F238E27FC236}">
-                <a16:creationId xmlns:a16="http://schemas.microsoft.com/office/drawing/2014/main" id="{D1B12756-2313-4E80-B84F-9DA1D75C8203}"/>
-              </a:ext>
-            </a:extLst>
-          </p:cNvPr>
-          <p:cNvSpPr txBox="1"/>
+          <p:cNvPr id="18" name="Rectángulo redondeado 17"/>
+          <p:cNvSpPr/>
           <p:nvPr/>
         </p:nvSpPr>
         <p:spPr>
           <a:xfrm>
-            <a:off x="1389914" y="2077213"/>
-            <a:ext cx="10650129" cy="954107"/>
-          </a:xfrm>
-          <a:prstGeom prst="rect">
+            <a:off x="5936125" y="3463748"/>
+            <a:ext cx="5978784" cy="2338515"/>
+          </a:xfrm>
+          <a:prstGeom prst="roundRect">
             <a:avLst/>
           </a:prstGeom>
           <a:noFill/>
-        </p:spPr>
+          <a:ln w="28575">
+            <a:solidFill>
+              <a:schemeClr val="accent5">
+                <a:lumMod val="60000"/>
+                <a:lumOff val="40000"/>
+              </a:schemeClr>
+            </a:solidFill>
+          </a:ln>
+        </p:spPr>
+        <p:style>
+          <a:lnRef idx="2">
+            <a:schemeClr val="accent1">
+              <a:shade val="50000"/>
+            </a:schemeClr>
+          </a:lnRef>
+          <a:fillRef idx="1">
+            <a:schemeClr val="accent1"/>
+          </a:fillRef>
+          <a:effectRef idx="0">
+            <a:schemeClr val="accent1"/>
+          </a:effectRef>
+          <a:fontRef idx="minor">
+            <a:schemeClr val="lt1"/>
+          </a:fontRef>
+        </p:style>
         <p:txBody>
-          <a:bodyPr wrap="square" rtlCol="0">
-            <a:spAutoFit/>
-          </a:bodyPr>
+          <a:bodyPr rtlCol="0" anchor="ctr"/>
           <a:lstStyle/>
           <a:p>
-            <a:r>
-              <a:rPr lang="es-CO" dirty="0">
-                <a:hlinkClick r:id="rId5"/>
-              </a:rPr>
-              <a:t>https://www.youtube.com/watch?v=jKCQsndqEGQ&amp;ab_channel=3Blue1BrownEspa%C3%B1ol</a:t>
-            </a:r>
-            <a:r>
-              <a:rPr lang="es-CO" dirty="0"/>
-              <a:t>  minuto 1 al  12</a:t>
-            </a:r>
-          </a:p>
-          <a:p>
-            <a:endParaRPr lang="es-CO" dirty="0"/>
-          </a:p>
-          <a:p>
-            <a:r>
-              <a:rPr lang="es-CO" dirty="0"/>
-              <a:t>https://www.youtube.com/watch?v=AwTH_0yW9_I&amp;ab_channel=RingaTech</a:t>
-            </a:r>
-          </a:p>
-          <a:p>
-            <a:endParaRPr lang="es-CO" dirty="0"/>
+            <a:pPr algn="ctr"/>
+            <a:endParaRPr lang="es-CO"/>
           </a:p>
         </p:txBody>
       </p:sp>
-      <p:pic>
-        <p:nvPicPr>
-          <p:cNvPr id="9" name="Google Shape;199;p2"/>
-          <p:cNvPicPr preferRelativeResize="0"/>
-          <p:nvPr/>
-        </p:nvPicPr>
-        <p:blipFill rotWithShape="1">
-          <a:blip r:embed="rId6">
-            <a:alphaModFix/>
-          </a:blip>
-          <a:srcRect/>
-          <a:stretch/>
-        </p:blipFill>
-        <p:spPr>
-          <a:xfrm>
-            <a:off x="0" y="1938"/>
-            <a:ext cx="12196080" cy="6855840"/>
-          </a:xfrm>
-          <a:prstGeom prst="rect">
-            <a:avLst/>
-          </a:prstGeom>
-          <a:noFill/>
-          <a:ln>
-            <a:noFill/>
-          </a:ln>
-        </p:spPr>
-      </p:pic>
     </p:spTree>
     <p:extLst>
       <p:ext uri="{BB962C8B-B14F-4D97-AF65-F5344CB8AC3E}">
-        <p14:creationId xmlns:p14="http://schemas.microsoft.com/office/powerpoint/2010/main" val="1645517738"/>
+        <p14:creationId xmlns:p14="http://schemas.microsoft.com/office/powerpoint/2010/main" val="4246231688"/>
       </p:ext>
     </p:extLst>
   </p:cSld>
   <p:clrMapOvr>
     <a:masterClrMapping/>
   </p:clrMapOvr>
+  <p:timing>
+    <p:tnLst>
+      <p:par>
+        <p:cTn id="1" dur="indefinite" restart="never" nodeType="tmRoot"/>
+      </p:par>
+    </p:tnLst>
+  </p:timing>
 </p:sld>
 </file>
 

--- a/Presentacion/Presentación Proyecto.pptx
+++ b/Presentacion/Presentación Proyecto.pptx
@@ -6,7 +6,7 @@
     <p:sldMasterId id="2147483661" r:id="rId2"/>
   </p:sldMasterIdLst>
   <p:notesMasterIdLst>
-    <p:notesMasterId r:id="rId17"/>
+    <p:notesMasterId r:id="rId19"/>
   </p:notesMasterIdLst>
   <p:sldIdLst>
     <p:sldId id="256" r:id="rId3"/>
@@ -22,7 +22,9 @@
     <p:sldId id="277" r:id="rId13"/>
     <p:sldId id="265" r:id="rId14"/>
     <p:sldId id="274" r:id="rId15"/>
-    <p:sldId id="266" r:id="rId16"/>
+    <p:sldId id="280" r:id="rId16"/>
+    <p:sldId id="281" r:id="rId17"/>
+    <p:sldId id="282" r:id="rId18"/>
   </p:sldIdLst>
   <p:sldSz cx="12192000" cy="6858000"/>
   <p:notesSz cx="7772400" cy="10058400"/>
@@ -260,7 +262,7 @@
       <p15:sldGuideLst xmlns:p15="http://schemas.microsoft.com/office/powerpoint/2012/main"/>
     </p:ext>
     <p:ext uri="http://customooxmlschemas.google.com/">
-      <go:slidesCustomData xmlns:go="http://customooxmlschemas.google.com/" xmlns:ahyp="http://schemas.microsoft.com/office/drawing/2018/hyperlinkcolor" xmlns:p15="http://schemas.microsoft.com/office/powerpoint/2012/main" xmlns:p14="http://schemas.microsoft.com/office/powerpoint/2010/main" xmlns:com="http://schemas.openxmlformats.org/drawingml/2006/compatibility" xmlns:pvml="urn:schemas-microsoft-com:office:powerpoint" xmlns:v="urn:schemas-microsoft-com:vml" xmlns:o="urn:schemas-microsoft-com:office:office" xmlns:dgm="http://schemas.openxmlformats.org/drawingml/2006/diagram" xmlns:c="http://schemas.openxmlformats.org/drawingml/2006/chart" xmlns:mv="urn:schemas-microsoft-com:mac:vml" xmlns:mc="http://schemas.openxmlformats.org/markup-compatibility/2006" xmlns="" r:id="rId21" roundtripDataSignature="AMtx7mjHzTg+goWcQk8fO5It0l+0ng5KHA=="/>
+      <go:slidesCustomData xmlns="" xmlns:mc="http://schemas.openxmlformats.org/markup-compatibility/2006" xmlns:mv="urn:schemas-microsoft-com:mac:vml" xmlns:c="http://schemas.openxmlformats.org/drawingml/2006/chart" xmlns:dgm="http://schemas.openxmlformats.org/drawingml/2006/diagram" xmlns:o="urn:schemas-microsoft-com:office:office" xmlns:v="urn:schemas-microsoft-com:vml" xmlns:pvml="urn:schemas-microsoft-com:office:powerpoint" xmlns:com="http://schemas.openxmlformats.org/drawingml/2006/compatibility" xmlns:p14="http://schemas.microsoft.com/office/powerpoint/2010/main" xmlns:p15="http://schemas.microsoft.com/office/powerpoint/2012/main" xmlns:ahyp="http://schemas.microsoft.com/office/drawing/2018/hyperlinkcolor" xmlns:go="http://customooxmlschemas.google.com/" r:id="rId21" roundtripDataSignature="AMtx7mjHzTg+goWcQk8fO5It0l+0ng5KHA=="/>
     </p:ext>
   </p:extLst>
 </p:presentation>
@@ -1589,7 +1591,261 @@
     </p:spTree>
     <p:extLst>
       <p:ext uri="{BB962C8B-B14F-4D97-AF65-F5344CB8AC3E}">
-        <p14:creationId xmlns:p14="http://schemas.microsoft.com/office/powerpoint/2010/main" val="3602396715"/>
+        <p14:creationId xmlns:p14="http://schemas.microsoft.com/office/powerpoint/2010/main" val="2650554837"/>
+      </p:ext>
+    </p:extLst>
+  </p:cSld>
+  <p:clrMapOvr>
+    <a:masterClrMapping/>
+  </p:clrMapOvr>
+</p:notes>
+</file>
+
+<file path=ppt/notesSlides/notesSlide15.xml><?xml version="1.0" encoding="utf-8"?>
+<p:notes xmlns:a="http://schemas.openxmlformats.org/drawingml/2006/main" xmlns:r="http://schemas.openxmlformats.org/officeDocument/2006/relationships" xmlns:p="http://schemas.openxmlformats.org/presentationml/2006/main" showMasterSp="0" showMasterPhAnim="0">
+  <p:cSld>
+    <p:spTree>
+      <p:nvGrpSpPr>
+        <p:cNvPr id="1" name="Shape 195"/>
+        <p:cNvGrpSpPr/>
+        <p:nvPr/>
+      </p:nvGrpSpPr>
+      <p:grpSpPr>
+        <a:xfrm>
+          <a:off x="0" y="0"/>
+          <a:ext cx="0" cy="0"/>
+          <a:chOff x="0" y="0"/>
+          <a:chExt cx="0" cy="0"/>
+        </a:xfrm>
+      </p:grpSpPr>
+      <p:sp>
+        <p:nvSpPr>
+          <p:cNvPr id="196" name="Google Shape;196;p2:notes"/>
+          <p:cNvSpPr txBox="1">
+            <a:spLocks noGrp="1"/>
+          </p:cNvSpPr>
+          <p:nvPr>
+            <p:ph type="body" idx="1"/>
+          </p:nvPr>
+        </p:nvSpPr>
+        <p:spPr>
+          <a:xfrm>
+            <a:off x="777225" y="4777725"/>
+            <a:ext cx="6217900" cy="4526275"/>
+          </a:xfrm>
+          <a:prstGeom prst="rect">
+            <a:avLst/>
+          </a:prstGeom>
+          <a:noFill/>
+          <a:ln>
+            <a:noFill/>
+          </a:ln>
+        </p:spPr>
+        <p:txBody>
+          <a:bodyPr spcFirstLastPara="1" wrap="square" lIns="91425" tIns="91425" rIns="91425" bIns="91425" anchor="t" anchorCtr="0">
+            <a:noAutofit/>
+          </a:bodyPr>
+          <a:lstStyle/>
+          <a:p>
+            <a:pPr marL="0" lvl="0" indent="0" algn="l" rtl="0">
+              <a:lnSpc>
+                <a:spcPct val="100000"/>
+              </a:lnSpc>
+              <a:spcBef>
+                <a:spcPts val="0"/>
+              </a:spcBef>
+              <a:spcAft>
+                <a:spcPts val="0"/>
+              </a:spcAft>
+              <a:buSzPts val="1100"/>
+              <a:buNone/>
+            </a:pPr>
+            <a:endParaRPr/>
+          </a:p>
+        </p:txBody>
+      </p:sp>
+      <p:sp>
+        <p:nvSpPr>
+          <p:cNvPr id="197" name="Google Shape;197;p2:notes"/>
+          <p:cNvSpPr>
+            <a:spLocks noGrp="1" noRot="1" noChangeAspect="1"/>
+          </p:cNvSpPr>
+          <p:nvPr>
+            <p:ph type="sldImg" idx="2"/>
+          </p:nvPr>
+        </p:nvSpPr>
+        <p:spPr>
+          <a:xfrm>
+            <a:off x="533400" y="754063"/>
+            <a:ext cx="6705600" cy="3771900"/>
+          </a:xfrm>
+          <a:custGeom>
+            <a:avLst/>
+            <a:gdLst/>
+            <a:ahLst/>
+            <a:cxnLst/>
+            <a:rect l="l" t="t" r="r" b="b"/>
+            <a:pathLst>
+              <a:path w="120000" h="120000" extrusionOk="0">
+                <a:moveTo>
+                  <a:pt x="0" y="0"/>
+                </a:moveTo>
+                <a:lnTo>
+                  <a:pt x="120000" y="0"/>
+                </a:lnTo>
+                <a:lnTo>
+                  <a:pt x="120000" y="120000"/>
+                </a:lnTo>
+                <a:lnTo>
+                  <a:pt x="0" y="120000"/>
+                </a:lnTo>
+                <a:close/>
+              </a:path>
+            </a:pathLst>
+          </a:custGeom>
+          <a:noFill/>
+          <a:ln w="9525" cap="flat" cmpd="sng">
+            <a:solidFill>
+              <a:srgbClr val="000000"/>
+            </a:solidFill>
+            <a:prstDash val="solid"/>
+            <a:round/>
+            <a:headEnd type="none" w="sm" len="sm"/>
+            <a:tailEnd type="none" w="sm" len="sm"/>
+          </a:ln>
+        </p:spPr>
+      </p:sp>
+    </p:spTree>
+    <p:extLst>
+      <p:ext uri="{BB962C8B-B14F-4D97-AF65-F5344CB8AC3E}">
+        <p14:creationId xmlns:p14="http://schemas.microsoft.com/office/powerpoint/2010/main" val="647502052"/>
+      </p:ext>
+    </p:extLst>
+  </p:cSld>
+  <p:clrMapOvr>
+    <a:masterClrMapping/>
+  </p:clrMapOvr>
+</p:notes>
+</file>
+
+<file path=ppt/notesSlides/notesSlide16.xml><?xml version="1.0" encoding="utf-8"?>
+<p:notes xmlns:a="http://schemas.openxmlformats.org/drawingml/2006/main" xmlns:r="http://schemas.openxmlformats.org/officeDocument/2006/relationships" xmlns:p="http://schemas.openxmlformats.org/presentationml/2006/main" showMasterSp="0" showMasterPhAnim="0">
+  <p:cSld>
+    <p:spTree>
+      <p:nvGrpSpPr>
+        <p:cNvPr id="1" name="Shape 195"/>
+        <p:cNvGrpSpPr/>
+        <p:nvPr/>
+      </p:nvGrpSpPr>
+      <p:grpSpPr>
+        <a:xfrm>
+          <a:off x="0" y="0"/>
+          <a:ext cx="0" cy="0"/>
+          <a:chOff x="0" y="0"/>
+          <a:chExt cx="0" cy="0"/>
+        </a:xfrm>
+      </p:grpSpPr>
+      <p:sp>
+        <p:nvSpPr>
+          <p:cNvPr id="196" name="Google Shape;196;p2:notes"/>
+          <p:cNvSpPr txBox="1">
+            <a:spLocks noGrp="1"/>
+          </p:cNvSpPr>
+          <p:nvPr>
+            <p:ph type="body" idx="1"/>
+          </p:nvPr>
+        </p:nvSpPr>
+        <p:spPr>
+          <a:xfrm>
+            <a:off x="777225" y="4777725"/>
+            <a:ext cx="6217900" cy="4526275"/>
+          </a:xfrm>
+          <a:prstGeom prst="rect">
+            <a:avLst/>
+          </a:prstGeom>
+          <a:noFill/>
+          <a:ln>
+            <a:noFill/>
+          </a:ln>
+        </p:spPr>
+        <p:txBody>
+          <a:bodyPr spcFirstLastPara="1" wrap="square" lIns="91425" tIns="91425" rIns="91425" bIns="91425" anchor="t" anchorCtr="0">
+            <a:noAutofit/>
+          </a:bodyPr>
+          <a:lstStyle/>
+          <a:p>
+            <a:pPr marL="0" lvl="0" indent="0" algn="l" rtl="0">
+              <a:lnSpc>
+                <a:spcPct val="100000"/>
+              </a:lnSpc>
+              <a:spcBef>
+                <a:spcPts val="0"/>
+              </a:spcBef>
+              <a:spcAft>
+                <a:spcPts val="0"/>
+              </a:spcAft>
+              <a:buSzPts val="1100"/>
+              <a:buNone/>
+            </a:pPr>
+            <a:endParaRPr/>
+          </a:p>
+        </p:txBody>
+      </p:sp>
+      <p:sp>
+        <p:nvSpPr>
+          <p:cNvPr id="197" name="Google Shape;197;p2:notes"/>
+          <p:cNvSpPr>
+            <a:spLocks noGrp="1" noRot="1" noChangeAspect="1"/>
+          </p:cNvSpPr>
+          <p:nvPr>
+            <p:ph type="sldImg" idx="2"/>
+          </p:nvPr>
+        </p:nvSpPr>
+        <p:spPr>
+          <a:xfrm>
+            <a:off x="533400" y="754063"/>
+            <a:ext cx="6705600" cy="3771900"/>
+          </a:xfrm>
+          <a:custGeom>
+            <a:avLst/>
+            <a:gdLst/>
+            <a:ahLst/>
+            <a:cxnLst/>
+            <a:rect l="l" t="t" r="r" b="b"/>
+            <a:pathLst>
+              <a:path w="120000" h="120000" extrusionOk="0">
+                <a:moveTo>
+                  <a:pt x="0" y="0"/>
+                </a:moveTo>
+                <a:lnTo>
+                  <a:pt x="120000" y="0"/>
+                </a:lnTo>
+                <a:lnTo>
+                  <a:pt x="120000" y="120000"/>
+                </a:lnTo>
+                <a:lnTo>
+                  <a:pt x="0" y="120000"/>
+                </a:lnTo>
+                <a:close/>
+              </a:path>
+            </a:pathLst>
+          </a:custGeom>
+          <a:noFill/>
+          <a:ln w="9525" cap="flat" cmpd="sng">
+            <a:solidFill>
+              <a:srgbClr val="000000"/>
+            </a:solidFill>
+            <a:prstDash val="solid"/>
+            <a:round/>
+            <a:headEnd type="none" w="sm" len="sm"/>
+            <a:tailEnd type="none" w="sm" len="sm"/>
+          </a:ln>
+        </p:spPr>
+      </p:sp>
+    </p:spTree>
+    <p:extLst>
+      <p:ext uri="{BB962C8B-B14F-4D97-AF65-F5344CB8AC3E}">
+        <p14:creationId xmlns:p14="http://schemas.microsoft.com/office/powerpoint/2010/main" val="580455974"/>
       </p:ext>
     </p:extLst>
   </p:cSld>
@@ -5456,191 +5712,6 @@
 </file>
 
 <file path=ppt/slideLayouts/slideLayout14.xml><?xml version="1.0" encoding="utf-8"?>
-<p:sldLayout xmlns:a="http://schemas.openxmlformats.org/drawingml/2006/main" xmlns:r="http://schemas.openxmlformats.org/officeDocument/2006/relationships" xmlns:p="http://schemas.openxmlformats.org/presentationml/2006/main" matchingName="Centered Text" type="objOnly">
-  <p:cSld name="OBJECT_ONLY">
-    <p:spTree>
-      <p:nvGrpSpPr>
-        <p:cNvPr id="1" name="Shape 75"/>
-        <p:cNvGrpSpPr/>
-        <p:nvPr/>
-      </p:nvGrpSpPr>
-      <p:grpSpPr>
-        <a:xfrm>
-          <a:off x="0" y="0"/>
-          <a:ext cx="0" cy="0"/>
-          <a:chOff x="0" y="0"/>
-          <a:chExt cx="0" cy="0"/>
-        </a:xfrm>
-      </p:grpSpPr>
-      <p:sp>
-        <p:nvSpPr>
-          <p:cNvPr id="76" name="Google Shape;76;p34"/>
-          <p:cNvSpPr txBox="1">
-            <a:spLocks noGrp="1"/>
-          </p:cNvSpPr>
-          <p:nvPr>
-            <p:ph type="subTitle" idx="1"/>
-          </p:nvPr>
-        </p:nvSpPr>
-        <p:spPr>
-          <a:xfrm>
-            <a:off x="1523880" y="1122480"/>
-            <a:ext cx="9143640" cy="11066760"/>
-          </a:xfrm>
-          <a:prstGeom prst="rect">
-            <a:avLst/>
-          </a:prstGeom>
-          <a:noFill/>
-          <a:ln>
-            <a:noFill/>
-          </a:ln>
-        </p:spPr>
-        <p:txBody>
-          <a:bodyPr spcFirstLastPara="1" wrap="square" lIns="0" tIns="0" rIns="0" bIns="0" anchor="ctr" anchorCtr="0">
-            <a:noAutofit/>
-          </a:bodyPr>
-          <a:lstStyle>
-            <a:lvl1pPr lvl="0" algn="l">
-              <a:lnSpc>
-                <a:spcPct val="100000"/>
-              </a:lnSpc>
-              <a:spcBef>
-                <a:spcPts val="0"/>
-              </a:spcBef>
-              <a:spcAft>
-                <a:spcPts val="0"/>
-              </a:spcAft>
-              <a:buSzPts val="1400"/>
-              <a:buNone/>
-              <a:defRPr/>
-            </a:lvl1pPr>
-            <a:lvl2pPr lvl="1" algn="l">
-              <a:lnSpc>
-                <a:spcPct val="100000"/>
-              </a:lnSpc>
-              <a:spcBef>
-                <a:spcPts val="0"/>
-              </a:spcBef>
-              <a:spcAft>
-                <a:spcPts val="0"/>
-              </a:spcAft>
-              <a:buSzPts val="1400"/>
-              <a:buNone/>
-              <a:defRPr/>
-            </a:lvl2pPr>
-            <a:lvl3pPr lvl="2" algn="l">
-              <a:lnSpc>
-                <a:spcPct val="100000"/>
-              </a:lnSpc>
-              <a:spcBef>
-                <a:spcPts val="0"/>
-              </a:spcBef>
-              <a:spcAft>
-                <a:spcPts val="0"/>
-              </a:spcAft>
-              <a:buSzPts val="1400"/>
-              <a:buNone/>
-              <a:defRPr/>
-            </a:lvl3pPr>
-            <a:lvl4pPr lvl="3" algn="l">
-              <a:lnSpc>
-                <a:spcPct val="100000"/>
-              </a:lnSpc>
-              <a:spcBef>
-                <a:spcPts val="0"/>
-              </a:spcBef>
-              <a:spcAft>
-                <a:spcPts val="0"/>
-              </a:spcAft>
-              <a:buSzPts val="1400"/>
-              <a:buNone/>
-              <a:defRPr/>
-            </a:lvl4pPr>
-            <a:lvl5pPr lvl="4" algn="l">
-              <a:lnSpc>
-                <a:spcPct val="100000"/>
-              </a:lnSpc>
-              <a:spcBef>
-                <a:spcPts val="0"/>
-              </a:spcBef>
-              <a:spcAft>
-                <a:spcPts val="0"/>
-              </a:spcAft>
-              <a:buSzPts val="1400"/>
-              <a:buNone/>
-              <a:defRPr/>
-            </a:lvl5pPr>
-            <a:lvl6pPr lvl="5" algn="l">
-              <a:lnSpc>
-                <a:spcPct val="100000"/>
-              </a:lnSpc>
-              <a:spcBef>
-                <a:spcPts val="0"/>
-              </a:spcBef>
-              <a:spcAft>
-                <a:spcPts val="0"/>
-              </a:spcAft>
-              <a:buSzPts val="1400"/>
-              <a:buNone/>
-              <a:defRPr/>
-            </a:lvl6pPr>
-            <a:lvl7pPr lvl="6" algn="l">
-              <a:lnSpc>
-                <a:spcPct val="100000"/>
-              </a:lnSpc>
-              <a:spcBef>
-                <a:spcPts val="0"/>
-              </a:spcBef>
-              <a:spcAft>
-                <a:spcPts val="0"/>
-              </a:spcAft>
-              <a:buSzPts val="1400"/>
-              <a:buNone/>
-              <a:defRPr/>
-            </a:lvl7pPr>
-            <a:lvl8pPr lvl="7" algn="l">
-              <a:lnSpc>
-                <a:spcPct val="100000"/>
-              </a:lnSpc>
-              <a:spcBef>
-                <a:spcPts val="0"/>
-              </a:spcBef>
-              <a:spcAft>
-                <a:spcPts val="0"/>
-              </a:spcAft>
-              <a:buSzPts val="1400"/>
-              <a:buNone/>
-              <a:defRPr/>
-            </a:lvl8pPr>
-            <a:lvl9pPr lvl="8" algn="l">
-              <a:lnSpc>
-                <a:spcPct val="100000"/>
-              </a:lnSpc>
-              <a:spcBef>
-                <a:spcPts val="0"/>
-              </a:spcBef>
-              <a:spcAft>
-                <a:spcPts val="0"/>
-              </a:spcAft>
-              <a:buSzPts val="1400"/>
-              <a:buNone/>
-              <a:defRPr/>
-            </a:lvl9pPr>
-          </a:lstStyle>
-          <a:p>
-            <a:endParaRPr/>
-          </a:p>
-        </p:txBody>
-      </p:sp>
-    </p:spTree>
-  </p:cSld>
-  <p:clrMapOvr>
-    <a:masterClrMapping/>
-  </p:clrMapOvr>
-</p:sldLayout>
-</file>
-
-<file path=ppt/slideLayouts/slideLayout15.xml><?xml version="1.0" encoding="utf-8"?>
 <p:sldLayout xmlns:a="http://schemas.openxmlformats.org/drawingml/2006/main" xmlns:r="http://schemas.openxmlformats.org/officeDocument/2006/relationships" xmlns:p="http://schemas.openxmlformats.org/presentationml/2006/main" matchingName="Title, 2 Content and Content" type="twoObjAndObj">
   <p:cSld name="TWO_OBJECTS_AND_OBJECT">
     <p:spTree>
@@ -6305,7 +6376,7 @@
 </p:sldLayout>
 </file>
 
-<file path=ppt/slideLayouts/slideLayout16.xml><?xml version="1.0" encoding="utf-8"?>
+<file path=ppt/slideLayouts/slideLayout15.xml><?xml version="1.0" encoding="utf-8"?>
 <p:sldLayout xmlns:a="http://schemas.openxmlformats.org/drawingml/2006/main" xmlns:r="http://schemas.openxmlformats.org/officeDocument/2006/relationships" xmlns:p="http://schemas.openxmlformats.org/presentationml/2006/main" matchingName="Title Content and 2 Content" type="objAndTwoObj">
   <p:cSld name="OBJECT_AND_TWO_OBJECTS">
     <p:spTree>
@@ -6970,7 +7041,7 @@
 </p:sldLayout>
 </file>
 
-<file path=ppt/slideLayouts/slideLayout17.xml><?xml version="1.0" encoding="utf-8"?>
+<file path=ppt/slideLayouts/slideLayout16.xml><?xml version="1.0" encoding="utf-8"?>
 <p:sldLayout xmlns:a="http://schemas.openxmlformats.org/drawingml/2006/main" xmlns:r="http://schemas.openxmlformats.org/officeDocument/2006/relationships" xmlns:p="http://schemas.openxmlformats.org/presentationml/2006/main" matchingName="Title, 2 Content over Content" type="twoObjOverTx">
   <p:cSld name="TWO_OBJECTS_OVER_TEXT">
     <p:spTree>
@@ -7635,7 +7706,7 @@
 </p:sldLayout>
 </file>
 
-<file path=ppt/slideLayouts/slideLayout18.xml><?xml version="1.0" encoding="utf-8"?>
+<file path=ppt/slideLayouts/slideLayout17.xml><?xml version="1.0" encoding="utf-8"?>
 <p:sldLayout xmlns:a="http://schemas.openxmlformats.org/drawingml/2006/main" xmlns:r="http://schemas.openxmlformats.org/officeDocument/2006/relationships" xmlns:p="http://schemas.openxmlformats.org/presentationml/2006/main" matchingName="Title, Content over Content" type="objOverTx">
   <p:cSld name="OBJECT_OVER_TEXT">
     <p:spTree>
@@ -8140,7 +8211,7 @@
 </p:sldLayout>
 </file>
 
-<file path=ppt/slideLayouts/slideLayout19.xml><?xml version="1.0" encoding="utf-8"?>
+<file path=ppt/slideLayouts/slideLayout18.xml><?xml version="1.0" encoding="utf-8"?>
 <p:sldLayout xmlns:a="http://schemas.openxmlformats.org/drawingml/2006/main" xmlns:r="http://schemas.openxmlformats.org/officeDocument/2006/relationships" xmlns:p="http://schemas.openxmlformats.org/presentationml/2006/main" matchingName="Title, 4 Content" type="fourObj">
   <p:cSld name="FOUR_OBJECTS">
     <p:spTree>
@@ -8811,6 +8882,1151 @@
           <a:xfrm>
             <a:off x="6231960" y="3682080"/>
             <a:ext cx="5354280" cy="1896840"/>
+          </a:xfrm>
+          <a:prstGeom prst="rect">
+            <a:avLst/>
+          </a:prstGeom>
+          <a:noFill/>
+          <a:ln>
+            <a:noFill/>
+          </a:ln>
+        </p:spPr>
+        <p:txBody>
+          <a:bodyPr spcFirstLastPara="1" wrap="square" lIns="0" tIns="0" rIns="0" bIns="0" anchor="t" anchorCtr="0">
+            <a:normAutofit/>
+          </a:bodyPr>
+          <a:lstStyle>
+            <a:lvl1pPr marL="457200" lvl="0" indent="-228600" algn="l">
+              <a:lnSpc>
+                <a:spcPct val="100000"/>
+              </a:lnSpc>
+              <a:spcBef>
+                <a:spcPts val="0"/>
+              </a:spcBef>
+              <a:spcAft>
+                <a:spcPts val="0"/>
+              </a:spcAft>
+              <a:buSzPts val="1400"/>
+              <a:buNone/>
+              <a:defRPr/>
+            </a:lvl1pPr>
+            <a:lvl2pPr marL="914400" lvl="1" indent="-228600" algn="l">
+              <a:lnSpc>
+                <a:spcPct val="100000"/>
+              </a:lnSpc>
+              <a:spcBef>
+                <a:spcPts val="0"/>
+              </a:spcBef>
+              <a:spcAft>
+                <a:spcPts val="0"/>
+              </a:spcAft>
+              <a:buSzPts val="1400"/>
+              <a:buNone/>
+              <a:defRPr/>
+            </a:lvl2pPr>
+            <a:lvl3pPr marL="1371600" lvl="2" indent="-228600" algn="l">
+              <a:lnSpc>
+                <a:spcPct val="100000"/>
+              </a:lnSpc>
+              <a:spcBef>
+                <a:spcPts val="0"/>
+              </a:spcBef>
+              <a:spcAft>
+                <a:spcPts val="0"/>
+              </a:spcAft>
+              <a:buSzPts val="1400"/>
+              <a:buNone/>
+              <a:defRPr/>
+            </a:lvl3pPr>
+            <a:lvl4pPr marL="1828800" lvl="3" indent="-228600" algn="l">
+              <a:lnSpc>
+                <a:spcPct val="100000"/>
+              </a:lnSpc>
+              <a:spcBef>
+                <a:spcPts val="0"/>
+              </a:spcBef>
+              <a:spcAft>
+                <a:spcPts val="0"/>
+              </a:spcAft>
+              <a:buSzPts val="1400"/>
+              <a:buNone/>
+              <a:defRPr/>
+            </a:lvl4pPr>
+            <a:lvl5pPr marL="2286000" lvl="4" indent="-228600" algn="l">
+              <a:lnSpc>
+                <a:spcPct val="100000"/>
+              </a:lnSpc>
+              <a:spcBef>
+                <a:spcPts val="0"/>
+              </a:spcBef>
+              <a:spcAft>
+                <a:spcPts val="0"/>
+              </a:spcAft>
+              <a:buSzPts val="1400"/>
+              <a:buNone/>
+              <a:defRPr/>
+            </a:lvl5pPr>
+            <a:lvl6pPr marL="2743200" lvl="5" indent="-228600" algn="l">
+              <a:lnSpc>
+                <a:spcPct val="100000"/>
+              </a:lnSpc>
+              <a:spcBef>
+                <a:spcPts val="0"/>
+              </a:spcBef>
+              <a:spcAft>
+                <a:spcPts val="0"/>
+              </a:spcAft>
+              <a:buSzPts val="1400"/>
+              <a:buNone/>
+              <a:defRPr/>
+            </a:lvl6pPr>
+            <a:lvl7pPr marL="3200400" lvl="6" indent="-228600" algn="l">
+              <a:lnSpc>
+                <a:spcPct val="100000"/>
+              </a:lnSpc>
+              <a:spcBef>
+                <a:spcPts val="0"/>
+              </a:spcBef>
+              <a:spcAft>
+                <a:spcPts val="0"/>
+              </a:spcAft>
+              <a:buSzPts val="1400"/>
+              <a:buNone/>
+              <a:defRPr/>
+            </a:lvl7pPr>
+            <a:lvl8pPr marL="3657600" lvl="7" indent="-228600" algn="l">
+              <a:lnSpc>
+                <a:spcPct val="100000"/>
+              </a:lnSpc>
+              <a:spcBef>
+                <a:spcPts val="0"/>
+              </a:spcBef>
+              <a:spcAft>
+                <a:spcPts val="0"/>
+              </a:spcAft>
+              <a:buSzPts val="1400"/>
+              <a:buNone/>
+              <a:defRPr/>
+            </a:lvl8pPr>
+            <a:lvl9pPr marL="4114800" lvl="8" indent="-228600" algn="l">
+              <a:lnSpc>
+                <a:spcPct val="100000"/>
+              </a:lnSpc>
+              <a:spcBef>
+                <a:spcPts val="0"/>
+              </a:spcBef>
+              <a:spcAft>
+                <a:spcPts val="0"/>
+              </a:spcAft>
+              <a:buSzPts val="1400"/>
+              <a:buNone/>
+              <a:defRPr/>
+            </a:lvl9pPr>
+          </a:lstStyle>
+          <a:p>
+            <a:endParaRPr/>
+          </a:p>
+        </p:txBody>
+      </p:sp>
+    </p:spTree>
+  </p:cSld>
+  <p:clrMapOvr>
+    <a:masterClrMapping/>
+  </p:clrMapOvr>
+</p:sldLayout>
+</file>
+
+<file path=ppt/slideLayouts/slideLayout19.xml><?xml version="1.0" encoding="utf-8"?>
+<p:sldLayout xmlns:a="http://schemas.openxmlformats.org/drawingml/2006/main" xmlns:r="http://schemas.openxmlformats.org/officeDocument/2006/relationships" xmlns:p="http://schemas.openxmlformats.org/presentationml/2006/main" matchingName="Title, 6 Content">
+  <p:cSld name="Title, 6 Content">
+    <p:spTree>
+      <p:nvGrpSpPr>
+        <p:cNvPr id="1" name="Shape 102"/>
+        <p:cNvGrpSpPr/>
+        <p:nvPr/>
+      </p:nvGrpSpPr>
+      <p:grpSpPr>
+        <a:xfrm>
+          <a:off x="0" y="0"/>
+          <a:ext cx="0" cy="0"/>
+          <a:chOff x="0" y="0"/>
+          <a:chExt cx="0" cy="0"/>
+        </a:xfrm>
+      </p:grpSpPr>
+      <p:sp>
+        <p:nvSpPr>
+          <p:cNvPr id="103" name="Google Shape;103;p40"/>
+          <p:cNvSpPr txBox="1">
+            <a:spLocks noGrp="1"/>
+          </p:cNvSpPr>
+          <p:nvPr>
+            <p:ph type="title"/>
+          </p:nvPr>
+        </p:nvSpPr>
+        <p:spPr>
+          <a:xfrm>
+            <a:off x="1523880" y="1122480"/>
+            <a:ext cx="9143640" cy="2387160"/>
+          </a:xfrm>
+          <a:prstGeom prst="rect">
+            <a:avLst/>
+          </a:prstGeom>
+          <a:noFill/>
+          <a:ln>
+            <a:noFill/>
+          </a:ln>
+        </p:spPr>
+        <p:txBody>
+          <a:bodyPr spcFirstLastPara="1" wrap="square" lIns="0" tIns="0" rIns="0" bIns="0" anchor="ctr" anchorCtr="0">
+            <a:noAutofit/>
+          </a:bodyPr>
+          <a:lstStyle>
+            <a:lvl1pPr lvl="0" algn="l">
+              <a:lnSpc>
+                <a:spcPct val="100000"/>
+              </a:lnSpc>
+              <a:spcBef>
+                <a:spcPts val="0"/>
+              </a:spcBef>
+              <a:spcAft>
+                <a:spcPts val="0"/>
+              </a:spcAft>
+              <a:buSzPts val="1400"/>
+              <a:buNone/>
+              <a:defRPr/>
+            </a:lvl1pPr>
+            <a:lvl2pPr lvl="1" algn="l">
+              <a:lnSpc>
+                <a:spcPct val="100000"/>
+              </a:lnSpc>
+              <a:spcBef>
+                <a:spcPts val="0"/>
+              </a:spcBef>
+              <a:spcAft>
+                <a:spcPts val="0"/>
+              </a:spcAft>
+              <a:buSzPts val="1400"/>
+              <a:buNone/>
+              <a:defRPr/>
+            </a:lvl2pPr>
+            <a:lvl3pPr lvl="2" algn="l">
+              <a:lnSpc>
+                <a:spcPct val="100000"/>
+              </a:lnSpc>
+              <a:spcBef>
+                <a:spcPts val="0"/>
+              </a:spcBef>
+              <a:spcAft>
+                <a:spcPts val="0"/>
+              </a:spcAft>
+              <a:buSzPts val="1400"/>
+              <a:buNone/>
+              <a:defRPr/>
+            </a:lvl3pPr>
+            <a:lvl4pPr lvl="3" algn="l">
+              <a:lnSpc>
+                <a:spcPct val="100000"/>
+              </a:lnSpc>
+              <a:spcBef>
+                <a:spcPts val="0"/>
+              </a:spcBef>
+              <a:spcAft>
+                <a:spcPts val="0"/>
+              </a:spcAft>
+              <a:buSzPts val="1400"/>
+              <a:buNone/>
+              <a:defRPr/>
+            </a:lvl4pPr>
+            <a:lvl5pPr lvl="4" algn="l">
+              <a:lnSpc>
+                <a:spcPct val="100000"/>
+              </a:lnSpc>
+              <a:spcBef>
+                <a:spcPts val="0"/>
+              </a:spcBef>
+              <a:spcAft>
+                <a:spcPts val="0"/>
+              </a:spcAft>
+              <a:buSzPts val="1400"/>
+              <a:buNone/>
+              <a:defRPr/>
+            </a:lvl5pPr>
+            <a:lvl6pPr lvl="5" algn="l">
+              <a:lnSpc>
+                <a:spcPct val="100000"/>
+              </a:lnSpc>
+              <a:spcBef>
+                <a:spcPts val="0"/>
+              </a:spcBef>
+              <a:spcAft>
+                <a:spcPts val="0"/>
+              </a:spcAft>
+              <a:buSzPts val="1400"/>
+              <a:buNone/>
+              <a:defRPr/>
+            </a:lvl6pPr>
+            <a:lvl7pPr lvl="6" algn="l">
+              <a:lnSpc>
+                <a:spcPct val="100000"/>
+              </a:lnSpc>
+              <a:spcBef>
+                <a:spcPts val="0"/>
+              </a:spcBef>
+              <a:spcAft>
+                <a:spcPts val="0"/>
+              </a:spcAft>
+              <a:buSzPts val="1400"/>
+              <a:buNone/>
+              <a:defRPr/>
+            </a:lvl7pPr>
+            <a:lvl8pPr lvl="7" algn="l">
+              <a:lnSpc>
+                <a:spcPct val="100000"/>
+              </a:lnSpc>
+              <a:spcBef>
+                <a:spcPts val="0"/>
+              </a:spcBef>
+              <a:spcAft>
+                <a:spcPts val="0"/>
+              </a:spcAft>
+              <a:buSzPts val="1400"/>
+              <a:buNone/>
+              <a:defRPr/>
+            </a:lvl8pPr>
+            <a:lvl9pPr lvl="8" algn="l">
+              <a:lnSpc>
+                <a:spcPct val="100000"/>
+              </a:lnSpc>
+              <a:spcBef>
+                <a:spcPts val="0"/>
+              </a:spcBef>
+              <a:spcAft>
+                <a:spcPts val="0"/>
+              </a:spcAft>
+              <a:buSzPts val="1400"/>
+              <a:buNone/>
+              <a:defRPr/>
+            </a:lvl9pPr>
+          </a:lstStyle>
+          <a:p>
+            <a:endParaRPr/>
+          </a:p>
+        </p:txBody>
+      </p:sp>
+      <p:sp>
+        <p:nvSpPr>
+          <p:cNvPr id="104" name="Google Shape;104;p40"/>
+          <p:cNvSpPr txBox="1">
+            <a:spLocks noGrp="1"/>
+          </p:cNvSpPr>
+          <p:nvPr>
+            <p:ph type="body" idx="1"/>
+          </p:nvPr>
+        </p:nvSpPr>
+        <p:spPr>
+          <a:xfrm>
+            <a:off x="609480" y="1604520"/>
+            <a:ext cx="3533040" cy="1896840"/>
+          </a:xfrm>
+          <a:prstGeom prst="rect">
+            <a:avLst/>
+          </a:prstGeom>
+          <a:noFill/>
+          <a:ln>
+            <a:noFill/>
+          </a:ln>
+        </p:spPr>
+        <p:txBody>
+          <a:bodyPr spcFirstLastPara="1" wrap="square" lIns="0" tIns="0" rIns="0" bIns="0" anchor="t" anchorCtr="0">
+            <a:normAutofit/>
+          </a:bodyPr>
+          <a:lstStyle>
+            <a:lvl1pPr marL="457200" lvl="0" indent="-228600" algn="l">
+              <a:lnSpc>
+                <a:spcPct val="100000"/>
+              </a:lnSpc>
+              <a:spcBef>
+                <a:spcPts val="0"/>
+              </a:spcBef>
+              <a:spcAft>
+                <a:spcPts val="0"/>
+              </a:spcAft>
+              <a:buSzPts val="1400"/>
+              <a:buNone/>
+              <a:defRPr/>
+            </a:lvl1pPr>
+            <a:lvl2pPr marL="914400" lvl="1" indent="-228600" algn="l">
+              <a:lnSpc>
+                <a:spcPct val="100000"/>
+              </a:lnSpc>
+              <a:spcBef>
+                <a:spcPts val="0"/>
+              </a:spcBef>
+              <a:spcAft>
+                <a:spcPts val="0"/>
+              </a:spcAft>
+              <a:buSzPts val="1400"/>
+              <a:buNone/>
+              <a:defRPr/>
+            </a:lvl2pPr>
+            <a:lvl3pPr marL="1371600" lvl="2" indent="-228600" algn="l">
+              <a:lnSpc>
+                <a:spcPct val="100000"/>
+              </a:lnSpc>
+              <a:spcBef>
+                <a:spcPts val="0"/>
+              </a:spcBef>
+              <a:spcAft>
+                <a:spcPts val="0"/>
+              </a:spcAft>
+              <a:buSzPts val="1400"/>
+              <a:buNone/>
+              <a:defRPr/>
+            </a:lvl3pPr>
+            <a:lvl4pPr marL="1828800" lvl="3" indent="-228600" algn="l">
+              <a:lnSpc>
+                <a:spcPct val="100000"/>
+              </a:lnSpc>
+              <a:spcBef>
+                <a:spcPts val="0"/>
+              </a:spcBef>
+              <a:spcAft>
+                <a:spcPts val="0"/>
+              </a:spcAft>
+              <a:buSzPts val="1400"/>
+              <a:buNone/>
+              <a:defRPr/>
+            </a:lvl4pPr>
+            <a:lvl5pPr marL="2286000" lvl="4" indent="-228600" algn="l">
+              <a:lnSpc>
+                <a:spcPct val="100000"/>
+              </a:lnSpc>
+              <a:spcBef>
+                <a:spcPts val="0"/>
+              </a:spcBef>
+              <a:spcAft>
+                <a:spcPts val="0"/>
+              </a:spcAft>
+              <a:buSzPts val="1400"/>
+              <a:buNone/>
+              <a:defRPr/>
+            </a:lvl5pPr>
+            <a:lvl6pPr marL="2743200" lvl="5" indent="-228600" algn="l">
+              <a:lnSpc>
+                <a:spcPct val="100000"/>
+              </a:lnSpc>
+              <a:spcBef>
+                <a:spcPts val="0"/>
+              </a:spcBef>
+              <a:spcAft>
+                <a:spcPts val="0"/>
+              </a:spcAft>
+              <a:buSzPts val="1400"/>
+              <a:buNone/>
+              <a:defRPr/>
+            </a:lvl6pPr>
+            <a:lvl7pPr marL="3200400" lvl="6" indent="-228600" algn="l">
+              <a:lnSpc>
+                <a:spcPct val="100000"/>
+              </a:lnSpc>
+              <a:spcBef>
+                <a:spcPts val="0"/>
+              </a:spcBef>
+              <a:spcAft>
+                <a:spcPts val="0"/>
+              </a:spcAft>
+              <a:buSzPts val="1400"/>
+              <a:buNone/>
+              <a:defRPr/>
+            </a:lvl7pPr>
+            <a:lvl8pPr marL="3657600" lvl="7" indent="-228600" algn="l">
+              <a:lnSpc>
+                <a:spcPct val="100000"/>
+              </a:lnSpc>
+              <a:spcBef>
+                <a:spcPts val="0"/>
+              </a:spcBef>
+              <a:spcAft>
+                <a:spcPts val="0"/>
+              </a:spcAft>
+              <a:buSzPts val="1400"/>
+              <a:buNone/>
+              <a:defRPr/>
+            </a:lvl8pPr>
+            <a:lvl9pPr marL="4114800" lvl="8" indent="-228600" algn="l">
+              <a:lnSpc>
+                <a:spcPct val="100000"/>
+              </a:lnSpc>
+              <a:spcBef>
+                <a:spcPts val="0"/>
+              </a:spcBef>
+              <a:spcAft>
+                <a:spcPts val="0"/>
+              </a:spcAft>
+              <a:buSzPts val="1400"/>
+              <a:buNone/>
+              <a:defRPr/>
+            </a:lvl9pPr>
+          </a:lstStyle>
+          <a:p>
+            <a:endParaRPr/>
+          </a:p>
+        </p:txBody>
+      </p:sp>
+      <p:sp>
+        <p:nvSpPr>
+          <p:cNvPr id="105" name="Google Shape;105;p40"/>
+          <p:cNvSpPr txBox="1">
+            <a:spLocks noGrp="1"/>
+          </p:cNvSpPr>
+          <p:nvPr>
+            <p:ph type="body" idx="2"/>
+          </p:nvPr>
+        </p:nvSpPr>
+        <p:spPr>
+          <a:xfrm>
+            <a:off x="4319640" y="1604520"/>
+            <a:ext cx="3533040" cy="1896840"/>
+          </a:xfrm>
+          <a:prstGeom prst="rect">
+            <a:avLst/>
+          </a:prstGeom>
+          <a:noFill/>
+          <a:ln>
+            <a:noFill/>
+          </a:ln>
+        </p:spPr>
+        <p:txBody>
+          <a:bodyPr spcFirstLastPara="1" wrap="square" lIns="0" tIns="0" rIns="0" bIns="0" anchor="t" anchorCtr="0">
+            <a:normAutofit/>
+          </a:bodyPr>
+          <a:lstStyle>
+            <a:lvl1pPr marL="457200" lvl="0" indent="-228600" algn="l">
+              <a:lnSpc>
+                <a:spcPct val="100000"/>
+              </a:lnSpc>
+              <a:spcBef>
+                <a:spcPts val="0"/>
+              </a:spcBef>
+              <a:spcAft>
+                <a:spcPts val="0"/>
+              </a:spcAft>
+              <a:buSzPts val="1400"/>
+              <a:buNone/>
+              <a:defRPr/>
+            </a:lvl1pPr>
+            <a:lvl2pPr marL="914400" lvl="1" indent="-228600" algn="l">
+              <a:lnSpc>
+                <a:spcPct val="100000"/>
+              </a:lnSpc>
+              <a:spcBef>
+                <a:spcPts val="0"/>
+              </a:spcBef>
+              <a:spcAft>
+                <a:spcPts val="0"/>
+              </a:spcAft>
+              <a:buSzPts val="1400"/>
+              <a:buNone/>
+              <a:defRPr/>
+            </a:lvl2pPr>
+            <a:lvl3pPr marL="1371600" lvl="2" indent="-228600" algn="l">
+              <a:lnSpc>
+                <a:spcPct val="100000"/>
+              </a:lnSpc>
+              <a:spcBef>
+                <a:spcPts val="0"/>
+              </a:spcBef>
+              <a:spcAft>
+                <a:spcPts val="0"/>
+              </a:spcAft>
+              <a:buSzPts val="1400"/>
+              <a:buNone/>
+              <a:defRPr/>
+            </a:lvl3pPr>
+            <a:lvl4pPr marL="1828800" lvl="3" indent="-228600" algn="l">
+              <a:lnSpc>
+                <a:spcPct val="100000"/>
+              </a:lnSpc>
+              <a:spcBef>
+                <a:spcPts val="0"/>
+              </a:spcBef>
+              <a:spcAft>
+                <a:spcPts val="0"/>
+              </a:spcAft>
+              <a:buSzPts val="1400"/>
+              <a:buNone/>
+              <a:defRPr/>
+            </a:lvl4pPr>
+            <a:lvl5pPr marL="2286000" lvl="4" indent="-228600" algn="l">
+              <a:lnSpc>
+                <a:spcPct val="100000"/>
+              </a:lnSpc>
+              <a:spcBef>
+                <a:spcPts val="0"/>
+              </a:spcBef>
+              <a:spcAft>
+                <a:spcPts val="0"/>
+              </a:spcAft>
+              <a:buSzPts val="1400"/>
+              <a:buNone/>
+              <a:defRPr/>
+            </a:lvl5pPr>
+            <a:lvl6pPr marL="2743200" lvl="5" indent="-228600" algn="l">
+              <a:lnSpc>
+                <a:spcPct val="100000"/>
+              </a:lnSpc>
+              <a:spcBef>
+                <a:spcPts val="0"/>
+              </a:spcBef>
+              <a:spcAft>
+                <a:spcPts val="0"/>
+              </a:spcAft>
+              <a:buSzPts val="1400"/>
+              <a:buNone/>
+              <a:defRPr/>
+            </a:lvl6pPr>
+            <a:lvl7pPr marL="3200400" lvl="6" indent="-228600" algn="l">
+              <a:lnSpc>
+                <a:spcPct val="100000"/>
+              </a:lnSpc>
+              <a:spcBef>
+                <a:spcPts val="0"/>
+              </a:spcBef>
+              <a:spcAft>
+                <a:spcPts val="0"/>
+              </a:spcAft>
+              <a:buSzPts val="1400"/>
+              <a:buNone/>
+              <a:defRPr/>
+            </a:lvl7pPr>
+            <a:lvl8pPr marL="3657600" lvl="7" indent="-228600" algn="l">
+              <a:lnSpc>
+                <a:spcPct val="100000"/>
+              </a:lnSpc>
+              <a:spcBef>
+                <a:spcPts val="0"/>
+              </a:spcBef>
+              <a:spcAft>
+                <a:spcPts val="0"/>
+              </a:spcAft>
+              <a:buSzPts val="1400"/>
+              <a:buNone/>
+              <a:defRPr/>
+            </a:lvl8pPr>
+            <a:lvl9pPr marL="4114800" lvl="8" indent="-228600" algn="l">
+              <a:lnSpc>
+                <a:spcPct val="100000"/>
+              </a:lnSpc>
+              <a:spcBef>
+                <a:spcPts val="0"/>
+              </a:spcBef>
+              <a:spcAft>
+                <a:spcPts val="0"/>
+              </a:spcAft>
+              <a:buSzPts val="1400"/>
+              <a:buNone/>
+              <a:defRPr/>
+            </a:lvl9pPr>
+          </a:lstStyle>
+          <a:p>
+            <a:endParaRPr/>
+          </a:p>
+        </p:txBody>
+      </p:sp>
+      <p:sp>
+        <p:nvSpPr>
+          <p:cNvPr id="106" name="Google Shape;106;p40"/>
+          <p:cNvSpPr txBox="1">
+            <a:spLocks noGrp="1"/>
+          </p:cNvSpPr>
+          <p:nvPr>
+            <p:ph type="body" idx="3"/>
+          </p:nvPr>
+        </p:nvSpPr>
+        <p:spPr>
+          <a:xfrm>
+            <a:off x="8029800" y="1604520"/>
+            <a:ext cx="3533040" cy="1896840"/>
+          </a:xfrm>
+          <a:prstGeom prst="rect">
+            <a:avLst/>
+          </a:prstGeom>
+          <a:noFill/>
+          <a:ln>
+            <a:noFill/>
+          </a:ln>
+        </p:spPr>
+        <p:txBody>
+          <a:bodyPr spcFirstLastPara="1" wrap="square" lIns="0" tIns="0" rIns="0" bIns="0" anchor="t" anchorCtr="0">
+            <a:normAutofit/>
+          </a:bodyPr>
+          <a:lstStyle>
+            <a:lvl1pPr marL="457200" lvl="0" indent="-228600" algn="l">
+              <a:lnSpc>
+                <a:spcPct val="100000"/>
+              </a:lnSpc>
+              <a:spcBef>
+                <a:spcPts val="0"/>
+              </a:spcBef>
+              <a:spcAft>
+                <a:spcPts val="0"/>
+              </a:spcAft>
+              <a:buSzPts val="1400"/>
+              <a:buNone/>
+              <a:defRPr/>
+            </a:lvl1pPr>
+            <a:lvl2pPr marL="914400" lvl="1" indent="-228600" algn="l">
+              <a:lnSpc>
+                <a:spcPct val="100000"/>
+              </a:lnSpc>
+              <a:spcBef>
+                <a:spcPts val="0"/>
+              </a:spcBef>
+              <a:spcAft>
+                <a:spcPts val="0"/>
+              </a:spcAft>
+              <a:buSzPts val="1400"/>
+              <a:buNone/>
+              <a:defRPr/>
+            </a:lvl2pPr>
+            <a:lvl3pPr marL="1371600" lvl="2" indent="-228600" algn="l">
+              <a:lnSpc>
+                <a:spcPct val="100000"/>
+              </a:lnSpc>
+              <a:spcBef>
+                <a:spcPts val="0"/>
+              </a:spcBef>
+              <a:spcAft>
+                <a:spcPts val="0"/>
+              </a:spcAft>
+              <a:buSzPts val="1400"/>
+              <a:buNone/>
+              <a:defRPr/>
+            </a:lvl3pPr>
+            <a:lvl4pPr marL="1828800" lvl="3" indent="-228600" algn="l">
+              <a:lnSpc>
+                <a:spcPct val="100000"/>
+              </a:lnSpc>
+              <a:spcBef>
+                <a:spcPts val="0"/>
+              </a:spcBef>
+              <a:spcAft>
+                <a:spcPts val="0"/>
+              </a:spcAft>
+              <a:buSzPts val="1400"/>
+              <a:buNone/>
+              <a:defRPr/>
+            </a:lvl4pPr>
+            <a:lvl5pPr marL="2286000" lvl="4" indent="-228600" algn="l">
+              <a:lnSpc>
+                <a:spcPct val="100000"/>
+              </a:lnSpc>
+              <a:spcBef>
+                <a:spcPts val="0"/>
+              </a:spcBef>
+              <a:spcAft>
+                <a:spcPts val="0"/>
+              </a:spcAft>
+              <a:buSzPts val="1400"/>
+              <a:buNone/>
+              <a:defRPr/>
+            </a:lvl5pPr>
+            <a:lvl6pPr marL="2743200" lvl="5" indent="-228600" algn="l">
+              <a:lnSpc>
+                <a:spcPct val="100000"/>
+              </a:lnSpc>
+              <a:spcBef>
+                <a:spcPts val="0"/>
+              </a:spcBef>
+              <a:spcAft>
+                <a:spcPts val="0"/>
+              </a:spcAft>
+              <a:buSzPts val="1400"/>
+              <a:buNone/>
+              <a:defRPr/>
+            </a:lvl6pPr>
+            <a:lvl7pPr marL="3200400" lvl="6" indent="-228600" algn="l">
+              <a:lnSpc>
+                <a:spcPct val="100000"/>
+              </a:lnSpc>
+              <a:spcBef>
+                <a:spcPts val="0"/>
+              </a:spcBef>
+              <a:spcAft>
+                <a:spcPts val="0"/>
+              </a:spcAft>
+              <a:buSzPts val="1400"/>
+              <a:buNone/>
+              <a:defRPr/>
+            </a:lvl7pPr>
+            <a:lvl8pPr marL="3657600" lvl="7" indent="-228600" algn="l">
+              <a:lnSpc>
+                <a:spcPct val="100000"/>
+              </a:lnSpc>
+              <a:spcBef>
+                <a:spcPts val="0"/>
+              </a:spcBef>
+              <a:spcAft>
+                <a:spcPts val="0"/>
+              </a:spcAft>
+              <a:buSzPts val="1400"/>
+              <a:buNone/>
+              <a:defRPr/>
+            </a:lvl8pPr>
+            <a:lvl9pPr marL="4114800" lvl="8" indent="-228600" algn="l">
+              <a:lnSpc>
+                <a:spcPct val="100000"/>
+              </a:lnSpc>
+              <a:spcBef>
+                <a:spcPts val="0"/>
+              </a:spcBef>
+              <a:spcAft>
+                <a:spcPts val="0"/>
+              </a:spcAft>
+              <a:buSzPts val="1400"/>
+              <a:buNone/>
+              <a:defRPr/>
+            </a:lvl9pPr>
+          </a:lstStyle>
+          <a:p>
+            <a:endParaRPr/>
+          </a:p>
+        </p:txBody>
+      </p:sp>
+      <p:sp>
+        <p:nvSpPr>
+          <p:cNvPr id="107" name="Google Shape;107;p40"/>
+          <p:cNvSpPr txBox="1">
+            <a:spLocks noGrp="1"/>
+          </p:cNvSpPr>
+          <p:nvPr>
+            <p:ph type="body" idx="4"/>
+          </p:nvPr>
+        </p:nvSpPr>
+        <p:spPr>
+          <a:xfrm>
+            <a:off x="609480" y="3682080"/>
+            <a:ext cx="3533040" cy="1896840"/>
+          </a:xfrm>
+          <a:prstGeom prst="rect">
+            <a:avLst/>
+          </a:prstGeom>
+          <a:noFill/>
+          <a:ln>
+            <a:noFill/>
+          </a:ln>
+        </p:spPr>
+        <p:txBody>
+          <a:bodyPr spcFirstLastPara="1" wrap="square" lIns="0" tIns="0" rIns="0" bIns="0" anchor="t" anchorCtr="0">
+            <a:normAutofit/>
+          </a:bodyPr>
+          <a:lstStyle>
+            <a:lvl1pPr marL="457200" lvl="0" indent="-228600" algn="l">
+              <a:lnSpc>
+                <a:spcPct val="100000"/>
+              </a:lnSpc>
+              <a:spcBef>
+                <a:spcPts val="0"/>
+              </a:spcBef>
+              <a:spcAft>
+                <a:spcPts val="0"/>
+              </a:spcAft>
+              <a:buSzPts val="1400"/>
+              <a:buNone/>
+              <a:defRPr/>
+            </a:lvl1pPr>
+            <a:lvl2pPr marL="914400" lvl="1" indent="-228600" algn="l">
+              <a:lnSpc>
+                <a:spcPct val="100000"/>
+              </a:lnSpc>
+              <a:spcBef>
+                <a:spcPts val="0"/>
+              </a:spcBef>
+              <a:spcAft>
+                <a:spcPts val="0"/>
+              </a:spcAft>
+              <a:buSzPts val="1400"/>
+              <a:buNone/>
+              <a:defRPr/>
+            </a:lvl2pPr>
+            <a:lvl3pPr marL="1371600" lvl="2" indent="-228600" algn="l">
+              <a:lnSpc>
+                <a:spcPct val="100000"/>
+              </a:lnSpc>
+              <a:spcBef>
+                <a:spcPts val="0"/>
+              </a:spcBef>
+              <a:spcAft>
+                <a:spcPts val="0"/>
+              </a:spcAft>
+              <a:buSzPts val="1400"/>
+              <a:buNone/>
+              <a:defRPr/>
+            </a:lvl3pPr>
+            <a:lvl4pPr marL="1828800" lvl="3" indent="-228600" algn="l">
+              <a:lnSpc>
+                <a:spcPct val="100000"/>
+              </a:lnSpc>
+              <a:spcBef>
+                <a:spcPts val="0"/>
+              </a:spcBef>
+              <a:spcAft>
+                <a:spcPts val="0"/>
+              </a:spcAft>
+              <a:buSzPts val="1400"/>
+              <a:buNone/>
+              <a:defRPr/>
+            </a:lvl4pPr>
+            <a:lvl5pPr marL="2286000" lvl="4" indent="-228600" algn="l">
+              <a:lnSpc>
+                <a:spcPct val="100000"/>
+              </a:lnSpc>
+              <a:spcBef>
+                <a:spcPts val="0"/>
+              </a:spcBef>
+              <a:spcAft>
+                <a:spcPts val="0"/>
+              </a:spcAft>
+              <a:buSzPts val="1400"/>
+              <a:buNone/>
+              <a:defRPr/>
+            </a:lvl5pPr>
+            <a:lvl6pPr marL="2743200" lvl="5" indent="-228600" algn="l">
+              <a:lnSpc>
+                <a:spcPct val="100000"/>
+              </a:lnSpc>
+              <a:spcBef>
+                <a:spcPts val="0"/>
+              </a:spcBef>
+              <a:spcAft>
+                <a:spcPts val="0"/>
+              </a:spcAft>
+              <a:buSzPts val="1400"/>
+              <a:buNone/>
+              <a:defRPr/>
+            </a:lvl6pPr>
+            <a:lvl7pPr marL="3200400" lvl="6" indent="-228600" algn="l">
+              <a:lnSpc>
+                <a:spcPct val="100000"/>
+              </a:lnSpc>
+              <a:spcBef>
+                <a:spcPts val="0"/>
+              </a:spcBef>
+              <a:spcAft>
+                <a:spcPts val="0"/>
+              </a:spcAft>
+              <a:buSzPts val="1400"/>
+              <a:buNone/>
+              <a:defRPr/>
+            </a:lvl7pPr>
+            <a:lvl8pPr marL="3657600" lvl="7" indent="-228600" algn="l">
+              <a:lnSpc>
+                <a:spcPct val="100000"/>
+              </a:lnSpc>
+              <a:spcBef>
+                <a:spcPts val="0"/>
+              </a:spcBef>
+              <a:spcAft>
+                <a:spcPts val="0"/>
+              </a:spcAft>
+              <a:buSzPts val="1400"/>
+              <a:buNone/>
+              <a:defRPr/>
+            </a:lvl8pPr>
+            <a:lvl9pPr marL="4114800" lvl="8" indent="-228600" algn="l">
+              <a:lnSpc>
+                <a:spcPct val="100000"/>
+              </a:lnSpc>
+              <a:spcBef>
+                <a:spcPts val="0"/>
+              </a:spcBef>
+              <a:spcAft>
+                <a:spcPts val="0"/>
+              </a:spcAft>
+              <a:buSzPts val="1400"/>
+              <a:buNone/>
+              <a:defRPr/>
+            </a:lvl9pPr>
+          </a:lstStyle>
+          <a:p>
+            <a:endParaRPr/>
+          </a:p>
+        </p:txBody>
+      </p:sp>
+      <p:sp>
+        <p:nvSpPr>
+          <p:cNvPr id="108" name="Google Shape;108;p40"/>
+          <p:cNvSpPr txBox="1">
+            <a:spLocks noGrp="1"/>
+          </p:cNvSpPr>
+          <p:nvPr>
+            <p:ph type="body" idx="5"/>
+          </p:nvPr>
+        </p:nvSpPr>
+        <p:spPr>
+          <a:xfrm>
+            <a:off x="4319640" y="3682080"/>
+            <a:ext cx="3533040" cy="1896840"/>
+          </a:xfrm>
+          <a:prstGeom prst="rect">
+            <a:avLst/>
+          </a:prstGeom>
+          <a:noFill/>
+          <a:ln>
+            <a:noFill/>
+          </a:ln>
+        </p:spPr>
+        <p:txBody>
+          <a:bodyPr spcFirstLastPara="1" wrap="square" lIns="0" tIns="0" rIns="0" bIns="0" anchor="t" anchorCtr="0">
+            <a:normAutofit/>
+          </a:bodyPr>
+          <a:lstStyle>
+            <a:lvl1pPr marL="457200" lvl="0" indent="-228600" algn="l">
+              <a:lnSpc>
+                <a:spcPct val="100000"/>
+              </a:lnSpc>
+              <a:spcBef>
+                <a:spcPts val="0"/>
+              </a:spcBef>
+              <a:spcAft>
+                <a:spcPts val="0"/>
+              </a:spcAft>
+              <a:buSzPts val="1400"/>
+              <a:buNone/>
+              <a:defRPr/>
+            </a:lvl1pPr>
+            <a:lvl2pPr marL="914400" lvl="1" indent="-228600" algn="l">
+              <a:lnSpc>
+                <a:spcPct val="100000"/>
+              </a:lnSpc>
+              <a:spcBef>
+                <a:spcPts val="0"/>
+              </a:spcBef>
+              <a:spcAft>
+                <a:spcPts val="0"/>
+              </a:spcAft>
+              <a:buSzPts val="1400"/>
+              <a:buNone/>
+              <a:defRPr/>
+            </a:lvl2pPr>
+            <a:lvl3pPr marL="1371600" lvl="2" indent="-228600" algn="l">
+              <a:lnSpc>
+                <a:spcPct val="100000"/>
+              </a:lnSpc>
+              <a:spcBef>
+                <a:spcPts val="0"/>
+              </a:spcBef>
+              <a:spcAft>
+                <a:spcPts val="0"/>
+              </a:spcAft>
+              <a:buSzPts val="1400"/>
+              <a:buNone/>
+              <a:defRPr/>
+            </a:lvl3pPr>
+            <a:lvl4pPr marL="1828800" lvl="3" indent="-228600" algn="l">
+              <a:lnSpc>
+                <a:spcPct val="100000"/>
+              </a:lnSpc>
+              <a:spcBef>
+                <a:spcPts val="0"/>
+              </a:spcBef>
+              <a:spcAft>
+                <a:spcPts val="0"/>
+              </a:spcAft>
+              <a:buSzPts val="1400"/>
+              <a:buNone/>
+              <a:defRPr/>
+            </a:lvl4pPr>
+            <a:lvl5pPr marL="2286000" lvl="4" indent="-228600" algn="l">
+              <a:lnSpc>
+                <a:spcPct val="100000"/>
+              </a:lnSpc>
+              <a:spcBef>
+                <a:spcPts val="0"/>
+              </a:spcBef>
+              <a:spcAft>
+                <a:spcPts val="0"/>
+              </a:spcAft>
+              <a:buSzPts val="1400"/>
+              <a:buNone/>
+              <a:defRPr/>
+            </a:lvl5pPr>
+            <a:lvl6pPr marL="2743200" lvl="5" indent="-228600" algn="l">
+              <a:lnSpc>
+                <a:spcPct val="100000"/>
+              </a:lnSpc>
+              <a:spcBef>
+                <a:spcPts val="0"/>
+              </a:spcBef>
+              <a:spcAft>
+                <a:spcPts val="0"/>
+              </a:spcAft>
+              <a:buSzPts val="1400"/>
+              <a:buNone/>
+              <a:defRPr/>
+            </a:lvl6pPr>
+            <a:lvl7pPr marL="3200400" lvl="6" indent="-228600" algn="l">
+              <a:lnSpc>
+                <a:spcPct val="100000"/>
+              </a:lnSpc>
+              <a:spcBef>
+                <a:spcPts val="0"/>
+              </a:spcBef>
+              <a:spcAft>
+                <a:spcPts val="0"/>
+              </a:spcAft>
+              <a:buSzPts val="1400"/>
+              <a:buNone/>
+              <a:defRPr/>
+            </a:lvl7pPr>
+            <a:lvl8pPr marL="3657600" lvl="7" indent="-228600" algn="l">
+              <a:lnSpc>
+                <a:spcPct val="100000"/>
+              </a:lnSpc>
+              <a:spcBef>
+                <a:spcPts val="0"/>
+              </a:spcBef>
+              <a:spcAft>
+                <a:spcPts val="0"/>
+              </a:spcAft>
+              <a:buSzPts val="1400"/>
+              <a:buNone/>
+              <a:defRPr/>
+            </a:lvl8pPr>
+            <a:lvl9pPr marL="4114800" lvl="8" indent="-228600" algn="l">
+              <a:lnSpc>
+                <a:spcPct val="100000"/>
+              </a:lnSpc>
+              <a:spcBef>
+                <a:spcPts val="0"/>
+              </a:spcBef>
+              <a:spcAft>
+                <a:spcPts val="0"/>
+              </a:spcAft>
+              <a:buSzPts val="1400"/>
+              <a:buNone/>
+              <a:defRPr/>
+            </a:lvl9pPr>
+          </a:lstStyle>
+          <a:p>
+            <a:endParaRPr/>
+          </a:p>
+        </p:txBody>
+      </p:sp>
+      <p:sp>
+        <p:nvSpPr>
+          <p:cNvPr id="109" name="Google Shape;109;p40"/>
+          <p:cNvSpPr txBox="1">
+            <a:spLocks noGrp="1"/>
+          </p:cNvSpPr>
+          <p:nvPr>
+            <p:ph type="body" idx="6"/>
+          </p:nvPr>
+        </p:nvSpPr>
+        <p:spPr>
+          <a:xfrm>
+            <a:off x="8029800" y="3682080"/>
+            <a:ext cx="3533040" cy="1896840"/>
           </a:xfrm>
           <a:prstGeom prst="rect">
             <a:avLst/>
@@ -8982,1151 +10198,6 @@
           <a:chExt cx="0" cy="0"/>
         </a:xfrm>
       </p:grpSpPr>
-    </p:spTree>
-  </p:cSld>
-  <p:clrMapOvr>
-    <a:masterClrMapping/>
-  </p:clrMapOvr>
-</p:sldLayout>
-</file>
-
-<file path=ppt/slideLayouts/slideLayout20.xml><?xml version="1.0" encoding="utf-8"?>
-<p:sldLayout xmlns:a="http://schemas.openxmlformats.org/drawingml/2006/main" xmlns:r="http://schemas.openxmlformats.org/officeDocument/2006/relationships" xmlns:p="http://schemas.openxmlformats.org/presentationml/2006/main" matchingName="Title, 6 Content">
-  <p:cSld name="Title, 6 Content">
-    <p:spTree>
-      <p:nvGrpSpPr>
-        <p:cNvPr id="1" name="Shape 102"/>
-        <p:cNvGrpSpPr/>
-        <p:nvPr/>
-      </p:nvGrpSpPr>
-      <p:grpSpPr>
-        <a:xfrm>
-          <a:off x="0" y="0"/>
-          <a:ext cx="0" cy="0"/>
-          <a:chOff x="0" y="0"/>
-          <a:chExt cx="0" cy="0"/>
-        </a:xfrm>
-      </p:grpSpPr>
-      <p:sp>
-        <p:nvSpPr>
-          <p:cNvPr id="103" name="Google Shape;103;p40"/>
-          <p:cNvSpPr txBox="1">
-            <a:spLocks noGrp="1"/>
-          </p:cNvSpPr>
-          <p:nvPr>
-            <p:ph type="title"/>
-          </p:nvPr>
-        </p:nvSpPr>
-        <p:spPr>
-          <a:xfrm>
-            <a:off x="1523880" y="1122480"/>
-            <a:ext cx="9143640" cy="2387160"/>
-          </a:xfrm>
-          <a:prstGeom prst="rect">
-            <a:avLst/>
-          </a:prstGeom>
-          <a:noFill/>
-          <a:ln>
-            <a:noFill/>
-          </a:ln>
-        </p:spPr>
-        <p:txBody>
-          <a:bodyPr spcFirstLastPara="1" wrap="square" lIns="0" tIns="0" rIns="0" bIns="0" anchor="ctr" anchorCtr="0">
-            <a:noAutofit/>
-          </a:bodyPr>
-          <a:lstStyle>
-            <a:lvl1pPr lvl="0" algn="l">
-              <a:lnSpc>
-                <a:spcPct val="100000"/>
-              </a:lnSpc>
-              <a:spcBef>
-                <a:spcPts val="0"/>
-              </a:spcBef>
-              <a:spcAft>
-                <a:spcPts val="0"/>
-              </a:spcAft>
-              <a:buSzPts val="1400"/>
-              <a:buNone/>
-              <a:defRPr/>
-            </a:lvl1pPr>
-            <a:lvl2pPr lvl="1" algn="l">
-              <a:lnSpc>
-                <a:spcPct val="100000"/>
-              </a:lnSpc>
-              <a:spcBef>
-                <a:spcPts val="0"/>
-              </a:spcBef>
-              <a:spcAft>
-                <a:spcPts val="0"/>
-              </a:spcAft>
-              <a:buSzPts val="1400"/>
-              <a:buNone/>
-              <a:defRPr/>
-            </a:lvl2pPr>
-            <a:lvl3pPr lvl="2" algn="l">
-              <a:lnSpc>
-                <a:spcPct val="100000"/>
-              </a:lnSpc>
-              <a:spcBef>
-                <a:spcPts val="0"/>
-              </a:spcBef>
-              <a:spcAft>
-                <a:spcPts val="0"/>
-              </a:spcAft>
-              <a:buSzPts val="1400"/>
-              <a:buNone/>
-              <a:defRPr/>
-            </a:lvl3pPr>
-            <a:lvl4pPr lvl="3" algn="l">
-              <a:lnSpc>
-                <a:spcPct val="100000"/>
-              </a:lnSpc>
-              <a:spcBef>
-                <a:spcPts val="0"/>
-              </a:spcBef>
-              <a:spcAft>
-                <a:spcPts val="0"/>
-              </a:spcAft>
-              <a:buSzPts val="1400"/>
-              <a:buNone/>
-              <a:defRPr/>
-            </a:lvl4pPr>
-            <a:lvl5pPr lvl="4" algn="l">
-              <a:lnSpc>
-                <a:spcPct val="100000"/>
-              </a:lnSpc>
-              <a:spcBef>
-                <a:spcPts val="0"/>
-              </a:spcBef>
-              <a:spcAft>
-                <a:spcPts val="0"/>
-              </a:spcAft>
-              <a:buSzPts val="1400"/>
-              <a:buNone/>
-              <a:defRPr/>
-            </a:lvl5pPr>
-            <a:lvl6pPr lvl="5" algn="l">
-              <a:lnSpc>
-                <a:spcPct val="100000"/>
-              </a:lnSpc>
-              <a:spcBef>
-                <a:spcPts val="0"/>
-              </a:spcBef>
-              <a:spcAft>
-                <a:spcPts val="0"/>
-              </a:spcAft>
-              <a:buSzPts val="1400"/>
-              <a:buNone/>
-              <a:defRPr/>
-            </a:lvl6pPr>
-            <a:lvl7pPr lvl="6" algn="l">
-              <a:lnSpc>
-                <a:spcPct val="100000"/>
-              </a:lnSpc>
-              <a:spcBef>
-                <a:spcPts val="0"/>
-              </a:spcBef>
-              <a:spcAft>
-                <a:spcPts val="0"/>
-              </a:spcAft>
-              <a:buSzPts val="1400"/>
-              <a:buNone/>
-              <a:defRPr/>
-            </a:lvl7pPr>
-            <a:lvl8pPr lvl="7" algn="l">
-              <a:lnSpc>
-                <a:spcPct val="100000"/>
-              </a:lnSpc>
-              <a:spcBef>
-                <a:spcPts val="0"/>
-              </a:spcBef>
-              <a:spcAft>
-                <a:spcPts val="0"/>
-              </a:spcAft>
-              <a:buSzPts val="1400"/>
-              <a:buNone/>
-              <a:defRPr/>
-            </a:lvl8pPr>
-            <a:lvl9pPr lvl="8" algn="l">
-              <a:lnSpc>
-                <a:spcPct val="100000"/>
-              </a:lnSpc>
-              <a:spcBef>
-                <a:spcPts val="0"/>
-              </a:spcBef>
-              <a:spcAft>
-                <a:spcPts val="0"/>
-              </a:spcAft>
-              <a:buSzPts val="1400"/>
-              <a:buNone/>
-              <a:defRPr/>
-            </a:lvl9pPr>
-          </a:lstStyle>
-          <a:p>
-            <a:endParaRPr/>
-          </a:p>
-        </p:txBody>
-      </p:sp>
-      <p:sp>
-        <p:nvSpPr>
-          <p:cNvPr id="104" name="Google Shape;104;p40"/>
-          <p:cNvSpPr txBox="1">
-            <a:spLocks noGrp="1"/>
-          </p:cNvSpPr>
-          <p:nvPr>
-            <p:ph type="body" idx="1"/>
-          </p:nvPr>
-        </p:nvSpPr>
-        <p:spPr>
-          <a:xfrm>
-            <a:off x="609480" y="1604520"/>
-            <a:ext cx="3533040" cy="1896840"/>
-          </a:xfrm>
-          <a:prstGeom prst="rect">
-            <a:avLst/>
-          </a:prstGeom>
-          <a:noFill/>
-          <a:ln>
-            <a:noFill/>
-          </a:ln>
-        </p:spPr>
-        <p:txBody>
-          <a:bodyPr spcFirstLastPara="1" wrap="square" lIns="0" tIns="0" rIns="0" bIns="0" anchor="t" anchorCtr="0">
-            <a:normAutofit/>
-          </a:bodyPr>
-          <a:lstStyle>
-            <a:lvl1pPr marL="457200" lvl="0" indent="-228600" algn="l">
-              <a:lnSpc>
-                <a:spcPct val="100000"/>
-              </a:lnSpc>
-              <a:spcBef>
-                <a:spcPts val="0"/>
-              </a:spcBef>
-              <a:spcAft>
-                <a:spcPts val="0"/>
-              </a:spcAft>
-              <a:buSzPts val="1400"/>
-              <a:buNone/>
-              <a:defRPr/>
-            </a:lvl1pPr>
-            <a:lvl2pPr marL="914400" lvl="1" indent="-228600" algn="l">
-              <a:lnSpc>
-                <a:spcPct val="100000"/>
-              </a:lnSpc>
-              <a:spcBef>
-                <a:spcPts val="0"/>
-              </a:spcBef>
-              <a:spcAft>
-                <a:spcPts val="0"/>
-              </a:spcAft>
-              <a:buSzPts val="1400"/>
-              <a:buNone/>
-              <a:defRPr/>
-            </a:lvl2pPr>
-            <a:lvl3pPr marL="1371600" lvl="2" indent="-228600" algn="l">
-              <a:lnSpc>
-                <a:spcPct val="100000"/>
-              </a:lnSpc>
-              <a:spcBef>
-                <a:spcPts val="0"/>
-              </a:spcBef>
-              <a:spcAft>
-                <a:spcPts val="0"/>
-              </a:spcAft>
-              <a:buSzPts val="1400"/>
-              <a:buNone/>
-              <a:defRPr/>
-            </a:lvl3pPr>
-            <a:lvl4pPr marL="1828800" lvl="3" indent="-228600" algn="l">
-              <a:lnSpc>
-                <a:spcPct val="100000"/>
-              </a:lnSpc>
-              <a:spcBef>
-                <a:spcPts val="0"/>
-              </a:spcBef>
-              <a:spcAft>
-                <a:spcPts val="0"/>
-              </a:spcAft>
-              <a:buSzPts val="1400"/>
-              <a:buNone/>
-              <a:defRPr/>
-            </a:lvl4pPr>
-            <a:lvl5pPr marL="2286000" lvl="4" indent="-228600" algn="l">
-              <a:lnSpc>
-                <a:spcPct val="100000"/>
-              </a:lnSpc>
-              <a:spcBef>
-                <a:spcPts val="0"/>
-              </a:spcBef>
-              <a:spcAft>
-                <a:spcPts val="0"/>
-              </a:spcAft>
-              <a:buSzPts val="1400"/>
-              <a:buNone/>
-              <a:defRPr/>
-            </a:lvl5pPr>
-            <a:lvl6pPr marL="2743200" lvl="5" indent="-228600" algn="l">
-              <a:lnSpc>
-                <a:spcPct val="100000"/>
-              </a:lnSpc>
-              <a:spcBef>
-                <a:spcPts val="0"/>
-              </a:spcBef>
-              <a:spcAft>
-                <a:spcPts val="0"/>
-              </a:spcAft>
-              <a:buSzPts val="1400"/>
-              <a:buNone/>
-              <a:defRPr/>
-            </a:lvl6pPr>
-            <a:lvl7pPr marL="3200400" lvl="6" indent="-228600" algn="l">
-              <a:lnSpc>
-                <a:spcPct val="100000"/>
-              </a:lnSpc>
-              <a:spcBef>
-                <a:spcPts val="0"/>
-              </a:spcBef>
-              <a:spcAft>
-                <a:spcPts val="0"/>
-              </a:spcAft>
-              <a:buSzPts val="1400"/>
-              <a:buNone/>
-              <a:defRPr/>
-            </a:lvl7pPr>
-            <a:lvl8pPr marL="3657600" lvl="7" indent="-228600" algn="l">
-              <a:lnSpc>
-                <a:spcPct val="100000"/>
-              </a:lnSpc>
-              <a:spcBef>
-                <a:spcPts val="0"/>
-              </a:spcBef>
-              <a:spcAft>
-                <a:spcPts val="0"/>
-              </a:spcAft>
-              <a:buSzPts val="1400"/>
-              <a:buNone/>
-              <a:defRPr/>
-            </a:lvl8pPr>
-            <a:lvl9pPr marL="4114800" lvl="8" indent="-228600" algn="l">
-              <a:lnSpc>
-                <a:spcPct val="100000"/>
-              </a:lnSpc>
-              <a:spcBef>
-                <a:spcPts val="0"/>
-              </a:spcBef>
-              <a:spcAft>
-                <a:spcPts val="0"/>
-              </a:spcAft>
-              <a:buSzPts val="1400"/>
-              <a:buNone/>
-              <a:defRPr/>
-            </a:lvl9pPr>
-          </a:lstStyle>
-          <a:p>
-            <a:endParaRPr/>
-          </a:p>
-        </p:txBody>
-      </p:sp>
-      <p:sp>
-        <p:nvSpPr>
-          <p:cNvPr id="105" name="Google Shape;105;p40"/>
-          <p:cNvSpPr txBox="1">
-            <a:spLocks noGrp="1"/>
-          </p:cNvSpPr>
-          <p:nvPr>
-            <p:ph type="body" idx="2"/>
-          </p:nvPr>
-        </p:nvSpPr>
-        <p:spPr>
-          <a:xfrm>
-            <a:off x="4319640" y="1604520"/>
-            <a:ext cx="3533040" cy="1896840"/>
-          </a:xfrm>
-          <a:prstGeom prst="rect">
-            <a:avLst/>
-          </a:prstGeom>
-          <a:noFill/>
-          <a:ln>
-            <a:noFill/>
-          </a:ln>
-        </p:spPr>
-        <p:txBody>
-          <a:bodyPr spcFirstLastPara="1" wrap="square" lIns="0" tIns="0" rIns="0" bIns="0" anchor="t" anchorCtr="0">
-            <a:normAutofit/>
-          </a:bodyPr>
-          <a:lstStyle>
-            <a:lvl1pPr marL="457200" lvl="0" indent="-228600" algn="l">
-              <a:lnSpc>
-                <a:spcPct val="100000"/>
-              </a:lnSpc>
-              <a:spcBef>
-                <a:spcPts val="0"/>
-              </a:spcBef>
-              <a:spcAft>
-                <a:spcPts val="0"/>
-              </a:spcAft>
-              <a:buSzPts val="1400"/>
-              <a:buNone/>
-              <a:defRPr/>
-            </a:lvl1pPr>
-            <a:lvl2pPr marL="914400" lvl="1" indent="-228600" algn="l">
-              <a:lnSpc>
-                <a:spcPct val="100000"/>
-              </a:lnSpc>
-              <a:spcBef>
-                <a:spcPts val="0"/>
-              </a:spcBef>
-              <a:spcAft>
-                <a:spcPts val="0"/>
-              </a:spcAft>
-              <a:buSzPts val="1400"/>
-              <a:buNone/>
-              <a:defRPr/>
-            </a:lvl2pPr>
-            <a:lvl3pPr marL="1371600" lvl="2" indent="-228600" algn="l">
-              <a:lnSpc>
-                <a:spcPct val="100000"/>
-              </a:lnSpc>
-              <a:spcBef>
-                <a:spcPts val="0"/>
-              </a:spcBef>
-              <a:spcAft>
-                <a:spcPts val="0"/>
-              </a:spcAft>
-              <a:buSzPts val="1400"/>
-              <a:buNone/>
-              <a:defRPr/>
-            </a:lvl3pPr>
-            <a:lvl4pPr marL="1828800" lvl="3" indent="-228600" algn="l">
-              <a:lnSpc>
-                <a:spcPct val="100000"/>
-              </a:lnSpc>
-              <a:spcBef>
-                <a:spcPts val="0"/>
-              </a:spcBef>
-              <a:spcAft>
-                <a:spcPts val="0"/>
-              </a:spcAft>
-              <a:buSzPts val="1400"/>
-              <a:buNone/>
-              <a:defRPr/>
-            </a:lvl4pPr>
-            <a:lvl5pPr marL="2286000" lvl="4" indent="-228600" algn="l">
-              <a:lnSpc>
-                <a:spcPct val="100000"/>
-              </a:lnSpc>
-              <a:spcBef>
-                <a:spcPts val="0"/>
-              </a:spcBef>
-              <a:spcAft>
-                <a:spcPts val="0"/>
-              </a:spcAft>
-              <a:buSzPts val="1400"/>
-              <a:buNone/>
-              <a:defRPr/>
-            </a:lvl5pPr>
-            <a:lvl6pPr marL="2743200" lvl="5" indent="-228600" algn="l">
-              <a:lnSpc>
-                <a:spcPct val="100000"/>
-              </a:lnSpc>
-              <a:spcBef>
-                <a:spcPts val="0"/>
-              </a:spcBef>
-              <a:spcAft>
-                <a:spcPts val="0"/>
-              </a:spcAft>
-              <a:buSzPts val="1400"/>
-              <a:buNone/>
-              <a:defRPr/>
-            </a:lvl6pPr>
-            <a:lvl7pPr marL="3200400" lvl="6" indent="-228600" algn="l">
-              <a:lnSpc>
-                <a:spcPct val="100000"/>
-              </a:lnSpc>
-              <a:spcBef>
-                <a:spcPts val="0"/>
-              </a:spcBef>
-              <a:spcAft>
-                <a:spcPts val="0"/>
-              </a:spcAft>
-              <a:buSzPts val="1400"/>
-              <a:buNone/>
-              <a:defRPr/>
-            </a:lvl7pPr>
-            <a:lvl8pPr marL="3657600" lvl="7" indent="-228600" algn="l">
-              <a:lnSpc>
-                <a:spcPct val="100000"/>
-              </a:lnSpc>
-              <a:spcBef>
-                <a:spcPts val="0"/>
-              </a:spcBef>
-              <a:spcAft>
-                <a:spcPts val="0"/>
-              </a:spcAft>
-              <a:buSzPts val="1400"/>
-              <a:buNone/>
-              <a:defRPr/>
-            </a:lvl8pPr>
-            <a:lvl9pPr marL="4114800" lvl="8" indent="-228600" algn="l">
-              <a:lnSpc>
-                <a:spcPct val="100000"/>
-              </a:lnSpc>
-              <a:spcBef>
-                <a:spcPts val="0"/>
-              </a:spcBef>
-              <a:spcAft>
-                <a:spcPts val="0"/>
-              </a:spcAft>
-              <a:buSzPts val="1400"/>
-              <a:buNone/>
-              <a:defRPr/>
-            </a:lvl9pPr>
-          </a:lstStyle>
-          <a:p>
-            <a:endParaRPr/>
-          </a:p>
-        </p:txBody>
-      </p:sp>
-      <p:sp>
-        <p:nvSpPr>
-          <p:cNvPr id="106" name="Google Shape;106;p40"/>
-          <p:cNvSpPr txBox="1">
-            <a:spLocks noGrp="1"/>
-          </p:cNvSpPr>
-          <p:nvPr>
-            <p:ph type="body" idx="3"/>
-          </p:nvPr>
-        </p:nvSpPr>
-        <p:spPr>
-          <a:xfrm>
-            <a:off x="8029800" y="1604520"/>
-            <a:ext cx="3533040" cy="1896840"/>
-          </a:xfrm>
-          <a:prstGeom prst="rect">
-            <a:avLst/>
-          </a:prstGeom>
-          <a:noFill/>
-          <a:ln>
-            <a:noFill/>
-          </a:ln>
-        </p:spPr>
-        <p:txBody>
-          <a:bodyPr spcFirstLastPara="1" wrap="square" lIns="0" tIns="0" rIns="0" bIns="0" anchor="t" anchorCtr="0">
-            <a:normAutofit/>
-          </a:bodyPr>
-          <a:lstStyle>
-            <a:lvl1pPr marL="457200" lvl="0" indent="-228600" algn="l">
-              <a:lnSpc>
-                <a:spcPct val="100000"/>
-              </a:lnSpc>
-              <a:spcBef>
-                <a:spcPts val="0"/>
-              </a:spcBef>
-              <a:spcAft>
-                <a:spcPts val="0"/>
-              </a:spcAft>
-              <a:buSzPts val="1400"/>
-              <a:buNone/>
-              <a:defRPr/>
-            </a:lvl1pPr>
-            <a:lvl2pPr marL="914400" lvl="1" indent="-228600" algn="l">
-              <a:lnSpc>
-                <a:spcPct val="100000"/>
-              </a:lnSpc>
-              <a:spcBef>
-                <a:spcPts val="0"/>
-              </a:spcBef>
-              <a:spcAft>
-                <a:spcPts val="0"/>
-              </a:spcAft>
-              <a:buSzPts val="1400"/>
-              <a:buNone/>
-              <a:defRPr/>
-            </a:lvl2pPr>
-            <a:lvl3pPr marL="1371600" lvl="2" indent="-228600" algn="l">
-              <a:lnSpc>
-                <a:spcPct val="100000"/>
-              </a:lnSpc>
-              <a:spcBef>
-                <a:spcPts val="0"/>
-              </a:spcBef>
-              <a:spcAft>
-                <a:spcPts val="0"/>
-              </a:spcAft>
-              <a:buSzPts val="1400"/>
-              <a:buNone/>
-              <a:defRPr/>
-            </a:lvl3pPr>
-            <a:lvl4pPr marL="1828800" lvl="3" indent="-228600" algn="l">
-              <a:lnSpc>
-                <a:spcPct val="100000"/>
-              </a:lnSpc>
-              <a:spcBef>
-                <a:spcPts val="0"/>
-              </a:spcBef>
-              <a:spcAft>
-                <a:spcPts val="0"/>
-              </a:spcAft>
-              <a:buSzPts val="1400"/>
-              <a:buNone/>
-              <a:defRPr/>
-            </a:lvl4pPr>
-            <a:lvl5pPr marL="2286000" lvl="4" indent="-228600" algn="l">
-              <a:lnSpc>
-                <a:spcPct val="100000"/>
-              </a:lnSpc>
-              <a:spcBef>
-                <a:spcPts val="0"/>
-              </a:spcBef>
-              <a:spcAft>
-                <a:spcPts val="0"/>
-              </a:spcAft>
-              <a:buSzPts val="1400"/>
-              <a:buNone/>
-              <a:defRPr/>
-            </a:lvl5pPr>
-            <a:lvl6pPr marL="2743200" lvl="5" indent="-228600" algn="l">
-              <a:lnSpc>
-                <a:spcPct val="100000"/>
-              </a:lnSpc>
-              <a:spcBef>
-                <a:spcPts val="0"/>
-              </a:spcBef>
-              <a:spcAft>
-                <a:spcPts val="0"/>
-              </a:spcAft>
-              <a:buSzPts val="1400"/>
-              <a:buNone/>
-              <a:defRPr/>
-            </a:lvl6pPr>
-            <a:lvl7pPr marL="3200400" lvl="6" indent="-228600" algn="l">
-              <a:lnSpc>
-                <a:spcPct val="100000"/>
-              </a:lnSpc>
-              <a:spcBef>
-                <a:spcPts val="0"/>
-              </a:spcBef>
-              <a:spcAft>
-                <a:spcPts val="0"/>
-              </a:spcAft>
-              <a:buSzPts val="1400"/>
-              <a:buNone/>
-              <a:defRPr/>
-            </a:lvl7pPr>
-            <a:lvl8pPr marL="3657600" lvl="7" indent="-228600" algn="l">
-              <a:lnSpc>
-                <a:spcPct val="100000"/>
-              </a:lnSpc>
-              <a:spcBef>
-                <a:spcPts val="0"/>
-              </a:spcBef>
-              <a:spcAft>
-                <a:spcPts val="0"/>
-              </a:spcAft>
-              <a:buSzPts val="1400"/>
-              <a:buNone/>
-              <a:defRPr/>
-            </a:lvl8pPr>
-            <a:lvl9pPr marL="4114800" lvl="8" indent="-228600" algn="l">
-              <a:lnSpc>
-                <a:spcPct val="100000"/>
-              </a:lnSpc>
-              <a:spcBef>
-                <a:spcPts val="0"/>
-              </a:spcBef>
-              <a:spcAft>
-                <a:spcPts val="0"/>
-              </a:spcAft>
-              <a:buSzPts val="1400"/>
-              <a:buNone/>
-              <a:defRPr/>
-            </a:lvl9pPr>
-          </a:lstStyle>
-          <a:p>
-            <a:endParaRPr/>
-          </a:p>
-        </p:txBody>
-      </p:sp>
-      <p:sp>
-        <p:nvSpPr>
-          <p:cNvPr id="107" name="Google Shape;107;p40"/>
-          <p:cNvSpPr txBox="1">
-            <a:spLocks noGrp="1"/>
-          </p:cNvSpPr>
-          <p:nvPr>
-            <p:ph type="body" idx="4"/>
-          </p:nvPr>
-        </p:nvSpPr>
-        <p:spPr>
-          <a:xfrm>
-            <a:off x="609480" y="3682080"/>
-            <a:ext cx="3533040" cy="1896840"/>
-          </a:xfrm>
-          <a:prstGeom prst="rect">
-            <a:avLst/>
-          </a:prstGeom>
-          <a:noFill/>
-          <a:ln>
-            <a:noFill/>
-          </a:ln>
-        </p:spPr>
-        <p:txBody>
-          <a:bodyPr spcFirstLastPara="1" wrap="square" lIns="0" tIns="0" rIns="0" bIns="0" anchor="t" anchorCtr="0">
-            <a:normAutofit/>
-          </a:bodyPr>
-          <a:lstStyle>
-            <a:lvl1pPr marL="457200" lvl="0" indent="-228600" algn="l">
-              <a:lnSpc>
-                <a:spcPct val="100000"/>
-              </a:lnSpc>
-              <a:spcBef>
-                <a:spcPts val="0"/>
-              </a:spcBef>
-              <a:spcAft>
-                <a:spcPts val="0"/>
-              </a:spcAft>
-              <a:buSzPts val="1400"/>
-              <a:buNone/>
-              <a:defRPr/>
-            </a:lvl1pPr>
-            <a:lvl2pPr marL="914400" lvl="1" indent="-228600" algn="l">
-              <a:lnSpc>
-                <a:spcPct val="100000"/>
-              </a:lnSpc>
-              <a:spcBef>
-                <a:spcPts val="0"/>
-              </a:spcBef>
-              <a:spcAft>
-                <a:spcPts val="0"/>
-              </a:spcAft>
-              <a:buSzPts val="1400"/>
-              <a:buNone/>
-              <a:defRPr/>
-            </a:lvl2pPr>
-            <a:lvl3pPr marL="1371600" lvl="2" indent="-228600" algn="l">
-              <a:lnSpc>
-                <a:spcPct val="100000"/>
-              </a:lnSpc>
-              <a:spcBef>
-                <a:spcPts val="0"/>
-              </a:spcBef>
-              <a:spcAft>
-                <a:spcPts val="0"/>
-              </a:spcAft>
-              <a:buSzPts val="1400"/>
-              <a:buNone/>
-              <a:defRPr/>
-            </a:lvl3pPr>
-            <a:lvl4pPr marL="1828800" lvl="3" indent="-228600" algn="l">
-              <a:lnSpc>
-                <a:spcPct val="100000"/>
-              </a:lnSpc>
-              <a:spcBef>
-                <a:spcPts val="0"/>
-              </a:spcBef>
-              <a:spcAft>
-                <a:spcPts val="0"/>
-              </a:spcAft>
-              <a:buSzPts val="1400"/>
-              <a:buNone/>
-              <a:defRPr/>
-            </a:lvl4pPr>
-            <a:lvl5pPr marL="2286000" lvl="4" indent="-228600" algn="l">
-              <a:lnSpc>
-                <a:spcPct val="100000"/>
-              </a:lnSpc>
-              <a:spcBef>
-                <a:spcPts val="0"/>
-              </a:spcBef>
-              <a:spcAft>
-                <a:spcPts val="0"/>
-              </a:spcAft>
-              <a:buSzPts val="1400"/>
-              <a:buNone/>
-              <a:defRPr/>
-            </a:lvl5pPr>
-            <a:lvl6pPr marL="2743200" lvl="5" indent="-228600" algn="l">
-              <a:lnSpc>
-                <a:spcPct val="100000"/>
-              </a:lnSpc>
-              <a:spcBef>
-                <a:spcPts val="0"/>
-              </a:spcBef>
-              <a:spcAft>
-                <a:spcPts val="0"/>
-              </a:spcAft>
-              <a:buSzPts val="1400"/>
-              <a:buNone/>
-              <a:defRPr/>
-            </a:lvl6pPr>
-            <a:lvl7pPr marL="3200400" lvl="6" indent="-228600" algn="l">
-              <a:lnSpc>
-                <a:spcPct val="100000"/>
-              </a:lnSpc>
-              <a:spcBef>
-                <a:spcPts val="0"/>
-              </a:spcBef>
-              <a:spcAft>
-                <a:spcPts val="0"/>
-              </a:spcAft>
-              <a:buSzPts val="1400"/>
-              <a:buNone/>
-              <a:defRPr/>
-            </a:lvl7pPr>
-            <a:lvl8pPr marL="3657600" lvl="7" indent="-228600" algn="l">
-              <a:lnSpc>
-                <a:spcPct val="100000"/>
-              </a:lnSpc>
-              <a:spcBef>
-                <a:spcPts val="0"/>
-              </a:spcBef>
-              <a:spcAft>
-                <a:spcPts val="0"/>
-              </a:spcAft>
-              <a:buSzPts val="1400"/>
-              <a:buNone/>
-              <a:defRPr/>
-            </a:lvl8pPr>
-            <a:lvl9pPr marL="4114800" lvl="8" indent="-228600" algn="l">
-              <a:lnSpc>
-                <a:spcPct val="100000"/>
-              </a:lnSpc>
-              <a:spcBef>
-                <a:spcPts val="0"/>
-              </a:spcBef>
-              <a:spcAft>
-                <a:spcPts val="0"/>
-              </a:spcAft>
-              <a:buSzPts val="1400"/>
-              <a:buNone/>
-              <a:defRPr/>
-            </a:lvl9pPr>
-          </a:lstStyle>
-          <a:p>
-            <a:endParaRPr/>
-          </a:p>
-        </p:txBody>
-      </p:sp>
-      <p:sp>
-        <p:nvSpPr>
-          <p:cNvPr id="108" name="Google Shape;108;p40"/>
-          <p:cNvSpPr txBox="1">
-            <a:spLocks noGrp="1"/>
-          </p:cNvSpPr>
-          <p:nvPr>
-            <p:ph type="body" idx="5"/>
-          </p:nvPr>
-        </p:nvSpPr>
-        <p:spPr>
-          <a:xfrm>
-            <a:off x="4319640" y="3682080"/>
-            <a:ext cx="3533040" cy="1896840"/>
-          </a:xfrm>
-          <a:prstGeom prst="rect">
-            <a:avLst/>
-          </a:prstGeom>
-          <a:noFill/>
-          <a:ln>
-            <a:noFill/>
-          </a:ln>
-        </p:spPr>
-        <p:txBody>
-          <a:bodyPr spcFirstLastPara="1" wrap="square" lIns="0" tIns="0" rIns="0" bIns="0" anchor="t" anchorCtr="0">
-            <a:normAutofit/>
-          </a:bodyPr>
-          <a:lstStyle>
-            <a:lvl1pPr marL="457200" lvl="0" indent="-228600" algn="l">
-              <a:lnSpc>
-                <a:spcPct val="100000"/>
-              </a:lnSpc>
-              <a:spcBef>
-                <a:spcPts val="0"/>
-              </a:spcBef>
-              <a:spcAft>
-                <a:spcPts val="0"/>
-              </a:spcAft>
-              <a:buSzPts val="1400"/>
-              <a:buNone/>
-              <a:defRPr/>
-            </a:lvl1pPr>
-            <a:lvl2pPr marL="914400" lvl="1" indent="-228600" algn="l">
-              <a:lnSpc>
-                <a:spcPct val="100000"/>
-              </a:lnSpc>
-              <a:spcBef>
-                <a:spcPts val="0"/>
-              </a:spcBef>
-              <a:spcAft>
-                <a:spcPts val="0"/>
-              </a:spcAft>
-              <a:buSzPts val="1400"/>
-              <a:buNone/>
-              <a:defRPr/>
-            </a:lvl2pPr>
-            <a:lvl3pPr marL="1371600" lvl="2" indent="-228600" algn="l">
-              <a:lnSpc>
-                <a:spcPct val="100000"/>
-              </a:lnSpc>
-              <a:spcBef>
-                <a:spcPts val="0"/>
-              </a:spcBef>
-              <a:spcAft>
-                <a:spcPts val="0"/>
-              </a:spcAft>
-              <a:buSzPts val="1400"/>
-              <a:buNone/>
-              <a:defRPr/>
-            </a:lvl3pPr>
-            <a:lvl4pPr marL="1828800" lvl="3" indent="-228600" algn="l">
-              <a:lnSpc>
-                <a:spcPct val="100000"/>
-              </a:lnSpc>
-              <a:spcBef>
-                <a:spcPts val="0"/>
-              </a:spcBef>
-              <a:spcAft>
-                <a:spcPts val="0"/>
-              </a:spcAft>
-              <a:buSzPts val="1400"/>
-              <a:buNone/>
-              <a:defRPr/>
-            </a:lvl4pPr>
-            <a:lvl5pPr marL="2286000" lvl="4" indent="-228600" algn="l">
-              <a:lnSpc>
-                <a:spcPct val="100000"/>
-              </a:lnSpc>
-              <a:spcBef>
-                <a:spcPts val="0"/>
-              </a:spcBef>
-              <a:spcAft>
-                <a:spcPts val="0"/>
-              </a:spcAft>
-              <a:buSzPts val="1400"/>
-              <a:buNone/>
-              <a:defRPr/>
-            </a:lvl5pPr>
-            <a:lvl6pPr marL="2743200" lvl="5" indent="-228600" algn="l">
-              <a:lnSpc>
-                <a:spcPct val="100000"/>
-              </a:lnSpc>
-              <a:spcBef>
-                <a:spcPts val="0"/>
-              </a:spcBef>
-              <a:spcAft>
-                <a:spcPts val="0"/>
-              </a:spcAft>
-              <a:buSzPts val="1400"/>
-              <a:buNone/>
-              <a:defRPr/>
-            </a:lvl6pPr>
-            <a:lvl7pPr marL="3200400" lvl="6" indent="-228600" algn="l">
-              <a:lnSpc>
-                <a:spcPct val="100000"/>
-              </a:lnSpc>
-              <a:spcBef>
-                <a:spcPts val="0"/>
-              </a:spcBef>
-              <a:spcAft>
-                <a:spcPts val="0"/>
-              </a:spcAft>
-              <a:buSzPts val="1400"/>
-              <a:buNone/>
-              <a:defRPr/>
-            </a:lvl7pPr>
-            <a:lvl8pPr marL="3657600" lvl="7" indent="-228600" algn="l">
-              <a:lnSpc>
-                <a:spcPct val="100000"/>
-              </a:lnSpc>
-              <a:spcBef>
-                <a:spcPts val="0"/>
-              </a:spcBef>
-              <a:spcAft>
-                <a:spcPts val="0"/>
-              </a:spcAft>
-              <a:buSzPts val="1400"/>
-              <a:buNone/>
-              <a:defRPr/>
-            </a:lvl8pPr>
-            <a:lvl9pPr marL="4114800" lvl="8" indent="-228600" algn="l">
-              <a:lnSpc>
-                <a:spcPct val="100000"/>
-              </a:lnSpc>
-              <a:spcBef>
-                <a:spcPts val="0"/>
-              </a:spcBef>
-              <a:spcAft>
-                <a:spcPts val="0"/>
-              </a:spcAft>
-              <a:buSzPts val="1400"/>
-              <a:buNone/>
-              <a:defRPr/>
-            </a:lvl9pPr>
-          </a:lstStyle>
-          <a:p>
-            <a:endParaRPr/>
-          </a:p>
-        </p:txBody>
-      </p:sp>
-      <p:sp>
-        <p:nvSpPr>
-          <p:cNvPr id="109" name="Google Shape;109;p40"/>
-          <p:cNvSpPr txBox="1">
-            <a:spLocks noGrp="1"/>
-          </p:cNvSpPr>
-          <p:nvPr>
-            <p:ph type="body" idx="6"/>
-          </p:nvPr>
-        </p:nvSpPr>
-        <p:spPr>
-          <a:xfrm>
-            <a:off x="8029800" y="3682080"/>
-            <a:ext cx="3533040" cy="1896840"/>
-          </a:xfrm>
-          <a:prstGeom prst="rect">
-            <a:avLst/>
-          </a:prstGeom>
-          <a:noFill/>
-          <a:ln>
-            <a:noFill/>
-          </a:ln>
-        </p:spPr>
-        <p:txBody>
-          <a:bodyPr spcFirstLastPara="1" wrap="square" lIns="0" tIns="0" rIns="0" bIns="0" anchor="t" anchorCtr="0">
-            <a:normAutofit/>
-          </a:bodyPr>
-          <a:lstStyle>
-            <a:lvl1pPr marL="457200" lvl="0" indent="-228600" algn="l">
-              <a:lnSpc>
-                <a:spcPct val="100000"/>
-              </a:lnSpc>
-              <a:spcBef>
-                <a:spcPts val="0"/>
-              </a:spcBef>
-              <a:spcAft>
-                <a:spcPts val="0"/>
-              </a:spcAft>
-              <a:buSzPts val="1400"/>
-              <a:buNone/>
-              <a:defRPr/>
-            </a:lvl1pPr>
-            <a:lvl2pPr marL="914400" lvl="1" indent="-228600" algn="l">
-              <a:lnSpc>
-                <a:spcPct val="100000"/>
-              </a:lnSpc>
-              <a:spcBef>
-                <a:spcPts val="0"/>
-              </a:spcBef>
-              <a:spcAft>
-                <a:spcPts val="0"/>
-              </a:spcAft>
-              <a:buSzPts val="1400"/>
-              <a:buNone/>
-              <a:defRPr/>
-            </a:lvl2pPr>
-            <a:lvl3pPr marL="1371600" lvl="2" indent="-228600" algn="l">
-              <a:lnSpc>
-                <a:spcPct val="100000"/>
-              </a:lnSpc>
-              <a:spcBef>
-                <a:spcPts val="0"/>
-              </a:spcBef>
-              <a:spcAft>
-                <a:spcPts val="0"/>
-              </a:spcAft>
-              <a:buSzPts val="1400"/>
-              <a:buNone/>
-              <a:defRPr/>
-            </a:lvl3pPr>
-            <a:lvl4pPr marL="1828800" lvl="3" indent="-228600" algn="l">
-              <a:lnSpc>
-                <a:spcPct val="100000"/>
-              </a:lnSpc>
-              <a:spcBef>
-                <a:spcPts val="0"/>
-              </a:spcBef>
-              <a:spcAft>
-                <a:spcPts val="0"/>
-              </a:spcAft>
-              <a:buSzPts val="1400"/>
-              <a:buNone/>
-              <a:defRPr/>
-            </a:lvl4pPr>
-            <a:lvl5pPr marL="2286000" lvl="4" indent="-228600" algn="l">
-              <a:lnSpc>
-                <a:spcPct val="100000"/>
-              </a:lnSpc>
-              <a:spcBef>
-                <a:spcPts val="0"/>
-              </a:spcBef>
-              <a:spcAft>
-                <a:spcPts val="0"/>
-              </a:spcAft>
-              <a:buSzPts val="1400"/>
-              <a:buNone/>
-              <a:defRPr/>
-            </a:lvl5pPr>
-            <a:lvl6pPr marL="2743200" lvl="5" indent="-228600" algn="l">
-              <a:lnSpc>
-                <a:spcPct val="100000"/>
-              </a:lnSpc>
-              <a:spcBef>
-                <a:spcPts val="0"/>
-              </a:spcBef>
-              <a:spcAft>
-                <a:spcPts val="0"/>
-              </a:spcAft>
-              <a:buSzPts val="1400"/>
-              <a:buNone/>
-              <a:defRPr/>
-            </a:lvl6pPr>
-            <a:lvl7pPr marL="3200400" lvl="6" indent="-228600" algn="l">
-              <a:lnSpc>
-                <a:spcPct val="100000"/>
-              </a:lnSpc>
-              <a:spcBef>
-                <a:spcPts val="0"/>
-              </a:spcBef>
-              <a:spcAft>
-                <a:spcPts val="0"/>
-              </a:spcAft>
-              <a:buSzPts val="1400"/>
-              <a:buNone/>
-              <a:defRPr/>
-            </a:lvl7pPr>
-            <a:lvl8pPr marL="3657600" lvl="7" indent="-228600" algn="l">
-              <a:lnSpc>
-                <a:spcPct val="100000"/>
-              </a:lnSpc>
-              <a:spcBef>
-                <a:spcPts val="0"/>
-              </a:spcBef>
-              <a:spcAft>
-                <a:spcPts val="0"/>
-              </a:spcAft>
-              <a:buSzPts val="1400"/>
-              <a:buNone/>
-              <a:defRPr/>
-            </a:lvl8pPr>
-            <a:lvl9pPr marL="4114800" lvl="8" indent="-228600" algn="l">
-              <a:lnSpc>
-                <a:spcPct val="100000"/>
-              </a:lnSpc>
-              <a:spcBef>
-                <a:spcPts val="0"/>
-              </a:spcBef>
-              <a:spcAft>
-                <a:spcPts val="0"/>
-              </a:spcAft>
-              <a:buSzPts val="1400"/>
-              <a:buNone/>
-              <a:defRPr/>
-            </a:lvl9pPr>
-          </a:lstStyle>
-          <a:p>
-            <a:endParaRPr/>
-          </a:p>
-        </p:txBody>
-      </p:sp>
     </p:spTree>
   </p:cSld>
   <p:clrMapOvr>
@@ -16012,13 +16083,12 @@
   <p:clrMap bg1="lt1" tx1="dk1" bg2="dk2" tx2="lt2" accent1="accent1" accent2="accent2" accent3="accent3" accent4="accent4" accent5="accent5" accent6="accent6" hlink="hlink" folHlink="folHlink"/>
   <p:sldLayoutIdLst>
     <p:sldLayoutId id="2147483662" r:id="rId1"/>
-    <p:sldLayoutId id="2147483667" r:id="rId2"/>
-    <p:sldLayoutId id="2147483668" r:id="rId3"/>
-    <p:sldLayoutId id="2147483669" r:id="rId4"/>
-    <p:sldLayoutId id="2147483670" r:id="rId5"/>
-    <p:sldLayoutId id="2147483671" r:id="rId6"/>
-    <p:sldLayoutId id="2147483672" r:id="rId7"/>
-    <p:sldLayoutId id="2147483673" r:id="rId8"/>
+    <p:sldLayoutId id="2147483668" r:id="rId2"/>
+    <p:sldLayoutId id="2147483669" r:id="rId3"/>
+    <p:sldLayoutId id="2147483670" r:id="rId4"/>
+    <p:sldLayoutId id="2147483671" r:id="rId5"/>
+    <p:sldLayoutId id="2147483672" r:id="rId6"/>
+    <p:sldLayoutId id="2147483673" r:id="rId7"/>
   </p:sldLayoutIdLst>
   <p:hf sldNum="0" hdr="0" ftr="0" dt="0"/>
   <p:txStyles>
@@ -18084,7 +18154,6 @@
               <a:rPr lang="es-CO" sz="2800" dirty="0"/>
               <a:t>1</a:t>
             </a:r>
-            <a:endParaRPr lang="es-CO" sz="2800" dirty="0"/>
           </a:p>
         </p:txBody>
       </p:sp>
@@ -18115,7 +18184,6 @@
               <a:rPr lang="es-CO" sz="2800" dirty="0"/>
               <a:t>1</a:t>
             </a:r>
-            <a:endParaRPr lang="es-CO" sz="2800" dirty="0"/>
           </a:p>
         </p:txBody>
       </p:sp>
@@ -18146,7 +18214,6 @@
               <a:rPr lang="es-CO" sz="2800" dirty="0"/>
               <a:t>1</a:t>
             </a:r>
-            <a:endParaRPr lang="es-CO" sz="2800" dirty="0"/>
           </a:p>
         </p:txBody>
       </p:sp>
@@ -18177,7 +18244,6 @@
               <a:rPr lang="es-CO" sz="2800" dirty="0"/>
               <a:t>1</a:t>
             </a:r>
-            <a:endParaRPr lang="es-CO" sz="2800" dirty="0"/>
           </a:p>
         </p:txBody>
       </p:sp>
@@ -18208,7 +18274,6 @@
               <a:rPr lang="es-CO" sz="2800" dirty="0"/>
               <a:t>1</a:t>
             </a:r>
-            <a:endParaRPr lang="es-CO" sz="2800" dirty="0"/>
           </a:p>
         </p:txBody>
       </p:sp>
@@ -18239,7 +18304,6 @@
               <a:rPr lang="es-CO" sz="2800" dirty="0"/>
               <a:t>1</a:t>
             </a:r>
-            <a:endParaRPr lang="es-CO" sz="2800" dirty="0"/>
           </a:p>
         </p:txBody>
       </p:sp>
@@ -18270,7 +18334,6 @@
               <a:rPr lang="es-CO" sz="2800" dirty="0"/>
               <a:t>1</a:t>
             </a:r>
-            <a:endParaRPr lang="es-CO" sz="2800" dirty="0"/>
           </a:p>
         </p:txBody>
       </p:sp>
@@ -18301,7 +18364,6 @@
               <a:rPr lang="es-CO" sz="2800" dirty="0"/>
               <a:t>1</a:t>
             </a:r>
-            <a:endParaRPr lang="es-CO" sz="2800" dirty="0"/>
           </a:p>
         </p:txBody>
       </p:sp>
@@ -18611,7 +18673,6 @@
               <a:rPr lang="es-CO" sz="2800" dirty="0"/>
               <a:t>8</a:t>
             </a:r>
-            <a:endParaRPr lang="es-CO" sz="2800" dirty="0"/>
           </a:p>
         </p:txBody>
       </p:sp>
@@ -20128,7 +20189,7 @@
       </p:grpSpPr>
       <p:pic>
         <p:nvPicPr>
-          <p:cNvPr id="199" name="Google Shape;199;p2"/>
+          <p:cNvPr id="10" name="Google Shape;199;p2"/>
           <p:cNvPicPr preferRelativeResize="0"/>
           <p:nvPr/>
         </p:nvPicPr>
@@ -20141,7 +20202,7 @@
         </p:blipFill>
         <p:spPr>
           <a:xfrm>
-            <a:off x="-186960" y="-40690"/>
+            <a:off x="0" y="1938"/>
             <a:ext cx="12196080" cy="6855840"/>
           </a:xfrm>
           <a:prstGeom prst="rect">
@@ -20182,14 +20243,14 @@
       </p:pic>
       <p:sp>
         <p:nvSpPr>
-          <p:cNvPr id="217" name="Google Shape;217;p2"/>
+          <p:cNvPr id="8" name="Google Shape;217;p2"/>
           <p:cNvSpPr/>
           <p:nvPr/>
         </p:nvSpPr>
         <p:spPr>
           <a:xfrm>
             <a:off x="815040" y="6160680"/>
-            <a:ext cx="6915240" cy="425160"/>
+            <a:ext cx="6915240" cy="767987"/>
           </a:xfrm>
           <a:prstGeom prst="rect">
             <a:avLst/>
@@ -20205,58 +20266,35 @@
           </a:bodyPr>
           <a:lstStyle/>
           <a:p>
-            <a:pPr marL="0" marR="0" lvl="0" indent="0" algn="l" rtl="0">
-              <a:lnSpc>
-                <a:spcPct val="100000"/>
-              </a:lnSpc>
-              <a:spcBef>
-                <a:spcPts val="0"/>
-              </a:spcBef>
-              <a:spcAft>
-                <a:spcPts val="0"/>
-              </a:spcAft>
-              <a:buClr>
-                <a:srgbClr val="000000"/>
-              </a:buClr>
+            <a:pPr lvl="0">
               <a:buSzPts val="2200"/>
-              <a:buFont typeface="Arial"/>
-              <a:buNone/>
             </a:pPr>
             <a:r>
-              <a:rPr lang="en-US" sz="2200" b="1" i="0" u="none" strike="noStrike" cap="none">
+              <a:rPr lang="en-US" sz="2200" b="1" dirty="0">
                 <a:solidFill>
                   <a:srgbClr val="001E33"/>
                 </a:solidFill>
                 <a:uFill>
                   <a:noFill/>
                 </a:uFill>
-                <a:latin typeface="Arial"/>
-                <a:ea typeface="Arial"/>
-                <a:cs typeface="Arial"/>
-                <a:sym typeface="Arial"/>
-                <a:hlinkClick r:id="rId5">
-                  <a:extLst>
-                    <a:ext uri="{A12FA001-AC4F-418D-AE19-62706E023703}">
-                      <ahyp:hlinkClr xmlns="" xmlns:ahyp="http://schemas.microsoft.com/office/drawing/2018/hyperlinkcolor" val="tx"/>
-                    </a:ext>
-                  </a:extLst>
-                </a:hlinkClick>
+                <a:hlinkClick r:id="rId5"/>
               </a:rPr>
-              <a:t>http://github.com/yourUserName/proyecto/.</a:t>
-            </a:r>
-            <a:r>
-              <a:rPr lang="en-US" sz="2200" b="1" i="0" u="none" strike="noStrike" cap="none">
-                <a:solidFill>
-                  <a:srgbClr val="001E33"/>
-                </a:solidFill>
-                <a:latin typeface="Arial"/>
-                <a:ea typeface="Arial"/>
-                <a:cs typeface="Arial"/>
-                <a:sym typeface="Arial"/>
-              </a:rPr>
-              <a:t>..</a:t>
-            </a:r>
-            <a:endParaRPr sz="2200" b="1" i="0" u="none" strike="noStrike" cap="none">
+              <a:t>https://github.com/GianSz/ProyectoDatos</a:t>
+            </a:r>
+            <a:endParaRPr lang="en-US" sz="2200" b="1" dirty="0">
+              <a:solidFill>
+                <a:srgbClr val="001E33"/>
+              </a:solidFill>
+              <a:uFill>
+                <a:noFill/>
+              </a:uFill>
+            </a:endParaRPr>
+          </a:p>
+          <a:p>
+            <a:pPr lvl="0">
+              <a:buSzPts val="2200"/>
+            </a:pPr>
+            <a:endParaRPr sz="2200" b="1" i="0" u="none" strike="noStrike" cap="none" dirty="0">
               <a:solidFill>
                 <a:srgbClr val="001E33"/>
               </a:solidFill>
@@ -20270,14 +20308,14 @@
       </p:sp>
       <p:sp>
         <p:nvSpPr>
-          <p:cNvPr id="222" name="Google Shape;222;p2"/>
+          <p:cNvPr id="9" name="Google Shape;200;p2"/>
           <p:cNvSpPr/>
           <p:nvPr/>
         </p:nvSpPr>
         <p:spPr>
           <a:xfrm>
-            <a:off x="7692600" y="6184200"/>
-            <a:ext cx="2932500" cy="516000"/>
+            <a:off x="493380" y="372456"/>
+            <a:ext cx="6336911" cy="429433"/>
           </a:xfrm>
           <a:prstGeom prst="rect">
             <a:avLst/>
@@ -20289,11 +20327,11 @@
         </p:spPr>
         <p:txBody>
           <a:bodyPr spcFirstLastPara="1" wrap="square" lIns="90000" tIns="45000" rIns="90000" bIns="45000" anchor="t" anchorCtr="0">
-            <a:noAutofit/>
+            <a:spAutoFit/>
           </a:bodyPr>
           <a:lstStyle/>
           <a:p>
-            <a:pPr marL="0" marR="0" lvl="0" indent="0" algn="ctr" rtl="0">
+            <a:pPr marL="0" marR="0" lvl="0" indent="0" algn="l" rtl="0">
               <a:lnSpc>
                 <a:spcPct val="100000"/>
               </a:lnSpc>
@@ -20306,48 +20344,53 @@
               <a:buClr>
                 <a:srgbClr val="000000"/>
               </a:buClr>
-              <a:buSzPts val="1400"/>
+              <a:buSzPts val="2200"/>
               <a:buFont typeface="Arial"/>
               <a:buNone/>
             </a:pPr>
             <a:r>
-              <a:rPr lang="en-US" sz="1400" b="0" i="1" u="none" strike="noStrike" cap="none">
+              <a:rPr lang="es-CO" sz="2200" b="1" dirty="0" smtClean="0">
                 <a:solidFill>
-                  <a:schemeClr val="accent2"/>
+                  <a:srgbClr val="FFFFFF"/>
                 </a:solidFill>
-                <a:latin typeface="Arial"/>
-                <a:ea typeface="Arial"/>
-                <a:cs typeface="Arial"/>
-                <a:sym typeface="Arial"/>
               </a:rPr>
-              <a:t>Incluya el URL donde</a:t>
-            </a:r>
-            <a:br>
-              <a:rPr lang="en-US" sz="1400" b="0" i="1" u="none" strike="noStrike" cap="none">
+              <a:t>Pasos para </a:t>
+            </a:r>
+            <a:r>
+              <a:rPr lang="es-CO" sz="2200" b="1" smtClean="0">
                 <a:solidFill>
-                  <a:schemeClr val="accent2"/>
+                  <a:srgbClr val="FFFFFF"/>
                 </a:solidFill>
-                <a:latin typeface="Arial"/>
-                <a:ea typeface="Arial"/>
-                <a:cs typeface="Arial"/>
-                <a:sym typeface="Arial"/>
               </a:rPr>
-            </a:br>
-            <a:r>
-              <a:rPr lang="en-US" sz="1400" b="0" i="1" u="none" strike="noStrike" cap="none">
+              <a:t>pasar archivos </a:t>
+            </a:r>
+            <a:r>
+              <a:rPr lang="es-CO" sz="2200" b="1" dirty="0" smtClean="0">
                 <a:solidFill>
-                  <a:schemeClr val="accent2"/>
+                  <a:srgbClr val="FFFFFF"/>
                 </a:solidFill>
-                <a:latin typeface="Arial"/>
-                <a:ea typeface="Arial"/>
-                <a:cs typeface="Arial"/>
-                <a:sym typeface="Arial"/>
               </a:rPr>
-              <a:t>su proyecto se encuentra</a:t>
-            </a:r>
-            <a:endParaRPr sz="1400" b="0" i="0" u="none" strike="noStrike" cap="none">
+              <a:t>.</a:t>
+            </a:r>
+            <a:r>
+              <a:rPr lang="es-CO" sz="2200" b="1" dirty="0" err="1" smtClean="0">
+                <a:solidFill>
+                  <a:srgbClr val="FFFFFF"/>
+                </a:solidFill>
+              </a:rPr>
+              <a:t>csv</a:t>
+            </a:r>
+            <a:r>
+              <a:rPr lang="es-CO" sz="2200" b="1" dirty="0" smtClean="0">
+                <a:solidFill>
+                  <a:srgbClr val="FFFFFF"/>
+                </a:solidFill>
+              </a:rPr>
+              <a:t> a matriz</a:t>
+            </a:r>
+            <a:endParaRPr lang="es-CO" sz="2200" b="0" i="0" u="none" strike="noStrike" cap="none" dirty="0">
               <a:solidFill>
-                <a:schemeClr val="accent2"/>
+                <a:srgbClr val="000000"/>
               </a:solidFill>
               <a:latin typeface="Arial"/>
               <a:ea typeface="Arial"/>
@@ -20359,60 +20402,1212 @@
       </p:sp>
       <p:sp>
         <p:nvSpPr>
-          <p:cNvPr id="223" name="Google Shape;223;p2"/>
+          <p:cNvPr id="17" name="Rectángulo redondeado 16"/>
           <p:cNvSpPr/>
           <p:nvPr/>
         </p:nvSpPr>
         <p:spPr>
           <a:xfrm>
-            <a:off x="6996626" y="6335156"/>
-            <a:ext cx="1009314" cy="97794"/>
-          </a:xfrm>
-          <a:custGeom>
-            <a:avLst/>
-            <a:gdLst/>
-            <a:ahLst/>
-            <a:cxnLst/>
-            <a:rect l="l" t="t" r="r" b="b"/>
-            <a:pathLst>
-              <a:path w="21600" h="21600" extrusionOk="0">
-                <a:moveTo>
-                  <a:pt x="0" y="0"/>
-                </a:moveTo>
-                <a:lnTo>
-                  <a:pt x="21600" y="21600"/>
-                </a:lnTo>
-              </a:path>
-            </a:pathLst>
-          </a:custGeom>
+            <a:off x="1196970" y="1312916"/>
+            <a:ext cx="3818375" cy="1431175"/>
+          </a:xfrm>
+          <a:prstGeom prst="roundRect">
+            <a:avLst/>
+          </a:prstGeom>
           <a:noFill/>
-          <a:ln w="76300" cap="flat" cmpd="sng">
+          <a:ln w="28575">
             <a:solidFill>
-              <a:schemeClr val="accent2"/>
+              <a:schemeClr val="accent5">
+                <a:lumMod val="60000"/>
+                <a:lumOff val="40000"/>
+              </a:schemeClr>
             </a:solidFill>
-            <a:prstDash val="solid"/>
-            <a:round/>
-            <a:headEnd type="none" w="sm" len="sm"/>
-            <a:tailEnd type="triangle" w="med" len="med"/>
           </a:ln>
         </p:spPr>
+        <p:style>
+          <a:lnRef idx="2">
+            <a:schemeClr val="accent1">
+              <a:shade val="50000"/>
+            </a:schemeClr>
+          </a:lnRef>
+          <a:fillRef idx="1">
+            <a:schemeClr val="accent1"/>
+          </a:fillRef>
+          <a:effectRef idx="0">
+            <a:schemeClr val="accent1"/>
+          </a:effectRef>
+          <a:fontRef idx="minor">
+            <a:schemeClr val="lt1"/>
+          </a:fontRef>
+        </p:style>
+        <p:txBody>
+          <a:bodyPr rtlCol="0" anchor="ctr"/>
+          <a:lstStyle/>
+          <a:p>
+            <a:pPr algn="ctr"/>
+            <a:endParaRPr lang="es-CO"/>
+          </a:p>
+        </p:txBody>
       </p:sp>
       <p:sp>
         <p:nvSpPr>
-          <p:cNvPr id="2" name="CuadroTexto 1">
+          <p:cNvPr id="3" name="Rectángulo 2"/>
+          <p:cNvSpPr/>
+          <p:nvPr/>
+        </p:nvSpPr>
+        <p:spPr>
+          <a:xfrm>
+            <a:off x="1357745" y="1443727"/>
+            <a:ext cx="3477491" cy="1169551"/>
+          </a:xfrm>
+          <a:prstGeom prst="rect">
+            <a:avLst/>
+          </a:prstGeom>
+        </p:spPr>
+        <p:txBody>
+          <a:bodyPr wrap="square">
+            <a:spAutoFit/>
+          </a:bodyPr>
+          <a:lstStyle/>
+          <a:p>
+            <a:pPr algn="ctr"/>
+            <a:r>
+              <a:rPr lang="es-CO" dirty="0"/>
+              <a:t>Importar las siguientes librerías:</a:t>
+            </a:r>
+          </a:p>
+          <a:p>
+            <a:pPr lvl="3" algn="ctr"/>
+            <a:r>
+              <a:rPr lang="es-CO" b="1" dirty="0" err="1" smtClean="0"/>
+              <a:t>networkx</a:t>
+            </a:r>
+            <a:endParaRPr lang="es-CO" b="1" dirty="0"/>
+          </a:p>
+          <a:p>
+            <a:pPr lvl="3" algn="ctr"/>
+            <a:r>
+              <a:rPr lang="es-CO" b="1" dirty="0" err="1" smtClean="0"/>
+              <a:t>matplotlib.pyplot</a:t>
+            </a:r>
+            <a:endParaRPr lang="es-CO" b="1" dirty="0"/>
+          </a:p>
+          <a:p>
+            <a:pPr lvl="3" algn="ctr"/>
+            <a:r>
+              <a:rPr lang="es-CO" b="1" dirty="0" err="1" smtClean="0"/>
+              <a:t>numpy</a:t>
+            </a:r>
+            <a:endParaRPr lang="es-CO" b="1" dirty="0"/>
+          </a:p>
+          <a:p>
+            <a:pPr lvl="3" algn="ctr"/>
+            <a:r>
+              <a:rPr lang="es-CO" b="1" dirty="0" smtClean="0"/>
+              <a:t>pandas</a:t>
+            </a:r>
+            <a:endParaRPr lang="es-CO" b="1" dirty="0"/>
+          </a:p>
+        </p:txBody>
+      </p:sp>
+      <p:sp>
+        <p:nvSpPr>
+          <p:cNvPr id="18" name="Rectángulo redondeado 17"/>
+          <p:cNvSpPr/>
+          <p:nvPr/>
+        </p:nvSpPr>
+        <p:spPr>
+          <a:xfrm>
+            <a:off x="7585200" y="1512603"/>
+            <a:ext cx="3278948" cy="1022547"/>
+          </a:xfrm>
+          <a:prstGeom prst="roundRect">
+            <a:avLst/>
+          </a:prstGeom>
+          <a:noFill/>
+          <a:ln w="28575">
+            <a:solidFill>
+              <a:schemeClr val="accent5">
+                <a:lumMod val="60000"/>
+                <a:lumOff val="40000"/>
+              </a:schemeClr>
+            </a:solidFill>
+          </a:ln>
+        </p:spPr>
+        <p:style>
+          <a:lnRef idx="2">
+            <a:schemeClr val="accent1">
+              <a:shade val="50000"/>
+            </a:schemeClr>
+          </a:lnRef>
+          <a:fillRef idx="1">
+            <a:schemeClr val="accent1"/>
+          </a:fillRef>
+          <a:effectRef idx="0">
+            <a:schemeClr val="accent1"/>
+          </a:effectRef>
+          <a:fontRef idx="minor">
+            <a:schemeClr val="lt1"/>
+          </a:fontRef>
+        </p:style>
+        <p:txBody>
+          <a:bodyPr rtlCol="0" anchor="ctr"/>
+          <a:lstStyle/>
+          <a:p>
+            <a:pPr algn="ctr"/>
+            <a:endParaRPr lang="es-CO"/>
+          </a:p>
+        </p:txBody>
+      </p:sp>
+      <p:sp>
+        <p:nvSpPr>
+          <p:cNvPr id="19" name="Rectángulo 18"/>
+          <p:cNvSpPr/>
+          <p:nvPr/>
+        </p:nvSpPr>
+        <p:spPr>
+          <a:xfrm>
+            <a:off x="7525307" y="1654544"/>
+            <a:ext cx="3278948" cy="738664"/>
+          </a:xfrm>
+          <a:prstGeom prst="rect">
+            <a:avLst/>
+          </a:prstGeom>
+        </p:spPr>
+        <p:txBody>
+          <a:bodyPr wrap="square">
+            <a:spAutoFit/>
+          </a:bodyPr>
+          <a:lstStyle/>
+          <a:p>
+            <a:pPr algn="ctr"/>
+            <a:r>
+              <a:rPr lang="es-CO" dirty="0"/>
+              <a:t>Importamos el archivo .</a:t>
+            </a:r>
+            <a:r>
+              <a:rPr lang="es-CO" dirty="0" err="1" smtClean="0"/>
+              <a:t>csv</a:t>
+            </a:r>
+            <a:r>
+              <a:rPr lang="es-CO" dirty="0" smtClean="0"/>
+              <a:t> (Para plataformas virtuales como google </a:t>
+            </a:r>
+            <a:r>
+              <a:rPr lang="es-CO" dirty="0" err="1" smtClean="0"/>
+              <a:t>Collab</a:t>
+            </a:r>
+            <a:r>
+              <a:rPr lang="es-CO" dirty="0" smtClean="0"/>
+              <a:t>) </a:t>
+            </a:r>
+            <a:endParaRPr lang="es-CO" dirty="0"/>
+          </a:p>
+        </p:txBody>
+      </p:sp>
+      <p:sp>
+        <p:nvSpPr>
+          <p:cNvPr id="20" name="Rectángulo redondeado 19"/>
+          <p:cNvSpPr/>
+          <p:nvPr/>
+        </p:nvSpPr>
+        <p:spPr>
+          <a:xfrm>
+            <a:off x="7255595" y="3501482"/>
+            <a:ext cx="3818375" cy="1900205"/>
+          </a:xfrm>
+          <a:prstGeom prst="roundRect">
+            <a:avLst/>
+          </a:prstGeom>
+          <a:noFill/>
+          <a:ln w="28575">
+            <a:solidFill>
+              <a:schemeClr val="accent5">
+                <a:lumMod val="60000"/>
+                <a:lumOff val="40000"/>
+              </a:schemeClr>
+            </a:solidFill>
+          </a:ln>
+        </p:spPr>
+        <p:style>
+          <a:lnRef idx="2">
+            <a:schemeClr val="accent1">
+              <a:shade val="50000"/>
+            </a:schemeClr>
+          </a:lnRef>
+          <a:fillRef idx="1">
+            <a:schemeClr val="accent1"/>
+          </a:fillRef>
+          <a:effectRef idx="0">
+            <a:schemeClr val="accent1"/>
+          </a:effectRef>
+          <a:fontRef idx="minor">
+            <a:schemeClr val="lt1"/>
+          </a:fontRef>
+        </p:style>
+        <p:txBody>
+          <a:bodyPr rtlCol="0" anchor="ctr"/>
+          <a:lstStyle/>
+          <a:p>
+            <a:pPr algn="ctr"/>
+            <a:endParaRPr lang="es-CO"/>
+          </a:p>
+        </p:txBody>
+      </p:sp>
+      <p:sp>
+        <p:nvSpPr>
+          <p:cNvPr id="21" name="Rectángulo 20"/>
+          <p:cNvSpPr/>
+          <p:nvPr/>
+        </p:nvSpPr>
+        <p:spPr>
+          <a:xfrm>
+            <a:off x="7426035" y="3544445"/>
+            <a:ext cx="3477491" cy="1815882"/>
+          </a:xfrm>
+          <a:prstGeom prst="rect">
+            <a:avLst/>
+          </a:prstGeom>
+        </p:spPr>
+        <p:txBody>
+          <a:bodyPr wrap="square">
+            <a:spAutoFit/>
+          </a:bodyPr>
+          <a:lstStyle/>
+          <a:p>
+            <a:pPr algn="ctr"/>
+            <a:r>
+              <a:rPr lang="es-CO" dirty="0"/>
+              <a:t>Ahora leemos el archivo, para eso llamamos a la función </a:t>
+            </a:r>
+            <a:r>
+              <a:rPr lang="es-CO" i="1" dirty="0" err="1" smtClean="0"/>
+              <a:t>read_csv</a:t>
+            </a:r>
+            <a:r>
+              <a:rPr lang="es-CO" dirty="0" smtClean="0"/>
+              <a:t> </a:t>
+            </a:r>
+            <a:r>
+              <a:rPr lang="es-CO" dirty="0"/>
+              <a:t>de la librería pandas y en los parámetros ponemos el separador de los datos, que en este caso son ‘,’ y </a:t>
+            </a:r>
+            <a:r>
+              <a:rPr lang="es-CO" dirty="0" err="1"/>
+              <a:t>header</a:t>
+            </a:r>
+            <a:r>
+              <a:rPr lang="es-CO" dirty="0"/>
+              <a:t> = </a:t>
+            </a:r>
+            <a:r>
+              <a:rPr lang="es-CO" dirty="0" err="1"/>
+              <a:t>None</a:t>
+            </a:r>
+            <a:r>
+              <a:rPr lang="es-CO" dirty="0"/>
+              <a:t> para que no coja los datos de la primera fila como el </a:t>
+            </a:r>
+            <a:r>
+              <a:rPr lang="es-CO" dirty="0" err="1"/>
+              <a:t>header</a:t>
+            </a:r>
+            <a:r>
+              <a:rPr lang="es-CO" dirty="0"/>
+              <a:t>. Esto se guarda en un data </a:t>
+            </a:r>
+            <a:r>
+              <a:rPr lang="es-CO" dirty="0" err="1"/>
+              <a:t>frame</a:t>
+            </a:r>
+            <a:r>
+              <a:rPr lang="es-CO" dirty="0"/>
+              <a:t>.</a:t>
+            </a:r>
+          </a:p>
+        </p:txBody>
+      </p:sp>
+      <p:sp>
+        <p:nvSpPr>
+          <p:cNvPr id="22" name="Rectángulo redondeado 21"/>
+          <p:cNvSpPr/>
+          <p:nvPr/>
+        </p:nvSpPr>
+        <p:spPr>
+          <a:xfrm>
+            <a:off x="1196970" y="3756233"/>
+            <a:ext cx="3818375" cy="1487360"/>
+          </a:xfrm>
+          <a:prstGeom prst="roundRect">
+            <a:avLst/>
+          </a:prstGeom>
+          <a:noFill/>
+          <a:ln w="28575">
+            <a:solidFill>
+              <a:schemeClr val="accent5">
+                <a:lumMod val="60000"/>
+                <a:lumOff val="40000"/>
+              </a:schemeClr>
+            </a:solidFill>
+          </a:ln>
+        </p:spPr>
+        <p:style>
+          <a:lnRef idx="2">
+            <a:schemeClr val="accent1">
+              <a:shade val="50000"/>
+            </a:schemeClr>
+          </a:lnRef>
+          <a:fillRef idx="1">
+            <a:schemeClr val="accent1"/>
+          </a:fillRef>
+          <a:effectRef idx="0">
+            <a:schemeClr val="accent1"/>
+          </a:effectRef>
+          <a:fontRef idx="minor">
+            <a:schemeClr val="lt1"/>
+          </a:fontRef>
+        </p:style>
+        <p:txBody>
+          <a:bodyPr rtlCol="0" anchor="ctr"/>
+          <a:lstStyle/>
+          <a:p>
+            <a:pPr algn="ctr"/>
+            <a:endParaRPr lang="es-CO"/>
+          </a:p>
+        </p:txBody>
+      </p:sp>
+      <p:sp>
+        <p:nvSpPr>
+          <p:cNvPr id="23" name="Rectángulo 22"/>
+          <p:cNvSpPr/>
+          <p:nvPr/>
+        </p:nvSpPr>
+        <p:spPr>
+          <a:xfrm>
+            <a:off x="1367411" y="4022859"/>
+            <a:ext cx="3477491" cy="954107"/>
+          </a:xfrm>
+          <a:prstGeom prst="rect">
+            <a:avLst/>
+          </a:prstGeom>
+        </p:spPr>
+        <p:txBody>
+          <a:bodyPr wrap="square">
+            <a:spAutoFit/>
+          </a:bodyPr>
+          <a:lstStyle/>
+          <a:p>
+            <a:pPr algn="ctr"/>
+            <a:r>
+              <a:rPr lang="es-CO" dirty="0"/>
+              <a:t>Por último, llamamos la función </a:t>
+            </a:r>
+            <a:r>
+              <a:rPr lang="es-CO" dirty="0" err="1"/>
+              <a:t>matrix</a:t>
+            </a:r>
+            <a:r>
+              <a:rPr lang="es-CO" dirty="0"/>
+              <a:t> de la librería </a:t>
+            </a:r>
+            <a:r>
+              <a:rPr lang="es-CO" dirty="0" err="1"/>
+              <a:t>numpy</a:t>
+            </a:r>
+            <a:r>
+              <a:rPr lang="es-CO" dirty="0"/>
+              <a:t> que convierte el data </a:t>
+            </a:r>
+            <a:r>
+              <a:rPr lang="es-CO" dirty="0" err="1"/>
+              <a:t>frame</a:t>
+            </a:r>
+            <a:r>
+              <a:rPr lang="es-CO" dirty="0"/>
+              <a:t> en matriz. Y ya tenemos nuestra matriz del archivo .</a:t>
+            </a:r>
+            <a:r>
+              <a:rPr lang="es-CO" dirty="0" err="1"/>
+              <a:t>csv</a:t>
+            </a:r>
+            <a:r>
+              <a:rPr lang="es-CO" dirty="0"/>
+              <a:t> que importamos.</a:t>
+            </a:r>
+            <a:endParaRPr lang="es-CO" dirty="0"/>
+          </a:p>
+        </p:txBody>
+      </p:sp>
+      <p:cxnSp>
+        <p:nvCxnSpPr>
+          <p:cNvPr id="24" name="Conector recto de flecha 23"/>
+          <p:cNvCxnSpPr/>
+          <p:nvPr/>
+        </p:nvCxnSpPr>
+        <p:spPr>
+          <a:xfrm flipH="1">
+            <a:off x="9224674" y="2640988"/>
+            <a:ext cx="2453" cy="719251"/>
+          </a:xfrm>
+          <a:prstGeom prst="straightConnector1">
+            <a:avLst/>
+          </a:prstGeom>
+          <a:ln w="57150">
+            <a:solidFill>
+              <a:schemeClr val="accent5">
+                <a:lumMod val="75000"/>
+              </a:schemeClr>
+            </a:solidFill>
+            <a:tailEnd type="triangle"/>
+          </a:ln>
+        </p:spPr>
+        <p:style>
+          <a:lnRef idx="1">
+            <a:schemeClr val="accent1"/>
+          </a:lnRef>
+          <a:fillRef idx="0">
+            <a:schemeClr val="accent1"/>
+          </a:fillRef>
+          <a:effectRef idx="0">
+            <a:schemeClr val="accent1"/>
+          </a:effectRef>
+          <a:fontRef idx="minor">
+            <a:schemeClr val="tx1"/>
+          </a:fontRef>
+        </p:style>
+      </p:cxnSp>
+      <p:cxnSp>
+        <p:nvCxnSpPr>
+          <p:cNvPr id="26" name="Conector recto de flecha 25"/>
+          <p:cNvCxnSpPr/>
+          <p:nvPr/>
+        </p:nvCxnSpPr>
+        <p:spPr>
+          <a:xfrm>
+            <a:off x="5348801" y="2023877"/>
+            <a:ext cx="1826346" cy="4625"/>
+          </a:xfrm>
+          <a:prstGeom prst="straightConnector1">
+            <a:avLst/>
+          </a:prstGeom>
+          <a:ln w="57150">
+            <a:solidFill>
+              <a:schemeClr val="accent5">
+                <a:lumMod val="75000"/>
+              </a:schemeClr>
+            </a:solidFill>
+            <a:tailEnd type="triangle"/>
+          </a:ln>
+        </p:spPr>
+        <p:style>
+          <a:lnRef idx="1">
+            <a:schemeClr val="accent1"/>
+          </a:lnRef>
+          <a:fillRef idx="0">
+            <a:schemeClr val="accent1"/>
+          </a:fillRef>
+          <a:effectRef idx="0">
+            <a:schemeClr val="accent1"/>
+          </a:effectRef>
+          <a:fontRef idx="minor">
+            <a:schemeClr val="tx1"/>
+          </a:fontRef>
+        </p:style>
+      </p:cxnSp>
+      <p:cxnSp>
+        <p:nvCxnSpPr>
+          <p:cNvPr id="28" name="Conector recto de flecha 27"/>
+          <p:cNvCxnSpPr/>
+          <p:nvPr/>
+        </p:nvCxnSpPr>
+        <p:spPr>
+          <a:xfrm flipH="1">
+            <a:off x="5222297" y="4440987"/>
+            <a:ext cx="1826346" cy="4625"/>
+          </a:xfrm>
+          <a:prstGeom prst="straightConnector1">
+            <a:avLst/>
+          </a:prstGeom>
+          <a:ln w="57150">
+            <a:solidFill>
+              <a:schemeClr val="accent5">
+                <a:lumMod val="75000"/>
+              </a:schemeClr>
+            </a:solidFill>
+            <a:tailEnd type="triangle"/>
+          </a:ln>
+        </p:spPr>
+        <p:style>
+          <a:lnRef idx="1">
+            <a:schemeClr val="accent1"/>
+          </a:lnRef>
+          <a:fillRef idx="0">
+            <a:schemeClr val="accent1"/>
+          </a:fillRef>
+          <a:effectRef idx="0">
+            <a:schemeClr val="accent1"/>
+          </a:effectRef>
+          <a:fontRef idx="minor">
+            <a:schemeClr val="tx1"/>
+          </a:fontRef>
+        </p:style>
+      </p:cxnSp>
+      <p:pic>
+        <p:nvPicPr>
+          <p:cNvPr id="1026" name="Picture 2" descr="De vuelta en el corral: juegos de cubos con pendientes abby the cow  nickelodeon youtube cattle, youtube, comida, dibujos animados png | PNGEgg"/>
+          <p:cNvPicPr>
+            <a:picLocks noChangeAspect="1" noChangeArrowheads="1"/>
+          </p:cNvPicPr>
+          <p:nvPr/>
+        </p:nvPicPr>
+        <p:blipFill rotWithShape="1">
+          <a:blip r:embed="rId6">
             <a:extLst>
-              <a:ext uri="{FF2B5EF4-FFF2-40B4-BE49-F238E27FC236}">
-                <a16:creationId xmlns:a16="http://schemas.microsoft.com/office/drawing/2014/main" id="{2E3C3B93-7D6F-476C-A493-DA42C4087825}"/>
+              <a:ext uri="{BEBA8EAE-BF5A-486C-A8C5-ECC9F3942E4B}">
+                <a14:imgProps xmlns:a14="http://schemas.microsoft.com/office/drawing/2010/main">
+                  <a14:imgLayer r:embed="rId7">
+                    <a14:imgEffect>
+                      <a14:backgroundRemoval t="23238" b="99700" l="27000" r="72222">
+                        <a14:foregroundMark x1="51222" y1="31334" x2="55333" y2="36432"/>
+                        <a14:foregroundMark x1="52222" y1="37781" x2="53556" y2="40180"/>
+                        <a14:foregroundMark x1="50778" y1="32084" x2="54000" y2="44378"/>
+                        <a14:foregroundMark x1="65778" y1="30585" x2="66444" y2="37181"/>
+                        <a14:foregroundMark x1="64333" y1="30885" x2="64333" y2="30885"/>
+                        <a14:foregroundMark x1="68667" y1="38681" x2="68667" y2="38681"/>
+                        <a14:foregroundMark x1="68889" y1="41529" x2="68889" y2="41529"/>
+                        <a14:foregroundMark x1="63000" y1="49775" x2="63000" y2="49775"/>
+                        <a14:foregroundMark x1="63333" y1="52624" x2="63333" y2="52624"/>
+                        <a14:foregroundMark x1="62667" y1="58921" x2="62667" y2="58921"/>
+                        <a14:foregroundMark x1="62444" y1="62519" x2="62444" y2="62519"/>
+                        <a14:foregroundMark x1="63333" y1="50075" x2="61889" y2="63568"/>
+                        <a14:foregroundMark x1="62667" y1="58171" x2="62667" y2="62069"/>
+                        <a14:backgroundMark x1="42556" y1="90555" x2="44889" y2="99250"/>
+                        <a14:backgroundMark x1="54778" y1="91304" x2="55889" y2="98201"/>
+                        <a14:backgroundMark x1="67111" y1="29535" x2="69222" y2="37781"/>
+                        <a14:backgroundMark x1="65000" y1="30135" x2="66111" y2="30585"/>
+                      </a14:backgroundRemoval>
+                    </a14:imgEffect>
+                  </a14:imgLayer>
+                </a14:imgProps>
+              </a:ext>
+              <a:ext uri="{28A0092B-C50C-407E-A947-70E740481C1C}">
+                <a14:useLocalDpi xmlns:a14="http://schemas.microsoft.com/office/drawing/2010/main" val="0"/>
               </a:ext>
             </a:extLst>
-          </p:cNvPr>
+          </a:blip>
+          <a:srcRect l="26821" t="23359" r="27765"/>
+          <a:stretch/>
+        </p:blipFill>
+        <p:spPr bwMode="auto">
+          <a:xfrm>
+            <a:off x="5312080" y="2222445"/>
+            <a:ext cx="1564046" cy="1956147"/>
+          </a:xfrm>
+          <a:prstGeom prst="rect">
+            <a:avLst/>
+          </a:prstGeom>
+          <a:noFill/>
+          <a:extLst>
+            <a:ext uri="{909E8E84-426E-40DD-AFC4-6F175D3DCCD1}">
+              <a14:hiddenFill xmlns:a14="http://schemas.microsoft.com/office/drawing/2010/main">
+                <a:solidFill>
+                  <a:srgbClr val="FFFFFF"/>
+                </a:solidFill>
+              </a14:hiddenFill>
+            </a:ext>
+          </a:extLst>
+        </p:spPr>
+      </p:pic>
+    </p:spTree>
+    <p:extLst>
+      <p:ext uri="{BB962C8B-B14F-4D97-AF65-F5344CB8AC3E}">
+        <p14:creationId xmlns:p14="http://schemas.microsoft.com/office/powerpoint/2010/main" val="1593285528"/>
+      </p:ext>
+    </p:extLst>
+  </p:cSld>
+  <p:clrMapOvr>
+    <a:masterClrMapping/>
+  </p:clrMapOvr>
+  <p:timing>
+    <p:tnLst>
+      <p:par>
+        <p:cTn id="1" dur="indefinite" restart="never" nodeType="tmRoot"/>
+      </p:par>
+    </p:tnLst>
+  </p:timing>
+</p:sld>
+</file>
+
+<file path=ppt/slides/slide15.xml><?xml version="1.0" encoding="utf-8"?>
+<p:sld xmlns:a="http://schemas.openxmlformats.org/drawingml/2006/main" xmlns:r="http://schemas.openxmlformats.org/officeDocument/2006/relationships" xmlns:p="http://schemas.openxmlformats.org/presentationml/2006/main">
+  <p:cSld>
+    <p:spTree>
+      <p:nvGrpSpPr>
+        <p:cNvPr id="1" name="Shape 198"/>
+        <p:cNvGrpSpPr/>
+        <p:nvPr/>
+      </p:nvGrpSpPr>
+      <p:grpSpPr>
+        <a:xfrm>
+          <a:off x="0" y="0"/>
+          <a:ext cx="0" cy="0"/>
+          <a:chOff x="0" y="0"/>
+          <a:chExt cx="0" cy="0"/>
+        </a:xfrm>
+      </p:grpSpPr>
+      <p:pic>
+        <p:nvPicPr>
+          <p:cNvPr id="10" name="Google Shape;199;p2"/>
+          <p:cNvPicPr preferRelativeResize="0"/>
+          <p:nvPr/>
+        </p:nvPicPr>
+        <p:blipFill rotWithShape="1">
+          <a:blip r:embed="rId3">
+            <a:alphaModFix/>
+          </a:blip>
+          <a:srcRect/>
+          <a:stretch/>
+        </p:blipFill>
+        <p:spPr>
+          <a:xfrm>
+            <a:off x="0" y="1938"/>
+            <a:ext cx="12196080" cy="6855840"/>
+          </a:xfrm>
+          <a:prstGeom prst="rect">
+            <a:avLst/>
+          </a:prstGeom>
+          <a:noFill/>
+          <a:ln>
+            <a:noFill/>
+          </a:ln>
+        </p:spPr>
+      </p:pic>
+      <p:pic>
+        <p:nvPicPr>
+          <p:cNvPr id="216" name="Google Shape;216;p2"/>
+          <p:cNvPicPr preferRelativeResize="0"/>
+          <p:nvPr/>
+        </p:nvPicPr>
+        <p:blipFill rotWithShape="1">
+          <a:blip r:embed="rId4">
+            <a:alphaModFix/>
+          </a:blip>
+          <a:srcRect/>
+          <a:stretch/>
+        </p:blipFill>
+        <p:spPr>
+          <a:xfrm>
+            <a:off x="182880" y="6089760"/>
+            <a:ext cx="621000" cy="621000"/>
+          </a:xfrm>
+          <a:prstGeom prst="rect">
+            <a:avLst/>
+          </a:prstGeom>
+          <a:noFill/>
+          <a:ln>
+            <a:noFill/>
+          </a:ln>
+        </p:spPr>
+      </p:pic>
+      <p:sp>
+        <p:nvSpPr>
+          <p:cNvPr id="8" name="Google Shape;217;p2"/>
+          <p:cNvSpPr/>
+          <p:nvPr/>
+        </p:nvSpPr>
+        <p:spPr>
+          <a:xfrm>
+            <a:off x="815040" y="6160680"/>
+            <a:ext cx="6915240" cy="767987"/>
+          </a:xfrm>
+          <a:prstGeom prst="rect">
+            <a:avLst/>
+          </a:prstGeom>
+          <a:noFill/>
+          <a:ln>
+            <a:noFill/>
+          </a:ln>
+        </p:spPr>
+        <p:txBody>
+          <a:bodyPr spcFirstLastPara="1" wrap="square" lIns="90000" tIns="45000" rIns="90000" bIns="45000" anchor="t" anchorCtr="0">
+            <a:spAutoFit/>
+          </a:bodyPr>
+          <a:lstStyle/>
+          <a:p>
+            <a:pPr lvl="0">
+              <a:buSzPts val="2200"/>
+            </a:pPr>
+            <a:r>
+              <a:rPr lang="en-US" sz="2200" b="1" dirty="0">
+                <a:solidFill>
+                  <a:srgbClr val="001E33"/>
+                </a:solidFill>
+                <a:uFill>
+                  <a:noFill/>
+                </a:uFill>
+                <a:hlinkClick r:id="rId5"/>
+              </a:rPr>
+              <a:t>https://github.com/GianSz/ProyectoDatos</a:t>
+            </a:r>
+            <a:endParaRPr lang="en-US" sz="2200" b="1" dirty="0">
+              <a:solidFill>
+                <a:srgbClr val="001E33"/>
+              </a:solidFill>
+              <a:uFill>
+                <a:noFill/>
+              </a:uFill>
+            </a:endParaRPr>
+          </a:p>
+          <a:p>
+            <a:pPr lvl="0">
+              <a:buSzPts val="2200"/>
+            </a:pPr>
+            <a:endParaRPr sz="2200" b="1" i="0" u="none" strike="noStrike" cap="none" dirty="0">
+              <a:solidFill>
+                <a:srgbClr val="001E33"/>
+              </a:solidFill>
+              <a:latin typeface="Arial"/>
+              <a:ea typeface="Arial"/>
+              <a:cs typeface="Arial"/>
+              <a:sym typeface="Arial"/>
+            </a:endParaRPr>
+          </a:p>
+        </p:txBody>
+      </p:sp>
+      <p:sp>
+        <p:nvSpPr>
+          <p:cNvPr id="9" name="Google Shape;200;p2"/>
+          <p:cNvSpPr/>
+          <p:nvPr/>
+        </p:nvSpPr>
+        <p:spPr>
+          <a:xfrm>
+            <a:off x="493380" y="372456"/>
+            <a:ext cx="6336911" cy="429433"/>
+          </a:xfrm>
+          <a:prstGeom prst="rect">
+            <a:avLst/>
+          </a:prstGeom>
+          <a:noFill/>
+          <a:ln>
+            <a:noFill/>
+          </a:ln>
+        </p:spPr>
+        <p:txBody>
+          <a:bodyPr spcFirstLastPara="1" wrap="square" lIns="90000" tIns="45000" rIns="90000" bIns="45000" anchor="t" anchorCtr="0">
+            <a:spAutoFit/>
+          </a:bodyPr>
+          <a:lstStyle/>
+          <a:p>
+            <a:pPr marL="0" marR="0" lvl="0" indent="0" algn="l" rtl="0">
+              <a:lnSpc>
+                <a:spcPct val="100000"/>
+              </a:lnSpc>
+              <a:spcBef>
+                <a:spcPts val="0"/>
+              </a:spcBef>
+              <a:spcAft>
+                <a:spcPts val="0"/>
+              </a:spcAft>
+              <a:buClr>
+                <a:srgbClr val="000000"/>
+              </a:buClr>
+              <a:buSzPts val="2200"/>
+              <a:buFont typeface="Arial"/>
+              <a:buNone/>
+            </a:pPr>
+            <a:r>
+              <a:rPr lang="es-CO" sz="2200" b="1" dirty="0" smtClean="0">
+                <a:solidFill>
+                  <a:srgbClr val="FFFFFF"/>
+                </a:solidFill>
+              </a:rPr>
+              <a:t>Demostración</a:t>
+            </a:r>
+            <a:endParaRPr lang="es-CO" sz="2200" b="0" i="0" u="none" strike="noStrike" cap="none" dirty="0">
+              <a:solidFill>
+                <a:srgbClr val="000000"/>
+              </a:solidFill>
+              <a:latin typeface="Arial"/>
+              <a:ea typeface="Arial"/>
+              <a:cs typeface="Arial"/>
+              <a:sym typeface="Arial"/>
+            </a:endParaRPr>
+          </a:p>
+        </p:txBody>
+      </p:sp>
+      <p:pic>
+        <p:nvPicPr>
+          <p:cNvPr id="4" name="Imagen 3"/>
+          <p:cNvPicPr>
+            <a:picLocks noChangeAspect="1"/>
+          </p:cNvPicPr>
+          <p:nvPr/>
+        </p:nvPicPr>
+        <p:blipFill>
+          <a:blip r:embed="rId6">
+            <a:extLst>
+              <a:ext uri="{28A0092B-C50C-407E-A947-70E740481C1C}">
+                <a14:useLocalDpi xmlns:a14="http://schemas.microsoft.com/office/drawing/2010/main" val="0"/>
+              </a:ext>
+            </a:extLst>
+          </a:blip>
+          <a:stretch>
+            <a:fillRect/>
+          </a:stretch>
+        </p:blipFill>
+        <p:spPr>
+          <a:xfrm>
+            <a:off x="1986318" y="2642446"/>
+            <a:ext cx="8223443" cy="3286877"/>
+          </a:xfrm>
+          <a:prstGeom prst="rect">
+            <a:avLst/>
+          </a:prstGeom>
+        </p:spPr>
+      </p:pic>
+      <p:pic>
+        <p:nvPicPr>
+          <p:cNvPr id="5" name="Imagen 4"/>
+          <p:cNvPicPr>
+            <a:picLocks noChangeAspect="1"/>
+          </p:cNvPicPr>
+          <p:nvPr/>
+        </p:nvPicPr>
+        <p:blipFill>
+          <a:blip r:embed="rId7">
+            <a:extLst>
+              <a:ext uri="{28A0092B-C50C-407E-A947-70E740481C1C}">
+                <a14:useLocalDpi xmlns:a14="http://schemas.microsoft.com/office/drawing/2010/main" val="0"/>
+              </a:ext>
+            </a:extLst>
+          </a:blip>
+          <a:stretch>
+            <a:fillRect/>
+          </a:stretch>
+        </p:blipFill>
+        <p:spPr>
+          <a:xfrm>
+            <a:off x="2415809" y="1033246"/>
+            <a:ext cx="7366935" cy="1462182"/>
+          </a:xfrm>
+          <a:prstGeom prst="rect">
+            <a:avLst/>
+          </a:prstGeom>
+        </p:spPr>
+      </p:pic>
+    </p:spTree>
+    <p:extLst>
+      <p:ext uri="{BB962C8B-B14F-4D97-AF65-F5344CB8AC3E}">
+        <p14:creationId xmlns:p14="http://schemas.microsoft.com/office/powerpoint/2010/main" val="776872819"/>
+      </p:ext>
+    </p:extLst>
+  </p:cSld>
+  <p:clrMapOvr>
+    <a:masterClrMapping/>
+  </p:clrMapOvr>
+  <p:timing>
+    <p:tnLst>
+      <p:par>
+        <p:cTn id="1" dur="indefinite" restart="never" nodeType="tmRoot"/>
+      </p:par>
+    </p:tnLst>
+  </p:timing>
+</p:sld>
+</file>
+
+<file path=ppt/slides/slide16.xml><?xml version="1.0" encoding="utf-8"?>
+<p:sld xmlns:a="http://schemas.openxmlformats.org/drawingml/2006/main" xmlns:r="http://schemas.openxmlformats.org/officeDocument/2006/relationships" xmlns:p="http://schemas.openxmlformats.org/presentationml/2006/main">
+  <p:cSld>
+    <p:spTree>
+      <p:nvGrpSpPr>
+        <p:cNvPr id="1" name="Shape 198"/>
+        <p:cNvGrpSpPr/>
+        <p:nvPr/>
+      </p:nvGrpSpPr>
+      <p:grpSpPr>
+        <a:xfrm>
+          <a:off x="0" y="0"/>
+          <a:ext cx="0" cy="0"/>
+          <a:chOff x="0" y="0"/>
+          <a:chExt cx="0" cy="0"/>
+        </a:xfrm>
+      </p:grpSpPr>
+      <p:pic>
+        <p:nvPicPr>
+          <p:cNvPr id="10" name="Google Shape;199;p2"/>
+          <p:cNvPicPr preferRelativeResize="0"/>
+          <p:nvPr/>
+        </p:nvPicPr>
+        <p:blipFill rotWithShape="1">
+          <a:blip r:embed="rId3">
+            <a:alphaModFix/>
+          </a:blip>
+          <a:srcRect/>
+          <a:stretch/>
+        </p:blipFill>
+        <p:spPr>
+          <a:xfrm>
+            <a:off x="0" y="1938"/>
+            <a:ext cx="12196080" cy="6855840"/>
+          </a:xfrm>
+          <a:prstGeom prst="rect">
+            <a:avLst/>
+          </a:prstGeom>
+          <a:noFill/>
+          <a:ln>
+            <a:noFill/>
+          </a:ln>
+        </p:spPr>
+      </p:pic>
+      <p:pic>
+        <p:nvPicPr>
+          <p:cNvPr id="216" name="Google Shape;216;p2"/>
+          <p:cNvPicPr preferRelativeResize="0"/>
+          <p:nvPr/>
+        </p:nvPicPr>
+        <p:blipFill rotWithShape="1">
+          <a:blip r:embed="rId4">
+            <a:alphaModFix/>
+          </a:blip>
+          <a:srcRect/>
+          <a:stretch/>
+        </p:blipFill>
+        <p:spPr>
+          <a:xfrm>
+            <a:off x="182880" y="6089760"/>
+            <a:ext cx="621000" cy="621000"/>
+          </a:xfrm>
+          <a:prstGeom prst="rect">
+            <a:avLst/>
+          </a:prstGeom>
+          <a:noFill/>
+          <a:ln>
+            <a:noFill/>
+          </a:ln>
+        </p:spPr>
+      </p:pic>
+      <p:sp>
+        <p:nvSpPr>
+          <p:cNvPr id="8" name="Google Shape;217;p2"/>
+          <p:cNvSpPr/>
+          <p:nvPr/>
+        </p:nvSpPr>
+        <p:spPr>
+          <a:xfrm>
+            <a:off x="815040" y="6160680"/>
+            <a:ext cx="6915240" cy="767987"/>
+          </a:xfrm>
+          <a:prstGeom prst="rect">
+            <a:avLst/>
+          </a:prstGeom>
+          <a:noFill/>
+          <a:ln>
+            <a:noFill/>
+          </a:ln>
+        </p:spPr>
+        <p:txBody>
+          <a:bodyPr spcFirstLastPara="1" wrap="square" lIns="90000" tIns="45000" rIns="90000" bIns="45000" anchor="t" anchorCtr="0">
+            <a:spAutoFit/>
+          </a:bodyPr>
+          <a:lstStyle/>
+          <a:p>
+            <a:pPr lvl="0">
+              <a:buSzPts val="2200"/>
+            </a:pPr>
+            <a:r>
+              <a:rPr lang="en-US" sz="2200" b="1" dirty="0">
+                <a:solidFill>
+                  <a:srgbClr val="001E33"/>
+                </a:solidFill>
+                <a:uFill>
+                  <a:noFill/>
+                </a:uFill>
+                <a:hlinkClick r:id="rId5"/>
+              </a:rPr>
+              <a:t>https://github.com/GianSz/ProyectoDatos</a:t>
+            </a:r>
+            <a:endParaRPr lang="en-US" sz="2200" b="1" dirty="0">
+              <a:solidFill>
+                <a:srgbClr val="001E33"/>
+              </a:solidFill>
+              <a:uFill>
+                <a:noFill/>
+              </a:uFill>
+            </a:endParaRPr>
+          </a:p>
+          <a:p>
+            <a:pPr lvl="0">
+              <a:buSzPts val="2200"/>
+            </a:pPr>
+            <a:endParaRPr sz="2200" b="1" i="0" u="none" strike="noStrike" cap="none" dirty="0">
+              <a:solidFill>
+                <a:srgbClr val="001E33"/>
+              </a:solidFill>
+              <a:latin typeface="Arial"/>
+              <a:ea typeface="Arial"/>
+              <a:cs typeface="Arial"/>
+              <a:sym typeface="Arial"/>
+            </a:endParaRPr>
+          </a:p>
+        </p:txBody>
+      </p:sp>
+      <p:sp>
+        <p:nvSpPr>
+          <p:cNvPr id="9" name="Google Shape;200;p2"/>
+          <p:cNvSpPr/>
+          <p:nvPr/>
+        </p:nvSpPr>
+        <p:spPr>
+          <a:xfrm>
+            <a:off x="493380" y="372456"/>
+            <a:ext cx="6336911" cy="429433"/>
+          </a:xfrm>
+          <a:prstGeom prst="rect">
+            <a:avLst/>
+          </a:prstGeom>
+          <a:noFill/>
+          <a:ln>
+            <a:noFill/>
+          </a:ln>
+        </p:spPr>
+        <p:txBody>
+          <a:bodyPr spcFirstLastPara="1" wrap="square" lIns="90000" tIns="45000" rIns="90000" bIns="45000" anchor="t" anchorCtr="0">
+            <a:spAutoFit/>
+          </a:bodyPr>
+          <a:lstStyle/>
+          <a:p>
+            <a:pPr marL="0" marR="0" lvl="0" indent="0" algn="l" rtl="0">
+              <a:lnSpc>
+                <a:spcPct val="100000"/>
+              </a:lnSpc>
+              <a:spcBef>
+                <a:spcPts val="0"/>
+              </a:spcBef>
+              <a:spcAft>
+                <a:spcPts val="0"/>
+              </a:spcAft>
+              <a:buClr>
+                <a:srgbClr val="000000"/>
+              </a:buClr>
+              <a:buSzPts val="2200"/>
+              <a:buFont typeface="Arial"/>
+              <a:buNone/>
+            </a:pPr>
+            <a:r>
+              <a:rPr lang="es-CO" sz="2200" b="1" dirty="0" smtClean="0">
+                <a:solidFill>
+                  <a:srgbClr val="FFFFFF"/>
+                </a:solidFill>
+              </a:rPr>
+              <a:t>Demostración</a:t>
+            </a:r>
+            <a:endParaRPr lang="es-CO" sz="2200" b="0" i="0" u="none" strike="noStrike" cap="none" dirty="0">
+              <a:solidFill>
+                <a:srgbClr val="000000"/>
+              </a:solidFill>
+              <a:latin typeface="Arial"/>
+              <a:ea typeface="Arial"/>
+              <a:cs typeface="Arial"/>
+              <a:sym typeface="Arial"/>
+            </a:endParaRPr>
+          </a:p>
+        </p:txBody>
+      </p:sp>
+      <p:pic>
+        <p:nvPicPr>
+          <p:cNvPr id="11" name="Imagen 10"/>
+          <p:cNvPicPr>
+            <a:picLocks noChangeAspect="1"/>
+          </p:cNvPicPr>
+          <p:nvPr/>
+        </p:nvPicPr>
+        <p:blipFill>
+          <a:blip r:embed="rId6">
+            <a:extLst>
+              <a:ext uri="{28A0092B-C50C-407E-A947-70E740481C1C}">
+                <a14:useLocalDpi xmlns:a14="http://schemas.microsoft.com/office/drawing/2010/main" val="0"/>
+              </a:ext>
+            </a:extLst>
+          </a:blip>
+          <a:stretch>
+            <a:fillRect/>
+          </a:stretch>
+        </p:blipFill>
+        <p:spPr>
+          <a:xfrm>
+            <a:off x="1068840" y="1266420"/>
+            <a:ext cx="10058400" cy="1542134"/>
+          </a:xfrm>
+          <a:prstGeom prst="rect">
+            <a:avLst/>
+          </a:prstGeom>
+        </p:spPr>
+      </p:pic>
+      <p:sp>
+        <p:nvSpPr>
+          <p:cNvPr id="12" name="Rectángulo redondeado 11"/>
+          <p:cNvSpPr/>
+          <p:nvPr/>
+        </p:nvSpPr>
+        <p:spPr>
+          <a:xfrm>
+            <a:off x="3403331" y="3842730"/>
+            <a:ext cx="5389418" cy="1283773"/>
+          </a:xfrm>
+          <a:prstGeom prst="roundRect">
+            <a:avLst/>
+          </a:prstGeom>
+          <a:solidFill>
+            <a:schemeClr val="accent5">
+              <a:lumMod val="60000"/>
+              <a:lumOff val="40000"/>
+            </a:schemeClr>
+          </a:solidFill>
+          <a:ln>
+            <a:solidFill>
+              <a:schemeClr val="accent5">
+                <a:lumMod val="60000"/>
+                <a:lumOff val="40000"/>
+              </a:schemeClr>
+            </a:solidFill>
+          </a:ln>
+        </p:spPr>
+        <p:style>
+          <a:lnRef idx="2">
+            <a:schemeClr val="accent1">
+              <a:shade val="50000"/>
+            </a:schemeClr>
+          </a:lnRef>
+          <a:fillRef idx="1">
+            <a:schemeClr val="accent1"/>
+          </a:fillRef>
+          <a:effectRef idx="0">
+            <a:schemeClr val="accent1"/>
+          </a:effectRef>
+          <a:fontRef idx="minor">
+            <a:schemeClr val="lt1"/>
+          </a:fontRef>
+        </p:style>
+        <p:txBody>
+          <a:bodyPr rtlCol="0" anchor="ctr"/>
+          <a:lstStyle/>
+          <a:p>
+            <a:pPr algn="ctr"/>
+            <a:endParaRPr lang="es-CO"/>
+          </a:p>
+        </p:txBody>
+      </p:sp>
+      <p:sp>
+        <p:nvSpPr>
+          <p:cNvPr id="13" name="CuadroTexto 12"/>
           <p:cNvSpPr txBox="1"/>
           <p:nvPr/>
         </p:nvSpPr>
         <p:spPr>
           <a:xfrm>
-            <a:off x="803880" y="1083212"/>
-            <a:ext cx="10801966" cy="307777"/>
+            <a:off x="3429431" y="4115284"/>
+            <a:ext cx="5337217" cy="738664"/>
           </a:xfrm>
           <a:prstGeom prst="rect">
             <a:avLst/>
@@ -20425,162 +21620,87 @@
           </a:bodyPr>
           <a:lstStyle/>
           <a:p>
-            <a:r>
-              <a:rPr lang="es-ES" b="0" i="0" dirty="0">
+            <a:pPr algn="ctr"/>
+            <a:r>
+              <a:rPr lang="es-CO" dirty="0" smtClean="0">
                 <a:solidFill>
-                  <a:srgbClr val="202122"/>
+                  <a:schemeClr val="bg1"/>
                 </a:solidFill>
-                <a:effectLst/>
-                <a:latin typeface="Arial" panose="020B0604020202020204" pitchFamily="34" charset="0"/>
               </a:rPr>
-              <a:t> </a:t>
-            </a:r>
-            <a:endParaRPr lang="es-CO" dirty="0"/>
-          </a:p>
-        </p:txBody>
-      </p:sp>
-      <p:sp>
-        <p:nvSpPr>
-          <p:cNvPr id="4" name="CuadroTexto 3">
-            <a:extLst>
-              <a:ext uri="{FF2B5EF4-FFF2-40B4-BE49-F238E27FC236}">
-                <a16:creationId xmlns:a16="http://schemas.microsoft.com/office/drawing/2014/main" id="{A2D86EE8-BF55-4F35-A8B5-69743B8E6095}"/>
-              </a:ext>
-            </a:extLst>
-          </p:cNvPr>
-          <p:cNvSpPr txBox="1"/>
-          <p:nvPr/>
-        </p:nvSpPr>
-        <p:spPr>
-          <a:xfrm>
-            <a:off x="803880" y="1571348"/>
-            <a:ext cx="10630559" cy="1815882"/>
-          </a:xfrm>
-          <a:prstGeom prst="rect">
-            <a:avLst/>
-          </a:prstGeom>
-          <a:noFill/>
-        </p:spPr>
-        <p:txBody>
-          <a:bodyPr wrap="square" rtlCol="0">
-            <a:spAutoFit/>
-          </a:bodyPr>
-          <a:lstStyle/>
-          <a:p>
-            <a:endParaRPr lang="es-ES" dirty="0"/>
+              <a:t>Para ver las demás demostraciones visitar este link:</a:t>
+            </a:r>
           </a:p>
           <a:p>
-            <a:r>
-              <a:rPr lang="es-ES" dirty="0"/>
-              <a:t>Especifique los pasos</a:t>
-            </a:r>
+            <a:pPr algn="ctr"/>
+            <a:endParaRPr lang="es-CO" dirty="0">
+              <a:solidFill>
+                <a:schemeClr val="bg1"/>
+              </a:solidFill>
+            </a:endParaRPr>
           </a:p>
           <a:p>
-            <a:r>
-              <a:rPr lang="es-ES" dirty="0"/>
-              <a:t>Para abrir un archivo en </a:t>
-            </a:r>
-            <a:r>
-              <a:rPr lang="es-ES" dirty="0" err="1"/>
-              <a:t>cvs</a:t>
-            </a:r>
-            <a:r>
-              <a:rPr lang="es-ES" dirty="0"/>
-              <a:t> con datos de imágenes y convertirlo en matriz</a:t>
-            </a:r>
-          </a:p>
-          <a:p>
-            <a:r>
-              <a:rPr lang="es-ES" dirty="0"/>
-              <a:t>Intente con </a:t>
-            </a:r>
-            <a:r>
-              <a:rPr lang="es-ES" dirty="0" err="1"/>
-              <a:t>almenos</a:t>
-            </a:r>
-            <a:r>
-              <a:rPr lang="es-ES" dirty="0"/>
-              <a:t> un archivo de cada una de las carpetas</a:t>
-            </a:r>
-          </a:p>
-          <a:p>
+            <a:pPr algn="ctr"/>
+            <a:r>
+              <a:rPr lang="es-CO" dirty="0" err="1">
+                <a:solidFill>
+                  <a:schemeClr val="bg1"/>
+                </a:solidFill>
+                <a:hlinkClick r:id="rId7" tooltip="https://colab.research.google.com/drive/1pf1bh3zdgivsarhjajixu2rz83g9inxk#scrollto=bnrl1tcovcxx"/>
+              </a:rPr>
+              <a:t>vaquita.ipynb</a:t>
+            </a:r>
             <a:r>
               <a:rPr lang="es-CO" dirty="0">
-                <a:hlinkClick r:id="rId6"/>
+                <a:solidFill>
+                  <a:schemeClr val="bg1"/>
+                </a:solidFill>
+                <a:hlinkClick r:id="rId7" tooltip="https://colab.research.google.com/drive/1pf1bh3zdgivsarhjajixu2rz83g9inxk#scrollto=bnrl1tcovcxx"/>
               </a:rPr>
-              <a:t>ST0245-Eafit/proyecto/</a:t>
+              <a:t> - </a:t>
             </a:r>
             <a:r>
               <a:rPr lang="es-CO" dirty="0" err="1">
-                <a:hlinkClick r:id="rId6"/>
+                <a:solidFill>
+                  <a:schemeClr val="bg1"/>
+                </a:solidFill>
+                <a:hlinkClick r:id="rId7" tooltip="https://colab.research.google.com/drive/1pf1bh3zdgivsarhjajixu2rz83g9inxk#scrollto=bnrl1tcovcxx"/>
               </a:rPr>
-              <a:t>datasets</a:t>
+              <a:t>Colaboratory</a:t>
             </a:r>
             <a:r>
               <a:rPr lang="es-CO" dirty="0">
-                <a:hlinkClick r:id="rId6"/>
+                <a:solidFill>
+                  <a:schemeClr val="bg1"/>
+                </a:solidFill>
+                <a:hlinkClick r:id="rId7" tooltip="https://colab.research.google.com/drive/1pf1bh3zdgivsarhjajixu2rz83g9inxk#scrollto=bnrl1tcovcxx"/>
               </a:rPr>
-              <a:t>/</a:t>
-            </a:r>
-            <a:r>
-              <a:rPr lang="es-CO" dirty="0" err="1">
-                <a:hlinkClick r:id="rId6"/>
-              </a:rPr>
-              <a:t>csv</a:t>
-            </a:r>
-            <a:r>
-              <a:rPr lang="es-CO" dirty="0">
-                <a:hlinkClick r:id="rId6"/>
-              </a:rPr>
-              <a:t>/</a:t>
-            </a:r>
-            <a:r>
-              <a:rPr lang="es-CO" dirty="0" err="1">
-                <a:hlinkClick r:id="rId6"/>
-              </a:rPr>
-              <a:t>paraEntrenarYProbarLaIA</a:t>
-            </a:r>
-            <a:r>
-              <a:rPr lang="es-CO" dirty="0">
-                <a:hlinkClick r:id="rId6"/>
-              </a:rPr>
-              <a:t> at master · </a:t>
-            </a:r>
-            <a:r>
-              <a:rPr lang="es-CO" dirty="0" err="1">
-                <a:hlinkClick r:id="rId6"/>
-              </a:rPr>
-              <a:t>mauriciotoro</a:t>
-            </a:r>
-            <a:r>
-              <a:rPr lang="es-CO" dirty="0">
-                <a:hlinkClick r:id="rId6"/>
-              </a:rPr>
-              <a:t>/ST0245-Eafit (github.com)</a:t>
-            </a:r>
-            <a:endParaRPr lang="es-ES" dirty="0"/>
-          </a:p>
-          <a:p>
-            <a:endParaRPr lang="es-ES" dirty="0"/>
-          </a:p>
-          <a:p>
-            <a:endParaRPr lang="es-ES" dirty="0"/>
-          </a:p>
-          <a:p>
-            <a:endParaRPr lang="es-CO" dirty="0"/>
+              <a:t> (google.com)</a:t>
+            </a:r>
+            <a:endParaRPr lang="es-CO" dirty="0">
+              <a:solidFill>
+                <a:schemeClr val="bg1"/>
+              </a:solidFill>
+            </a:endParaRPr>
           </a:p>
         </p:txBody>
       </p:sp>
     </p:spTree>
     <p:extLst>
       <p:ext uri="{BB962C8B-B14F-4D97-AF65-F5344CB8AC3E}">
-        <p14:creationId xmlns:p14="http://schemas.microsoft.com/office/powerpoint/2010/main" val="2008088344"/>
+        <p14:creationId xmlns:p14="http://schemas.microsoft.com/office/powerpoint/2010/main" val="2746444512"/>
       </p:ext>
     </p:extLst>
   </p:cSld>
   <p:clrMapOvr>
     <a:masterClrMapping/>
   </p:clrMapOvr>
+  <p:timing>
+    <p:tnLst>
+      <p:par>
+        <p:cTn id="1" dur="indefinite" restart="never" nodeType="tmRoot"/>
+      </p:par>
+    </p:tnLst>
+  </p:timing>
 </p:sld>
 </file>
 
@@ -21528,6 +22648,13 @@
   <p:clrMapOvr>
     <a:masterClrMapping/>
   </p:clrMapOvr>
+  <p:timing>
+    <p:tnLst>
+      <p:par>
+        <p:cTn id="1" dur="indefinite" restart="never" nodeType="tmRoot"/>
+      </p:par>
+    </p:tnLst>
+  </p:timing>
 </p:sld>
 </file>
 
@@ -22405,6 +23532,13 @@
   <p:clrMapOvr>
     <a:masterClrMapping/>
   </p:clrMapOvr>
+  <p:timing>
+    <p:tnLst>
+      <p:par>
+        <p:cTn id="1" dur="indefinite" restart="never" nodeType="tmRoot"/>
+      </p:par>
+    </p:tnLst>
+  </p:timing>
 </p:sld>
 </file>
 
@@ -23357,6 +24491,13 @@
   <p:clrMapOvr>
     <a:masterClrMapping/>
   </p:clrMapOvr>
+  <p:timing>
+    <p:tnLst>
+      <p:par>
+        <p:cTn id="1" dur="indefinite" restart="never" nodeType="tmRoot"/>
+      </p:par>
+    </p:tnLst>
+  </p:timing>
 </p:sld>
 </file>
 
@@ -23784,6 +24925,13 @@
   <p:clrMapOvr>
     <a:masterClrMapping/>
   </p:clrMapOvr>
+  <p:timing>
+    <p:tnLst>
+      <p:par>
+        <p:cTn id="1" dur="indefinite" restart="never" nodeType="tmRoot"/>
+      </p:par>
+    </p:tnLst>
+  </p:timing>
 </p:sld>
 </file>
 
@@ -25729,11 +26877,7 @@
           <a:p>
             <a:r>
               <a:rPr lang="es-CO" dirty="0" smtClean="0"/>
-              <a:t>La capa de entrada recibe información de los pixeles y la guarda en cada neurona como un número entre 0 y 1. Luego se pasa a las capas ocultas, cada una tiene un peso, el cual se multiplica por los valores de las neuronas anteriore</a:t>
-            </a:r>
-            <a:r>
-              <a:rPr lang="es-CO" dirty="0" smtClean="0"/>
-              <a:t>s que evalúa y la suma de estas es el valor que se guarda en la neurona de dicha capa. Cada capa oculta se enfoca en partes específicas del archivo. Finalmente en la capa de salida también se multiplica por los pesos y el valor que de en cada neurona representa la probabilidad que sea ese objeto.</a:t>
+              <a:t>La capa de entrada recibe información de los pixeles y la guarda en cada neurona como un número entre 0 y 1. Luego se pasa a las capas ocultas, cada una tiene un peso, el cual se multiplica por los valores de las neuronas anteriores que evalúa y la suma de estas es el valor que se guarda en la neurona de dicha capa. Cada capa oculta se enfoca en partes específicas del archivo. Finalmente en la capa de salida también se multiplica por los pesos y el valor que de en cada neurona representa la probabilidad que sea ese objeto.</a:t>
             </a:r>
             <a:endParaRPr lang="pt-BR" dirty="0"/>
           </a:p>
